--- a/6. Docs/Bartosz_Reszka_Piwowarski_Prezentacja.pptx
+++ b/6. Docs/Bartosz_Reszka_Piwowarski_Prezentacja.pptx
@@ -5,7 +5,7 @@
     <p:sldMasterId id="2147483660" r:id="rId4"/>
   </p:sldMasterIdLst>
   <p:notesMasterIdLst>
-    <p:notesMasterId r:id="rId13"/>
+    <p:notesMasterId r:id="rId14"/>
   </p:notesMasterIdLst>
   <p:sldIdLst>
     <p:sldId id="256" r:id="rId5"/>
@@ -16,6 +16,7 @@
     <p:sldId id="4437" r:id="rId10"/>
     <p:sldId id="4438" r:id="rId11"/>
     <p:sldId id="4440" r:id="rId12"/>
+    <p:sldId id="4442" r:id="rId13"/>
   </p:sldIdLst>
   <p:sldSz cx="12192000" cy="6858000"/>
   <p:notesSz cx="6858000" cy="9144000"/>
@@ -323,7 +324,7 @@
           <a:p>
             <a:fld id="{2593D5D9-7C3B-40F9-9AB8-DDFAEE6819C1}" type="datetimeFigureOut">
               <a:rPr lang="pl-PL" smtClean="0"/>
-              <a:t>16.05.2024</a:t>
+              <a:t>23.05.2024</a:t>
             </a:fld>
             <a:endParaRPr lang="pl-PL"/>
           </a:p>
@@ -481,7 +482,7 @@
           <a:p>
             <a:fld id="{928FF68F-06B8-46C0-BF33-1B7AE6637A56}" type="slidenum">
               <a:rPr lang="pl-PL" smtClean="0"/>
-              <a:t>‹Nr.›</a:t>
+              <a:t>‹#›</a:t>
             </a:fld>
             <a:endParaRPr lang="pl-PL"/>
           </a:p>
@@ -1465,6 +1466,133 @@
     <p:extLst>
       <p:ext uri="{BB962C8B-B14F-4D97-AF65-F5344CB8AC3E}">
         <p14:creationId xmlns:p14="http://schemas.microsoft.com/office/powerpoint/2010/main" val="2215429078"/>
+      </p:ext>
+    </p:extLst>
+  </p:cSld>
+  <p:clrMapOvr>
+    <a:masterClrMapping/>
+  </p:clrMapOvr>
+</p:notes>
+</file>
+
+<file path=ppt/notesSlides/notesSlide8.xml><?xml version="1.0" encoding="utf-8"?>
+<p:notes xmlns:a="http://schemas.openxmlformats.org/drawingml/2006/main" xmlns:r="http://schemas.openxmlformats.org/officeDocument/2006/relationships" xmlns:p="http://schemas.openxmlformats.org/presentationml/2006/main" showMasterSp="0" showMasterPhAnim="0">
+  <p:cSld>
+    <p:spTree>
+      <p:nvGrpSpPr>
+        <p:cNvPr id="1" name="Shape 198"/>
+        <p:cNvGrpSpPr/>
+        <p:nvPr/>
+      </p:nvGrpSpPr>
+      <p:grpSpPr>
+        <a:xfrm>
+          <a:off x="0" y="0"/>
+          <a:ext cx="0" cy="0"/>
+          <a:chOff x="0" y="0"/>
+          <a:chExt cx="0" cy="0"/>
+        </a:xfrm>
+      </p:grpSpPr>
+      <p:sp>
+        <p:nvSpPr>
+          <p:cNvPr id="199" name="Google Shape;199;gafb9c603b2_0_26:notes"/>
+          <p:cNvSpPr txBox="1">
+            <a:spLocks noGrp="1"/>
+          </p:cNvSpPr>
+          <p:nvPr>
+            <p:ph type="body" idx="1"/>
+          </p:nvPr>
+        </p:nvSpPr>
+        <p:spPr>
+          <a:xfrm>
+            <a:off x="685800" y="4400550"/>
+            <a:ext cx="5486400" cy="3600600"/>
+          </a:xfrm>
+          <a:prstGeom prst="rect">
+            <a:avLst/>
+          </a:prstGeom>
+          <a:noFill/>
+          <a:ln>
+            <a:noFill/>
+          </a:ln>
+        </p:spPr>
+        <p:txBody>
+          <a:bodyPr spcFirstLastPara="1" wrap="square" lIns="91425" tIns="45700" rIns="91425" bIns="45700" anchor="t" anchorCtr="0">
+            <a:noAutofit/>
+          </a:bodyPr>
+          <a:lstStyle/>
+          <a:p>
+            <a:pPr marL="0" lvl="0" indent="0" algn="l" rtl="0">
+              <a:lnSpc>
+                <a:spcPct val="100000"/>
+              </a:lnSpc>
+              <a:spcBef>
+                <a:spcPts val="0"/>
+              </a:spcBef>
+              <a:spcAft>
+                <a:spcPts val="0"/>
+              </a:spcAft>
+              <a:buSzPts val="1400"/>
+              <a:buNone/>
+            </a:pPr>
+            <a:endParaRPr/>
+          </a:p>
+        </p:txBody>
+      </p:sp>
+      <p:sp>
+        <p:nvSpPr>
+          <p:cNvPr id="200" name="Google Shape;200;gafb9c603b2_0_26:notes"/>
+          <p:cNvSpPr>
+            <a:spLocks noGrp="1" noRot="1" noChangeAspect="1"/>
+          </p:cNvSpPr>
+          <p:nvPr>
+            <p:ph type="sldImg" idx="2"/>
+          </p:nvPr>
+        </p:nvSpPr>
+        <p:spPr>
+          <a:xfrm>
+            <a:off x="685800" y="1143000"/>
+            <a:ext cx="5486400" cy="3086100"/>
+          </a:xfrm>
+          <a:custGeom>
+            <a:avLst/>
+            <a:gdLst/>
+            <a:ahLst/>
+            <a:cxnLst/>
+            <a:rect l="l" t="t" r="r" b="b"/>
+            <a:pathLst>
+              <a:path w="120000" h="120000" extrusionOk="0">
+                <a:moveTo>
+                  <a:pt x="0" y="0"/>
+                </a:moveTo>
+                <a:lnTo>
+                  <a:pt x="120000" y="0"/>
+                </a:lnTo>
+                <a:lnTo>
+                  <a:pt x="120000" y="120000"/>
+                </a:lnTo>
+                <a:lnTo>
+                  <a:pt x="0" y="120000"/>
+                </a:lnTo>
+                <a:close/>
+              </a:path>
+            </a:pathLst>
+          </a:custGeom>
+          <a:noFill/>
+          <a:ln w="12700" cap="flat" cmpd="sng">
+            <a:solidFill>
+              <a:srgbClr val="000000"/>
+            </a:solidFill>
+            <a:prstDash val="solid"/>
+            <a:round/>
+            <a:headEnd type="none" w="sm" len="sm"/>
+            <a:tailEnd type="none" w="sm" len="sm"/>
+          </a:ln>
+        </p:spPr>
+      </p:sp>
+    </p:spTree>
+    <p:extLst>
+      <p:ext uri="{BB962C8B-B14F-4D97-AF65-F5344CB8AC3E}">
+        <p14:creationId xmlns:p14="http://schemas.microsoft.com/office/powerpoint/2010/main" val="3531512206"/>
       </p:ext>
     </p:extLst>
   </p:cSld>
@@ -3344,7 +3472,7 @@
             <a:fld id="{00000000-1234-1234-1234-123412341234}" type="slidenum">
               <a:rPr lang="pl-PL" smtClean="0"/>
               <a:pPr/>
-              <a:t>‹Nr.›</a:t>
+              <a:t>‹#›</a:t>
             </a:fld>
             <a:endParaRPr lang="pl-PL"/>
           </a:p>
@@ -4510,7 +4638,7 @@
             <a:fld id="{00000000-1234-1234-1234-123412341234}" type="slidenum">
               <a:rPr lang="pl-PL" smtClean="0"/>
               <a:pPr/>
-              <a:t>‹Nr.›</a:t>
+              <a:t>‹#›</a:t>
             </a:fld>
             <a:endParaRPr lang="pl-PL"/>
           </a:p>
@@ -6165,7 +6293,7 @@
             <a:fld id="{00000000-1234-1234-1234-123412341234}" type="slidenum">
               <a:rPr lang="pl-PL" smtClean="0"/>
               <a:pPr/>
-              <a:t>‹Nr.›</a:t>
+              <a:t>‹#›</a:t>
             </a:fld>
             <a:endParaRPr lang="pl-PL"/>
           </a:p>
@@ -7051,7 +7179,7 @@
             <a:fld id="{00000000-1234-1234-1234-123412341234}" type="slidenum">
               <a:rPr lang="pl-PL" smtClean="0"/>
               <a:pPr/>
-              <a:t>‹Nr.›</a:t>
+              <a:t>‹#›</a:t>
             </a:fld>
             <a:endParaRPr lang="pl-PL"/>
           </a:p>
@@ -7867,7 +7995,7 @@
             <a:fld id="{00000000-1234-1234-1234-123412341234}" type="slidenum">
               <a:rPr lang="pl-PL" smtClean="0"/>
               <a:pPr/>
-              <a:t>‹Nr.›</a:t>
+              <a:t>‹#›</a:t>
             </a:fld>
             <a:endParaRPr lang="pl-PL"/>
           </a:p>
@@ -8977,7 +9105,7 @@
             <a:fld id="{00000000-1234-1234-1234-123412341234}" type="slidenum">
               <a:rPr lang="pl-PL" smtClean="0"/>
               <a:pPr/>
-              <a:t>‹Nr.›</a:t>
+              <a:t>‹#›</a:t>
             </a:fld>
             <a:endParaRPr lang="pl-PL"/>
           </a:p>
@@ -10411,7 +10539,7 @@
             <a:fld id="{00000000-1234-1234-1234-123412341234}" type="slidenum">
               <a:rPr lang="pl-PL" smtClean="0"/>
               <a:pPr/>
-              <a:t>‹Nr.›</a:t>
+              <a:t>‹#›</a:t>
             </a:fld>
             <a:endParaRPr lang="pl-PL"/>
           </a:p>
@@ -11697,7 +11825,7 @@
             <a:fld id="{00000000-1234-1234-1234-123412341234}" type="slidenum">
               <a:rPr lang="pl-PL" smtClean="0"/>
               <a:pPr/>
-              <a:t>‹Nr.›</a:t>
+              <a:t>‹#›</a:t>
             </a:fld>
             <a:endParaRPr lang="pl-PL"/>
           </a:p>
@@ -13493,7 +13621,7 @@
             <a:fld id="{00000000-1234-1234-1234-123412341234}" type="slidenum">
               <a:rPr lang="pl-PL" smtClean="0"/>
               <a:pPr/>
-              <a:t>‹Nr.›</a:t>
+              <a:t>‹#›</a:t>
             </a:fld>
             <a:endParaRPr lang="pl-PL"/>
           </a:p>
@@ -15583,7 +15711,7 @@
             <a:fld id="{00000000-1234-1234-1234-123412341234}" type="slidenum">
               <a:rPr lang="pl-PL" smtClean="0"/>
               <a:pPr/>
-              <a:t>‹Nr.›</a:t>
+              <a:t>‹#›</a:t>
             </a:fld>
             <a:endParaRPr lang="pl-PL"/>
           </a:p>
@@ -17431,7 +17559,7 @@
             <a:fld id="{00000000-1234-1234-1234-123412341234}" type="slidenum">
               <a:rPr lang="pl-PL" smtClean="0"/>
               <a:pPr/>
-              <a:t>‹Nr.›</a:t>
+              <a:t>‹#›</a:t>
             </a:fld>
             <a:endParaRPr lang="pl-PL"/>
           </a:p>
@@ -18985,7 +19113,7 @@
             <a:fld id="{00000000-1234-1234-1234-123412341234}" type="slidenum">
               <a:rPr lang="pl-PL" smtClean="0"/>
               <a:pPr/>
-              <a:t>‹Nr.›</a:t>
+              <a:t>‹#›</a:t>
             </a:fld>
             <a:endParaRPr lang="pl-PL"/>
           </a:p>
@@ -20539,7 +20667,7 @@
             <a:fld id="{00000000-1234-1234-1234-123412341234}" type="slidenum">
               <a:rPr lang="pl-PL" smtClean="0"/>
               <a:pPr/>
-              <a:t>‹Nr.›</a:t>
+              <a:t>‹#›</a:t>
             </a:fld>
             <a:endParaRPr lang="pl-PL"/>
           </a:p>
@@ -22282,7 +22410,7 @@
             <a:fld id="{00000000-1234-1234-1234-123412341234}" type="slidenum">
               <a:rPr lang="pl-PL" smtClean="0"/>
               <a:pPr/>
-              <a:t>‹Nr.›</a:t>
+              <a:t>‹#›</a:t>
             </a:fld>
             <a:endParaRPr lang="pl-PL"/>
           </a:p>
@@ -23422,7 +23550,7 @@
             <a:fld id="{00000000-1234-1234-1234-123412341234}" type="slidenum">
               <a:rPr lang="pl-PL" smtClean="0"/>
               <a:pPr/>
-              <a:t>‹Nr.›</a:t>
+              <a:t>‹#›</a:t>
             </a:fld>
             <a:endParaRPr lang="pl-PL"/>
           </a:p>
@@ -25148,7 +25276,7 @@
             <a:fld id="{00000000-1234-1234-1234-123412341234}" type="slidenum">
               <a:rPr lang="pl-PL" smtClean="0"/>
               <a:pPr/>
-              <a:t>‹Nr.›</a:t>
+              <a:t>‹#›</a:t>
             </a:fld>
             <a:endParaRPr lang="pl-PL"/>
           </a:p>
@@ -26024,7 +26152,7 @@
                 <a:srgbClr val="000000"/>
               </a:buClr>
             </a:pPr>
-            <a:endParaRPr sz="1270" kern="0">
+            <a:endParaRPr sz="1270" kern="0" dirty="0">
               <a:solidFill>
                 <a:srgbClr val="000000"/>
               </a:solidFill>
@@ -26073,7 +26201,7 @@
                 <a:srgbClr val="000000"/>
               </a:buClr>
             </a:pPr>
-            <a:endParaRPr sz="1270" kern="0">
+            <a:endParaRPr sz="1270" kern="0" dirty="0">
               <a:solidFill>
                 <a:srgbClr val="000000"/>
               </a:solidFill>
@@ -29720,7 +29848,18 @@
                 <a:ea typeface="+mn-ea"/>
                 <a:cs typeface="+mn-cs"/>
               </a:rPr>
-              <a:t>5. Nazwa slajdu</a:t>
+              <a:t>5. Notebooks</a:t>
+            </a:r>
+            <a:r>
+              <a:rPr lang="de-DE" sz="2900" dirty="0">
+                <a:solidFill>
+                  <a:srgbClr val="002C58"/>
+                </a:solidFill>
+                <a:latin typeface="Helvetica" pitchFamily="2" charset="0"/>
+                <a:ea typeface="+mn-ea"/>
+                <a:cs typeface="+mn-cs"/>
+              </a:rPr>
+              <a:t> - 01</a:t>
             </a:r>
             <a:endParaRPr lang="pl-PL" sz="2900" dirty="0">
               <a:latin typeface="Helvetica" pitchFamily="2" charset="0"/>
@@ -29742,8 +29881,8 @@
         </p:nvSpPr>
         <p:spPr>
           <a:xfrm>
-            <a:off x="571614" y="878149"/>
-            <a:ext cx="8405489" cy="1107996"/>
+            <a:off x="571615" y="878149"/>
+            <a:ext cx="11001282" cy="4062651"/>
           </a:xfrm>
           <a:prstGeom prst="rect">
             <a:avLst/>
@@ -29756,34 +29895,210 @@
           </a:bodyPr>
           <a:lstStyle/>
           <a:p>
-            <a:pPr marL="285750" indent="-285750">
-              <a:buFont typeface="Arial" panose="020B0604020202020204" pitchFamily="34" charset="0"/>
-              <a:buChar char="•"/>
-            </a:pPr>
-            <a:r>
-              <a:rPr lang="pl-PL" sz="2400" dirty="0" err="1">
+            <a:r>
+              <a:rPr lang="pl-PL" sz="1200" dirty="0">
                 <a:latin typeface="Helvetica" pitchFamily="2" charset="0"/>
               </a:rPr>
-              <a:t>Sssssss</a:t>
-            </a:r>
-            <a:endParaRPr lang="pl-PL" sz="2400" dirty="0">
-              <a:latin typeface="Helvetica" pitchFamily="2" charset="0"/>
-            </a:endParaRPr>
+              <a:t>W notebooku</a:t>
+            </a:r>
+            <a:r>
+              <a:rPr lang="de-DE" sz="1200" dirty="0">
+                <a:latin typeface="Helvetica" pitchFamily="2" charset="0"/>
+              </a:rPr>
+              <a:t> 01</a:t>
+            </a:r>
+            <a:r>
+              <a:rPr lang="pl-PL" sz="1200" dirty="0">
+                <a:latin typeface="Helvetica" pitchFamily="2" charset="0"/>
+              </a:rPr>
+              <a:t> zostały zrealizowane następujące zadania związane z przetwarzaniem danych pogodowych:</a:t>
+            </a:r>
           </a:p>
           <a:p>
             <a:pPr marL="285750" indent="-285750">
               <a:buFont typeface="Arial" panose="020B0604020202020204" pitchFamily="34" charset="0"/>
               <a:buChar char="•"/>
             </a:pPr>
-            <a:r>
-              <a:rPr lang="pl-PL" sz="2400" dirty="0" err="1">
-                <a:latin typeface="Helvetica" pitchFamily="2" charset="0"/>
-              </a:rPr>
-              <a:t>Sssssss</a:t>
-            </a:r>
-            <a:endParaRPr lang="pl-PL" sz="2400" dirty="0">
+            <a:endParaRPr lang="pl-PL" sz="1200" dirty="0">
               <a:latin typeface="Helvetica" pitchFamily="2" charset="0"/>
             </a:endParaRPr>
+          </a:p>
+          <a:p>
+            <a:r>
+              <a:rPr lang="de-DE" sz="1200" dirty="0">
+                <a:latin typeface="Helvetica" pitchFamily="2" charset="0"/>
+              </a:rPr>
+              <a:t>1. </a:t>
+            </a:r>
+            <a:r>
+              <a:rPr lang="pl-PL" sz="1200" dirty="0">
+                <a:latin typeface="Helvetica" pitchFamily="2" charset="0"/>
+              </a:rPr>
+              <a:t>Pobieranie danych:</a:t>
+            </a:r>
+          </a:p>
+          <a:p>
+            <a:pPr marL="742950" lvl="1" indent="-285750">
+              <a:buFont typeface="Arial" panose="020B0604020202020204" pitchFamily="34" charset="0"/>
+              <a:buChar char="•"/>
+            </a:pPr>
+            <a:r>
+              <a:rPr lang="pl-PL" sz="1200" dirty="0">
+                <a:latin typeface="Helvetica" pitchFamily="2" charset="0"/>
+              </a:rPr>
+              <a:t>Dane pogodowe pochodzą z serwisu OpenWeather i obejmują okres od 01.01.1971 do 31.12.2023 dla trzech lokalizacji: Bożańska (Polska), Wałcz Drugi (Polska) oraz Baden-Baden (Niemcy).</a:t>
+            </a:r>
+            <a:endParaRPr lang="de-DE" sz="1200" dirty="0">
+              <a:latin typeface="Helvetica" pitchFamily="2" charset="0"/>
+            </a:endParaRPr>
+          </a:p>
+          <a:p>
+            <a:pPr marL="742950" lvl="1" indent="-285750">
+              <a:buFont typeface="Arial" panose="020B0604020202020204" pitchFamily="34" charset="0"/>
+              <a:buChar char="•"/>
+            </a:pPr>
+            <a:endParaRPr lang="pl-PL" sz="1200" dirty="0">
+              <a:latin typeface="Helvetica" pitchFamily="2" charset="0"/>
+            </a:endParaRPr>
+          </a:p>
+          <a:p>
+            <a:r>
+              <a:rPr lang="de-DE" sz="1200" dirty="0">
+                <a:latin typeface="Helvetica" pitchFamily="2" charset="0"/>
+              </a:rPr>
+              <a:t>2. </a:t>
+            </a:r>
+            <a:r>
+              <a:rPr lang="pl-PL" sz="1200" dirty="0">
+                <a:latin typeface="Helvetica" pitchFamily="2" charset="0"/>
+              </a:rPr>
+              <a:t>Struktura danych:</a:t>
+            </a:r>
+          </a:p>
+          <a:p>
+            <a:pPr marL="742950" lvl="1" indent="-285750">
+              <a:buFont typeface="Arial" panose="020B0604020202020204" pitchFamily="34" charset="0"/>
+              <a:buChar char="•"/>
+            </a:pPr>
+            <a:r>
+              <a:rPr lang="pl-PL" sz="1200" dirty="0">
+                <a:latin typeface="Helvetica" pitchFamily="2" charset="0"/>
+              </a:rPr>
+              <a:t>Dane zawierają informacje takie jak: nazwa miasta, współrzędne geograficzne, temperatura (średnia, minimalna, maksymalna), ciśnienie, wilgotność, prędkość i kierunek wiatru, zachmurzenie oraz opady.</a:t>
+            </a:r>
+            <a:endParaRPr lang="de-DE" sz="1200" dirty="0">
+              <a:latin typeface="Helvetica" pitchFamily="2" charset="0"/>
+            </a:endParaRPr>
+          </a:p>
+          <a:p>
+            <a:pPr marL="742950" lvl="1" indent="-285750">
+              <a:buFont typeface="Arial" panose="020B0604020202020204" pitchFamily="34" charset="0"/>
+              <a:buChar char="•"/>
+            </a:pPr>
+            <a:endParaRPr lang="pl-PL" sz="1200" dirty="0">
+              <a:latin typeface="Helvetica" pitchFamily="2" charset="0"/>
+            </a:endParaRPr>
+          </a:p>
+          <a:p>
+            <a:r>
+              <a:rPr lang="de-DE" sz="1200" dirty="0">
+                <a:latin typeface="Helvetica" pitchFamily="2" charset="0"/>
+              </a:rPr>
+              <a:t>3. </a:t>
+            </a:r>
+            <a:r>
+              <a:rPr lang="pl-PL" sz="1200" dirty="0">
+                <a:latin typeface="Helvetica" pitchFamily="2" charset="0"/>
+              </a:rPr>
+              <a:t>Przygotowanie danych:</a:t>
+            </a:r>
+          </a:p>
+          <a:p>
+            <a:pPr marL="742950" lvl="1" indent="-285750">
+              <a:buFont typeface="Arial" panose="020B0604020202020204" pitchFamily="34" charset="0"/>
+              <a:buChar char="•"/>
+            </a:pPr>
+            <a:r>
+              <a:rPr lang="pl-PL" sz="1200" dirty="0">
+                <a:latin typeface="Helvetica" pitchFamily="2" charset="0"/>
+              </a:rPr>
+              <a:t>Pliki CSV zawierające dane dla poszczególnych miast są odczytywane z folderu.</a:t>
+            </a:r>
+          </a:p>
+          <a:p>
+            <a:pPr marL="742950" lvl="1" indent="-285750">
+              <a:buFont typeface="Arial" panose="020B0604020202020204" pitchFamily="34" charset="0"/>
+              <a:buChar char="•"/>
+            </a:pPr>
+            <a:r>
+              <a:rPr lang="pl-PL" sz="1200" dirty="0">
+                <a:latin typeface="Helvetica" pitchFamily="2" charset="0"/>
+              </a:rPr>
+              <a:t>Dane z poszczególnych plików są łączone w jeden zbiorczy DataFrame.</a:t>
+            </a:r>
+          </a:p>
+          <a:p>
+            <a:pPr marL="742950" lvl="1" indent="-285750">
+              <a:buFont typeface="Arial" panose="020B0604020202020204" pitchFamily="34" charset="0"/>
+              <a:buChar char="•"/>
+            </a:pPr>
+            <a:r>
+              <a:rPr lang="pl-PL" sz="1200" dirty="0">
+                <a:latin typeface="Helvetica" pitchFamily="2" charset="0"/>
+              </a:rPr>
+              <a:t>Do danych dodawana jest kolumna z nazwą miasta na podstawie nazwy pliku.</a:t>
+            </a:r>
+            <a:endParaRPr lang="de-DE" sz="1200" dirty="0">
+              <a:latin typeface="Helvetica" pitchFamily="2" charset="0"/>
+            </a:endParaRPr>
+          </a:p>
+          <a:p>
+            <a:pPr marL="742950" lvl="1" indent="-285750">
+              <a:buFont typeface="Arial" panose="020B0604020202020204" pitchFamily="34" charset="0"/>
+              <a:buChar char="•"/>
+            </a:pPr>
+            <a:endParaRPr lang="pl-PL" sz="1200" dirty="0">
+              <a:latin typeface="Helvetica" pitchFamily="2" charset="0"/>
+            </a:endParaRPr>
+          </a:p>
+          <a:p>
+            <a:r>
+              <a:rPr lang="de-DE" sz="1200" dirty="0">
+                <a:latin typeface="Helvetica" pitchFamily="2" charset="0"/>
+              </a:rPr>
+              <a:t>4. </a:t>
+            </a:r>
+            <a:r>
+              <a:rPr lang="pl-PL" sz="1200" dirty="0">
+                <a:latin typeface="Helvetica" pitchFamily="2" charset="0"/>
+              </a:rPr>
+              <a:t>Kompresja i zapis danych:</a:t>
+            </a:r>
+          </a:p>
+          <a:p>
+            <a:pPr marL="742950" lvl="1" indent="-285750">
+              <a:buFont typeface="Arial" panose="020B0604020202020204" pitchFamily="34" charset="0"/>
+              <a:buChar char="•"/>
+            </a:pPr>
+            <a:r>
+              <a:rPr lang="pl-PL" sz="1200" dirty="0">
+                <a:latin typeface="Helvetica" pitchFamily="2" charset="0"/>
+              </a:rPr>
+              <a:t>Połączone dane są zapisywane do nowego pliku CSV z kompresją gzip w celu zmniejszenia rozmiaru pliku.</a:t>
+            </a:r>
+          </a:p>
+          <a:p>
+            <a:endParaRPr lang="de-DE" sz="1200" dirty="0">
+              <a:latin typeface="Helvetica" pitchFamily="2" charset="0"/>
+            </a:endParaRPr>
+          </a:p>
+          <a:p>
+            <a:r>
+              <a:rPr lang="pl-PL" sz="1200" dirty="0">
+                <a:latin typeface="Helvetica" pitchFamily="2" charset="0"/>
+              </a:rPr>
+              <a:t>Dzięki tym krokom uzyskano gotowy zestaw danych do dalszej analizy i przetwarzania, co pozwala na efektywne zarządzanie dużymi zbiorami danych pogodowych oraz ich analizę w kontekście różnych lokalizacji i okresów czasowych. ​</a:t>
+            </a:r>
           </a:p>
           <a:p>
             <a:endParaRPr lang="pl-PL" dirty="0"/>
@@ -29979,7 +30294,7 @@
                 <a:ea typeface="+mn-ea"/>
                 <a:cs typeface="+mn-cs"/>
               </a:rPr>
-              <a:t>6. Nazwa slajdu</a:t>
+              <a:t>6. Notebooks - 01</a:t>
             </a:r>
             <a:endParaRPr lang="pl-PL" sz="2900" dirty="0">
               <a:latin typeface="Helvetica" pitchFamily="2" charset="0"/>
@@ -30001,8 +30316,8 @@
         </p:nvSpPr>
         <p:spPr>
           <a:xfrm>
-            <a:off x="571614" y="878149"/>
-            <a:ext cx="8405489" cy="1107996"/>
+            <a:off x="6096000" y="612844"/>
+            <a:ext cx="5476897" cy="4832092"/>
           </a:xfrm>
           <a:prstGeom prst="rect">
             <a:avLst/>
@@ -30015,37 +30330,139 @@
           </a:bodyPr>
           <a:lstStyle/>
           <a:p>
-            <a:pPr marL="285750" indent="-285750">
-              <a:buFont typeface="Arial" panose="020B0604020202020204" pitchFamily="34" charset="0"/>
-              <a:buChar char="•"/>
-            </a:pPr>
-            <a:r>
-              <a:rPr lang="pl-PL" sz="2400" dirty="0" err="1">
-                <a:latin typeface="Helvetica" pitchFamily="2" charset="0"/>
-              </a:rPr>
-              <a:t>Sssssss</a:t>
-            </a:r>
-            <a:endParaRPr lang="pl-PL" sz="2400" dirty="0">
-              <a:latin typeface="Helvetica" pitchFamily="2" charset="0"/>
+            <a:r>
+              <a:rPr lang="pl-PL" sz="1100" b="0" dirty="0">
+                <a:solidFill>
+                  <a:srgbClr val="000000"/>
+                </a:solidFill>
+                <a:effectLst/>
+                <a:latin typeface="Consolas" panose="020B0609020204030204" pitchFamily="49" charset="0"/>
+              </a:rPr>
+              <a:t>Kod ten agreguje dane w kolumnie weather_main dla grupowanego zestawu danych i wybiera najczęściej występującą wartość (modę) dla tej kolumny. Funkcja mode() z pakietu pandas zwraca najczęściej występującą wartość w danym zbiorze danych. W kontekście tego kodu:</a:t>
+            </a:r>
+          </a:p>
+          <a:p>
+            <a:endParaRPr lang="pl-PL" sz="1100" b="0" dirty="0">
+              <a:solidFill>
+                <a:srgbClr val="000000"/>
+              </a:solidFill>
+              <a:effectLst/>
+              <a:latin typeface="Consolas" panose="020B0609020204030204" pitchFamily="49" charset="0"/>
             </a:endParaRPr>
           </a:p>
           <a:p>
-            <a:pPr marL="285750" indent="-285750">
-              <a:buFont typeface="Arial" panose="020B0604020202020204" pitchFamily="34" charset="0"/>
-              <a:buChar char="•"/>
-            </a:pPr>
-            <a:r>
-              <a:rPr lang="pl-PL" sz="2400" dirty="0" err="1">
-                <a:latin typeface="Helvetica" pitchFamily="2" charset="0"/>
-              </a:rPr>
-              <a:t>Sssssss</a:t>
-            </a:r>
-            <a:endParaRPr lang="pl-PL" sz="2400" dirty="0">
-              <a:latin typeface="Helvetica" pitchFamily="2" charset="0"/>
+            <a:r>
+              <a:rPr lang="pl-PL" sz="1100" b="0" dirty="0">
+                <a:solidFill>
+                  <a:srgbClr val="000000"/>
+                </a:solidFill>
+                <a:effectLst/>
+                <a:latin typeface="Consolas" panose="020B0609020204030204" pitchFamily="49" charset="0"/>
+              </a:rPr>
+              <a:t>- x.mode()[0]: Zwraca pierwszą najczęściej występującą wartość z kolumny weather_main dla danego dnia i miasta. Ponieważ mode() może zwrócić kilka wartości (w przypadku, gdy więcej niż jeden wynik ma tę samą maksymalną liczbę wystąpień), indeks [0] gwarantuje, że zostanie wybrana tylko jedna z nich.</a:t>
+            </a:r>
+          </a:p>
+          <a:p>
+            <a:endParaRPr lang="pl-PL" sz="1100" b="0" dirty="0">
+              <a:solidFill>
+                <a:srgbClr val="000000"/>
+              </a:solidFill>
+              <a:effectLst/>
+              <a:latin typeface="Consolas" panose="020B0609020204030204" pitchFamily="49" charset="0"/>
             </a:endParaRPr>
           </a:p>
           <a:p>
-            <a:endParaRPr lang="pl-PL" dirty="0"/>
+            <a:r>
+              <a:rPr lang="pl-PL" sz="1100" b="0" dirty="0">
+                <a:solidFill>
+                  <a:srgbClr val="000000"/>
+                </a:solidFill>
+                <a:effectLst/>
+                <a:latin typeface="Consolas" panose="020B0609020204030204" pitchFamily="49" charset="0"/>
+              </a:rPr>
+              <a:t>- if not x.mode().empty: Sprawdza, czy wynik funkcji mode() nie jest pusty. Funkcja mode() może zwrócić pusty wynik, jeśli stosowana jest na pustym zbiorze danych, co może się zdarzyć, gdy wszystkie dane dla danej grupy są NaN lub grupa jest pusta.</a:t>
+            </a:r>
+          </a:p>
+          <a:p>
+            <a:endParaRPr lang="pl-PL" sz="1100" b="0" dirty="0">
+              <a:solidFill>
+                <a:srgbClr val="000000"/>
+              </a:solidFill>
+              <a:effectLst/>
+              <a:latin typeface="Consolas" panose="020B0609020204030204" pitchFamily="49" charset="0"/>
+            </a:endParaRPr>
+          </a:p>
+          <a:p>
+            <a:r>
+              <a:rPr lang="pl-PL" sz="1100" b="0" dirty="0">
+                <a:solidFill>
+                  <a:srgbClr val="000000"/>
+                </a:solidFill>
+                <a:effectLst/>
+                <a:latin typeface="Consolas" panose="020B0609020204030204" pitchFamily="49" charset="0"/>
+              </a:rPr>
+              <a:t>- else 'Unknown': Jeśli nie ma żadnej mody (czyli x.mode().empty jest prawdziwe), funkcja zwraca 'Unknown'. To zapewnia wartość domyślną, w przypadku gdy nie można określić typowej pogody dla danej grupy.</a:t>
+            </a:r>
+          </a:p>
+          <a:p>
+            <a:endParaRPr lang="pl-PL" sz="1100" b="0" dirty="0">
+              <a:solidFill>
+                <a:srgbClr val="000000"/>
+              </a:solidFill>
+              <a:effectLst/>
+              <a:latin typeface="Consolas" panose="020B0609020204030204" pitchFamily="49" charset="0"/>
+            </a:endParaRPr>
+          </a:p>
+          <a:p>
+            <a:r>
+              <a:rPr lang="pl-PL" sz="1100" b="0" dirty="0">
+                <a:solidFill>
+                  <a:srgbClr val="000000"/>
+                </a:solidFill>
+                <a:effectLst/>
+                <a:latin typeface="Consolas" panose="020B0609020204030204" pitchFamily="49" charset="0"/>
+              </a:rPr>
+              <a:t>Kod ten jest użyteczny w sytuacjach, gdy chcemy zredukować zmienność danych pogodowych do jednej reprezentatywnej wartości dla każdego dnia, co jest przydatne w analizach związanych z prognozowaniem energii czy badaniach nad wpływem warunków atmosferycznych na różne zjawiska</a:t>
+            </a:r>
+            <a:r>
+              <a:rPr lang="de-DE" sz="1100" b="0" dirty="0">
+                <a:solidFill>
+                  <a:srgbClr val="000000"/>
+                </a:solidFill>
+                <a:effectLst/>
+                <a:latin typeface="Consolas" panose="020B0609020204030204" pitchFamily="49" charset="0"/>
+              </a:rPr>
+              <a:t>.</a:t>
+            </a:r>
+          </a:p>
+          <a:p>
+            <a:endParaRPr lang="de-DE" sz="1100" dirty="0">
+              <a:solidFill>
+                <a:srgbClr val="000000"/>
+              </a:solidFill>
+              <a:latin typeface="Consolas" panose="020B0609020204030204" pitchFamily="49" charset="0"/>
+            </a:endParaRPr>
+          </a:p>
+          <a:p>
+            <a:endParaRPr lang="de-DE" sz="1100" dirty="0">
+              <a:solidFill>
+                <a:srgbClr val="000000"/>
+              </a:solidFill>
+              <a:latin typeface="Consolas" panose="020B0609020204030204" pitchFamily="49" charset="0"/>
+            </a:endParaRPr>
+          </a:p>
+          <a:p>
+            <a:pPr marL="171450" indent="-171450">
+              <a:buFontTx/>
+              <a:buChar char="-"/>
+            </a:pPr>
+            <a:endParaRPr lang="en-US" sz="1100" b="0" dirty="0">
+              <a:solidFill>
+                <a:srgbClr val="000000"/>
+              </a:solidFill>
+              <a:effectLst/>
+              <a:latin typeface="Consolas" panose="020B0609020204030204" pitchFamily="49" charset="0"/>
+            </a:endParaRPr>
           </a:p>
         </p:txBody>
       </p:sp>
@@ -30085,10 +30502,5551 @@
           </a:prstGeom>
         </p:spPr>
       </p:pic>
+      <p:sp>
+        <p:nvSpPr>
+          <p:cNvPr id="4" name="pole tekstowe 4">
+            <a:extLst>
+              <a:ext uri="{FF2B5EF4-FFF2-40B4-BE49-F238E27FC236}">
+                <a16:creationId xmlns:a16="http://schemas.microsoft.com/office/drawing/2014/main" id="{5C19113B-D545-0047-B892-9093ABBE75F9}"/>
+              </a:ext>
+            </a:extLst>
+          </p:cNvPr>
+          <p:cNvSpPr txBox="1"/>
+          <p:nvPr/>
+        </p:nvSpPr>
+        <p:spPr>
+          <a:xfrm>
+            <a:off x="475119" y="612844"/>
+            <a:ext cx="5620882" cy="5355312"/>
+          </a:xfrm>
+          <a:prstGeom prst="rect">
+            <a:avLst/>
+          </a:prstGeom>
+          <a:noFill/>
+        </p:spPr>
+        <p:txBody>
+          <a:bodyPr wrap="square" rtlCol="0">
+            <a:spAutoFit/>
+          </a:bodyPr>
+          <a:lstStyle/>
+          <a:p>
+            <a:r>
+              <a:rPr lang="en-US" sz="900" b="0" i="1" dirty="0">
+                <a:solidFill>
+                  <a:srgbClr val="93A1A1"/>
+                </a:solidFill>
+                <a:effectLst/>
+                <a:highlight>
+                  <a:srgbClr val="FDF6E3"/>
+                </a:highlight>
+                <a:latin typeface="Consolas" panose="020B0609020204030204" pitchFamily="49" charset="0"/>
+              </a:rPr>
+              <a:t># Przekształcenie </a:t>
+            </a:r>
+            <a:r>
+              <a:rPr lang="en-US" sz="900" b="0" i="1" dirty="0" err="1">
+                <a:solidFill>
+                  <a:srgbClr val="93A1A1"/>
+                </a:solidFill>
+                <a:effectLst/>
+                <a:highlight>
+                  <a:srgbClr val="FDF6E3"/>
+                </a:highlight>
+                <a:latin typeface="Consolas" panose="020B0609020204030204" pitchFamily="49" charset="0"/>
+              </a:rPr>
+              <a:t>kolumny</a:t>
+            </a:r>
+            <a:r>
+              <a:rPr lang="en-US" sz="900" b="0" i="1" dirty="0">
+                <a:solidFill>
+                  <a:srgbClr val="93A1A1"/>
+                </a:solidFill>
+                <a:effectLst/>
+                <a:highlight>
+                  <a:srgbClr val="FDF6E3"/>
+                </a:highlight>
+                <a:latin typeface="Consolas" panose="020B0609020204030204" pitchFamily="49" charset="0"/>
+              </a:rPr>
+              <a:t> '</a:t>
+            </a:r>
+            <a:r>
+              <a:rPr lang="en-US" sz="900" b="0" i="1" dirty="0" err="1">
+                <a:solidFill>
+                  <a:srgbClr val="93A1A1"/>
+                </a:solidFill>
+                <a:effectLst/>
+                <a:highlight>
+                  <a:srgbClr val="FDF6E3"/>
+                </a:highlight>
+                <a:latin typeface="Consolas" panose="020B0609020204030204" pitchFamily="49" charset="0"/>
+              </a:rPr>
+              <a:t>dt_iso</a:t>
+            </a:r>
+            <a:r>
+              <a:rPr lang="en-US" sz="900" b="0" i="1" dirty="0">
+                <a:solidFill>
+                  <a:srgbClr val="93A1A1"/>
+                </a:solidFill>
+                <a:effectLst/>
+                <a:highlight>
+                  <a:srgbClr val="FDF6E3"/>
+                </a:highlight>
+                <a:latin typeface="Consolas" panose="020B0609020204030204" pitchFamily="49" charset="0"/>
+              </a:rPr>
+              <a:t>' </a:t>
+            </a:r>
+            <a:r>
+              <a:rPr lang="en-US" sz="900" b="0" i="1" dirty="0" err="1">
+                <a:solidFill>
+                  <a:srgbClr val="93A1A1"/>
+                </a:solidFill>
+                <a:effectLst/>
+                <a:highlight>
+                  <a:srgbClr val="FDF6E3"/>
+                </a:highlight>
+                <a:latin typeface="Consolas" panose="020B0609020204030204" pitchFamily="49" charset="0"/>
+              </a:rPr>
+              <a:t>na</a:t>
+            </a:r>
+            <a:r>
+              <a:rPr lang="en-US" sz="900" b="0" i="1" dirty="0">
+                <a:solidFill>
+                  <a:srgbClr val="93A1A1"/>
+                </a:solidFill>
+                <a:effectLst/>
+                <a:highlight>
+                  <a:srgbClr val="FDF6E3"/>
+                </a:highlight>
+                <a:latin typeface="Consolas" panose="020B0609020204030204" pitchFamily="49" charset="0"/>
+              </a:rPr>
+              <a:t> </a:t>
+            </a:r>
+            <a:r>
+              <a:rPr lang="en-US" sz="900" b="0" i="1" dirty="0" err="1">
+                <a:solidFill>
+                  <a:srgbClr val="93A1A1"/>
+                </a:solidFill>
+                <a:effectLst/>
+                <a:highlight>
+                  <a:srgbClr val="FDF6E3"/>
+                </a:highlight>
+                <a:latin typeface="Consolas" panose="020B0609020204030204" pitchFamily="49" charset="0"/>
+              </a:rPr>
+              <a:t>typ</a:t>
+            </a:r>
+            <a:r>
+              <a:rPr lang="en-US" sz="900" b="0" i="1" dirty="0">
+                <a:solidFill>
+                  <a:srgbClr val="93A1A1"/>
+                </a:solidFill>
+                <a:effectLst/>
+                <a:highlight>
+                  <a:srgbClr val="FDF6E3"/>
+                </a:highlight>
+                <a:latin typeface="Consolas" panose="020B0609020204030204" pitchFamily="49" charset="0"/>
+              </a:rPr>
+              <a:t> </a:t>
+            </a:r>
+            <a:r>
+              <a:rPr lang="en-US" sz="900" b="0" i="1" dirty="0" err="1">
+                <a:solidFill>
+                  <a:srgbClr val="93A1A1"/>
+                </a:solidFill>
+                <a:effectLst/>
+                <a:highlight>
+                  <a:srgbClr val="FDF6E3"/>
+                </a:highlight>
+                <a:latin typeface="Consolas" panose="020B0609020204030204" pitchFamily="49" charset="0"/>
+              </a:rPr>
+              <a:t>daty</a:t>
+            </a:r>
+            <a:r>
+              <a:rPr lang="en-US" sz="900" b="0" i="1" dirty="0">
+                <a:solidFill>
+                  <a:srgbClr val="93A1A1"/>
+                </a:solidFill>
+                <a:effectLst/>
+                <a:highlight>
+                  <a:srgbClr val="FDF6E3"/>
+                </a:highlight>
+                <a:latin typeface="Consolas" panose="020B0609020204030204" pitchFamily="49" charset="0"/>
+              </a:rPr>
+              <a:t>, </a:t>
+            </a:r>
+            <a:r>
+              <a:rPr lang="en-US" sz="900" b="0" i="1" dirty="0" err="1">
+                <a:solidFill>
+                  <a:srgbClr val="93A1A1"/>
+                </a:solidFill>
+                <a:effectLst/>
+                <a:highlight>
+                  <a:srgbClr val="FDF6E3"/>
+                </a:highlight>
+                <a:latin typeface="Consolas" panose="020B0609020204030204" pitchFamily="49" charset="0"/>
+              </a:rPr>
+              <a:t>zignorowanie</a:t>
+            </a:r>
+            <a:r>
+              <a:rPr lang="en-US" sz="900" b="0" i="1" dirty="0">
+                <a:solidFill>
+                  <a:srgbClr val="93A1A1"/>
+                </a:solidFill>
+                <a:effectLst/>
+                <a:highlight>
+                  <a:srgbClr val="FDF6E3"/>
+                </a:highlight>
+                <a:latin typeface="Consolas" panose="020B0609020204030204" pitchFamily="49" charset="0"/>
+              </a:rPr>
+              <a:t> </a:t>
+            </a:r>
+            <a:r>
+              <a:rPr lang="en-US" sz="900" b="0" i="1" dirty="0" err="1">
+                <a:solidFill>
+                  <a:srgbClr val="93A1A1"/>
+                </a:solidFill>
+                <a:effectLst/>
+                <a:highlight>
+                  <a:srgbClr val="FDF6E3"/>
+                </a:highlight>
+                <a:latin typeface="Consolas" panose="020B0609020204030204" pitchFamily="49" charset="0"/>
+              </a:rPr>
+              <a:t>czasu</a:t>
+            </a:r>
+            <a:endParaRPr lang="en-US" sz="900" b="0" dirty="0">
+              <a:solidFill>
+                <a:srgbClr val="657B83"/>
+              </a:solidFill>
+              <a:effectLst/>
+              <a:highlight>
+                <a:srgbClr val="FDF6E3"/>
+              </a:highlight>
+              <a:latin typeface="Consolas" panose="020B0609020204030204" pitchFamily="49" charset="0"/>
+            </a:endParaRPr>
+          </a:p>
+          <a:p>
+            <a:r>
+              <a:rPr lang="en-US" sz="900" b="0" dirty="0" err="1">
+                <a:solidFill>
+                  <a:srgbClr val="268BD2"/>
+                </a:solidFill>
+                <a:effectLst/>
+                <a:highlight>
+                  <a:srgbClr val="FDF6E3"/>
+                </a:highlight>
+                <a:latin typeface="Consolas" panose="020B0609020204030204" pitchFamily="49" charset="0"/>
+              </a:rPr>
+              <a:t>df_weather</a:t>
+            </a:r>
+            <a:r>
+              <a:rPr lang="en-US" sz="900" b="0" dirty="0">
+                <a:solidFill>
+                  <a:srgbClr val="657B83"/>
+                </a:solidFill>
+                <a:effectLst/>
+                <a:highlight>
+                  <a:srgbClr val="FDF6E3"/>
+                </a:highlight>
+                <a:latin typeface="Consolas" panose="020B0609020204030204" pitchFamily="49" charset="0"/>
+              </a:rPr>
+              <a:t>[</a:t>
+            </a:r>
+            <a:r>
+              <a:rPr lang="en-US" sz="900" b="0" dirty="0">
+                <a:solidFill>
+                  <a:srgbClr val="2AA198"/>
+                </a:solidFill>
+                <a:effectLst/>
+                <a:highlight>
+                  <a:srgbClr val="FDF6E3"/>
+                </a:highlight>
+                <a:latin typeface="Consolas" panose="020B0609020204030204" pitchFamily="49" charset="0"/>
+              </a:rPr>
+              <a:t>'date'</a:t>
+            </a:r>
+            <a:r>
+              <a:rPr lang="en-US" sz="900" b="0" dirty="0">
+                <a:solidFill>
+                  <a:srgbClr val="657B83"/>
+                </a:solidFill>
+                <a:effectLst/>
+                <a:highlight>
+                  <a:srgbClr val="FDF6E3"/>
+                </a:highlight>
+                <a:latin typeface="Consolas" panose="020B0609020204030204" pitchFamily="49" charset="0"/>
+              </a:rPr>
+              <a:t>] </a:t>
+            </a:r>
+            <a:r>
+              <a:rPr lang="en-US" sz="900" b="0" dirty="0">
+                <a:solidFill>
+                  <a:srgbClr val="859900"/>
+                </a:solidFill>
+                <a:effectLst/>
+                <a:highlight>
+                  <a:srgbClr val="FDF6E3"/>
+                </a:highlight>
+                <a:latin typeface="Consolas" panose="020B0609020204030204" pitchFamily="49" charset="0"/>
+              </a:rPr>
+              <a:t>=</a:t>
+            </a:r>
+            <a:r>
+              <a:rPr lang="en-US" sz="900" b="0" dirty="0">
+                <a:solidFill>
+                  <a:srgbClr val="657B83"/>
+                </a:solidFill>
+                <a:effectLst/>
+                <a:highlight>
+                  <a:srgbClr val="FDF6E3"/>
+                </a:highlight>
+                <a:latin typeface="Consolas" panose="020B0609020204030204" pitchFamily="49" charset="0"/>
+              </a:rPr>
+              <a:t> </a:t>
+            </a:r>
+            <a:r>
+              <a:rPr lang="en-US" sz="900" b="0" dirty="0" err="1">
+                <a:solidFill>
+                  <a:srgbClr val="CB4B16"/>
+                </a:solidFill>
+                <a:effectLst/>
+                <a:highlight>
+                  <a:srgbClr val="FDF6E3"/>
+                </a:highlight>
+                <a:latin typeface="Consolas" panose="020B0609020204030204" pitchFamily="49" charset="0"/>
+              </a:rPr>
+              <a:t>pd</a:t>
+            </a:r>
+            <a:r>
+              <a:rPr lang="en-US" sz="900" b="0" dirty="0" err="1">
+                <a:solidFill>
+                  <a:srgbClr val="657B83"/>
+                </a:solidFill>
+                <a:effectLst/>
+                <a:highlight>
+                  <a:srgbClr val="FDF6E3"/>
+                </a:highlight>
+                <a:latin typeface="Consolas" panose="020B0609020204030204" pitchFamily="49" charset="0"/>
+              </a:rPr>
+              <a:t>.</a:t>
+            </a:r>
+            <a:r>
+              <a:rPr lang="en-US" sz="900" b="0" dirty="0" err="1">
+                <a:solidFill>
+                  <a:srgbClr val="268BD2"/>
+                </a:solidFill>
+                <a:effectLst/>
+                <a:highlight>
+                  <a:srgbClr val="FDF6E3"/>
+                </a:highlight>
+                <a:latin typeface="Consolas" panose="020B0609020204030204" pitchFamily="49" charset="0"/>
+              </a:rPr>
+              <a:t>to_datetime</a:t>
+            </a:r>
+            <a:r>
+              <a:rPr lang="en-US" sz="900" b="0" dirty="0">
+                <a:solidFill>
+                  <a:srgbClr val="657B83"/>
+                </a:solidFill>
+                <a:effectLst/>
+                <a:highlight>
+                  <a:srgbClr val="FDF6E3"/>
+                </a:highlight>
+                <a:latin typeface="Consolas" panose="020B0609020204030204" pitchFamily="49" charset="0"/>
+              </a:rPr>
+              <a:t>(</a:t>
+            </a:r>
+            <a:r>
+              <a:rPr lang="en-US" sz="900" b="0" dirty="0" err="1">
+                <a:solidFill>
+                  <a:srgbClr val="268BD2"/>
+                </a:solidFill>
+                <a:effectLst/>
+                <a:highlight>
+                  <a:srgbClr val="FDF6E3"/>
+                </a:highlight>
+                <a:latin typeface="Consolas" panose="020B0609020204030204" pitchFamily="49" charset="0"/>
+              </a:rPr>
+              <a:t>df_weather</a:t>
+            </a:r>
+            <a:r>
+              <a:rPr lang="en-US" sz="900" b="0" dirty="0">
+                <a:solidFill>
+                  <a:srgbClr val="657B83"/>
+                </a:solidFill>
+                <a:effectLst/>
+                <a:highlight>
+                  <a:srgbClr val="FDF6E3"/>
+                </a:highlight>
+                <a:latin typeface="Consolas" panose="020B0609020204030204" pitchFamily="49" charset="0"/>
+              </a:rPr>
+              <a:t>[</a:t>
+            </a:r>
+            <a:r>
+              <a:rPr lang="en-US" sz="900" b="0" dirty="0">
+                <a:solidFill>
+                  <a:srgbClr val="2AA198"/>
+                </a:solidFill>
+                <a:effectLst/>
+                <a:highlight>
+                  <a:srgbClr val="FDF6E3"/>
+                </a:highlight>
+                <a:latin typeface="Consolas" panose="020B0609020204030204" pitchFamily="49" charset="0"/>
+              </a:rPr>
+              <a:t>'</a:t>
+            </a:r>
+            <a:r>
+              <a:rPr lang="en-US" sz="900" b="0" dirty="0" err="1">
+                <a:solidFill>
+                  <a:srgbClr val="2AA198"/>
+                </a:solidFill>
+                <a:effectLst/>
+                <a:highlight>
+                  <a:srgbClr val="FDF6E3"/>
+                </a:highlight>
+                <a:latin typeface="Consolas" panose="020B0609020204030204" pitchFamily="49" charset="0"/>
+              </a:rPr>
+              <a:t>dt_iso</a:t>
+            </a:r>
+            <a:r>
+              <a:rPr lang="en-US" sz="900" b="0" dirty="0">
+                <a:solidFill>
+                  <a:srgbClr val="2AA198"/>
+                </a:solidFill>
+                <a:effectLst/>
+                <a:highlight>
+                  <a:srgbClr val="FDF6E3"/>
+                </a:highlight>
+                <a:latin typeface="Consolas" panose="020B0609020204030204" pitchFamily="49" charset="0"/>
+              </a:rPr>
+              <a:t>'</a:t>
+            </a:r>
+            <a:r>
+              <a:rPr lang="en-US" sz="900" b="0" dirty="0">
+                <a:solidFill>
+                  <a:srgbClr val="657B83"/>
+                </a:solidFill>
+                <a:effectLst/>
+                <a:highlight>
+                  <a:srgbClr val="FDF6E3"/>
+                </a:highlight>
+                <a:latin typeface="Consolas" panose="020B0609020204030204" pitchFamily="49" charset="0"/>
+              </a:rPr>
+              <a:t>]).</a:t>
+            </a:r>
+            <a:r>
+              <a:rPr lang="en-US" sz="900" b="0" dirty="0" err="1">
+                <a:solidFill>
+                  <a:srgbClr val="657B83"/>
+                </a:solidFill>
+                <a:effectLst/>
+                <a:highlight>
+                  <a:srgbClr val="FDF6E3"/>
+                </a:highlight>
+                <a:latin typeface="Consolas" panose="020B0609020204030204" pitchFamily="49" charset="0"/>
+              </a:rPr>
+              <a:t>dt.date</a:t>
+            </a:r>
+            <a:endParaRPr lang="en-US" sz="900" b="0" dirty="0">
+              <a:solidFill>
+                <a:srgbClr val="657B83"/>
+              </a:solidFill>
+              <a:effectLst/>
+              <a:highlight>
+                <a:srgbClr val="FDF6E3"/>
+              </a:highlight>
+              <a:latin typeface="Consolas" panose="020B0609020204030204" pitchFamily="49" charset="0"/>
+            </a:endParaRPr>
+          </a:p>
+          <a:p>
+            <a:br>
+              <a:rPr lang="en-US" sz="900" b="0" dirty="0">
+                <a:solidFill>
+                  <a:srgbClr val="657B83"/>
+                </a:solidFill>
+                <a:effectLst/>
+                <a:highlight>
+                  <a:srgbClr val="FDF6E3"/>
+                </a:highlight>
+                <a:latin typeface="Consolas" panose="020B0609020204030204" pitchFamily="49" charset="0"/>
+              </a:rPr>
+            </a:br>
+            <a:r>
+              <a:rPr lang="en-US" sz="900" b="0" i="1" dirty="0">
+                <a:solidFill>
+                  <a:srgbClr val="93A1A1"/>
+                </a:solidFill>
+                <a:effectLst/>
+                <a:highlight>
+                  <a:srgbClr val="FDF6E3"/>
+                </a:highlight>
+                <a:latin typeface="Consolas" panose="020B0609020204030204" pitchFamily="49" charset="0"/>
+              </a:rPr>
+              <a:t># </a:t>
+            </a:r>
+            <a:r>
+              <a:rPr lang="en-US" sz="900" b="0" i="1" dirty="0" err="1">
+                <a:solidFill>
+                  <a:srgbClr val="93A1A1"/>
+                </a:solidFill>
+                <a:effectLst/>
+                <a:highlight>
+                  <a:srgbClr val="FDF6E3"/>
+                </a:highlight>
+                <a:latin typeface="Consolas" panose="020B0609020204030204" pitchFamily="49" charset="0"/>
+              </a:rPr>
+              <a:t>Grupowanie</a:t>
+            </a:r>
+            <a:r>
+              <a:rPr lang="en-US" sz="900" b="0" i="1" dirty="0">
+                <a:solidFill>
+                  <a:srgbClr val="93A1A1"/>
+                </a:solidFill>
+                <a:effectLst/>
+                <a:highlight>
+                  <a:srgbClr val="FDF6E3"/>
+                </a:highlight>
+                <a:latin typeface="Consolas" panose="020B0609020204030204" pitchFamily="49" charset="0"/>
+              </a:rPr>
+              <a:t> </a:t>
+            </a:r>
+            <a:r>
+              <a:rPr lang="en-US" sz="900" b="0" i="1" dirty="0" err="1">
+                <a:solidFill>
+                  <a:srgbClr val="93A1A1"/>
+                </a:solidFill>
+                <a:effectLst/>
+                <a:highlight>
+                  <a:srgbClr val="FDF6E3"/>
+                </a:highlight>
+                <a:latin typeface="Consolas" panose="020B0609020204030204" pitchFamily="49" charset="0"/>
+              </a:rPr>
+              <a:t>danych</a:t>
+            </a:r>
+            <a:r>
+              <a:rPr lang="en-US" sz="900" b="0" i="1" dirty="0">
+                <a:solidFill>
+                  <a:srgbClr val="93A1A1"/>
+                </a:solidFill>
+                <a:effectLst/>
+                <a:highlight>
+                  <a:srgbClr val="FDF6E3"/>
+                </a:highlight>
+                <a:latin typeface="Consolas" panose="020B0609020204030204" pitchFamily="49" charset="0"/>
+              </a:rPr>
+              <a:t> po </a:t>
+            </a:r>
+            <a:r>
+              <a:rPr lang="en-US" sz="900" b="0" i="1" dirty="0" err="1">
+                <a:solidFill>
+                  <a:srgbClr val="93A1A1"/>
+                </a:solidFill>
+                <a:effectLst/>
+                <a:highlight>
+                  <a:srgbClr val="FDF6E3"/>
+                </a:highlight>
+                <a:latin typeface="Consolas" panose="020B0609020204030204" pitchFamily="49" charset="0"/>
+              </a:rPr>
+              <a:t>mieście</a:t>
+            </a:r>
+            <a:r>
+              <a:rPr lang="en-US" sz="900" b="0" i="1" dirty="0">
+                <a:solidFill>
+                  <a:srgbClr val="93A1A1"/>
+                </a:solidFill>
+                <a:effectLst/>
+                <a:highlight>
+                  <a:srgbClr val="FDF6E3"/>
+                </a:highlight>
+                <a:latin typeface="Consolas" panose="020B0609020204030204" pitchFamily="49" charset="0"/>
+              </a:rPr>
+              <a:t> </a:t>
+            </a:r>
+            <a:r>
+              <a:rPr lang="en-US" sz="900" b="0" i="1" dirty="0" err="1">
+                <a:solidFill>
+                  <a:srgbClr val="93A1A1"/>
+                </a:solidFill>
+                <a:effectLst/>
+                <a:highlight>
+                  <a:srgbClr val="FDF6E3"/>
+                </a:highlight>
+                <a:latin typeface="Consolas" panose="020B0609020204030204" pitchFamily="49" charset="0"/>
+              </a:rPr>
+              <a:t>i</a:t>
+            </a:r>
+            <a:r>
+              <a:rPr lang="en-US" sz="900" b="0" i="1" dirty="0">
+                <a:solidFill>
+                  <a:srgbClr val="93A1A1"/>
+                </a:solidFill>
+                <a:effectLst/>
+                <a:highlight>
+                  <a:srgbClr val="FDF6E3"/>
+                </a:highlight>
+                <a:latin typeface="Consolas" panose="020B0609020204030204" pitchFamily="49" charset="0"/>
+              </a:rPr>
+              <a:t> </a:t>
+            </a:r>
+            <a:r>
+              <a:rPr lang="en-US" sz="900" b="0" i="1" dirty="0" err="1">
+                <a:solidFill>
+                  <a:srgbClr val="93A1A1"/>
+                </a:solidFill>
+                <a:effectLst/>
+                <a:highlight>
+                  <a:srgbClr val="FDF6E3"/>
+                </a:highlight>
+                <a:latin typeface="Consolas" panose="020B0609020204030204" pitchFamily="49" charset="0"/>
+              </a:rPr>
+              <a:t>dacie</a:t>
+            </a:r>
+            <a:endParaRPr lang="en-US" sz="900" b="0" dirty="0">
+              <a:solidFill>
+                <a:srgbClr val="657B83"/>
+              </a:solidFill>
+              <a:effectLst/>
+              <a:highlight>
+                <a:srgbClr val="FDF6E3"/>
+              </a:highlight>
+              <a:latin typeface="Consolas" panose="020B0609020204030204" pitchFamily="49" charset="0"/>
+            </a:endParaRPr>
+          </a:p>
+          <a:p>
+            <a:r>
+              <a:rPr lang="en-US" sz="900" b="0" dirty="0" err="1">
+                <a:solidFill>
+                  <a:srgbClr val="268BD2"/>
+                </a:solidFill>
+                <a:effectLst/>
+                <a:highlight>
+                  <a:srgbClr val="FDF6E3"/>
+                </a:highlight>
+                <a:latin typeface="Consolas" panose="020B0609020204030204" pitchFamily="49" charset="0"/>
+              </a:rPr>
+              <a:t>daily_weather</a:t>
+            </a:r>
+            <a:r>
+              <a:rPr lang="en-US" sz="900" b="0" dirty="0">
+                <a:solidFill>
+                  <a:srgbClr val="657B83"/>
+                </a:solidFill>
+                <a:effectLst/>
+                <a:highlight>
+                  <a:srgbClr val="FDF6E3"/>
+                </a:highlight>
+                <a:latin typeface="Consolas" panose="020B0609020204030204" pitchFamily="49" charset="0"/>
+              </a:rPr>
+              <a:t> </a:t>
+            </a:r>
+            <a:r>
+              <a:rPr lang="en-US" sz="900" b="0" dirty="0">
+                <a:solidFill>
+                  <a:srgbClr val="859900"/>
+                </a:solidFill>
+                <a:effectLst/>
+                <a:highlight>
+                  <a:srgbClr val="FDF6E3"/>
+                </a:highlight>
+                <a:latin typeface="Consolas" panose="020B0609020204030204" pitchFamily="49" charset="0"/>
+              </a:rPr>
+              <a:t>=</a:t>
+            </a:r>
+            <a:r>
+              <a:rPr lang="en-US" sz="900" b="0" dirty="0">
+                <a:solidFill>
+                  <a:srgbClr val="657B83"/>
+                </a:solidFill>
+                <a:effectLst/>
+                <a:highlight>
+                  <a:srgbClr val="FDF6E3"/>
+                </a:highlight>
+                <a:latin typeface="Consolas" panose="020B0609020204030204" pitchFamily="49" charset="0"/>
+              </a:rPr>
+              <a:t> </a:t>
+            </a:r>
+            <a:r>
+              <a:rPr lang="en-US" sz="900" b="0" dirty="0" err="1">
+                <a:solidFill>
+                  <a:srgbClr val="268BD2"/>
+                </a:solidFill>
+                <a:effectLst/>
+                <a:highlight>
+                  <a:srgbClr val="FDF6E3"/>
+                </a:highlight>
+                <a:latin typeface="Consolas" panose="020B0609020204030204" pitchFamily="49" charset="0"/>
+              </a:rPr>
+              <a:t>df_weather</a:t>
+            </a:r>
+            <a:r>
+              <a:rPr lang="en-US" sz="900" b="0" dirty="0" err="1">
+                <a:solidFill>
+                  <a:srgbClr val="657B83"/>
+                </a:solidFill>
+                <a:effectLst/>
+                <a:highlight>
+                  <a:srgbClr val="FDF6E3"/>
+                </a:highlight>
+                <a:latin typeface="Consolas" panose="020B0609020204030204" pitchFamily="49" charset="0"/>
+              </a:rPr>
+              <a:t>.</a:t>
+            </a:r>
+            <a:r>
+              <a:rPr lang="en-US" sz="900" b="0" dirty="0" err="1">
+                <a:solidFill>
+                  <a:srgbClr val="268BD2"/>
+                </a:solidFill>
+                <a:effectLst/>
+                <a:highlight>
+                  <a:srgbClr val="FDF6E3"/>
+                </a:highlight>
+                <a:latin typeface="Consolas" panose="020B0609020204030204" pitchFamily="49" charset="0"/>
+              </a:rPr>
+              <a:t>groupby</a:t>
+            </a:r>
+            <a:r>
+              <a:rPr lang="en-US" sz="900" b="0" dirty="0">
+                <a:solidFill>
+                  <a:srgbClr val="657B83"/>
+                </a:solidFill>
+                <a:effectLst/>
+                <a:highlight>
+                  <a:srgbClr val="FDF6E3"/>
+                </a:highlight>
+                <a:latin typeface="Consolas" panose="020B0609020204030204" pitchFamily="49" charset="0"/>
+              </a:rPr>
+              <a:t>([</a:t>
+            </a:r>
+            <a:r>
+              <a:rPr lang="en-US" sz="900" b="0" dirty="0">
+                <a:solidFill>
+                  <a:srgbClr val="2AA198"/>
+                </a:solidFill>
+                <a:effectLst/>
+                <a:highlight>
+                  <a:srgbClr val="FDF6E3"/>
+                </a:highlight>
+                <a:latin typeface="Consolas" panose="020B0609020204030204" pitchFamily="49" charset="0"/>
+              </a:rPr>
+              <a:t>'date'</a:t>
+            </a:r>
+            <a:r>
+              <a:rPr lang="en-US" sz="900" b="0" dirty="0">
+                <a:solidFill>
+                  <a:srgbClr val="657B83"/>
+                </a:solidFill>
+                <a:effectLst/>
+                <a:highlight>
+                  <a:srgbClr val="FDF6E3"/>
+                </a:highlight>
+                <a:latin typeface="Consolas" panose="020B0609020204030204" pitchFamily="49" charset="0"/>
+              </a:rPr>
+              <a:t>,</a:t>
+            </a:r>
+            <a:r>
+              <a:rPr lang="en-US" sz="900" b="0" dirty="0">
+                <a:solidFill>
+                  <a:srgbClr val="2AA198"/>
+                </a:solidFill>
+                <a:effectLst/>
+                <a:highlight>
+                  <a:srgbClr val="FDF6E3"/>
+                </a:highlight>
+                <a:latin typeface="Consolas" panose="020B0609020204030204" pitchFamily="49" charset="0"/>
+              </a:rPr>
+              <a:t>'</a:t>
+            </a:r>
+            <a:r>
+              <a:rPr lang="en-US" sz="900" b="0" dirty="0" err="1">
+                <a:solidFill>
+                  <a:srgbClr val="2AA198"/>
+                </a:solidFill>
+                <a:effectLst/>
+                <a:highlight>
+                  <a:srgbClr val="FDF6E3"/>
+                </a:highlight>
+                <a:latin typeface="Consolas" panose="020B0609020204030204" pitchFamily="49" charset="0"/>
+              </a:rPr>
+              <a:t>city_name</a:t>
+            </a:r>
+            <a:r>
+              <a:rPr lang="en-US" sz="900" b="0" dirty="0">
+                <a:solidFill>
+                  <a:srgbClr val="2AA198"/>
+                </a:solidFill>
+                <a:effectLst/>
+                <a:highlight>
+                  <a:srgbClr val="FDF6E3"/>
+                </a:highlight>
+                <a:latin typeface="Consolas" panose="020B0609020204030204" pitchFamily="49" charset="0"/>
+              </a:rPr>
+              <a:t>'</a:t>
+            </a:r>
+            <a:r>
+              <a:rPr lang="en-US" sz="900" b="0" dirty="0">
+                <a:solidFill>
+                  <a:srgbClr val="657B83"/>
+                </a:solidFill>
+                <a:effectLst/>
+                <a:highlight>
+                  <a:srgbClr val="FDF6E3"/>
+                </a:highlight>
+                <a:latin typeface="Consolas" panose="020B0609020204030204" pitchFamily="49" charset="0"/>
+              </a:rPr>
+              <a:t>]).</a:t>
+            </a:r>
+            <a:r>
+              <a:rPr lang="en-US" sz="900" b="0" dirty="0" err="1">
+                <a:solidFill>
+                  <a:srgbClr val="268BD2"/>
+                </a:solidFill>
+                <a:effectLst/>
+                <a:highlight>
+                  <a:srgbClr val="FDF6E3"/>
+                </a:highlight>
+                <a:latin typeface="Consolas" panose="020B0609020204030204" pitchFamily="49" charset="0"/>
+              </a:rPr>
+              <a:t>agg</a:t>
+            </a:r>
+            <a:r>
+              <a:rPr lang="en-US" sz="900" b="0" dirty="0">
+                <a:solidFill>
+                  <a:srgbClr val="657B83"/>
+                </a:solidFill>
+                <a:effectLst/>
+                <a:highlight>
+                  <a:srgbClr val="FDF6E3"/>
+                </a:highlight>
+                <a:latin typeface="Consolas" panose="020B0609020204030204" pitchFamily="49" charset="0"/>
+              </a:rPr>
+              <a:t>({</a:t>
+            </a:r>
+          </a:p>
+          <a:p>
+            <a:r>
+              <a:rPr lang="en-US" sz="900" b="0" dirty="0">
+                <a:solidFill>
+                  <a:srgbClr val="657B83"/>
+                </a:solidFill>
+                <a:effectLst/>
+                <a:highlight>
+                  <a:srgbClr val="FDF6E3"/>
+                </a:highlight>
+                <a:latin typeface="Consolas" panose="020B0609020204030204" pitchFamily="49" charset="0"/>
+              </a:rPr>
+              <a:t>    </a:t>
+            </a:r>
+            <a:r>
+              <a:rPr lang="en-US" sz="900" b="0" dirty="0">
+                <a:solidFill>
+                  <a:srgbClr val="2AA198"/>
+                </a:solidFill>
+                <a:effectLst/>
+                <a:highlight>
+                  <a:srgbClr val="FDF6E3"/>
+                </a:highlight>
+                <a:latin typeface="Consolas" panose="020B0609020204030204" pitchFamily="49" charset="0"/>
+              </a:rPr>
+              <a:t>'</a:t>
+            </a:r>
+            <a:r>
+              <a:rPr lang="en-US" sz="900" b="0" dirty="0" err="1">
+                <a:solidFill>
+                  <a:srgbClr val="2AA198"/>
+                </a:solidFill>
+                <a:effectLst/>
+                <a:highlight>
+                  <a:srgbClr val="FDF6E3"/>
+                </a:highlight>
+                <a:latin typeface="Consolas" panose="020B0609020204030204" pitchFamily="49" charset="0"/>
+              </a:rPr>
+              <a:t>lat</a:t>
+            </a:r>
+            <a:r>
+              <a:rPr lang="en-US" sz="900" b="0" dirty="0">
+                <a:solidFill>
+                  <a:srgbClr val="2AA198"/>
+                </a:solidFill>
+                <a:effectLst/>
+                <a:highlight>
+                  <a:srgbClr val="FDF6E3"/>
+                </a:highlight>
+                <a:latin typeface="Consolas" panose="020B0609020204030204" pitchFamily="49" charset="0"/>
+              </a:rPr>
+              <a:t>'</a:t>
+            </a:r>
+            <a:r>
+              <a:rPr lang="en-US" sz="900" b="0" dirty="0">
+                <a:solidFill>
+                  <a:srgbClr val="657B83"/>
+                </a:solidFill>
+                <a:effectLst/>
+                <a:highlight>
+                  <a:srgbClr val="FDF6E3"/>
+                </a:highlight>
+                <a:latin typeface="Consolas" panose="020B0609020204030204" pitchFamily="49" charset="0"/>
+              </a:rPr>
+              <a:t>: </a:t>
+            </a:r>
+            <a:r>
+              <a:rPr lang="en-US" sz="900" b="0" dirty="0">
+                <a:solidFill>
+                  <a:srgbClr val="2AA198"/>
+                </a:solidFill>
+                <a:effectLst/>
+                <a:highlight>
+                  <a:srgbClr val="FDF6E3"/>
+                </a:highlight>
+                <a:latin typeface="Consolas" panose="020B0609020204030204" pitchFamily="49" charset="0"/>
+              </a:rPr>
+              <a:t>'first'</a:t>
+            </a:r>
+            <a:r>
+              <a:rPr lang="en-US" sz="900" b="0" dirty="0">
+                <a:solidFill>
+                  <a:srgbClr val="657B83"/>
+                </a:solidFill>
+                <a:effectLst/>
+                <a:highlight>
+                  <a:srgbClr val="FDF6E3"/>
+                </a:highlight>
+                <a:latin typeface="Consolas" panose="020B0609020204030204" pitchFamily="49" charset="0"/>
+              </a:rPr>
+              <a:t>,</a:t>
+            </a:r>
+          </a:p>
+          <a:p>
+            <a:r>
+              <a:rPr lang="en-US" sz="900" b="0" dirty="0">
+                <a:solidFill>
+                  <a:srgbClr val="657B83"/>
+                </a:solidFill>
+                <a:effectLst/>
+                <a:highlight>
+                  <a:srgbClr val="FDF6E3"/>
+                </a:highlight>
+                <a:latin typeface="Consolas" panose="020B0609020204030204" pitchFamily="49" charset="0"/>
+              </a:rPr>
+              <a:t>    </a:t>
+            </a:r>
+            <a:r>
+              <a:rPr lang="en-US" sz="900" b="0" dirty="0">
+                <a:solidFill>
+                  <a:srgbClr val="2AA198"/>
+                </a:solidFill>
+                <a:effectLst/>
+                <a:highlight>
+                  <a:srgbClr val="FDF6E3"/>
+                </a:highlight>
+                <a:latin typeface="Consolas" panose="020B0609020204030204" pitchFamily="49" charset="0"/>
+              </a:rPr>
+              <a:t>'</a:t>
+            </a:r>
+            <a:r>
+              <a:rPr lang="en-US" sz="900" b="0" dirty="0" err="1">
+                <a:solidFill>
+                  <a:srgbClr val="2AA198"/>
+                </a:solidFill>
+                <a:effectLst/>
+                <a:highlight>
+                  <a:srgbClr val="FDF6E3"/>
+                </a:highlight>
+                <a:latin typeface="Consolas" panose="020B0609020204030204" pitchFamily="49" charset="0"/>
+              </a:rPr>
+              <a:t>lon</a:t>
+            </a:r>
+            <a:r>
+              <a:rPr lang="en-US" sz="900" b="0" dirty="0">
+                <a:solidFill>
+                  <a:srgbClr val="2AA198"/>
+                </a:solidFill>
+                <a:effectLst/>
+                <a:highlight>
+                  <a:srgbClr val="FDF6E3"/>
+                </a:highlight>
+                <a:latin typeface="Consolas" panose="020B0609020204030204" pitchFamily="49" charset="0"/>
+              </a:rPr>
+              <a:t>'</a:t>
+            </a:r>
+            <a:r>
+              <a:rPr lang="en-US" sz="900" b="0" dirty="0">
+                <a:solidFill>
+                  <a:srgbClr val="657B83"/>
+                </a:solidFill>
+                <a:effectLst/>
+                <a:highlight>
+                  <a:srgbClr val="FDF6E3"/>
+                </a:highlight>
+                <a:latin typeface="Consolas" panose="020B0609020204030204" pitchFamily="49" charset="0"/>
+              </a:rPr>
+              <a:t>: </a:t>
+            </a:r>
+            <a:r>
+              <a:rPr lang="en-US" sz="900" b="0" dirty="0">
+                <a:solidFill>
+                  <a:srgbClr val="2AA198"/>
+                </a:solidFill>
+                <a:effectLst/>
+                <a:highlight>
+                  <a:srgbClr val="FDF6E3"/>
+                </a:highlight>
+                <a:latin typeface="Consolas" panose="020B0609020204030204" pitchFamily="49" charset="0"/>
+              </a:rPr>
+              <a:t>'first'</a:t>
+            </a:r>
+            <a:r>
+              <a:rPr lang="en-US" sz="900" b="0" dirty="0">
+                <a:solidFill>
+                  <a:srgbClr val="657B83"/>
+                </a:solidFill>
+                <a:effectLst/>
+                <a:highlight>
+                  <a:srgbClr val="FDF6E3"/>
+                </a:highlight>
+                <a:latin typeface="Consolas" panose="020B0609020204030204" pitchFamily="49" charset="0"/>
+              </a:rPr>
+              <a:t>,</a:t>
+            </a:r>
+          </a:p>
+          <a:p>
+            <a:r>
+              <a:rPr lang="en-US" sz="900" b="0" dirty="0">
+                <a:solidFill>
+                  <a:srgbClr val="657B83"/>
+                </a:solidFill>
+                <a:effectLst/>
+                <a:highlight>
+                  <a:srgbClr val="FDF6E3"/>
+                </a:highlight>
+                <a:latin typeface="Consolas" panose="020B0609020204030204" pitchFamily="49" charset="0"/>
+              </a:rPr>
+              <a:t>    </a:t>
+            </a:r>
+            <a:r>
+              <a:rPr lang="en-US" sz="900" b="0" dirty="0">
+                <a:solidFill>
+                  <a:srgbClr val="2AA198"/>
+                </a:solidFill>
+                <a:effectLst/>
+                <a:highlight>
+                  <a:srgbClr val="FDF6E3"/>
+                </a:highlight>
+                <a:latin typeface="Consolas" panose="020B0609020204030204" pitchFamily="49" charset="0"/>
+              </a:rPr>
+              <a:t>'temp'</a:t>
+            </a:r>
+            <a:r>
+              <a:rPr lang="en-US" sz="900" b="0" dirty="0">
+                <a:solidFill>
+                  <a:srgbClr val="657B83"/>
+                </a:solidFill>
+                <a:effectLst/>
+                <a:highlight>
+                  <a:srgbClr val="FDF6E3"/>
+                </a:highlight>
+                <a:latin typeface="Consolas" panose="020B0609020204030204" pitchFamily="49" charset="0"/>
+              </a:rPr>
+              <a:t>: </a:t>
+            </a:r>
+            <a:r>
+              <a:rPr lang="en-US" sz="900" b="0" dirty="0">
+                <a:solidFill>
+                  <a:srgbClr val="2AA198"/>
+                </a:solidFill>
+                <a:effectLst/>
+                <a:highlight>
+                  <a:srgbClr val="FDF6E3"/>
+                </a:highlight>
+                <a:latin typeface="Consolas" panose="020B0609020204030204" pitchFamily="49" charset="0"/>
+              </a:rPr>
+              <a:t>'mean'</a:t>
+            </a:r>
+            <a:r>
+              <a:rPr lang="en-US" sz="900" b="0" dirty="0">
+                <a:solidFill>
+                  <a:srgbClr val="657B83"/>
+                </a:solidFill>
+                <a:effectLst/>
+                <a:highlight>
+                  <a:srgbClr val="FDF6E3"/>
+                </a:highlight>
+                <a:latin typeface="Consolas" panose="020B0609020204030204" pitchFamily="49" charset="0"/>
+              </a:rPr>
+              <a:t>,</a:t>
+            </a:r>
+          </a:p>
+          <a:p>
+            <a:r>
+              <a:rPr lang="en-US" sz="900" b="0" dirty="0">
+                <a:solidFill>
+                  <a:srgbClr val="657B83"/>
+                </a:solidFill>
+                <a:effectLst/>
+                <a:highlight>
+                  <a:srgbClr val="FDF6E3"/>
+                </a:highlight>
+                <a:latin typeface="Consolas" panose="020B0609020204030204" pitchFamily="49" charset="0"/>
+              </a:rPr>
+              <a:t>    </a:t>
+            </a:r>
+            <a:r>
+              <a:rPr lang="en-US" sz="900" b="0" dirty="0">
+                <a:solidFill>
+                  <a:srgbClr val="2AA198"/>
+                </a:solidFill>
+                <a:effectLst/>
+                <a:highlight>
+                  <a:srgbClr val="FDF6E3"/>
+                </a:highlight>
+                <a:latin typeface="Consolas" panose="020B0609020204030204" pitchFamily="49" charset="0"/>
+              </a:rPr>
+              <a:t>'</a:t>
+            </a:r>
+            <a:r>
+              <a:rPr lang="en-US" sz="900" b="0" dirty="0" err="1">
+                <a:solidFill>
+                  <a:srgbClr val="2AA198"/>
+                </a:solidFill>
+                <a:effectLst/>
+                <a:highlight>
+                  <a:srgbClr val="FDF6E3"/>
+                </a:highlight>
+                <a:latin typeface="Consolas" panose="020B0609020204030204" pitchFamily="49" charset="0"/>
+              </a:rPr>
+              <a:t>feels_like</a:t>
+            </a:r>
+            <a:r>
+              <a:rPr lang="en-US" sz="900" b="0" dirty="0">
+                <a:solidFill>
+                  <a:srgbClr val="2AA198"/>
+                </a:solidFill>
+                <a:effectLst/>
+                <a:highlight>
+                  <a:srgbClr val="FDF6E3"/>
+                </a:highlight>
+                <a:latin typeface="Consolas" panose="020B0609020204030204" pitchFamily="49" charset="0"/>
+              </a:rPr>
+              <a:t>'</a:t>
+            </a:r>
+            <a:r>
+              <a:rPr lang="en-US" sz="900" b="0" dirty="0">
+                <a:solidFill>
+                  <a:srgbClr val="657B83"/>
+                </a:solidFill>
+                <a:effectLst/>
+                <a:highlight>
+                  <a:srgbClr val="FDF6E3"/>
+                </a:highlight>
+                <a:latin typeface="Consolas" panose="020B0609020204030204" pitchFamily="49" charset="0"/>
+              </a:rPr>
+              <a:t>: </a:t>
+            </a:r>
+            <a:r>
+              <a:rPr lang="en-US" sz="900" b="0" dirty="0">
+                <a:solidFill>
+                  <a:srgbClr val="2AA198"/>
+                </a:solidFill>
+                <a:effectLst/>
+                <a:highlight>
+                  <a:srgbClr val="FDF6E3"/>
+                </a:highlight>
+                <a:latin typeface="Consolas" panose="020B0609020204030204" pitchFamily="49" charset="0"/>
+              </a:rPr>
+              <a:t>'mean'</a:t>
+            </a:r>
+            <a:r>
+              <a:rPr lang="en-US" sz="900" b="0" dirty="0">
+                <a:solidFill>
+                  <a:srgbClr val="657B83"/>
+                </a:solidFill>
+                <a:effectLst/>
+                <a:highlight>
+                  <a:srgbClr val="FDF6E3"/>
+                </a:highlight>
+                <a:latin typeface="Consolas" panose="020B0609020204030204" pitchFamily="49" charset="0"/>
+              </a:rPr>
+              <a:t>,</a:t>
+            </a:r>
+          </a:p>
+          <a:p>
+            <a:r>
+              <a:rPr lang="en-US" sz="900" b="0" dirty="0">
+                <a:solidFill>
+                  <a:srgbClr val="657B83"/>
+                </a:solidFill>
+                <a:effectLst/>
+                <a:highlight>
+                  <a:srgbClr val="FDF6E3"/>
+                </a:highlight>
+                <a:latin typeface="Consolas" panose="020B0609020204030204" pitchFamily="49" charset="0"/>
+              </a:rPr>
+              <a:t>    </a:t>
+            </a:r>
+            <a:r>
+              <a:rPr lang="en-US" sz="900" b="0" dirty="0">
+                <a:solidFill>
+                  <a:srgbClr val="2AA198"/>
+                </a:solidFill>
+                <a:effectLst/>
+                <a:highlight>
+                  <a:srgbClr val="FDF6E3"/>
+                </a:highlight>
+                <a:latin typeface="Consolas" panose="020B0609020204030204" pitchFamily="49" charset="0"/>
+              </a:rPr>
+              <a:t>'</a:t>
+            </a:r>
+            <a:r>
+              <a:rPr lang="en-US" sz="900" b="0" dirty="0" err="1">
+                <a:solidFill>
+                  <a:srgbClr val="2AA198"/>
+                </a:solidFill>
+                <a:effectLst/>
+                <a:highlight>
+                  <a:srgbClr val="FDF6E3"/>
+                </a:highlight>
+                <a:latin typeface="Consolas" panose="020B0609020204030204" pitchFamily="49" charset="0"/>
+              </a:rPr>
+              <a:t>temp_min</a:t>
+            </a:r>
+            <a:r>
+              <a:rPr lang="en-US" sz="900" b="0" dirty="0">
+                <a:solidFill>
+                  <a:srgbClr val="2AA198"/>
+                </a:solidFill>
+                <a:effectLst/>
+                <a:highlight>
+                  <a:srgbClr val="FDF6E3"/>
+                </a:highlight>
+                <a:latin typeface="Consolas" panose="020B0609020204030204" pitchFamily="49" charset="0"/>
+              </a:rPr>
+              <a:t>'</a:t>
+            </a:r>
+            <a:r>
+              <a:rPr lang="en-US" sz="900" b="0" dirty="0">
+                <a:solidFill>
+                  <a:srgbClr val="657B83"/>
+                </a:solidFill>
+                <a:effectLst/>
+                <a:highlight>
+                  <a:srgbClr val="FDF6E3"/>
+                </a:highlight>
+                <a:latin typeface="Consolas" panose="020B0609020204030204" pitchFamily="49" charset="0"/>
+              </a:rPr>
+              <a:t>: </a:t>
+            </a:r>
+            <a:r>
+              <a:rPr lang="en-US" sz="900" b="0" dirty="0">
+                <a:solidFill>
+                  <a:srgbClr val="2AA198"/>
+                </a:solidFill>
+                <a:effectLst/>
+                <a:highlight>
+                  <a:srgbClr val="FDF6E3"/>
+                </a:highlight>
+                <a:latin typeface="Consolas" panose="020B0609020204030204" pitchFamily="49" charset="0"/>
+              </a:rPr>
+              <a:t>'min'</a:t>
+            </a:r>
+            <a:r>
+              <a:rPr lang="en-US" sz="900" b="0" dirty="0">
+                <a:solidFill>
+                  <a:srgbClr val="657B83"/>
+                </a:solidFill>
+                <a:effectLst/>
+                <a:highlight>
+                  <a:srgbClr val="FDF6E3"/>
+                </a:highlight>
+                <a:latin typeface="Consolas" panose="020B0609020204030204" pitchFamily="49" charset="0"/>
+              </a:rPr>
+              <a:t>,</a:t>
+            </a:r>
+          </a:p>
+          <a:p>
+            <a:r>
+              <a:rPr lang="en-US" sz="900" b="0" dirty="0">
+                <a:solidFill>
+                  <a:srgbClr val="657B83"/>
+                </a:solidFill>
+                <a:effectLst/>
+                <a:highlight>
+                  <a:srgbClr val="FDF6E3"/>
+                </a:highlight>
+                <a:latin typeface="Consolas" panose="020B0609020204030204" pitchFamily="49" charset="0"/>
+              </a:rPr>
+              <a:t>    </a:t>
+            </a:r>
+            <a:r>
+              <a:rPr lang="en-US" sz="900" b="0" dirty="0">
+                <a:solidFill>
+                  <a:srgbClr val="2AA198"/>
+                </a:solidFill>
+                <a:effectLst/>
+                <a:highlight>
+                  <a:srgbClr val="FDF6E3"/>
+                </a:highlight>
+                <a:latin typeface="Consolas" panose="020B0609020204030204" pitchFamily="49" charset="0"/>
+              </a:rPr>
+              <a:t>'</a:t>
+            </a:r>
+            <a:r>
+              <a:rPr lang="en-US" sz="900" b="0" dirty="0" err="1">
+                <a:solidFill>
+                  <a:srgbClr val="2AA198"/>
+                </a:solidFill>
+                <a:effectLst/>
+                <a:highlight>
+                  <a:srgbClr val="FDF6E3"/>
+                </a:highlight>
+                <a:latin typeface="Consolas" panose="020B0609020204030204" pitchFamily="49" charset="0"/>
+              </a:rPr>
+              <a:t>temp_max</a:t>
+            </a:r>
+            <a:r>
+              <a:rPr lang="en-US" sz="900" b="0" dirty="0">
+                <a:solidFill>
+                  <a:srgbClr val="2AA198"/>
+                </a:solidFill>
+                <a:effectLst/>
+                <a:highlight>
+                  <a:srgbClr val="FDF6E3"/>
+                </a:highlight>
+                <a:latin typeface="Consolas" panose="020B0609020204030204" pitchFamily="49" charset="0"/>
+              </a:rPr>
+              <a:t>'</a:t>
+            </a:r>
+            <a:r>
+              <a:rPr lang="en-US" sz="900" b="0" dirty="0">
+                <a:solidFill>
+                  <a:srgbClr val="657B83"/>
+                </a:solidFill>
+                <a:effectLst/>
+                <a:highlight>
+                  <a:srgbClr val="FDF6E3"/>
+                </a:highlight>
+                <a:latin typeface="Consolas" panose="020B0609020204030204" pitchFamily="49" charset="0"/>
+              </a:rPr>
+              <a:t>: </a:t>
+            </a:r>
+            <a:r>
+              <a:rPr lang="en-US" sz="900" b="0" dirty="0">
+                <a:solidFill>
+                  <a:srgbClr val="2AA198"/>
+                </a:solidFill>
+                <a:effectLst/>
+                <a:highlight>
+                  <a:srgbClr val="FDF6E3"/>
+                </a:highlight>
+                <a:latin typeface="Consolas" panose="020B0609020204030204" pitchFamily="49" charset="0"/>
+              </a:rPr>
+              <a:t>'max'</a:t>
+            </a:r>
+            <a:r>
+              <a:rPr lang="en-US" sz="900" b="0" dirty="0">
+                <a:solidFill>
+                  <a:srgbClr val="657B83"/>
+                </a:solidFill>
+                <a:effectLst/>
+                <a:highlight>
+                  <a:srgbClr val="FDF6E3"/>
+                </a:highlight>
+                <a:latin typeface="Consolas" panose="020B0609020204030204" pitchFamily="49" charset="0"/>
+              </a:rPr>
+              <a:t>,</a:t>
+            </a:r>
+          </a:p>
+          <a:p>
+            <a:r>
+              <a:rPr lang="en-US" sz="900" b="0" dirty="0">
+                <a:solidFill>
+                  <a:srgbClr val="657B83"/>
+                </a:solidFill>
+                <a:effectLst/>
+                <a:highlight>
+                  <a:srgbClr val="FDF6E3"/>
+                </a:highlight>
+                <a:latin typeface="Consolas" panose="020B0609020204030204" pitchFamily="49" charset="0"/>
+              </a:rPr>
+              <a:t>    </a:t>
+            </a:r>
+            <a:r>
+              <a:rPr lang="en-US" sz="900" b="0" dirty="0">
+                <a:solidFill>
+                  <a:srgbClr val="2AA198"/>
+                </a:solidFill>
+                <a:effectLst/>
+                <a:highlight>
+                  <a:srgbClr val="FDF6E3"/>
+                </a:highlight>
+                <a:latin typeface="Consolas" panose="020B0609020204030204" pitchFamily="49" charset="0"/>
+              </a:rPr>
+              <a:t>'pressure'</a:t>
+            </a:r>
+            <a:r>
+              <a:rPr lang="en-US" sz="900" b="0" dirty="0">
+                <a:solidFill>
+                  <a:srgbClr val="657B83"/>
+                </a:solidFill>
+                <a:effectLst/>
+                <a:highlight>
+                  <a:srgbClr val="FDF6E3"/>
+                </a:highlight>
+                <a:latin typeface="Consolas" panose="020B0609020204030204" pitchFamily="49" charset="0"/>
+              </a:rPr>
+              <a:t>: </a:t>
+            </a:r>
+            <a:r>
+              <a:rPr lang="en-US" sz="900" b="0" dirty="0">
+                <a:solidFill>
+                  <a:srgbClr val="2AA198"/>
+                </a:solidFill>
+                <a:effectLst/>
+                <a:highlight>
+                  <a:srgbClr val="FDF6E3"/>
+                </a:highlight>
+                <a:latin typeface="Consolas" panose="020B0609020204030204" pitchFamily="49" charset="0"/>
+              </a:rPr>
+              <a:t>'mean'</a:t>
+            </a:r>
+            <a:r>
+              <a:rPr lang="en-US" sz="900" b="0" dirty="0">
+                <a:solidFill>
+                  <a:srgbClr val="657B83"/>
+                </a:solidFill>
+                <a:effectLst/>
+                <a:highlight>
+                  <a:srgbClr val="FDF6E3"/>
+                </a:highlight>
+                <a:latin typeface="Consolas" panose="020B0609020204030204" pitchFamily="49" charset="0"/>
+              </a:rPr>
+              <a:t>,</a:t>
+            </a:r>
+          </a:p>
+          <a:p>
+            <a:r>
+              <a:rPr lang="en-US" sz="900" b="0" dirty="0">
+                <a:solidFill>
+                  <a:srgbClr val="657B83"/>
+                </a:solidFill>
+                <a:effectLst/>
+                <a:highlight>
+                  <a:srgbClr val="FDF6E3"/>
+                </a:highlight>
+                <a:latin typeface="Consolas" panose="020B0609020204030204" pitchFamily="49" charset="0"/>
+              </a:rPr>
+              <a:t>    </a:t>
+            </a:r>
+            <a:r>
+              <a:rPr lang="en-US" sz="900" b="0" dirty="0">
+                <a:solidFill>
+                  <a:srgbClr val="2AA198"/>
+                </a:solidFill>
+                <a:effectLst/>
+                <a:highlight>
+                  <a:srgbClr val="FDF6E3"/>
+                </a:highlight>
+                <a:latin typeface="Consolas" panose="020B0609020204030204" pitchFamily="49" charset="0"/>
+              </a:rPr>
+              <a:t>'humidity'</a:t>
+            </a:r>
+            <a:r>
+              <a:rPr lang="en-US" sz="900" b="0" dirty="0">
+                <a:solidFill>
+                  <a:srgbClr val="657B83"/>
+                </a:solidFill>
+                <a:effectLst/>
+                <a:highlight>
+                  <a:srgbClr val="FDF6E3"/>
+                </a:highlight>
+                <a:latin typeface="Consolas" panose="020B0609020204030204" pitchFamily="49" charset="0"/>
+              </a:rPr>
+              <a:t>: </a:t>
+            </a:r>
+            <a:r>
+              <a:rPr lang="en-US" sz="900" b="0" dirty="0">
+                <a:solidFill>
+                  <a:srgbClr val="2AA198"/>
+                </a:solidFill>
+                <a:effectLst/>
+                <a:highlight>
+                  <a:srgbClr val="FDF6E3"/>
+                </a:highlight>
+                <a:latin typeface="Consolas" panose="020B0609020204030204" pitchFamily="49" charset="0"/>
+              </a:rPr>
+              <a:t>'mean'</a:t>
+            </a:r>
+            <a:r>
+              <a:rPr lang="en-US" sz="900" b="0" dirty="0">
+                <a:solidFill>
+                  <a:srgbClr val="657B83"/>
+                </a:solidFill>
+                <a:effectLst/>
+                <a:highlight>
+                  <a:srgbClr val="FDF6E3"/>
+                </a:highlight>
+                <a:latin typeface="Consolas" panose="020B0609020204030204" pitchFamily="49" charset="0"/>
+              </a:rPr>
+              <a:t>,</a:t>
+            </a:r>
+          </a:p>
+          <a:p>
+            <a:r>
+              <a:rPr lang="en-US" sz="900" b="0" dirty="0">
+                <a:solidFill>
+                  <a:srgbClr val="657B83"/>
+                </a:solidFill>
+                <a:effectLst/>
+                <a:highlight>
+                  <a:srgbClr val="FDF6E3"/>
+                </a:highlight>
+                <a:latin typeface="Consolas" panose="020B0609020204030204" pitchFamily="49" charset="0"/>
+              </a:rPr>
+              <a:t>    </a:t>
+            </a:r>
+            <a:r>
+              <a:rPr lang="en-US" sz="900" b="0" dirty="0">
+                <a:solidFill>
+                  <a:srgbClr val="2AA198"/>
+                </a:solidFill>
+                <a:effectLst/>
+                <a:highlight>
+                  <a:srgbClr val="FDF6E3"/>
+                </a:highlight>
+                <a:latin typeface="Consolas" panose="020B0609020204030204" pitchFamily="49" charset="0"/>
+              </a:rPr>
+              <a:t>'</a:t>
+            </a:r>
+            <a:r>
+              <a:rPr lang="en-US" sz="900" b="0" dirty="0" err="1">
+                <a:solidFill>
+                  <a:srgbClr val="2AA198"/>
+                </a:solidFill>
+                <a:effectLst/>
+                <a:highlight>
+                  <a:srgbClr val="FDF6E3"/>
+                </a:highlight>
+                <a:latin typeface="Consolas" panose="020B0609020204030204" pitchFamily="49" charset="0"/>
+              </a:rPr>
+              <a:t>wind_speed</a:t>
+            </a:r>
+            <a:r>
+              <a:rPr lang="en-US" sz="900" b="0" dirty="0">
+                <a:solidFill>
+                  <a:srgbClr val="2AA198"/>
+                </a:solidFill>
+                <a:effectLst/>
+                <a:highlight>
+                  <a:srgbClr val="FDF6E3"/>
+                </a:highlight>
+                <a:latin typeface="Consolas" panose="020B0609020204030204" pitchFamily="49" charset="0"/>
+              </a:rPr>
+              <a:t>'</a:t>
+            </a:r>
+            <a:r>
+              <a:rPr lang="en-US" sz="900" b="0" dirty="0">
+                <a:solidFill>
+                  <a:srgbClr val="657B83"/>
+                </a:solidFill>
+                <a:effectLst/>
+                <a:highlight>
+                  <a:srgbClr val="FDF6E3"/>
+                </a:highlight>
+                <a:latin typeface="Consolas" panose="020B0609020204030204" pitchFamily="49" charset="0"/>
+              </a:rPr>
+              <a:t>: </a:t>
+            </a:r>
+            <a:r>
+              <a:rPr lang="en-US" sz="900" b="0" dirty="0">
+                <a:solidFill>
+                  <a:srgbClr val="2AA198"/>
+                </a:solidFill>
+                <a:effectLst/>
+                <a:highlight>
+                  <a:srgbClr val="FDF6E3"/>
+                </a:highlight>
+                <a:latin typeface="Consolas" panose="020B0609020204030204" pitchFamily="49" charset="0"/>
+              </a:rPr>
+              <a:t>'mean'</a:t>
+            </a:r>
+            <a:r>
+              <a:rPr lang="en-US" sz="900" b="0" dirty="0">
+                <a:solidFill>
+                  <a:srgbClr val="657B83"/>
+                </a:solidFill>
+                <a:effectLst/>
+                <a:highlight>
+                  <a:srgbClr val="FDF6E3"/>
+                </a:highlight>
+                <a:latin typeface="Consolas" panose="020B0609020204030204" pitchFamily="49" charset="0"/>
+              </a:rPr>
+              <a:t>,</a:t>
+            </a:r>
+          </a:p>
+          <a:p>
+            <a:r>
+              <a:rPr lang="en-US" sz="900" b="0" dirty="0">
+                <a:solidFill>
+                  <a:srgbClr val="657B83"/>
+                </a:solidFill>
+                <a:effectLst/>
+                <a:highlight>
+                  <a:srgbClr val="FDF6E3"/>
+                </a:highlight>
+                <a:latin typeface="Consolas" panose="020B0609020204030204" pitchFamily="49" charset="0"/>
+              </a:rPr>
+              <a:t>    </a:t>
+            </a:r>
+            <a:r>
+              <a:rPr lang="en-US" sz="900" b="0" dirty="0">
+                <a:solidFill>
+                  <a:srgbClr val="2AA198"/>
+                </a:solidFill>
+                <a:effectLst/>
+                <a:highlight>
+                  <a:srgbClr val="FDF6E3"/>
+                </a:highlight>
+                <a:latin typeface="Consolas" panose="020B0609020204030204" pitchFamily="49" charset="0"/>
+              </a:rPr>
+              <a:t>'</a:t>
+            </a:r>
+            <a:r>
+              <a:rPr lang="en-US" sz="900" b="0" dirty="0" err="1">
+                <a:solidFill>
+                  <a:srgbClr val="2AA198"/>
+                </a:solidFill>
+                <a:effectLst/>
+                <a:highlight>
+                  <a:srgbClr val="FDF6E3"/>
+                </a:highlight>
+                <a:latin typeface="Consolas" panose="020B0609020204030204" pitchFamily="49" charset="0"/>
+              </a:rPr>
+              <a:t>clouds_all</a:t>
+            </a:r>
+            <a:r>
+              <a:rPr lang="en-US" sz="900" b="0" dirty="0">
+                <a:solidFill>
+                  <a:srgbClr val="2AA198"/>
+                </a:solidFill>
+                <a:effectLst/>
+                <a:highlight>
+                  <a:srgbClr val="FDF6E3"/>
+                </a:highlight>
+                <a:latin typeface="Consolas" panose="020B0609020204030204" pitchFamily="49" charset="0"/>
+              </a:rPr>
+              <a:t>'</a:t>
+            </a:r>
+            <a:r>
+              <a:rPr lang="en-US" sz="900" b="0" dirty="0">
+                <a:solidFill>
+                  <a:srgbClr val="657B83"/>
+                </a:solidFill>
+                <a:effectLst/>
+                <a:highlight>
+                  <a:srgbClr val="FDF6E3"/>
+                </a:highlight>
+                <a:latin typeface="Consolas" panose="020B0609020204030204" pitchFamily="49" charset="0"/>
+              </a:rPr>
+              <a:t>: </a:t>
+            </a:r>
+            <a:r>
+              <a:rPr lang="en-US" sz="900" b="0" dirty="0">
+                <a:solidFill>
+                  <a:srgbClr val="2AA198"/>
+                </a:solidFill>
+                <a:effectLst/>
+                <a:highlight>
+                  <a:srgbClr val="FDF6E3"/>
+                </a:highlight>
+                <a:latin typeface="Consolas" panose="020B0609020204030204" pitchFamily="49" charset="0"/>
+              </a:rPr>
+              <a:t>'mean'</a:t>
+            </a:r>
+            <a:r>
+              <a:rPr lang="en-US" sz="900" b="0" dirty="0">
+                <a:solidFill>
+                  <a:srgbClr val="657B83"/>
+                </a:solidFill>
+                <a:effectLst/>
+                <a:highlight>
+                  <a:srgbClr val="FDF6E3"/>
+                </a:highlight>
+                <a:latin typeface="Consolas" panose="020B0609020204030204" pitchFamily="49" charset="0"/>
+              </a:rPr>
+              <a:t>,</a:t>
+            </a:r>
+          </a:p>
+          <a:p>
+            <a:r>
+              <a:rPr lang="en-US" sz="900" b="0" dirty="0">
+                <a:solidFill>
+                  <a:srgbClr val="657B83"/>
+                </a:solidFill>
+                <a:effectLst/>
+                <a:highlight>
+                  <a:srgbClr val="FDF6E3"/>
+                </a:highlight>
+                <a:latin typeface="Consolas" panose="020B0609020204030204" pitchFamily="49" charset="0"/>
+              </a:rPr>
+              <a:t>    </a:t>
+            </a:r>
+            <a:r>
+              <a:rPr lang="en-US" sz="900" b="0" dirty="0">
+                <a:solidFill>
+                  <a:srgbClr val="2AA198"/>
+                </a:solidFill>
+                <a:effectLst/>
+                <a:highlight>
+                  <a:srgbClr val="FDF6E3"/>
+                </a:highlight>
+                <a:latin typeface="Consolas" panose="020B0609020204030204" pitchFamily="49" charset="0"/>
+              </a:rPr>
+              <a:t>'</a:t>
+            </a:r>
+            <a:r>
+              <a:rPr lang="en-US" sz="900" b="0" dirty="0" err="1">
+                <a:solidFill>
+                  <a:srgbClr val="2AA198"/>
+                </a:solidFill>
+                <a:effectLst/>
+                <a:highlight>
+                  <a:srgbClr val="FDF6E3"/>
+                </a:highlight>
+                <a:latin typeface="Consolas" panose="020B0609020204030204" pitchFamily="49" charset="0"/>
+              </a:rPr>
+              <a:t>weather_main</a:t>
+            </a:r>
+            <a:r>
+              <a:rPr lang="en-US" sz="900" b="0" dirty="0">
+                <a:solidFill>
+                  <a:srgbClr val="2AA198"/>
+                </a:solidFill>
+                <a:effectLst/>
+                <a:highlight>
+                  <a:srgbClr val="FDF6E3"/>
+                </a:highlight>
+                <a:latin typeface="Consolas" panose="020B0609020204030204" pitchFamily="49" charset="0"/>
+              </a:rPr>
+              <a:t>'</a:t>
+            </a:r>
+            <a:r>
+              <a:rPr lang="en-US" sz="900" b="0" dirty="0">
+                <a:solidFill>
+                  <a:srgbClr val="657B83"/>
+                </a:solidFill>
+                <a:effectLst/>
+                <a:highlight>
+                  <a:srgbClr val="FDF6E3"/>
+                </a:highlight>
+                <a:latin typeface="Consolas" panose="020B0609020204030204" pitchFamily="49" charset="0"/>
+              </a:rPr>
+              <a:t>: </a:t>
+            </a:r>
+            <a:r>
+              <a:rPr lang="en-US" sz="900" b="1" dirty="0">
+                <a:solidFill>
+                  <a:srgbClr val="586E75"/>
+                </a:solidFill>
+                <a:effectLst/>
+                <a:highlight>
+                  <a:srgbClr val="FDF6E3"/>
+                </a:highlight>
+                <a:latin typeface="Consolas" panose="020B0609020204030204" pitchFamily="49" charset="0"/>
+              </a:rPr>
+              <a:t>lambda</a:t>
+            </a:r>
+            <a:r>
+              <a:rPr lang="en-US" sz="900" b="0" dirty="0">
+                <a:solidFill>
+                  <a:srgbClr val="657B83"/>
+                </a:solidFill>
+                <a:effectLst/>
+                <a:highlight>
+                  <a:srgbClr val="FDF6E3"/>
+                </a:highlight>
+                <a:latin typeface="Consolas" panose="020B0609020204030204" pitchFamily="49" charset="0"/>
+              </a:rPr>
+              <a:t> x: </a:t>
+            </a:r>
+            <a:r>
+              <a:rPr lang="en-US" sz="900" b="0" dirty="0" err="1">
+                <a:solidFill>
+                  <a:srgbClr val="657B83"/>
+                </a:solidFill>
+                <a:effectLst/>
+                <a:highlight>
+                  <a:srgbClr val="FDF6E3"/>
+                </a:highlight>
+                <a:latin typeface="Consolas" panose="020B0609020204030204" pitchFamily="49" charset="0"/>
+              </a:rPr>
+              <a:t>x.mode</a:t>
+            </a:r>
+            <a:r>
+              <a:rPr lang="en-US" sz="900" b="0" dirty="0">
+                <a:solidFill>
+                  <a:srgbClr val="657B83"/>
+                </a:solidFill>
+                <a:effectLst/>
+                <a:highlight>
+                  <a:srgbClr val="FDF6E3"/>
+                </a:highlight>
+                <a:latin typeface="Consolas" panose="020B0609020204030204" pitchFamily="49" charset="0"/>
+              </a:rPr>
+              <a:t>()[</a:t>
+            </a:r>
+            <a:r>
+              <a:rPr lang="en-US" sz="900" b="0" dirty="0">
+                <a:solidFill>
+                  <a:srgbClr val="D33682"/>
+                </a:solidFill>
+                <a:effectLst/>
+                <a:highlight>
+                  <a:srgbClr val="FDF6E3"/>
+                </a:highlight>
+                <a:latin typeface="Consolas" panose="020B0609020204030204" pitchFamily="49" charset="0"/>
+              </a:rPr>
+              <a:t>0</a:t>
+            </a:r>
+            <a:r>
+              <a:rPr lang="en-US" sz="900" b="0" dirty="0">
+                <a:solidFill>
+                  <a:srgbClr val="657B83"/>
+                </a:solidFill>
+                <a:effectLst/>
+                <a:highlight>
+                  <a:srgbClr val="FDF6E3"/>
+                </a:highlight>
+                <a:latin typeface="Consolas" panose="020B0609020204030204" pitchFamily="49" charset="0"/>
+              </a:rPr>
+              <a:t>] </a:t>
+            </a:r>
+            <a:r>
+              <a:rPr lang="en-US" sz="900" b="0" dirty="0">
+                <a:solidFill>
+                  <a:srgbClr val="859900"/>
+                </a:solidFill>
+                <a:effectLst/>
+                <a:highlight>
+                  <a:srgbClr val="FDF6E3"/>
+                </a:highlight>
+                <a:latin typeface="Consolas" panose="020B0609020204030204" pitchFamily="49" charset="0"/>
+              </a:rPr>
+              <a:t>if</a:t>
+            </a:r>
+            <a:r>
+              <a:rPr lang="en-US" sz="900" b="0" dirty="0">
+                <a:solidFill>
+                  <a:srgbClr val="657B83"/>
+                </a:solidFill>
+                <a:effectLst/>
+                <a:highlight>
+                  <a:srgbClr val="FDF6E3"/>
+                </a:highlight>
+                <a:latin typeface="Consolas" panose="020B0609020204030204" pitchFamily="49" charset="0"/>
+              </a:rPr>
+              <a:t> </a:t>
+            </a:r>
+            <a:r>
+              <a:rPr lang="en-US" sz="900" b="0" dirty="0">
+                <a:solidFill>
+                  <a:srgbClr val="859900"/>
+                </a:solidFill>
+                <a:effectLst/>
+                <a:highlight>
+                  <a:srgbClr val="FDF6E3"/>
+                </a:highlight>
+                <a:latin typeface="Consolas" panose="020B0609020204030204" pitchFamily="49" charset="0"/>
+              </a:rPr>
+              <a:t>not</a:t>
+            </a:r>
+            <a:r>
+              <a:rPr lang="en-US" sz="900" b="0" dirty="0">
+                <a:solidFill>
+                  <a:srgbClr val="657B83"/>
+                </a:solidFill>
+                <a:effectLst/>
+                <a:highlight>
+                  <a:srgbClr val="FDF6E3"/>
+                </a:highlight>
+                <a:latin typeface="Consolas" panose="020B0609020204030204" pitchFamily="49" charset="0"/>
+              </a:rPr>
+              <a:t> </a:t>
+            </a:r>
+            <a:r>
+              <a:rPr lang="en-US" sz="900" b="0" dirty="0" err="1">
+                <a:solidFill>
+                  <a:srgbClr val="657B83"/>
+                </a:solidFill>
+                <a:effectLst/>
+                <a:highlight>
+                  <a:srgbClr val="FDF6E3"/>
+                </a:highlight>
+                <a:latin typeface="Consolas" panose="020B0609020204030204" pitchFamily="49" charset="0"/>
+              </a:rPr>
+              <a:t>x.mode</a:t>
+            </a:r>
+            <a:r>
+              <a:rPr lang="en-US" sz="900" b="0" dirty="0">
+                <a:solidFill>
+                  <a:srgbClr val="657B83"/>
+                </a:solidFill>
+                <a:effectLst/>
+                <a:highlight>
+                  <a:srgbClr val="FDF6E3"/>
+                </a:highlight>
+                <a:latin typeface="Consolas" panose="020B0609020204030204" pitchFamily="49" charset="0"/>
+              </a:rPr>
+              <a:t>().empty </a:t>
+            </a:r>
+            <a:r>
+              <a:rPr lang="en-US" sz="900" b="0" dirty="0">
+                <a:solidFill>
+                  <a:srgbClr val="859900"/>
+                </a:solidFill>
+                <a:effectLst/>
+                <a:highlight>
+                  <a:srgbClr val="FDF6E3"/>
+                </a:highlight>
+                <a:latin typeface="Consolas" panose="020B0609020204030204" pitchFamily="49" charset="0"/>
+              </a:rPr>
+              <a:t>else</a:t>
+            </a:r>
+            <a:r>
+              <a:rPr lang="en-US" sz="900" b="0" dirty="0">
+                <a:solidFill>
+                  <a:srgbClr val="657B83"/>
+                </a:solidFill>
+                <a:effectLst/>
+                <a:highlight>
+                  <a:srgbClr val="FDF6E3"/>
+                </a:highlight>
+                <a:latin typeface="Consolas" panose="020B0609020204030204" pitchFamily="49" charset="0"/>
+              </a:rPr>
+              <a:t> </a:t>
+            </a:r>
+            <a:r>
+              <a:rPr lang="en-US" sz="900" b="0" dirty="0">
+                <a:solidFill>
+                  <a:srgbClr val="2AA198"/>
+                </a:solidFill>
+                <a:effectLst/>
+                <a:highlight>
+                  <a:srgbClr val="FDF6E3"/>
+                </a:highlight>
+                <a:latin typeface="Consolas" panose="020B0609020204030204" pitchFamily="49" charset="0"/>
+              </a:rPr>
+              <a:t>'Unknown'</a:t>
+            </a:r>
+            <a:endParaRPr lang="en-US" sz="900" b="0" dirty="0">
+              <a:solidFill>
+                <a:srgbClr val="657B83"/>
+              </a:solidFill>
+              <a:effectLst/>
+              <a:highlight>
+                <a:srgbClr val="FDF6E3"/>
+              </a:highlight>
+              <a:latin typeface="Consolas" panose="020B0609020204030204" pitchFamily="49" charset="0"/>
+            </a:endParaRPr>
+          </a:p>
+          <a:p>
+            <a:r>
+              <a:rPr lang="en-US" sz="900" b="0" dirty="0">
+                <a:solidFill>
+                  <a:srgbClr val="657B83"/>
+                </a:solidFill>
+                <a:effectLst/>
+                <a:highlight>
+                  <a:srgbClr val="FDF6E3"/>
+                </a:highlight>
+                <a:latin typeface="Consolas" panose="020B0609020204030204" pitchFamily="49" charset="0"/>
+              </a:rPr>
+              <a:t>}).</a:t>
+            </a:r>
+            <a:r>
+              <a:rPr lang="en-US" sz="900" b="0" dirty="0" err="1">
+                <a:solidFill>
+                  <a:srgbClr val="268BD2"/>
+                </a:solidFill>
+                <a:effectLst/>
+                <a:highlight>
+                  <a:srgbClr val="FDF6E3"/>
+                </a:highlight>
+                <a:latin typeface="Consolas" panose="020B0609020204030204" pitchFamily="49" charset="0"/>
+              </a:rPr>
+              <a:t>reset_index</a:t>
+            </a:r>
+            <a:r>
+              <a:rPr lang="en-US" sz="900" b="0" dirty="0">
+                <a:solidFill>
+                  <a:srgbClr val="657B83"/>
+                </a:solidFill>
+                <a:effectLst/>
+                <a:highlight>
+                  <a:srgbClr val="FDF6E3"/>
+                </a:highlight>
+                <a:latin typeface="Consolas" panose="020B0609020204030204" pitchFamily="49" charset="0"/>
+              </a:rPr>
+              <a:t>()</a:t>
+            </a:r>
+          </a:p>
+          <a:p>
+            <a:br>
+              <a:rPr lang="en-US" sz="900" b="0" dirty="0">
+                <a:solidFill>
+                  <a:srgbClr val="657B83"/>
+                </a:solidFill>
+                <a:effectLst/>
+                <a:highlight>
+                  <a:srgbClr val="FDF6E3"/>
+                </a:highlight>
+                <a:latin typeface="Consolas" panose="020B0609020204030204" pitchFamily="49" charset="0"/>
+              </a:rPr>
+            </a:br>
+            <a:r>
+              <a:rPr lang="en-US" sz="900" b="0" i="1" dirty="0">
+                <a:solidFill>
+                  <a:srgbClr val="93A1A1"/>
+                </a:solidFill>
+                <a:effectLst/>
+                <a:highlight>
+                  <a:srgbClr val="FDF6E3"/>
+                </a:highlight>
+                <a:latin typeface="Consolas" panose="020B0609020204030204" pitchFamily="49" charset="0"/>
+              </a:rPr>
+              <a:t># </a:t>
+            </a:r>
+            <a:r>
+              <a:rPr lang="en-US" sz="900" b="0" i="1" dirty="0" err="1">
+                <a:solidFill>
+                  <a:srgbClr val="93A1A1"/>
+                </a:solidFill>
+                <a:effectLst/>
+                <a:highlight>
+                  <a:srgbClr val="FDF6E3"/>
+                </a:highlight>
+                <a:latin typeface="Consolas" panose="020B0609020204030204" pitchFamily="49" charset="0"/>
+              </a:rPr>
+              <a:t>Funkcja</a:t>
+            </a:r>
+            <a:r>
+              <a:rPr lang="en-US" sz="900" b="0" i="1" dirty="0">
+                <a:solidFill>
+                  <a:srgbClr val="93A1A1"/>
+                </a:solidFill>
+                <a:effectLst/>
+                <a:highlight>
+                  <a:srgbClr val="FDF6E3"/>
+                </a:highlight>
+                <a:latin typeface="Consolas" panose="020B0609020204030204" pitchFamily="49" charset="0"/>
+              </a:rPr>
+              <a:t> </a:t>
+            </a:r>
+            <a:r>
+              <a:rPr lang="en-US" sz="900" b="0" i="1" dirty="0" err="1">
+                <a:solidFill>
+                  <a:srgbClr val="93A1A1"/>
+                </a:solidFill>
+                <a:effectLst/>
+                <a:highlight>
+                  <a:srgbClr val="FDF6E3"/>
+                </a:highlight>
+                <a:latin typeface="Consolas" panose="020B0609020204030204" pitchFamily="49" charset="0"/>
+              </a:rPr>
+              <a:t>adjust_weather</a:t>
+            </a:r>
+            <a:r>
+              <a:rPr lang="en-US" sz="900" b="0" i="1" dirty="0">
+                <a:solidFill>
+                  <a:srgbClr val="93A1A1"/>
+                </a:solidFill>
+                <a:effectLst/>
+                <a:highlight>
+                  <a:srgbClr val="FDF6E3"/>
+                </a:highlight>
+                <a:latin typeface="Consolas" panose="020B0609020204030204" pitchFamily="49" charset="0"/>
+              </a:rPr>
+              <a:t> </a:t>
+            </a:r>
+            <a:r>
+              <a:rPr lang="en-US" sz="900" b="0" i="1" dirty="0" err="1">
+                <a:solidFill>
+                  <a:srgbClr val="93A1A1"/>
+                </a:solidFill>
+                <a:effectLst/>
+                <a:highlight>
+                  <a:srgbClr val="FDF6E3"/>
+                </a:highlight>
+                <a:latin typeface="Consolas" panose="020B0609020204030204" pitchFamily="49" charset="0"/>
+              </a:rPr>
+              <a:t>służy</a:t>
+            </a:r>
+            <a:r>
+              <a:rPr lang="en-US" sz="900" b="0" i="1" dirty="0">
+                <a:solidFill>
+                  <a:srgbClr val="93A1A1"/>
+                </a:solidFill>
+                <a:effectLst/>
+                <a:highlight>
+                  <a:srgbClr val="FDF6E3"/>
+                </a:highlight>
+                <a:latin typeface="Consolas" panose="020B0609020204030204" pitchFamily="49" charset="0"/>
+              </a:rPr>
+              <a:t> do </a:t>
+            </a:r>
+            <a:r>
+              <a:rPr lang="en-US" sz="900" b="0" i="1" dirty="0" err="1">
+                <a:solidFill>
+                  <a:srgbClr val="93A1A1"/>
+                </a:solidFill>
+                <a:effectLst/>
+                <a:highlight>
+                  <a:srgbClr val="FDF6E3"/>
+                </a:highlight>
+                <a:latin typeface="Consolas" panose="020B0609020204030204" pitchFamily="49" charset="0"/>
+              </a:rPr>
+              <a:t>dostosowania</a:t>
+            </a:r>
+            <a:r>
+              <a:rPr lang="en-US" sz="900" b="0" i="1" dirty="0">
+                <a:solidFill>
+                  <a:srgbClr val="93A1A1"/>
+                </a:solidFill>
+                <a:effectLst/>
+                <a:highlight>
+                  <a:srgbClr val="FDF6E3"/>
+                </a:highlight>
+                <a:latin typeface="Consolas" panose="020B0609020204030204" pitchFamily="49" charset="0"/>
+              </a:rPr>
+              <a:t> </a:t>
+            </a:r>
+            <a:r>
+              <a:rPr lang="en-US" sz="900" b="0" i="1" dirty="0" err="1">
+                <a:solidFill>
+                  <a:srgbClr val="93A1A1"/>
+                </a:solidFill>
+                <a:effectLst/>
+                <a:highlight>
+                  <a:srgbClr val="FDF6E3"/>
+                </a:highlight>
+                <a:latin typeface="Consolas" panose="020B0609020204030204" pitchFamily="49" charset="0"/>
+              </a:rPr>
+              <a:t>wartości</a:t>
+            </a:r>
+            <a:r>
+              <a:rPr lang="en-US" sz="900" b="0" i="1" dirty="0">
+                <a:solidFill>
+                  <a:srgbClr val="93A1A1"/>
+                </a:solidFill>
+                <a:effectLst/>
+                <a:highlight>
+                  <a:srgbClr val="FDF6E3"/>
+                </a:highlight>
+                <a:latin typeface="Consolas" panose="020B0609020204030204" pitchFamily="49" charset="0"/>
+              </a:rPr>
+              <a:t> w </a:t>
+            </a:r>
+            <a:r>
+              <a:rPr lang="en-US" sz="900" b="0" i="1" dirty="0" err="1">
+                <a:solidFill>
+                  <a:srgbClr val="93A1A1"/>
+                </a:solidFill>
+                <a:effectLst/>
+                <a:highlight>
+                  <a:srgbClr val="FDF6E3"/>
+                </a:highlight>
+                <a:latin typeface="Consolas" panose="020B0609020204030204" pitchFamily="49" charset="0"/>
+              </a:rPr>
+              <a:t>kolumnie</a:t>
+            </a:r>
+            <a:r>
+              <a:rPr lang="en-US" sz="900" b="0" i="1" dirty="0">
+                <a:solidFill>
+                  <a:srgbClr val="93A1A1"/>
+                </a:solidFill>
+                <a:effectLst/>
+                <a:highlight>
+                  <a:srgbClr val="FDF6E3"/>
+                </a:highlight>
+                <a:latin typeface="Consolas" panose="020B0609020204030204" pitchFamily="49" charset="0"/>
+              </a:rPr>
+              <a:t> '</a:t>
+            </a:r>
+            <a:r>
+              <a:rPr lang="en-US" sz="900" b="0" i="1" dirty="0" err="1">
+                <a:solidFill>
+                  <a:srgbClr val="93A1A1"/>
+                </a:solidFill>
+                <a:effectLst/>
+                <a:highlight>
+                  <a:srgbClr val="FDF6E3"/>
+                </a:highlight>
+                <a:latin typeface="Consolas" panose="020B0609020204030204" pitchFamily="49" charset="0"/>
+              </a:rPr>
+              <a:t>weather_main</a:t>
+            </a:r>
+            <a:r>
+              <a:rPr lang="en-US" sz="900" b="0" i="1" dirty="0">
+                <a:solidFill>
+                  <a:srgbClr val="93A1A1"/>
+                </a:solidFill>
+                <a:effectLst/>
+                <a:highlight>
+                  <a:srgbClr val="FDF6E3"/>
+                </a:highlight>
+                <a:latin typeface="Consolas" panose="020B0609020204030204" pitchFamily="49" charset="0"/>
+              </a:rPr>
+              <a:t>' </a:t>
+            </a:r>
+            <a:r>
+              <a:rPr lang="en-US" sz="900" b="0" i="1" dirty="0" err="1">
+                <a:solidFill>
+                  <a:srgbClr val="93A1A1"/>
+                </a:solidFill>
+                <a:effectLst/>
+                <a:highlight>
+                  <a:srgbClr val="FDF6E3"/>
+                </a:highlight>
+                <a:latin typeface="Consolas" panose="020B0609020204030204" pitchFamily="49" charset="0"/>
+              </a:rPr>
+              <a:t>na</a:t>
+            </a:r>
+            <a:r>
+              <a:rPr lang="en-US" sz="900" b="0" i="1" dirty="0">
+                <a:solidFill>
+                  <a:srgbClr val="93A1A1"/>
+                </a:solidFill>
+                <a:effectLst/>
+                <a:highlight>
+                  <a:srgbClr val="FDF6E3"/>
+                </a:highlight>
+                <a:latin typeface="Consolas" panose="020B0609020204030204" pitchFamily="49" charset="0"/>
+              </a:rPr>
+              <a:t> </a:t>
+            </a:r>
+            <a:r>
+              <a:rPr lang="en-US" sz="900" b="0" i="1" dirty="0" err="1">
+                <a:solidFill>
+                  <a:srgbClr val="93A1A1"/>
+                </a:solidFill>
+                <a:effectLst/>
+                <a:highlight>
+                  <a:srgbClr val="FDF6E3"/>
+                </a:highlight>
+                <a:latin typeface="Consolas" panose="020B0609020204030204" pitchFamily="49" charset="0"/>
+              </a:rPr>
+              <a:t>podstawie</a:t>
+            </a:r>
+            <a:r>
+              <a:rPr lang="en-US" sz="900" b="0" i="1" dirty="0">
+                <a:solidFill>
+                  <a:srgbClr val="93A1A1"/>
+                </a:solidFill>
+                <a:effectLst/>
+                <a:highlight>
+                  <a:srgbClr val="FDF6E3"/>
+                </a:highlight>
+                <a:latin typeface="Consolas" panose="020B0609020204030204" pitchFamily="49" charset="0"/>
+              </a:rPr>
+              <a:t> </a:t>
+            </a:r>
+            <a:r>
+              <a:rPr lang="en-US" sz="900" b="0" i="1" dirty="0" err="1">
+                <a:solidFill>
+                  <a:srgbClr val="93A1A1"/>
+                </a:solidFill>
+                <a:effectLst/>
+                <a:highlight>
+                  <a:srgbClr val="FDF6E3"/>
+                </a:highlight>
+                <a:latin typeface="Consolas" panose="020B0609020204030204" pitchFamily="49" charset="0"/>
+              </a:rPr>
+              <a:t>wartości</a:t>
+            </a:r>
+            <a:r>
+              <a:rPr lang="en-US" sz="900" b="0" i="1" dirty="0">
+                <a:solidFill>
+                  <a:srgbClr val="93A1A1"/>
+                </a:solidFill>
+                <a:effectLst/>
+                <a:highlight>
+                  <a:srgbClr val="FDF6E3"/>
+                </a:highlight>
+                <a:latin typeface="Consolas" panose="020B0609020204030204" pitchFamily="49" charset="0"/>
+              </a:rPr>
+              <a:t> w </a:t>
+            </a:r>
+            <a:r>
+              <a:rPr lang="en-US" sz="900" b="0" i="1" dirty="0" err="1">
+                <a:solidFill>
+                  <a:srgbClr val="93A1A1"/>
+                </a:solidFill>
+                <a:effectLst/>
+                <a:highlight>
+                  <a:srgbClr val="FDF6E3"/>
+                </a:highlight>
+                <a:latin typeface="Consolas" panose="020B0609020204030204" pitchFamily="49" charset="0"/>
+              </a:rPr>
+              <a:t>kolumnie</a:t>
+            </a:r>
+            <a:r>
+              <a:rPr lang="en-US" sz="900" b="0" i="1" dirty="0">
+                <a:solidFill>
+                  <a:srgbClr val="93A1A1"/>
+                </a:solidFill>
+                <a:effectLst/>
+                <a:highlight>
+                  <a:srgbClr val="FDF6E3"/>
+                </a:highlight>
+                <a:latin typeface="Consolas" panose="020B0609020204030204" pitchFamily="49" charset="0"/>
+              </a:rPr>
+              <a:t> '</a:t>
+            </a:r>
+            <a:r>
+              <a:rPr lang="en-US" sz="900" b="0" i="1" dirty="0" err="1">
+                <a:solidFill>
+                  <a:srgbClr val="93A1A1"/>
+                </a:solidFill>
+                <a:effectLst/>
+                <a:highlight>
+                  <a:srgbClr val="FDF6E3"/>
+                </a:highlight>
+                <a:latin typeface="Consolas" panose="020B0609020204030204" pitchFamily="49" charset="0"/>
+              </a:rPr>
+              <a:t>clouds_all</a:t>
+            </a:r>
+            <a:r>
+              <a:rPr lang="en-US" sz="900" b="0" i="1" dirty="0">
+                <a:solidFill>
+                  <a:srgbClr val="93A1A1"/>
+                </a:solidFill>
+                <a:effectLst/>
+                <a:highlight>
+                  <a:srgbClr val="FDF6E3"/>
+                </a:highlight>
+                <a:latin typeface="Consolas" panose="020B0609020204030204" pitchFamily="49" charset="0"/>
+              </a:rPr>
+              <a:t>'.</a:t>
+            </a:r>
+            <a:endParaRPr lang="en-US" sz="900" b="0" dirty="0">
+              <a:solidFill>
+                <a:srgbClr val="657B83"/>
+              </a:solidFill>
+              <a:effectLst/>
+              <a:highlight>
+                <a:srgbClr val="FDF6E3"/>
+              </a:highlight>
+              <a:latin typeface="Consolas" panose="020B0609020204030204" pitchFamily="49" charset="0"/>
+            </a:endParaRPr>
+          </a:p>
+          <a:p>
+            <a:r>
+              <a:rPr lang="en-US" sz="900" b="0" i="1" dirty="0">
+                <a:solidFill>
+                  <a:srgbClr val="93A1A1"/>
+                </a:solidFill>
+                <a:effectLst/>
+                <a:highlight>
+                  <a:srgbClr val="FDF6E3"/>
+                </a:highlight>
+                <a:latin typeface="Consolas" panose="020B0609020204030204" pitchFamily="49" charset="0"/>
+              </a:rPr>
+              <a:t># </a:t>
+            </a:r>
+            <a:r>
+              <a:rPr lang="en-US" sz="900" b="0" i="1" dirty="0" err="1">
+                <a:solidFill>
+                  <a:srgbClr val="93A1A1"/>
+                </a:solidFill>
+                <a:effectLst/>
+                <a:highlight>
+                  <a:srgbClr val="FDF6E3"/>
+                </a:highlight>
+                <a:latin typeface="Consolas" panose="020B0609020204030204" pitchFamily="49" charset="0"/>
+              </a:rPr>
+              <a:t>Głównym</a:t>
+            </a:r>
+            <a:r>
+              <a:rPr lang="en-US" sz="900" b="0" i="1" dirty="0">
+                <a:solidFill>
+                  <a:srgbClr val="93A1A1"/>
+                </a:solidFill>
+                <a:effectLst/>
+                <a:highlight>
+                  <a:srgbClr val="FDF6E3"/>
+                </a:highlight>
+                <a:latin typeface="Consolas" panose="020B0609020204030204" pitchFamily="49" charset="0"/>
+              </a:rPr>
+              <a:t> </a:t>
+            </a:r>
+            <a:r>
+              <a:rPr lang="en-US" sz="900" b="0" i="1" dirty="0" err="1">
+                <a:solidFill>
+                  <a:srgbClr val="93A1A1"/>
+                </a:solidFill>
+                <a:effectLst/>
+                <a:highlight>
+                  <a:srgbClr val="FDF6E3"/>
+                </a:highlight>
+                <a:latin typeface="Consolas" panose="020B0609020204030204" pitchFamily="49" charset="0"/>
+              </a:rPr>
+              <a:t>celem</a:t>
+            </a:r>
+            <a:r>
+              <a:rPr lang="en-US" sz="900" b="0" i="1" dirty="0">
+                <a:solidFill>
+                  <a:srgbClr val="93A1A1"/>
+                </a:solidFill>
+                <a:effectLst/>
+                <a:highlight>
+                  <a:srgbClr val="FDF6E3"/>
+                </a:highlight>
+                <a:latin typeface="Consolas" panose="020B0609020204030204" pitchFamily="49" charset="0"/>
+              </a:rPr>
+              <a:t> </a:t>
+            </a:r>
+            <a:r>
+              <a:rPr lang="en-US" sz="900" b="0" i="1" dirty="0" err="1">
+                <a:solidFill>
+                  <a:srgbClr val="93A1A1"/>
+                </a:solidFill>
+                <a:effectLst/>
+                <a:highlight>
+                  <a:srgbClr val="FDF6E3"/>
+                </a:highlight>
+                <a:latin typeface="Consolas" panose="020B0609020204030204" pitchFamily="49" charset="0"/>
+              </a:rPr>
+              <a:t>tej</a:t>
+            </a:r>
+            <a:r>
+              <a:rPr lang="en-US" sz="900" b="0" i="1" dirty="0">
+                <a:solidFill>
+                  <a:srgbClr val="93A1A1"/>
+                </a:solidFill>
+                <a:effectLst/>
+                <a:highlight>
+                  <a:srgbClr val="FDF6E3"/>
+                </a:highlight>
+                <a:latin typeface="Consolas" panose="020B0609020204030204" pitchFamily="49" charset="0"/>
+              </a:rPr>
+              <a:t> </a:t>
+            </a:r>
+            <a:r>
+              <a:rPr lang="en-US" sz="900" b="0" i="1" dirty="0" err="1">
+                <a:solidFill>
+                  <a:srgbClr val="93A1A1"/>
+                </a:solidFill>
+                <a:effectLst/>
+                <a:highlight>
+                  <a:srgbClr val="FDF6E3"/>
+                </a:highlight>
+                <a:latin typeface="Consolas" panose="020B0609020204030204" pitchFamily="49" charset="0"/>
+              </a:rPr>
+              <a:t>funkcji</a:t>
+            </a:r>
+            <a:r>
+              <a:rPr lang="en-US" sz="900" b="0" i="1" dirty="0">
+                <a:solidFill>
+                  <a:srgbClr val="93A1A1"/>
+                </a:solidFill>
+                <a:effectLst/>
+                <a:highlight>
+                  <a:srgbClr val="FDF6E3"/>
+                </a:highlight>
+                <a:latin typeface="Consolas" panose="020B0609020204030204" pitchFamily="49" charset="0"/>
+              </a:rPr>
+              <a:t> jest </a:t>
+            </a:r>
+            <a:r>
+              <a:rPr lang="en-US" sz="900" b="0" i="1" dirty="0" err="1">
+                <a:solidFill>
+                  <a:srgbClr val="93A1A1"/>
+                </a:solidFill>
+                <a:effectLst/>
+                <a:highlight>
+                  <a:srgbClr val="FDF6E3"/>
+                </a:highlight>
+                <a:latin typeface="Consolas" panose="020B0609020204030204" pitchFamily="49" charset="0"/>
+              </a:rPr>
+              <a:t>przypisanie</a:t>
+            </a:r>
+            <a:r>
+              <a:rPr lang="en-US" sz="900" b="0" i="1" dirty="0">
+                <a:solidFill>
+                  <a:srgbClr val="93A1A1"/>
+                </a:solidFill>
+                <a:effectLst/>
+                <a:highlight>
+                  <a:srgbClr val="FDF6E3"/>
+                </a:highlight>
+                <a:latin typeface="Consolas" panose="020B0609020204030204" pitchFamily="49" charset="0"/>
+              </a:rPr>
+              <a:t> </a:t>
+            </a:r>
+            <a:r>
+              <a:rPr lang="en-US" sz="900" b="0" i="1" dirty="0" err="1">
+                <a:solidFill>
+                  <a:srgbClr val="93A1A1"/>
+                </a:solidFill>
+                <a:effectLst/>
+                <a:highlight>
+                  <a:srgbClr val="FDF6E3"/>
+                </a:highlight>
+                <a:latin typeface="Consolas" panose="020B0609020204030204" pitchFamily="49" charset="0"/>
+              </a:rPr>
+              <a:t>bardziej</a:t>
+            </a:r>
+            <a:r>
+              <a:rPr lang="en-US" sz="900" b="0" i="1" dirty="0">
+                <a:solidFill>
+                  <a:srgbClr val="93A1A1"/>
+                </a:solidFill>
+                <a:effectLst/>
+                <a:highlight>
+                  <a:srgbClr val="FDF6E3"/>
+                </a:highlight>
+                <a:latin typeface="Consolas" panose="020B0609020204030204" pitchFamily="49" charset="0"/>
+              </a:rPr>
+              <a:t> </a:t>
+            </a:r>
+            <a:r>
+              <a:rPr lang="en-US" sz="900" b="0" i="1" dirty="0" err="1">
+                <a:solidFill>
+                  <a:srgbClr val="93A1A1"/>
+                </a:solidFill>
+                <a:effectLst/>
+                <a:highlight>
+                  <a:srgbClr val="FDF6E3"/>
+                </a:highlight>
+                <a:latin typeface="Consolas" panose="020B0609020204030204" pitchFamily="49" charset="0"/>
+              </a:rPr>
+              <a:t>ogólnych</a:t>
+            </a:r>
+            <a:r>
+              <a:rPr lang="en-US" sz="900" b="0" i="1" dirty="0">
+                <a:solidFill>
+                  <a:srgbClr val="93A1A1"/>
+                </a:solidFill>
+                <a:effectLst/>
+                <a:highlight>
+                  <a:srgbClr val="FDF6E3"/>
+                </a:highlight>
+                <a:latin typeface="Consolas" panose="020B0609020204030204" pitchFamily="49" charset="0"/>
+              </a:rPr>
+              <a:t> </a:t>
+            </a:r>
+            <a:r>
+              <a:rPr lang="en-US" sz="900" b="0" i="1" dirty="0" err="1">
+                <a:solidFill>
+                  <a:srgbClr val="93A1A1"/>
+                </a:solidFill>
+                <a:effectLst/>
+                <a:highlight>
+                  <a:srgbClr val="FDF6E3"/>
+                </a:highlight>
+                <a:latin typeface="Consolas" panose="020B0609020204030204" pitchFamily="49" charset="0"/>
+              </a:rPr>
+              <a:t>kategorii</a:t>
+            </a:r>
+            <a:r>
+              <a:rPr lang="en-US" sz="900" b="0" i="1" dirty="0">
+                <a:solidFill>
+                  <a:srgbClr val="93A1A1"/>
+                </a:solidFill>
+                <a:effectLst/>
+                <a:highlight>
+                  <a:srgbClr val="FDF6E3"/>
+                </a:highlight>
+                <a:latin typeface="Consolas" panose="020B0609020204030204" pitchFamily="49" charset="0"/>
+              </a:rPr>
+              <a:t> </a:t>
+            </a:r>
+            <a:r>
+              <a:rPr lang="en-US" sz="900" b="0" i="1" dirty="0" err="1">
+                <a:solidFill>
+                  <a:srgbClr val="93A1A1"/>
+                </a:solidFill>
+                <a:effectLst/>
+                <a:highlight>
+                  <a:srgbClr val="FDF6E3"/>
+                </a:highlight>
+                <a:latin typeface="Consolas" panose="020B0609020204030204" pitchFamily="49" charset="0"/>
+              </a:rPr>
+              <a:t>pogodowych</a:t>
+            </a:r>
+            <a:r>
+              <a:rPr lang="en-US" sz="900" b="0" i="1" dirty="0">
+                <a:solidFill>
+                  <a:srgbClr val="93A1A1"/>
+                </a:solidFill>
+                <a:effectLst/>
+                <a:highlight>
+                  <a:srgbClr val="FDF6E3"/>
+                </a:highlight>
+                <a:latin typeface="Consolas" panose="020B0609020204030204" pitchFamily="49" charset="0"/>
+              </a:rPr>
+              <a:t>, </a:t>
+            </a:r>
+            <a:r>
+              <a:rPr lang="en-US" sz="900" b="0" i="1" dirty="0" err="1">
+                <a:solidFill>
+                  <a:srgbClr val="93A1A1"/>
+                </a:solidFill>
+                <a:effectLst/>
+                <a:highlight>
+                  <a:srgbClr val="FDF6E3"/>
+                </a:highlight>
+                <a:latin typeface="Consolas" panose="020B0609020204030204" pitchFamily="49" charset="0"/>
+              </a:rPr>
+              <a:t>takich</a:t>
+            </a:r>
+            <a:r>
+              <a:rPr lang="en-US" sz="900" b="0" i="1" dirty="0">
+                <a:solidFill>
+                  <a:srgbClr val="93A1A1"/>
+                </a:solidFill>
+                <a:effectLst/>
+                <a:highlight>
+                  <a:srgbClr val="FDF6E3"/>
+                </a:highlight>
+                <a:latin typeface="Consolas" panose="020B0609020204030204" pitchFamily="49" charset="0"/>
+              </a:rPr>
+              <a:t> jak 'Cloudy' </a:t>
+            </a:r>
+            <a:r>
+              <a:rPr lang="en-US" sz="900" b="0" i="1" dirty="0" err="1">
+                <a:solidFill>
+                  <a:srgbClr val="93A1A1"/>
+                </a:solidFill>
+                <a:effectLst/>
+                <a:highlight>
+                  <a:srgbClr val="FDF6E3"/>
+                </a:highlight>
+                <a:latin typeface="Consolas" panose="020B0609020204030204" pitchFamily="49" charset="0"/>
+              </a:rPr>
+              <a:t>lub</a:t>
+            </a:r>
+            <a:r>
+              <a:rPr lang="en-US" sz="900" b="0" i="1" dirty="0">
+                <a:solidFill>
+                  <a:srgbClr val="93A1A1"/>
+                </a:solidFill>
+                <a:effectLst/>
+                <a:highlight>
+                  <a:srgbClr val="FDF6E3"/>
+                </a:highlight>
+                <a:latin typeface="Consolas" panose="020B0609020204030204" pitchFamily="49" charset="0"/>
+              </a:rPr>
+              <a:t> 'Clear', w </a:t>
+            </a:r>
+            <a:r>
+              <a:rPr lang="en-US" sz="900" b="0" i="1" dirty="0" err="1">
+                <a:solidFill>
+                  <a:srgbClr val="93A1A1"/>
+                </a:solidFill>
+                <a:effectLst/>
+                <a:highlight>
+                  <a:srgbClr val="FDF6E3"/>
+                </a:highlight>
+                <a:latin typeface="Consolas" panose="020B0609020204030204" pitchFamily="49" charset="0"/>
+              </a:rPr>
+              <a:t>zależności</a:t>
+            </a:r>
+            <a:r>
+              <a:rPr lang="en-US" sz="900" b="0" i="1" dirty="0">
+                <a:solidFill>
+                  <a:srgbClr val="93A1A1"/>
+                </a:solidFill>
+                <a:effectLst/>
+                <a:highlight>
+                  <a:srgbClr val="FDF6E3"/>
+                </a:highlight>
+                <a:latin typeface="Consolas" panose="020B0609020204030204" pitchFamily="49" charset="0"/>
+              </a:rPr>
+              <a:t> od </a:t>
+            </a:r>
+            <a:r>
+              <a:rPr lang="en-US" sz="900" b="0" i="1" dirty="0" err="1">
+                <a:solidFill>
+                  <a:srgbClr val="93A1A1"/>
+                </a:solidFill>
+                <a:effectLst/>
+                <a:highlight>
+                  <a:srgbClr val="FDF6E3"/>
+                </a:highlight>
+                <a:latin typeface="Consolas" panose="020B0609020204030204" pitchFamily="49" charset="0"/>
+              </a:rPr>
+              <a:t>stopnia</a:t>
+            </a:r>
+            <a:r>
+              <a:rPr lang="en-US" sz="900" b="0" i="1" dirty="0">
+                <a:solidFill>
+                  <a:srgbClr val="93A1A1"/>
+                </a:solidFill>
+                <a:effectLst/>
+                <a:highlight>
+                  <a:srgbClr val="FDF6E3"/>
+                </a:highlight>
+                <a:latin typeface="Consolas" panose="020B0609020204030204" pitchFamily="49" charset="0"/>
+              </a:rPr>
+              <a:t> </a:t>
+            </a:r>
+            <a:r>
+              <a:rPr lang="en-US" sz="900" b="0" i="1" dirty="0" err="1">
+                <a:solidFill>
+                  <a:srgbClr val="93A1A1"/>
+                </a:solidFill>
+                <a:effectLst/>
+                <a:highlight>
+                  <a:srgbClr val="FDF6E3"/>
+                </a:highlight>
+                <a:latin typeface="Consolas" panose="020B0609020204030204" pitchFamily="49" charset="0"/>
+              </a:rPr>
+              <a:t>zachmurzenia</a:t>
+            </a:r>
+            <a:r>
+              <a:rPr lang="en-US" sz="900" b="0" i="1" dirty="0">
+                <a:solidFill>
+                  <a:srgbClr val="93A1A1"/>
+                </a:solidFill>
+                <a:effectLst/>
+                <a:highlight>
+                  <a:srgbClr val="FDF6E3"/>
+                </a:highlight>
+                <a:latin typeface="Consolas" panose="020B0609020204030204" pitchFamily="49" charset="0"/>
+              </a:rPr>
+              <a:t>, </a:t>
+            </a:r>
+            <a:r>
+              <a:rPr lang="en-US" sz="900" b="0" i="1" dirty="0" err="1">
+                <a:solidFill>
+                  <a:srgbClr val="93A1A1"/>
+                </a:solidFill>
+                <a:effectLst/>
+                <a:highlight>
+                  <a:srgbClr val="FDF6E3"/>
+                </a:highlight>
+                <a:latin typeface="Consolas" panose="020B0609020204030204" pitchFamily="49" charset="0"/>
+              </a:rPr>
+              <a:t>które</a:t>
+            </a:r>
+            <a:r>
+              <a:rPr lang="en-US" sz="900" b="0" i="1" dirty="0">
+                <a:solidFill>
+                  <a:srgbClr val="93A1A1"/>
+                </a:solidFill>
+                <a:effectLst/>
+                <a:highlight>
+                  <a:srgbClr val="FDF6E3"/>
+                </a:highlight>
+                <a:latin typeface="Consolas" panose="020B0609020204030204" pitchFamily="49" charset="0"/>
+              </a:rPr>
+              <a:t> </a:t>
+            </a:r>
+            <a:r>
+              <a:rPr lang="en-US" sz="900" b="0" i="1" dirty="0" err="1">
+                <a:solidFill>
+                  <a:srgbClr val="93A1A1"/>
+                </a:solidFill>
+                <a:effectLst/>
+                <a:highlight>
+                  <a:srgbClr val="FDF6E3"/>
+                </a:highlight>
+                <a:latin typeface="Consolas" panose="020B0609020204030204" pitchFamily="49" charset="0"/>
+              </a:rPr>
+              <a:t>reprezentowane</a:t>
+            </a:r>
+            <a:r>
+              <a:rPr lang="en-US" sz="900" b="0" i="1" dirty="0">
+                <a:solidFill>
+                  <a:srgbClr val="93A1A1"/>
+                </a:solidFill>
+                <a:effectLst/>
+                <a:highlight>
+                  <a:srgbClr val="FDF6E3"/>
+                </a:highlight>
+                <a:latin typeface="Consolas" panose="020B0609020204030204" pitchFamily="49" charset="0"/>
+              </a:rPr>
+              <a:t> jest </a:t>
+            </a:r>
+            <a:r>
+              <a:rPr lang="en-US" sz="900" b="0" i="1" dirty="0" err="1">
+                <a:solidFill>
+                  <a:srgbClr val="93A1A1"/>
+                </a:solidFill>
+                <a:effectLst/>
+                <a:highlight>
+                  <a:srgbClr val="FDF6E3"/>
+                </a:highlight>
+                <a:latin typeface="Consolas" panose="020B0609020204030204" pitchFamily="49" charset="0"/>
+              </a:rPr>
+              <a:t>przez</a:t>
+            </a:r>
+            <a:r>
+              <a:rPr lang="en-US" sz="900" b="0" i="1" dirty="0">
+                <a:solidFill>
+                  <a:srgbClr val="93A1A1"/>
+                </a:solidFill>
+                <a:effectLst/>
+                <a:highlight>
+                  <a:srgbClr val="FDF6E3"/>
+                </a:highlight>
+                <a:latin typeface="Consolas" panose="020B0609020204030204" pitchFamily="49" charset="0"/>
+              </a:rPr>
+              <a:t> </a:t>
+            </a:r>
+            <a:r>
+              <a:rPr lang="en-US" sz="900" b="0" i="1" dirty="0" err="1">
+                <a:solidFill>
+                  <a:srgbClr val="93A1A1"/>
+                </a:solidFill>
+                <a:effectLst/>
+                <a:highlight>
+                  <a:srgbClr val="FDF6E3"/>
+                </a:highlight>
+                <a:latin typeface="Consolas" panose="020B0609020204030204" pitchFamily="49" charset="0"/>
+              </a:rPr>
+              <a:t>wartość</a:t>
+            </a:r>
+            <a:r>
+              <a:rPr lang="en-US" sz="900" b="0" i="1" dirty="0">
+                <a:solidFill>
+                  <a:srgbClr val="93A1A1"/>
+                </a:solidFill>
+                <a:effectLst/>
+                <a:highlight>
+                  <a:srgbClr val="FDF6E3"/>
+                </a:highlight>
+                <a:latin typeface="Consolas" panose="020B0609020204030204" pitchFamily="49" charset="0"/>
+              </a:rPr>
+              <a:t> w </a:t>
+            </a:r>
+            <a:r>
+              <a:rPr lang="en-US" sz="900" b="0" i="1" dirty="0" err="1">
+                <a:solidFill>
+                  <a:srgbClr val="93A1A1"/>
+                </a:solidFill>
+                <a:effectLst/>
+                <a:highlight>
+                  <a:srgbClr val="FDF6E3"/>
+                </a:highlight>
+                <a:latin typeface="Consolas" panose="020B0609020204030204" pitchFamily="49" charset="0"/>
+              </a:rPr>
+              <a:t>kolumnie</a:t>
+            </a:r>
+            <a:r>
+              <a:rPr lang="en-US" sz="900" b="0" i="1" dirty="0">
+                <a:solidFill>
+                  <a:srgbClr val="93A1A1"/>
+                </a:solidFill>
+                <a:effectLst/>
+                <a:highlight>
+                  <a:srgbClr val="FDF6E3"/>
+                </a:highlight>
+                <a:latin typeface="Consolas" panose="020B0609020204030204" pitchFamily="49" charset="0"/>
+              </a:rPr>
+              <a:t> '</a:t>
+            </a:r>
+            <a:r>
+              <a:rPr lang="en-US" sz="900" b="0" i="1" dirty="0" err="1">
+                <a:solidFill>
+                  <a:srgbClr val="93A1A1"/>
+                </a:solidFill>
+                <a:effectLst/>
+                <a:highlight>
+                  <a:srgbClr val="FDF6E3"/>
+                </a:highlight>
+                <a:latin typeface="Consolas" panose="020B0609020204030204" pitchFamily="49" charset="0"/>
+              </a:rPr>
+              <a:t>clouds_all</a:t>
+            </a:r>
+            <a:r>
+              <a:rPr lang="en-US" sz="900" b="0" i="1" dirty="0">
+                <a:solidFill>
+                  <a:srgbClr val="93A1A1"/>
+                </a:solidFill>
+                <a:effectLst/>
+                <a:highlight>
+                  <a:srgbClr val="FDF6E3"/>
+                </a:highlight>
+                <a:latin typeface="Consolas" panose="020B0609020204030204" pitchFamily="49" charset="0"/>
+              </a:rPr>
+              <a:t>'.</a:t>
+            </a:r>
+            <a:endParaRPr lang="en-US" sz="900" b="0" dirty="0">
+              <a:solidFill>
+                <a:srgbClr val="657B83"/>
+              </a:solidFill>
+              <a:effectLst/>
+              <a:highlight>
+                <a:srgbClr val="FDF6E3"/>
+              </a:highlight>
+              <a:latin typeface="Consolas" panose="020B0609020204030204" pitchFamily="49" charset="0"/>
+            </a:endParaRPr>
+          </a:p>
+          <a:p>
+            <a:r>
+              <a:rPr lang="en-US" sz="900" b="1" dirty="0">
+                <a:solidFill>
+                  <a:srgbClr val="586E75"/>
+                </a:solidFill>
+                <a:effectLst/>
+                <a:highlight>
+                  <a:srgbClr val="FDF6E3"/>
+                </a:highlight>
+                <a:latin typeface="Consolas" panose="020B0609020204030204" pitchFamily="49" charset="0"/>
+              </a:rPr>
+              <a:t>def</a:t>
+            </a:r>
+            <a:r>
+              <a:rPr lang="en-US" sz="900" b="0" dirty="0">
+                <a:solidFill>
+                  <a:srgbClr val="657B83"/>
+                </a:solidFill>
+                <a:effectLst/>
+                <a:highlight>
+                  <a:srgbClr val="FDF6E3"/>
+                </a:highlight>
+                <a:latin typeface="Consolas" panose="020B0609020204030204" pitchFamily="49" charset="0"/>
+              </a:rPr>
+              <a:t> </a:t>
+            </a:r>
+            <a:r>
+              <a:rPr lang="en-US" sz="900" b="0" dirty="0" err="1">
+                <a:solidFill>
+                  <a:srgbClr val="268BD2"/>
+                </a:solidFill>
+                <a:effectLst/>
+                <a:highlight>
+                  <a:srgbClr val="FDF6E3"/>
+                </a:highlight>
+                <a:latin typeface="Consolas" panose="020B0609020204030204" pitchFamily="49" charset="0"/>
+              </a:rPr>
+              <a:t>adjust_weather</a:t>
+            </a:r>
+            <a:r>
+              <a:rPr lang="en-US" sz="900" b="0" dirty="0">
+                <a:solidFill>
+                  <a:srgbClr val="657B83"/>
+                </a:solidFill>
+                <a:effectLst/>
+                <a:highlight>
+                  <a:srgbClr val="FDF6E3"/>
+                </a:highlight>
+                <a:latin typeface="Consolas" panose="020B0609020204030204" pitchFamily="49" charset="0"/>
+              </a:rPr>
+              <a:t>(row):</a:t>
+            </a:r>
+          </a:p>
+          <a:p>
+            <a:r>
+              <a:rPr lang="en-US" sz="900" b="0" dirty="0">
+                <a:solidFill>
+                  <a:srgbClr val="657B83"/>
+                </a:solidFill>
+                <a:effectLst/>
+                <a:highlight>
+                  <a:srgbClr val="FDF6E3"/>
+                </a:highlight>
+                <a:latin typeface="Consolas" panose="020B0609020204030204" pitchFamily="49" charset="0"/>
+              </a:rPr>
+              <a:t>    </a:t>
+            </a:r>
+            <a:r>
+              <a:rPr lang="en-US" sz="900" b="0" dirty="0">
+                <a:solidFill>
+                  <a:srgbClr val="859900"/>
+                </a:solidFill>
+                <a:effectLst/>
+                <a:highlight>
+                  <a:srgbClr val="FDF6E3"/>
+                </a:highlight>
+                <a:latin typeface="Consolas" panose="020B0609020204030204" pitchFamily="49" charset="0"/>
+              </a:rPr>
+              <a:t>if</a:t>
+            </a:r>
+            <a:r>
+              <a:rPr lang="en-US" sz="900" b="0" dirty="0">
+                <a:solidFill>
+                  <a:srgbClr val="657B83"/>
+                </a:solidFill>
+                <a:effectLst/>
+                <a:highlight>
+                  <a:srgbClr val="FDF6E3"/>
+                </a:highlight>
+                <a:latin typeface="Consolas" panose="020B0609020204030204" pitchFamily="49" charset="0"/>
+              </a:rPr>
+              <a:t> row[</a:t>
+            </a:r>
+            <a:r>
+              <a:rPr lang="en-US" sz="900" b="0" dirty="0">
+                <a:solidFill>
+                  <a:srgbClr val="2AA198"/>
+                </a:solidFill>
+                <a:effectLst/>
+                <a:highlight>
+                  <a:srgbClr val="FDF6E3"/>
+                </a:highlight>
+                <a:latin typeface="Consolas" panose="020B0609020204030204" pitchFamily="49" charset="0"/>
+              </a:rPr>
+              <a:t>'</a:t>
+            </a:r>
+            <a:r>
+              <a:rPr lang="en-US" sz="900" b="0" dirty="0" err="1">
+                <a:solidFill>
+                  <a:srgbClr val="2AA198"/>
+                </a:solidFill>
+                <a:effectLst/>
+                <a:highlight>
+                  <a:srgbClr val="FDF6E3"/>
+                </a:highlight>
+                <a:latin typeface="Consolas" panose="020B0609020204030204" pitchFamily="49" charset="0"/>
+              </a:rPr>
+              <a:t>clouds_all</a:t>
+            </a:r>
+            <a:r>
+              <a:rPr lang="en-US" sz="900" b="0" dirty="0">
+                <a:solidFill>
+                  <a:srgbClr val="2AA198"/>
+                </a:solidFill>
+                <a:effectLst/>
+                <a:highlight>
+                  <a:srgbClr val="FDF6E3"/>
+                </a:highlight>
+                <a:latin typeface="Consolas" panose="020B0609020204030204" pitchFamily="49" charset="0"/>
+              </a:rPr>
+              <a:t>'</a:t>
+            </a:r>
+            <a:r>
+              <a:rPr lang="en-US" sz="900" b="0" dirty="0">
+                <a:solidFill>
+                  <a:srgbClr val="657B83"/>
+                </a:solidFill>
+                <a:effectLst/>
+                <a:highlight>
+                  <a:srgbClr val="FDF6E3"/>
+                </a:highlight>
+                <a:latin typeface="Consolas" panose="020B0609020204030204" pitchFamily="49" charset="0"/>
+              </a:rPr>
+              <a:t>] </a:t>
+            </a:r>
+            <a:r>
+              <a:rPr lang="en-US" sz="900" b="0" dirty="0">
+                <a:solidFill>
+                  <a:srgbClr val="859900"/>
+                </a:solidFill>
+                <a:effectLst/>
+                <a:highlight>
+                  <a:srgbClr val="FDF6E3"/>
+                </a:highlight>
+                <a:latin typeface="Consolas" panose="020B0609020204030204" pitchFamily="49" charset="0"/>
+              </a:rPr>
+              <a:t>&gt;=</a:t>
+            </a:r>
+            <a:r>
+              <a:rPr lang="en-US" sz="900" b="0" dirty="0">
+                <a:solidFill>
+                  <a:srgbClr val="657B83"/>
+                </a:solidFill>
+                <a:effectLst/>
+                <a:highlight>
+                  <a:srgbClr val="FDF6E3"/>
+                </a:highlight>
+                <a:latin typeface="Consolas" panose="020B0609020204030204" pitchFamily="49" charset="0"/>
+              </a:rPr>
+              <a:t> </a:t>
+            </a:r>
+            <a:r>
+              <a:rPr lang="en-US" sz="900" b="0" dirty="0">
+                <a:solidFill>
+                  <a:srgbClr val="D33682"/>
+                </a:solidFill>
+                <a:effectLst/>
+                <a:highlight>
+                  <a:srgbClr val="FDF6E3"/>
+                </a:highlight>
+                <a:latin typeface="Consolas" panose="020B0609020204030204" pitchFamily="49" charset="0"/>
+              </a:rPr>
+              <a:t>80</a:t>
+            </a:r>
+            <a:r>
+              <a:rPr lang="en-US" sz="900" b="0" dirty="0">
+                <a:solidFill>
+                  <a:srgbClr val="657B83"/>
+                </a:solidFill>
+                <a:effectLst/>
+                <a:highlight>
+                  <a:srgbClr val="FDF6E3"/>
+                </a:highlight>
+                <a:latin typeface="Consolas" panose="020B0609020204030204" pitchFamily="49" charset="0"/>
+              </a:rPr>
+              <a:t>: </a:t>
+            </a:r>
+            <a:r>
+              <a:rPr lang="en-US" sz="900" b="0" i="1" dirty="0">
+                <a:solidFill>
+                  <a:srgbClr val="93A1A1"/>
+                </a:solidFill>
+                <a:effectLst/>
+                <a:highlight>
+                  <a:srgbClr val="FDF6E3"/>
+                </a:highlight>
+                <a:latin typeface="Consolas" panose="020B0609020204030204" pitchFamily="49" charset="0"/>
+              </a:rPr>
+              <a:t># </a:t>
+            </a:r>
+            <a:r>
+              <a:rPr lang="en-US" sz="900" b="0" i="1" dirty="0" err="1">
+                <a:solidFill>
+                  <a:srgbClr val="93A1A1"/>
+                </a:solidFill>
+                <a:effectLst/>
+                <a:highlight>
+                  <a:srgbClr val="FDF6E3"/>
+                </a:highlight>
+                <a:latin typeface="Consolas" panose="020B0609020204030204" pitchFamily="49" charset="0"/>
+              </a:rPr>
+              <a:t>Jeśli</a:t>
+            </a:r>
+            <a:r>
+              <a:rPr lang="en-US" sz="900" b="0" i="1" dirty="0">
+                <a:solidFill>
+                  <a:srgbClr val="93A1A1"/>
+                </a:solidFill>
+                <a:effectLst/>
+                <a:highlight>
+                  <a:srgbClr val="FDF6E3"/>
+                </a:highlight>
+                <a:latin typeface="Consolas" panose="020B0609020204030204" pitchFamily="49" charset="0"/>
+              </a:rPr>
+              <a:t> </a:t>
+            </a:r>
+            <a:r>
+              <a:rPr lang="en-US" sz="900" b="0" i="1" dirty="0" err="1">
+                <a:solidFill>
+                  <a:srgbClr val="93A1A1"/>
+                </a:solidFill>
+                <a:effectLst/>
+                <a:highlight>
+                  <a:srgbClr val="FDF6E3"/>
+                </a:highlight>
+                <a:latin typeface="Consolas" panose="020B0609020204030204" pitchFamily="49" charset="0"/>
+              </a:rPr>
+              <a:t>wartość</a:t>
+            </a:r>
+            <a:r>
+              <a:rPr lang="en-US" sz="900" b="0" i="1" dirty="0">
+                <a:solidFill>
+                  <a:srgbClr val="93A1A1"/>
+                </a:solidFill>
+                <a:effectLst/>
+                <a:highlight>
+                  <a:srgbClr val="FDF6E3"/>
+                </a:highlight>
+                <a:latin typeface="Consolas" panose="020B0609020204030204" pitchFamily="49" charset="0"/>
+              </a:rPr>
+              <a:t> w </a:t>
+            </a:r>
+            <a:r>
+              <a:rPr lang="en-US" sz="900" b="0" i="1" dirty="0" err="1">
+                <a:solidFill>
+                  <a:srgbClr val="93A1A1"/>
+                </a:solidFill>
+                <a:effectLst/>
+                <a:highlight>
+                  <a:srgbClr val="FDF6E3"/>
+                </a:highlight>
+                <a:latin typeface="Consolas" panose="020B0609020204030204" pitchFamily="49" charset="0"/>
+              </a:rPr>
+              <a:t>kolumnie</a:t>
+            </a:r>
+            <a:r>
+              <a:rPr lang="en-US" sz="900" b="0" i="1" dirty="0">
+                <a:solidFill>
+                  <a:srgbClr val="93A1A1"/>
+                </a:solidFill>
+                <a:effectLst/>
+                <a:highlight>
+                  <a:srgbClr val="FDF6E3"/>
+                </a:highlight>
+                <a:latin typeface="Consolas" panose="020B0609020204030204" pitchFamily="49" charset="0"/>
+              </a:rPr>
+              <a:t> '</a:t>
+            </a:r>
+            <a:r>
+              <a:rPr lang="en-US" sz="900" b="0" i="1" dirty="0" err="1">
+                <a:solidFill>
+                  <a:srgbClr val="93A1A1"/>
+                </a:solidFill>
+                <a:effectLst/>
+                <a:highlight>
+                  <a:srgbClr val="FDF6E3"/>
+                </a:highlight>
+                <a:latin typeface="Consolas" panose="020B0609020204030204" pitchFamily="49" charset="0"/>
+              </a:rPr>
+              <a:t>clouds_all</a:t>
+            </a:r>
+            <a:r>
+              <a:rPr lang="en-US" sz="900" b="0" i="1" dirty="0">
+                <a:solidFill>
+                  <a:srgbClr val="93A1A1"/>
+                </a:solidFill>
+                <a:effectLst/>
+                <a:highlight>
+                  <a:srgbClr val="FDF6E3"/>
+                </a:highlight>
+                <a:latin typeface="Consolas" panose="020B0609020204030204" pitchFamily="49" charset="0"/>
+              </a:rPr>
+              <a:t>' jest </a:t>
+            </a:r>
+            <a:r>
+              <a:rPr lang="en-US" sz="900" b="0" i="1" dirty="0" err="1">
+                <a:solidFill>
+                  <a:srgbClr val="93A1A1"/>
+                </a:solidFill>
+                <a:effectLst/>
+                <a:highlight>
+                  <a:srgbClr val="FDF6E3"/>
+                </a:highlight>
+                <a:latin typeface="Consolas" panose="020B0609020204030204" pitchFamily="49" charset="0"/>
+              </a:rPr>
+              <a:t>większa</a:t>
+            </a:r>
+            <a:r>
+              <a:rPr lang="en-US" sz="900" b="0" i="1" dirty="0">
+                <a:solidFill>
+                  <a:srgbClr val="93A1A1"/>
+                </a:solidFill>
+                <a:effectLst/>
+                <a:highlight>
+                  <a:srgbClr val="FDF6E3"/>
+                </a:highlight>
+                <a:latin typeface="Consolas" panose="020B0609020204030204" pitchFamily="49" charset="0"/>
+              </a:rPr>
+              <a:t> </a:t>
+            </a:r>
+            <a:r>
+              <a:rPr lang="en-US" sz="900" b="0" i="1" dirty="0" err="1">
+                <a:solidFill>
+                  <a:srgbClr val="93A1A1"/>
+                </a:solidFill>
+                <a:effectLst/>
+                <a:highlight>
+                  <a:srgbClr val="FDF6E3"/>
+                </a:highlight>
+                <a:latin typeface="Consolas" panose="020B0609020204030204" pitchFamily="49" charset="0"/>
+              </a:rPr>
+              <a:t>lub</a:t>
+            </a:r>
+            <a:r>
+              <a:rPr lang="en-US" sz="900" b="0" i="1" dirty="0">
+                <a:solidFill>
+                  <a:srgbClr val="93A1A1"/>
+                </a:solidFill>
+                <a:effectLst/>
+                <a:highlight>
+                  <a:srgbClr val="FDF6E3"/>
+                </a:highlight>
+                <a:latin typeface="Consolas" panose="020B0609020204030204" pitchFamily="49" charset="0"/>
+              </a:rPr>
+              <a:t> </a:t>
+            </a:r>
+            <a:r>
+              <a:rPr lang="en-US" sz="900" b="0" i="1" dirty="0" err="1">
+                <a:solidFill>
+                  <a:srgbClr val="93A1A1"/>
+                </a:solidFill>
+                <a:effectLst/>
+                <a:highlight>
+                  <a:srgbClr val="FDF6E3"/>
+                </a:highlight>
+                <a:latin typeface="Consolas" panose="020B0609020204030204" pitchFamily="49" charset="0"/>
+              </a:rPr>
+              <a:t>równa</a:t>
+            </a:r>
+            <a:r>
+              <a:rPr lang="en-US" sz="900" b="0" i="1" dirty="0">
+                <a:solidFill>
+                  <a:srgbClr val="93A1A1"/>
+                </a:solidFill>
+                <a:effectLst/>
+                <a:highlight>
+                  <a:srgbClr val="FDF6E3"/>
+                </a:highlight>
+                <a:latin typeface="Consolas" panose="020B0609020204030204" pitchFamily="49" charset="0"/>
+              </a:rPr>
+              <a:t> 80, </a:t>
+            </a:r>
+            <a:r>
+              <a:rPr lang="en-US" sz="900" b="0" i="1" dirty="0" err="1">
+                <a:solidFill>
+                  <a:srgbClr val="93A1A1"/>
+                </a:solidFill>
+                <a:effectLst/>
+                <a:highlight>
+                  <a:srgbClr val="FDF6E3"/>
+                </a:highlight>
+                <a:latin typeface="Consolas" panose="020B0609020204030204" pitchFamily="49" charset="0"/>
+              </a:rPr>
+              <a:t>uznajemy</a:t>
+            </a:r>
+            <a:r>
+              <a:rPr lang="en-US" sz="900" b="0" i="1" dirty="0">
+                <a:solidFill>
+                  <a:srgbClr val="93A1A1"/>
+                </a:solidFill>
+                <a:effectLst/>
+                <a:highlight>
+                  <a:srgbClr val="FDF6E3"/>
+                </a:highlight>
+                <a:latin typeface="Consolas" panose="020B0609020204030204" pitchFamily="49" charset="0"/>
+              </a:rPr>
+              <a:t>, </a:t>
+            </a:r>
+            <a:r>
+              <a:rPr lang="en-US" sz="900" b="0" i="1" dirty="0" err="1">
+                <a:solidFill>
+                  <a:srgbClr val="93A1A1"/>
+                </a:solidFill>
+                <a:effectLst/>
+                <a:highlight>
+                  <a:srgbClr val="FDF6E3"/>
+                </a:highlight>
+                <a:latin typeface="Consolas" panose="020B0609020204030204" pitchFamily="49" charset="0"/>
+              </a:rPr>
+              <a:t>że</a:t>
+            </a:r>
+            <a:r>
+              <a:rPr lang="en-US" sz="900" b="0" i="1" dirty="0">
+                <a:solidFill>
+                  <a:srgbClr val="93A1A1"/>
+                </a:solidFill>
+                <a:effectLst/>
+                <a:highlight>
+                  <a:srgbClr val="FDF6E3"/>
+                </a:highlight>
+                <a:latin typeface="Consolas" panose="020B0609020204030204" pitchFamily="49" charset="0"/>
+              </a:rPr>
+              <a:t> jest to </a:t>
+            </a:r>
+            <a:r>
+              <a:rPr lang="en-US" sz="900" b="0" i="1" dirty="0" err="1">
+                <a:solidFill>
+                  <a:srgbClr val="93A1A1"/>
+                </a:solidFill>
+                <a:effectLst/>
+                <a:highlight>
+                  <a:srgbClr val="FDF6E3"/>
+                </a:highlight>
+                <a:latin typeface="Consolas" panose="020B0609020204030204" pitchFamily="49" charset="0"/>
+              </a:rPr>
+              <a:t>zachmurzone</a:t>
+            </a:r>
+            <a:r>
+              <a:rPr lang="en-US" sz="900" b="0" i="1" dirty="0">
+                <a:solidFill>
+                  <a:srgbClr val="93A1A1"/>
+                </a:solidFill>
+                <a:effectLst/>
+                <a:highlight>
+                  <a:srgbClr val="FDF6E3"/>
+                </a:highlight>
+                <a:latin typeface="Consolas" panose="020B0609020204030204" pitchFamily="49" charset="0"/>
+              </a:rPr>
+              <a:t> </a:t>
+            </a:r>
+            <a:r>
+              <a:rPr lang="en-US" sz="900" b="0" i="1" dirty="0" err="1">
+                <a:solidFill>
+                  <a:srgbClr val="93A1A1"/>
+                </a:solidFill>
+                <a:effectLst/>
+                <a:highlight>
+                  <a:srgbClr val="FDF6E3"/>
+                </a:highlight>
+                <a:latin typeface="Consolas" panose="020B0609020204030204" pitchFamily="49" charset="0"/>
+              </a:rPr>
+              <a:t>niebo</a:t>
+            </a:r>
+            <a:r>
+              <a:rPr lang="en-US" sz="900" b="0" i="1" dirty="0">
+                <a:solidFill>
+                  <a:srgbClr val="93A1A1"/>
+                </a:solidFill>
+                <a:effectLst/>
+                <a:highlight>
+                  <a:srgbClr val="FDF6E3"/>
+                </a:highlight>
+                <a:latin typeface="Consolas" panose="020B0609020204030204" pitchFamily="49" charset="0"/>
+              </a:rPr>
+              <a:t>, </a:t>
+            </a:r>
+            <a:r>
+              <a:rPr lang="en-US" sz="900" b="0" i="1" dirty="0" err="1">
+                <a:solidFill>
+                  <a:srgbClr val="93A1A1"/>
+                </a:solidFill>
+                <a:effectLst/>
+                <a:highlight>
+                  <a:srgbClr val="FDF6E3"/>
+                </a:highlight>
+                <a:latin typeface="Consolas" panose="020B0609020204030204" pitchFamily="49" charset="0"/>
+              </a:rPr>
+              <a:t>więc</a:t>
+            </a:r>
+            <a:r>
+              <a:rPr lang="en-US" sz="900" b="0" i="1" dirty="0">
+                <a:solidFill>
+                  <a:srgbClr val="93A1A1"/>
+                </a:solidFill>
+                <a:effectLst/>
+                <a:highlight>
+                  <a:srgbClr val="FDF6E3"/>
+                </a:highlight>
+                <a:latin typeface="Consolas" panose="020B0609020204030204" pitchFamily="49" charset="0"/>
+              </a:rPr>
+              <a:t> </a:t>
+            </a:r>
+            <a:r>
+              <a:rPr lang="en-US" sz="900" b="0" i="1" dirty="0" err="1">
+                <a:solidFill>
+                  <a:srgbClr val="93A1A1"/>
+                </a:solidFill>
+                <a:effectLst/>
+                <a:highlight>
+                  <a:srgbClr val="FDF6E3"/>
+                </a:highlight>
+                <a:latin typeface="Consolas" panose="020B0609020204030204" pitchFamily="49" charset="0"/>
+              </a:rPr>
+              <a:t>przypisujemy</a:t>
+            </a:r>
+            <a:r>
+              <a:rPr lang="en-US" sz="900" b="0" i="1" dirty="0">
+                <a:solidFill>
+                  <a:srgbClr val="93A1A1"/>
+                </a:solidFill>
+                <a:effectLst/>
+                <a:highlight>
+                  <a:srgbClr val="FDF6E3"/>
+                </a:highlight>
+                <a:latin typeface="Consolas" panose="020B0609020204030204" pitchFamily="49" charset="0"/>
+              </a:rPr>
+              <a:t> 'Cloudy'</a:t>
+            </a:r>
+            <a:endParaRPr lang="en-US" sz="900" b="0" dirty="0">
+              <a:solidFill>
+                <a:srgbClr val="657B83"/>
+              </a:solidFill>
+              <a:effectLst/>
+              <a:highlight>
+                <a:srgbClr val="FDF6E3"/>
+              </a:highlight>
+              <a:latin typeface="Consolas" panose="020B0609020204030204" pitchFamily="49" charset="0"/>
+            </a:endParaRPr>
+          </a:p>
+          <a:p>
+            <a:r>
+              <a:rPr lang="en-US" sz="900" b="0" dirty="0">
+                <a:solidFill>
+                  <a:srgbClr val="657B83"/>
+                </a:solidFill>
+                <a:effectLst/>
+                <a:highlight>
+                  <a:srgbClr val="FDF6E3"/>
+                </a:highlight>
+                <a:latin typeface="Consolas" panose="020B0609020204030204" pitchFamily="49" charset="0"/>
+              </a:rPr>
+              <a:t>        </a:t>
+            </a:r>
+            <a:r>
+              <a:rPr lang="en-US" sz="900" b="0" dirty="0">
+                <a:solidFill>
+                  <a:srgbClr val="859900"/>
+                </a:solidFill>
+                <a:effectLst/>
+                <a:highlight>
+                  <a:srgbClr val="FDF6E3"/>
+                </a:highlight>
+                <a:latin typeface="Consolas" panose="020B0609020204030204" pitchFamily="49" charset="0"/>
+              </a:rPr>
+              <a:t>return</a:t>
+            </a:r>
+            <a:r>
+              <a:rPr lang="en-US" sz="900" b="0" dirty="0">
+                <a:solidFill>
+                  <a:srgbClr val="657B83"/>
+                </a:solidFill>
+                <a:effectLst/>
+                <a:highlight>
+                  <a:srgbClr val="FDF6E3"/>
+                </a:highlight>
+                <a:latin typeface="Consolas" panose="020B0609020204030204" pitchFamily="49" charset="0"/>
+              </a:rPr>
+              <a:t> </a:t>
+            </a:r>
+            <a:r>
+              <a:rPr lang="en-US" sz="900" b="0" dirty="0">
+                <a:solidFill>
+                  <a:srgbClr val="2AA198"/>
+                </a:solidFill>
+                <a:effectLst/>
+                <a:highlight>
+                  <a:srgbClr val="FDF6E3"/>
+                </a:highlight>
+                <a:latin typeface="Consolas" panose="020B0609020204030204" pitchFamily="49" charset="0"/>
+              </a:rPr>
+              <a:t>'Cloudy'</a:t>
+            </a:r>
+            <a:endParaRPr lang="en-US" sz="900" b="0" dirty="0">
+              <a:solidFill>
+                <a:srgbClr val="657B83"/>
+              </a:solidFill>
+              <a:effectLst/>
+              <a:highlight>
+                <a:srgbClr val="FDF6E3"/>
+              </a:highlight>
+              <a:latin typeface="Consolas" panose="020B0609020204030204" pitchFamily="49" charset="0"/>
+            </a:endParaRPr>
+          </a:p>
+          <a:p>
+            <a:r>
+              <a:rPr lang="en-US" sz="900" b="0" dirty="0">
+                <a:solidFill>
+                  <a:srgbClr val="657B83"/>
+                </a:solidFill>
+                <a:effectLst/>
+                <a:highlight>
+                  <a:srgbClr val="FDF6E3"/>
+                </a:highlight>
+                <a:latin typeface="Consolas" panose="020B0609020204030204" pitchFamily="49" charset="0"/>
+              </a:rPr>
+              <a:t>    </a:t>
+            </a:r>
+            <a:r>
+              <a:rPr lang="en-US" sz="900" b="0" dirty="0" err="1">
+                <a:solidFill>
+                  <a:srgbClr val="859900"/>
+                </a:solidFill>
+                <a:effectLst/>
+                <a:highlight>
+                  <a:srgbClr val="FDF6E3"/>
+                </a:highlight>
+                <a:latin typeface="Consolas" panose="020B0609020204030204" pitchFamily="49" charset="0"/>
+              </a:rPr>
+              <a:t>elif</a:t>
+            </a:r>
+            <a:r>
+              <a:rPr lang="en-US" sz="900" b="0" dirty="0">
+                <a:solidFill>
+                  <a:srgbClr val="657B83"/>
+                </a:solidFill>
+                <a:effectLst/>
+                <a:highlight>
+                  <a:srgbClr val="FDF6E3"/>
+                </a:highlight>
+                <a:latin typeface="Consolas" panose="020B0609020204030204" pitchFamily="49" charset="0"/>
+              </a:rPr>
+              <a:t> row[</a:t>
+            </a:r>
+            <a:r>
+              <a:rPr lang="en-US" sz="900" b="0" dirty="0">
+                <a:solidFill>
+                  <a:srgbClr val="2AA198"/>
+                </a:solidFill>
+                <a:effectLst/>
+                <a:highlight>
+                  <a:srgbClr val="FDF6E3"/>
+                </a:highlight>
+                <a:latin typeface="Consolas" panose="020B0609020204030204" pitchFamily="49" charset="0"/>
+              </a:rPr>
+              <a:t>'</a:t>
+            </a:r>
+            <a:r>
+              <a:rPr lang="en-US" sz="900" b="0" dirty="0" err="1">
+                <a:solidFill>
+                  <a:srgbClr val="2AA198"/>
+                </a:solidFill>
+                <a:effectLst/>
+                <a:highlight>
+                  <a:srgbClr val="FDF6E3"/>
+                </a:highlight>
+                <a:latin typeface="Consolas" panose="020B0609020204030204" pitchFamily="49" charset="0"/>
+              </a:rPr>
+              <a:t>clouds_all</a:t>
+            </a:r>
+            <a:r>
+              <a:rPr lang="en-US" sz="900" b="0" dirty="0">
+                <a:solidFill>
+                  <a:srgbClr val="2AA198"/>
+                </a:solidFill>
+                <a:effectLst/>
+                <a:highlight>
+                  <a:srgbClr val="FDF6E3"/>
+                </a:highlight>
+                <a:latin typeface="Consolas" panose="020B0609020204030204" pitchFamily="49" charset="0"/>
+              </a:rPr>
+              <a:t>'</a:t>
+            </a:r>
+            <a:r>
+              <a:rPr lang="en-US" sz="900" b="0" dirty="0">
+                <a:solidFill>
+                  <a:srgbClr val="657B83"/>
+                </a:solidFill>
+                <a:effectLst/>
+                <a:highlight>
+                  <a:srgbClr val="FDF6E3"/>
+                </a:highlight>
+                <a:latin typeface="Consolas" panose="020B0609020204030204" pitchFamily="49" charset="0"/>
+              </a:rPr>
+              <a:t>] </a:t>
+            </a:r>
+            <a:r>
+              <a:rPr lang="en-US" sz="900" b="0" dirty="0">
+                <a:solidFill>
+                  <a:srgbClr val="859900"/>
+                </a:solidFill>
+                <a:effectLst/>
+                <a:highlight>
+                  <a:srgbClr val="FDF6E3"/>
+                </a:highlight>
+                <a:latin typeface="Consolas" panose="020B0609020204030204" pitchFamily="49" charset="0"/>
+              </a:rPr>
+              <a:t>&lt;=</a:t>
+            </a:r>
+            <a:r>
+              <a:rPr lang="en-US" sz="900" b="0" dirty="0">
+                <a:solidFill>
+                  <a:srgbClr val="657B83"/>
+                </a:solidFill>
+                <a:effectLst/>
+                <a:highlight>
+                  <a:srgbClr val="FDF6E3"/>
+                </a:highlight>
+                <a:latin typeface="Consolas" panose="020B0609020204030204" pitchFamily="49" charset="0"/>
+              </a:rPr>
+              <a:t> </a:t>
+            </a:r>
+            <a:r>
+              <a:rPr lang="en-US" sz="900" b="0" dirty="0">
+                <a:solidFill>
+                  <a:srgbClr val="D33682"/>
+                </a:solidFill>
+                <a:effectLst/>
+                <a:highlight>
+                  <a:srgbClr val="FDF6E3"/>
+                </a:highlight>
+                <a:latin typeface="Consolas" panose="020B0609020204030204" pitchFamily="49" charset="0"/>
+              </a:rPr>
+              <a:t>20</a:t>
+            </a:r>
+            <a:r>
+              <a:rPr lang="en-US" sz="900" b="0" dirty="0">
+                <a:solidFill>
+                  <a:srgbClr val="657B83"/>
+                </a:solidFill>
+                <a:effectLst/>
+                <a:highlight>
+                  <a:srgbClr val="FDF6E3"/>
+                </a:highlight>
+                <a:latin typeface="Consolas" panose="020B0609020204030204" pitchFamily="49" charset="0"/>
+              </a:rPr>
+              <a:t>: </a:t>
+            </a:r>
+            <a:r>
+              <a:rPr lang="en-US" sz="900" b="0" i="1" dirty="0">
+                <a:solidFill>
+                  <a:srgbClr val="93A1A1"/>
+                </a:solidFill>
+                <a:effectLst/>
+                <a:highlight>
+                  <a:srgbClr val="FDF6E3"/>
+                </a:highlight>
+                <a:latin typeface="Consolas" panose="020B0609020204030204" pitchFamily="49" charset="0"/>
+              </a:rPr>
+              <a:t># </a:t>
+            </a:r>
+            <a:r>
+              <a:rPr lang="en-US" sz="900" b="0" i="1" dirty="0" err="1">
+                <a:solidFill>
+                  <a:srgbClr val="93A1A1"/>
+                </a:solidFill>
+                <a:effectLst/>
+                <a:highlight>
+                  <a:srgbClr val="FDF6E3"/>
+                </a:highlight>
+                <a:latin typeface="Consolas" panose="020B0609020204030204" pitchFamily="49" charset="0"/>
+              </a:rPr>
+              <a:t>Jeśli</a:t>
+            </a:r>
+            <a:r>
+              <a:rPr lang="en-US" sz="900" b="0" i="1" dirty="0">
+                <a:solidFill>
+                  <a:srgbClr val="93A1A1"/>
+                </a:solidFill>
+                <a:effectLst/>
+                <a:highlight>
+                  <a:srgbClr val="FDF6E3"/>
+                </a:highlight>
+                <a:latin typeface="Consolas" panose="020B0609020204030204" pitchFamily="49" charset="0"/>
+              </a:rPr>
+              <a:t> </a:t>
+            </a:r>
+            <a:r>
+              <a:rPr lang="en-US" sz="900" b="0" i="1" dirty="0" err="1">
+                <a:solidFill>
+                  <a:srgbClr val="93A1A1"/>
+                </a:solidFill>
+                <a:effectLst/>
+                <a:highlight>
+                  <a:srgbClr val="FDF6E3"/>
+                </a:highlight>
+                <a:latin typeface="Consolas" panose="020B0609020204030204" pitchFamily="49" charset="0"/>
+              </a:rPr>
+              <a:t>wartość</a:t>
+            </a:r>
+            <a:r>
+              <a:rPr lang="en-US" sz="900" b="0" i="1" dirty="0">
+                <a:solidFill>
+                  <a:srgbClr val="93A1A1"/>
+                </a:solidFill>
+                <a:effectLst/>
+                <a:highlight>
+                  <a:srgbClr val="FDF6E3"/>
+                </a:highlight>
+                <a:latin typeface="Consolas" panose="020B0609020204030204" pitchFamily="49" charset="0"/>
+              </a:rPr>
+              <a:t> w </a:t>
+            </a:r>
+            <a:r>
+              <a:rPr lang="en-US" sz="900" b="0" i="1" dirty="0" err="1">
+                <a:solidFill>
+                  <a:srgbClr val="93A1A1"/>
+                </a:solidFill>
+                <a:effectLst/>
+                <a:highlight>
+                  <a:srgbClr val="FDF6E3"/>
+                </a:highlight>
+                <a:latin typeface="Consolas" panose="020B0609020204030204" pitchFamily="49" charset="0"/>
+              </a:rPr>
+              <a:t>kolumnie</a:t>
+            </a:r>
+            <a:r>
+              <a:rPr lang="en-US" sz="900" b="0" i="1" dirty="0">
+                <a:solidFill>
+                  <a:srgbClr val="93A1A1"/>
+                </a:solidFill>
+                <a:effectLst/>
+                <a:highlight>
+                  <a:srgbClr val="FDF6E3"/>
+                </a:highlight>
+                <a:latin typeface="Consolas" panose="020B0609020204030204" pitchFamily="49" charset="0"/>
+              </a:rPr>
+              <a:t> '</a:t>
+            </a:r>
+            <a:r>
+              <a:rPr lang="en-US" sz="900" b="0" i="1" dirty="0" err="1">
+                <a:solidFill>
+                  <a:srgbClr val="93A1A1"/>
+                </a:solidFill>
+                <a:effectLst/>
+                <a:highlight>
+                  <a:srgbClr val="FDF6E3"/>
+                </a:highlight>
+                <a:latin typeface="Consolas" panose="020B0609020204030204" pitchFamily="49" charset="0"/>
+              </a:rPr>
+              <a:t>clouds_all</a:t>
+            </a:r>
+            <a:r>
+              <a:rPr lang="en-US" sz="900" b="0" i="1" dirty="0">
+                <a:solidFill>
+                  <a:srgbClr val="93A1A1"/>
+                </a:solidFill>
+                <a:effectLst/>
+                <a:highlight>
+                  <a:srgbClr val="FDF6E3"/>
+                </a:highlight>
+                <a:latin typeface="Consolas" panose="020B0609020204030204" pitchFamily="49" charset="0"/>
+              </a:rPr>
+              <a:t>' jest </a:t>
+            </a:r>
+            <a:r>
+              <a:rPr lang="en-US" sz="900" b="0" i="1" dirty="0" err="1">
+                <a:solidFill>
+                  <a:srgbClr val="93A1A1"/>
+                </a:solidFill>
+                <a:effectLst/>
+                <a:highlight>
+                  <a:srgbClr val="FDF6E3"/>
+                </a:highlight>
+                <a:latin typeface="Consolas" panose="020B0609020204030204" pitchFamily="49" charset="0"/>
+              </a:rPr>
+              <a:t>mniejsza</a:t>
+            </a:r>
+            <a:r>
+              <a:rPr lang="en-US" sz="900" b="0" i="1" dirty="0">
+                <a:solidFill>
+                  <a:srgbClr val="93A1A1"/>
+                </a:solidFill>
+                <a:effectLst/>
+                <a:highlight>
+                  <a:srgbClr val="FDF6E3"/>
+                </a:highlight>
+                <a:latin typeface="Consolas" panose="020B0609020204030204" pitchFamily="49" charset="0"/>
+              </a:rPr>
+              <a:t> </a:t>
+            </a:r>
+            <a:r>
+              <a:rPr lang="en-US" sz="900" b="0" i="1" dirty="0" err="1">
+                <a:solidFill>
+                  <a:srgbClr val="93A1A1"/>
+                </a:solidFill>
+                <a:effectLst/>
+                <a:highlight>
+                  <a:srgbClr val="FDF6E3"/>
+                </a:highlight>
+                <a:latin typeface="Consolas" panose="020B0609020204030204" pitchFamily="49" charset="0"/>
+              </a:rPr>
+              <a:t>lub</a:t>
+            </a:r>
+            <a:r>
+              <a:rPr lang="en-US" sz="900" b="0" i="1" dirty="0">
+                <a:solidFill>
+                  <a:srgbClr val="93A1A1"/>
+                </a:solidFill>
+                <a:effectLst/>
+                <a:highlight>
+                  <a:srgbClr val="FDF6E3"/>
+                </a:highlight>
+                <a:latin typeface="Consolas" panose="020B0609020204030204" pitchFamily="49" charset="0"/>
+              </a:rPr>
+              <a:t> </a:t>
+            </a:r>
+            <a:r>
+              <a:rPr lang="en-US" sz="900" b="0" i="1" dirty="0" err="1">
+                <a:solidFill>
+                  <a:srgbClr val="93A1A1"/>
+                </a:solidFill>
+                <a:effectLst/>
+                <a:highlight>
+                  <a:srgbClr val="FDF6E3"/>
+                </a:highlight>
+                <a:latin typeface="Consolas" panose="020B0609020204030204" pitchFamily="49" charset="0"/>
+              </a:rPr>
+              <a:t>równa</a:t>
+            </a:r>
+            <a:r>
+              <a:rPr lang="en-US" sz="900" b="0" i="1" dirty="0">
+                <a:solidFill>
+                  <a:srgbClr val="93A1A1"/>
+                </a:solidFill>
+                <a:effectLst/>
+                <a:highlight>
+                  <a:srgbClr val="FDF6E3"/>
+                </a:highlight>
+                <a:latin typeface="Consolas" panose="020B0609020204030204" pitchFamily="49" charset="0"/>
+              </a:rPr>
+              <a:t> 20, </a:t>
+            </a:r>
+            <a:r>
+              <a:rPr lang="en-US" sz="900" b="0" i="1" dirty="0" err="1">
+                <a:solidFill>
+                  <a:srgbClr val="93A1A1"/>
+                </a:solidFill>
+                <a:effectLst/>
+                <a:highlight>
+                  <a:srgbClr val="FDF6E3"/>
+                </a:highlight>
+                <a:latin typeface="Consolas" panose="020B0609020204030204" pitchFamily="49" charset="0"/>
+              </a:rPr>
+              <a:t>uznajemy</a:t>
+            </a:r>
+            <a:r>
+              <a:rPr lang="en-US" sz="900" b="0" i="1" dirty="0">
+                <a:solidFill>
+                  <a:srgbClr val="93A1A1"/>
+                </a:solidFill>
+                <a:effectLst/>
+                <a:highlight>
+                  <a:srgbClr val="FDF6E3"/>
+                </a:highlight>
+                <a:latin typeface="Consolas" panose="020B0609020204030204" pitchFamily="49" charset="0"/>
+              </a:rPr>
+              <a:t>, </a:t>
+            </a:r>
+            <a:r>
+              <a:rPr lang="en-US" sz="900" b="0" i="1" dirty="0" err="1">
+                <a:solidFill>
+                  <a:srgbClr val="93A1A1"/>
+                </a:solidFill>
+                <a:effectLst/>
+                <a:highlight>
+                  <a:srgbClr val="FDF6E3"/>
+                </a:highlight>
+                <a:latin typeface="Consolas" panose="020B0609020204030204" pitchFamily="49" charset="0"/>
+              </a:rPr>
+              <a:t>że</a:t>
+            </a:r>
+            <a:r>
+              <a:rPr lang="en-US" sz="900" b="0" i="1" dirty="0">
+                <a:solidFill>
+                  <a:srgbClr val="93A1A1"/>
+                </a:solidFill>
+                <a:effectLst/>
+                <a:highlight>
+                  <a:srgbClr val="FDF6E3"/>
+                </a:highlight>
+                <a:latin typeface="Consolas" panose="020B0609020204030204" pitchFamily="49" charset="0"/>
+              </a:rPr>
+              <a:t> jest to </a:t>
+            </a:r>
+            <a:r>
+              <a:rPr lang="en-US" sz="900" b="0" i="1" dirty="0" err="1">
+                <a:solidFill>
+                  <a:srgbClr val="93A1A1"/>
+                </a:solidFill>
+                <a:effectLst/>
+                <a:highlight>
+                  <a:srgbClr val="FDF6E3"/>
+                </a:highlight>
+                <a:latin typeface="Consolas" panose="020B0609020204030204" pitchFamily="49" charset="0"/>
+              </a:rPr>
+              <a:t>bezchmurne</a:t>
+            </a:r>
+            <a:r>
+              <a:rPr lang="en-US" sz="900" b="0" i="1" dirty="0">
+                <a:solidFill>
+                  <a:srgbClr val="93A1A1"/>
+                </a:solidFill>
+                <a:effectLst/>
+                <a:highlight>
+                  <a:srgbClr val="FDF6E3"/>
+                </a:highlight>
+                <a:latin typeface="Consolas" panose="020B0609020204030204" pitchFamily="49" charset="0"/>
+              </a:rPr>
+              <a:t> </a:t>
+            </a:r>
+            <a:r>
+              <a:rPr lang="en-US" sz="900" b="0" i="1" dirty="0" err="1">
+                <a:solidFill>
+                  <a:srgbClr val="93A1A1"/>
+                </a:solidFill>
+                <a:effectLst/>
+                <a:highlight>
+                  <a:srgbClr val="FDF6E3"/>
+                </a:highlight>
+                <a:latin typeface="Consolas" panose="020B0609020204030204" pitchFamily="49" charset="0"/>
+              </a:rPr>
+              <a:t>niebo</a:t>
+            </a:r>
+            <a:r>
+              <a:rPr lang="en-US" sz="900" b="0" i="1" dirty="0">
+                <a:solidFill>
+                  <a:srgbClr val="93A1A1"/>
+                </a:solidFill>
+                <a:effectLst/>
+                <a:highlight>
+                  <a:srgbClr val="FDF6E3"/>
+                </a:highlight>
+                <a:latin typeface="Consolas" panose="020B0609020204030204" pitchFamily="49" charset="0"/>
+              </a:rPr>
+              <a:t>, </a:t>
+            </a:r>
+            <a:r>
+              <a:rPr lang="en-US" sz="900" b="0" i="1" dirty="0" err="1">
+                <a:solidFill>
+                  <a:srgbClr val="93A1A1"/>
+                </a:solidFill>
+                <a:effectLst/>
+                <a:highlight>
+                  <a:srgbClr val="FDF6E3"/>
+                </a:highlight>
+                <a:latin typeface="Consolas" panose="020B0609020204030204" pitchFamily="49" charset="0"/>
+              </a:rPr>
+              <a:t>więc</a:t>
+            </a:r>
+            <a:r>
+              <a:rPr lang="en-US" sz="900" b="0" i="1" dirty="0">
+                <a:solidFill>
+                  <a:srgbClr val="93A1A1"/>
+                </a:solidFill>
+                <a:effectLst/>
+                <a:highlight>
+                  <a:srgbClr val="FDF6E3"/>
+                </a:highlight>
+                <a:latin typeface="Consolas" panose="020B0609020204030204" pitchFamily="49" charset="0"/>
+              </a:rPr>
+              <a:t> </a:t>
+            </a:r>
+            <a:r>
+              <a:rPr lang="en-US" sz="900" b="0" i="1" dirty="0" err="1">
+                <a:solidFill>
+                  <a:srgbClr val="93A1A1"/>
+                </a:solidFill>
+                <a:effectLst/>
+                <a:highlight>
+                  <a:srgbClr val="FDF6E3"/>
+                </a:highlight>
+                <a:latin typeface="Consolas" panose="020B0609020204030204" pitchFamily="49" charset="0"/>
+              </a:rPr>
+              <a:t>przypisujemy</a:t>
+            </a:r>
+            <a:r>
+              <a:rPr lang="en-US" sz="900" b="0" i="1" dirty="0">
+                <a:solidFill>
+                  <a:srgbClr val="93A1A1"/>
+                </a:solidFill>
+                <a:effectLst/>
+                <a:highlight>
+                  <a:srgbClr val="FDF6E3"/>
+                </a:highlight>
+                <a:latin typeface="Consolas" panose="020B0609020204030204" pitchFamily="49" charset="0"/>
+              </a:rPr>
+              <a:t> 'Clear'</a:t>
+            </a:r>
+            <a:endParaRPr lang="en-US" sz="900" b="0" dirty="0">
+              <a:solidFill>
+                <a:srgbClr val="657B83"/>
+              </a:solidFill>
+              <a:effectLst/>
+              <a:highlight>
+                <a:srgbClr val="FDF6E3"/>
+              </a:highlight>
+              <a:latin typeface="Consolas" panose="020B0609020204030204" pitchFamily="49" charset="0"/>
+            </a:endParaRPr>
+          </a:p>
+          <a:p>
+            <a:r>
+              <a:rPr lang="en-US" sz="900" b="0" dirty="0">
+                <a:solidFill>
+                  <a:srgbClr val="657B83"/>
+                </a:solidFill>
+                <a:effectLst/>
+                <a:highlight>
+                  <a:srgbClr val="FDF6E3"/>
+                </a:highlight>
+                <a:latin typeface="Consolas" panose="020B0609020204030204" pitchFamily="49" charset="0"/>
+              </a:rPr>
+              <a:t>        </a:t>
+            </a:r>
+            <a:r>
+              <a:rPr lang="en-US" sz="900" b="0" dirty="0">
+                <a:solidFill>
+                  <a:srgbClr val="859900"/>
+                </a:solidFill>
+                <a:effectLst/>
+                <a:highlight>
+                  <a:srgbClr val="FDF6E3"/>
+                </a:highlight>
+                <a:latin typeface="Consolas" panose="020B0609020204030204" pitchFamily="49" charset="0"/>
+              </a:rPr>
+              <a:t>return</a:t>
+            </a:r>
+            <a:r>
+              <a:rPr lang="en-US" sz="900" b="0" dirty="0">
+                <a:solidFill>
+                  <a:srgbClr val="657B83"/>
+                </a:solidFill>
+                <a:effectLst/>
+                <a:highlight>
+                  <a:srgbClr val="FDF6E3"/>
+                </a:highlight>
+                <a:latin typeface="Consolas" panose="020B0609020204030204" pitchFamily="49" charset="0"/>
+              </a:rPr>
+              <a:t> </a:t>
+            </a:r>
+            <a:r>
+              <a:rPr lang="en-US" sz="900" b="0" dirty="0">
+                <a:solidFill>
+                  <a:srgbClr val="2AA198"/>
+                </a:solidFill>
+                <a:effectLst/>
+                <a:highlight>
+                  <a:srgbClr val="FDF6E3"/>
+                </a:highlight>
+                <a:latin typeface="Consolas" panose="020B0609020204030204" pitchFamily="49" charset="0"/>
+              </a:rPr>
+              <a:t>'Clear'</a:t>
+            </a:r>
+            <a:endParaRPr lang="en-US" sz="900" b="0" dirty="0">
+              <a:solidFill>
+                <a:srgbClr val="657B83"/>
+              </a:solidFill>
+              <a:effectLst/>
+              <a:highlight>
+                <a:srgbClr val="FDF6E3"/>
+              </a:highlight>
+              <a:latin typeface="Consolas" panose="020B0609020204030204" pitchFamily="49" charset="0"/>
+            </a:endParaRPr>
+          </a:p>
+          <a:p>
+            <a:r>
+              <a:rPr lang="en-US" sz="900" b="0" dirty="0">
+                <a:solidFill>
+                  <a:srgbClr val="657B83"/>
+                </a:solidFill>
+                <a:effectLst/>
+                <a:highlight>
+                  <a:srgbClr val="FDF6E3"/>
+                </a:highlight>
+                <a:latin typeface="Consolas" panose="020B0609020204030204" pitchFamily="49" charset="0"/>
+              </a:rPr>
+              <a:t>    </a:t>
+            </a:r>
+            <a:r>
+              <a:rPr lang="en-US" sz="900" b="0" dirty="0">
+                <a:solidFill>
+                  <a:srgbClr val="859900"/>
+                </a:solidFill>
+                <a:effectLst/>
+                <a:highlight>
+                  <a:srgbClr val="FDF6E3"/>
+                </a:highlight>
+                <a:latin typeface="Consolas" panose="020B0609020204030204" pitchFamily="49" charset="0"/>
+              </a:rPr>
+              <a:t>else</a:t>
+            </a:r>
+            <a:r>
+              <a:rPr lang="en-US" sz="900" b="0" dirty="0">
+                <a:solidFill>
+                  <a:srgbClr val="657B83"/>
+                </a:solidFill>
+                <a:effectLst/>
+                <a:highlight>
+                  <a:srgbClr val="FDF6E3"/>
+                </a:highlight>
+                <a:latin typeface="Consolas" panose="020B0609020204030204" pitchFamily="49" charset="0"/>
+              </a:rPr>
+              <a:t>:</a:t>
+            </a:r>
+          </a:p>
+          <a:p>
+            <a:r>
+              <a:rPr lang="en-US" sz="900" b="0" dirty="0">
+                <a:solidFill>
+                  <a:srgbClr val="657B83"/>
+                </a:solidFill>
+                <a:effectLst/>
+                <a:highlight>
+                  <a:srgbClr val="FDF6E3"/>
+                </a:highlight>
+                <a:latin typeface="Consolas" panose="020B0609020204030204" pitchFamily="49" charset="0"/>
+              </a:rPr>
+              <a:t>        </a:t>
+            </a:r>
+            <a:r>
+              <a:rPr lang="en-US" sz="900" b="0" dirty="0">
+                <a:solidFill>
+                  <a:srgbClr val="859900"/>
+                </a:solidFill>
+                <a:effectLst/>
+                <a:highlight>
+                  <a:srgbClr val="FDF6E3"/>
+                </a:highlight>
+                <a:latin typeface="Consolas" panose="020B0609020204030204" pitchFamily="49" charset="0"/>
+              </a:rPr>
+              <a:t>return</a:t>
+            </a:r>
+            <a:r>
+              <a:rPr lang="en-US" sz="900" b="0" dirty="0">
+                <a:solidFill>
+                  <a:srgbClr val="657B83"/>
+                </a:solidFill>
+                <a:effectLst/>
+                <a:highlight>
+                  <a:srgbClr val="FDF6E3"/>
+                </a:highlight>
+                <a:latin typeface="Consolas" panose="020B0609020204030204" pitchFamily="49" charset="0"/>
+              </a:rPr>
+              <a:t> row[</a:t>
+            </a:r>
+            <a:r>
+              <a:rPr lang="en-US" sz="900" b="0" dirty="0">
+                <a:solidFill>
+                  <a:srgbClr val="2AA198"/>
+                </a:solidFill>
+                <a:effectLst/>
+                <a:highlight>
+                  <a:srgbClr val="FDF6E3"/>
+                </a:highlight>
+                <a:latin typeface="Consolas" panose="020B0609020204030204" pitchFamily="49" charset="0"/>
+              </a:rPr>
+              <a:t>'</a:t>
+            </a:r>
+            <a:r>
+              <a:rPr lang="en-US" sz="900" b="0" dirty="0" err="1">
+                <a:solidFill>
+                  <a:srgbClr val="2AA198"/>
+                </a:solidFill>
+                <a:effectLst/>
+                <a:highlight>
+                  <a:srgbClr val="FDF6E3"/>
+                </a:highlight>
+                <a:latin typeface="Consolas" panose="020B0609020204030204" pitchFamily="49" charset="0"/>
+              </a:rPr>
+              <a:t>weather_main</a:t>
+            </a:r>
+            <a:r>
+              <a:rPr lang="en-US" sz="900" b="0" dirty="0">
+                <a:solidFill>
+                  <a:srgbClr val="2AA198"/>
+                </a:solidFill>
+                <a:effectLst/>
+                <a:highlight>
+                  <a:srgbClr val="FDF6E3"/>
+                </a:highlight>
+                <a:latin typeface="Consolas" panose="020B0609020204030204" pitchFamily="49" charset="0"/>
+              </a:rPr>
+              <a:t>'</a:t>
+            </a:r>
+            <a:r>
+              <a:rPr lang="en-US" sz="900" b="0" dirty="0">
+                <a:solidFill>
+                  <a:srgbClr val="657B83"/>
+                </a:solidFill>
+                <a:effectLst/>
+                <a:highlight>
+                  <a:srgbClr val="FDF6E3"/>
+                </a:highlight>
+                <a:latin typeface="Consolas" panose="020B0609020204030204" pitchFamily="49" charset="0"/>
+              </a:rPr>
+              <a:t>] </a:t>
+            </a:r>
+            <a:r>
+              <a:rPr lang="en-US" sz="900" b="0" i="1" dirty="0">
+                <a:solidFill>
+                  <a:srgbClr val="93A1A1"/>
+                </a:solidFill>
+                <a:effectLst/>
+                <a:highlight>
+                  <a:srgbClr val="FDF6E3"/>
+                </a:highlight>
+                <a:latin typeface="Consolas" panose="020B0609020204030204" pitchFamily="49" charset="0"/>
+              </a:rPr>
+              <a:t># W </a:t>
+            </a:r>
+            <a:r>
+              <a:rPr lang="en-US" sz="900" b="0" i="1" dirty="0" err="1">
+                <a:solidFill>
+                  <a:srgbClr val="93A1A1"/>
+                </a:solidFill>
+                <a:effectLst/>
+                <a:highlight>
+                  <a:srgbClr val="FDF6E3"/>
+                </a:highlight>
+                <a:latin typeface="Consolas" panose="020B0609020204030204" pitchFamily="49" charset="0"/>
+              </a:rPr>
+              <a:t>przeciwnym</a:t>
+            </a:r>
+            <a:r>
+              <a:rPr lang="en-US" sz="900" b="0" i="1" dirty="0">
+                <a:solidFill>
+                  <a:srgbClr val="93A1A1"/>
+                </a:solidFill>
+                <a:effectLst/>
+                <a:highlight>
+                  <a:srgbClr val="FDF6E3"/>
+                </a:highlight>
+                <a:latin typeface="Consolas" panose="020B0609020204030204" pitchFamily="49" charset="0"/>
+              </a:rPr>
+              <a:t> </a:t>
+            </a:r>
+            <a:r>
+              <a:rPr lang="en-US" sz="900" b="0" i="1" dirty="0" err="1">
+                <a:solidFill>
+                  <a:srgbClr val="93A1A1"/>
+                </a:solidFill>
+                <a:effectLst/>
+                <a:highlight>
+                  <a:srgbClr val="FDF6E3"/>
+                </a:highlight>
+                <a:latin typeface="Consolas" panose="020B0609020204030204" pitchFamily="49" charset="0"/>
+              </a:rPr>
+              <a:t>razie</a:t>
+            </a:r>
+            <a:r>
+              <a:rPr lang="en-US" sz="900" b="0" i="1" dirty="0">
+                <a:solidFill>
+                  <a:srgbClr val="93A1A1"/>
+                </a:solidFill>
+                <a:effectLst/>
+                <a:highlight>
+                  <a:srgbClr val="FDF6E3"/>
+                </a:highlight>
+                <a:latin typeface="Consolas" panose="020B0609020204030204" pitchFamily="49" charset="0"/>
+              </a:rPr>
+              <a:t>, </a:t>
+            </a:r>
+            <a:r>
+              <a:rPr lang="en-US" sz="900" b="0" i="1" dirty="0" err="1">
+                <a:solidFill>
+                  <a:srgbClr val="93A1A1"/>
+                </a:solidFill>
+                <a:effectLst/>
+                <a:highlight>
+                  <a:srgbClr val="FDF6E3"/>
+                </a:highlight>
+                <a:latin typeface="Consolas" panose="020B0609020204030204" pitchFamily="49" charset="0"/>
+              </a:rPr>
+              <a:t>gdy</a:t>
+            </a:r>
+            <a:r>
+              <a:rPr lang="en-US" sz="900" b="0" i="1" dirty="0">
+                <a:solidFill>
+                  <a:srgbClr val="93A1A1"/>
+                </a:solidFill>
+                <a:effectLst/>
+                <a:highlight>
+                  <a:srgbClr val="FDF6E3"/>
+                </a:highlight>
+                <a:latin typeface="Consolas" panose="020B0609020204030204" pitchFamily="49" charset="0"/>
+              </a:rPr>
+              <a:t> </a:t>
+            </a:r>
+            <a:r>
+              <a:rPr lang="en-US" sz="900" b="0" i="1" dirty="0" err="1">
+                <a:solidFill>
+                  <a:srgbClr val="93A1A1"/>
+                </a:solidFill>
+                <a:effectLst/>
+                <a:highlight>
+                  <a:srgbClr val="FDF6E3"/>
+                </a:highlight>
+                <a:latin typeface="Consolas" panose="020B0609020204030204" pitchFamily="49" charset="0"/>
+              </a:rPr>
+              <a:t>wartość</a:t>
+            </a:r>
+            <a:r>
+              <a:rPr lang="en-US" sz="900" b="0" i="1" dirty="0">
+                <a:solidFill>
+                  <a:srgbClr val="93A1A1"/>
+                </a:solidFill>
+                <a:effectLst/>
+                <a:highlight>
+                  <a:srgbClr val="FDF6E3"/>
+                </a:highlight>
+                <a:latin typeface="Consolas" panose="020B0609020204030204" pitchFamily="49" charset="0"/>
+              </a:rPr>
+              <a:t> w </a:t>
+            </a:r>
+            <a:r>
+              <a:rPr lang="en-US" sz="900" b="0" i="1" dirty="0" err="1">
+                <a:solidFill>
+                  <a:srgbClr val="93A1A1"/>
+                </a:solidFill>
+                <a:effectLst/>
+                <a:highlight>
+                  <a:srgbClr val="FDF6E3"/>
+                </a:highlight>
+                <a:latin typeface="Consolas" panose="020B0609020204030204" pitchFamily="49" charset="0"/>
+              </a:rPr>
+              <a:t>kolumnie</a:t>
+            </a:r>
+            <a:r>
+              <a:rPr lang="en-US" sz="900" b="0" i="1" dirty="0">
+                <a:solidFill>
+                  <a:srgbClr val="93A1A1"/>
+                </a:solidFill>
+                <a:effectLst/>
+                <a:highlight>
+                  <a:srgbClr val="FDF6E3"/>
+                </a:highlight>
+                <a:latin typeface="Consolas" panose="020B0609020204030204" pitchFamily="49" charset="0"/>
+              </a:rPr>
+              <a:t> '</a:t>
+            </a:r>
+            <a:r>
+              <a:rPr lang="en-US" sz="900" b="0" i="1" dirty="0" err="1">
+                <a:solidFill>
+                  <a:srgbClr val="93A1A1"/>
+                </a:solidFill>
+                <a:effectLst/>
+                <a:highlight>
+                  <a:srgbClr val="FDF6E3"/>
+                </a:highlight>
+                <a:latin typeface="Consolas" panose="020B0609020204030204" pitchFamily="49" charset="0"/>
+              </a:rPr>
+              <a:t>clouds_all</a:t>
+            </a:r>
+            <a:r>
+              <a:rPr lang="en-US" sz="900" b="0" i="1" dirty="0">
+                <a:solidFill>
+                  <a:srgbClr val="93A1A1"/>
+                </a:solidFill>
+                <a:effectLst/>
+                <a:highlight>
+                  <a:srgbClr val="FDF6E3"/>
+                </a:highlight>
+                <a:latin typeface="Consolas" panose="020B0609020204030204" pitchFamily="49" charset="0"/>
+              </a:rPr>
+              <a:t>' </a:t>
+            </a:r>
+            <a:r>
+              <a:rPr lang="en-US" sz="900" b="0" i="1" dirty="0" err="1">
+                <a:solidFill>
+                  <a:srgbClr val="93A1A1"/>
+                </a:solidFill>
+                <a:effectLst/>
+                <a:highlight>
+                  <a:srgbClr val="FDF6E3"/>
+                </a:highlight>
+                <a:latin typeface="Consolas" panose="020B0609020204030204" pitchFamily="49" charset="0"/>
+              </a:rPr>
+              <a:t>znajduje</a:t>
+            </a:r>
+            <a:r>
+              <a:rPr lang="en-US" sz="900" b="0" i="1" dirty="0">
+                <a:solidFill>
+                  <a:srgbClr val="93A1A1"/>
+                </a:solidFill>
+                <a:effectLst/>
+                <a:highlight>
+                  <a:srgbClr val="FDF6E3"/>
+                </a:highlight>
+                <a:latin typeface="Consolas" panose="020B0609020204030204" pitchFamily="49" charset="0"/>
+              </a:rPr>
+              <a:t> </a:t>
+            </a:r>
+            <a:r>
+              <a:rPr lang="en-US" sz="900" b="0" i="1" dirty="0" err="1">
+                <a:solidFill>
+                  <a:srgbClr val="93A1A1"/>
+                </a:solidFill>
+                <a:effectLst/>
+                <a:highlight>
+                  <a:srgbClr val="FDF6E3"/>
+                </a:highlight>
+                <a:latin typeface="Consolas" panose="020B0609020204030204" pitchFamily="49" charset="0"/>
+              </a:rPr>
+              <a:t>się</a:t>
+            </a:r>
+            <a:r>
+              <a:rPr lang="en-US" sz="900" b="0" i="1" dirty="0">
+                <a:solidFill>
+                  <a:srgbClr val="93A1A1"/>
+                </a:solidFill>
+                <a:effectLst/>
+                <a:highlight>
+                  <a:srgbClr val="FDF6E3"/>
+                </a:highlight>
+                <a:latin typeface="Consolas" panose="020B0609020204030204" pitchFamily="49" charset="0"/>
+              </a:rPr>
+              <a:t> </a:t>
+            </a:r>
+            <a:r>
+              <a:rPr lang="en-US" sz="900" b="0" i="1" dirty="0" err="1">
+                <a:solidFill>
+                  <a:srgbClr val="93A1A1"/>
+                </a:solidFill>
+                <a:effectLst/>
+                <a:highlight>
+                  <a:srgbClr val="FDF6E3"/>
+                </a:highlight>
+                <a:latin typeface="Consolas" panose="020B0609020204030204" pitchFamily="49" charset="0"/>
+              </a:rPr>
+              <a:t>między</a:t>
+            </a:r>
+            <a:r>
+              <a:rPr lang="en-US" sz="900" b="0" i="1" dirty="0">
+                <a:solidFill>
+                  <a:srgbClr val="93A1A1"/>
+                </a:solidFill>
+                <a:effectLst/>
+                <a:highlight>
+                  <a:srgbClr val="FDF6E3"/>
+                </a:highlight>
+                <a:latin typeface="Consolas" panose="020B0609020204030204" pitchFamily="49" charset="0"/>
+              </a:rPr>
+              <a:t> 20 a 80, </a:t>
+            </a:r>
+            <a:r>
+              <a:rPr lang="en-US" sz="900" b="0" i="1" dirty="0" err="1">
+                <a:solidFill>
+                  <a:srgbClr val="93A1A1"/>
+                </a:solidFill>
+                <a:effectLst/>
+                <a:highlight>
+                  <a:srgbClr val="FDF6E3"/>
+                </a:highlight>
+                <a:latin typeface="Consolas" panose="020B0609020204030204" pitchFamily="49" charset="0"/>
+              </a:rPr>
+              <a:t>zwracamy</a:t>
+            </a:r>
+            <a:r>
+              <a:rPr lang="en-US" sz="900" b="0" i="1" dirty="0">
+                <a:solidFill>
+                  <a:srgbClr val="93A1A1"/>
+                </a:solidFill>
+                <a:effectLst/>
+                <a:highlight>
+                  <a:srgbClr val="FDF6E3"/>
+                </a:highlight>
+                <a:latin typeface="Consolas" panose="020B0609020204030204" pitchFamily="49" charset="0"/>
+              </a:rPr>
+              <a:t> </a:t>
+            </a:r>
+            <a:r>
+              <a:rPr lang="en-US" sz="900" b="0" i="1" dirty="0" err="1">
+                <a:solidFill>
+                  <a:srgbClr val="93A1A1"/>
+                </a:solidFill>
+                <a:effectLst/>
+                <a:highlight>
+                  <a:srgbClr val="FDF6E3"/>
+                </a:highlight>
+                <a:latin typeface="Consolas" panose="020B0609020204030204" pitchFamily="49" charset="0"/>
+              </a:rPr>
+              <a:t>aktualną</a:t>
+            </a:r>
+            <a:r>
+              <a:rPr lang="en-US" sz="900" b="0" i="1" dirty="0">
+                <a:solidFill>
+                  <a:srgbClr val="93A1A1"/>
+                </a:solidFill>
+                <a:effectLst/>
+                <a:highlight>
+                  <a:srgbClr val="FDF6E3"/>
+                </a:highlight>
+                <a:latin typeface="Consolas" panose="020B0609020204030204" pitchFamily="49" charset="0"/>
+              </a:rPr>
+              <a:t> </a:t>
+            </a:r>
+            <a:r>
+              <a:rPr lang="en-US" sz="900" b="0" i="1" dirty="0" err="1">
+                <a:solidFill>
+                  <a:srgbClr val="93A1A1"/>
+                </a:solidFill>
+                <a:effectLst/>
+                <a:highlight>
+                  <a:srgbClr val="FDF6E3"/>
+                </a:highlight>
+                <a:latin typeface="Consolas" panose="020B0609020204030204" pitchFamily="49" charset="0"/>
+              </a:rPr>
+              <a:t>wartość</a:t>
+            </a:r>
+            <a:r>
+              <a:rPr lang="en-US" sz="900" b="0" i="1" dirty="0">
+                <a:solidFill>
+                  <a:srgbClr val="93A1A1"/>
+                </a:solidFill>
+                <a:effectLst/>
+                <a:highlight>
+                  <a:srgbClr val="FDF6E3"/>
+                </a:highlight>
+                <a:latin typeface="Consolas" panose="020B0609020204030204" pitchFamily="49" charset="0"/>
+              </a:rPr>
+              <a:t> z </a:t>
+            </a:r>
+            <a:r>
+              <a:rPr lang="en-US" sz="900" b="0" i="1" dirty="0" err="1">
+                <a:solidFill>
+                  <a:srgbClr val="93A1A1"/>
+                </a:solidFill>
+                <a:effectLst/>
+                <a:highlight>
+                  <a:srgbClr val="FDF6E3"/>
+                </a:highlight>
+                <a:latin typeface="Consolas" panose="020B0609020204030204" pitchFamily="49" charset="0"/>
+              </a:rPr>
+              <a:t>kolumny</a:t>
+            </a:r>
+            <a:r>
+              <a:rPr lang="en-US" sz="900" b="0" i="1" dirty="0">
+                <a:solidFill>
+                  <a:srgbClr val="93A1A1"/>
+                </a:solidFill>
+                <a:effectLst/>
+                <a:highlight>
+                  <a:srgbClr val="FDF6E3"/>
+                </a:highlight>
+                <a:latin typeface="Consolas" panose="020B0609020204030204" pitchFamily="49" charset="0"/>
+              </a:rPr>
+              <a:t> '</a:t>
+            </a:r>
+            <a:r>
+              <a:rPr lang="en-US" sz="900" b="0" i="1" dirty="0" err="1">
+                <a:solidFill>
+                  <a:srgbClr val="93A1A1"/>
+                </a:solidFill>
+                <a:effectLst/>
+                <a:highlight>
+                  <a:srgbClr val="FDF6E3"/>
+                </a:highlight>
+                <a:latin typeface="Consolas" panose="020B0609020204030204" pitchFamily="49" charset="0"/>
+              </a:rPr>
+              <a:t>weather_main</a:t>
+            </a:r>
+            <a:r>
+              <a:rPr lang="en-US" sz="900" b="0" i="1" dirty="0">
+                <a:solidFill>
+                  <a:srgbClr val="93A1A1"/>
+                </a:solidFill>
+                <a:effectLst/>
+                <a:highlight>
+                  <a:srgbClr val="FDF6E3"/>
+                </a:highlight>
+                <a:latin typeface="Consolas" panose="020B0609020204030204" pitchFamily="49" charset="0"/>
+              </a:rPr>
+              <a:t>'</a:t>
+            </a:r>
+            <a:endParaRPr lang="en-US" sz="900" b="0" dirty="0">
+              <a:solidFill>
+                <a:srgbClr val="657B83"/>
+              </a:solidFill>
+              <a:effectLst/>
+              <a:highlight>
+                <a:srgbClr val="FDF6E3"/>
+              </a:highlight>
+              <a:latin typeface="Consolas" panose="020B0609020204030204" pitchFamily="49" charset="0"/>
+            </a:endParaRPr>
+          </a:p>
+          <a:p>
+            <a:r>
+              <a:rPr lang="en-US" sz="900" b="0" dirty="0">
+                <a:solidFill>
+                  <a:srgbClr val="657B83"/>
+                </a:solidFill>
+                <a:effectLst/>
+                <a:highlight>
+                  <a:srgbClr val="FDF6E3"/>
+                </a:highlight>
+                <a:latin typeface="Consolas" panose="020B0609020204030204" pitchFamily="49" charset="0"/>
+              </a:rPr>
+              <a:t>    </a:t>
+            </a:r>
+          </a:p>
+          <a:p>
+            <a:r>
+              <a:rPr lang="en-US" sz="900" b="0" i="1" dirty="0">
+                <a:solidFill>
+                  <a:srgbClr val="93A1A1"/>
+                </a:solidFill>
+                <a:effectLst/>
+                <a:highlight>
+                  <a:srgbClr val="FDF6E3"/>
+                </a:highlight>
+                <a:latin typeface="Consolas" panose="020B0609020204030204" pitchFamily="49" charset="0"/>
+              </a:rPr>
+              <a:t># </a:t>
+            </a:r>
+            <a:r>
+              <a:rPr lang="en-US" sz="900" b="0" i="1" dirty="0" err="1">
+                <a:solidFill>
+                  <a:srgbClr val="93A1A1"/>
+                </a:solidFill>
+                <a:effectLst/>
+                <a:highlight>
+                  <a:srgbClr val="FDF6E3"/>
+                </a:highlight>
+                <a:latin typeface="Consolas" panose="020B0609020204030204" pitchFamily="49" charset="0"/>
+              </a:rPr>
+              <a:t>Zastosowanie</a:t>
+            </a:r>
+            <a:r>
+              <a:rPr lang="en-US" sz="900" b="0" i="1" dirty="0">
+                <a:solidFill>
+                  <a:srgbClr val="93A1A1"/>
+                </a:solidFill>
+                <a:effectLst/>
+                <a:highlight>
+                  <a:srgbClr val="FDF6E3"/>
+                </a:highlight>
+                <a:latin typeface="Consolas" panose="020B0609020204030204" pitchFamily="49" charset="0"/>
+              </a:rPr>
+              <a:t> </a:t>
+            </a:r>
+            <a:r>
+              <a:rPr lang="en-US" sz="900" b="0" i="1" dirty="0" err="1">
+                <a:solidFill>
+                  <a:srgbClr val="93A1A1"/>
+                </a:solidFill>
+                <a:effectLst/>
+                <a:highlight>
+                  <a:srgbClr val="FDF6E3"/>
+                </a:highlight>
+                <a:latin typeface="Consolas" panose="020B0609020204030204" pitchFamily="49" charset="0"/>
+              </a:rPr>
+              <a:t>funkcji</a:t>
+            </a:r>
+            <a:r>
+              <a:rPr lang="en-US" sz="900" b="0" i="1" dirty="0">
+                <a:solidFill>
+                  <a:srgbClr val="93A1A1"/>
+                </a:solidFill>
+                <a:effectLst/>
+                <a:highlight>
+                  <a:srgbClr val="FDF6E3"/>
+                </a:highlight>
+                <a:latin typeface="Consolas" panose="020B0609020204030204" pitchFamily="49" charset="0"/>
+              </a:rPr>
+              <a:t> </a:t>
+            </a:r>
+            <a:r>
+              <a:rPr lang="en-US" sz="900" b="0" i="1" dirty="0" err="1">
+                <a:solidFill>
+                  <a:srgbClr val="93A1A1"/>
+                </a:solidFill>
+                <a:effectLst/>
+                <a:highlight>
+                  <a:srgbClr val="FDF6E3"/>
+                </a:highlight>
+                <a:latin typeface="Consolas" panose="020B0609020204030204" pitchFamily="49" charset="0"/>
+              </a:rPr>
+              <a:t>adjust_weather</a:t>
+            </a:r>
+            <a:r>
+              <a:rPr lang="en-US" sz="900" b="0" i="1" dirty="0">
+                <a:solidFill>
+                  <a:srgbClr val="93A1A1"/>
+                </a:solidFill>
+                <a:effectLst/>
+                <a:highlight>
+                  <a:srgbClr val="FDF6E3"/>
+                </a:highlight>
+                <a:latin typeface="Consolas" panose="020B0609020204030204" pitchFamily="49" charset="0"/>
+              </a:rPr>
+              <a:t> </a:t>
+            </a:r>
+            <a:r>
+              <a:rPr lang="en-US" sz="900" b="0" i="1" dirty="0" err="1">
+                <a:solidFill>
+                  <a:srgbClr val="93A1A1"/>
+                </a:solidFill>
+                <a:effectLst/>
+                <a:highlight>
+                  <a:srgbClr val="FDF6E3"/>
+                </a:highlight>
+                <a:latin typeface="Consolas" panose="020B0609020204030204" pitchFamily="49" charset="0"/>
+              </a:rPr>
+              <a:t>dla</a:t>
+            </a:r>
+            <a:r>
+              <a:rPr lang="en-US" sz="900" b="0" i="1" dirty="0">
+                <a:solidFill>
+                  <a:srgbClr val="93A1A1"/>
+                </a:solidFill>
+                <a:effectLst/>
+                <a:highlight>
+                  <a:srgbClr val="FDF6E3"/>
+                </a:highlight>
+                <a:latin typeface="Consolas" panose="020B0609020204030204" pitchFamily="49" charset="0"/>
+              </a:rPr>
+              <a:t> </a:t>
+            </a:r>
+            <a:r>
+              <a:rPr lang="en-US" sz="900" b="0" i="1" dirty="0" err="1">
+                <a:solidFill>
+                  <a:srgbClr val="93A1A1"/>
+                </a:solidFill>
+                <a:effectLst/>
+                <a:highlight>
+                  <a:srgbClr val="FDF6E3"/>
+                </a:highlight>
+                <a:latin typeface="Consolas" panose="020B0609020204030204" pitchFamily="49" charset="0"/>
+              </a:rPr>
+              <a:t>każdego</a:t>
+            </a:r>
+            <a:r>
+              <a:rPr lang="en-US" sz="900" b="0" i="1" dirty="0">
+                <a:solidFill>
+                  <a:srgbClr val="93A1A1"/>
+                </a:solidFill>
+                <a:effectLst/>
+                <a:highlight>
+                  <a:srgbClr val="FDF6E3"/>
+                </a:highlight>
+                <a:latin typeface="Consolas" panose="020B0609020204030204" pitchFamily="49" charset="0"/>
+              </a:rPr>
+              <a:t> </a:t>
+            </a:r>
+            <a:r>
+              <a:rPr lang="en-US" sz="900" b="0" i="1" dirty="0" err="1">
+                <a:solidFill>
+                  <a:srgbClr val="93A1A1"/>
+                </a:solidFill>
+                <a:effectLst/>
+                <a:highlight>
+                  <a:srgbClr val="FDF6E3"/>
+                </a:highlight>
+                <a:latin typeface="Consolas" panose="020B0609020204030204" pitchFamily="49" charset="0"/>
+              </a:rPr>
+              <a:t>wiersza</a:t>
+            </a:r>
+            <a:r>
+              <a:rPr lang="en-US" sz="900" b="0" i="1" dirty="0">
+                <a:solidFill>
+                  <a:srgbClr val="93A1A1"/>
+                </a:solidFill>
+                <a:effectLst/>
+                <a:highlight>
+                  <a:srgbClr val="FDF6E3"/>
+                </a:highlight>
+                <a:latin typeface="Consolas" panose="020B0609020204030204" pitchFamily="49" charset="0"/>
+              </a:rPr>
+              <a:t> w </a:t>
+            </a:r>
+            <a:r>
+              <a:rPr lang="en-US" sz="900" b="0" i="1" dirty="0" err="1">
+                <a:solidFill>
+                  <a:srgbClr val="93A1A1"/>
+                </a:solidFill>
+                <a:effectLst/>
+                <a:highlight>
+                  <a:srgbClr val="FDF6E3"/>
+                </a:highlight>
+                <a:latin typeface="Consolas" panose="020B0609020204030204" pitchFamily="49" charset="0"/>
+              </a:rPr>
+              <a:t>kolumnie</a:t>
+            </a:r>
+            <a:r>
+              <a:rPr lang="en-US" sz="900" b="0" i="1" dirty="0">
+                <a:solidFill>
+                  <a:srgbClr val="93A1A1"/>
+                </a:solidFill>
+                <a:effectLst/>
+                <a:highlight>
+                  <a:srgbClr val="FDF6E3"/>
+                </a:highlight>
+                <a:latin typeface="Consolas" panose="020B0609020204030204" pitchFamily="49" charset="0"/>
+              </a:rPr>
+              <a:t> '</a:t>
+            </a:r>
+            <a:r>
+              <a:rPr lang="en-US" sz="900" b="0" i="1" dirty="0" err="1">
+                <a:solidFill>
+                  <a:srgbClr val="93A1A1"/>
+                </a:solidFill>
+                <a:effectLst/>
+                <a:highlight>
+                  <a:srgbClr val="FDF6E3"/>
+                </a:highlight>
+                <a:latin typeface="Consolas" panose="020B0609020204030204" pitchFamily="49" charset="0"/>
+              </a:rPr>
+              <a:t>weather_main</a:t>
+            </a:r>
+            <a:r>
+              <a:rPr lang="en-US" sz="900" b="0" i="1" dirty="0">
+                <a:solidFill>
+                  <a:srgbClr val="93A1A1"/>
+                </a:solidFill>
+                <a:effectLst/>
+                <a:highlight>
+                  <a:srgbClr val="FDF6E3"/>
+                </a:highlight>
+                <a:latin typeface="Consolas" panose="020B0609020204030204" pitchFamily="49" charset="0"/>
+              </a:rPr>
+              <a:t>'</a:t>
+            </a:r>
+            <a:endParaRPr lang="en-US" sz="900" b="0" dirty="0">
+              <a:solidFill>
+                <a:srgbClr val="657B83"/>
+              </a:solidFill>
+              <a:effectLst/>
+              <a:highlight>
+                <a:srgbClr val="FDF6E3"/>
+              </a:highlight>
+              <a:latin typeface="Consolas" panose="020B0609020204030204" pitchFamily="49" charset="0"/>
+            </a:endParaRPr>
+          </a:p>
+          <a:p>
+            <a:r>
+              <a:rPr lang="en-US" sz="900" b="0" dirty="0" err="1">
+                <a:solidFill>
+                  <a:srgbClr val="268BD2"/>
+                </a:solidFill>
+                <a:effectLst/>
+                <a:highlight>
+                  <a:srgbClr val="FDF6E3"/>
+                </a:highlight>
+                <a:latin typeface="Consolas" panose="020B0609020204030204" pitchFamily="49" charset="0"/>
+              </a:rPr>
+              <a:t>daily_weather</a:t>
+            </a:r>
+            <a:r>
+              <a:rPr lang="en-US" sz="900" b="0" dirty="0">
+                <a:solidFill>
+                  <a:srgbClr val="657B83"/>
+                </a:solidFill>
+                <a:effectLst/>
+                <a:highlight>
+                  <a:srgbClr val="FDF6E3"/>
+                </a:highlight>
+                <a:latin typeface="Consolas" panose="020B0609020204030204" pitchFamily="49" charset="0"/>
+              </a:rPr>
+              <a:t>[</a:t>
+            </a:r>
+            <a:r>
+              <a:rPr lang="en-US" sz="900" b="0" dirty="0">
+                <a:solidFill>
+                  <a:srgbClr val="2AA198"/>
+                </a:solidFill>
+                <a:effectLst/>
+                <a:highlight>
+                  <a:srgbClr val="FDF6E3"/>
+                </a:highlight>
+                <a:latin typeface="Consolas" panose="020B0609020204030204" pitchFamily="49" charset="0"/>
+              </a:rPr>
+              <a:t>'</a:t>
+            </a:r>
+            <a:r>
+              <a:rPr lang="en-US" sz="900" b="0" dirty="0" err="1">
+                <a:solidFill>
+                  <a:srgbClr val="2AA198"/>
+                </a:solidFill>
+                <a:effectLst/>
+                <a:highlight>
+                  <a:srgbClr val="FDF6E3"/>
+                </a:highlight>
+                <a:latin typeface="Consolas" panose="020B0609020204030204" pitchFamily="49" charset="0"/>
+              </a:rPr>
+              <a:t>weather_main</a:t>
+            </a:r>
+            <a:r>
+              <a:rPr lang="en-US" sz="900" b="0" dirty="0">
+                <a:solidFill>
+                  <a:srgbClr val="2AA198"/>
+                </a:solidFill>
+                <a:effectLst/>
+                <a:highlight>
+                  <a:srgbClr val="FDF6E3"/>
+                </a:highlight>
+                <a:latin typeface="Consolas" panose="020B0609020204030204" pitchFamily="49" charset="0"/>
+              </a:rPr>
+              <a:t>'</a:t>
+            </a:r>
+            <a:r>
+              <a:rPr lang="en-US" sz="900" b="0" dirty="0">
+                <a:solidFill>
+                  <a:srgbClr val="657B83"/>
+                </a:solidFill>
+                <a:effectLst/>
+                <a:highlight>
+                  <a:srgbClr val="FDF6E3"/>
+                </a:highlight>
+                <a:latin typeface="Consolas" panose="020B0609020204030204" pitchFamily="49" charset="0"/>
+              </a:rPr>
+              <a:t>] </a:t>
+            </a:r>
+            <a:r>
+              <a:rPr lang="en-US" sz="900" b="0" dirty="0">
+                <a:solidFill>
+                  <a:srgbClr val="859900"/>
+                </a:solidFill>
+                <a:effectLst/>
+                <a:highlight>
+                  <a:srgbClr val="FDF6E3"/>
+                </a:highlight>
+                <a:latin typeface="Consolas" panose="020B0609020204030204" pitchFamily="49" charset="0"/>
+              </a:rPr>
+              <a:t>=</a:t>
+            </a:r>
+            <a:r>
+              <a:rPr lang="en-US" sz="900" b="0" dirty="0">
+                <a:solidFill>
+                  <a:srgbClr val="657B83"/>
+                </a:solidFill>
+                <a:effectLst/>
+                <a:highlight>
+                  <a:srgbClr val="FDF6E3"/>
+                </a:highlight>
+                <a:latin typeface="Consolas" panose="020B0609020204030204" pitchFamily="49" charset="0"/>
+              </a:rPr>
+              <a:t> </a:t>
+            </a:r>
+            <a:r>
+              <a:rPr lang="en-US" sz="900" b="0" dirty="0" err="1">
+                <a:solidFill>
+                  <a:srgbClr val="268BD2"/>
+                </a:solidFill>
+                <a:effectLst/>
+                <a:highlight>
+                  <a:srgbClr val="FDF6E3"/>
+                </a:highlight>
+                <a:latin typeface="Consolas" panose="020B0609020204030204" pitchFamily="49" charset="0"/>
+              </a:rPr>
+              <a:t>daily_weather</a:t>
+            </a:r>
+            <a:r>
+              <a:rPr lang="en-US" sz="900" b="0" dirty="0" err="1">
+                <a:solidFill>
+                  <a:srgbClr val="657B83"/>
+                </a:solidFill>
+                <a:effectLst/>
+                <a:highlight>
+                  <a:srgbClr val="FDF6E3"/>
+                </a:highlight>
+                <a:latin typeface="Consolas" panose="020B0609020204030204" pitchFamily="49" charset="0"/>
+              </a:rPr>
+              <a:t>.</a:t>
+            </a:r>
+            <a:r>
+              <a:rPr lang="en-US" sz="900" b="0" dirty="0" err="1">
+                <a:solidFill>
+                  <a:srgbClr val="268BD2"/>
+                </a:solidFill>
+                <a:effectLst/>
+                <a:highlight>
+                  <a:srgbClr val="FDF6E3"/>
+                </a:highlight>
+                <a:latin typeface="Consolas" panose="020B0609020204030204" pitchFamily="49" charset="0"/>
+              </a:rPr>
+              <a:t>apply</a:t>
+            </a:r>
+            <a:r>
+              <a:rPr lang="en-US" sz="900" b="0" dirty="0">
+                <a:solidFill>
+                  <a:srgbClr val="657B83"/>
+                </a:solidFill>
+                <a:effectLst/>
+                <a:highlight>
+                  <a:srgbClr val="FDF6E3"/>
+                </a:highlight>
+                <a:latin typeface="Consolas" panose="020B0609020204030204" pitchFamily="49" charset="0"/>
+              </a:rPr>
+              <a:t>(</a:t>
+            </a:r>
+            <a:r>
+              <a:rPr lang="en-US" sz="900" b="0" dirty="0" err="1">
+                <a:solidFill>
+                  <a:srgbClr val="268BD2"/>
+                </a:solidFill>
+                <a:effectLst/>
+                <a:highlight>
+                  <a:srgbClr val="FDF6E3"/>
+                </a:highlight>
+                <a:latin typeface="Consolas" panose="020B0609020204030204" pitchFamily="49" charset="0"/>
+              </a:rPr>
+              <a:t>adjust_weather</a:t>
+            </a:r>
+            <a:r>
+              <a:rPr lang="en-US" sz="900" b="0" dirty="0">
+                <a:solidFill>
+                  <a:srgbClr val="657B83"/>
+                </a:solidFill>
+                <a:effectLst/>
+                <a:highlight>
+                  <a:srgbClr val="FDF6E3"/>
+                </a:highlight>
+                <a:latin typeface="Consolas" panose="020B0609020204030204" pitchFamily="49" charset="0"/>
+              </a:rPr>
+              <a:t>, axis</a:t>
+            </a:r>
+            <a:r>
+              <a:rPr lang="en-US" sz="900" b="0" dirty="0">
+                <a:solidFill>
+                  <a:srgbClr val="859900"/>
+                </a:solidFill>
+                <a:effectLst/>
+                <a:highlight>
+                  <a:srgbClr val="FDF6E3"/>
+                </a:highlight>
+                <a:latin typeface="Consolas" panose="020B0609020204030204" pitchFamily="49" charset="0"/>
+              </a:rPr>
+              <a:t>=</a:t>
+            </a:r>
+            <a:r>
+              <a:rPr lang="en-US" sz="900" b="0" dirty="0">
+                <a:solidFill>
+                  <a:srgbClr val="D33682"/>
+                </a:solidFill>
+                <a:effectLst/>
+                <a:highlight>
+                  <a:srgbClr val="FDF6E3"/>
+                </a:highlight>
+                <a:latin typeface="Consolas" panose="020B0609020204030204" pitchFamily="49" charset="0"/>
+              </a:rPr>
+              <a:t>1</a:t>
+            </a:r>
+            <a:r>
+              <a:rPr lang="en-US" sz="900" b="0" dirty="0">
+                <a:solidFill>
+                  <a:srgbClr val="657B83"/>
+                </a:solidFill>
+                <a:effectLst/>
+                <a:highlight>
+                  <a:srgbClr val="FDF6E3"/>
+                </a:highlight>
+                <a:latin typeface="Consolas" panose="020B0609020204030204" pitchFamily="49" charset="0"/>
+              </a:rPr>
+              <a:t>)</a:t>
+            </a:r>
+          </a:p>
+        </p:txBody>
+      </p:sp>
+      <p:pic>
+        <p:nvPicPr>
+          <p:cNvPr id="9" name="Picture 8">
+            <a:extLst>
+              <a:ext uri="{FF2B5EF4-FFF2-40B4-BE49-F238E27FC236}">
+                <a16:creationId xmlns:a16="http://schemas.microsoft.com/office/drawing/2014/main" id="{135AF20F-3619-851D-687F-B49FA4A4234D}"/>
+              </a:ext>
+            </a:extLst>
+          </p:cNvPr>
+          <p:cNvPicPr>
+            <a:picLocks noChangeAspect="1"/>
+          </p:cNvPicPr>
+          <p:nvPr/>
+        </p:nvPicPr>
+        <p:blipFill>
+          <a:blip r:embed="rId4"/>
+          <a:stretch>
+            <a:fillRect/>
+          </a:stretch>
+        </p:blipFill>
+        <p:spPr>
+          <a:xfrm>
+            <a:off x="6177320" y="5064285"/>
+            <a:ext cx="5395577" cy="742298"/>
+          </a:xfrm>
+          <a:prstGeom prst="rect">
+            <a:avLst/>
+          </a:prstGeom>
+        </p:spPr>
+      </p:pic>
     </p:spTree>
     <p:extLst>
       <p:ext uri="{BB962C8B-B14F-4D97-AF65-F5344CB8AC3E}">
         <p14:creationId xmlns:p14="http://schemas.microsoft.com/office/powerpoint/2010/main" val="3802126618"/>
+      </p:ext>
+    </p:extLst>
+  </p:cSld>
+  <p:clrMapOvr>
+    <a:masterClrMapping/>
+  </p:clrMapOvr>
+</p:sld>
+</file>
+
+<file path=ppt/slides/slide9.xml><?xml version="1.0" encoding="utf-8"?>
+<p:sld xmlns:a="http://schemas.openxmlformats.org/drawingml/2006/main" xmlns:r="http://schemas.openxmlformats.org/officeDocument/2006/relationships" xmlns:p="http://schemas.openxmlformats.org/presentationml/2006/main">
+  <p:cSld>
+    <p:spTree>
+      <p:nvGrpSpPr>
+        <p:cNvPr id="1" name="Shape 201"/>
+        <p:cNvGrpSpPr/>
+        <p:nvPr/>
+      </p:nvGrpSpPr>
+      <p:grpSpPr>
+        <a:xfrm>
+          <a:off x="0" y="0"/>
+          <a:ext cx="0" cy="0"/>
+          <a:chOff x="0" y="0"/>
+          <a:chExt cx="0" cy="0"/>
+        </a:xfrm>
+      </p:grpSpPr>
+      <p:sp>
+        <p:nvSpPr>
+          <p:cNvPr id="203" name="Google Shape;203;p21"/>
+          <p:cNvSpPr txBox="1">
+            <a:spLocks noGrp="1"/>
+          </p:cNvSpPr>
+          <p:nvPr>
+            <p:ph type="sldNum" idx="12"/>
+          </p:nvPr>
+        </p:nvSpPr>
+        <p:spPr>
+          <a:xfrm>
+            <a:off x="10938505" y="6356351"/>
+            <a:ext cx="634392" cy="167647"/>
+          </a:xfrm>
+          <a:prstGeom prst="rect">
+            <a:avLst/>
+          </a:prstGeom>
+        </p:spPr>
+        <p:txBody>
+          <a:bodyPr spcFirstLastPara="1" wrap="square" lIns="0" tIns="0" rIns="0" bIns="0" anchor="t" anchorCtr="0">
+            <a:noAutofit/>
+          </a:bodyPr>
+          <a:lstStyle/>
+          <a:p>
+            <a:pPr defTabSz="829544"/>
+            <a:fld id="{00000000-1234-1234-1234-123412341234}" type="slidenum">
+              <a:rPr lang="pl-PL" kern="0">
+                <a:solidFill>
+                  <a:srgbClr val="002C58"/>
+                </a:solidFill>
+                <a:latin typeface="Helvetica" pitchFamily="2" charset="0"/>
+              </a:rPr>
+              <a:pPr defTabSz="829544"/>
+              <a:t>9</a:t>
+            </a:fld>
+            <a:endParaRPr kern="0" dirty="0">
+              <a:solidFill>
+                <a:srgbClr val="002C58"/>
+              </a:solidFill>
+              <a:latin typeface="Helvetica" pitchFamily="2" charset="0"/>
+            </a:endParaRPr>
+          </a:p>
+        </p:txBody>
+      </p:sp>
+      <p:sp>
+        <p:nvSpPr>
+          <p:cNvPr id="204" name="Google Shape;204;p21"/>
+          <p:cNvSpPr/>
+          <p:nvPr/>
+        </p:nvSpPr>
+        <p:spPr>
+          <a:xfrm>
+            <a:off x="2275456" y="4469884"/>
+            <a:ext cx="2989979" cy="401972"/>
+          </a:xfrm>
+          <a:prstGeom prst="rect">
+            <a:avLst/>
+          </a:prstGeom>
+          <a:solidFill>
+            <a:srgbClr val="FFFFFF"/>
+          </a:solidFill>
+          <a:ln>
+            <a:noFill/>
+          </a:ln>
+        </p:spPr>
+        <p:txBody>
+          <a:bodyPr spcFirstLastPara="1" wrap="square" lIns="82939" tIns="82939" rIns="82939" bIns="82939" anchor="ctr" anchorCtr="0">
+            <a:noAutofit/>
+          </a:bodyPr>
+          <a:lstStyle/>
+          <a:p>
+            <a:pPr defTabSz="829544">
+              <a:buClr>
+                <a:srgbClr val="000000"/>
+              </a:buClr>
+            </a:pPr>
+            <a:endParaRPr sz="1270" kern="0">
+              <a:solidFill>
+                <a:srgbClr val="000000"/>
+              </a:solidFill>
+              <a:latin typeface="Arial"/>
+              <a:cs typeface="Arial"/>
+              <a:sym typeface="Arial"/>
+            </a:endParaRPr>
+          </a:p>
+        </p:txBody>
+      </p:sp>
+      <p:sp>
+        <p:nvSpPr>
+          <p:cNvPr id="7" name="Tytuł 1">
+            <a:extLst>
+              <a:ext uri="{FF2B5EF4-FFF2-40B4-BE49-F238E27FC236}">
+                <a16:creationId xmlns:a16="http://schemas.microsoft.com/office/drawing/2014/main" id="{57C8B726-50E0-47F7-BBBC-54F1227BD140}"/>
+              </a:ext>
+            </a:extLst>
+          </p:cNvPr>
+          <p:cNvSpPr>
+            <a:spLocks noGrp="1"/>
+          </p:cNvSpPr>
+          <p:nvPr>
+            <p:ph type="title"/>
+          </p:nvPr>
+        </p:nvSpPr>
+        <p:spPr>
+          <a:xfrm>
+            <a:off x="645885" y="38348"/>
+            <a:ext cx="10459821" cy="447317"/>
+          </a:xfrm>
+        </p:spPr>
+        <p:txBody>
+          <a:bodyPr/>
+          <a:lstStyle/>
+          <a:p>
+            <a:r>
+              <a:rPr lang="pl-PL" sz="2900" dirty="0">
+                <a:solidFill>
+                  <a:srgbClr val="002C58"/>
+                </a:solidFill>
+                <a:latin typeface="Helvetica" pitchFamily="2" charset="0"/>
+                <a:ea typeface="+mn-ea"/>
+                <a:cs typeface="+mn-cs"/>
+              </a:rPr>
+              <a:t>6. Notebooks - 0</a:t>
+            </a:r>
+            <a:r>
+              <a:rPr lang="de-DE" sz="2900" dirty="0">
+                <a:solidFill>
+                  <a:srgbClr val="002C58"/>
+                </a:solidFill>
+                <a:latin typeface="Helvetica" pitchFamily="2" charset="0"/>
+                <a:ea typeface="+mn-ea"/>
+                <a:cs typeface="+mn-cs"/>
+              </a:rPr>
+              <a:t>2</a:t>
+            </a:r>
+            <a:endParaRPr lang="pl-PL" sz="2900" dirty="0">
+              <a:latin typeface="Helvetica" pitchFamily="2" charset="0"/>
+            </a:endParaRPr>
+          </a:p>
+        </p:txBody>
+      </p:sp>
+      <p:pic>
+        <p:nvPicPr>
+          <p:cNvPr id="10" name="Obraz 9">
+            <a:extLst>
+              <a:ext uri="{FF2B5EF4-FFF2-40B4-BE49-F238E27FC236}">
+                <a16:creationId xmlns:a16="http://schemas.microsoft.com/office/drawing/2014/main" id="{B3BE01A9-6CED-56B2-A9A8-C48A12685924}"/>
+              </a:ext>
+            </a:extLst>
+          </p:cNvPr>
+          <p:cNvPicPr>
+            <a:picLocks noChangeAspect="1"/>
+          </p:cNvPicPr>
+          <p:nvPr/>
+        </p:nvPicPr>
+        <p:blipFill>
+          <a:blip r:embed="rId3">
+            <a:extLst>
+              <a:ext uri="{28A0092B-C50C-407E-A947-70E740481C1C}">
+                <a14:useLocalDpi xmlns:a14="http://schemas.microsoft.com/office/drawing/2010/main" val="0"/>
+              </a:ext>
+            </a:extLst>
+          </a:blip>
+          <a:stretch>
+            <a:fillRect/>
+          </a:stretch>
+        </p:blipFill>
+        <p:spPr>
+          <a:xfrm>
+            <a:off x="464822" y="6242482"/>
+            <a:ext cx="4445000" cy="596900"/>
+          </a:xfrm>
+          <a:prstGeom prst="rect">
+            <a:avLst/>
+          </a:prstGeom>
+        </p:spPr>
+      </p:pic>
+      <p:sp>
+        <p:nvSpPr>
+          <p:cNvPr id="8" name="pole tekstowe 4">
+            <a:extLst>
+              <a:ext uri="{FF2B5EF4-FFF2-40B4-BE49-F238E27FC236}">
+                <a16:creationId xmlns:a16="http://schemas.microsoft.com/office/drawing/2014/main" id="{6769148D-16BA-DDF5-1159-3B9EAE4E4E0E}"/>
+              </a:ext>
+            </a:extLst>
+          </p:cNvPr>
+          <p:cNvSpPr txBox="1"/>
+          <p:nvPr/>
+        </p:nvSpPr>
+        <p:spPr>
+          <a:xfrm>
+            <a:off x="571615" y="878149"/>
+            <a:ext cx="11001282" cy="3877985"/>
+          </a:xfrm>
+          <a:prstGeom prst="rect">
+            <a:avLst/>
+          </a:prstGeom>
+          <a:noFill/>
+        </p:spPr>
+        <p:txBody>
+          <a:bodyPr wrap="square" rtlCol="0">
+            <a:spAutoFit/>
+          </a:bodyPr>
+          <a:lstStyle/>
+          <a:p>
+            <a:r>
+              <a:rPr lang="pl-PL" sz="1200" dirty="0">
+                <a:latin typeface="Helvetica" pitchFamily="2" charset="0"/>
+              </a:rPr>
+              <a:t>W ramach projektu, jednym z kluczowych etapów jest zarządzanie dużymi zbiorami danych pogodowych. W tym celu wykorzystano bazę danych SQLite, która dzięki swojej lekkości i prostocie konfiguracji, idealnie nadaje się do pracy w środowiskach deweloperskich i testowych.</a:t>
+            </a:r>
+            <a:r>
+              <a:rPr lang="de-DE" sz="1200" dirty="0">
+                <a:latin typeface="Helvetica" pitchFamily="2" charset="0"/>
+              </a:rPr>
+              <a:t> </a:t>
+            </a:r>
+          </a:p>
+          <a:p>
+            <a:endParaRPr lang="de-DE" sz="1200" dirty="0">
+              <a:latin typeface="Helvetica" pitchFamily="2" charset="0"/>
+            </a:endParaRPr>
+          </a:p>
+          <a:p>
+            <a:pPr marL="171450" indent="-171450">
+              <a:buFont typeface="Arial" panose="020B0604020202020204" pitchFamily="34" charset="0"/>
+              <a:buChar char="•"/>
+            </a:pPr>
+            <a:r>
+              <a:rPr lang="pl-PL" sz="1200" dirty="0">
+                <a:latin typeface="Helvetica" pitchFamily="2" charset="0"/>
+              </a:rPr>
+              <a:t>SQLite jest lekką, samowystarczalną bazą danych, idealną do projektów deweloperskich i testowych.</a:t>
+            </a:r>
+            <a:endParaRPr lang="de-DE" sz="1200" dirty="0">
+              <a:latin typeface="Helvetica" pitchFamily="2" charset="0"/>
+            </a:endParaRPr>
+          </a:p>
+          <a:p>
+            <a:endParaRPr lang="de-DE" sz="1200" dirty="0">
+              <a:latin typeface="Helvetica" pitchFamily="2" charset="0"/>
+            </a:endParaRPr>
+          </a:p>
+          <a:p>
+            <a:pPr marL="171450" indent="-171450">
+              <a:buFont typeface="Arial" panose="020B0604020202020204" pitchFamily="34" charset="0"/>
+              <a:buChar char="•"/>
+            </a:pPr>
+            <a:r>
+              <a:rPr lang="pl-PL" sz="1200" dirty="0">
+                <a:latin typeface="Helvetica" pitchFamily="2" charset="0"/>
+              </a:rPr>
+              <a:t>Główne zalety: brak potrzeby konfiguracji serwera, przenośność, niewielki rozmiar, obsługa transakcji ACID, dynamiczne typowanie danych.</a:t>
+            </a:r>
+            <a:endParaRPr lang="de-DE" sz="1200" dirty="0">
+              <a:latin typeface="Helvetica" pitchFamily="2" charset="0"/>
+            </a:endParaRPr>
+          </a:p>
+          <a:p>
+            <a:pPr marL="171450" indent="-171450">
+              <a:buFont typeface="Arial" panose="020B0604020202020204" pitchFamily="34" charset="0"/>
+              <a:buChar char="•"/>
+            </a:pPr>
+            <a:endParaRPr lang="de-DE" sz="1200" dirty="0">
+              <a:latin typeface="Helvetica" pitchFamily="2" charset="0"/>
+            </a:endParaRPr>
+          </a:p>
+          <a:p>
+            <a:r>
+              <a:rPr lang="pl-PL" sz="1200" dirty="0">
+                <a:latin typeface="Helvetica" pitchFamily="2" charset="0"/>
+              </a:rPr>
+              <a:t>Kroki Inicjalizacji Bazy Danych</a:t>
+            </a:r>
+            <a:r>
+              <a:rPr lang="de-DE" sz="1200" dirty="0">
+                <a:latin typeface="Helvetica" pitchFamily="2" charset="0"/>
+              </a:rPr>
+              <a:t>:</a:t>
+            </a:r>
+          </a:p>
+          <a:p>
+            <a:pPr marL="171450" indent="-171450">
+              <a:buFont typeface="Arial" panose="020B0604020202020204" pitchFamily="34" charset="0"/>
+              <a:buChar char="•"/>
+            </a:pPr>
+            <a:endParaRPr lang="de-DE" sz="1200" dirty="0">
+              <a:latin typeface="Helvetica" pitchFamily="2" charset="0"/>
+            </a:endParaRPr>
+          </a:p>
+          <a:p>
+            <a:r>
+              <a:rPr lang="de-DE" sz="1200" dirty="0">
+                <a:latin typeface="Helvetica" pitchFamily="2" charset="0"/>
+              </a:rPr>
+              <a:t>1. </a:t>
+            </a:r>
+            <a:r>
+              <a:rPr lang="pl-PL" sz="1200" dirty="0">
+                <a:latin typeface="Helvetica" pitchFamily="2" charset="0"/>
+              </a:rPr>
+              <a:t>Importowanie Modułów:</a:t>
+            </a:r>
+          </a:p>
+          <a:p>
+            <a:pPr marL="628650" lvl="1" indent="-171450">
+              <a:buFont typeface="Arial" panose="020B0604020202020204" pitchFamily="34" charset="0"/>
+              <a:buChar char="•"/>
+            </a:pPr>
+            <a:r>
+              <a:rPr lang="pl-PL" sz="1200" dirty="0">
+                <a:latin typeface="Helvetica" pitchFamily="2" charset="0"/>
+              </a:rPr>
+              <a:t>sqlite3, pandas, SQLAlchemy dla zarządzania bazą danych i analizą danych.</a:t>
+            </a:r>
+          </a:p>
+          <a:p>
+            <a:pPr marL="171450" indent="-171450">
+              <a:buFont typeface="Arial" panose="020B0604020202020204" pitchFamily="34" charset="0"/>
+              <a:buChar char="•"/>
+            </a:pPr>
+            <a:endParaRPr lang="de-DE" sz="1200" dirty="0">
+              <a:latin typeface="Helvetica" pitchFamily="2" charset="0"/>
+            </a:endParaRPr>
+          </a:p>
+          <a:p>
+            <a:r>
+              <a:rPr lang="de-DE" sz="1200" dirty="0">
+                <a:latin typeface="Helvetica" pitchFamily="2" charset="0"/>
+              </a:rPr>
+              <a:t>2. </a:t>
+            </a:r>
+            <a:r>
+              <a:rPr lang="pl-PL" sz="1200" dirty="0">
+                <a:latin typeface="Helvetica" pitchFamily="2" charset="0"/>
+              </a:rPr>
+              <a:t>Ścieżki do Plików:</a:t>
+            </a:r>
+          </a:p>
+          <a:p>
+            <a:pPr marL="628650" lvl="1" indent="-171450">
+              <a:buFont typeface="Arial" panose="020B0604020202020204" pitchFamily="34" charset="0"/>
+              <a:buChar char="•"/>
+            </a:pPr>
+            <a:r>
+              <a:rPr lang="pl-PL" sz="1200" dirty="0">
+                <a:latin typeface="Helvetica" pitchFamily="2" charset="0"/>
+              </a:rPr>
+              <a:t>Plik CSV z danymi pogodowymi.</a:t>
+            </a:r>
+          </a:p>
+          <a:p>
+            <a:pPr marL="628650" lvl="1" indent="-171450">
+              <a:buFont typeface="Arial" panose="020B0604020202020204" pitchFamily="34" charset="0"/>
+              <a:buChar char="•"/>
+            </a:pPr>
+            <a:r>
+              <a:rPr lang="pl-PL" sz="1200" dirty="0">
+                <a:latin typeface="Helvetica" pitchFamily="2" charset="0"/>
+              </a:rPr>
+              <a:t>Plik bazy danych SQLite: projekt_fotowoltaika_2024.db.</a:t>
+            </a:r>
+            <a:endParaRPr lang="de-DE" sz="1200" dirty="0">
+              <a:latin typeface="Helvetica" pitchFamily="2" charset="0"/>
+            </a:endParaRPr>
+          </a:p>
+          <a:p>
+            <a:pPr marL="628650" lvl="1" indent="-171450">
+              <a:buFont typeface="Arial" panose="020B0604020202020204" pitchFamily="34" charset="0"/>
+              <a:buChar char="•"/>
+            </a:pPr>
+            <a:endParaRPr lang="pl-PL" sz="1200" dirty="0">
+              <a:latin typeface="Helvetica" pitchFamily="2" charset="0"/>
+            </a:endParaRPr>
+          </a:p>
+          <a:p>
+            <a:r>
+              <a:rPr lang="de-DE" sz="1200" dirty="0">
+                <a:latin typeface="Helvetica" pitchFamily="2" charset="0"/>
+              </a:rPr>
+              <a:t>3. </a:t>
+            </a:r>
+            <a:r>
+              <a:rPr lang="pl-PL" sz="1200" dirty="0">
+                <a:latin typeface="Helvetica" pitchFamily="2" charset="0"/>
+              </a:rPr>
+              <a:t>Tworzenie Połączenia z Bazą Danych:</a:t>
+            </a:r>
+          </a:p>
+          <a:p>
+            <a:pPr marL="628650" lvl="1" indent="-171450">
+              <a:buFont typeface="Arial" panose="020B0604020202020204" pitchFamily="34" charset="0"/>
+              <a:buChar char="•"/>
+            </a:pPr>
+            <a:r>
+              <a:rPr lang="pl-PL" sz="1200" dirty="0">
+                <a:latin typeface="Helvetica" pitchFamily="2" charset="0"/>
+              </a:rPr>
+              <a:t>Użycie SQLAlchemy do utworzenia połączenia z bazą danych SQLite.</a:t>
+            </a:r>
+          </a:p>
+          <a:p>
+            <a:pPr marL="171450" indent="-171450">
+              <a:buFont typeface="Arial" panose="020B0604020202020204" pitchFamily="34" charset="0"/>
+              <a:buChar char="•"/>
+            </a:pPr>
+            <a:endParaRPr lang="de-DE" sz="1200" dirty="0">
+              <a:latin typeface="Helvetica" pitchFamily="2" charset="0"/>
+            </a:endParaRPr>
+          </a:p>
+          <a:p>
+            <a:endParaRPr lang="pl-PL" dirty="0"/>
+          </a:p>
+        </p:txBody>
+      </p:sp>
+    </p:spTree>
+    <p:extLst>
+      <p:ext uri="{BB962C8B-B14F-4D97-AF65-F5344CB8AC3E}">
+        <p14:creationId xmlns:p14="http://schemas.microsoft.com/office/powerpoint/2010/main" val="24147017"/>
       </p:ext>
     </p:extLst>
   </p:cSld>
@@ -30675,26 +36633,6 @@
 </file>
 
 <file path=customXml/item1.xml><?xml version="1.0" encoding="utf-8"?>
-<?mso-contentType ?>
-<FormTemplates xmlns="http://schemas.microsoft.com/sharepoint/v3/contenttype/forms">
-  <Display>DocumentLibraryForm</Display>
-  <Edit>DocumentLibraryForm</Edit>
-  <New>DocumentLibraryForm</New>
-</FormTemplates>
-</file>
-
-<file path=customXml/item2.xml><?xml version="1.0" encoding="utf-8"?>
-<p:properties xmlns:p="http://schemas.microsoft.com/office/2006/metadata/properties" xmlns:xsi="http://www.w3.org/2001/XMLSchema-instance" xmlns:pc="http://schemas.microsoft.com/office/infopath/2007/PartnerControls">
-  <documentManagement>
-    <TaxCatchAll xmlns="f1dfd687-ce92-41e8-800b-11e03cd3205f" xsi:nil="true"/>
-    <lcf76f155ced4ddcb4097134ff3c332f xmlns="cc32ea10-24d7-4ab8-908a-92053f695cd3">
-      <Terms xmlns="http://schemas.microsoft.com/office/infopath/2007/PartnerControls"/>
-    </lcf76f155ced4ddcb4097134ff3c332f>
-  </documentManagement>
-</p:properties>
-</file>
-
-<file path=customXml/item3.xml><?xml version="1.0" encoding="utf-8"?>
 <ct:contentTypeSchema xmlns:ct="http://schemas.microsoft.com/office/2006/metadata/contentType" xmlns:ma="http://schemas.microsoft.com/office/2006/metadata/properties/metaAttributes" ct:_="" ma:_="" ma:contentTypeName="Dokument" ma:contentTypeID="0x010100C4838B074BD1B64DBED77476FBBDC7EA" ma:contentTypeVersion="17" ma:contentTypeDescription="Utwórz nowy dokument." ma:contentTypeScope="" ma:versionID="cbf6b59ea7392e6dbe586db489f913d4">
   <xsd:schema xmlns:xsd="http://www.w3.org/2001/XMLSchema" xmlns:xs="http://www.w3.org/2001/XMLSchema" xmlns:p="http://schemas.microsoft.com/office/2006/metadata/properties" xmlns:ns2="cc32ea10-24d7-4ab8-908a-92053f695cd3" xmlns:ns3="f1dfd687-ce92-41e8-800b-11e03cd3205f" targetNamespace="http://schemas.microsoft.com/office/2006/metadata/properties" ma:root="true" ma:fieldsID="e5692fda7e188aff76fcb9dc144534c7" ns2:_="" ns3:_="">
     <xsd:import namespace="cc32ea10-24d7-4ab8-908a-92053f695cd3"/>
@@ -30943,10 +36881,41 @@
 </ct:contentTypeSchema>
 </file>
 
+<file path=customXml/item2.xml><?xml version="1.0" encoding="utf-8"?>
+<p:properties xmlns:p="http://schemas.microsoft.com/office/2006/metadata/properties" xmlns:xsi="http://www.w3.org/2001/XMLSchema-instance" xmlns:pc="http://schemas.microsoft.com/office/infopath/2007/PartnerControls">
+  <documentManagement>
+    <TaxCatchAll xmlns="f1dfd687-ce92-41e8-800b-11e03cd3205f" xsi:nil="true"/>
+    <lcf76f155ced4ddcb4097134ff3c332f xmlns="cc32ea10-24d7-4ab8-908a-92053f695cd3">
+      <Terms xmlns="http://schemas.microsoft.com/office/infopath/2007/PartnerControls"/>
+    </lcf76f155ced4ddcb4097134ff3c332f>
+  </documentManagement>
+</p:properties>
+</file>
+
+<file path=customXml/item3.xml><?xml version="1.0" encoding="utf-8"?>
+<?mso-contentType ?>
+<FormTemplates xmlns="http://schemas.microsoft.com/sharepoint/v3/contenttype/forms">
+  <Display>DocumentLibraryForm</Display>
+  <Edit>DocumentLibraryForm</Edit>
+  <New>DocumentLibraryForm</New>
+</FormTemplates>
+</file>
+
 <file path=customXml/itemProps1.xml><?xml version="1.0" encoding="utf-8"?>
-<ds:datastoreItem xmlns:ds="http://schemas.openxmlformats.org/officeDocument/2006/customXml" ds:itemID="{E3C0B90A-C52C-44A3-8B28-1EFDD964602C}">
+<ds:datastoreItem xmlns:ds="http://schemas.openxmlformats.org/officeDocument/2006/customXml" ds:itemID="{546D4109-F318-4341-81BE-A5CA2C3F0C29}">
   <ds:schemaRefs>
-    <ds:schemaRef ds:uri="http://schemas.microsoft.com/sharepoint/v3/contenttype/forms"/>
+    <ds:schemaRef ds:uri="http://schemas.microsoft.com/office/2006/metadata/contentType"/>
+    <ds:schemaRef ds:uri="http://schemas.microsoft.com/office/2006/metadata/properties/metaAttributes"/>
+    <ds:schemaRef ds:uri="http://www.w3.org/2001/XMLSchema"/>
+    <ds:schemaRef ds:uri="http://schemas.microsoft.com/office/2006/metadata/properties"/>
+    <ds:schemaRef ds:uri="cc32ea10-24d7-4ab8-908a-92053f695cd3"/>
+    <ds:schemaRef ds:uri="f1dfd687-ce92-41e8-800b-11e03cd3205f"/>
+    <ds:schemaRef ds:uri="http://schemas.microsoft.com/office/2006/documentManagement/types"/>
+    <ds:schemaRef ds:uri="http://schemas.microsoft.com/office/infopath/2007/PartnerControls"/>
+    <ds:schemaRef ds:uri="http://schemas.openxmlformats.org/package/2006/metadata/core-properties"/>
+    <ds:schemaRef ds:uri="http://purl.org/dc/elements/1.1/"/>
+    <ds:schemaRef ds:uri="http://purl.org/dc/terms/"/>
+    <ds:schemaRef ds:uri="http://schemas.microsoft.com/internal/obd"/>
   </ds:schemaRefs>
 </ds:datastoreItem>
 </file>
@@ -30972,20 +36941,9 @@
 </file>
 
 <file path=customXml/itemProps3.xml><?xml version="1.0" encoding="utf-8"?>
-<ds:datastoreItem xmlns:ds="http://schemas.openxmlformats.org/officeDocument/2006/customXml" ds:itemID="{546D4109-F318-4341-81BE-A5CA2C3F0C29}">
+<ds:datastoreItem xmlns:ds="http://schemas.openxmlformats.org/officeDocument/2006/customXml" ds:itemID="{E3C0B90A-C52C-44A3-8B28-1EFDD964602C}">
   <ds:schemaRefs>
-    <ds:schemaRef ds:uri="http://schemas.microsoft.com/office/2006/metadata/contentType"/>
-    <ds:schemaRef ds:uri="http://schemas.microsoft.com/office/2006/metadata/properties/metaAttributes"/>
-    <ds:schemaRef ds:uri="http://www.w3.org/2001/XMLSchema"/>
-    <ds:schemaRef ds:uri="http://schemas.microsoft.com/office/2006/metadata/properties"/>
-    <ds:schemaRef ds:uri="cc32ea10-24d7-4ab8-908a-92053f695cd3"/>
-    <ds:schemaRef ds:uri="f1dfd687-ce92-41e8-800b-11e03cd3205f"/>
-    <ds:schemaRef ds:uri="http://schemas.microsoft.com/office/2006/documentManagement/types"/>
-    <ds:schemaRef ds:uri="http://schemas.microsoft.com/office/infopath/2007/PartnerControls"/>
-    <ds:schemaRef ds:uri="http://schemas.openxmlformats.org/package/2006/metadata/core-properties"/>
-    <ds:schemaRef ds:uri="http://purl.org/dc/elements/1.1/"/>
-    <ds:schemaRef ds:uri="http://purl.org/dc/terms/"/>
-    <ds:schemaRef ds:uri="http://schemas.microsoft.com/internal/obd"/>
+    <ds:schemaRef ds:uri="http://schemas.microsoft.com/sharepoint/v3/contenttype/forms"/>
   </ds:schemaRefs>
 </ds:datastoreItem>
 </file>
--- a/6. Docs/Bartosz_Reszka_Piwowarski_Prezentacja.pptx
+++ b/6. Docs/Bartosz_Reszka_Piwowarski_Prezentacja.pptx
@@ -35820,7 +35820,7 @@
         <p:spPr>
           <a:xfrm>
             <a:off x="571615" y="878149"/>
-            <a:ext cx="11001282" cy="3877985"/>
+            <a:ext cx="5399417" cy="4985980"/>
           </a:xfrm>
           <a:prstGeom prst="rect">
             <a:avLst/>
@@ -35880,7 +35880,7 @@
               <a:rPr lang="pl-PL" sz="1200" dirty="0">
                 <a:latin typeface="Helvetica" pitchFamily="2" charset="0"/>
               </a:rPr>
-              <a:t>Główne zalety: brak potrzeby konfiguracji serwera, przenośność, niewielki rozmiar, obsługa transakcji ACID, dynamiczne typowanie danych.</a:t>
+              <a:t>Główne zalety: brak potrzeby konfiguracji serwera, przenośność, niewielki rozmiar, dynamiczne typowanie danych.</a:t>
             </a:r>
             <a:endParaRPr lang="de-DE" sz="1200" dirty="0">
               <a:latin typeface="Helvetica" pitchFamily="2" charset="0"/>
@@ -36040,6 +36040,2953 @@
           </a:p>
           <a:p>
             <a:endParaRPr lang="pl-PL" dirty="0"/>
+          </a:p>
+        </p:txBody>
+      </p:sp>
+      <p:sp>
+        <p:nvSpPr>
+          <p:cNvPr id="2" name="pole tekstowe 4">
+            <a:extLst>
+              <a:ext uri="{FF2B5EF4-FFF2-40B4-BE49-F238E27FC236}">
+                <a16:creationId xmlns:a16="http://schemas.microsoft.com/office/drawing/2014/main" id="{7B9B4B54-D2DF-5F83-AC49-1BD7F669A381}"/>
+              </a:ext>
+            </a:extLst>
+          </p:cNvPr>
+          <p:cNvSpPr txBox="1"/>
+          <p:nvPr/>
+        </p:nvSpPr>
+        <p:spPr>
+          <a:xfrm>
+            <a:off x="6096000" y="878149"/>
+            <a:ext cx="5476897" cy="3554819"/>
+          </a:xfrm>
+          <a:prstGeom prst="rect">
+            <a:avLst/>
+          </a:prstGeom>
+          <a:noFill/>
+        </p:spPr>
+        <p:txBody>
+          <a:bodyPr wrap="square" rtlCol="0">
+            <a:spAutoFit/>
+          </a:bodyPr>
+          <a:lstStyle/>
+          <a:p>
+            <a:r>
+              <a:rPr lang="en-US" sz="900" b="0" i="1" dirty="0">
+                <a:solidFill>
+                  <a:srgbClr val="93A1A1"/>
+                </a:solidFill>
+                <a:effectLst/>
+                <a:highlight>
+                  <a:srgbClr val="FDF6E3"/>
+                </a:highlight>
+                <a:latin typeface="Consolas" panose="020B0609020204030204" pitchFamily="49" charset="0"/>
+              </a:rPr>
+              <a:t># </a:t>
+            </a:r>
+            <a:r>
+              <a:rPr lang="en-US" sz="900" b="0" i="1" dirty="0" err="1">
+                <a:solidFill>
+                  <a:srgbClr val="93A1A1"/>
+                </a:solidFill>
+                <a:effectLst/>
+                <a:highlight>
+                  <a:srgbClr val="FDF6E3"/>
+                </a:highlight>
+                <a:latin typeface="Consolas" panose="020B0609020204030204" pitchFamily="49" charset="0"/>
+              </a:rPr>
+              <a:t>Ścieżka</a:t>
+            </a:r>
+            <a:r>
+              <a:rPr lang="en-US" sz="900" b="0" i="1" dirty="0">
+                <a:solidFill>
+                  <a:srgbClr val="93A1A1"/>
+                </a:solidFill>
+                <a:effectLst/>
+                <a:highlight>
+                  <a:srgbClr val="FDF6E3"/>
+                </a:highlight>
+                <a:latin typeface="Consolas" panose="020B0609020204030204" pitchFamily="49" charset="0"/>
+              </a:rPr>
+              <a:t> do </a:t>
+            </a:r>
+            <a:r>
+              <a:rPr lang="en-US" sz="900" b="0" i="1" dirty="0" err="1">
+                <a:solidFill>
+                  <a:srgbClr val="93A1A1"/>
+                </a:solidFill>
+                <a:effectLst/>
+                <a:highlight>
+                  <a:srgbClr val="FDF6E3"/>
+                </a:highlight>
+                <a:latin typeface="Consolas" panose="020B0609020204030204" pitchFamily="49" charset="0"/>
+              </a:rPr>
+              <a:t>pliku</a:t>
+            </a:r>
+            <a:r>
+              <a:rPr lang="en-US" sz="900" b="0" i="1" dirty="0">
+                <a:solidFill>
+                  <a:srgbClr val="93A1A1"/>
+                </a:solidFill>
+                <a:effectLst/>
+                <a:highlight>
+                  <a:srgbClr val="FDF6E3"/>
+                </a:highlight>
+                <a:latin typeface="Consolas" panose="020B0609020204030204" pitchFamily="49" charset="0"/>
+              </a:rPr>
+              <a:t> </a:t>
+            </a:r>
+            <a:r>
+              <a:rPr lang="en-US" sz="900" b="0" i="1" dirty="0" err="1">
+                <a:solidFill>
+                  <a:srgbClr val="93A1A1"/>
+                </a:solidFill>
+                <a:effectLst/>
+                <a:highlight>
+                  <a:srgbClr val="FDF6E3"/>
+                </a:highlight>
+                <a:latin typeface="Consolas" panose="020B0609020204030204" pitchFamily="49" charset="0"/>
+              </a:rPr>
+              <a:t>bazy</a:t>
+            </a:r>
+            <a:r>
+              <a:rPr lang="en-US" sz="900" b="0" i="1" dirty="0">
+                <a:solidFill>
+                  <a:srgbClr val="93A1A1"/>
+                </a:solidFill>
+                <a:effectLst/>
+                <a:highlight>
+                  <a:srgbClr val="FDF6E3"/>
+                </a:highlight>
+                <a:latin typeface="Consolas" panose="020B0609020204030204" pitchFamily="49" charset="0"/>
+              </a:rPr>
+              <a:t> </a:t>
+            </a:r>
+            <a:r>
+              <a:rPr lang="en-US" sz="900" b="0" i="1" dirty="0" err="1">
+                <a:solidFill>
+                  <a:srgbClr val="93A1A1"/>
+                </a:solidFill>
+                <a:effectLst/>
+                <a:highlight>
+                  <a:srgbClr val="FDF6E3"/>
+                </a:highlight>
+                <a:latin typeface="Consolas" panose="020B0609020204030204" pitchFamily="49" charset="0"/>
+              </a:rPr>
+              <a:t>danych</a:t>
+            </a:r>
+            <a:r>
+              <a:rPr lang="en-US" sz="900" b="0" i="1" dirty="0">
+                <a:solidFill>
+                  <a:srgbClr val="93A1A1"/>
+                </a:solidFill>
+                <a:effectLst/>
+                <a:highlight>
+                  <a:srgbClr val="FDF6E3"/>
+                </a:highlight>
+                <a:latin typeface="Consolas" panose="020B0609020204030204" pitchFamily="49" charset="0"/>
+              </a:rPr>
+              <a:t> SQLite</a:t>
+            </a:r>
+            <a:endParaRPr lang="en-US" sz="900" b="0" dirty="0">
+              <a:solidFill>
+                <a:srgbClr val="657B83"/>
+              </a:solidFill>
+              <a:effectLst/>
+              <a:highlight>
+                <a:srgbClr val="FDF6E3"/>
+              </a:highlight>
+              <a:latin typeface="Consolas" panose="020B0609020204030204" pitchFamily="49" charset="0"/>
+            </a:endParaRPr>
+          </a:p>
+          <a:p>
+            <a:r>
+              <a:rPr lang="en-US" sz="900" b="0" dirty="0" err="1">
+                <a:solidFill>
+                  <a:srgbClr val="268BD2"/>
+                </a:solidFill>
+                <a:effectLst/>
+                <a:highlight>
+                  <a:srgbClr val="FDF6E3"/>
+                </a:highlight>
+                <a:latin typeface="Consolas" panose="020B0609020204030204" pitchFamily="49" charset="0"/>
+              </a:rPr>
+              <a:t>sqlite_db_path</a:t>
+            </a:r>
+            <a:r>
+              <a:rPr lang="en-US" sz="900" b="0" dirty="0">
+                <a:solidFill>
+                  <a:srgbClr val="657B83"/>
+                </a:solidFill>
+                <a:effectLst/>
+                <a:highlight>
+                  <a:srgbClr val="FDF6E3"/>
+                </a:highlight>
+                <a:latin typeface="Consolas" panose="020B0609020204030204" pitchFamily="49" charset="0"/>
+              </a:rPr>
+              <a:t> </a:t>
+            </a:r>
+            <a:r>
+              <a:rPr lang="en-US" sz="900" b="0" dirty="0">
+                <a:solidFill>
+                  <a:srgbClr val="859900"/>
+                </a:solidFill>
+                <a:effectLst/>
+                <a:highlight>
+                  <a:srgbClr val="FDF6E3"/>
+                </a:highlight>
+                <a:latin typeface="Consolas" panose="020B0609020204030204" pitchFamily="49" charset="0"/>
+              </a:rPr>
+              <a:t>=</a:t>
+            </a:r>
+            <a:r>
+              <a:rPr lang="en-US" sz="900" b="0" dirty="0">
+                <a:solidFill>
+                  <a:srgbClr val="657B83"/>
+                </a:solidFill>
+                <a:effectLst/>
+                <a:highlight>
+                  <a:srgbClr val="FDF6E3"/>
+                </a:highlight>
+                <a:latin typeface="Consolas" panose="020B0609020204030204" pitchFamily="49" charset="0"/>
+              </a:rPr>
+              <a:t> </a:t>
+            </a:r>
+            <a:r>
+              <a:rPr lang="en-US" sz="900" b="1" dirty="0">
+                <a:solidFill>
+                  <a:srgbClr val="586E75"/>
+                </a:solidFill>
+                <a:effectLst/>
+                <a:highlight>
+                  <a:srgbClr val="FDF6E3"/>
+                </a:highlight>
+                <a:latin typeface="Consolas" panose="020B0609020204030204" pitchFamily="49" charset="0"/>
+              </a:rPr>
+              <a:t>r</a:t>
+            </a:r>
+            <a:r>
+              <a:rPr lang="en-US" sz="900" b="0" dirty="0">
+                <a:solidFill>
+                  <a:srgbClr val="DC322F"/>
+                </a:solidFill>
+                <a:effectLst/>
+                <a:highlight>
+                  <a:srgbClr val="FDF6E3"/>
+                </a:highlight>
+                <a:latin typeface="Consolas" panose="020B0609020204030204" pitchFamily="49" charset="0"/>
+              </a:rPr>
+              <a:t>'../5. </a:t>
+            </a:r>
+            <a:r>
+              <a:rPr lang="en-US" sz="900" b="0" dirty="0" err="1">
+                <a:solidFill>
+                  <a:srgbClr val="DC322F"/>
+                </a:solidFill>
+                <a:effectLst/>
+                <a:highlight>
+                  <a:srgbClr val="FDF6E3"/>
+                </a:highlight>
+                <a:latin typeface="Consolas" panose="020B0609020204030204" pitchFamily="49" charset="0"/>
+              </a:rPr>
+              <a:t>Baza_Danych</a:t>
+            </a:r>
+            <a:r>
+              <a:rPr lang="en-US" sz="900" b="0" dirty="0">
+                <a:solidFill>
+                  <a:srgbClr val="DC322F"/>
+                </a:solidFill>
+                <a:effectLst/>
+                <a:highlight>
+                  <a:srgbClr val="FDF6E3"/>
+                </a:highlight>
+                <a:latin typeface="Consolas" panose="020B0609020204030204" pitchFamily="49" charset="0"/>
+              </a:rPr>
+              <a:t>/projekt_fotowoltaika_2024.db’</a:t>
+            </a:r>
+          </a:p>
+          <a:p>
+            <a:endParaRPr lang="en-US" sz="900" b="0" dirty="0">
+              <a:solidFill>
+                <a:srgbClr val="DC322F"/>
+              </a:solidFill>
+              <a:effectLst/>
+              <a:highlight>
+                <a:srgbClr val="FDF6E3"/>
+              </a:highlight>
+              <a:latin typeface="Consolas" panose="020B0609020204030204" pitchFamily="49" charset="0"/>
+            </a:endParaRPr>
+          </a:p>
+          <a:p>
+            <a:r>
+              <a:rPr lang="en-US" sz="900" b="0" i="1" dirty="0">
+                <a:solidFill>
+                  <a:srgbClr val="93A1A1"/>
+                </a:solidFill>
+                <a:effectLst/>
+                <a:highlight>
+                  <a:srgbClr val="FDF6E3"/>
+                </a:highlight>
+                <a:latin typeface="Consolas" panose="020B0609020204030204" pitchFamily="49" charset="0"/>
+              </a:rPr>
+              <a:t># </a:t>
+            </a:r>
+            <a:r>
+              <a:rPr lang="en-US" sz="900" b="0" i="1" dirty="0" err="1">
+                <a:solidFill>
+                  <a:srgbClr val="93A1A1"/>
+                </a:solidFill>
+                <a:effectLst/>
+                <a:highlight>
+                  <a:srgbClr val="FDF6E3"/>
+                </a:highlight>
+                <a:latin typeface="Consolas" panose="020B0609020204030204" pitchFamily="49" charset="0"/>
+              </a:rPr>
+              <a:t>Tworzenie</a:t>
+            </a:r>
+            <a:r>
+              <a:rPr lang="en-US" sz="900" b="0" i="1" dirty="0">
+                <a:solidFill>
+                  <a:srgbClr val="93A1A1"/>
+                </a:solidFill>
+                <a:effectLst/>
+                <a:highlight>
+                  <a:srgbClr val="FDF6E3"/>
+                </a:highlight>
+                <a:latin typeface="Consolas" panose="020B0609020204030204" pitchFamily="49" charset="0"/>
+              </a:rPr>
+              <a:t> </a:t>
+            </a:r>
+            <a:r>
+              <a:rPr lang="en-US" sz="900" b="0" i="1" dirty="0" err="1">
+                <a:solidFill>
+                  <a:srgbClr val="93A1A1"/>
+                </a:solidFill>
+                <a:effectLst/>
+                <a:highlight>
+                  <a:srgbClr val="FDF6E3"/>
+                </a:highlight>
+                <a:latin typeface="Consolas" panose="020B0609020204030204" pitchFamily="49" charset="0"/>
+              </a:rPr>
+              <a:t>połączenia</a:t>
+            </a:r>
+            <a:r>
+              <a:rPr lang="en-US" sz="900" b="0" i="1" dirty="0">
+                <a:solidFill>
+                  <a:srgbClr val="93A1A1"/>
+                </a:solidFill>
+                <a:effectLst/>
+                <a:highlight>
+                  <a:srgbClr val="FDF6E3"/>
+                </a:highlight>
+                <a:latin typeface="Consolas" panose="020B0609020204030204" pitchFamily="49" charset="0"/>
+              </a:rPr>
+              <a:t> z </a:t>
+            </a:r>
+            <a:r>
+              <a:rPr lang="en-US" sz="900" b="0" i="1" dirty="0" err="1">
+                <a:solidFill>
+                  <a:srgbClr val="93A1A1"/>
+                </a:solidFill>
+                <a:effectLst/>
+                <a:highlight>
+                  <a:srgbClr val="FDF6E3"/>
+                </a:highlight>
+                <a:latin typeface="Consolas" panose="020B0609020204030204" pitchFamily="49" charset="0"/>
+              </a:rPr>
+              <a:t>bazą</a:t>
+            </a:r>
+            <a:r>
+              <a:rPr lang="en-US" sz="900" b="0" i="1" dirty="0">
+                <a:solidFill>
+                  <a:srgbClr val="93A1A1"/>
+                </a:solidFill>
+                <a:effectLst/>
+                <a:highlight>
+                  <a:srgbClr val="FDF6E3"/>
+                </a:highlight>
+                <a:latin typeface="Consolas" panose="020B0609020204030204" pitchFamily="49" charset="0"/>
+              </a:rPr>
+              <a:t> </a:t>
+            </a:r>
+            <a:r>
+              <a:rPr lang="en-US" sz="900" b="0" i="1" dirty="0" err="1">
+                <a:solidFill>
+                  <a:srgbClr val="93A1A1"/>
+                </a:solidFill>
+                <a:effectLst/>
+                <a:highlight>
+                  <a:srgbClr val="FDF6E3"/>
+                </a:highlight>
+                <a:latin typeface="Consolas" panose="020B0609020204030204" pitchFamily="49" charset="0"/>
+              </a:rPr>
+              <a:t>danych</a:t>
+            </a:r>
+            <a:r>
+              <a:rPr lang="en-US" sz="900" b="0" i="1" dirty="0">
+                <a:solidFill>
+                  <a:srgbClr val="93A1A1"/>
+                </a:solidFill>
+                <a:effectLst/>
+                <a:highlight>
+                  <a:srgbClr val="FDF6E3"/>
+                </a:highlight>
+                <a:latin typeface="Consolas" panose="020B0609020204030204" pitchFamily="49" charset="0"/>
+              </a:rPr>
+              <a:t> SQLite za </a:t>
+            </a:r>
+            <a:r>
+              <a:rPr lang="en-US" sz="900" b="0" i="1" dirty="0" err="1">
+                <a:solidFill>
+                  <a:srgbClr val="93A1A1"/>
+                </a:solidFill>
+                <a:effectLst/>
+                <a:highlight>
+                  <a:srgbClr val="FDF6E3"/>
+                </a:highlight>
+                <a:latin typeface="Consolas" panose="020B0609020204030204" pitchFamily="49" charset="0"/>
+              </a:rPr>
+              <a:t>pomocą</a:t>
+            </a:r>
+            <a:r>
+              <a:rPr lang="en-US" sz="900" b="0" i="1" dirty="0">
+                <a:solidFill>
+                  <a:srgbClr val="93A1A1"/>
+                </a:solidFill>
+                <a:effectLst/>
+                <a:highlight>
+                  <a:srgbClr val="FDF6E3"/>
+                </a:highlight>
+                <a:latin typeface="Consolas" panose="020B0609020204030204" pitchFamily="49" charset="0"/>
+              </a:rPr>
+              <a:t> </a:t>
+            </a:r>
+            <a:r>
+              <a:rPr lang="en-US" sz="900" b="0" i="1" dirty="0" err="1">
+                <a:solidFill>
+                  <a:srgbClr val="93A1A1"/>
+                </a:solidFill>
+                <a:effectLst/>
+                <a:highlight>
+                  <a:srgbClr val="FDF6E3"/>
+                </a:highlight>
+                <a:latin typeface="Consolas" panose="020B0609020204030204" pitchFamily="49" charset="0"/>
+              </a:rPr>
+              <a:t>SQLAlchemy</a:t>
+            </a:r>
+            <a:endParaRPr lang="en-US" sz="900" b="0" dirty="0">
+              <a:solidFill>
+                <a:srgbClr val="657B83"/>
+              </a:solidFill>
+              <a:effectLst/>
+              <a:highlight>
+                <a:srgbClr val="FDF6E3"/>
+              </a:highlight>
+              <a:latin typeface="Consolas" panose="020B0609020204030204" pitchFamily="49" charset="0"/>
+            </a:endParaRPr>
+          </a:p>
+          <a:p>
+            <a:r>
+              <a:rPr lang="en-US" sz="900" b="0" dirty="0">
+                <a:solidFill>
+                  <a:srgbClr val="268BD2"/>
+                </a:solidFill>
+                <a:effectLst/>
+                <a:highlight>
+                  <a:srgbClr val="FDF6E3"/>
+                </a:highlight>
+                <a:latin typeface="Consolas" panose="020B0609020204030204" pitchFamily="49" charset="0"/>
+              </a:rPr>
+              <a:t>engine</a:t>
+            </a:r>
+            <a:r>
+              <a:rPr lang="en-US" sz="900" b="0" dirty="0">
+                <a:solidFill>
+                  <a:srgbClr val="657B83"/>
+                </a:solidFill>
+                <a:effectLst/>
+                <a:highlight>
+                  <a:srgbClr val="FDF6E3"/>
+                </a:highlight>
+                <a:latin typeface="Consolas" panose="020B0609020204030204" pitchFamily="49" charset="0"/>
+              </a:rPr>
+              <a:t> </a:t>
+            </a:r>
+            <a:r>
+              <a:rPr lang="en-US" sz="900" b="0" dirty="0">
+                <a:solidFill>
+                  <a:srgbClr val="859900"/>
+                </a:solidFill>
+                <a:effectLst/>
+                <a:highlight>
+                  <a:srgbClr val="FDF6E3"/>
+                </a:highlight>
+                <a:latin typeface="Consolas" panose="020B0609020204030204" pitchFamily="49" charset="0"/>
+              </a:rPr>
+              <a:t>=</a:t>
+            </a:r>
+            <a:r>
+              <a:rPr lang="en-US" sz="900" b="0" dirty="0">
+                <a:solidFill>
+                  <a:srgbClr val="657B83"/>
+                </a:solidFill>
+                <a:effectLst/>
+                <a:highlight>
+                  <a:srgbClr val="FDF6E3"/>
+                </a:highlight>
+                <a:latin typeface="Consolas" panose="020B0609020204030204" pitchFamily="49" charset="0"/>
+              </a:rPr>
+              <a:t> </a:t>
+            </a:r>
+            <a:r>
+              <a:rPr lang="en-US" sz="900" b="0" dirty="0" err="1">
+                <a:solidFill>
+                  <a:srgbClr val="268BD2"/>
+                </a:solidFill>
+                <a:effectLst/>
+                <a:highlight>
+                  <a:srgbClr val="FDF6E3"/>
+                </a:highlight>
+                <a:latin typeface="Consolas" panose="020B0609020204030204" pitchFamily="49" charset="0"/>
+              </a:rPr>
+              <a:t>create_engine</a:t>
+            </a:r>
+            <a:r>
+              <a:rPr lang="en-US" sz="900" b="0" dirty="0">
+                <a:solidFill>
+                  <a:srgbClr val="657B83"/>
+                </a:solidFill>
+                <a:effectLst/>
+                <a:highlight>
+                  <a:srgbClr val="FDF6E3"/>
+                </a:highlight>
+                <a:latin typeface="Consolas" panose="020B0609020204030204" pitchFamily="49" charset="0"/>
+              </a:rPr>
+              <a:t>(</a:t>
+            </a:r>
+            <a:r>
+              <a:rPr lang="en-US" sz="900" b="1" dirty="0" err="1">
+                <a:solidFill>
+                  <a:srgbClr val="586E75"/>
+                </a:solidFill>
+                <a:effectLst/>
+                <a:highlight>
+                  <a:srgbClr val="FDF6E3"/>
+                </a:highlight>
+                <a:latin typeface="Consolas" panose="020B0609020204030204" pitchFamily="49" charset="0"/>
+              </a:rPr>
+              <a:t>f</a:t>
+            </a:r>
+            <a:r>
+              <a:rPr lang="en-US" sz="900" b="0" dirty="0" err="1">
+                <a:solidFill>
+                  <a:srgbClr val="2AA198"/>
+                </a:solidFill>
+                <a:effectLst/>
+                <a:highlight>
+                  <a:srgbClr val="FDF6E3"/>
+                </a:highlight>
+                <a:latin typeface="Consolas" panose="020B0609020204030204" pitchFamily="49" charset="0"/>
+              </a:rPr>
+              <a:t>'sqlite</a:t>
+            </a:r>
+            <a:r>
+              <a:rPr lang="en-US" sz="900" b="0" dirty="0">
+                <a:solidFill>
+                  <a:srgbClr val="2AA198"/>
+                </a:solidFill>
+                <a:effectLst/>
+                <a:highlight>
+                  <a:srgbClr val="FDF6E3"/>
+                </a:highlight>
+                <a:latin typeface="Consolas" panose="020B0609020204030204" pitchFamily="49" charset="0"/>
+              </a:rPr>
+              <a:t>:///</a:t>
+            </a:r>
+            <a:r>
+              <a:rPr lang="en-US" sz="900" b="0" dirty="0">
+                <a:solidFill>
+                  <a:srgbClr val="CB4B16"/>
+                </a:solidFill>
+                <a:effectLst/>
+                <a:highlight>
+                  <a:srgbClr val="FDF6E3"/>
+                </a:highlight>
+                <a:latin typeface="Consolas" panose="020B0609020204030204" pitchFamily="49" charset="0"/>
+              </a:rPr>
+              <a:t>{</a:t>
+            </a:r>
+            <a:r>
+              <a:rPr lang="en-US" sz="900" b="0" dirty="0" err="1">
+                <a:solidFill>
+                  <a:srgbClr val="268BD2"/>
+                </a:solidFill>
+                <a:effectLst/>
+                <a:highlight>
+                  <a:srgbClr val="FDF6E3"/>
+                </a:highlight>
+                <a:latin typeface="Consolas" panose="020B0609020204030204" pitchFamily="49" charset="0"/>
+              </a:rPr>
+              <a:t>sqlite_db_path</a:t>
+            </a:r>
+            <a:r>
+              <a:rPr lang="en-US" sz="900" b="0" dirty="0">
+                <a:solidFill>
+                  <a:srgbClr val="CB4B16"/>
+                </a:solidFill>
+                <a:effectLst/>
+                <a:highlight>
+                  <a:srgbClr val="FDF6E3"/>
+                </a:highlight>
+                <a:latin typeface="Consolas" panose="020B0609020204030204" pitchFamily="49" charset="0"/>
+              </a:rPr>
+              <a:t>}</a:t>
+            </a:r>
+            <a:r>
+              <a:rPr lang="en-US" sz="900" b="0" dirty="0">
+                <a:solidFill>
+                  <a:srgbClr val="2AA198"/>
+                </a:solidFill>
+                <a:effectLst/>
+                <a:highlight>
+                  <a:srgbClr val="FDF6E3"/>
+                </a:highlight>
+                <a:latin typeface="Consolas" panose="020B0609020204030204" pitchFamily="49" charset="0"/>
+              </a:rPr>
+              <a:t>’</a:t>
+            </a:r>
+            <a:r>
+              <a:rPr lang="en-US" sz="900" b="0" dirty="0">
+                <a:solidFill>
+                  <a:srgbClr val="657B83"/>
+                </a:solidFill>
+                <a:effectLst/>
+                <a:highlight>
+                  <a:srgbClr val="FDF6E3"/>
+                </a:highlight>
+                <a:latin typeface="Consolas" panose="020B0609020204030204" pitchFamily="49" charset="0"/>
+              </a:rPr>
+              <a:t>)</a:t>
+            </a:r>
+          </a:p>
+          <a:p>
+            <a:endParaRPr lang="en-US" sz="900" b="0" dirty="0">
+              <a:solidFill>
+                <a:srgbClr val="657B83"/>
+              </a:solidFill>
+              <a:effectLst/>
+              <a:highlight>
+                <a:srgbClr val="FDF6E3"/>
+              </a:highlight>
+              <a:latin typeface="Consolas" panose="020B0609020204030204" pitchFamily="49" charset="0"/>
+            </a:endParaRPr>
+          </a:p>
+          <a:p>
+            <a:r>
+              <a:rPr lang="en-US" sz="900" b="0" i="1" dirty="0">
+                <a:solidFill>
+                  <a:srgbClr val="93A1A1"/>
+                </a:solidFill>
+                <a:effectLst/>
+                <a:highlight>
+                  <a:srgbClr val="FDF6E3"/>
+                </a:highlight>
+                <a:latin typeface="Consolas" panose="020B0609020204030204" pitchFamily="49" charset="0"/>
+              </a:rPr>
+              <a:t># </a:t>
+            </a:r>
+            <a:r>
+              <a:rPr lang="en-US" sz="900" b="0" i="1" dirty="0" err="1">
+                <a:solidFill>
+                  <a:srgbClr val="93A1A1"/>
+                </a:solidFill>
+                <a:effectLst/>
+                <a:highlight>
+                  <a:srgbClr val="FDF6E3"/>
+                </a:highlight>
+                <a:latin typeface="Consolas" panose="020B0609020204030204" pitchFamily="49" charset="0"/>
+              </a:rPr>
+              <a:t>Usunięcie</a:t>
+            </a:r>
+            <a:r>
+              <a:rPr lang="en-US" sz="900" b="0" i="1" dirty="0">
+                <a:solidFill>
+                  <a:srgbClr val="93A1A1"/>
+                </a:solidFill>
+                <a:effectLst/>
+                <a:highlight>
+                  <a:srgbClr val="FDF6E3"/>
+                </a:highlight>
+                <a:latin typeface="Consolas" panose="020B0609020204030204" pitchFamily="49" charset="0"/>
+              </a:rPr>
+              <a:t> </a:t>
+            </a:r>
+            <a:r>
+              <a:rPr lang="en-US" sz="900" b="0" i="1" dirty="0" err="1">
+                <a:solidFill>
+                  <a:srgbClr val="93A1A1"/>
+                </a:solidFill>
+                <a:effectLst/>
+                <a:highlight>
+                  <a:srgbClr val="FDF6E3"/>
+                </a:highlight>
+                <a:latin typeface="Consolas" panose="020B0609020204030204" pitchFamily="49" charset="0"/>
+              </a:rPr>
+              <a:t>istniejącej</a:t>
+            </a:r>
+            <a:r>
+              <a:rPr lang="en-US" sz="900" b="0" i="1" dirty="0">
+                <a:solidFill>
+                  <a:srgbClr val="93A1A1"/>
+                </a:solidFill>
+                <a:effectLst/>
+                <a:highlight>
+                  <a:srgbClr val="FDF6E3"/>
+                </a:highlight>
+                <a:latin typeface="Consolas" panose="020B0609020204030204" pitchFamily="49" charset="0"/>
+              </a:rPr>
+              <a:t> </a:t>
+            </a:r>
+            <a:r>
+              <a:rPr lang="en-US" sz="900" b="0" i="1" dirty="0" err="1">
+                <a:solidFill>
+                  <a:srgbClr val="93A1A1"/>
+                </a:solidFill>
+                <a:effectLst/>
+                <a:highlight>
+                  <a:srgbClr val="FDF6E3"/>
+                </a:highlight>
+                <a:latin typeface="Consolas" panose="020B0609020204030204" pitchFamily="49" charset="0"/>
+              </a:rPr>
+              <a:t>tabeli</a:t>
+            </a:r>
+            <a:r>
+              <a:rPr lang="en-US" sz="900" b="0" i="1" dirty="0">
+                <a:solidFill>
+                  <a:srgbClr val="93A1A1"/>
+                </a:solidFill>
+                <a:effectLst/>
+                <a:highlight>
+                  <a:srgbClr val="FDF6E3"/>
+                </a:highlight>
+                <a:latin typeface="Consolas" panose="020B0609020204030204" pitchFamily="49" charset="0"/>
+              </a:rPr>
+              <a:t> (</a:t>
+            </a:r>
+            <a:r>
+              <a:rPr lang="en-US" sz="900" b="0" i="1" dirty="0" err="1">
+                <a:solidFill>
+                  <a:srgbClr val="93A1A1"/>
+                </a:solidFill>
+                <a:effectLst/>
+                <a:highlight>
+                  <a:srgbClr val="FDF6E3"/>
+                </a:highlight>
+                <a:latin typeface="Consolas" panose="020B0609020204030204" pitchFamily="49" charset="0"/>
+              </a:rPr>
+              <a:t>jeśli</a:t>
+            </a:r>
+            <a:r>
+              <a:rPr lang="en-US" sz="900" b="0" i="1" dirty="0">
+                <a:solidFill>
+                  <a:srgbClr val="93A1A1"/>
+                </a:solidFill>
+                <a:effectLst/>
+                <a:highlight>
+                  <a:srgbClr val="FDF6E3"/>
+                </a:highlight>
+                <a:latin typeface="Consolas" panose="020B0609020204030204" pitchFamily="49" charset="0"/>
+              </a:rPr>
+              <a:t> </a:t>
+            </a:r>
+            <a:r>
+              <a:rPr lang="en-US" sz="900" b="0" i="1" dirty="0" err="1">
+                <a:solidFill>
+                  <a:srgbClr val="93A1A1"/>
+                </a:solidFill>
+                <a:effectLst/>
+                <a:highlight>
+                  <a:srgbClr val="FDF6E3"/>
+                </a:highlight>
+                <a:latin typeface="Consolas" panose="020B0609020204030204" pitchFamily="49" charset="0"/>
+              </a:rPr>
+              <a:t>istnieje</a:t>
+            </a:r>
+            <a:r>
+              <a:rPr lang="en-US" sz="900" b="0" i="1" dirty="0">
+                <a:solidFill>
+                  <a:srgbClr val="93A1A1"/>
+                </a:solidFill>
+                <a:effectLst/>
+                <a:highlight>
+                  <a:srgbClr val="FDF6E3"/>
+                </a:highlight>
+                <a:latin typeface="Consolas" panose="020B0609020204030204" pitchFamily="49" charset="0"/>
+              </a:rPr>
+              <a:t>) </a:t>
+            </a:r>
+            <a:r>
+              <a:rPr lang="en-US" sz="900" b="0" i="1" dirty="0" err="1">
+                <a:solidFill>
+                  <a:srgbClr val="93A1A1"/>
+                </a:solidFill>
+                <a:effectLst/>
+                <a:highlight>
+                  <a:srgbClr val="FDF6E3"/>
+                </a:highlight>
+                <a:latin typeface="Consolas" panose="020B0609020204030204" pitchFamily="49" charset="0"/>
+              </a:rPr>
+              <a:t>i</a:t>
+            </a:r>
+            <a:r>
+              <a:rPr lang="en-US" sz="900" b="0" i="1" dirty="0">
+                <a:solidFill>
+                  <a:srgbClr val="93A1A1"/>
+                </a:solidFill>
+                <a:effectLst/>
+                <a:highlight>
+                  <a:srgbClr val="FDF6E3"/>
+                </a:highlight>
+                <a:latin typeface="Consolas" panose="020B0609020204030204" pitchFamily="49" charset="0"/>
+              </a:rPr>
+              <a:t> </a:t>
+            </a:r>
+            <a:r>
+              <a:rPr lang="en-US" sz="900" b="0" i="1" dirty="0" err="1">
+                <a:solidFill>
+                  <a:srgbClr val="93A1A1"/>
+                </a:solidFill>
+                <a:effectLst/>
+                <a:highlight>
+                  <a:srgbClr val="FDF6E3"/>
+                </a:highlight>
+                <a:latin typeface="Consolas" panose="020B0609020204030204" pitchFamily="49" charset="0"/>
+              </a:rPr>
+              <a:t>stworzenie</a:t>
+            </a:r>
+            <a:r>
+              <a:rPr lang="en-US" sz="900" b="0" i="1" dirty="0">
+                <a:solidFill>
+                  <a:srgbClr val="93A1A1"/>
+                </a:solidFill>
+                <a:effectLst/>
+                <a:highlight>
+                  <a:srgbClr val="FDF6E3"/>
+                </a:highlight>
+                <a:latin typeface="Consolas" panose="020B0609020204030204" pitchFamily="49" charset="0"/>
+              </a:rPr>
+              <a:t> </a:t>
+            </a:r>
+            <a:r>
+              <a:rPr lang="en-US" sz="900" b="0" i="1" dirty="0" err="1">
+                <a:solidFill>
+                  <a:srgbClr val="93A1A1"/>
+                </a:solidFill>
+                <a:effectLst/>
+                <a:highlight>
+                  <a:srgbClr val="FDF6E3"/>
+                </a:highlight>
+                <a:latin typeface="Consolas" panose="020B0609020204030204" pitchFamily="49" charset="0"/>
+              </a:rPr>
+              <a:t>nowej</a:t>
+            </a:r>
+            <a:endParaRPr lang="en-US" sz="900" b="0" dirty="0">
+              <a:solidFill>
+                <a:srgbClr val="657B83"/>
+              </a:solidFill>
+              <a:effectLst/>
+              <a:highlight>
+                <a:srgbClr val="FDF6E3"/>
+              </a:highlight>
+              <a:latin typeface="Consolas" panose="020B0609020204030204" pitchFamily="49" charset="0"/>
+            </a:endParaRPr>
+          </a:p>
+          <a:p>
+            <a:r>
+              <a:rPr lang="en-US" sz="900" b="0" dirty="0">
+                <a:solidFill>
+                  <a:srgbClr val="859900"/>
+                </a:solidFill>
+                <a:effectLst/>
+                <a:highlight>
+                  <a:srgbClr val="FDF6E3"/>
+                </a:highlight>
+                <a:latin typeface="Consolas" panose="020B0609020204030204" pitchFamily="49" charset="0"/>
+              </a:rPr>
+              <a:t>with</a:t>
+            </a:r>
+            <a:r>
+              <a:rPr lang="en-US" sz="900" b="0" dirty="0">
+                <a:solidFill>
+                  <a:srgbClr val="657B83"/>
+                </a:solidFill>
+                <a:effectLst/>
+                <a:highlight>
+                  <a:srgbClr val="FDF6E3"/>
+                </a:highlight>
+                <a:latin typeface="Consolas" panose="020B0609020204030204" pitchFamily="49" charset="0"/>
+              </a:rPr>
+              <a:t> </a:t>
+            </a:r>
+            <a:r>
+              <a:rPr lang="en-US" sz="900" b="0" dirty="0" err="1">
+                <a:solidFill>
+                  <a:srgbClr val="268BD2"/>
+                </a:solidFill>
+                <a:effectLst/>
+                <a:highlight>
+                  <a:srgbClr val="FDF6E3"/>
+                </a:highlight>
+                <a:latin typeface="Consolas" panose="020B0609020204030204" pitchFamily="49" charset="0"/>
+              </a:rPr>
+              <a:t>engine</a:t>
+            </a:r>
+            <a:r>
+              <a:rPr lang="en-US" sz="900" b="0" dirty="0" err="1">
+                <a:solidFill>
+                  <a:srgbClr val="657B83"/>
+                </a:solidFill>
+                <a:effectLst/>
+                <a:highlight>
+                  <a:srgbClr val="FDF6E3"/>
+                </a:highlight>
+                <a:latin typeface="Consolas" panose="020B0609020204030204" pitchFamily="49" charset="0"/>
+              </a:rPr>
+              <a:t>.</a:t>
+            </a:r>
+            <a:r>
+              <a:rPr lang="en-US" sz="900" b="0" dirty="0" err="1">
+                <a:solidFill>
+                  <a:srgbClr val="268BD2"/>
+                </a:solidFill>
+                <a:effectLst/>
+                <a:highlight>
+                  <a:srgbClr val="FDF6E3"/>
+                </a:highlight>
+                <a:latin typeface="Consolas" panose="020B0609020204030204" pitchFamily="49" charset="0"/>
+              </a:rPr>
+              <a:t>connect</a:t>
+            </a:r>
+            <a:r>
+              <a:rPr lang="en-US" sz="900" b="0" dirty="0">
+                <a:solidFill>
+                  <a:srgbClr val="657B83"/>
+                </a:solidFill>
+                <a:effectLst/>
+                <a:highlight>
+                  <a:srgbClr val="FDF6E3"/>
+                </a:highlight>
+                <a:latin typeface="Consolas" panose="020B0609020204030204" pitchFamily="49" charset="0"/>
+              </a:rPr>
+              <a:t>() </a:t>
+            </a:r>
+            <a:r>
+              <a:rPr lang="en-US" sz="900" b="0" dirty="0">
+                <a:solidFill>
+                  <a:srgbClr val="859900"/>
+                </a:solidFill>
+                <a:effectLst/>
+                <a:highlight>
+                  <a:srgbClr val="FDF6E3"/>
+                </a:highlight>
+                <a:latin typeface="Consolas" panose="020B0609020204030204" pitchFamily="49" charset="0"/>
+              </a:rPr>
+              <a:t>as</a:t>
+            </a:r>
+            <a:r>
+              <a:rPr lang="en-US" sz="900" b="0" dirty="0">
+                <a:solidFill>
+                  <a:srgbClr val="657B83"/>
+                </a:solidFill>
+                <a:effectLst/>
+                <a:highlight>
+                  <a:srgbClr val="FDF6E3"/>
+                </a:highlight>
+                <a:latin typeface="Consolas" panose="020B0609020204030204" pitchFamily="49" charset="0"/>
+              </a:rPr>
+              <a:t> </a:t>
+            </a:r>
+            <a:r>
+              <a:rPr lang="en-US" sz="900" b="0" dirty="0">
+                <a:solidFill>
+                  <a:srgbClr val="268BD2"/>
+                </a:solidFill>
+                <a:effectLst/>
+                <a:highlight>
+                  <a:srgbClr val="FDF6E3"/>
+                </a:highlight>
+                <a:latin typeface="Consolas" panose="020B0609020204030204" pitchFamily="49" charset="0"/>
+              </a:rPr>
+              <a:t>con</a:t>
+            </a:r>
+            <a:r>
+              <a:rPr lang="en-US" sz="900" b="0" dirty="0">
+                <a:solidFill>
+                  <a:srgbClr val="657B83"/>
+                </a:solidFill>
+                <a:effectLst/>
+                <a:highlight>
+                  <a:srgbClr val="FDF6E3"/>
+                </a:highlight>
+                <a:latin typeface="Consolas" panose="020B0609020204030204" pitchFamily="49" charset="0"/>
+              </a:rPr>
+              <a:t>:</a:t>
+            </a:r>
+          </a:p>
+          <a:p>
+            <a:r>
+              <a:rPr lang="en-US" sz="900" b="0" dirty="0">
+                <a:solidFill>
+                  <a:srgbClr val="657B83"/>
+                </a:solidFill>
+                <a:effectLst/>
+                <a:highlight>
+                  <a:srgbClr val="FDF6E3"/>
+                </a:highlight>
+                <a:latin typeface="Consolas" panose="020B0609020204030204" pitchFamily="49" charset="0"/>
+              </a:rPr>
+              <a:t>    </a:t>
+            </a:r>
+            <a:r>
+              <a:rPr lang="en-US" sz="900" b="0" i="1" dirty="0">
+                <a:solidFill>
+                  <a:srgbClr val="93A1A1"/>
+                </a:solidFill>
+                <a:effectLst/>
+                <a:highlight>
+                  <a:srgbClr val="FDF6E3"/>
+                </a:highlight>
+                <a:latin typeface="Consolas" panose="020B0609020204030204" pitchFamily="49" charset="0"/>
+              </a:rPr>
+              <a:t># </a:t>
+            </a:r>
+            <a:r>
+              <a:rPr lang="en-US" sz="900" b="0" i="1" dirty="0" err="1">
+                <a:solidFill>
+                  <a:srgbClr val="93A1A1"/>
+                </a:solidFill>
+                <a:effectLst/>
+                <a:highlight>
+                  <a:srgbClr val="FDF6E3"/>
+                </a:highlight>
+                <a:latin typeface="Consolas" panose="020B0609020204030204" pitchFamily="49" charset="0"/>
+              </a:rPr>
+              <a:t>Wykonanie</a:t>
+            </a:r>
+            <a:r>
+              <a:rPr lang="en-US" sz="900" b="0" i="1" dirty="0">
+                <a:solidFill>
+                  <a:srgbClr val="93A1A1"/>
+                </a:solidFill>
+                <a:effectLst/>
+                <a:highlight>
+                  <a:srgbClr val="FDF6E3"/>
+                </a:highlight>
+                <a:latin typeface="Consolas" panose="020B0609020204030204" pitchFamily="49" charset="0"/>
+              </a:rPr>
+              <a:t> </a:t>
+            </a:r>
+            <a:r>
+              <a:rPr lang="en-US" sz="900" b="0" i="1" dirty="0" err="1">
+                <a:solidFill>
+                  <a:srgbClr val="93A1A1"/>
+                </a:solidFill>
+                <a:effectLst/>
+                <a:highlight>
+                  <a:srgbClr val="FDF6E3"/>
+                </a:highlight>
+                <a:latin typeface="Consolas" panose="020B0609020204030204" pitchFamily="49" charset="0"/>
+              </a:rPr>
+              <a:t>zapytania</a:t>
+            </a:r>
+            <a:r>
+              <a:rPr lang="en-US" sz="900" b="0" i="1" dirty="0">
+                <a:solidFill>
+                  <a:srgbClr val="93A1A1"/>
+                </a:solidFill>
+                <a:effectLst/>
+                <a:highlight>
+                  <a:srgbClr val="FDF6E3"/>
+                </a:highlight>
+                <a:latin typeface="Consolas" panose="020B0609020204030204" pitchFamily="49" charset="0"/>
+              </a:rPr>
+              <a:t> SQL do </a:t>
+            </a:r>
+            <a:r>
+              <a:rPr lang="en-US" sz="900" b="0" i="1" dirty="0" err="1">
+                <a:solidFill>
+                  <a:srgbClr val="93A1A1"/>
+                </a:solidFill>
+                <a:effectLst/>
+                <a:highlight>
+                  <a:srgbClr val="FDF6E3"/>
+                </a:highlight>
+                <a:latin typeface="Consolas" panose="020B0609020204030204" pitchFamily="49" charset="0"/>
+              </a:rPr>
+              <a:t>usunięcia</a:t>
+            </a:r>
+            <a:r>
+              <a:rPr lang="en-US" sz="900" b="0" i="1" dirty="0">
+                <a:solidFill>
+                  <a:srgbClr val="93A1A1"/>
+                </a:solidFill>
+                <a:effectLst/>
+                <a:highlight>
+                  <a:srgbClr val="FDF6E3"/>
+                </a:highlight>
+                <a:latin typeface="Consolas" panose="020B0609020204030204" pitchFamily="49" charset="0"/>
+              </a:rPr>
+              <a:t> </a:t>
+            </a:r>
+            <a:r>
+              <a:rPr lang="en-US" sz="900" b="0" i="1" dirty="0" err="1">
+                <a:solidFill>
+                  <a:srgbClr val="93A1A1"/>
+                </a:solidFill>
+                <a:effectLst/>
+                <a:highlight>
+                  <a:srgbClr val="FDF6E3"/>
+                </a:highlight>
+                <a:latin typeface="Consolas" panose="020B0609020204030204" pitchFamily="49" charset="0"/>
+              </a:rPr>
+              <a:t>tabeli</a:t>
+            </a:r>
+            <a:endParaRPr lang="en-US" sz="900" b="0" dirty="0">
+              <a:solidFill>
+                <a:srgbClr val="657B83"/>
+              </a:solidFill>
+              <a:effectLst/>
+              <a:highlight>
+                <a:srgbClr val="FDF6E3"/>
+              </a:highlight>
+              <a:latin typeface="Consolas" panose="020B0609020204030204" pitchFamily="49" charset="0"/>
+            </a:endParaRPr>
+          </a:p>
+          <a:p>
+            <a:r>
+              <a:rPr lang="en-US" sz="900" b="0" dirty="0">
+                <a:solidFill>
+                  <a:srgbClr val="657B83"/>
+                </a:solidFill>
+                <a:effectLst/>
+                <a:highlight>
+                  <a:srgbClr val="FDF6E3"/>
+                </a:highlight>
+                <a:latin typeface="Consolas" panose="020B0609020204030204" pitchFamily="49" charset="0"/>
+              </a:rPr>
+              <a:t>    </a:t>
+            </a:r>
+            <a:r>
+              <a:rPr lang="en-US" sz="900" b="0" dirty="0" err="1">
+                <a:solidFill>
+                  <a:srgbClr val="268BD2"/>
+                </a:solidFill>
+                <a:effectLst/>
+                <a:highlight>
+                  <a:srgbClr val="FDF6E3"/>
+                </a:highlight>
+                <a:latin typeface="Consolas" panose="020B0609020204030204" pitchFamily="49" charset="0"/>
+              </a:rPr>
+              <a:t>con</a:t>
+            </a:r>
+            <a:r>
+              <a:rPr lang="en-US" sz="900" b="0" dirty="0" err="1">
+                <a:solidFill>
+                  <a:srgbClr val="657B83"/>
+                </a:solidFill>
+                <a:effectLst/>
+                <a:highlight>
+                  <a:srgbClr val="FDF6E3"/>
+                </a:highlight>
+                <a:latin typeface="Consolas" panose="020B0609020204030204" pitchFamily="49" charset="0"/>
+              </a:rPr>
+              <a:t>.execute</a:t>
+            </a:r>
+            <a:r>
+              <a:rPr lang="en-US" sz="900" b="0" dirty="0">
+                <a:solidFill>
+                  <a:srgbClr val="657B83"/>
+                </a:solidFill>
+                <a:effectLst/>
+                <a:highlight>
+                  <a:srgbClr val="FDF6E3"/>
+                </a:highlight>
+                <a:latin typeface="Consolas" panose="020B0609020204030204" pitchFamily="49" charset="0"/>
+              </a:rPr>
+              <a:t>(</a:t>
+            </a:r>
+            <a:r>
+              <a:rPr lang="en-US" sz="900" b="0" dirty="0">
+                <a:solidFill>
+                  <a:srgbClr val="268BD2"/>
+                </a:solidFill>
+                <a:effectLst/>
+                <a:highlight>
+                  <a:srgbClr val="FDF6E3"/>
+                </a:highlight>
+                <a:latin typeface="Consolas" panose="020B0609020204030204" pitchFamily="49" charset="0"/>
+              </a:rPr>
+              <a:t>text</a:t>
+            </a:r>
+            <a:r>
+              <a:rPr lang="en-US" sz="900" b="0" dirty="0">
+                <a:solidFill>
+                  <a:srgbClr val="657B83"/>
+                </a:solidFill>
+                <a:effectLst/>
+                <a:highlight>
+                  <a:srgbClr val="FDF6E3"/>
+                </a:highlight>
+                <a:latin typeface="Consolas" panose="020B0609020204030204" pitchFamily="49" charset="0"/>
+              </a:rPr>
+              <a:t>(</a:t>
+            </a:r>
+            <a:r>
+              <a:rPr lang="en-US" sz="900" b="0" dirty="0">
+                <a:solidFill>
+                  <a:srgbClr val="2AA198"/>
+                </a:solidFill>
+                <a:effectLst/>
+                <a:highlight>
+                  <a:srgbClr val="FDF6E3"/>
+                </a:highlight>
+                <a:latin typeface="Consolas" panose="020B0609020204030204" pitchFamily="49" charset="0"/>
+              </a:rPr>
+              <a:t>'DROP TABLE IF EXISTS projekt_fotowoltaika_2024’</a:t>
+            </a:r>
+            <a:r>
+              <a:rPr lang="en-US" sz="900" b="0" dirty="0">
+                <a:solidFill>
+                  <a:srgbClr val="657B83"/>
+                </a:solidFill>
+                <a:effectLst/>
+                <a:highlight>
+                  <a:srgbClr val="FDF6E3"/>
+                </a:highlight>
+                <a:latin typeface="Consolas" panose="020B0609020204030204" pitchFamily="49" charset="0"/>
+              </a:rPr>
+              <a:t>))</a:t>
+            </a:r>
+          </a:p>
+          <a:p>
+            <a:endParaRPr lang="en-US" sz="900" b="0" dirty="0">
+              <a:solidFill>
+                <a:srgbClr val="657B83"/>
+              </a:solidFill>
+              <a:effectLst/>
+              <a:highlight>
+                <a:srgbClr val="FDF6E3"/>
+              </a:highlight>
+              <a:latin typeface="Consolas" panose="020B0609020204030204" pitchFamily="49" charset="0"/>
+            </a:endParaRPr>
+          </a:p>
+          <a:p>
+            <a:r>
+              <a:rPr lang="en-US" sz="900" b="0" i="1" dirty="0">
+                <a:solidFill>
+                  <a:srgbClr val="93A1A1"/>
+                </a:solidFill>
+                <a:effectLst/>
+                <a:highlight>
+                  <a:srgbClr val="FDF6E3"/>
+                </a:highlight>
+                <a:latin typeface="Consolas" panose="020B0609020204030204" pitchFamily="49" charset="0"/>
+              </a:rPr>
+              <a:t># </a:t>
+            </a:r>
+            <a:r>
+              <a:rPr lang="en-US" sz="900" b="0" i="1" dirty="0" err="1">
+                <a:solidFill>
+                  <a:srgbClr val="93A1A1"/>
+                </a:solidFill>
+                <a:effectLst/>
+                <a:highlight>
+                  <a:srgbClr val="FDF6E3"/>
+                </a:highlight>
+                <a:latin typeface="Consolas" panose="020B0609020204030204" pitchFamily="49" charset="0"/>
+              </a:rPr>
+              <a:t>Zapisanie</a:t>
+            </a:r>
+            <a:r>
+              <a:rPr lang="en-US" sz="900" b="0" i="1" dirty="0">
+                <a:solidFill>
+                  <a:srgbClr val="93A1A1"/>
+                </a:solidFill>
+                <a:effectLst/>
+                <a:highlight>
+                  <a:srgbClr val="FDF6E3"/>
+                </a:highlight>
+                <a:latin typeface="Consolas" panose="020B0609020204030204" pitchFamily="49" charset="0"/>
+              </a:rPr>
+              <a:t> </a:t>
+            </a:r>
+            <a:r>
+              <a:rPr lang="en-US" sz="900" b="0" i="1" dirty="0" err="1">
+                <a:solidFill>
+                  <a:srgbClr val="93A1A1"/>
+                </a:solidFill>
+                <a:effectLst/>
+                <a:highlight>
+                  <a:srgbClr val="FDF6E3"/>
+                </a:highlight>
+                <a:latin typeface="Consolas" panose="020B0609020204030204" pitchFamily="49" charset="0"/>
+              </a:rPr>
+              <a:t>danych</a:t>
+            </a:r>
+            <a:r>
+              <a:rPr lang="en-US" sz="900" b="0" i="1" dirty="0">
+                <a:solidFill>
+                  <a:srgbClr val="93A1A1"/>
+                </a:solidFill>
+                <a:effectLst/>
+                <a:highlight>
+                  <a:srgbClr val="FDF6E3"/>
+                </a:highlight>
+                <a:latin typeface="Consolas" panose="020B0609020204030204" pitchFamily="49" charset="0"/>
+              </a:rPr>
+              <a:t> z </a:t>
+            </a:r>
+            <a:r>
+              <a:rPr lang="en-US" sz="900" b="0" i="1" dirty="0" err="1">
+                <a:solidFill>
+                  <a:srgbClr val="93A1A1"/>
+                </a:solidFill>
+                <a:effectLst/>
+                <a:highlight>
+                  <a:srgbClr val="FDF6E3"/>
+                </a:highlight>
+                <a:latin typeface="Consolas" panose="020B0609020204030204" pitchFamily="49" charset="0"/>
+              </a:rPr>
+              <a:t>DataFrame</a:t>
+            </a:r>
+            <a:r>
+              <a:rPr lang="en-US" sz="900" b="0" i="1" dirty="0">
+                <a:solidFill>
+                  <a:srgbClr val="93A1A1"/>
+                </a:solidFill>
+                <a:effectLst/>
+                <a:highlight>
+                  <a:srgbClr val="FDF6E3"/>
+                </a:highlight>
+                <a:latin typeface="Consolas" panose="020B0609020204030204" pitchFamily="49" charset="0"/>
+              </a:rPr>
+              <a:t> do </a:t>
+            </a:r>
+            <a:r>
+              <a:rPr lang="en-US" sz="900" b="0" i="1" dirty="0" err="1">
+                <a:solidFill>
+                  <a:srgbClr val="93A1A1"/>
+                </a:solidFill>
+                <a:effectLst/>
+                <a:highlight>
+                  <a:srgbClr val="FDF6E3"/>
+                </a:highlight>
+                <a:latin typeface="Consolas" panose="020B0609020204030204" pitchFamily="49" charset="0"/>
+              </a:rPr>
+              <a:t>bazy</a:t>
+            </a:r>
+            <a:r>
+              <a:rPr lang="en-US" sz="900" b="0" i="1" dirty="0">
+                <a:solidFill>
+                  <a:srgbClr val="93A1A1"/>
+                </a:solidFill>
+                <a:effectLst/>
+                <a:highlight>
+                  <a:srgbClr val="FDF6E3"/>
+                </a:highlight>
+                <a:latin typeface="Consolas" panose="020B0609020204030204" pitchFamily="49" charset="0"/>
+              </a:rPr>
+              <a:t> </a:t>
+            </a:r>
+            <a:r>
+              <a:rPr lang="en-US" sz="900" b="0" i="1" dirty="0" err="1">
+                <a:solidFill>
+                  <a:srgbClr val="93A1A1"/>
+                </a:solidFill>
+                <a:effectLst/>
+                <a:highlight>
+                  <a:srgbClr val="FDF6E3"/>
+                </a:highlight>
+                <a:latin typeface="Consolas" panose="020B0609020204030204" pitchFamily="49" charset="0"/>
+              </a:rPr>
+              <a:t>danych</a:t>
+            </a:r>
+            <a:r>
+              <a:rPr lang="en-US" sz="900" b="0" i="1" dirty="0">
+                <a:solidFill>
+                  <a:srgbClr val="93A1A1"/>
+                </a:solidFill>
+                <a:effectLst/>
+                <a:highlight>
+                  <a:srgbClr val="FDF6E3"/>
+                </a:highlight>
+                <a:latin typeface="Consolas" panose="020B0609020204030204" pitchFamily="49" charset="0"/>
+              </a:rPr>
+              <a:t> SQLite </a:t>
+            </a:r>
+            <a:r>
+              <a:rPr lang="en-US" sz="900" b="0" i="1" dirty="0" err="1">
+                <a:solidFill>
+                  <a:srgbClr val="93A1A1"/>
+                </a:solidFill>
+                <a:effectLst/>
+                <a:highlight>
+                  <a:srgbClr val="FDF6E3"/>
+                </a:highlight>
+                <a:latin typeface="Consolas" panose="020B0609020204030204" pitchFamily="49" charset="0"/>
+              </a:rPr>
+              <a:t>jako</a:t>
+            </a:r>
+            <a:r>
+              <a:rPr lang="en-US" sz="900" b="0" i="1" dirty="0">
+                <a:solidFill>
+                  <a:srgbClr val="93A1A1"/>
+                </a:solidFill>
+                <a:effectLst/>
+                <a:highlight>
+                  <a:srgbClr val="FDF6E3"/>
+                </a:highlight>
+                <a:latin typeface="Consolas" panose="020B0609020204030204" pitchFamily="49" charset="0"/>
+              </a:rPr>
+              <a:t> </a:t>
+            </a:r>
+            <a:r>
+              <a:rPr lang="en-US" sz="900" b="0" i="1" dirty="0" err="1">
+                <a:solidFill>
+                  <a:srgbClr val="93A1A1"/>
+                </a:solidFill>
+                <a:effectLst/>
+                <a:highlight>
+                  <a:srgbClr val="FDF6E3"/>
+                </a:highlight>
+                <a:latin typeface="Consolas" panose="020B0609020204030204" pitchFamily="49" charset="0"/>
+              </a:rPr>
+              <a:t>nowa</a:t>
+            </a:r>
+            <a:r>
+              <a:rPr lang="en-US" sz="900" b="0" i="1" dirty="0">
+                <a:solidFill>
+                  <a:srgbClr val="93A1A1"/>
+                </a:solidFill>
+                <a:effectLst/>
+                <a:highlight>
+                  <a:srgbClr val="FDF6E3"/>
+                </a:highlight>
+                <a:latin typeface="Consolas" panose="020B0609020204030204" pitchFamily="49" charset="0"/>
+              </a:rPr>
+              <a:t> </a:t>
+            </a:r>
+            <a:r>
+              <a:rPr lang="en-US" sz="900" b="0" i="1" dirty="0" err="1">
+                <a:solidFill>
+                  <a:srgbClr val="93A1A1"/>
+                </a:solidFill>
+                <a:effectLst/>
+                <a:highlight>
+                  <a:srgbClr val="FDF6E3"/>
+                </a:highlight>
+                <a:latin typeface="Consolas" panose="020B0609020204030204" pitchFamily="49" charset="0"/>
+              </a:rPr>
+              <a:t>tabela</a:t>
+            </a:r>
+            <a:endParaRPr lang="en-US" sz="900" b="0" dirty="0">
+              <a:solidFill>
+                <a:srgbClr val="657B83"/>
+              </a:solidFill>
+              <a:effectLst/>
+              <a:highlight>
+                <a:srgbClr val="FDF6E3"/>
+              </a:highlight>
+              <a:latin typeface="Consolas" panose="020B0609020204030204" pitchFamily="49" charset="0"/>
+            </a:endParaRPr>
+          </a:p>
+          <a:p>
+            <a:r>
+              <a:rPr lang="en-US" sz="900" b="0" dirty="0" err="1">
+                <a:solidFill>
+                  <a:srgbClr val="268BD2"/>
+                </a:solidFill>
+                <a:effectLst/>
+                <a:highlight>
+                  <a:srgbClr val="FDF6E3"/>
+                </a:highlight>
+                <a:latin typeface="Consolas" panose="020B0609020204030204" pitchFamily="49" charset="0"/>
+              </a:rPr>
+              <a:t>df_weather</a:t>
+            </a:r>
+            <a:r>
+              <a:rPr lang="en-US" sz="900" b="0" dirty="0" err="1">
+                <a:solidFill>
+                  <a:srgbClr val="657B83"/>
+                </a:solidFill>
+                <a:effectLst/>
+                <a:highlight>
+                  <a:srgbClr val="FDF6E3"/>
+                </a:highlight>
+                <a:latin typeface="Consolas" panose="020B0609020204030204" pitchFamily="49" charset="0"/>
+              </a:rPr>
+              <a:t>.</a:t>
+            </a:r>
+            <a:r>
+              <a:rPr lang="en-US" sz="900" b="0" dirty="0" err="1">
+                <a:solidFill>
+                  <a:srgbClr val="268BD2"/>
+                </a:solidFill>
+                <a:effectLst/>
+                <a:highlight>
+                  <a:srgbClr val="FDF6E3"/>
+                </a:highlight>
+                <a:latin typeface="Consolas" panose="020B0609020204030204" pitchFamily="49" charset="0"/>
+              </a:rPr>
+              <a:t>to_sql</a:t>
+            </a:r>
+            <a:r>
+              <a:rPr lang="en-US" sz="900" b="0" dirty="0">
+                <a:solidFill>
+                  <a:srgbClr val="657B83"/>
+                </a:solidFill>
+                <a:effectLst/>
+                <a:highlight>
+                  <a:srgbClr val="FDF6E3"/>
+                </a:highlight>
+                <a:latin typeface="Consolas" panose="020B0609020204030204" pitchFamily="49" charset="0"/>
+              </a:rPr>
+              <a:t>(</a:t>
+            </a:r>
+            <a:r>
+              <a:rPr lang="en-US" sz="900" b="0" dirty="0">
+                <a:solidFill>
+                  <a:srgbClr val="2AA198"/>
+                </a:solidFill>
+                <a:effectLst/>
+                <a:highlight>
+                  <a:srgbClr val="FDF6E3"/>
+                </a:highlight>
+                <a:latin typeface="Consolas" panose="020B0609020204030204" pitchFamily="49" charset="0"/>
+              </a:rPr>
+              <a:t>'projekt_fotowoltaika_2024'</a:t>
+            </a:r>
+            <a:r>
+              <a:rPr lang="en-US" sz="900" b="0" dirty="0">
+                <a:solidFill>
+                  <a:srgbClr val="657B83"/>
+                </a:solidFill>
+                <a:effectLst/>
+                <a:highlight>
+                  <a:srgbClr val="FDF6E3"/>
+                </a:highlight>
+                <a:latin typeface="Consolas" panose="020B0609020204030204" pitchFamily="49" charset="0"/>
+              </a:rPr>
+              <a:t>, con</a:t>
+            </a:r>
+            <a:r>
+              <a:rPr lang="en-US" sz="900" b="0" dirty="0">
+                <a:solidFill>
+                  <a:srgbClr val="859900"/>
+                </a:solidFill>
+                <a:effectLst/>
+                <a:highlight>
+                  <a:srgbClr val="FDF6E3"/>
+                </a:highlight>
+                <a:latin typeface="Consolas" panose="020B0609020204030204" pitchFamily="49" charset="0"/>
+              </a:rPr>
+              <a:t>=</a:t>
+            </a:r>
+            <a:r>
+              <a:rPr lang="en-US" sz="900" b="0" dirty="0">
+                <a:solidFill>
+                  <a:srgbClr val="268BD2"/>
+                </a:solidFill>
+                <a:effectLst/>
+                <a:highlight>
+                  <a:srgbClr val="FDF6E3"/>
+                </a:highlight>
+                <a:latin typeface="Consolas" panose="020B0609020204030204" pitchFamily="49" charset="0"/>
+              </a:rPr>
+              <a:t>engine</a:t>
+            </a:r>
+            <a:r>
+              <a:rPr lang="en-US" sz="900" b="0" dirty="0">
+                <a:solidFill>
+                  <a:srgbClr val="657B83"/>
+                </a:solidFill>
+                <a:effectLst/>
+                <a:highlight>
+                  <a:srgbClr val="FDF6E3"/>
+                </a:highlight>
+                <a:latin typeface="Consolas" panose="020B0609020204030204" pitchFamily="49" charset="0"/>
+              </a:rPr>
+              <a:t>, </a:t>
+            </a:r>
+            <a:r>
+              <a:rPr lang="en-US" sz="900" b="0" dirty="0" err="1">
+                <a:solidFill>
+                  <a:srgbClr val="657B83"/>
+                </a:solidFill>
+                <a:effectLst/>
+                <a:highlight>
+                  <a:srgbClr val="FDF6E3"/>
+                </a:highlight>
+                <a:latin typeface="Consolas" panose="020B0609020204030204" pitchFamily="49" charset="0"/>
+              </a:rPr>
+              <a:t>if_exists</a:t>
+            </a:r>
+            <a:r>
+              <a:rPr lang="en-US" sz="900" b="0" dirty="0">
+                <a:solidFill>
+                  <a:srgbClr val="859900"/>
+                </a:solidFill>
+                <a:effectLst/>
+                <a:highlight>
+                  <a:srgbClr val="FDF6E3"/>
+                </a:highlight>
+                <a:latin typeface="Consolas" panose="020B0609020204030204" pitchFamily="49" charset="0"/>
+              </a:rPr>
+              <a:t>=</a:t>
+            </a:r>
+            <a:r>
+              <a:rPr lang="en-US" sz="900" b="0" dirty="0">
+                <a:solidFill>
+                  <a:srgbClr val="2AA198"/>
+                </a:solidFill>
+                <a:effectLst/>
+                <a:highlight>
+                  <a:srgbClr val="FDF6E3"/>
+                </a:highlight>
+                <a:latin typeface="Consolas" panose="020B0609020204030204" pitchFamily="49" charset="0"/>
+              </a:rPr>
+              <a:t>'replace'</a:t>
+            </a:r>
+            <a:r>
+              <a:rPr lang="en-US" sz="900" b="0" dirty="0">
+                <a:solidFill>
+                  <a:srgbClr val="657B83"/>
+                </a:solidFill>
+                <a:effectLst/>
+                <a:highlight>
+                  <a:srgbClr val="FDF6E3"/>
+                </a:highlight>
+                <a:latin typeface="Consolas" panose="020B0609020204030204" pitchFamily="49" charset="0"/>
+              </a:rPr>
+              <a:t>, index</a:t>
+            </a:r>
+            <a:r>
+              <a:rPr lang="en-US" sz="900" b="0" dirty="0">
+                <a:solidFill>
+                  <a:srgbClr val="859900"/>
+                </a:solidFill>
+                <a:effectLst/>
+                <a:highlight>
+                  <a:srgbClr val="FDF6E3"/>
+                </a:highlight>
+                <a:latin typeface="Consolas" panose="020B0609020204030204" pitchFamily="49" charset="0"/>
+              </a:rPr>
+              <a:t>=</a:t>
+            </a:r>
+            <a:r>
+              <a:rPr lang="en-US" sz="900" b="0" dirty="0">
+                <a:solidFill>
+                  <a:srgbClr val="B58900"/>
+                </a:solidFill>
+                <a:effectLst/>
+                <a:highlight>
+                  <a:srgbClr val="FDF6E3"/>
+                </a:highlight>
+                <a:latin typeface="Consolas" panose="020B0609020204030204" pitchFamily="49" charset="0"/>
+              </a:rPr>
+              <a:t>False</a:t>
+            </a:r>
+            <a:r>
+              <a:rPr lang="en-US" sz="900" b="0" dirty="0">
+                <a:solidFill>
+                  <a:srgbClr val="657B83"/>
+                </a:solidFill>
+                <a:effectLst/>
+                <a:highlight>
+                  <a:srgbClr val="FDF6E3"/>
+                </a:highlight>
+                <a:latin typeface="Consolas" panose="020B0609020204030204" pitchFamily="49" charset="0"/>
+              </a:rPr>
+              <a:t>)</a:t>
+            </a:r>
+          </a:p>
+          <a:p>
+            <a:endParaRPr lang="en-US" sz="900" b="0" dirty="0">
+              <a:solidFill>
+                <a:srgbClr val="657B83"/>
+              </a:solidFill>
+              <a:effectLst/>
+              <a:highlight>
+                <a:srgbClr val="FDF6E3"/>
+              </a:highlight>
+              <a:latin typeface="Consolas" panose="020B0609020204030204" pitchFamily="49" charset="0"/>
+            </a:endParaRPr>
+          </a:p>
+          <a:p>
+            <a:r>
+              <a:rPr lang="en-US" sz="900" b="0" i="1" dirty="0">
+                <a:solidFill>
+                  <a:srgbClr val="93A1A1"/>
+                </a:solidFill>
+                <a:effectLst/>
+                <a:highlight>
+                  <a:srgbClr val="FDF6E3"/>
+                </a:highlight>
+                <a:latin typeface="Consolas" panose="020B0609020204030204" pitchFamily="49" charset="0"/>
+              </a:rPr>
+              <a:t># </a:t>
+            </a:r>
+            <a:r>
+              <a:rPr lang="en-US" sz="900" b="0" i="1" dirty="0" err="1">
+                <a:solidFill>
+                  <a:srgbClr val="93A1A1"/>
+                </a:solidFill>
+                <a:effectLst/>
+                <a:highlight>
+                  <a:srgbClr val="FDF6E3"/>
+                </a:highlight>
+                <a:latin typeface="Consolas" panose="020B0609020204030204" pitchFamily="49" charset="0"/>
+              </a:rPr>
+              <a:t>Sprawdzenie</a:t>
+            </a:r>
+            <a:r>
+              <a:rPr lang="en-US" sz="900" b="0" i="1" dirty="0">
+                <a:solidFill>
+                  <a:srgbClr val="93A1A1"/>
+                </a:solidFill>
+                <a:effectLst/>
+                <a:highlight>
+                  <a:srgbClr val="FDF6E3"/>
+                </a:highlight>
+                <a:latin typeface="Consolas" panose="020B0609020204030204" pitchFamily="49" charset="0"/>
+              </a:rPr>
+              <a:t> </a:t>
+            </a:r>
+            <a:r>
+              <a:rPr lang="en-US" sz="900" b="0" i="1" dirty="0" err="1">
+                <a:solidFill>
+                  <a:srgbClr val="93A1A1"/>
+                </a:solidFill>
+                <a:effectLst/>
+                <a:highlight>
+                  <a:srgbClr val="FDF6E3"/>
+                </a:highlight>
+                <a:latin typeface="Consolas" panose="020B0609020204030204" pitchFamily="49" charset="0"/>
+              </a:rPr>
+              <a:t>kilku</a:t>
+            </a:r>
+            <a:r>
+              <a:rPr lang="en-US" sz="900" b="0" i="1" dirty="0">
+                <a:solidFill>
+                  <a:srgbClr val="93A1A1"/>
+                </a:solidFill>
+                <a:effectLst/>
+                <a:highlight>
+                  <a:srgbClr val="FDF6E3"/>
+                </a:highlight>
+                <a:latin typeface="Consolas" panose="020B0609020204030204" pitchFamily="49" charset="0"/>
+              </a:rPr>
+              <a:t> </a:t>
+            </a:r>
+            <a:r>
+              <a:rPr lang="en-US" sz="900" b="0" i="1" dirty="0" err="1">
+                <a:solidFill>
+                  <a:srgbClr val="93A1A1"/>
+                </a:solidFill>
+                <a:effectLst/>
+                <a:highlight>
+                  <a:srgbClr val="FDF6E3"/>
+                </a:highlight>
+                <a:latin typeface="Consolas" panose="020B0609020204030204" pitchFamily="49" charset="0"/>
+              </a:rPr>
+              <a:t>pierwszych</a:t>
+            </a:r>
+            <a:r>
+              <a:rPr lang="en-US" sz="900" b="0" i="1" dirty="0">
+                <a:solidFill>
+                  <a:srgbClr val="93A1A1"/>
+                </a:solidFill>
+                <a:effectLst/>
+                <a:highlight>
+                  <a:srgbClr val="FDF6E3"/>
+                </a:highlight>
+                <a:latin typeface="Consolas" panose="020B0609020204030204" pitchFamily="49" charset="0"/>
+              </a:rPr>
+              <a:t> </a:t>
+            </a:r>
+            <a:r>
+              <a:rPr lang="en-US" sz="900" b="0" i="1" dirty="0" err="1">
+                <a:solidFill>
+                  <a:srgbClr val="93A1A1"/>
+                </a:solidFill>
+                <a:effectLst/>
+                <a:highlight>
+                  <a:srgbClr val="FDF6E3"/>
+                </a:highlight>
+                <a:latin typeface="Consolas" panose="020B0609020204030204" pitchFamily="49" charset="0"/>
+              </a:rPr>
+              <a:t>rekordów</a:t>
+            </a:r>
+            <a:r>
+              <a:rPr lang="en-US" sz="900" b="0" i="1" dirty="0">
+                <a:solidFill>
+                  <a:srgbClr val="93A1A1"/>
+                </a:solidFill>
+                <a:effectLst/>
+                <a:highlight>
+                  <a:srgbClr val="FDF6E3"/>
+                </a:highlight>
+                <a:latin typeface="Consolas" panose="020B0609020204030204" pitchFamily="49" charset="0"/>
+              </a:rPr>
+              <a:t> z </a:t>
+            </a:r>
+            <a:r>
+              <a:rPr lang="en-US" sz="900" b="0" i="1" dirty="0" err="1">
+                <a:solidFill>
+                  <a:srgbClr val="93A1A1"/>
+                </a:solidFill>
+                <a:effectLst/>
+                <a:highlight>
+                  <a:srgbClr val="FDF6E3"/>
+                </a:highlight>
+                <a:latin typeface="Consolas" panose="020B0609020204030204" pitchFamily="49" charset="0"/>
+              </a:rPr>
+              <a:t>tabeli</a:t>
+            </a:r>
+            <a:r>
+              <a:rPr lang="en-US" sz="900" b="0" i="1" dirty="0">
+                <a:solidFill>
+                  <a:srgbClr val="93A1A1"/>
+                </a:solidFill>
+                <a:effectLst/>
+                <a:highlight>
+                  <a:srgbClr val="FDF6E3"/>
+                </a:highlight>
+                <a:latin typeface="Consolas" panose="020B0609020204030204" pitchFamily="49" charset="0"/>
+              </a:rPr>
+              <a:t> projekt_fotowoltaika_2024</a:t>
+            </a:r>
+            <a:endParaRPr lang="en-US" sz="900" b="0" dirty="0">
+              <a:solidFill>
+                <a:srgbClr val="657B83"/>
+              </a:solidFill>
+              <a:effectLst/>
+              <a:highlight>
+                <a:srgbClr val="FDF6E3"/>
+              </a:highlight>
+              <a:latin typeface="Consolas" panose="020B0609020204030204" pitchFamily="49" charset="0"/>
+            </a:endParaRPr>
+          </a:p>
+          <a:p>
+            <a:r>
+              <a:rPr lang="en-US" sz="900" b="0" dirty="0">
+                <a:solidFill>
+                  <a:srgbClr val="859900"/>
+                </a:solidFill>
+                <a:effectLst/>
+                <a:highlight>
+                  <a:srgbClr val="FDF6E3"/>
+                </a:highlight>
+                <a:latin typeface="Consolas" panose="020B0609020204030204" pitchFamily="49" charset="0"/>
+              </a:rPr>
+              <a:t>with</a:t>
+            </a:r>
+            <a:r>
+              <a:rPr lang="en-US" sz="900" b="0" dirty="0">
+                <a:solidFill>
+                  <a:srgbClr val="657B83"/>
+                </a:solidFill>
+                <a:effectLst/>
+                <a:highlight>
+                  <a:srgbClr val="FDF6E3"/>
+                </a:highlight>
+                <a:latin typeface="Consolas" panose="020B0609020204030204" pitchFamily="49" charset="0"/>
+              </a:rPr>
+              <a:t> </a:t>
+            </a:r>
+            <a:r>
+              <a:rPr lang="en-US" sz="900" b="0" dirty="0" err="1">
+                <a:solidFill>
+                  <a:srgbClr val="268BD2"/>
+                </a:solidFill>
+                <a:effectLst/>
+                <a:highlight>
+                  <a:srgbClr val="FDF6E3"/>
+                </a:highlight>
+                <a:latin typeface="Consolas" panose="020B0609020204030204" pitchFamily="49" charset="0"/>
+              </a:rPr>
+              <a:t>engine</a:t>
+            </a:r>
+            <a:r>
+              <a:rPr lang="en-US" sz="900" b="0" dirty="0" err="1">
+                <a:solidFill>
+                  <a:srgbClr val="657B83"/>
+                </a:solidFill>
+                <a:effectLst/>
+                <a:highlight>
+                  <a:srgbClr val="FDF6E3"/>
+                </a:highlight>
+                <a:latin typeface="Consolas" panose="020B0609020204030204" pitchFamily="49" charset="0"/>
+              </a:rPr>
+              <a:t>.</a:t>
+            </a:r>
+            <a:r>
+              <a:rPr lang="en-US" sz="900" b="0" dirty="0" err="1">
+                <a:solidFill>
+                  <a:srgbClr val="268BD2"/>
+                </a:solidFill>
+                <a:effectLst/>
+                <a:highlight>
+                  <a:srgbClr val="FDF6E3"/>
+                </a:highlight>
+                <a:latin typeface="Consolas" panose="020B0609020204030204" pitchFamily="49" charset="0"/>
+              </a:rPr>
+              <a:t>connect</a:t>
+            </a:r>
+            <a:r>
+              <a:rPr lang="en-US" sz="900" b="0" dirty="0">
+                <a:solidFill>
+                  <a:srgbClr val="657B83"/>
+                </a:solidFill>
+                <a:effectLst/>
+                <a:highlight>
+                  <a:srgbClr val="FDF6E3"/>
+                </a:highlight>
+                <a:latin typeface="Consolas" panose="020B0609020204030204" pitchFamily="49" charset="0"/>
+              </a:rPr>
+              <a:t>() </a:t>
+            </a:r>
+            <a:r>
+              <a:rPr lang="en-US" sz="900" b="0" dirty="0">
+                <a:solidFill>
+                  <a:srgbClr val="859900"/>
+                </a:solidFill>
+                <a:effectLst/>
+                <a:highlight>
+                  <a:srgbClr val="FDF6E3"/>
+                </a:highlight>
+                <a:latin typeface="Consolas" panose="020B0609020204030204" pitchFamily="49" charset="0"/>
+              </a:rPr>
+              <a:t>as</a:t>
+            </a:r>
+            <a:r>
+              <a:rPr lang="en-US" sz="900" b="0" dirty="0">
+                <a:solidFill>
+                  <a:srgbClr val="657B83"/>
+                </a:solidFill>
+                <a:effectLst/>
+                <a:highlight>
+                  <a:srgbClr val="FDF6E3"/>
+                </a:highlight>
+                <a:latin typeface="Consolas" panose="020B0609020204030204" pitchFamily="49" charset="0"/>
+              </a:rPr>
+              <a:t> </a:t>
+            </a:r>
+            <a:r>
+              <a:rPr lang="en-US" sz="900" b="0" dirty="0">
+                <a:solidFill>
+                  <a:srgbClr val="268BD2"/>
+                </a:solidFill>
+                <a:effectLst/>
+                <a:highlight>
+                  <a:srgbClr val="FDF6E3"/>
+                </a:highlight>
+                <a:latin typeface="Consolas" panose="020B0609020204030204" pitchFamily="49" charset="0"/>
+              </a:rPr>
+              <a:t>con</a:t>
+            </a:r>
+            <a:r>
+              <a:rPr lang="en-US" sz="900" b="0" dirty="0">
+                <a:solidFill>
+                  <a:srgbClr val="657B83"/>
+                </a:solidFill>
+                <a:effectLst/>
+                <a:highlight>
+                  <a:srgbClr val="FDF6E3"/>
+                </a:highlight>
+                <a:latin typeface="Consolas" panose="020B0609020204030204" pitchFamily="49" charset="0"/>
+              </a:rPr>
+              <a:t>:</a:t>
+            </a:r>
+          </a:p>
+          <a:p>
+            <a:r>
+              <a:rPr lang="en-US" sz="900" b="0" dirty="0">
+                <a:solidFill>
+                  <a:srgbClr val="657B83"/>
+                </a:solidFill>
+                <a:effectLst/>
+                <a:highlight>
+                  <a:srgbClr val="FDF6E3"/>
+                </a:highlight>
+                <a:latin typeface="Consolas" panose="020B0609020204030204" pitchFamily="49" charset="0"/>
+              </a:rPr>
+              <a:t>    </a:t>
+            </a:r>
+            <a:r>
+              <a:rPr lang="en-US" sz="900" b="0" i="1" dirty="0">
+                <a:solidFill>
+                  <a:srgbClr val="93A1A1"/>
+                </a:solidFill>
+                <a:effectLst/>
+                <a:highlight>
+                  <a:srgbClr val="FDF6E3"/>
+                </a:highlight>
+                <a:latin typeface="Consolas" panose="020B0609020204030204" pitchFamily="49" charset="0"/>
+              </a:rPr>
+              <a:t># </a:t>
+            </a:r>
+            <a:r>
+              <a:rPr lang="en-US" sz="900" b="0" i="1" dirty="0" err="1">
+                <a:solidFill>
+                  <a:srgbClr val="93A1A1"/>
+                </a:solidFill>
+                <a:effectLst/>
+                <a:highlight>
+                  <a:srgbClr val="FDF6E3"/>
+                </a:highlight>
+                <a:latin typeface="Consolas" panose="020B0609020204030204" pitchFamily="49" charset="0"/>
+              </a:rPr>
+              <a:t>Definiowanie</a:t>
+            </a:r>
+            <a:r>
+              <a:rPr lang="en-US" sz="900" b="0" i="1" dirty="0">
+                <a:solidFill>
+                  <a:srgbClr val="93A1A1"/>
+                </a:solidFill>
+                <a:effectLst/>
+                <a:highlight>
+                  <a:srgbClr val="FDF6E3"/>
+                </a:highlight>
+                <a:latin typeface="Consolas" panose="020B0609020204030204" pitchFamily="49" charset="0"/>
+              </a:rPr>
+              <a:t> </a:t>
+            </a:r>
+            <a:r>
+              <a:rPr lang="en-US" sz="900" b="0" i="1" dirty="0" err="1">
+                <a:solidFill>
+                  <a:srgbClr val="93A1A1"/>
+                </a:solidFill>
+                <a:effectLst/>
+                <a:highlight>
+                  <a:srgbClr val="FDF6E3"/>
+                </a:highlight>
+                <a:latin typeface="Consolas" panose="020B0609020204030204" pitchFamily="49" charset="0"/>
+              </a:rPr>
+              <a:t>zapytania</a:t>
+            </a:r>
+            <a:r>
+              <a:rPr lang="en-US" sz="900" b="0" i="1" dirty="0">
+                <a:solidFill>
+                  <a:srgbClr val="93A1A1"/>
+                </a:solidFill>
+                <a:effectLst/>
+                <a:highlight>
+                  <a:srgbClr val="FDF6E3"/>
+                </a:highlight>
+                <a:latin typeface="Consolas" panose="020B0609020204030204" pitchFamily="49" charset="0"/>
+              </a:rPr>
+              <a:t> SQL do </a:t>
+            </a:r>
+            <a:r>
+              <a:rPr lang="en-US" sz="900" b="0" i="1" dirty="0" err="1">
+                <a:solidFill>
+                  <a:srgbClr val="93A1A1"/>
+                </a:solidFill>
+                <a:effectLst/>
+                <a:highlight>
+                  <a:srgbClr val="FDF6E3"/>
+                </a:highlight>
+                <a:latin typeface="Consolas" panose="020B0609020204030204" pitchFamily="49" charset="0"/>
+              </a:rPr>
+              <a:t>pobrania</a:t>
+            </a:r>
+            <a:r>
+              <a:rPr lang="en-US" sz="900" b="0" i="1" dirty="0">
+                <a:solidFill>
+                  <a:srgbClr val="93A1A1"/>
+                </a:solidFill>
+                <a:effectLst/>
+                <a:highlight>
+                  <a:srgbClr val="FDF6E3"/>
+                </a:highlight>
+                <a:latin typeface="Consolas" panose="020B0609020204030204" pitchFamily="49" charset="0"/>
+              </a:rPr>
+              <a:t> </a:t>
+            </a:r>
+            <a:r>
+              <a:rPr lang="en-US" sz="900" b="0" i="1" dirty="0" err="1">
+                <a:solidFill>
+                  <a:srgbClr val="93A1A1"/>
+                </a:solidFill>
+                <a:effectLst/>
+                <a:highlight>
+                  <a:srgbClr val="FDF6E3"/>
+                </a:highlight>
+                <a:latin typeface="Consolas" panose="020B0609020204030204" pitchFamily="49" charset="0"/>
+              </a:rPr>
+              <a:t>pierwszych</a:t>
+            </a:r>
+            <a:r>
+              <a:rPr lang="en-US" sz="900" b="0" i="1" dirty="0">
+                <a:solidFill>
+                  <a:srgbClr val="93A1A1"/>
+                </a:solidFill>
+                <a:effectLst/>
+                <a:highlight>
+                  <a:srgbClr val="FDF6E3"/>
+                </a:highlight>
+                <a:latin typeface="Consolas" panose="020B0609020204030204" pitchFamily="49" charset="0"/>
+              </a:rPr>
+              <a:t> 5 </a:t>
+            </a:r>
+            <a:r>
+              <a:rPr lang="en-US" sz="900" b="0" i="1" dirty="0" err="1">
+                <a:solidFill>
+                  <a:srgbClr val="93A1A1"/>
+                </a:solidFill>
+                <a:effectLst/>
+                <a:highlight>
+                  <a:srgbClr val="FDF6E3"/>
+                </a:highlight>
+                <a:latin typeface="Consolas" panose="020B0609020204030204" pitchFamily="49" charset="0"/>
+              </a:rPr>
+              <a:t>rekordów</a:t>
+            </a:r>
+            <a:r>
+              <a:rPr lang="en-US" sz="900" b="0" i="1" dirty="0">
+                <a:solidFill>
+                  <a:srgbClr val="93A1A1"/>
+                </a:solidFill>
+                <a:effectLst/>
+                <a:highlight>
+                  <a:srgbClr val="FDF6E3"/>
+                </a:highlight>
+                <a:latin typeface="Consolas" panose="020B0609020204030204" pitchFamily="49" charset="0"/>
+              </a:rPr>
+              <a:t> z </a:t>
+            </a:r>
+            <a:r>
+              <a:rPr lang="en-US" sz="900" b="0" i="1" dirty="0" err="1">
+                <a:solidFill>
+                  <a:srgbClr val="93A1A1"/>
+                </a:solidFill>
+                <a:effectLst/>
+                <a:highlight>
+                  <a:srgbClr val="FDF6E3"/>
+                </a:highlight>
+                <a:latin typeface="Consolas" panose="020B0609020204030204" pitchFamily="49" charset="0"/>
+              </a:rPr>
+              <a:t>tabeli</a:t>
+            </a:r>
+            <a:endParaRPr lang="en-US" sz="900" b="0" dirty="0">
+              <a:solidFill>
+                <a:srgbClr val="657B83"/>
+              </a:solidFill>
+              <a:effectLst/>
+              <a:highlight>
+                <a:srgbClr val="FDF6E3"/>
+              </a:highlight>
+              <a:latin typeface="Consolas" panose="020B0609020204030204" pitchFamily="49" charset="0"/>
+            </a:endParaRPr>
+          </a:p>
+          <a:p>
+            <a:r>
+              <a:rPr lang="en-US" sz="900" b="0" dirty="0">
+                <a:solidFill>
+                  <a:srgbClr val="657B83"/>
+                </a:solidFill>
+                <a:effectLst/>
+                <a:highlight>
+                  <a:srgbClr val="FDF6E3"/>
+                </a:highlight>
+                <a:latin typeface="Consolas" panose="020B0609020204030204" pitchFamily="49" charset="0"/>
+              </a:rPr>
+              <a:t>    </a:t>
+            </a:r>
+            <a:r>
+              <a:rPr lang="en-US" sz="900" b="0" dirty="0">
+                <a:solidFill>
+                  <a:srgbClr val="268BD2"/>
+                </a:solidFill>
+                <a:effectLst/>
+                <a:highlight>
+                  <a:srgbClr val="FDF6E3"/>
+                </a:highlight>
+                <a:latin typeface="Consolas" panose="020B0609020204030204" pitchFamily="49" charset="0"/>
+              </a:rPr>
+              <a:t>query</a:t>
+            </a:r>
+            <a:r>
+              <a:rPr lang="en-US" sz="900" b="0" dirty="0">
+                <a:solidFill>
+                  <a:srgbClr val="657B83"/>
+                </a:solidFill>
+                <a:effectLst/>
+                <a:highlight>
+                  <a:srgbClr val="FDF6E3"/>
+                </a:highlight>
+                <a:latin typeface="Consolas" panose="020B0609020204030204" pitchFamily="49" charset="0"/>
+              </a:rPr>
+              <a:t> </a:t>
+            </a:r>
+            <a:r>
+              <a:rPr lang="en-US" sz="900" b="0" dirty="0">
+                <a:solidFill>
+                  <a:srgbClr val="859900"/>
+                </a:solidFill>
+                <a:effectLst/>
+                <a:highlight>
+                  <a:srgbClr val="FDF6E3"/>
+                </a:highlight>
+                <a:latin typeface="Consolas" panose="020B0609020204030204" pitchFamily="49" charset="0"/>
+              </a:rPr>
+              <a:t>=</a:t>
+            </a:r>
+            <a:r>
+              <a:rPr lang="en-US" sz="900" b="0" dirty="0">
+                <a:solidFill>
+                  <a:srgbClr val="657B83"/>
+                </a:solidFill>
+                <a:effectLst/>
+                <a:highlight>
+                  <a:srgbClr val="FDF6E3"/>
+                </a:highlight>
+                <a:latin typeface="Consolas" panose="020B0609020204030204" pitchFamily="49" charset="0"/>
+              </a:rPr>
+              <a:t> </a:t>
+            </a:r>
+            <a:r>
+              <a:rPr lang="en-US" sz="900" b="0" dirty="0">
+                <a:solidFill>
+                  <a:srgbClr val="268BD2"/>
+                </a:solidFill>
+                <a:effectLst/>
+                <a:highlight>
+                  <a:srgbClr val="FDF6E3"/>
+                </a:highlight>
+                <a:latin typeface="Consolas" panose="020B0609020204030204" pitchFamily="49" charset="0"/>
+              </a:rPr>
+              <a:t>text</a:t>
+            </a:r>
+            <a:r>
+              <a:rPr lang="en-US" sz="900" b="0" dirty="0">
+                <a:solidFill>
+                  <a:srgbClr val="657B83"/>
+                </a:solidFill>
+                <a:effectLst/>
+                <a:highlight>
+                  <a:srgbClr val="FDF6E3"/>
+                </a:highlight>
+                <a:latin typeface="Consolas" panose="020B0609020204030204" pitchFamily="49" charset="0"/>
+              </a:rPr>
+              <a:t>(</a:t>
+            </a:r>
+            <a:r>
+              <a:rPr lang="en-US" sz="900" b="0" dirty="0">
+                <a:solidFill>
+                  <a:srgbClr val="2AA198"/>
+                </a:solidFill>
+                <a:effectLst/>
+                <a:highlight>
+                  <a:srgbClr val="FDF6E3"/>
+                </a:highlight>
+                <a:latin typeface="Consolas" panose="020B0609020204030204" pitchFamily="49" charset="0"/>
+              </a:rPr>
+              <a:t>"SELECT * FROM projekt_fotowoltaika_2024 LIMIT 5;"</a:t>
+            </a:r>
+            <a:r>
+              <a:rPr lang="en-US" sz="900" b="0" dirty="0">
+                <a:solidFill>
+                  <a:srgbClr val="657B83"/>
+                </a:solidFill>
+                <a:effectLst/>
+                <a:highlight>
+                  <a:srgbClr val="FDF6E3"/>
+                </a:highlight>
+                <a:latin typeface="Consolas" panose="020B0609020204030204" pitchFamily="49" charset="0"/>
+              </a:rPr>
+              <a:t>)</a:t>
+            </a:r>
+          </a:p>
+          <a:p>
+            <a:r>
+              <a:rPr lang="en-US" sz="900" b="0" dirty="0">
+                <a:solidFill>
+                  <a:srgbClr val="657B83"/>
+                </a:solidFill>
+                <a:effectLst/>
+                <a:highlight>
+                  <a:srgbClr val="FDF6E3"/>
+                </a:highlight>
+                <a:latin typeface="Consolas" panose="020B0609020204030204" pitchFamily="49" charset="0"/>
+              </a:rPr>
+              <a:t>    </a:t>
+            </a:r>
+            <a:r>
+              <a:rPr lang="en-US" sz="900" b="0" i="1" dirty="0">
+                <a:solidFill>
+                  <a:srgbClr val="93A1A1"/>
+                </a:solidFill>
+                <a:effectLst/>
+                <a:highlight>
+                  <a:srgbClr val="FDF6E3"/>
+                </a:highlight>
+                <a:latin typeface="Consolas" panose="020B0609020204030204" pitchFamily="49" charset="0"/>
+              </a:rPr>
+              <a:t># </a:t>
+            </a:r>
+            <a:r>
+              <a:rPr lang="en-US" sz="900" b="0" i="1" dirty="0" err="1">
+                <a:solidFill>
+                  <a:srgbClr val="93A1A1"/>
+                </a:solidFill>
+                <a:effectLst/>
+                <a:highlight>
+                  <a:srgbClr val="FDF6E3"/>
+                </a:highlight>
+                <a:latin typeface="Consolas" panose="020B0609020204030204" pitchFamily="49" charset="0"/>
+              </a:rPr>
+              <a:t>Wykonanie</a:t>
+            </a:r>
+            <a:r>
+              <a:rPr lang="en-US" sz="900" b="0" i="1" dirty="0">
+                <a:solidFill>
+                  <a:srgbClr val="93A1A1"/>
+                </a:solidFill>
+                <a:effectLst/>
+                <a:highlight>
+                  <a:srgbClr val="FDF6E3"/>
+                </a:highlight>
+                <a:latin typeface="Consolas" panose="020B0609020204030204" pitchFamily="49" charset="0"/>
+              </a:rPr>
+              <a:t> </a:t>
+            </a:r>
+            <a:r>
+              <a:rPr lang="en-US" sz="900" b="0" i="1" dirty="0" err="1">
+                <a:solidFill>
+                  <a:srgbClr val="93A1A1"/>
+                </a:solidFill>
+                <a:effectLst/>
+                <a:highlight>
+                  <a:srgbClr val="FDF6E3"/>
+                </a:highlight>
+                <a:latin typeface="Consolas" panose="020B0609020204030204" pitchFamily="49" charset="0"/>
+              </a:rPr>
+              <a:t>zapytania</a:t>
+            </a:r>
+            <a:r>
+              <a:rPr lang="en-US" sz="900" b="0" i="1" dirty="0">
+                <a:solidFill>
+                  <a:srgbClr val="93A1A1"/>
+                </a:solidFill>
+                <a:effectLst/>
+                <a:highlight>
+                  <a:srgbClr val="FDF6E3"/>
+                </a:highlight>
+                <a:latin typeface="Consolas" panose="020B0609020204030204" pitchFamily="49" charset="0"/>
+              </a:rPr>
+              <a:t> </a:t>
+            </a:r>
+            <a:r>
+              <a:rPr lang="en-US" sz="900" b="0" i="1" dirty="0" err="1">
+                <a:solidFill>
+                  <a:srgbClr val="93A1A1"/>
+                </a:solidFill>
+                <a:effectLst/>
+                <a:highlight>
+                  <a:srgbClr val="FDF6E3"/>
+                </a:highlight>
+                <a:latin typeface="Consolas" panose="020B0609020204030204" pitchFamily="49" charset="0"/>
+              </a:rPr>
+              <a:t>i</a:t>
+            </a:r>
+            <a:r>
+              <a:rPr lang="en-US" sz="900" b="0" i="1" dirty="0">
+                <a:solidFill>
+                  <a:srgbClr val="93A1A1"/>
+                </a:solidFill>
+                <a:effectLst/>
+                <a:highlight>
+                  <a:srgbClr val="FDF6E3"/>
+                </a:highlight>
+                <a:latin typeface="Consolas" panose="020B0609020204030204" pitchFamily="49" charset="0"/>
+              </a:rPr>
+              <a:t> </a:t>
+            </a:r>
+            <a:r>
+              <a:rPr lang="en-US" sz="900" b="0" i="1" dirty="0" err="1">
+                <a:solidFill>
+                  <a:srgbClr val="93A1A1"/>
+                </a:solidFill>
+                <a:effectLst/>
+                <a:highlight>
+                  <a:srgbClr val="FDF6E3"/>
+                </a:highlight>
+                <a:latin typeface="Consolas" panose="020B0609020204030204" pitchFamily="49" charset="0"/>
+              </a:rPr>
+              <a:t>załadowanie</a:t>
+            </a:r>
+            <a:r>
+              <a:rPr lang="en-US" sz="900" b="0" i="1" dirty="0">
+                <a:solidFill>
+                  <a:srgbClr val="93A1A1"/>
+                </a:solidFill>
+                <a:effectLst/>
+                <a:highlight>
+                  <a:srgbClr val="FDF6E3"/>
+                </a:highlight>
+                <a:latin typeface="Consolas" panose="020B0609020204030204" pitchFamily="49" charset="0"/>
+              </a:rPr>
+              <a:t> </a:t>
+            </a:r>
+            <a:r>
+              <a:rPr lang="en-US" sz="900" b="0" i="1" dirty="0" err="1">
+                <a:solidFill>
+                  <a:srgbClr val="93A1A1"/>
+                </a:solidFill>
+                <a:effectLst/>
+                <a:highlight>
+                  <a:srgbClr val="FDF6E3"/>
+                </a:highlight>
+                <a:latin typeface="Consolas" panose="020B0609020204030204" pitchFamily="49" charset="0"/>
+              </a:rPr>
+              <a:t>wyników</a:t>
+            </a:r>
+            <a:r>
+              <a:rPr lang="en-US" sz="900" b="0" i="1" dirty="0">
+                <a:solidFill>
+                  <a:srgbClr val="93A1A1"/>
+                </a:solidFill>
+                <a:effectLst/>
+                <a:highlight>
+                  <a:srgbClr val="FDF6E3"/>
+                </a:highlight>
+                <a:latin typeface="Consolas" panose="020B0609020204030204" pitchFamily="49" charset="0"/>
+              </a:rPr>
+              <a:t> do </a:t>
+            </a:r>
+            <a:r>
+              <a:rPr lang="en-US" sz="900" b="0" i="1" dirty="0" err="1">
+                <a:solidFill>
+                  <a:srgbClr val="93A1A1"/>
+                </a:solidFill>
+                <a:effectLst/>
+                <a:highlight>
+                  <a:srgbClr val="FDF6E3"/>
+                </a:highlight>
+                <a:latin typeface="Consolas" panose="020B0609020204030204" pitchFamily="49" charset="0"/>
+              </a:rPr>
+              <a:t>DataFrame</a:t>
+            </a:r>
+            <a:endParaRPr lang="en-US" sz="900" b="0" dirty="0">
+              <a:solidFill>
+                <a:srgbClr val="657B83"/>
+              </a:solidFill>
+              <a:effectLst/>
+              <a:highlight>
+                <a:srgbClr val="FDF6E3"/>
+              </a:highlight>
+              <a:latin typeface="Consolas" panose="020B0609020204030204" pitchFamily="49" charset="0"/>
+            </a:endParaRPr>
+          </a:p>
+          <a:p>
+            <a:r>
+              <a:rPr lang="en-US" sz="900" b="0" dirty="0">
+                <a:solidFill>
+                  <a:srgbClr val="657B83"/>
+                </a:solidFill>
+                <a:effectLst/>
+                <a:highlight>
+                  <a:srgbClr val="FDF6E3"/>
+                </a:highlight>
+                <a:latin typeface="Consolas" panose="020B0609020204030204" pitchFamily="49" charset="0"/>
+              </a:rPr>
+              <a:t>    </a:t>
+            </a:r>
+            <a:r>
+              <a:rPr lang="en-US" sz="900" b="0" dirty="0" err="1">
+                <a:solidFill>
+                  <a:srgbClr val="268BD2"/>
+                </a:solidFill>
+                <a:effectLst/>
+                <a:highlight>
+                  <a:srgbClr val="FDF6E3"/>
+                </a:highlight>
+                <a:latin typeface="Consolas" panose="020B0609020204030204" pitchFamily="49" charset="0"/>
+              </a:rPr>
+              <a:t>example_data</a:t>
+            </a:r>
+            <a:r>
+              <a:rPr lang="en-US" sz="900" b="0" dirty="0">
+                <a:solidFill>
+                  <a:srgbClr val="657B83"/>
+                </a:solidFill>
+                <a:effectLst/>
+                <a:highlight>
+                  <a:srgbClr val="FDF6E3"/>
+                </a:highlight>
+                <a:latin typeface="Consolas" panose="020B0609020204030204" pitchFamily="49" charset="0"/>
+              </a:rPr>
+              <a:t> </a:t>
+            </a:r>
+            <a:r>
+              <a:rPr lang="en-US" sz="900" b="0" dirty="0">
+                <a:solidFill>
+                  <a:srgbClr val="859900"/>
+                </a:solidFill>
+                <a:effectLst/>
+                <a:highlight>
+                  <a:srgbClr val="FDF6E3"/>
+                </a:highlight>
+                <a:latin typeface="Consolas" panose="020B0609020204030204" pitchFamily="49" charset="0"/>
+              </a:rPr>
+              <a:t>=</a:t>
+            </a:r>
+            <a:r>
+              <a:rPr lang="en-US" sz="900" b="0" dirty="0">
+                <a:solidFill>
+                  <a:srgbClr val="657B83"/>
+                </a:solidFill>
+                <a:effectLst/>
+                <a:highlight>
+                  <a:srgbClr val="FDF6E3"/>
+                </a:highlight>
+                <a:latin typeface="Consolas" panose="020B0609020204030204" pitchFamily="49" charset="0"/>
+              </a:rPr>
+              <a:t> </a:t>
+            </a:r>
+            <a:r>
+              <a:rPr lang="en-US" sz="900" b="0" dirty="0" err="1">
+                <a:solidFill>
+                  <a:srgbClr val="CB4B16"/>
+                </a:solidFill>
+                <a:effectLst/>
+                <a:highlight>
+                  <a:srgbClr val="FDF6E3"/>
+                </a:highlight>
+                <a:latin typeface="Consolas" panose="020B0609020204030204" pitchFamily="49" charset="0"/>
+              </a:rPr>
+              <a:t>pd</a:t>
+            </a:r>
+            <a:r>
+              <a:rPr lang="en-US" sz="900" b="0" dirty="0" err="1">
+                <a:solidFill>
+                  <a:srgbClr val="657B83"/>
+                </a:solidFill>
+                <a:effectLst/>
+                <a:highlight>
+                  <a:srgbClr val="FDF6E3"/>
+                </a:highlight>
+                <a:latin typeface="Consolas" panose="020B0609020204030204" pitchFamily="49" charset="0"/>
+              </a:rPr>
+              <a:t>.</a:t>
+            </a:r>
+            <a:r>
+              <a:rPr lang="en-US" sz="900" b="0" dirty="0" err="1">
+                <a:solidFill>
+                  <a:srgbClr val="268BD2"/>
+                </a:solidFill>
+                <a:effectLst/>
+                <a:highlight>
+                  <a:srgbClr val="FDF6E3"/>
+                </a:highlight>
+                <a:latin typeface="Consolas" panose="020B0609020204030204" pitchFamily="49" charset="0"/>
+              </a:rPr>
+              <a:t>read_sql</a:t>
+            </a:r>
+            <a:r>
+              <a:rPr lang="en-US" sz="900" b="0" dirty="0">
+                <a:solidFill>
+                  <a:srgbClr val="657B83"/>
+                </a:solidFill>
+                <a:effectLst/>
+                <a:highlight>
+                  <a:srgbClr val="FDF6E3"/>
+                </a:highlight>
+                <a:latin typeface="Consolas" panose="020B0609020204030204" pitchFamily="49" charset="0"/>
+              </a:rPr>
+              <a:t>(</a:t>
+            </a:r>
+            <a:r>
+              <a:rPr lang="en-US" sz="900" b="0" dirty="0">
+                <a:solidFill>
+                  <a:srgbClr val="268BD2"/>
+                </a:solidFill>
+                <a:effectLst/>
+                <a:highlight>
+                  <a:srgbClr val="FDF6E3"/>
+                </a:highlight>
+                <a:latin typeface="Consolas" panose="020B0609020204030204" pitchFamily="49" charset="0"/>
+              </a:rPr>
+              <a:t>query</a:t>
+            </a:r>
+            <a:r>
+              <a:rPr lang="en-US" sz="900" b="0" dirty="0">
+                <a:solidFill>
+                  <a:srgbClr val="657B83"/>
+                </a:solidFill>
+                <a:effectLst/>
+                <a:highlight>
+                  <a:srgbClr val="FDF6E3"/>
+                </a:highlight>
+                <a:latin typeface="Consolas" panose="020B0609020204030204" pitchFamily="49" charset="0"/>
+              </a:rPr>
+              <a:t>, </a:t>
+            </a:r>
+            <a:r>
+              <a:rPr lang="en-US" sz="900" b="0" dirty="0">
+                <a:solidFill>
+                  <a:srgbClr val="268BD2"/>
+                </a:solidFill>
+                <a:effectLst/>
+                <a:highlight>
+                  <a:srgbClr val="FDF6E3"/>
+                </a:highlight>
+                <a:latin typeface="Consolas" panose="020B0609020204030204" pitchFamily="49" charset="0"/>
+              </a:rPr>
+              <a:t>con</a:t>
+            </a:r>
+            <a:r>
+              <a:rPr lang="en-US" sz="900" b="0" dirty="0">
+                <a:solidFill>
+                  <a:srgbClr val="657B83"/>
+                </a:solidFill>
+                <a:effectLst/>
+                <a:highlight>
+                  <a:srgbClr val="FDF6E3"/>
+                </a:highlight>
+                <a:latin typeface="Consolas" panose="020B0609020204030204" pitchFamily="49" charset="0"/>
+              </a:rPr>
+              <a:t>)</a:t>
+            </a:r>
+          </a:p>
+          <a:p>
+            <a:endParaRPr lang="en-US" sz="900" b="0" dirty="0">
+              <a:solidFill>
+                <a:srgbClr val="657B83"/>
+              </a:solidFill>
+              <a:effectLst/>
+              <a:highlight>
+                <a:srgbClr val="FDF6E3"/>
+              </a:highlight>
+              <a:latin typeface="Consolas" panose="020B0609020204030204" pitchFamily="49" charset="0"/>
+            </a:endParaRPr>
+          </a:p>
+          <a:p>
+            <a:r>
+              <a:rPr lang="en-US" sz="900" b="0" i="1" dirty="0">
+                <a:solidFill>
+                  <a:srgbClr val="93A1A1"/>
+                </a:solidFill>
+                <a:effectLst/>
+                <a:highlight>
+                  <a:srgbClr val="FDF6E3"/>
+                </a:highlight>
+                <a:latin typeface="Consolas" panose="020B0609020204030204" pitchFamily="49" charset="0"/>
+              </a:rPr>
+              <a:t># </a:t>
+            </a:r>
+            <a:r>
+              <a:rPr lang="en-US" sz="900" b="0" i="1" dirty="0" err="1">
+                <a:solidFill>
+                  <a:srgbClr val="93A1A1"/>
+                </a:solidFill>
+                <a:effectLst/>
+                <a:highlight>
+                  <a:srgbClr val="FDF6E3"/>
+                </a:highlight>
+                <a:latin typeface="Consolas" panose="020B0609020204030204" pitchFamily="49" charset="0"/>
+              </a:rPr>
+              <a:t>Wyświetlenie</a:t>
+            </a:r>
+            <a:r>
+              <a:rPr lang="en-US" sz="900" b="0" i="1" dirty="0">
+                <a:solidFill>
+                  <a:srgbClr val="93A1A1"/>
+                </a:solidFill>
+                <a:effectLst/>
+                <a:highlight>
+                  <a:srgbClr val="FDF6E3"/>
+                </a:highlight>
+                <a:latin typeface="Consolas" panose="020B0609020204030204" pitchFamily="49" charset="0"/>
+              </a:rPr>
+              <a:t> </a:t>
+            </a:r>
+            <a:r>
+              <a:rPr lang="en-US" sz="900" b="0" i="1" dirty="0" err="1">
+                <a:solidFill>
+                  <a:srgbClr val="93A1A1"/>
+                </a:solidFill>
+                <a:effectLst/>
+                <a:highlight>
+                  <a:srgbClr val="FDF6E3"/>
+                </a:highlight>
+                <a:latin typeface="Consolas" panose="020B0609020204030204" pitchFamily="49" charset="0"/>
+              </a:rPr>
+              <a:t>pierwszych</a:t>
+            </a:r>
+            <a:r>
+              <a:rPr lang="en-US" sz="900" b="0" i="1" dirty="0">
+                <a:solidFill>
+                  <a:srgbClr val="93A1A1"/>
+                </a:solidFill>
+                <a:effectLst/>
+                <a:highlight>
+                  <a:srgbClr val="FDF6E3"/>
+                </a:highlight>
+                <a:latin typeface="Consolas" panose="020B0609020204030204" pitchFamily="49" charset="0"/>
+              </a:rPr>
+              <a:t> </a:t>
+            </a:r>
+            <a:r>
+              <a:rPr lang="en-US" sz="900" b="0" i="1" dirty="0" err="1">
+                <a:solidFill>
+                  <a:srgbClr val="93A1A1"/>
+                </a:solidFill>
+                <a:effectLst/>
+                <a:highlight>
+                  <a:srgbClr val="FDF6E3"/>
+                </a:highlight>
+                <a:latin typeface="Consolas" panose="020B0609020204030204" pitchFamily="49" charset="0"/>
+              </a:rPr>
+              <a:t>rekordów</a:t>
+            </a:r>
+            <a:r>
+              <a:rPr lang="en-US" sz="900" b="0" i="1" dirty="0">
+                <a:solidFill>
+                  <a:srgbClr val="93A1A1"/>
+                </a:solidFill>
+                <a:effectLst/>
+                <a:highlight>
+                  <a:srgbClr val="FDF6E3"/>
+                </a:highlight>
+                <a:latin typeface="Consolas" panose="020B0609020204030204" pitchFamily="49" charset="0"/>
+              </a:rPr>
+              <a:t> w </a:t>
+            </a:r>
+            <a:r>
+              <a:rPr lang="en-US" sz="900" b="0" i="1" dirty="0" err="1">
+                <a:solidFill>
+                  <a:srgbClr val="93A1A1"/>
+                </a:solidFill>
+                <a:effectLst/>
+                <a:highlight>
+                  <a:srgbClr val="FDF6E3"/>
+                </a:highlight>
+                <a:latin typeface="Consolas" panose="020B0609020204030204" pitchFamily="49" charset="0"/>
+              </a:rPr>
+              <a:t>tabeli</a:t>
+            </a:r>
+            <a:r>
+              <a:rPr lang="en-US" sz="900" b="0" i="1" dirty="0">
+                <a:solidFill>
+                  <a:srgbClr val="93A1A1"/>
+                </a:solidFill>
+                <a:effectLst/>
+                <a:highlight>
+                  <a:srgbClr val="FDF6E3"/>
+                </a:highlight>
+                <a:latin typeface="Consolas" panose="020B0609020204030204" pitchFamily="49" charset="0"/>
+              </a:rPr>
+              <a:t> projekt_fotowoltaika_2024</a:t>
+            </a:r>
+            <a:endParaRPr lang="en-US" sz="900" b="0" dirty="0">
+              <a:solidFill>
+                <a:srgbClr val="657B83"/>
+              </a:solidFill>
+              <a:effectLst/>
+              <a:highlight>
+                <a:srgbClr val="FDF6E3"/>
+              </a:highlight>
+              <a:latin typeface="Consolas" panose="020B0609020204030204" pitchFamily="49" charset="0"/>
+            </a:endParaRPr>
+          </a:p>
+          <a:p>
+            <a:r>
+              <a:rPr lang="en-US" sz="900" b="0" dirty="0">
+                <a:solidFill>
+                  <a:srgbClr val="268BD2"/>
+                </a:solidFill>
+                <a:effectLst/>
+                <a:highlight>
+                  <a:srgbClr val="FDF6E3"/>
+                </a:highlight>
+                <a:latin typeface="Consolas" panose="020B0609020204030204" pitchFamily="49" charset="0"/>
+              </a:rPr>
+              <a:t>print</a:t>
+            </a:r>
+            <a:r>
+              <a:rPr lang="en-US" sz="900" b="0" dirty="0">
+                <a:solidFill>
+                  <a:srgbClr val="657B83"/>
+                </a:solidFill>
+                <a:effectLst/>
+                <a:highlight>
+                  <a:srgbClr val="FDF6E3"/>
+                </a:highlight>
+                <a:latin typeface="Consolas" panose="020B0609020204030204" pitchFamily="49" charset="0"/>
+              </a:rPr>
+              <a:t>(</a:t>
+            </a:r>
+            <a:r>
+              <a:rPr lang="en-US" sz="900" b="0" dirty="0">
+                <a:solidFill>
+                  <a:srgbClr val="2AA198"/>
+                </a:solidFill>
+                <a:effectLst/>
+                <a:highlight>
+                  <a:srgbClr val="FDF6E3"/>
+                </a:highlight>
+                <a:latin typeface="Consolas" panose="020B0609020204030204" pitchFamily="49" charset="0"/>
+              </a:rPr>
+              <a:t>'</a:t>
+            </a:r>
+            <a:r>
+              <a:rPr lang="en-US" sz="900" b="0" dirty="0" err="1">
+                <a:solidFill>
+                  <a:srgbClr val="2AA198"/>
+                </a:solidFill>
+                <a:effectLst/>
+                <a:highlight>
+                  <a:srgbClr val="FDF6E3"/>
+                </a:highlight>
+                <a:latin typeface="Consolas" panose="020B0609020204030204" pitchFamily="49" charset="0"/>
+              </a:rPr>
+              <a:t>Pierwsze</a:t>
+            </a:r>
+            <a:r>
+              <a:rPr lang="en-US" sz="900" b="0" dirty="0">
+                <a:solidFill>
+                  <a:srgbClr val="2AA198"/>
+                </a:solidFill>
+                <a:effectLst/>
+                <a:highlight>
+                  <a:srgbClr val="FDF6E3"/>
+                </a:highlight>
+                <a:latin typeface="Consolas" panose="020B0609020204030204" pitchFamily="49" charset="0"/>
+              </a:rPr>
+              <a:t> </a:t>
+            </a:r>
+            <a:r>
+              <a:rPr lang="en-US" sz="900" b="0" dirty="0" err="1">
+                <a:solidFill>
+                  <a:srgbClr val="2AA198"/>
+                </a:solidFill>
+                <a:effectLst/>
+                <a:highlight>
+                  <a:srgbClr val="FDF6E3"/>
+                </a:highlight>
+                <a:latin typeface="Consolas" panose="020B0609020204030204" pitchFamily="49" charset="0"/>
+              </a:rPr>
+              <a:t>rekordy</a:t>
+            </a:r>
+            <a:r>
+              <a:rPr lang="en-US" sz="900" b="0" dirty="0">
+                <a:solidFill>
+                  <a:srgbClr val="2AA198"/>
+                </a:solidFill>
+                <a:effectLst/>
+                <a:highlight>
+                  <a:srgbClr val="FDF6E3"/>
+                </a:highlight>
+                <a:latin typeface="Consolas" panose="020B0609020204030204" pitchFamily="49" charset="0"/>
+              </a:rPr>
+              <a:t> w </a:t>
+            </a:r>
+            <a:r>
+              <a:rPr lang="en-US" sz="900" b="0" dirty="0" err="1">
+                <a:solidFill>
+                  <a:srgbClr val="2AA198"/>
+                </a:solidFill>
+                <a:effectLst/>
+                <a:highlight>
+                  <a:srgbClr val="FDF6E3"/>
+                </a:highlight>
+                <a:latin typeface="Consolas" panose="020B0609020204030204" pitchFamily="49" charset="0"/>
+              </a:rPr>
+              <a:t>tabeli</a:t>
+            </a:r>
+            <a:r>
+              <a:rPr lang="en-US" sz="900" b="0" dirty="0">
+                <a:solidFill>
+                  <a:srgbClr val="2AA198"/>
+                </a:solidFill>
+                <a:effectLst/>
+                <a:highlight>
+                  <a:srgbClr val="FDF6E3"/>
+                </a:highlight>
+                <a:latin typeface="Consolas" panose="020B0609020204030204" pitchFamily="49" charset="0"/>
+              </a:rPr>
+              <a:t> projekt_fotowoltaika_2024:'</a:t>
+            </a:r>
+            <a:r>
+              <a:rPr lang="en-US" sz="900" b="0" dirty="0">
+                <a:solidFill>
+                  <a:srgbClr val="657B83"/>
+                </a:solidFill>
+                <a:effectLst/>
+                <a:highlight>
+                  <a:srgbClr val="FDF6E3"/>
+                </a:highlight>
+                <a:latin typeface="Consolas" panose="020B0609020204030204" pitchFamily="49" charset="0"/>
+              </a:rPr>
+              <a:t>)</a:t>
+            </a:r>
+          </a:p>
+          <a:p>
+            <a:r>
+              <a:rPr lang="en-US" sz="900" b="0" dirty="0">
+                <a:solidFill>
+                  <a:srgbClr val="268BD2"/>
+                </a:solidFill>
+                <a:effectLst/>
+                <a:highlight>
+                  <a:srgbClr val="FDF6E3"/>
+                </a:highlight>
+                <a:latin typeface="Consolas" panose="020B0609020204030204" pitchFamily="49" charset="0"/>
+              </a:rPr>
+              <a:t>print</a:t>
+            </a:r>
+            <a:r>
+              <a:rPr lang="en-US" sz="900" b="0" dirty="0">
+                <a:solidFill>
+                  <a:srgbClr val="657B83"/>
+                </a:solidFill>
+                <a:effectLst/>
+                <a:highlight>
+                  <a:srgbClr val="FDF6E3"/>
+                </a:highlight>
+                <a:latin typeface="Consolas" panose="020B0609020204030204" pitchFamily="49" charset="0"/>
+              </a:rPr>
+              <a:t>(</a:t>
+            </a:r>
+            <a:r>
+              <a:rPr lang="en-US" sz="900" b="0" dirty="0" err="1">
+                <a:solidFill>
+                  <a:srgbClr val="268BD2"/>
+                </a:solidFill>
+                <a:effectLst/>
+                <a:highlight>
+                  <a:srgbClr val="FDF6E3"/>
+                </a:highlight>
+                <a:latin typeface="Consolas" panose="020B0609020204030204" pitchFamily="49" charset="0"/>
+              </a:rPr>
+              <a:t>example_data</a:t>
+            </a:r>
+            <a:r>
+              <a:rPr lang="en-US" sz="900" b="0" dirty="0">
+                <a:solidFill>
+                  <a:srgbClr val="657B83"/>
+                </a:solidFill>
+                <a:effectLst/>
+                <a:highlight>
+                  <a:srgbClr val="FDF6E3"/>
+                </a:highlight>
+                <a:latin typeface="Consolas" panose="020B0609020204030204" pitchFamily="49" charset="0"/>
+              </a:rPr>
+              <a:t>)</a:t>
+            </a:r>
           </a:p>
         </p:txBody>
       </p:sp>
@@ -36633,6 +39580,26 @@
 </file>
 
 <file path=customXml/item1.xml><?xml version="1.0" encoding="utf-8"?>
+<?mso-contentType ?>
+<FormTemplates xmlns="http://schemas.microsoft.com/sharepoint/v3/contenttype/forms">
+  <Display>DocumentLibraryForm</Display>
+  <Edit>DocumentLibraryForm</Edit>
+  <New>DocumentLibraryForm</New>
+</FormTemplates>
+</file>
+
+<file path=customXml/item2.xml><?xml version="1.0" encoding="utf-8"?>
+<p:properties xmlns:p="http://schemas.microsoft.com/office/2006/metadata/properties" xmlns:xsi="http://www.w3.org/2001/XMLSchema-instance" xmlns:pc="http://schemas.microsoft.com/office/infopath/2007/PartnerControls">
+  <documentManagement>
+    <TaxCatchAll xmlns="f1dfd687-ce92-41e8-800b-11e03cd3205f" xsi:nil="true"/>
+    <lcf76f155ced4ddcb4097134ff3c332f xmlns="cc32ea10-24d7-4ab8-908a-92053f695cd3">
+      <Terms xmlns="http://schemas.microsoft.com/office/infopath/2007/PartnerControls"/>
+    </lcf76f155ced4ddcb4097134ff3c332f>
+  </documentManagement>
+</p:properties>
+</file>
+
+<file path=customXml/item3.xml><?xml version="1.0" encoding="utf-8"?>
 <ct:contentTypeSchema xmlns:ct="http://schemas.microsoft.com/office/2006/metadata/contentType" xmlns:ma="http://schemas.microsoft.com/office/2006/metadata/properties/metaAttributes" ct:_="" ma:_="" ma:contentTypeName="Dokument" ma:contentTypeID="0x010100C4838B074BD1B64DBED77476FBBDC7EA" ma:contentTypeVersion="17" ma:contentTypeDescription="Utwórz nowy dokument." ma:contentTypeScope="" ma:versionID="cbf6b59ea7392e6dbe586db489f913d4">
   <xsd:schema xmlns:xsd="http://www.w3.org/2001/XMLSchema" xmlns:xs="http://www.w3.org/2001/XMLSchema" xmlns:p="http://schemas.microsoft.com/office/2006/metadata/properties" xmlns:ns2="cc32ea10-24d7-4ab8-908a-92053f695cd3" xmlns:ns3="f1dfd687-ce92-41e8-800b-11e03cd3205f" targetNamespace="http://schemas.microsoft.com/office/2006/metadata/properties" ma:root="true" ma:fieldsID="e5692fda7e188aff76fcb9dc144534c7" ns2:_="" ns3:_="">
     <xsd:import namespace="cc32ea10-24d7-4ab8-908a-92053f695cd3"/>
@@ -36881,41 +39848,10 @@
 </ct:contentTypeSchema>
 </file>
 
-<file path=customXml/item2.xml><?xml version="1.0" encoding="utf-8"?>
-<p:properties xmlns:p="http://schemas.microsoft.com/office/2006/metadata/properties" xmlns:xsi="http://www.w3.org/2001/XMLSchema-instance" xmlns:pc="http://schemas.microsoft.com/office/infopath/2007/PartnerControls">
-  <documentManagement>
-    <TaxCatchAll xmlns="f1dfd687-ce92-41e8-800b-11e03cd3205f" xsi:nil="true"/>
-    <lcf76f155ced4ddcb4097134ff3c332f xmlns="cc32ea10-24d7-4ab8-908a-92053f695cd3">
-      <Terms xmlns="http://schemas.microsoft.com/office/infopath/2007/PartnerControls"/>
-    </lcf76f155ced4ddcb4097134ff3c332f>
-  </documentManagement>
-</p:properties>
-</file>
-
-<file path=customXml/item3.xml><?xml version="1.0" encoding="utf-8"?>
-<?mso-contentType ?>
-<FormTemplates xmlns="http://schemas.microsoft.com/sharepoint/v3/contenttype/forms">
-  <Display>DocumentLibraryForm</Display>
-  <Edit>DocumentLibraryForm</Edit>
-  <New>DocumentLibraryForm</New>
-</FormTemplates>
-</file>
-
 <file path=customXml/itemProps1.xml><?xml version="1.0" encoding="utf-8"?>
-<ds:datastoreItem xmlns:ds="http://schemas.openxmlformats.org/officeDocument/2006/customXml" ds:itemID="{546D4109-F318-4341-81BE-A5CA2C3F0C29}">
+<ds:datastoreItem xmlns:ds="http://schemas.openxmlformats.org/officeDocument/2006/customXml" ds:itemID="{E3C0B90A-C52C-44A3-8B28-1EFDD964602C}">
   <ds:schemaRefs>
-    <ds:schemaRef ds:uri="http://schemas.microsoft.com/office/2006/metadata/contentType"/>
-    <ds:schemaRef ds:uri="http://schemas.microsoft.com/office/2006/metadata/properties/metaAttributes"/>
-    <ds:schemaRef ds:uri="http://www.w3.org/2001/XMLSchema"/>
-    <ds:schemaRef ds:uri="http://schemas.microsoft.com/office/2006/metadata/properties"/>
-    <ds:schemaRef ds:uri="cc32ea10-24d7-4ab8-908a-92053f695cd3"/>
-    <ds:schemaRef ds:uri="f1dfd687-ce92-41e8-800b-11e03cd3205f"/>
-    <ds:schemaRef ds:uri="http://schemas.microsoft.com/office/2006/documentManagement/types"/>
-    <ds:schemaRef ds:uri="http://schemas.microsoft.com/office/infopath/2007/PartnerControls"/>
-    <ds:schemaRef ds:uri="http://schemas.openxmlformats.org/package/2006/metadata/core-properties"/>
-    <ds:schemaRef ds:uri="http://purl.org/dc/elements/1.1/"/>
-    <ds:schemaRef ds:uri="http://purl.org/dc/terms/"/>
-    <ds:schemaRef ds:uri="http://schemas.microsoft.com/internal/obd"/>
+    <ds:schemaRef ds:uri="http://schemas.microsoft.com/sharepoint/v3/contenttype/forms"/>
   </ds:schemaRefs>
 </ds:datastoreItem>
 </file>
@@ -36941,9 +39877,20 @@
 </file>
 
 <file path=customXml/itemProps3.xml><?xml version="1.0" encoding="utf-8"?>
-<ds:datastoreItem xmlns:ds="http://schemas.openxmlformats.org/officeDocument/2006/customXml" ds:itemID="{E3C0B90A-C52C-44A3-8B28-1EFDD964602C}">
+<ds:datastoreItem xmlns:ds="http://schemas.openxmlformats.org/officeDocument/2006/customXml" ds:itemID="{546D4109-F318-4341-81BE-A5CA2C3F0C29}">
   <ds:schemaRefs>
-    <ds:schemaRef ds:uri="http://schemas.microsoft.com/sharepoint/v3/contenttype/forms"/>
+    <ds:schemaRef ds:uri="http://schemas.microsoft.com/office/2006/metadata/contentType"/>
+    <ds:schemaRef ds:uri="http://schemas.microsoft.com/office/2006/metadata/properties/metaAttributes"/>
+    <ds:schemaRef ds:uri="http://www.w3.org/2001/XMLSchema"/>
+    <ds:schemaRef ds:uri="http://schemas.microsoft.com/office/2006/metadata/properties"/>
+    <ds:schemaRef ds:uri="cc32ea10-24d7-4ab8-908a-92053f695cd3"/>
+    <ds:schemaRef ds:uri="f1dfd687-ce92-41e8-800b-11e03cd3205f"/>
+    <ds:schemaRef ds:uri="http://schemas.microsoft.com/office/2006/documentManagement/types"/>
+    <ds:schemaRef ds:uri="http://schemas.microsoft.com/office/infopath/2007/PartnerControls"/>
+    <ds:schemaRef ds:uri="http://schemas.openxmlformats.org/package/2006/metadata/core-properties"/>
+    <ds:schemaRef ds:uri="http://purl.org/dc/elements/1.1/"/>
+    <ds:schemaRef ds:uri="http://purl.org/dc/terms/"/>
+    <ds:schemaRef ds:uri="http://schemas.microsoft.com/internal/obd"/>
   </ds:schemaRefs>
 </ds:datastoreItem>
 </file>
--- a/6. Docs/Bartosz_Reszka_Piwowarski_Prezentacja.pptx
+++ b/6. Docs/Bartosz_Reszka_Piwowarski_Prezentacja.pptx
@@ -324,7 +324,7 @@
           <a:p>
             <a:fld id="{2593D5D9-7C3B-40F9-9AB8-DDFAEE6819C1}" type="datetimeFigureOut">
               <a:rPr lang="pl-PL" smtClean="0"/>
-              <a:t>23.05.2024</a:t>
+              <a:t>30.05.2024</a:t>
             </a:fld>
             <a:endParaRPr lang="pl-PL"/>
           </a:p>
@@ -39580,26 +39580,6 @@
 </file>
 
 <file path=customXml/item1.xml><?xml version="1.0" encoding="utf-8"?>
-<?mso-contentType ?>
-<FormTemplates xmlns="http://schemas.microsoft.com/sharepoint/v3/contenttype/forms">
-  <Display>DocumentLibraryForm</Display>
-  <Edit>DocumentLibraryForm</Edit>
-  <New>DocumentLibraryForm</New>
-</FormTemplates>
-</file>
-
-<file path=customXml/item2.xml><?xml version="1.0" encoding="utf-8"?>
-<p:properties xmlns:p="http://schemas.microsoft.com/office/2006/metadata/properties" xmlns:xsi="http://www.w3.org/2001/XMLSchema-instance" xmlns:pc="http://schemas.microsoft.com/office/infopath/2007/PartnerControls">
-  <documentManagement>
-    <TaxCatchAll xmlns="f1dfd687-ce92-41e8-800b-11e03cd3205f" xsi:nil="true"/>
-    <lcf76f155ced4ddcb4097134ff3c332f xmlns="cc32ea10-24d7-4ab8-908a-92053f695cd3">
-      <Terms xmlns="http://schemas.microsoft.com/office/infopath/2007/PartnerControls"/>
-    </lcf76f155ced4ddcb4097134ff3c332f>
-  </documentManagement>
-</p:properties>
-</file>
-
-<file path=customXml/item3.xml><?xml version="1.0" encoding="utf-8"?>
 <ct:contentTypeSchema xmlns:ct="http://schemas.microsoft.com/office/2006/metadata/contentType" xmlns:ma="http://schemas.microsoft.com/office/2006/metadata/properties/metaAttributes" ct:_="" ma:_="" ma:contentTypeName="Dokument" ma:contentTypeID="0x010100C4838B074BD1B64DBED77476FBBDC7EA" ma:contentTypeVersion="17" ma:contentTypeDescription="Utwórz nowy dokument." ma:contentTypeScope="" ma:versionID="cbf6b59ea7392e6dbe586db489f913d4">
   <xsd:schema xmlns:xsd="http://www.w3.org/2001/XMLSchema" xmlns:xs="http://www.w3.org/2001/XMLSchema" xmlns:p="http://schemas.microsoft.com/office/2006/metadata/properties" xmlns:ns2="cc32ea10-24d7-4ab8-908a-92053f695cd3" xmlns:ns3="f1dfd687-ce92-41e8-800b-11e03cd3205f" targetNamespace="http://schemas.microsoft.com/office/2006/metadata/properties" ma:root="true" ma:fieldsID="e5692fda7e188aff76fcb9dc144534c7" ns2:_="" ns3:_="">
     <xsd:import namespace="cc32ea10-24d7-4ab8-908a-92053f695cd3"/>
@@ -39848,10 +39828,41 @@
 </ct:contentTypeSchema>
 </file>
 
+<file path=customXml/item2.xml><?xml version="1.0" encoding="utf-8"?>
+<p:properties xmlns:p="http://schemas.microsoft.com/office/2006/metadata/properties" xmlns:xsi="http://www.w3.org/2001/XMLSchema-instance" xmlns:pc="http://schemas.microsoft.com/office/infopath/2007/PartnerControls">
+  <documentManagement>
+    <TaxCatchAll xmlns="f1dfd687-ce92-41e8-800b-11e03cd3205f" xsi:nil="true"/>
+    <lcf76f155ced4ddcb4097134ff3c332f xmlns="cc32ea10-24d7-4ab8-908a-92053f695cd3">
+      <Terms xmlns="http://schemas.microsoft.com/office/infopath/2007/PartnerControls"/>
+    </lcf76f155ced4ddcb4097134ff3c332f>
+  </documentManagement>
+</p:properties>
+</file>
+
+<file path=customXml/item3.xml><?xml version="1.0" encoding="utf-8"?>
+<?mso-contentType ?>
+<FormTemplates xmlns="http://schemas.microsoft.com/sharepoint/v3/contenttype/forms">
+  <Display>DocumentLibraryForm</Display>
+  <Edit>DocumentLibraryForm</Edit>
+  <New>DocumentLibraryForm</New>
+</FormTemplates>
+</file>
+
 <file path=customXml/itemProps1.xml><?xml version="1.0" encoding="utf-8"?>
-<ds:datastoreItem xmlns:ds="http://schemas.openxmlformats.org/officeDocument/2006/customXml" ds:itemID="{E3C0B90A-C52C-44A3-8B28-1EFDD964602C}">
+<ds:datastoreItem xmlns:ds="http://schemas.openxmlformats.org/officeDocument/2006/customXml" ds:itemID="{546D4109-F318-4341-81BE-A5CA2C3F0C29}">
   <ds:schemaRefs>
-    <ds:schemaRef ds:uri="http://schemas.microsoft.com/sharepoint/v3/contenttype/forms"/>
+    <ds:schemaRef ds:uri="http://schemas.microsoft.com/office/2006/metadata/contentType"/>
+    <ds:schemaRef ds:uri="http://schemas.microsoft.com/office/2006/metadata/properties/metaAttributes"/>
+    <ds:schemaRef ds:uri="http://www.w3.org/2001/XMLSchema"/>
+    <ds:schemaRef ds:uri="http://schemas.microsoft.com/office/2006/metadata/properties"/>
+    <ds:schemaRef ds:uri="cc32ea10-24d7-4ab8-908a-92053f695cd3"/>
+    <ds:schemaRef ds:uri="f1dfd687-ce92-41e8-800b-11e03cd3205f"/>
+    <ds:schemaRef ds:uri="http://schemas.microsoft.com/office/2006/documentManagement/types"/>
+    <ds:schemaRef ds:uri="http://schemas.microsoft.com/office/infopath/2007/PartnerControls"/>
+    <ds:schemaRef ds:uri="http://schemas.openxmlformats.org/package/2006/metadata/core-properties"/>
+    <ds:schemaRef ds:uri="http://purl.org/dc/elements/1.1/"/>
+    <ds:schemaRef ds:uri="http://purl.org/dc/terms/"/>
+    <ds:schemaRef ds:uri="http://schemas.microsoft.com/internal/obd"/>
   </ds:schemaRefs>
 </ds:datastoreItem>
 </file>
@@ -39877,20 +39888,9 @@
 </file>
 
 <file path=customXml/itemProps3.xml><?xml version="1.0" encoding="utf-8"?>
-<ds:datastoreItem xmlns:ds="http://schemas.openxmlformats.org/officeDocument/2006/customXml" ds:itemID="{546D4109-F318-4341-81BE-A5CA2C3F0C29}">
+<ds:datastoreItem xmlns:ds="http://schemas.openxmlformats.org/officeDocument/2006/customXml" ds:itemID="{E3C0B90A-C52C-44A3-8B28-1EFDD964602C}">
   <ds:schemaRefs>
-    <ds:schemaRef ds:uri="http://schemas.microsoft.com/office/2006/metadata/contentType"/>
-    <ds:schemaRef ds:uri="http://schemas.microsoft.com/office/2006/metadata/properties/metaAttributes"/>
-    <ds:schemaRef ds:uri="http://www.w3.org/2001/XMLSchema"/>
-    <ds:schemaRef ds:uri="http://schemas.microsoft.com/office/2006/metadata/properties"/>
-    <ds:schemaRef ds:uri="cc32ea10-24d7-4ab8-908a-92053f695cd3"/>
-    <ds:schemaRef ds:uri="f1dfd687-ce92-41e8-800b-11e03cd3205f"/>
-    <ds:schemaRef ds:uri="http://schemas.microsoft.com/office/2006/documentManagement/types"/>
-    <ds:schemaRef ds:uri="http://schemas.microsoft.com/office/infopath/2007/PartnerControls"/>
-    <ds:schemaRef ds:uri="http://schemas.openxmlformats.org/package/2006/metadata/core-properties"/>
-    <ds:schemaRef ds:uri="http://purl.org/dc/elements/1.1/"/>
-    <ds:schemaRef ds:uri="http://purl.org/dc/terms/"/>
-    <ds:schemaRef ds:uri="http://schemas.microsoft.com/internal/obd"/>
+    <ds:schemaRef ds:uri="http://schemas.microsoft.com/sharepoint/v3/contenttype/forms"/>
   </ds:schemaRefs>
 </ds:datastoreItem>
 </file>
--- a/6. Docs/Bartosz_Reszka_Piwowarski_Prezentacja.pptx
+++ b/6. Docs/Bartosz_Reszka_Piwowarski_Prezentacja.pptx
@@ -5,7 +5,7 @@
     <p:sldMasterId id="2147483660" r:id="rId4"/>
   </p:sldMasterIdLst>
   <p:notesMasterIdLst>
-    <p:notesMasterId r:id="rId14"/>
+    <p:notesMasterId r:id="rId18"/>
   </p:notesMasterIdLst>
   <p:sldIdLst>
     <p:sldId id="256" r:id="rId5"/>
@@ -17,6 +17,10 @@
     <p:sldId id="4438" r:id="rId11"/>
     <p:sldId id="4440" r:id="rId12"/>
     <p:sldId id="4442" r:id="rId13"/>
+    <p:sldId id="4444" r:id="rId14"/>
+    <p:sldId id="4443" r:id="rId15"/>
+    <p:sldId id="4445" r:id="rId16"/>
+    <p:sldId id="4446" r:id="rId17"/>
   </p:sldIdLst>
   <p:sldSz cx="12192000" cy="6858000"/>
   <p:notesSz cx="6858000" cy="9144000"/>
@@ -713,6 +717,387 @@
 </p:notes>
 </file>
 
+<file path=ppt/notesSlides/notesSlide10.xml><?xml version="1.0" encoding="utf-8"?>
+<p:notes xmlns:a="http://schemas.openxmlformats.org/drawingml/2006/main" xmlns:r="http://schemas.openxmlformats.org/officeDocument/2006/relationships" xmlns:p="http://schemas.openxmlformats.org/presentationml/2006/main" showMasterSp="0" showMasterPhAnim="0">
+  <p:cSld>
+    <p:spTree>
+      <p:nvGrpSpPr>
+        <p:cNvPr id="1" name="Shape 198"/>
+        <p:cNvGrpSpPr/>
+        <p:nvPr/>
+      </p:nvGrpSpPr>
+      <p:grpSpPr>
+        <a:xfrm>
+          <a:off x="0" y="0"/>
+          <a:ext cx="0" cy="0"/>
+          <a:chOff x="0" y="0"/>
+          <a:chExt cx="0" cy="0"/>
+        </a:xfrm>
+      </p:grpSpPr>
+      <p:sp>
+        <p:nvSpPr>
+          <p:cNvPr id="199" name="Google Shape;199;gafb9c603b2_0_26:notes"/>
+          <p:cNvSpPr txBox="1">
+            <a:spLocks noGrp="1"/>
+          </p:cNvSpPr>
+          <p:nvPr>
+            <p:ph type="body" idx="1"/>
+          </p:nvPr>
+        </p:nvSpPr>
+        <p:spPr>
+          <a:xfrm>
+            <a:off x="685800" y="4400550"/>
+            <a:ext cx="5486400" cy="3600600"/>
+          </a:xfrm>
+          <a:prstGeom prst="rect">
+            <a:avLst/>
+          </a:prstGeom>
+          <a:noFill/>
+          <a:ln>
+            <a:noFill/>
+          </a:ln>
+        </p:spPr>
+        <p:txBody>
+          <a:bodyPr spcFirstLastPara="1" wrap="square" lIns="91425" tIns="45700" rIns="91425" bIns="45700" anchor="t" anchorCtr="0">
+            <a:noAutofit/>
+          </a:bodyPr>
+          <a:lstStyle/>
+          <a:p>
+            <a:pPr marL="0" lvl="0" indent="0" algn="l" rtl="0">
+              <a:lnSpc>
+                <a:spcPct val="100000"/>
+              </a:lnSpc>
+              <a:spcBef>
+                <a:spcPts val="0"/>
+              </a:spcBef>
+              <a:spcAft>
+                <a:spcPts val="0"/>
+              </a:spcAft>
+              <a:buSzPts val="1400"/>
+              <a:buNone/>
+            </a:pPr>
+            <a:endParaRPr/>
+          </a:p>
+        </p:txBody>
+      </p:sp>
+      <p:sp>
+        <p:nvSpPr>
+          <p:cNvPr id="200" name="Google Shape;200;gafb9c603b2_0_26:notes"/>
+          <p:cNvSpPr>
+            <a:spLocks noGrp="1" noRot="1" noChangeAspect="1"/>
+          </p:cNvSpPr>
+          <p:nvPr>
+            <p:ph type="sldImg" idx="2"/>
+          </p:nvPr>
+        </p:nvSpPr>
+        <p:spPr>
+          <a:xfrm>
+            <a:off x="685800" y="1143000"/>
+            <a:ext cx="5486400" cy="3086100"/>
+          </a:xfrm>
+          <a:custGeom>
+            <a:avLst/>
+            <a:gdLst/>
+            <a:ahLst/>
+            <a:cxnLst/>
+            <a:rect l="l" t="t" r="r" b="b"/>
+            <a:pathLst>
+              <a:path w="120000" h="120000" extrusionOk="0">
+                <a:moveTo>
+                  <a:pt x="0" y="0"/>
+                </a:moveTo>
+                <a:lnTo>
+                  <a:pt x="120000" y="0"/>
+                </a:lnTo>
+                <a:lnTo>
+                  <a:pt x="120000" y="120000"/>
+                </a:lnTo>
+                <a:lnTo>
+                  <a:pt x="0" y="120000"/>
+                </a:lnTo>
+                <a:close/>
+              </a:path>
+            </a:pathLst>
+          </a:custGeom>
+          <a:noFill/>
+          <a:ln w="12700" cap="flat" cmpd="sng">
+            <a:solidFill>
+              <a:srgbClr val="000000"/>
+            </a:solidFill>
+            <a:prstDash val="solid"/>
+            <a:round/>
+            <a:headEnd type="none" w="sm" len="sm"/>
+            <a:tailEnd type="none" w="sm" len="sm"/>
+          </a:ln>
+        </p:spPr>
+      </p:sp>
+    </p:spTree>
+    <p:extLst>
+      <p:ext uri="{BB962C8B-B14F-4D97-AF65-F5344CB8AC3E}">
+        <p14:creationId xmlns:p14="http://schemas.microsoft.com/office/powerpoint/2010/main" val="2613847854"/>
+      </p:ext>
+    </p:extLst>
+  </p:cSld>
+  <p:clrMapOvr>
+    <a:masterClrMapping/>
+  </p:clrMapOvr>
+</p:notes>
+</file>
+
+<file path=ppt/notesSlides/notesSlide11.xml><?xml version="1.0" encoding="utf-8"?>
+<p:notes xmlns:a="http://schemas.openxmlformats.org/drawingml/2006/main" xmlns:r="http://schemas.openxmlformats.org/officeDocument/2006/relationships" xmlns:p="http://schemas.openxmlformats.org/presentationml/2006/main" showMasterSp="0" showMasterPhAnim="0">
+  <p:cSld>
+    <p:spTree>
+      <p:nvGrpSpPr>
+        <p:cNvPr id="1" name="Shape 198"/>
+        <p:cNvGrpSpPr/>
+        <p:nvPr/>
+      </p:nvGrpSpPr>
+      <p:grpSpPr>
+        <a:xfrm>
+          <a:off x="0" y="0"/>
+          <a:ext cx="0" cy="0"/>
+          <a:chOff x="0" y="0"/>
+          <a:chExt cx="0" cy="0"/>
+        </a:xfrm>
+      </p:grpSpPr>
+      <p:sp>
+        <p:nvSpPr>
+          <p:cNvPr id="199" name="Google Shape;199;gafb9c603b2_0_26:notes"/>
+          <p:cNvSpPr txBox="1">
+            <a:spLocks noGrp="1"/>
+          </p:cNvSpPr>
+          <p:nvPr>
+            <p:ph type="body" idx="1"/>
+          </p:nvPr>
+        </p:nvSpPr>
+        <p:spPr>
+          <a:xfrm>
+            <a:off x="685800" y="4400550"/>
+            <a:ext cx="5486400" cy="3600600"/>
+          </a:xfrm>
+          <a:prstGeom prst="rect">
+            <a:avLst/>
+          </a:prstGeom>
+          <a:noFill/>
+          <a:ln>
+            <a:noFill/>
+          </a:ln>
+        </p:spPr>
+        <p:txBody>
+          <a:bodyPr spcFirstLastPara="1" wrap="square" lIns="91425" tIns="45700" rIns="91425" bIns="45700" anchor="t" anchorCtr="0">
+            <a:noAutofit/>
+          </a:bodyPr>
+          <a:lstStyle/>
+          <a:p>
+            <a:pPr marL="0" lvl="0" indent="0" algn="l" rtl="0">
+              <a:lnSpc>
+                <a:spcPct val="100000"/>
+              </a:lnSpc>
+              <a:spcBef>
+                <a:spcPts val="0"/>
+              </a:spcBef>
+              <a:spcAft>
+                <a:spcPts val="0"/>
+              </a:spcAft>
+              <a:buSzPts val="1400"/>
+              <a:buNone/>
+            </a:pPr>
+            <a:endParaRPr/>
+          </a:p>
+        </p:txBody>
+      </p:sp>
+      <p:sp>
+        <p:nvSpPr>
+          <p:cNvPr id="200" name="Google Shape;200;gafb9c603b2_0_26:notes"/>
+          <p:cNvSpPr>
+            <a:spLocks noGrp="1" noRot="1" noChangeAspect="1"/>
+          </p:cNvSpPr>
+          <p:nvPr>
+            <p:ph type="sldImg" idx="2"/>
+          </p:nvPr>
+        </p:nvSpPr>
+        <p:spPr>
+          <a:xfrm>
+            <a:off x="685800" y="1143000"/>
+            <a:ext cx="5486400" cy="3086100"/>
+          </a:xfrm>
+          <a:custGeom>
+            <a:avLst/>
+            <a:gdLst/>
+            <a:ahLst/>
+            <a:cxnLst/>
+            <a:rect l="l" t="t" r="r" b="b"/>
+            <a:pathLst>
+              <a:path w="120000" h="120000" extrusionOk="0">
+                <a:moveTo>
+                  <a:pt x="0" y="0"/>
+                </a:moveTo>
+                <a:lnTo>
+                  <a:pt x="120000" y="0"/>
+                </a:lnTo>
+                <a:lnTo>
+                  <a:pt x="120000" y="120000"/>
+                </a:lnTo>
+                <a:lnTo>
+                  <a:pt x="0" y="120000"/>
+                </a:lnTo>
+                <a:close/>
+              </a:path>
+            </a:pathLst>
+          </a:custGeom>
+          <a:noFill/>
+          <a:ln w="12700" cap="flat" cmpd="sng">
+            <a:solidFill>
+              <a:srgbClr val="000000"/>
+            </a:solidFill>
+            <a:prstDash val="solid"/>
+            <a:round/>
+            <a:headEnd type="none" w="sm" len="sm"/>
+            <a:tailEnd type="none" w="sm" len="sm"/>
+          </a:ln>
+        </p:spPr>
+      </p:sp>
+    </p:spTree>
+    <p:extLst>
+      <p:ext uri="{BB962C8B-B14F-4D97-AF65-F5344CB8AC3E}">
+        <p14:creationId xmlns:p14="http://schemas.microsoft.com/office/powerpoint/2010/main" val="2219223290"/>
+      </p:ext>
+    </p:extLst>
+  </p:cSld>
+  <p:clrMapOvr>
+    <a:masterClrMapping/>
+  </p:clrMapOvr>
+</p:notes>
+</file>
+
+<file path=ppt/notesSlides/notesSlide12.xml><?xml version="1.0" encoding="utf-8"?>
+<p:notes xmlns:a="http://schemas.openxmlformats.org/drawingml/2006/main" xmlns:r="http://schemas.openxmlformats.org/officeDocument/2006/relationships" xmlns:p="http://schemas.openxmlformats.org/presentationml/2006/main" showMasterSp="0" showMasterPhAnim="0">
+  <p:cSld>
+    <p:spTree>
+      <p:nvGrpSpPr>
+        <p:cNvPr id="1" name="Shape 198"/>
+        <p:cNvGrpSpPr/>
+        <p:nvPr/>
+      </p:nvGrpSpPr>
+      <p:grpSpPr>
+        <a:xfrm>
+          <a:off x="0" y="0"/>
+          <a:ext cx="0" cy="0"/>
+          <a:chOff x="0" y="0"/>
+          <a:chExt cx="0" cy="0"/>
+        </a:xfrm>
+      </p:grpSpPr>
+      <p:sp>
+        <p:nvSpPr>
+          <p:cNvPr id="199" name="Google Shape;199;gafb9c603b2_0_26:notes"/>
+          <p:cNvSpPr txBox="1">
+            <a:spLocks noGrp="1"/>
+          </p:cNvSpPr>
+          <p:nvPr>
+            <p:ph type="body" idx="1"/>
+          </p:nvPr>
+        </p:nvSpPr>
+        <p:spPr>
+          <a:xfrm>
+            <a:off x="685800" y="4400550"/>
+            <a:ext cx="5486400" cy="3600600"/>
+          </a:xfrm>
+          <a:prstGeom prst="rect">
+            <a:avLst/>
+          </a:prstGeom>
+          <a:noFill/>
+          <a:ln>
+            <a:noFill/>
+          </a:ln>
+        </p:spPr>
+        <p:txBody>
+          <a:bodyPr spcFirstLastPara="1" wrap="square" lIns="91425" tIns="45700" rIns="91425" bIns="45700" anchor="t" anchorCtr="0">
+            <a:noAutofit/>
+          </a:bodyPr>
+          <a:lstStyle/>
+          <a:p>
+            <a:pPr marL="0" lvl="0" indent="0" algn="l" rtl="0">
+              <a:lnSpc>
+                <a:spcPct val="100000"/>
+              </a:lnSpc>
+              <a:spcBef>
+                <a:spcPts val="0"/>
+              </a:spcBef>
+              <a:spcAft>
+                <a:spcPts val="0"/>
+              </a:spcAft>
+              <a:buSzPts val="1400"/>
+              <a:buNone/>
+            </a:pPr>
+            <a:endParaRPr/>
+          </a:p>
+        </p:txBody>
+      </p:sp>
+      <p:sp>
+        <p:nvSpPr>
+          <p:cNvPr id="200" name="Google Shape;200;gafb9c603b2_0_26:notes"/>
+          <p:cNvSpPr>
+            <a:spLocks noGrp="1" noRot="1" noChangeAspect="1"/>
+          </p:cNvSpPr>
+          <p:nvPr>
+            <p:ph type="sldImg" idx="2"/>
+          </p:nvPr>
+        </p:nvSpPr>
+        <p:spPr>
+          <a:xfrm>
+            <a:off x="685800" y="1143000"/>
+            <a:ext cx="5486400" cy="3086100"/>
+          </a:xfrm>
+          <a:custGeom>
+            <a:avLst/>
+            <a:gdLst/>
+            <a:ahLst/>
+            <a:cxnLst/>
+            <a:rect l="l" t="t" r="r" b="b"/>
+            <a:pathLst>
+              <a:path w="120000" h="120000" extrusionOk="0">
+                <a:moveTo>
+                  <a:pt x="0" y="0"/>
+                </a:moveTo>
+                <a:lnTo>
+                  <a:pt x="120000" y="0"/>
+                </a:lnTo>
+                <a:lnTo>
+                  <a:pt x="120000" y="120000"/>
+                </a:lnTo>
+                <a:lnTo>
+                  <a:pt x="0" y="120000"/>
+                </a:lnTo>
+                <a:close/>
+              </a:path>
+            </a:pathLst>
+          </a:custGeom>
+          <a:noFill/>
+          <a:ln w="12700" cap="flat" cmpd="sng">
+            <a:solidFill>
+              <a:srgbClr val="000000"/>
+            </a:solidFill>
+            <a:prstDash val="solid"/>
+            <a:round/>
+            <a:headEnd type="none" w="sm" len="sm"/>
+            <a:tailEnd type="none" w="sm" len="sm"/>
+          </a:ln>
+        </p:spPr>
+      </p:sp>
+    </p:spTree>
+    <p:extLst>
+      <p:ext uri="{BB962C8B-B14F-4D97-AF65-F5344CB8AC3E}">
+        <p14:creationId xmlns:p14="http://schemas.microsoft.com/office/powerpoint/2010/main" val="1093991501"/>
+      </p:ext>
+    </p:extLst>
+  </p:cSld>
+  <p:clrMapOvr>
+    <a:masterClrMapping/>
+  </p:clrMapOvr>
+</p:notes>
+</file>
+
 <file path=ppt/notesSlides/notesSlide2.xml><?xml version="1.0" encoding="utf-8"?>
 <p:notes xmlns:a="http://schemas.openxmlformats.org/drawingml/2006/main" xmlns:r="http://schemas.openxmlformats.org/officeDocument/2006/relationships" xmlns:p="http://schemas.openxmlformats.org/presentationml/2006/main" showMasterSp="0" showMasterPhAnim="0">
   <p:cSld>
@@ -1593,6 +1978,133 @@
     <p:extLst>
       <p:ext uri="{BB962C8B-B14F-4D97-AF65-F5344CB8AC3E}">
         <p14:creationId xmlns:p14="http://schemas.microsoft.com/office/powerpoint/2010/main" val="3531512206"/>
+      </p:ext>
+    </p:extLst>
+  </p:cSld>
+  <p:clrMapOvr>
+    <a:masterClrMapping/>
+  </p:clrMapOvr>
+</p:notes>
+</file>
+
+<file path=ppt/notesSlides/notesSlide9.xml><?xml version="1.0" encoding="utf-8"?>
+<p:notes xmlns:a="http://schemas.openxmlformats.org/drawingml/2006/main" xmlns:r="http://schemas.openxmlformats.org/officeDocument/2006/relationships" xmlns:p="http://schemas.openxmlformats.org/presentationml/2006/main" showMasterSp="0" showMasterPhAnim="0">
+  <p:cSld>
+    <p:spTree>
+      <p:nvGrpSpPr>
+        <p:cNvPr id="1" name="Shape 198"/>
+        <p:cNvGrpSpPr/>
+        <p:nvPr/>
+      </p:nvGrpSpPr>
+      <p:grpSpPr>
+        <a:xfrm>
+          <a:off x="0" y="0"/>
+          <a:ext cx="0" cy="0"/>
+          <a:chOff x="0" y="0"/>
+          <a:chExt cx="0" cy="0"/>
+        </a:xfrm>
+      </p:grpSpPr>
+      <p:sp>
+        <p:nvSpPr>
+          <p:cNvPr id="199" name="Google Shape;199;gafb9c603b2_0_26:notes"/>
+          <p:cNvSpPr txBox="1">
+            <a:spLocks noGrp="1"/>
+          </p:cNvSpPr>
+          <p:nvPr>
+            <p:ph type="body" idx="1"/>
+          </p:nvPr>
+        </p:nvSpPr>
+        <p:spPr>
+          <a:xfrm>
+            <a:off x="685800" y="4400550"/>
+            <a:ext cx="5486400" cy="3600600"/>
+          </a:xfrm>
+          <a:prstGeom prst="rect">
+            <a:avLst/>
+          </a:prstGeom>
+          <a:noFill/>
+          <a:ln>
+            <a:noFill/>
+          </a:ln>
+        </p:spPr>
+        <p:txBody>
+          <a:bodyPr spcFirstLastPara="1" wrap="square" lIns="91425" tIns="45700" rIns="91425" bIns="45700" anchor="t" anchorCtr="0">
+            <a:noAutofit/>
+          </a:bodyPr>
+          <a:lstStyle/>
+          <a:p>
+            <a:pPr marL="0" lvl="0" indent="0" algn="l" rtl="0">
+              <a:lnSpc>
+                <a:spcPct val="100000"/>
+              </a:lnSpc>
+              <a:spcBef>
+                <a:spcPts val="0"/>
+              </a:spcBef>
+              <a:spcAft>
+                <a:spcPts val="0"/>
+              </a:spcAft>
+              <a:buSzPts val="1400"/>
+              <a:buNone/>
+            </a:pPr>
+            <a:endParaRPr/>
+          </a:p>
+        </p:txBody>
+      </p:sp>
+      <p:sp>
+        <p:nvSpPr>
+          <p:cNvPr id="200" name="Google Shape;200;gafb9c603b2_0_26:notes"/>
+          <p:cNvSpPr>
+            <a:spLocks noGrp="1" noRot="1" noChangeAspect="1"/>
+          </p:cNvSpPr>
+          <p:nvPr>
+            <p:ph type="sldImg" idx="2"/>
+          </p:nvPr>
+        </p:nvSpPr>
+        <p:spPr>
+          <a:xfrm>
+            <a:off x="685800" y="1143000"/>
+            <a:ext cx="5486400" cy="3086100"/>
+          </a:xfrm>
+          <a:custGeom>
+            <a:avLst/>
+            <a:gdLst/>
+            <a:ahLst/>
+            <a:cxnLst/>
+            <a:rect l="l" t="t" r="r" b="b"/>
+            <a:pathLst>
+              <a:path w="120000" h="120000" extrusionOk="0">
+                <a:moveTo>
+                  <a:pt x="0" y="0"/>
+                </a:moveTo>
+                <a:lnTo>
+                  <a:pt x="120000" y="0"/>
+                </a:lnTo>
+                <a:lnTo>
+                  <a:pt x="120000" y="120000"/>
+                </a:lnTo>
+                <a:lnTo>
+                  <a:pt x="0" y="120000"/>
+                </a:lnTo>
+                <a:close/>
+              </a:path>
+            </a:pathLst>
+          </a:custGeom>
+          <a:noFill/>
+          <a:ln w="12700" cap="flat" cmpd="sng">
+            <a:solidFill>
+              <a:srgbClr val="000000"/>
+            </a:solidFill>
+            <a:prstDash val="solid"/>
+            <a:round/>
+            <a:headEnd type="none" w="sm" len="sm"/>
+            <a:tailEnd type="none" w="sm" len="sm"/>
+          </a:ln>
+        </p:spPr>
+      </p:sp>
+    </p:spTree>
+    <p:extLst>
+      <p:ext uri="{BB962C8B-B14F-4D97-AF65-F5344CB8AC3E}">
+        <p14:creationId xmlns:p14="http://schemas.microsoft.com/office/powerpoint/2010/main" val="281323098"/>
       </p:ext>
     </p:extLst>
   </p:cSld>
@@ -26583,6 +27095,9062 @@
 </p:sld>
 </file>
 
+<file path=ppt/slides/slide10.xml><?xml version="1.0" encoding="utf-8"?>
+<p:sld xmlns:a="http://schemas.openxmlformats.org/drawingml/2006/main" xmlns:r="http://schemas.openxmlformats.org/officeDocument/2006/relationships" xmlns:p="http://schemas.openxmlformats.org/presentationml/2006/main">
+  <p:cSld>
+    <p:spTree>
+      <p:nvGrpSpPr>
+        <p:cNvPr id="1" name="Shape 201"/>
+        <p:cNvGrpSpPr/>
+        <p:nvPr/>
+      </p:nvGrpSpPr>
+      <p:grpSpPr>
+        <a:xfrm>
+          <a:off x="0" y="0"/>
+          <a:ext cx="0" cy="0"/>
+          <a:chOff x="0" y="0"/>
+          <a:chExt cx="0" cy="0"/>
+        </a:xfrm>
+      </p:grpSpPr>
+      <p:sp>
+        <p:nvSpPr>
+          <p:cNvPr id="203" name="Google Shape;203;p21"/>
+          <p:cNvSpPr txBox="1">
+            <a:spLocks noGrp="1"/>
+          </p:cNvSpPr>
+          <p:nvPr>
+            <p:ph type="sldNum" idx="12"/>
+          </p:nvPr>
+        </p:nvSpPr>
+        <p:spPr>
+          <a:xfrm>
+            <a:off x="10938505" y="6356351"/>
+            <a:ext cx="634392" cy="167647"/>
+          </a:xfrm>
+          <a:prstGeom prst="rect">
+            <a:avLst/>
+          </a:prstGeom>
+        </p:spPr>
+        <p:txBody>
+          <a:bodyPr spcFirstLastPara="1" wrap="square" lIns="0" tIns="0" rIns="0" bIns="0" anchor="t" anchorCtr="0">
+            <a:noAutofit/>
+          </a:bodyPr>
+          <a:lstStyle/>
+          <a:p>
+            <a:pPr defTabSz="829544"/>
+            <a:fld id="{00000000-1234-1234-1234-123412341234}" type="slidenum">
+              <a:rPr lang="pl-PL" kern="0">
+                <a:solidFill>
+                  <a:srgbClr val="002C58"/>
+                </a:solidFill>
+                <a:latin typeface="Helvetica" pitchFamily="2" charset="0"/>
+              </a:rPr>
+              <a:pPr defTabSz="829544"/>
+              <a:t>10</a:t>
+            </a:fld>
+            <a:endParaRPr kern="0" dirty="0">
+              <a:solidFill>
+                <a:srgbClr val="002C58"/>
+              </a:solidFill>
+              <a:latin typeface="Helvetica" pitchFamily="2" charset="0"/>
+            </a:endParaRPr>
+          </a:p>
+        </p:txBody>
+      </p:sp>
+      <p:sp>
+        <p:nvSpPr>
+          <p:cNvPr id="7" name="Tytuł 1">
+            <a:extLst>
+              <a:ext uri="{FF2B5EF4-FFF2-40B4-BE49-F238E27FC236}">
+                <a16:creationId xmlns:a16="http://schemas.microsoft.com/office/drawing/2014/main" id="{57C8B726-50E0-47F7-BBBC-54F1227BD140}"/>
+              </a:ext>
+            </a:extLst>
+          </p:cNvPr>
+          <p:cNvSpPr>
+            <a:spLocks noGrp="1"/>
+          </p:cNvSpPr>
+          <p:nvPr>
+            <p:ph type="title"/>
+          </p:nvPr>
+        </p:nvSpPr>
+        <p:spPr>
+          <a:xfrm>
+            <a:off x="645885" y="38348"/>
+            <a:ext cx="10459821" cy="447317"/>
+          </a:xfrm>
+        </p:spPr>
+        <p:txBody>
+          <a:bodyPr/>
+          <a:lstStyle/>
+          <a:p>
+            <a:r>
+              <a:rPr lang="pl-PL" sz="2900" dirty="0">
+                <a:solidFill>
+                  <a:srgbClr val="002C58"/>
+                </a:solidFill>
+                <a:latin typeface="Helvetica" pitchFamily="2" charset="0"/>
+                <a:ea typeface="+mn-ea"/>
+                <a:cs typeface="+mn-cs"/>
+              </a:rPr>
+              <a:t>6. Notebooks - 0</a:t>
+            </a:r>
+            <a:r>
+              <a:rPr lang="de-DE" sz="2900" dirty="0">
+                <a:solidFill>
+                  <a:srgbClr val="002C58"/>
+                </a:solidFill>
+                <a:latin typeface="Helvetica" pitchFamily="2" charset="0"/>
+                <a:ea typeface="+mn-ea"/>
+                <a:cs typeface="+mn-cs"/>
+              </a:rPr>
+              <a:t>3</a:t>
+            </a:r>
+            <a:endParaRPr lang="pl-PL" sz="2900" dirty="0">
+              <a:latin typeface="Helvetica" pitchFamily="2" charset="0"/>
+            </a:endParaRPr>
+          </a:p>
+        </p:txBody>
+      </p:sp>
+      <p:pic>
+        <p:nvPicPr>
+          <p:cNvPr id="10" name="Obraz 9">
+            <a:extLst>
+              <a:ext uri="{FF2B5EF4-FFF2-40B4-BE49-F238E27FC236}">
+                <a16:creationId xmlns:a16="http://schemas.microsoft.com/office/drawing/2014/main" id="{B3BE01A9-6CED-56B2-A9A8-C48A12685924}"/>
+              </a:ext>
+            </a:extLst>
+          </p:cNvPr>
+          <p:cNvPicPr>
+            <a:picLocks noChangeAspect="1"/>
+          </p:cNvPicPr>
+          <p:nvPr/>
+        </p:nvPicPr>
+        <p:blipFill>
+          <a:blip r:embed="rId3">
+            <a:extLst>
+              <a:ext uri="{28A0092B-C50C-407E-A947-70E740481C1C}">
+                <a14:useLocalDpi xmlns:a14="http://schemas.microsoft.com/office/drawing/2010/main" val="0"/>
+              </a:ext>
+            </a:extLst>
+          </a:blip>
+          <a:stretch>
+            <a:fillRect/>
+          </a:stretch>
+        </p:blipFill>
+        <p:spPr>
+          <a:xfrm>
+            <a:off x="464822" y="6242482"/>
+            <a:ext cx="4445000" cy="596900"/>
+          </a:xfrm>
+          <a:prstGeom prst="rect">
+            <a:avLst/>
+          </a:prstGeom>
+        </p:spPr>
+      </p:pic>
+      <p:sp>
+        <p:nvSpPr>
+          <p:cNvPr id="8" name="pole tekstowe 4">
+            <a:extLst>
+              <a:ext uri="{FF2B5EF4-FFF2-40B4-BE49-F238E27FC236}">
+                <a16:creationId xmlns:a16="http://schemas.microsoft.com/office/drawing/2014/main" id="{6769148D-16BA-DDF5-1159-3B9EAE4E4E0E}"/>
+              </a:ext>
+            </a:extLst>
+          </p:cNvPr>
+          <p:cNvSpPr txBox="1"/>
+          <p:nvPr/>
+        </p:nvSpPr>
+        <p:spPr>
+          <a:xfrm>
+            <a:off x="571615" y="878149"/>
+            <a:ext cx="11001282" cy="3323987"/>
+          </a:xfrm>
+          <a:prstGeom prst="rect">
+            <a:avLst/>
+          </a:prstGeom>
+          <a:noFill/>
+        </p:spPr>
+        <p:txBody>
+          <a:bodyPr wrap="square" rtlCol="0">
+            <a:spAutoFit/>
+          </a:bodyPr>
+          <a:lstStyle/>
+          <a:p>
+            <a:r>
+              <a:rPr lang="pl-PL" sz="1200" dirty="0">
+                <a:latin typeface="Helvetica" pitchFamily="2" charset="0"/>
+              </a:rPr>
+              <a:t>W tym notebooku przeprowadzimy kompleksową analizę danych, zaczynając od przygotowania i wstępnego przetworzenia danych, poprzez eksploracyjną analizę danych, aż do budowy i oceny modeli predykcyjnych. Celem jest uzyskanie głębszego zrozumienia struktury danych oraz identyfikacja kluczowych wzorców i zależności, które mogą wspomóc w podejmowaniu decyzji biznesowych. </a:t>
+            </a:r>
+            <a:endParaRPr lang="de-DE" sz="1200" dirty="0">
+              <a:latin typeface="Helvetica" pitchFamily="2" charset="0"/>
+            </a:endParaRPr>
+          </a:p>
+          <a:p>
+            <a:endParaRPr lang="de-DE" sz="1200" dirty="0">
+              <a:latin typeface="Helvetica" pitchFamily="2" charset="0"/>
+            </a:endParaRPr>
+          </a:p>
+          <a:p>
+            <a:r>
+              <a:rPr lang="pl-PL" sz="1200" b="1" dirty="0">
+                <a:latin typeface="Helvetica" pitchFamily="2" charset="0"/>
+              </a:rPr>
+              <a:t>Krótki opis notebooka:</a:t>
+            </a:r>
+            <a:endParaRPr lang="de-DE" sz="1200" b="1" dirty="0">
+              <a:latin typeface="Helvetica" pitchFamily="2" charset="0"/>
+            </a:endParaRPr>
+          </a:p>
+          <a:p>
+            <a:endParaRPr lang="pl-PL" sz="1200" dirty="0">
+              <a:latin typeface="Helvetica" pitchFamily="2" charset="0"/>
+            </a:endParaRPr>
+          </a:p>
+          <a:p>
+            <a:pPr marL="228600" indent="-228600">
+              <a:buFont typeface="+mj-lt"/>
+              <a:buAutoNum type="arabicPeriod"/>
+            </a:pPr>
+            <a:r>
+              <a:rPr lang="pl-PL" sz="1200" dirty="0">
+                <a:latin typeface="Helvetica" pitchFamily="2" charset="0"/>
+              </a:rPr>
+              <a:t>Wprowadzenie: Notebook zawiera analizę danych, obejmującą wstępne przygotowanie danych, eksploracyjną analizę danych oraz wizualizacje wyników.</a:t>
+            </a:r>
+            <a:endParaRPr lang="de-DE" sz="1200" dirty="0">
+              <a:latin typeface="Helvetica" pitchFamily="2" charset="0"/>
+            </a:endParaRPr>
+          </a:p>
+          <a:p>
+            <a:pPr marL="228600" indent="-228600">
+              <a:buFont typeface="+mj-lt"/>
+              <a:buAutoNum type="arabicPeriod"/>
+            </a:pPr>
+            <a:endParaRPr lang="pl-PL" sz="1200" dirty="0">
+              <a:latin typeface="Helvetica" pitchFamily="2" charset="0"/>
+            </a:endParaRPr>
+          </a:p>
+          <a:p>
+            <a:pPr marL="228600" indent="-228600">
+              <a:buFont typeface="+mj-lt"/>
+              <a:buAutoNum type="arabicPeriod"/>
+            </a:pPr>
+            <a:r>
+              <a:rPr lang="pl-PL" sz="1200" dirty="0">
+                <a:latin typeface="Helvetica" pitchFamily="2" charset="0"/>
+              </a:rPr>
+              <a:t>Przygotowanie danych: Załadowanie i wstępne przetworzenie danych, w tym usunięcie brakujących wartości i przekształcenie danych do odpowiedniego formatu.</a:t>
+            </a:r>
+            <a:endParaRPr lang="de-DE" sz="1200" dirty="0">
+              <a:latin typeface="Helvetica" pitchFamily="2" charset="0"/>
+            </a:endParaRPr>
+          </a:p>
+          <a:p>
+            <a:pPr marL="228600" indent="-228600">
+              <a:buFont typeface="+mj-lt"/>
+              <a:buAutoNum type="arabicPeriod"/>
+            </a:pPr>
+            <a:endParaRPr lang="pl-PL" sz="1200" dirty="0">
+              <a:latin typeface="Helvetica" pitchFamily="2" charset="0"/>
+            </a:endParaRPr>
+          </a:p>
+          <a:p>
+            <a:pPr marL="228600" indent="-228600">
+              <a:buFont typeface="+mj-lt"/>
+              <a:buAutoNum type="arabicPeriod"/>
+            </a:pPr>
+            <a:r>
+              <a:rPr lang="pl-PL" sz="1200" dirty="0">
+                <a:latin typeface="Helvetica" pitchFamily="2" charset="0"/>
+              </a:rPr>
+              <a:t>Eksploracyjna analiza danych: Analiza statystyczna i wizualna danych, w tym wykresy i tabele przedstawiające rozkłady oraz korelacje pomiędzy zmiennymi.</a:t>
+            </a:r>
+            <a:endParaRPr lang="de-DE" sz="1200" dirty="0">
+              <a:latin typeface="Helvetica" pitchFamily="2" charset="0"/>
+            </a:endParaRPr>
+          </a:p>
+          <a:p>
+            <a:pPr marL="228600" indent="-228600">
+              <a:buFont typeface="+mj-lt"/>
+              <a:buAutoNum type="arabicPeriod"/>
+            </a:pPr>
+            <a:endParaRPr lang="pl-PL" sz="1200" dirty="0">
+              <a:latin typeface="Helvetica" pitchFamily="2" charset="0"/>
+            </a:endParaRPr>
+          </a:p>
+          <a:p>
+            <a:pPr marL="228600" indent="-228600">
+              <a:buFont typeface="+mj-lt"/>
+              <a:buAutoNum type="arabicPeriod"/>
+            </a:pPr>
+            <a:r>
+              <a:rPr lang="pl-PL" sz="1200" dirty="0">
+                <a:latin typeface="Helvetica" pitchFamily="2" charset="0"/>
+              </a:rPr>
+              <a:t>Modelowanie: Budowa modeli predykcyjnych i ocena ich skuteczności.</a:t>
+            </a:r>
+            <a:endParaRPr lang="de-DE" sz="1200" dirty="0">
+              <a:latin typeface="Helvetica" pitchFamily="2" charset="0"/>
+            </a:endParaRPr>
+          </a:p>
+          <a:p>
+            <a:pPr marL="228600" indent="-228600">
+              <a:buFont typeface="+mj-lt"/>
+              <a:buAutoNum type="arabicPeriod"/>
+            </a:pPr>
+            <a:endParaRPr lang="pl-PL" sz="1200" dirty="0">
+              <a:latin typeface="Helvetica" pitchFamily="2" charset="0"/>
+            </a:endParaRPr>
+          </a:p>
+          <a:p>
+            <a:pPr marL="228600" indent="-228600">
+              <a:buFont typeface="+mj-lt"/>
+              <a:buAutoNum type="arabicPeriod"/>
+            </a:pPr>
+            <a:r>
+              <a:rPr lang="pl-PL" sz="1200" dirty="0">
+                <a:latin typeface="Helvetica" pitchFamily="2" charset="0"/>
+              </a:rPr>
+              <a:t>Wnioski: Podsumowanie wyników analizy oraz rekomendacje na przyszłość.</a:t>
+            </a:r>
+            <a:endParaRPr lang="de-DE" sz="1200" dirty="0">
+              <a:latin typeface="Helvetica" pitchFamily="2" charset="0"/>
+            </a:endParaRPr>
+          </a:p>
+          <a:p>
+            <a:endParaRPr lang="pl-PL" dirty="0"/>
+          </a:p>
+        </p:txBody>
+      </p:sp>
+    </p:spTree>
+    <p:extLst>
+      <p:ext uri="{BB962C8B-B14F-4D97-AF65-F5344CB8AC3E}">
+        <p14:creationId xmlns:p14="http://schemas.microsoft.com/office/powerpoint/2010/main" val="1663403384"/>
+      </p:ext>
+    </p:extLst>
+  </p:cSld>
+  <p:clrMapOvr>
+    <a:masterClrMapping/>
+  </p:clrMapOvr>
+</p:sld>
+</file>
+
+<file path=ppt/slides/slide11.xml><?xml version="1.0" encoding="utf-8"?>
+<p:sld xmlns:a="http://schemas.openxmlformats.org/drawingml/2006/main" xmlns:r="http://schemas.openxmlformats.org/officeDocument/2006/relationships" xmlns:p="http://schemas.openxmlformats.org/presentationml/2006/main">
+  <p:cSld>
+    <p:spTree>
+      <p:nvGrpSpPr>
+        <p:cNvPr id="1" name="Shape 201"/>
+        <p:cNvGrpSpPr/>
+        <p:nvPr/>
+      </p:nvGrpSpPr>
+      <p:grpSpPr>
+        <a:xfrm>
+          <a:off x="0" y="0"/>
+          <a:ext cx="0" cy="0"/>
+          <a:chOff x="0" y="0"/>
+          <a:chExt cx="0" cy="0"/>
+        </a:xfrm>
+      </p:grpSpPr>
+      <p:sp>
+        <p:nvSpPr>
+          <p:cNvPr id="203" name="Google Shape;203;p21"/>
+          <p:cNvSpPr txBox="1">
+            <a:spLocks noGrp="1"/>
+          </p:cNvSpPr>
+          <p:nvPr>
+            <p:ph type="sldNum" idx="12"/>
+          </p:nvPr>
+        </p:nvSpPr>
+        <p:spPr>
+          <a:xfrm>
+            <a:off x="10938505" y="6356351"/>
+            <a:ext cx="634392" cy="167647"/>
+          </a:xfrm>
+          <a:prstGeom prst="rect">
+            <a:avLst/>
+          </a:prstGeom>
+        </p:spPr>
+        <p:txBody>
+          <a:bodyPr spcFirstLastPara="1" wrap="square" lIns="0" tIns="0" rIns="0" bIns="0" anchor="t" anchorCtr="0">
+            <a:noAutofit/>
+          </a:bodyPr>
+          <a:lstStyle/>
+          <a:p>
+            <a:pPr defTabSz="829544"/>
+            <a:fld id="{00000000-1234-1234-1234-123412341234}" type="slidenum">
+              <a:rPr lang="pl-PL" kern="0">
+                <a:solidFill>
+                  <a:srgbClr val="002C58"/>
+                </a:solidFill>
+                <a:latin typeface="Helvetica" pitchFamily="2" charset="0"/>
+              </a:rPr>
+              <a:pPr defTabSz="829544"/>
+              <a:t>11</a:t>
+            </a:fld>
+            <a:endParaRPr kern="0" dirty="0">
+              <a:solidFill>
+                <a:srgbClr val="002C58"/>
+              </a:solidFill>
+              <a:latin typeface="Helvetica" pitchFamily="2" charset="0"/>
+            </a:endParaRPr>
+          </a:p>
+        </p:txBody>
+      </p:sp>
+      <p:sp>
+        <p:nvSpPr>
+          <p:cNvPr id="204" name="Google Shape;204;p21"/>
+          <p:cNvSpPr/>
+          <p:nvPr/>
+        </p:nvSpPr>
+        <p:spPr>
+          <a:xfrm>
+            <a:off x="2275456" y="4469884"/>
+            <a:ext cx="2989979" cy="401972"/>
+          </a:xfrm>
+          <a:prstGeom prst="rect">
+            <a:avLst/>
+          </a:prstGeom>
+          <a:solidFill>
+            <a:srgbClr val="FFFFFF"/>
+          </a:solidFill>
+          <a:ln>
+            <a:noFill/>
+          </a:ln>
+        </p:spPr>
+        <p:txBody>
+          <a:bodyPr spcFirstLastPara="1" wrap="square" lIns="82939" tIns="82939" rIns="82939" bIns="82939" anchor="ctr" anchorCtr="0">
+            <a:noAutofit/>
+          </a:bodyPr>
+          <a:lstStyle/>
+          <a:p>
+            <a:pPr defTabSz="829544">
+              <a:buClr>
+                <a:srgbClr val="000000"/>
+              </a:buClr>
+            </a:pPr>
+            <a:endParaRPr sz="1270" kern="0">
+              <a:solidFill>
+                <a:srgbClr val="000000"/>
+              </a:solidFill>
+              <a:latin typeface="Arial"/>
+              <a:cs typeface="Arial"/>
+              <a:sym typeface="Arial"/>
+            </a:endParaRPr>
+          </a:p>
+        </p:txBody>
+      </p:sp>
+      <p:sp>
+        <p:nvSpPr>
+          <p:cNvPr id="7" name="Tytuł 1">
+            <a:extLst>
+              <a:ext uri="{FF2B5EF4-FFF2-40B4-BE49-F238E27FC236}">
+                <a16:creationId xmlns:a16="http://schemas.microsoft.com/office/drawing/2014/main" id="{57C8B726-50E0-47F7-BBBC-54F1227BD140}"/>
+              </a:ext>
+            </a:extLst>
+          </p:cNvPr>
+          <p:cNvSpPr>
+            <a:spLocks noGrp="1"/>
+          </p:cNvSpPr>
+          <p:nvPr>
+            <p:ph type="title"/>
+          </p:nvPr>
+        </p:nvSpPr>
+        <p:spPr>
+          <a:xfrm>
+            <a:off x="645885" y="38348"/>
+            <a:ext cx="10459821" cy="447317"/>
+          </a:xfrm>
+        </p:spPr>
+        <p:txBody>
+          <a:bodyPr/>
+          <a:lstStyle/>
+          <a:p>
+            <a:r>
+              <a:rPr lang="pl-PL" sz="2900" dirty="0">
+                <a:solidFill>
+                  <a:srgbClr val="002C58"/>
+                </a:solidFill>
+                <a:latin typeface="Helvetica" pitchFamily="2" charset="0"/>
+                <a:ea typeface="+mn-ea"/>
+                <a:cs typeface="+mn-cs"/>
+              </a:rPr>
+              <a:t>6. Notebooks - 0</a:t>
+            </a:r>
+            <a:r>
+              <a:rPr lang="de-DE" sz="2900" dirty="0">
+                <a:solidFill>
+                  <a:srgbClr val="002C58"/>
+                </a:solidFill>
+                <a:latin typeface="Helvetica" pitchFamily="2" charset="0"/>
+                <a:ea typeface="+mn-ea"/>
+                <a:cs typeface="+mn-cs"/>
+              </a:rPr>
+              <a:t>3</a:t>
+            </a:r>
+            <a:endParaRPr lang="pl-PL" sz="2900" dirty="0">
+              <a:latin typeface="Helvetica" pitchFamily="2" charset="0"/>
+            </a:endParaRPr>
+          </a:p>
+        </p:txBody>
+      </p:sp>
+      <p:pic>
+        <p:nvPicPr>
+          <p:cNvPr id="10" name="Obraz 9">
+            <a:extLst>
+              <a:ext uri="{FF2B5EF4-FFF2-40B4-BE49-F238E27FC236}">
+                <a16:creationId xmlns:a16="http://schemas.microsoft.com/office/drawing/2014/main" id="{B3BE01A9-6CED-56B2-A9A8-C48A12685924}"/>
+              </a:ext>
+            </a:extLst>
+          </p:cNvPr>
+          <p:cNvPicPr>
+            <a:picLocks noChangeAspect="1"/>
+          </p:cNvPicPr>
+          <p:nvPr/>
+        </p:nvPicPr>
+        <p:blipFill>
+          <a:blip r:embed="rId3">
+            <a:extLst>
+              <a:ext uri="{28A0092B-C50C-407E-A947-70E740481C1C}">
+                <a14:useLocalDpi xmlns:a14="http://schemas.microsoft.com/office/drawing/2010/main" val="0"/>
+              </a:ext>
+            </a:extLst>
+          </a:blip>
+          <a:stretch>
+            <a:fillRect/>
+          </a:stretch>
+        </p:blipFill>
+        <p:spPr>
+          <a:xfrm>
+            <a:off x="464822" y="6242482"/>
+            <a:ext cx="4445000" cy="596900"/>
+          </a:xfrm>
+          <a:prstGeom prst="rect">
+            <a:avLst/>
+          </a:prstGeom>
+        </p:spPr>
+      </p:pic>
+      <p:sp>
+        <p:nvSpPr>
+          <p:cNvPr id="2" name="pole tekstowe 4">
+            <a:extLst>
+              <a:ext uri="{FF2B5EF4-FFF2-40B4-BE49-F238E27FC236}">
+                <a16:creationId xmlns:a16="http://schemas.microsoft.com/office/drawing/2014/main" id="{7B9B4B54-D2DF-5F83-AC49-1BD7F669A381}"/>
+              </a:ext>
+            </a:extLst>
+          </p:cNvPr>
+          <p:cNvSpPr txBox="1"/>
+          <p:nvPr/>
+        </p:nvSpPr>
+        <p:spPr>
+          <a:xfrm>
+            <a:off x="572854" y="643030"/>
+            <a:ext cx="6215893" cy="4647426"/>
+          </a:xfrm>
+          <a:prstGeom prst="rect">
+            <a:avLst/>
+          </a:prstGeom>
+          <a:noFill/>
+        </p:spPr>
+        <p:txBody>
+          <a:bodyPr wrap="square" rtlCol="0">
+            <a:spAutoFit/>
+          </a:bodyPr>
+          <a:lstStyle/>
+          <a:p>
+            <a:r>
+              <a:rPr lang="en-US" sz="800" b="0" i="1" dirty="0">
+                <a:solidFill>
+                  <a:srgbClr val="93A1A1"/>
+                </a:solidFill>
+                <a:effectLst/>
+                <a:highlight>
+                  <a:srgbClr val="FDF6E3"/>
+                </a:highlight>
+                <a:latin typeface="Consolas" panose="020B0609020204030204" pitchFamily="49" charset="0"/>
+              </a:rPr>
+              <a:t># </a:t>
+            </a:r>
+            <a:r>
+              <a:rPr lang="en-US" sz="800" b="0" i="1" dirty="0" err="1">
+                <a:solidFill>
+                  <a:srgbClr val="93A1A1"/>
+                </a:solidFill>
+                <a:effectLst/>
+                <a:highlight>
+                  <a:srgbClr val="FDF6E3"/>
+                </a:highlight>
+                <a:latin typeface="Consolas" panose="020B0609020204030204" pitchFamily="49" charset="0"/>
+              </a:rPr>
+              <a:t>Funkcja</a:t>
+            </a:r>
+            <a:r>
+              <a:rPr lang="en-US" sz="800" b="0" i="1" dirty="0">
+                <a:solidFill>
+                  <a:srgbClr val="93A1A1"/>
+                </a:solidFill>
+                <a:effectLst/>
+                <a:highlight>
+                  <a:srgbClr val="FDF6E3"/>
+                </a:highlight>
+                <a:latin typeface="Consolas" panose="020B0609020204030204" pitchFamily="49" charset="0"/>
+              </a:rPr>
+              <a:t> do </a:t>
+            </a:r>
+            <a:r>
+              <a:rPr lang="en-US" sz="800" b="0" i="1" dirty="0" err="1">
+                <a:solidFill>
+                  <a:srgbClr val="93A1A1"/>
+                </a:solidFill>
+                <a:effectLst/>
+                <a:highlight>
+                  <a:srgbClr val="FDF6E3"/>
+                </a:highlight>
+                <a:latin typeface="Consolas" panose="020B0609020204030204" pitchFamily="49" charset="0"/>
+              </a:rPr>
+              <a:t>obliczania</a:t>
+            </a:r>
+            <a:r>
+              <a:rPr lang="en-US" sz="800" b="0" i="1" dirty="0">
+                <a:solidFill>
+                  <a:srgbClr val="93A1A1"/>
+                </a:solidFill>
+                <a:effectLst/>
+                <a:highlight>
+                  <a:srgbClr val="FDF6E3"/>
+                </a:highlight>
+                <a:latin typeface="Consolas" panose="020B0609020204030204" pitchFamily="49" charset="0"/>
+              </a:rPr>
+              <a:t> </a:t>
+            </a:r>
+            <a:r>
+              <a:rPr lang="en-US" sz="800" b="0" i="1" dirty="0" err="1">
+                <a:solidFill>
+                  <a:srgbClr val="93A1A1"/>
+                </a:solidFill>
+                <a:effectLst/>
+                <a:highlight>
+                  <a:srgbClr val="FDF6E3"/>
+                </a:highlight>
+                <a:latin typeface="Consolas" panose="020B0609020204030204" pitchFamily="49" charset="0"/>
+              </a:rPr>
+              <a:t>nasłonecznienia</a:t>
+            </a:r>
+            <a:r>
+              <a:rPr lang="en-US" sz="800" b="0" i="1" dirty="0">
+                <a:solidFill>
+                  <a:srgbClr val="93A1A1"/>
+                </a:solidFill>
+                <a:effectLst/>
+                <a:highlight>
+                  <a:srgbClr val="FDF6E3"/>
+                </a:highlight>
+                <a:latin typeface="Consolas" panose="020B0609020204030204" pitchFamily="49" charset="0"/>
+              </a:rPr>
+              <a:t> </a:t>
+            </a:r>
+            <a:r>
+              <a:rPr lang="en-US" sz="800" b="0" i="1" dirty="0" err="1">
+                <a:solidFill>
+                  <a:srgbClr val="93A1A1"/>
+                </a:solidFill>
+                <a:effectLst/>
+                <a:highlight>
+                  <a:srgbClr val="FDF6E3"/>
+                </a:highlight>
+                <a:latin typeface="Consolas" panose="020B0609020204030204" pitchFamily="49" charset="0"/>
+              </a:rPr>
+              <a:t>na</a:t>
+            </a:r>
+            <a:r>
+              <a:rPr lang="en-US" sz="800" b="0" i="1" dirty="0">
+                <a:solidFill>
+                  <a:srgbClr val="93A1A1"/>
+                </a:solidFill>
+                <a:effectLst/>
+                <a:highlight>
+                  <a:srgbClr val="FDF6E3"/>
+                </a:highlight>
+                <a:latin typeface="Consolas" panose="020B0609020204030204" pitchFamily="49" charset="0"/>
+              </a:rPr>
+              <a:t> </a:t>
+            </a:r>
+            <a:r>
+              <a:rPr lang="en-US" sz="800" b="0" i="1" dirty="0" err="1">
+                <a:solidFill>
+                  <a:srgbClr val="93A1A1"/>
+                </a:solidFill>
+                <a:effectLst/>
+                <a:highlight>
+                  <a:srgbClr val="FDF6E3"/>
+                </a:highlight>
+                <a:latin typeface="Consolas" panose="020B0609020204030204" pitchFamily="49" charset="0"/>
+              </a:rPr>
+              <a:t>podstawie</a:t>
+            </a:r>
+            <a:r>
+              <a:rPr lang="en-US" sz="800" b="0" i="1" dirty="0">
+                <a:solidFill>
+                  <a:srgbClr val="93A1A1"/>
+                </a:solidFill>
+                <a:effectLst/>
+                <a:highlight>
+                  <a:srgbClr val="FDF6E3"/>
+                </a:highlight>
+                <a:latin typeface="Consolas" panose="020B0609020204030204" pitchFamily="49" charset="0"/>
+              </a:rPr>
+              <a:t> </a:t>
+            </a:r>
+            <a:r>
+              <a:rPr lang="en-US" sz="800" b="0" i="1" dirty="0" err="1">
+                <a:solidFill>
+                  <a:srgbClr val="93A1A1"/>
+                </a:solidFill>
+                <a:effectLst/>
+                <a:highlight>
+                  <a:srgbClr val="FDF6E3"/>
+                </a:highlight>
+                <a:latin typeface="Consolas" panose="020B0609020204030204" pitchFamily="49" charset="0"/>
+              </a:rPr>
+              <a:t>zachmurzenia</a:t>
+            </a:r>
+            <a:r>
+              <a:rPr lang="en-US" sz="800" b="0" i="1" dirty="0">
+                <a:solidFill>
+                  <a:srgbClr val="93A1A1"/>
+                </a:solidFill>
+                <a:effectLst/>
+                <a:highlight>
+                  <a:srgbClr val="FDF6E3"/>
+                </a:highlight>
+                <a:latin typeface="Consolas" panose="020B0609020204030204" pitchFamily="49" charset="0"/>
+              </a:rPr>
+              <a:t> </a:t>
+            </a:r>
+            <a:r>
+              <a:rPr lang="en-US" sz="800" b="0" i="1" dirty="0" err="1">
+                <a:solidFill>
+                  <a:srgbClr val="93A1A1"/>
+                </a:solidFill>
+                <a:effectLst/>
+                <a:highlight>
+                  <a:srgbClr val="FDF6E3"/>
+                </a:highlight>
+                <a:latin typeface="Consolas" panose="020B0609020204030204" pitchFamily="49" charset="0"/>
+              </a:rPr>
+              <a:t>i</a:t>
+            </a:r>
+            <a:r>
+              <a:rPr lang="en-US" sz="800" b="0" i="1" dirty="0">
+                <a:solidFill>
+                  <a:srgbClr val="93A1A1"/>
+                </a:solidFill>
+                <a:effectLst/>
+                <a:highlight>
+                  <a:srgbClr val="FDF6E3"/>
+                </a:highlight>
+                <a:latin typeface="Consolas" panose="020B0609020204030204" pitchFamily="49" charset="0"/>
+              </a:rPr>
+              <a:t> </a:t>
+            </a:r>
+            <a:r>
+              <a:rPr lang="en-US" sz="800" b="0" i="1" dirty="0" err="1">
+                <a:solidFill>
+                  <a:srgbClr val="93A1A1"/>
+                </a:solidFill>
+                <a:effectLst/>
+                <a:highlight>
+                  <a:srgbClr val="FDF6E3"/>
+                </a:highlight>
+                <a:latin typeface="Consolas" panose="020B0609020204030204" pitchFamily="49" charset="0"/>
+              </a:rPr>
+              <a:t>pogody</a:t>
+            </a:r>
+            <a:r>
+              <a:rPr lang="en-US" sz="800" b="0" i="1" dirty="0">
+                <a:solidFill>
+                  <a:srgbClr val="93A1A1"/>
+                </a:solidFill>
+                <a:effectLst/>
+                <a:highlight>
+                  <a:srgbClr val="FDF6E3"/>
+                </a:highlight>
+                <a:latin typeface="Consolas" panose="020B0609020204030204" pitchFamily="49" charset="0"/>
+              </a:rPr>
+              <a:t>. </a:t>
+            </a:r>
+            <a:r>
+              <a:rPr lang="en-US" sz="800" b="0" i="1" dirty="0" err="1">
+                <a:solidFill>
+                  <a:srgbClr val="93A1A1"/>
+                </a:solidFill>
+                <a:effectLst/>
+                <a:highlight>
+                  <a:srgbClr val="FDF6E3"/>
+                </a:highlight>
+                <a:latin typeface="Consolas" panose="020B0609020204030204" pitchFamily="49" charset="0"/>
+              </a:rPr>
+              <a:t>Funkcja</a:t>
+            </a:r>
+            <a:r>
+              <a:rPr lang="en-US" sz="800" b="0" i="1" dirty="0">
+                <a:solidFill>
+                  <a:srgbClr val="93A1A1"/>
+                </a:solidFill>
+                <a:effectLst/>
+                <a:highlight>
+                  <a:srgbClr val="FDF6E3"/>
+                </a:highlight>
+                <a:latin typeface="Consolas" panose="020B0609020204030204" pitchFamily="49" charset="0"/>
+              </a:rPr>
+              <a:t> </a:t>
+            </a:r>
+            <a:r>
+              <a:rPr lang="en-US" sz="800" b="0" i="1" dirty="0" err="1">
+                <a:solidFill>
+                  <a:srgbClr val="93A1A1"/>
+                </a:solidFill>
+                <a:effectLst/>
+                <a:highlight>
+                  <a:srgbClr val="FDF6E3"/>
+                </a:highlight>
+                <a:latin typeface="Consolas" panose="020B0609020204030204" pitchFamily="49" charset="0"/>
+              </a:rPr>
+              <a:t>calculate_irradiance</a:t>
+            </a:r>
+            <a:r>
+              <a:rPr lang="en-US" sz="800" b="0" i="1" dirty="0">
+                <a:solidFill>
+                  <a:srgbClr val="93A1A1"/>
+                </a:solidFill>
+                <a:effectLst/>
+                <a:highlight>
+                  <a:srgbClr val="FDF6E3"/>
+                </a:highlight>
+                <a:latin typeface="Consolas" panose="020B0609020204030204" pitchFamily="49" charset="0"/>
+              </a:rPr>
+              <a:t> </a:t>
+            </a:r>
+            <a:r>
+              <a:rPr lang="en-US" sz="800" b="0" i="1" dirty="0" err="1">
+                <a:solidFill>
+                  <a:srgbClr val="93A1A1"/>
+                </a:solidFill>
+                <a:effectLst/>
+                <a:highlight>
+                  <a:srgbClr val="FDF6E3"/>
+                </a:highlight>
+                <a:latin typeface="Consolas" panose="020B0609020204030204" pitchFamily="49" charset="0"/>
+              </a:rPr>
+              <a:t>używa</a:t>
+            </a:r>
+            <a:r>
+              <a:rPr lang="en-US" sz="800" b="0" i="1" dirty="0">
+                <a:solidFill>
+                  <a:srgbClr val="93A1A1"/>
+                </a:solidFill>
+                <a:effectLst/>
+                <a:highlight>
+                  <a:srgbClr val="FDF6E3"/>
+                </a:highlight>
+                <a:latin typeface="Consolas" panose="020B0609020204030204" pitchFamily="49" charset="0"/>
+              </a:rPr>
+              <a:t> </a:t>
+            </a:r>
+            <a:r>
+              <a:rPr lang="en-US" sz="800" b="0" i="1" dirty="0" err="1">
+                <a:solidFill>
+                  <a:srgbClr val="93A1A1"/>
+                </a:solidFill>
+                <a:effectLst/>
+                <a:highlight>
+                  <a:srgbClr val="FDF6E3"/>
+                </a:highlight>
+                <a:latin typeface="Consolas" panose="020B0609020204030204" pitchFamily="49" charset="0"/>
+              </a:rPr>
+              <a:t>wartości</a:t>
+            </a:r>
+            <a:r>
+              <a:rPr lang="en-US" sz="800" b="0" i="1" dirty="0">
+                <a:solidFill>
+                  <a:srgbClr val="93A1A1"/>
+                </a:solidFill>
+                <a:effectLst/>
+                <a:highlight>
+                  <a:srgbClr val="FDF6E3"/>
+                </a:highlight>
+                <a:latin typeface="Consolas" panose="020B0609020204030204" pitchFamily="49" charset="0"/>
+              </a:rPr>
+              <a:t> </a:t>
+            </a:r>
+            <a:r>
+              <a:rPr lang="en-US" sz="800" b="0" i="1" dirty="0" err="1">
+                <a:solidFill>
+                  <a:srgbClr val="93A1A1"/>
+                </a:solidFill>
+                <a:effectLst/>
+                <a:highlight>
+                  <a:srgbClr val="FDF6E3"/>
+                </a:highlight>
+                <a:latin typeface="Consolas" panose="020B0609020204030204" pitchFamily="49" charset="0"/>
+              </a:rPr>
+              <a:t>typical_irradiance</a:t>
+            </a:r>
+            <a:r>
+              <a:rPr lang="en-US" sz="800" b="0" i="1" dirty="0">
+                <a:solidFill>
+                  <a:srgbClr val="93A1A1"/>
+                </a:solidFill>
+                <a:effectLst/>
+                <a:highlight>
+                  <a:srgbClr val="FDF6E3"/>
+                </a:highlight>
+                <a:latin typeface="Consolas" panose="020B0609020204030204" pitchFamily="49" charset="0"/>
+              </a:rPr>
+              <a:t> </a:t>
+            </a:r>
+            <a:r>
+              <a:rPr lang="en-US" sz="800" b="0" i="1" dirty="0" err="1">
+                <a:solidFill>
+                  <a:srgbClr val="93A1A1"/>
+                </a:solidFill>
+                <a:effectLst/>
+                <a:highlight>
+                  <a:srgbClr val="FDF6E3"/>
+                </a:highlight>
+                <a:latin typeface="Consolas" panose="020B0609020204030204" pitchFamily="49" charset="0"/>
+              </a:rPr>
+              <a:t>i</a:t>
+            </a:r>
+            <a:r>
+              <a:rPr lang="en-US" sz="800" b="0" i="1" dirty="0">
+                <a:solidFill>
+                  <a:srgbClr val="93A1A1"/>
+                </a:solidFill>
+                <a:effectLst/>
+                <a:highlight>
+                  <a:srgbClr val="FDF6E3"/>
+                </a:highlight>
+                <a:latin typeface="Consolas" panose="020B0609020204030204" pitchFamily="49" charset="0"/>
+              </a:rPr>
+              <a:t> </a:t>
+            </a:r>
+            <a:r>
+              <a:rPr lang="en-US" sz="800" b="0" i="1" dirty="0" err="1">
+                <a:solidFill>
+                  <a:srgbClr val="93A1A1"/>
+                </a:solidFill>
+                <a:effectLst/>
+                <a:highlight>
+                  <a:srgbClr val="FDF6E3"/>
+                </a:highlight>
+                <a:latin typeface="Consolas" panose="020B0609020204030204" pitchFamily="49" charset="0"/>
+              </a:rPr>
+              <a:t>modyfikuje</a:t>
+            </a:r>
+            <a:r>
+              <a:rPr lang="en-US" sz="800" b="0" i="1" dirty="0">
+                <a:solidFill>
+                  <a:srgbClr val="93A1A1"/>
+                </a:solidFill>
+                <a:effectLst/>
+                <a:highlight>
+                  <a:srgbClr val="FDF6E3"/>
+                </a:highlight>
+                <a:latin typeface="Consolas" panose="020B0609020204030204" pitchFamily="49" charset="0"/>
+              </a:rPr>
+              <a:t> </a:t>
+            </a:r>
+            <a:r>
+              <a:rPr lang="en-US" sz="800" b="0" i="1" dirty="0" err="1">
+                <a:solidFill>
+                  <a:srgbClr val="93A1A1"/>
+                </a:solidFill>
+                <a:effectLst/>
+                <a:highlight>
+                  <a:srgbClr val="FDF6E3"/>
+                </a:highlight>
+                <a:latin typeface="Consolas" panose="020B0609020204030204" pitchFamily="49" charset="0"/>
+              </a:rPr>
+              <a:t>ją</a:t>
+            </a:r>
+            <a:r>
+              <a:rPr lang="en-US" sz="800" b="0" i="1" dirty="0">
+                <a:solidFill>
+                  <a:srgbClr val="93A1A1"/>
+                </a:solidFill>
+                <a:effectLst/>
+                <a:highlight>
+                  <a:srgbClr val="FDF6E3"/>
+                </a:highlight>
+                <a:latin typeface="Consolas" panose="020B0609020204030204" pitchFamily="49" charset="0"/>
+              </a:rPr>
+              <a:t> w </a:t>
+            </a:r>
+            <a:r>
+              <a:rPr lang="en-US" sz="800" b="0" i="1" dirty="0" err="1">
+                <a:solidFill>
+                  <a:srgbClr val="93A1A1"/>
+                </a:solidFill>
+                <a:effectLst/>
+                <a:highlight>
+                  <a:srgbClr val="FDF6E3"/>
+                </a:highlight>
+                <a:latin typeface="Consolas" panose="020B0609020204030204" pitchFamily="49" charset="0"/>
+              </a:rPr>
+              <a:t>zależności</a:t>
+            </a:r>
+            <a:r>
+              <a:rPr lang="en-US" sz="800" b="0" i="1" dirty="0">
+                <a:solidFill>
+                  <a:srgbClr val="93A1A1"/>
+                </a:solidFill>
+                <a:effectLst/>
+                <a:highlight>
+                  <a:srgbClr val="FDF6E3"/>
+                </a:highlight>
+                <a:latin typeface="Consolas" panose="020B0609020204030204" pitchFamily="49" charset="0"/>
+              </a:rPr>
+              <a:t> od </a:t>
+            </a:r>
+            <a:r>
+              <a:rPr lang="en-US" sz="800" b="0" i="1" dirty="0" err="1">
+                <a:solidFill>
+                  <a:srgbClr val="93A1A1"/>
+                </a:solidFill>
+                <a:effectLst/>
+                <a:highlight>
+                  <a:srgbClr val="FDF6E3"/>
+                </a:highlight>
+                <a:latin typeface="Consolas" panose="020B0609020204030204" pitchFamily="49" charset="0"/>
+              </a:rPr>
+              <a:t>zachmurzenia</a:t>
+            </a:r>
+            <a:r>
+              <a:rPr lang="en-US" sz="800" b="0" i="1" dirty="0">
+                <a:solidFill>
+                  <a:srgbClr val="93A1A1"/>
+                </a:solidFill>
+                <a:effectLst/>
+                <a:highlight>
+                  <a:srgbClr val="FDF6E3"/>
+                </a:highlight>
+                <a:latin typeface="Consolas" panose="020B0609020204030204" pitchFamily="49" charset="0"/>
+              </a:rPr>
+              <a:t> </a:t>
+            </a:r>
+            <a:r>
+              <a:rPr lang="en-US" sz="800" b="0" i="1" dirty="0" err="1">
+                <a:solidFill>
+                  <a:srgbClr val="93A1A1"/>
+                </a:solidFill>
+                <a:effectLst/>
+                <a:highlight>
+                  <a:srgbClr val="FDF6E3"/>
+                </a:highlight>
+                <a:latin typeface="Consolas" panose="020B0609020204030204" pitchFamily="49" charset="0"/>
+              </a:rPr>
+              <a:t>i</a:t>
+            </a:r>
+            <a:r>
+              <a:rPr lang="en-US" sz="800" b="0" i="1" dirty="0">
+                <a:solidFill>
+                  <a:srgbClr val="93A1A1"/>
+                </a:solidFill>
+                <a:effectLst/>
+                <a:highlight>
+                  <a:srgbClr val="FDF6E3"/>
+                </a:highlight>
+                <a:latin typeface="Consolas" panose="020B0609020204030204" pitchFamily="49" charset="0"/>
+              </a:rPr>
+              <a:t> </a:t>
+            </a:r>
+            <a:r>
+              <a:rPr lang="en-US" sz="800" b="0" i="1" dirty="0" err="1">
+                <a:solidFill>
+                  <a:srgbClr val="93A1A1"/>
+                </a:solidFill>
+                <a:effectLst/>
+                <a:highlight>
+                  <a:srgbClr val="FDF6E3"/>
+                </a:highlight>
+                <a:latin typeface="Consolas" panose="020B0609020204030204" pitchFamily="49" charset="0"/>
+              </a:rPr>
+              <a:t>warunków</a:t>
+            </a:r>
+            <a:r>
+              <a:rPr lang="en-US" sz="800" b="0" i="1" dirty="0">
+                <a:solidFill>
+                  <a:srgbClr val="93A1A1"/>
+                </a:solidFill>
+                <a:effectLst/>
+                <a:highlight>
+                  <a:srgbClr val="FDF6E3"/>
+                </a:highlight>
+                <a:latin typeface="Consolas" panose="020B0609020204030204" pitchFamily="49" charset="0"/>
+              </a:rPr>
+              <a:t> </a:t>
+            </a:r>
+            <a:r>
+              <a:rPr lang="en-US" sz="800" b="0" i="1" dirty="0" err="1">
+                <a:solidFill>
+                  <a:srgbClr val="93A1A1"/>
+                </a:solidFill>
+                <a:effectLst/>
+                <a:highlight>
+                  <a:srgbClr val="FDF6E3"/>
+                </a:highlight>
+                <a:latin typeface="Consolas" panose="020B0609020204030204" pitchFamily="49" charset="0"/>
+              </a:rPr>
+              <a:t>pogodowych</a:t>
+            </a:r>
+            <a:r>
+              <a:rPr lang="en-US" sz="800" b="0" i="1" dirty="0">
+                <a:solidFill>
+                  <a:srgbClr val="93A1A1"/>
+                </a:solidFill>
+                <a:effectLst/>
+                <a:highlight>
+                  <a:srgbClr val="FDF6E3"/>
+                </a:highlight>
+                <a:latin typeface="Consolas" panose="020B0609020204030204" pitchFamily="49" charset="0"/>
+              </a:rPr>
+              <a:t>, aby </a:t>
+            </a:r>
+            <a:r>
+              <a:rPr lang="en-US" sz="800" b="0" i="1" dirty="0" err="1">
+                <a:solidFill>
+                  <a:srgbClr val="93A1A1"/>
+                </a:solidFill>
+                <a:effectLst/>
+                <a:highlight>
+                  <a:srgbClr val="FDF6E3"/>
+                </a:highlight>
+                <a:latin typeface="Consolas" panose="020B0609020204030204" pitchFamily="49" charset="0"/>
+              </a:rPr>
+              <a:t>uzyskać</a:t>
+            </a:r>
+            <a:r>
+              <a:rPr lang="en-US" sz="800" b="0" i="1" dirty="0">
+                <a:solidFill>
+                  <a:srgbClr val="93A1A1"/>
+                </a:solidFill>
+                <a:effectLst/>
+                <a:highlight>
+                  <a:srgbClr val="FDF6E3"/>
+                </a:highlight>
+                <a:latin typeface="Consolas" panose="020B0609020204030204" pitchFamily="49" charset="0"/>
+              </a:rPr>
+              <a:t> </a:t>
+            </a:r>
+            <a:r>
+              <a:rPr lang="en-US" sz="800" b="0" i="1" dirty="0" err="1">
+                <a:solidFill>
+                  <a:srgbClr val="93A1A1"/>
+                </a:solidFill>
+                <a:effectLst/>
+                <a:highlight>
+                  <a:srgbClr val="FDF6E3"/>
+                </a:highlight>
+                <a:latin typeface="Consolas" panose="020B0609020204030204" pitchFamily="49" charset="0"/>
+              </a:rPr>
+              <a:t>realistyczne</a:t>
+            </a:r>
+            <a:r>
+              <a:rPr lang="en-US" sz="800" b="0" i="1" dirty="0">
+                <a:solidFill>
+                  <a:srgbClr val="93A1A1"/>
+                </a:solidFill>
+                <a:effectLst/>
+                <a:highlight>
+                  <a:srgbClr val="FDF6E3"/>
+                </a:highlight>
+                <a:latin typeface="Consolas" panose="020B0609020204030204" pitchFamily="49" charset="0"/>
+              </a:rPr>
+              <a:t> </a:t>
+            </a:r>
+            <a:r>
+              <a:rPr lang="en-US" sz="800" b="0" i="1" dirty="0" err="1">
+                <a:solidFill>
+                  <a:srgbClr val="93A1A1"/>
+                </a:solidFill>
+                <a:effectLst/>
+                <a:highlight>
+                  <a:srgbClr val="FDF6E3"/>
+                </a:highlight>
+                <a:latin typeface="Consolas" panose="020B0609020204030204" pitchFamily="49" charset="0"/>
+              </a:rPr>
+              <a:t>szacunki</a:t>
+            </a:r>
+            <a:r>
+              <a:rPr lang="en-US" sz="800" b="0" i="1" dirty="0">
+                <a:solidFill>
+                  <a:srgbClr val="93A1A1"/>
+                </a:solidFill>
+                <a:effectLst/>
+                <a:highlight>
+                  <a:srgbClr val="FDF6E3"/>
+                </a:highlight>
+                <a:latin typeface="Consolas" panose="020B0609020204030204" pitchFamily="49" charset="0"/>
+              </a:rPr>
+              <a:t> </a:t>
+            </a:r>
+            <a:r>
+              <a:rPr lang="en-US" sz="800" b="0" i="1" dirty="0" err="1">
+                <a:solidFill>
+                  <a:srgbClr val="93A1A1"/>
+                </a:solidFill>
+                <a:effectLst/>
+                <a:highlight>
+                  <a:srgbClr val="FDF6E3"/>
+                </a:highlight>
+                <a:latin typeface="Consolas" panose="020B0609020204030204" pitchFamily="49" charset="0"/>
+              </a:rPr>
+              <a:t>dziennego</a:t>
+            </a:r>
+            <a:r>
+              <a:rPr lang="en-US" sz="800" b="0" i="1" dirty="0">
+                <a:solidFill>
+                  <a:srgbClr val="93A1A1"/>
+                </a:solidFill>
+                <a:effectLst/>
+                <a:highlight>
+                  <a:srgbClr val="FDF6E3"/>
+                </a:highlight>
+                <a:latin typeface="Consolas" panose="020B0609020204030204" pitchFamily="49" charset="0"/>
+              </a:rPr>
+              <a:t> </a:t>
+            </a:r>
+            <a:r>
+              <a:rPr lang="en-US" sz="800" b="0" i="1" dirty="0" err="1">
+                <a:solidFill>
+                  <a:srgbClr val="93A1A1"/>
+                </a:solidFill>
+                <a:effectLst/>
+                <a:highlight>
+                  <a:srgbClr val="FDF6E3"/>
+                </a:highlight>
+                <a:latin typeface="Consolas" panose="020B0609020204030204" pitchFamily="49" charset="0"/>
+              </a:rPr>
+              <a:t>nasłonecznienia</a:t>
+            </a:r>
+            <a:r>
+              <a:rPr lang="en-US" sz="800" b="0" i="1" dirty="0">
+                <a:solidFill>
+                  <a:srgbClr val="93A1A1"/>
+                </a:solidFill>
+                <a:effectLst/>
+                <a:highlight>
+                  <a:srgbClr val="FDF6E3"/>
+                </a:highlight>
+                <a:latin typeface="Consolas" panose="020B0609020204030204" pitchFamily="49" charset="0"/>
+              </a:rPr>
+              <a:t>.</a:t>
+            </a:r>
+            <a:endParaRPr lang="en-US" sz="800" b="0" dirty="0">
+              <a:solidFill>
+                <a:srgbClr val="657B83"/>
+              </a:solidFill>
+              <a:effectLst/>
+              <a:highlight>
+                <a:srgbClr val="FDF6E3"/>
+              </a:highlight>
+              <a:latin typeface="Consolas" panose="020B0609020204030204" pitchFamily="49" charset="0"/>
+            </a:endParaRPr>
+          </a:p>
+          <a:p>
+            <a:r>
+              <a:rPr lang="en-US" sz="800" b="1" dirty="0">
+                <a:solidFill>
+                  <a:srgbClr val="586E75"/>
+                </a:solidFill>
+                <a:effectLst/>
+                <a:highlight>
+                  <a:srgbClr val="FDF6E3"/>
+                </a:highlight>
+                <a:latin typeface="Consolas" panose="020B0609020204030204" pitchFamily="49" charset="0"/>
+              </a:rPr>
+              <a:t>def</a:t>
+            </a:r>
+            <a:r>
+              <a:rPr lang="en-US" sz="800" b="0" dirty="0">
+                <a:solidFill>
+                  <a:srgbClr val="657B83"/>
+                </a:solidFill>
+                <a:effectLst/>
+                <a:highlight>
+                  <a:srgbClr val="FDF6E3"/>
+                </a:highlight>
+                <a:latin typeface="Consolas" panose="020B0609020204030204" pitchFamily="49" charset="0"/>
+              </a:rPr>
+              <a:t> </a:t>
+            </a:r>
+            <a:r>
+              <a:rPr lang="en-US" sz="800" b="0" dirty="0" err="1">
+                <a:solidFill>
+                  <a:srgbClr val="268BD2"/>
+                </a:solidFill>
+                <a:effectLst/>
+                <a:highlight>
+                  <a:srgbClr val="FDF6E3"/>
+                </a:highlight>
+                <a:latin typeface="Consolas" panose="020B0609020204030204" pitchFamily="49" charset="0"/>
+              </a:rPr>
+              <a:t>calculate_irradiance</a:t>
+            </a:r>
+            <a:r>
+              <a:rPr lang="en-US" sz="800" b="0" dirty="0">
+                <a:solidFill>
+                  <a:srgbClr val="657B83"/>
+                </a:solidFill>
+                <a:effectLst/>
+                <a:highlight>
+                  <a:srgbClr val="FDF6E3"/>
+                </a:highlight>
+                <a:latin typeface="Consolas" panose="020B0609020204030204" pitchFamily="49" charset="0"/>
+              </a:rPr>
+              <a:t>(row):</a:t>
+            </a:r>
+          </a:p>
+          <a:p>
+            <a:r>
+              <a:rPr lang="en-US" sz="800" b="0" dirty="0">
+                <a:solidFill>
+                  <a:srgbClr val="657B83"/>
+                </a:solidFill>
+                <a:effectLst/>
+                <a:highlight>
+                  <a:srgbClr val="FDF6E3"/>
+                </a:highlight>
+                <a:latin typeface="Consolas" panose="020B0609020204030204" pitchFamily="49" charset="0"/>
+              </a:rPr>
+              <a:t>    </a:t>
+            </a:r>
+            <a:r>
+              <a:rPr lang="en-US" sz="800" b="0" dirty="0">
+                <a:solidFill>
+                  <a:srgbClr val="268BD2"/>
+                </a:solidFill>
+                <a:effectLst/>
+                <a:highlight>
+                  <a:srgbClr val="FDF6E3"/>
+                </a:highlight>
+                <a:latin typeface="Consolas" panose="020B0609020204030204" pitchFamily="49" charset="0"/>
+              </a:rPr>
+              <a:t>clouds</a:t>
+            </a:r>
+            <a:r>
+              <a:rPr lang="en-US" sz="800" b="0" dirty="0">
+                <a:solidFill>
+                  <a:srgbClr val="657B83"/>
+                </a:solidFill>
+                <a:effectLst/>
+                <a:highlight>
+                  <a:srgbClr val="FDF6E3"/>
+                </a:highlight>
+                <a:latin typeface="Consolas" panose="020B0609020204030204" pitchFamily="49" charset="0"/>
+              </a:rPr>
+              <a:t> </a:t>
+            </a:r>
+            <a:r>
+              <a:rPr lang="en-US" sz="800" b="0" dirty="0">
+                <a:solidFill>
+                  <a:srgbClr val="859900"/>
+                </a:solidFill>
+                <a:effectLst/>
+                <a:highlight>
+                  <a:srgbClr val="FDF6E3"/>
+                </a:highlight>
+                <a:latin typeface="Consolas" panose="020B0609020204030204" pitchFamily="49" charset="0"/>
+              </a:rPr>
+              <a:t>=</a:t>
+            </a:r>
+            <a:r>
+              <a:rPr lang="en-US" sz="800" b="0" dirty="0">
+                <a:solidFill>
+                  <a:srgbClr val="657B83"/>
+                </a:solidFill>
+                <a:effectLst/>
+                <a:highlight>
+                  <a:srgbClr val="FDF6E3"/>
+                </a:highlight>
+                <a:latin typeface="Consolas" panose="020B0609020204030204" pitchFamily="49" charset="0"/>
+              </a:rPr>
+              <a:t> row[</a:t>
+            </a:r>
+            <a:r>
+              <a:rPr lang="en-US" sz="800" b="0" dirty="0">
+                <a:solidFill>
+                  <a:srgbClr val="2AA198"/>
+                </a:solidFill>
+                <a:effectLst/>
+                <a:highlight>
+                  <a:srgbClr val="FDF6E3"/>
+                </a:highlight>
+                <a:latin typeface="Consolas" panose="020B0609020204030204" pitchFamily="49" charset="0"/>
+              </a:rPr>
+              <a:t>'</a:t>
+            </a:r>
+            <a:r>
+              <a:rPr lang="en-US" sz="800" b="0" dirty="0" err="1">
+                <a:solidFill>
+                  <a:srgbClr val="2AA198"/>
+                </a:solidFill>
+                <a:effectLst/>
+                <a:highlight>
+                  <a:srgbClr val="FDF6E3"/>
+                </a:highlight>
+                <a:latin typeface="Consolas" panose="020B0609020204030204" pitchFamily="49" charset="0"/>
+              </a:rPr>
+              <a:t>clouds_all</a:t>
+            </a:r>
+            <a:r>
+              <a:rPr lang="en-US" sz="800" b="0" dirty="0">
+                <a:solidFill>
+                  <a:srgbClr val="2AA198"/>
+                </a:solidFill>
+                <a:effectLst/>
+                <a:highlight>
+                  <a:srgbClr val="FDF6E3"/>
+                </a:highlight>
+                <a:latin typeface="Consolas" panose="020B0609020204030204" pitchFamily="49" charset="0"/>
+              </a:rPr>
+              <a:t>'</a:t>
+            </a:r>
+            <a:r>
+              <a:rPr lang="en-US" sz="800" b="0" dirty="0">
+                <a:solidFill>
+                  <a:srgbClr val="657B83"/>
+                </a:solidFill>
+                <a:effectLst/>
+                <a:highlight>
+                  <a:srgbClr val="FDF6E3"/>
+                </a:highlight>
+                <a:latin typeface="Consolas" panose="020B0609020204030204" pitchFamily="49" charset="0"/>
+              </a:rPr>
+              <a:t>]</a:t>
+            </a:r>
+          </a:p>
+          <a:p>
+            <a:r>
+              <a:rPr lang="en-US" sz="800" b="0" dirty="0">
+                <a:solidFill>
+                  <a:srgbClr val="657B83"/>
+                </a:solidFill>
+                <a:effectLst/>
+                <a:highlight>
+                  <a:srgbClr val="FDF6E3"/>
+                </a:highlight>
+                <a:latin typeface="Consolas" panose="020B0609020204030204" pitchFamily="49" charset="0"/>
+              </a:rPr>
+              <a:t>    </a:t>
+            </a:r>
+            <a:r>
+              <a:rPr lang="en-US" sz="800" b="0" dirty="0">
+                <a:solidFill>
+                  <a:srgbClr val="268BD2"/>
+                </a:solidFill>
+                <a:effectLst/>
+                <a:highlight>
+                  <a:srgbClr val="FDF6E3"/>
+                </a:highlight>
+                <a:latin typeface="Consolas" panose="020B0609020204030204" pitchFamily="49" charset="0"/>
+              </a:rPr>
+              <a:t>weather</a:t>
+            </a:r>
+            <a:r>
+              <a:rPr lang="en-US" sz="800" b="0" dirty="0">
+                <a:solidFill>
+                  <a:srgbClr val="657B83"/>
+                </a:solidFill>
+                <a:effectLst/>
+                <a:highlight>
+                  <a:srgbClr val="FDF6E3"/>
+                </a:highlight>
+                <a:latin typeface="Consolas" panose="020B0609020204030204" pitchFamily="49" charset="0"/>
+              </a:rPr>
+              <a:t> </a:t>
+            </a:r>
+            <a:r>
+              <a:rPr lang="en-US" sz="800" b="0" dirty="0">
+                <a:solidFill>
+                  <a:srgbClr val="859900"/>
+                </a:solidFill>
+                <a:effectLst/>
+                <a:highlight>
+                  <a:srgbClr val="FDF6E3"/>
+                </a:highlight>
+                <a:latin typeface="Consolas" panose="020B0609020204030204" pitchFamily="49" charset="0"/>
+              </a:rPr>
+              <a:t>=</a:t>
+            </a:r>
+            <a:r>
+              <a:rPr lang="en-US" sz="800" b="0" dirty="0">
+                <a:solidFill>
+                  <a:srgbClr val="657B83"/>
+                </a:solidFill>
+                <a:effectLst/>
+                <a:highlight>
+                  <a:srgbClr val="FDF6E3"/>
+                </a:highlight>
+                <a:latin typeface="Consolas" panose="020B0609020204030204" pitchFamily="49" charset="0"/>
+              </a:rPr>
+              <a:t> row[</a:t>
+            </a:r>
+            <a:r>
+              <a:rPr lang="en-US" sz="800" b="0" dirty="0">
+                <a:solidFill>
+                  <a:srgbClr val="2AA198"/>
+                </a:solidFill>
+                <a:effectLst/>
+                <a:highlight>
+                  <a:srgbClr val="FDF6E3"/>
+                </a:highlight>
+                <a:latin typeface="Consolas" panose="020B0609020204030204" pitchFamily="49" charset="0"/>
+              </a:rPr>
+              <a:t>'</a:t>
+            </a:r>
+            <a:r>
+              <a:rPr lang="en-US" sz="800" b="0" dirty="0" err="1">
+                <a:solidFill>
+                  <a:srgbClr val="2AA198"/>
+                </a:solidFill>
+                <a:effectLst/>
+                <a:highlight>
+                  <a:srgbClr val="FDF6E3"/>
+                </a:highlight>
+                <a:latin typeface="Consolas" panose="020B0609020204030204" pitchFamily="49" charset="0"/>
+              </a:rPr>
+              <a:t>weather_main</a:t>
+            </a:r>
+            <a:r>
+              <a:rPr lang="en-US" sz="800" b="0" dirty="0">
+                <a:solidFill>
+                  <a:srgbClr val="2AA198"/>
+                </a:solidFill>
+                <a:effectLst/>
+                <a:highlight>
+                  <a:srgbClr val="FDF6E3"/>
+                </a:highlight>
+                <a:latin typeface="Consolas" panose="020B0609020204030204" pitchFamily="49" charset="0"/>
+              </a:rPr>
+              <a:t>'</a:t>
+            </a:r>
+            <a:r>
+              <a:rPr lang="en-US" sz="800" b="0" dirty="0">
+                <a:solidFill>
+                  <a:srgbClr val="657B83"/>
+                </a:solidFill>
+                <a:effectLst/>
+                <a:highlight>
+                  <a:srgbClr val="FDF6E3"/>
+                </a:highlight>
+                <a:latin typeface="Consolas" panose="020B0609020204030204" pitchFamily="49" charset="0"/>
+              </a:rPr>
+              <a:t>]</a:t>
+            </a:r>
+          </a:p>
+          <a:p>
+            <a:r>
+              <a:rPr lang="en-US" sz="800" b="0" dirty="0">
+                <a:solidFill>
+                  <a:srgbClr val="657B83"/>
+                </a:solidFill>
+                <a:effectLst/>
+                <a:highlight>
+                  <a:srgbClr val="FDF6E3"/>
+                </a:highlight>
+                <a:latin typeface="Consolas" panose="020B0609020204030204" pitchFamily="49" charset="0"/>
+              </a:rPr>
+              <a:t>    </a:t>
+            </a:r>
+            <a:r>
+              <a:rPr lang="en-US" sz="800" b="0" dirty="0" err="1">
+                <a:solidFill>
+                  <a:srgbClr val="268BD2"/>
+                </a:solidFill>
+                <a:effectLst/>
+                <a:highlight>
+                  <a:srgbClr val="FDF6E3"/>
+                </a:highlight>
+                <a:latin typeface="Consolas" panose="020B0609020204030204" pitchFamily="49" charset="0"/>
+              </a:rPr>
+              <a:t>typical_irradiance</a:t>
+            </a:r>
+            <a:r>
+              <a:rPr lang="en-US" sz="800" b="0" dirty="0">
+                <a:solidFill>
+                  <a:srgbClr val="657B83"/>
+                </a:solidFill>
+                <a:effectLst/>
+                <a:highlight>
+                  <a:srgbClr val="FDF6E3"/>
+                </a:highlight>
+                <a:latin typeface="Consolas" panose="020B0609020204030204" pitchFamily="49" charset="0"/>
+              </a:rPr>
+              <a:t> </a:t>
+            </a:r>
+            <a:r>
+              <a:rPr lang="en-US" sz="800" b="0" dirty="0">
+                <a:solidFill>
+                  <a:srgbClr val="859900"/>
+                </a:solidFill>
+                <a:effectLst/>
+                <a:highlight>
+                  <a:srgbClr val="FDF6E3"/>
+                </a:highlight>
+                <a:latin typeface="Consolas" panose="020B0609020204030204" pitchFamily="49" charset="0"/>
+              </a:rPr>
+              <a:t>=</a:t>
+            </a:r>
+            <a:r>
+              <a:rPr lang="en-US" sz="800" b="0" dirty="0">
+                <a:solidFill>
+                  <a:srgbClr val="657B83"/>
+                </a:solidFill>
+                <a:effectLst/>
+                <a:highlight>
+                  <a:srgbClr val="FDF6E3"/>
+                </a:highlight>
+                <a:latin typeface="Consolas" panose="020B0609020204030204" pitchFamily="49" charset="0"/>
+              </a:rPr>
+              <a:t> </a:t>
+            </a:r>
+            <a:r>
+              <a:rPr lang="en-US" sz="800" b="0" dirty="0">
+                <a:solidFill>
+                  <a:srgbClr val="D33682"/>
+                </a:solidFill>
+                <a:effectLst/>
+                <a:highlight>
+                  <a:srgbClr val="FDF6E3"/>
+                </a:highlight>
+                <a:latin typeface="Consolas" panose="020B0609020204030204" pitchFamily="49" charset="0"/>
+              </a:rPr>
+              <a:t>5</a:t>
+            </a:r>
+            <a:r>
+              <a:rPr lang="en-US" sz="800" b="0" dirty="0">
+                <a:solidFill>
+                  <a:srgbClr val="657B83"/>
+                </a:solidFill>
+                <a:effectLst/>
+                <a:highlight>
+                  <a:srgbClr val="FDF6E3"/>
+                </a:highlight>
+                <a:latin typeface="Consolas" panose="020B0609020204030204" pitchFamily="49" charset="0"/>
+              </a:rPr>
+              <a:t>  </a:t>
+            </a:r>
+            <a:r>
+              <a:rPr lang="en-US" sz="800" b="0" i="1" dirty="0">
+                <a:solidFill>
+                  <a:srgbClr val="93A1A1"/>
+                </a:solidFill>
+                <a:effectLst/>
+                <a:highlight>
+                  <a:srgbClr val="FDF6E3"/>
+                </a:highlight>
+                <a:latin typeface="Consolas" panose="020B0609020204030204" pitchFamily="49" charset="0"/>
+              </a:rPr>
+              <a:t># </a:t>
+            </a:r>
+            <a:r>
+              <a:rPr lang="en-US" sz="800" b="0" i="1" dirty="0" err="1">
+                <a:solidFill>
+                  <a:srgbClr val="93A1A1"/>
+                </a:solidFill>
+                <a:effectLst/>
+                <a:highlight>
+                  <a:srgbClr val="FDF6E3"/>
+                </a:highlight>
+                <a:latin typeface="Consolas" panose="020B0609020204030204" pitchFamily="49" charset="0"/>
+              </a:rPr>
+              <a:t>Zakładając</a:t>
+            </a:r>
+            <a:r>
+              <a:rPr lang="en-US" sz="800" b="0" i="1" dirty="0">
+                <a:solidFill>
+                  <a:srgbClr val="93A1A1"/>
+                </a:solidFill>
+                <a:effectLst/>
+                <a:highlight>
+                  <a:srgbClr val="FDF6E3"/>
+                </a:highlight>
+                <a:latin typeface="Consolas" panose="020B0609020204030204" pitchFamily="49" charset="0"/>
+              </a:rPr>
+              <a:t>, </a:t>
+            </a:r>
+            <a:r>
+              <a:rPr lang="en-US" sz="800" b="0" i="1" dirty="0" err="1">
+                <a:solidFill>
+                  <a:srgbClr val="93A1A1"/>
+                </a:solidFill>
+                <a:effectLst/>
+                <a:highlight>
+                  <a:srgbClr val="FDF6E3"/>
+                </a:highlight>
+                <a:latin typeface="Consolas" panose="020B0609020204030204" pitchFamily="49" charset="0"/>
+              </a:rPr>
+              <a:t>że</a:t>
+            </a:r>
+            <a:r>
+              <a:rPr lang="en-US" sz="800" b="0" i="1" dirty="0">
+                <a:solidFill>
+                  <a:srgbClr val="93A1A1"/>
+                </a:solidFill>
+                <a:effectLst/>
+                <a:highlight>
+                  <a:srgbClr val="FDF6E3"/>
+                </a:highlight>
+                <a:latin typeface="Consolas" panose="020B0609020204030204" pitchFamily="49" charset="0"/>
+              </a:rPr>
+              <a:t> </a:t>
+            </a:r>
+            <a:r>
+              <a:rPr lang="en-US" sz="800" b="0" i="1" dirty="0" err="1">
+                <a:solidFill>
+                  <a:srgbClr val="93A1A1"/>
+                </a:solidFill>
+                <a:effectLst/>
+                <a:highlight>
+                  <a:srgbClr val="FDF6E3"/>
+                </a:highlight>
+                <a:latin typeface="Consolas" panose="020B0609020204030204" pitchFamily="49" charset="0"/>
+              </a:rPr>
+              <a:t>pełne</a:t>
+            </a:r>
+            <a:r>
+              <a:rPr lang="en-US" sz="800" b="0" i="1" dirty="0">
+                <a:solidFill>
+                  <a:srgbClr val="93A1A1"/>
+                </a:solidFill>
+                <a:effectLst/>
+                <a:highlight>
+                  <a:srgbClr val="FDF6E3"/>
+                </a:highlight>
+                <a:latin typeface="Consolas" panose="020B0609020204030204" pitchFamily="49" charset="0"/>
+              </a:rPr>
+              <a:t> </a:t>
+            </a:r>
+            <a:r>
+              <a:rPr lang="en-US" sz="800" b="0" i="1" dirty="0" err="1">
+                <a:solidFill>
+                  <a:srgbClr val="93A1A1"/>
+                </a:solidFill>
+                <a:effectLst/>
+                <a:highlight>
+                  <a:srgbClr val="FDF6E3"/>
+                </a:highlight>
+                <a:latin typeface="Consolas" panose="020B0609020204030204" pitchFamily="49" charset="0"/>
+              </a:rPr>
+              <a:t>nasłonecznienie</a:t>
+            </a:r>
+            <a:r>
+              <a:rPr lang="en-US" sz="800" b="0" i="1" dirty="0">
+                <a:solidFill>
+                  <a:srgbClr val="93A1A1"/>
+                </a:solidFill>
+                <a:effectLst/>
+                <a:highlight>
+                  <a:srgbClr val="FDF6E3"/>
+                </a:highlight>
+                <a:latin typeface="Consolas" panose="020B0609020204030204" pitchFamily="49" charset="0"/>
+              </a:rPr>
+              <a:t> </a:t>
+            </a:r>
+            <a:r>
+              <a:rPr lang="en-US" sz="800" b="0" i="1" dirty="0" err="1">
+                <a:solidFill>
+                  <a:srgbClr val="93A1A1"/>
+                </a:solidFill>
+                <a:effectLst/>
+                <a:highlight>
+                  <a:srgbClr val="FDF6E3"/>
+                </a:highlight>
+                <a:latin typeface="Consolas" panose="020B0609020204030204" pitchFamily="49" charset="0"/>
+              </a:rPr>
+              <a:t>daje</a:t>
+            </a:r>
+            <a:r>
+              <a:rPr lang="en-US" sz="800" b="0" i="1" dirty="0">
+                <a:solidFill>
+                  <a:srgbClr val="93A1A1"/>
+                </a:solidFill>
+                <a:effectLst/>
+                <a:highlight>
+                  <a:srgbClr val="FDF6E3"/>
+                </a:highlight>
+                <a:latin typeface="Consolas" panose="020B0609020204030204" pitchFamily="49" charset="0"/>
+              </a:rPr>
+              <a:t> 5 kWh/m²/</a:t>
+            </a:r>
+            <a:r>
+              <a:rPr lang="en-US" sz="800" b="0" i="1" dirty="0" err="1">
+                <a:solidFill>
+                  <a:srgbClr val="93A1A1"/>
+                </a:solidFill>
+                <a:effectLst/>
+                <a:highlight>
+                  <a:srgbClr val="FDF6E3"/>
+                </a:highlight>
+                <a:latin typeface="Consolas" panose="020B0609020204030204" pitchFamily="49" charset="0"/>
+              </a:rPr>
+              <a:t>dzień</a:t>
+            </a:r>
+            <a:r>
+              <a:rPr lang="en-US" sz="800" b="0" i="1" dirty="0">
+                <a:solidFill>
+                  <a:srgbClr val="93A1A1"/>
+                </a:solidFill>
+                <a:effectLst/>
+                <a:highlight>
+                  <a:srgbClr val="FDF6E3"/>
+                </a:highlight>
+                <a:latin typeface="Consolas" panose="020B0609020204030204" pitchFamily="49" charset="0"/>
+              </a:rPr>
+              <a:t>. </a:t>
+            </a:r>
+            <a:r>
+              <a:rPr lang="en-US" sz="800" b="0" i="1" dirty="0" err="1">
+                <a:solidFill>
+                  <a:srgbClr val="93A1A1"/>
+                </a:solidFill>
+                <a:effectLst/>
+                <a:highlight>
+                  <a:srgbClr val="FDF6E3"/>
+                </a:highlight>
+                <a:latin typeface="Consolas" panose="020B0609020204030204" pitchFamily="49" charset="0"/>
+              </a:rPr>
+              <a:t>Wartość</a:t>
+            </a:r>
+            <a:r>
+              <a:rPr lang="en-US" sz="800" b="0" i="1" dirty="0">
+                <a:solidFill>
+                  <a:srgbClr val="93A1A1"/>
+                </a:solidFill>
+                <a:effectLst/>
+                <a:highlight>
+                  <a:srgbClr val="FDF6E3"/>
+                </a:highlight>
+                <a:latin typeface="Consolas" panose="020B0609020204030204" pitchFamily="49" charset="0"/>
+              </a:rPr>
+              <a:t> </a:t>
+            </a:r>
+            <a:r>
+              <a:rPr lang="en-US" sz="800" b="0" i="1" dirty="0" err="1">
+                <a:solidFill>
+                  <a:srgbClr val="93A1A1"/>
+                </a:solidFill>
+                <a:effectLst/>
+                <a:highlight>
+                  <a:srgbClr val="FDF6E3"/>
+                </a:highlight>
+                <a:latin typeface="Consolas" panose="020B0609020204030204" pitchFamily="49" charset="0"/>
+              </a:rPr>
+              <a:t>typical_irradiance</a:t>
+            </a:r>
+            <a:r>
+              <a:rPr lang="en-US" sz="800" b="0" i="1" dirty="0">
+                <a:solidFill>
+                  <a:srgbClr val="93A1A1"/>
+                </a:solidFill>
+                <a:effectLst/>
+                <a:highlight>
+                  <a:srgbClr val="FDF6E3"/>
+                </a:highlight>
+                <a:latin typeface="Consolas" panose="020B0609020204030204" pitchFamily="49" charset="0"/>
+              </a:rPr>
+              <a:t> = 5 jest </a:t>
+            </a:r>
+            <a:r>
+              <a:rPr lang="en-US" sz="800" b="0" i="1" dirty="0" err="1">
+                <a:solidFill>
+                  <a:srgbClr val="93A1A1"/>
+                </a:solidFill>
+                <a:effectLst/>
+                <a:highlight>
+                  <a:srgbClr val="FDF6E3"/>
+                </a:highlight>
+                <a:latin typeface="Consolas" panose="020B0609020204030204" pitchFamily="49" charset="0"/>
+              </a:rPr>
+              <a:t>dobrze</a:t>
+            </a:r>
+            <a:r>
+              <a:rPr lang="en-US" sz="800" b="0" i="1" dirty="0">
+                <a:solidFill>
+                  <a:srgbClr val="93A1A1"/>
+                </a:solidFill>
+                <a:effectLst/>
+                <a:highlight>
+                  <a:srgbClr val="FDF6E3"/>
+                </a:highlight>
+                <a:latin typeface="Consolas" panose="020B0609020204030204" pitchFamily="49" charset="0"/>
+              </a:rPr>
+              <a:t> </a:t>
+            </a:r>
+            <a:r>
+              <a:rPr lang="en-US" sz="800" b="0" i="1" dirty="0" err="1">
+                <a:solidFill>
+                  <a:srgbClr val="93A1A1"/>
+                </a:solidFill>
+                <a:effectLst/>
+                <a:highlight>
+                  <a:srgbClr val="FDF6E3"/>
+                </a:highlight>
+                <a:latin typeface="Consolas" panose="020B0609020204030204" pitchFamily="49" charset="0"/>
+              </a:rPr>
+              <a:t>dobrana</a:t>
+            </a:r>
+            <a:r>
+              <a:rPr lang="en-US" sz="800" b="0" i="1" dirty="0">
+                <a:solidFill>
+                  <a:srgbClr val="93A1A1"/>
+                </a:solidFill>
+                <a:effectLst/>
+                <a:highlight>
+                  <a:srgbClr val="FDF6E3"/>
+                </a:highlight>
+                <a:latin typeface="Consolas" panose="020B0609020204030204" pitchFamily="49" charset="0"/>
+              </a:rPr>
+              <a:t> </a:t>
+            </a:r>
+            <a:r>
+              <a:rPr lang="en-US" sz="800" b="0" i="1" dirty="0" err="1">
+                <a:solidFill>
+                  <a:srgbClr val="93A1A1"/>
+                </a:solidFill>
+                <a:effectLst/>
+                <a:highlight>
+                  <a:srgbClr val="FDF6E3"/>
+                </a:highlight>
+                <a:latin typeface="Consolas" panose="020B0609020204030204" pitchFamily="49" charset="0"/>
+              </a:rPr>
+              <a:t>jako</a:t>
+            </a:r>
+            <a:r>
+              <a:rPr lang="en-US" sz="800" b="0" i="1" dirty="0">
+                <a:solidFill>
+                  <a:srgbClr val="93A1A1"/>
+                </a:solidFill>
+                <a:effectLst/>
+                <a:highlight>
+                  <a:srgbClr val="FDF6E3"/>
+                </a:highlight>
+                <a:latin typeface="Consolas" panose="020B0609020204030204" pitchFamily="49" charset="0"/>
+              </a:rPr>
+              <a:t> </a:t>
+            </a:r>
+            <a:r>
+              <a:rPr lang="en-US" sz="800" b="0" i="1" dirty="0" err="1">
+                <a:solidFill>
+                  <a:srgbClr val="93A1A1"/>
+                </a:solidFill>
+                <a:effectLst/>
+                <a:highlight>
+                  <a:srgbClr val="FDF6E3"/>
+                </a:highlight>
+                <a:latin typeface="Consolas" panose="020B0609020204030204" pitchFamily="49" charset="0"/>
+              </a:rPr>
+              <a:t>typowa</a:t>
+            </a:r>
+            <a:r>
+              <a:rPr lang="en-US" sz="800" b="0" i="1" dirty="0">
+                <a:solidFill>
+                  <a:srgbClr val="93A1A1"/>
+                </a:solidFill>
+                <a:effectLst/>
+                <a:highlight>
+                  <a:srgbClr val="FDF6E3"/>
+                </a:highlight>
+                <a:latin typeface="Consolas" panose="020B0609020204030204" pitchFamily="49" charset="0"/>
+              </a:rPr>
+              <a:t> </a:t>
+            </a:r>
+            <a:r>
+              <a:rPr lang="en-US" sz="800" b="0" i="1" dirty="0" err="1">
+                <a:solidFill>
+                  <a:srgbClr val="93A1A1"/>
+                </a:solidFill>
+                <a:effectLst/>
+                <a:highlight>
+                  <a:srgbClr val="FDF6E3"/>
+                </a:highlight>
+                <a:latin typeface="Consolas" panose="020B0609020204030204" pitchFamily="49" charset="0"/>
+              </a:rPr>
+              <a:t>wartość</a:t>
+            </a:r>
+            <a:r>
+              <a:rPr lang="en-US" sz="800" b="0" i="1" dirty="0">
+                <a:solidFill>
+                  <a:srgbClr val="93A1A1"/>
+                </a:solidFill>
+                <a:effectLst/>
+                <a:highlight>
+                  <a:srgbClr val="FDF6E3"/>
+                </a:highlight>
+                <a:latin typeface="Consolas" panose="020B0609020204030204" pitchFamily="49" charset="0"/>
+              </a:rPr>
+              <a:t> </a:t>
+            </a:r>
+            <a:r>
+              <a:rPr lang="en-US" sz="800" b="0" i="1" dirty="0" err="1">
+                <a:solidFill>
+                  <a:srgbClr val="93A1A1"/>
+                </a:solidFill>
+                <a:effectLst/>
+                <a:highlight>
+                  <a:srgbClr val="FDF6E3"/>
+                </a:highlight>
+                <a:latin typeface="Consolas" panose="020B0609020204030204" pitchFamily="49" charset="0"/>
+              </a:rPr>
+              <a:t>nasłonecznienia</a:t>
+            </a:r>
+            <a:r>
+              <a:rPr lang="en-US" sz="800" b="0" i="1" dirty="0">
+                <a:solidFill>
+                  <a:srgbClr val="93A1A1"/>
+                </a:solidFill>
+                <a:effectLst/>
+                <a:highlight>
+                  <a:srgbClr val="FDF6E3"/>
+                </a:highlight>
+                <a:latin typeface="Consolas" panose="020B0609020204030204" pitchFamily="49" charset="0"/>
+              </a:rPr>
+              <a:t> w </a:t>
+            </a:r>
+            <a:r>
+              <a:rPr lang="en-US" sz="800" b="0" i="1" dirty="0" err="1">
+                <a:solidFill>
+                  <a:srgbClr val="93A1A1"/>
+                </a:solidFill>
+                <a:effectLst/>
+                <a:highlight>
+                  <a:srgbClr val="FDF6E3"/>
+                </a:highlight>
+                <a:latin typeface="Consolas" panose="020B0609020204030204" pitchFamily="49" charset="0"/>
+              </a:rPr>
+              <a:t>pełnym</a:t>
+            </a:r>
+            <a:r>
+              <a:rPr lang="en-US" sz="800" b="0" i="1" dirty="0">
+                <a:solidFill>
+                  <a:srgbClr val="93A1A1"/>
+                </a:solidFill>
+                <a:effectLst/>
+                <a:highlight>
+                  <a:srgbClr val="FDF6E3"/>
+                </a:highlight>
+                <a:latin typeface="Consolas" panose="020B0609020204030204" pitchFamily="49" charset="0"/>
+              </a:rPr>
+              <a:t> </a:t>
+            </a:r>
+            <a:r>
+              <a:rPr lang="en-US" sz="800" b="0" i="1" dirty="0" err="1">
+                <a:solidFill>
+                  <a:srgbClr val="93A1A1"/>
+                </a:solidFill>
+                <a:effectLst/>
+                <a:highlight>
+                  <a:srgbClr val="FDF6E3"/>
+                </a:highlight>
+                <a:latin typeface="Consolas" panose="020B0609020204030204" pitchFamily="49" charset="0"/>
+              </a:rPr>
+              <a:t>słońcu</a:t>
+            </a:r>
+            <a:r>
+              <a:rPr lang="en-US" sz="800" b="0" i="1" dirty="0">
+                <a:solidFill>
+                  <a:srgbClr val="93A1A1"/>
+                </a:solidFill>
+                <a:effectLst/>
+                <a:highlight>
+                  <a:srgbClr val="FDF6E3"/>
+                </a:highlight>
+                <a:latin typeface="Consolas" panose="020B0609020204030204" pitchFamily="49" charset="0"/>
+              </a:rPr>
+              <a:t>, </a:t>
+            </a:r>
+            <a:r>
+              <a:rPr lang="en-US" sz="800" b="0" i="1" dirty="0" err="1">
+                <a:solidFill>
+                  <a:srgbClr val="93A1A1"/>
+                </a:solidFill>
+                <a:effectLst/>
+                <a:highlight>
+                  <a:srgbClr val="FDF6E3"/>
+                </a:highlight>
+                <a:latin typeface="Consolas" panose="020B0609020204030204" pitchFamily="49" charset="0"/>
+              </a:rPr>
+              <a:t>wyrażona</a:t>
+            </a:r>
+            <a:r>
+              <a:rPr lang="en-US" sz="800" b="0" i="1" dirty="0">
+                <a:solidFill>
+                  <a:srgbClr val="93A1A1"/>
+                </a:solidFill>
+                <a:effectLst/>
+                <a:highlight>
+                  <a:srgbClr val="FDF6E3"/>
+                </a:highlight>
+                <a:latin typeface="Consolas" panose="020B0609020204030204" pitchFamily="49" charset="0"/>
+              </a:rPr>
+              <a:t> w kWh/m²/</a:t>
+            </a:r>
+            <a:r>
+              <a:rPr lang="en-US" sz="800" b="0" i="1" dirty="0" err="1">
+                <a:solidFill>
+                  <a:srgbClr val="93A1A1"/>
+                </a:solidFill>
+                <a:effectLst/>
+                <a:highlight>
+                  <a:srgbClr val="FDF6E3"/>
+                </a:highlight>
+                <a:latin typeface="Consolas" panose="020B0609020204030204" pitchFamily="49" charset="0"/>
+              </a:rPr>
+              <a:t>dzień</a:t>
+            </a:r>
+            <a:r>
+              <a:rPr lang="en-US" sz="800" b="0" i="1" dirty="0">
+                <a:solidFill>
+                  <a:srgbClr val="93A1A1"/>
+                </a:solidFill>
+                <a:effectLst/>
+                <a:highlight>
+                  <a:srgbClr val="FDF6E3"/>
+                </a:highlight>
+                <a:latin typeface="Consolas" panose="020B0609020204030204" pitchFamily="49" charset="0"/>
+              </a:rPr>
+              <a:t>. Taka </a:t>
+            </a:r>
+            <a:r>
+              <a:rPr lang="en-US" sz="800" b="0" i="1" dirty="0" err="1">
+                <a:solidFill>
+                  <a:srgbClr val="93A1A1"/>
+                </a:solidFill>
+                <a:effectLst/>
+                <a:highlight>
+                  <a:srgbClr val="FDF6E3"/>
+                </a:highlight>
+                <a:latin typeface="Consolas" panose="020B0609020204030204" pitchFamily="49" charset="0"/>
+              </a:rPr>
+              <a:t>wartość</a:t>
+            </a:r>
+            <a:r>
+              <a:rPr lang="en-US" sz="800" b="0" i="1" dirty="0">
+                <a:solidFill>
+                  <a:srgbClr val="93A1A1"/>
+                </a:solidFill>
+                <a:effectLst/>
+                <a:highlight>
+                  <a:srgbClr val="FDF6E3"/>
+                </a:highlight>
+                <a:latin typeface="Consolas" panose="020B0609020204030204" pitchFamily="49" charset="0"/>
+              </a:rPr>
+              <a:t> jest </a:t>
+            </a:r>
+            <a:r>
+              <a:rPr lang="en-US" sz="800" b="0" i="1" dirty="0" err="1">
+                <a:solidFill>
+                  <a:srgbClr val="93A1A1"/>
+                </a:solidFill>
+                <a:effectLst/>
+                <a:highlight>
+                  <a:srgbClr val="FDF6E3"/>
+                </a:highlight>
+                <a:latin typeface="Consolas" panose="020B0609020204030204" pitchFamily="49" charset="0"/>
+              </a:rPr>
+              <a:t>realistyczna</a:t>
+            </a:r>
+            <a:r>
+              <a:rPr lang="en-US" sz="800" b="0" i="1" dirty="0">
+                <a:solidFill>
+                  <a:srgbClr val="93A1A1"/>
+                </a:solidFill>
+                <a:effectLst/>
+                <a:highlight>
+                  <a:srgbClr val="FDF6E3"/>
+                </a:highlight>
+                <a:latin typeface="Consolas" panose="020B0609020204030204" pitchFamily="49" charset="0"/>
+              </a:rPr>
+              <a:t> </a:t>
+            </a:r>
+            <a:r>
+              <a:rPr lang="en-US" sz="800" b="0" i="1" dirty="0" err="1">
+                <a:solidFill>
+                  <a:srgbClr val="93A1A1"/>
+                </a:solidFill>
+                <a:effectLst/>
+                <a:highlight>
+                  <a:srgbClr val="FDF6E3"/>
+                </a:highlight>
+                <a:latin typeface="Consolas" panose="020B0609020204030204" pitchFamily="49" charset="0"/>
+              </a:rPr>
+              <a:t>dla</a:t>
+            </a:r>
+            <a:r>
+              <a:rPr lang="en-US" sz="800" b="0" i="1" dirty="0">
+                <a:solidFill>
+                  <a:srgbClr val="93A1A1"/>
+                </a:solidFill>
+                <a:effectLst/>
+                <a:highlight>
+                  <a:srgbClr val="FDF6E3"/>
+                </a:highlight>
+                <a:latin typeface="Consolas" panose="020B0609020204030204" pitchFamily="49" charset="0"/>
+              </a:rPr>
+              <a:t> </a:t>
+            </a:r>
+            <a:r>
+              <a:rPr lang="en-US" sz="800" b="0" i="1" dirty="0" err="1">
+                <a:solidFill>
+                  <a:srgbClr val="93A1A1"/>
+                </a:solidFill>
+                <a:effectLst/>
+                <a:highlight>
+                  <a:srgbClr val="FDF6E3"/>
+                </a:highlight>
+                <a:latin typeface="Consolas" panose="020B0609020204030204" pitchFamily="49" charset="0"/>
+              </a:rPr>
+              <a:t>wielu</a:t>
+            </a:r>
+            <a:r>
+              <a:rPr lang="en-US" sz="800" b="0" i="1" dirty="0">
+                <a:solidFill>
+                  <a:srgbClr val="93A1A1"/>
+                </a:solidFill>
+                <a:effectLst/>
+                <a:highlight>
+                  <a:srgbClr val="FDF6E3"/>
+                </a:highlight>
+                <a:latin typeface="Consolas" panose="020B0609020204030204" pitchFamily="49" charset="0"/>
+              </a:rPr>
+              <a:t> </a:t>
+            </a:r>
+            <a:r>
+              <a:rPr lang="en-US" sz="800" b="0" i="1" dirty="0" err="1">
+                <a:solidFill>
+                  <a:srgbClr val="93A1A1"/>
+                </a:solidFill>
+                <a:effectLst/>
+                <a:highlight>
+                  <a:srgbClr val="FDF6E3"/>
+                </a:highlight>
+                <a:latin typeface="Consolas" panose="020B0609020204030204" pitchFamily="49" charset="0"/>
+              </a:rPr>
+              <a:t>lokalizacji</a:t>
+            </a:r>
+            <a:r>
+              <a:rPr lang="en-US" sz="800" b="0" i="1" dirty="0">
+                <a:solidFill>
+                  <a:srgbClr val="93A1A1"/>
+                </a:solidFill>
+                <a:effectLst/>
+                <a:highlight>
+                  <a:srgbClr val="FDF6E3"/>
+                </a:highlight>
+                <a:latin typeface="Consolas" panose="020B0609020204030204" pitchFamily="49" charset="0"/>
+              </a:rPr>
+              <a:t> w </a:t>
+            </a:r>
+            <a:r>
+              <a:rPr lang="en-US" sz="800" b="0" i="1" dirty="0" err="1">
+                <a:solidFill>
+                  <a:srgbClr val="93A1A1"/>
+                </a:solidFill>
+                <a:effectLst/>
+                <a:highlight>
+                  <a:srgbClr val="FDF6E3"/>
+                </a:highlight>
+                <a:latin typeface="Consolas" panose="020B0609020204030204" pitchFamily="49" charset="0"/>
+              </a:rPr>
+              <a:t>pełnym</a:t>
+            </a:r>
+            <a:r>
+              <a:rPr lang="en-US" sz="800" b="0" i="1" dirty="0">
+                <a:solidFill>
+                  <a:srgbClr val="93A1A1"/>
+                </a:solidFill>
+                <a:effectLst/>
+                <a:highlight>
+                  <a:srgbClr val="FDF6E3"/>
+                </a:highlight>
+                <a:latin typeface="Consolas" panose="020B0609020204030204" pitchFamily="49" charset="0"/>
+              </a:rPr>
+              <a:t> </a:t>
+            </a:r>
+            <a:r>
+              <a:rPr lang="en-US" sz="800" b="0" i="1" dirty="0" err="1">
+                <a:solidFill>
+                  <a:srgbClr val="93A1A1"/>
+                </a:solidFill>
+                <a:effectLst/>
+                <a:highlight>
+                  <a:srgbClr val="FDF6E3"/>
+                </a:highlight>
+                <a:latin typeface="Consolas" panose="020B0609020204030204" pitchFamily="49" charset="0"/>
+              </a:rPr>
+              <a:t>słońcu</a:t>
+            </a:r>
+            <a:r>
+              <a:rPr lang="en-US" sz="800" b="0" i="1" dirty="0">
+                <a:solidFill>
+                  <a:srgbClr val="93A1A1"/>
+                </a:solidFill>
+                <a:effectLst/>
+                <a:highlight>
+                  <a:srgbClr val="FDF6E3"/>
+                </a:highlight>
+                <a:latin typeface="Consolas" panose="020B0609020204030204" pitchFamily="49" charset="0"/>
+              </a:rPr>
+              <a:t> </a:t>
+            </a:r>
+            <a:r>
+              <a:rPr lang="en-US" sz="800" b="0" i="1" dirty="0" err="1">
+                <a:solidFill>
+                  <a:srgbClr val="93A1A1"/>
+                </a:solidFill>
+                <a:effectLst/>
+                <a:highlight>
+                  <a:srgbClr val="FDF6E3"/>
+                </a:highlight>
+                <a:latin typeface="Consolas" panose="020B0609020204030204" pitchFamily="49" charset="0"/>
+              </a:rPr>
+              <a:t>i</a:t>
+            </a:r>
+            <a:r>
+              <a:rPr lang="en-US" sz="800" b="0" i="1" dirty="0">
+                <a:solidFill>
+                  <a:srgbClr val="93A1A1"/>
+                </a:solidFill>
+                <a:effectLst/>
+                <a:highlight>
+                  <a:srgbClr val="FDF6E3"/>
+                </a:highlight>
+                <a:latin typeface="Consolas" panose="020B0609020204030204" pitchFamily="49" charset="0"/>
+              </a:rPr>
+              <a:t> </a:t>
+            </a:r>
+            <a:r>
+              <a:rPr lang="en-US" sz="800" b="0" i="1" dirty="0" err="1">
+                <a:solidFill>
+                  <a:srgbClr val="93A1A1"/>
+                </a:solidFill>
+                <a:effectLst/>
+                <a:highlight>
+                  <a:srgbClr val="FDF6E3"/>
+                </a:highlight>
+                <a:latin typeface="Consolas" panose="020B0609020204030204" pitchFamily="49" charset="0"/>
+              </a:rPr>
+              <a:t>dobrze</a:t>
+            </a:r>
+            <a:r>
+              <a:rPr lang="en-US" sz="800" b="0" i="1" dirty="0">
+                <a:solidFill>
+                  <a:srgbClr val="93A1A1"/>
+                </a:solidFill>
+                <a:effectLst/>
+                <a:highlight>
+                  <a:srgbClr val="FDF6E3"/>
+                </a:highlight>
+                <a:latin typeface="Consolas" panose="020B0609020204030204" pitchFamily="49" charset="0"/>
+              </a:rPr>
+              <a:t> </a:t>
+            </a:r>
+            <a:r>
+              <a:rPr lang="en-US" sz="800" b="0" i="1" dirty="0" err="1">
+                <a:solidFill>
+                  <a:srgbClr val="93A1A1"/>
+                </a:solidFill>
+                <a:effectLst/>
+                <a:highlight>
+                  <a:srgbClr val="FDF6E3"/>
+                </a:highlight>
+                <a:latin typeface="Consolas" panose="020B0609020204030204" pitchFamily="49" charset="0"/>
+              </a:rPr>
+              <a:t>nadaje</a:t>
+            </a:r>
+            <a:r>
+              <a:rPr lang="en-US" sz="800" b="0" i="1" dirty="0">
+                <a:solidFill>
+                  <a:srgbClr val="93A1A1"/>
+                </a:solidFill>
+                <a:effectLst/>
+                <a:highlight>
+                  <a:srgbClr val="FDF6E3"/>
+                </a:highlight>
+                <a:latin typeface="Consolas" panose="020B0609020204030204" pitchFamily="49" charset="0"/>
+              </a:rPr>
+              <a:t> </a:t>
+            </a:r>
+            <a:r>
+              <a:rPr lang="en-US" sz="800" b="0" i="1" dirty="0" err="1">
+                <a:solidFill>
+                  <a:srgbClr val="93A1A1"/>
+                </a:solidFill>
+                <a:effectLst/>
+                <a:highlight>
+                  <a:srgbClr val="FDF6E3"/>
+                </a:highlight>
+                <a:latin typeface="Consolas" panose="020B0609020204030204" pitchFamily="49" charset="0"/>
+              </a:rPr>
+              <a:t>się</a:t>
+            </a:r>
+            <a:r>
+              <a:rPr lang="en-US" sz="800" b="0" i="1" dirty="0">
+                <a:solidFill>
+                  <a:srgbClr val="93A1A1"/>
+                </a:solidFill>
+                <a:effectLst/>
+                <a:highlight>
+                  <a:srgbClr val="FDF6E3"/>
+                </a:highlight>
+                <a:latin typeface="Consolas" panose="020B0609020204030204" pitchFamily="49" charset="0"/>
+              </a:rPr>
+              <a:t> do </a:t>
+            </a:r>
+            <a:r>
+              <a:rPr lang="en-US" sz="800" b="0" i="1" dirty="0" err="1">
+                <a:solidFill>
+                  <a:srgbClr val="93A1A1"/>
+                </a:solidFill>
+                <a:effectLst/>
+                <a:highlight>
+                  <a:srgbClr val="FDF6E3"/>
+                </a:highlight>
+                <a:latin typeface="Consolas" panose="020B0609020204030204" pitchFamily="49" charset="0"/>
+              </a:rPr>
+              <a:t>obliczeń</a:t>
+            </a:r>
+            <a:r>
+              <a:rPr lang="en-US" sz="800" b="0" i="1" dirty="0">
+                <a:solidFill>
+                  <a:srgbClr val="93A1A1"/>
+                </a:solidFill>
+                <a:effectLst/>
+                <a:highlight>
+                  <a:srgbClr val="FDF6E3"/>
+                </a:highlight>
+                <a:latin typeface="Consolas" panose="020B0609020204030204" pitchFamily="49" charset="0"/>
+              </a:rPr>
+              <a:t> </a:t>
+            </a:r>
+            <a:r>
+              <a:rPr lang="en-US" sz="800" b="0" i="1" dirty="0" err="1">
+                <a:solidFill>
+                  <a:srgbClr val="93A1A1"/>
+                </a:solidFill>
+                <a:effectLst/>
+                <a:highlight>
+                  <a:srgbClr val="FDF6E3"/>
+                </a:highlight>
+                <a:latin typeface="Consolas" panose="020B0609020204030204" pitchFamily="49" charset="0"/>
+              </a:rPr>
+              <a:t>produkcji</a:t>
+            </a:r>
+            <a:r>
+              <a:rPr lang="en-US" sz="800" b="0" i="1" dirty="0">
+                <a:solidFill>
+                  <a:srgbClr val="93A1A1"/>
+                </a:solidFill>
+                <a:effectLst/>
+                <a:highlight>
+                  <a:srgbClr val="FDF6E3"/>
+                </a:highlight>
+                <a:latin typeface="Consolas" panose="020B0609020204030204" pitchFamily="49" charset="0"/>
+              </a:rPr>
+              <a:t> </a:t>
+            </a:r>
+            <a:r>
+              <a:rPr lang="en-US" sz="800" b="0" i="1" dirty="0" err="1">
+                <a:solidFill>
+                  <a:srgbClr val="93A1A1"/>
+                </a:solidFill>
+                <a:effectLst/>
+                <a:highlight>
+                  <a:srgbClr val="FDF6E3"/>
+                </a:highlight>
+                <a:latin typeface="Consolas" panose="020B0609020204030204" pitchFamily="49" charset="0"/>
+              </a:rPr>
+              <a:t>energii</a:t>
+            </a:r>
+            <a:r>
+              <a:rPr lang="en-US" sz="800" b="0" i="1" dirty="0">
+                <a:solidFill>
+                  <a:srgbClr val="93A1A1"/>
+                </a:solidFill>
+                <a:effectLst/>
+                <a:highlight>
+                  <a:srgbClr val="FDF6E3"/>
+                </a:highlight>
+                <a:latin typeface="Consolas" panose="020B0609020204030204" pitchFamily="49" charset="0"/>
+              </a:rPr>
+              <a:t> z </a:t>
+            </a:r>
+            <a:r>
+              <a:rPr lang="en-US" sz="800" b="0" i="1" dirty="0" err="1">
+                <a:solidFill>
+                  <a:srgbClr val="93A1A1"/>
+                </a:solidFill>
+                <a:effectLst/>
+                <a:highlight>
+                  <a:srgbClr val="FDF6E3"/>
+                </a:highlight>
+                <a:latin typeface="Consolas" panose="020B0609020204030204" pitchFamily="49" charset="0"/>
+              </a:rPr>
+              <a:t>instalacji</a:t>
+            </a:r>
+            <a:r>
+              <a:rPr lang="en-US" sz="800" b="0" i="1" dirty="0">
+                <a:solidFill>
+                  <a:srgbClr val="93A1A1"/>
+                </a:solidFill>
+                <a:effectLst/>
+                <a:highlight>
+                  <a:srgbClr val="FDF6E3"/>
+                </a:highlight>
+                <a:latin typeface="Consolas" panose="020B0609020204030204" pitchFamily="49" charset="0"/>
+              </a:rPr>
+              <a:t> </a:t>
+            </a:r>
+            <a:r>
+              <a:rPr lang="en-US" sz="800" b="0" i="1" dirty="0" err="1">
+                <a:solidFill>
+                  <a:srgbClr val="93A1A1"/>
+                </a:solidFill>
+                <a:effectLst/>
+                <a:highlight>
+                  <a:srgbClr val="FDF6E3"/>
+                </a:highlight>
+                <a:latin typeface="Consolas" panose="020B0609020204030204" pitchFamily="49" charset="0"/>
+              </a:rPr>
+              <a:t>fotowoltaicznej</a:t>
+            </a:r>
+            <a:r>
+              <a:rPr lang="en-US" sz="800" b="0" i="1" dirty="0">
+                <a:solidFill>
+                  <a:srgbClr val="93A1A1"/>
+                </a:solidFill>
+                <a:effectLst/>
+                <a:highlight>
+                  <a:srgbClr val="FDF6E3"/>
+                </a:highlight>
+                <a:latin typeface="Consolas" panose="020B0609020204030204" pitchFamily="49" charset="0"/>
+              </a:rPr>
+              <a:t>.</a:t>
+            </a:r>
+            <a:endParaRPr lang="en-US" sz="800" b="0" dirty="0">
+              <a:solidFill>
+                <a:srgbClr val="657B83"/>
+              </a:solidFill>
+              <a:effectLst/>
+              <a:highlight>
+                <a:srgbClr val="FDF6E3"/>
+              </a:highlight>
+              <a:latin typeface="Consolas" panose="020B0609020204030204" pitchFamily="49" charset="0"/>
+            </a:endParaRPr>
+          </a:p>
+          <a:p>
+            <a:r>
+              <a:rPr lang="en-US" sz="800" b="0" dirty="0">
+                <a:solidFill>
+                  <a:srgbClr val="657B83"/>
+                </a:solidFill>
+                <a:effectLst/>
+                <a:highlight>
+                  <a:srgbClr val="FDF6E3"/>
+                </a:highlight>
+                <a:latin typeface="Consolas" panose="020B0609020204030204" pitchFamily="49" charset="0"/>
+              </a:rPr>
+              <a:t>    </a:t>
+            </a:r>
+            <a:r>
+              <a:rPr lang="en-US" sz="800" b="0" i="1" dirty="0">
+                <a:solidFill>
+                  <a:srgbClr val="93A1A1"/>
+                </a:solidFill>
+                <a:effectLst/>
+                <a:highlight>
+                  <a:srgbClr val="FDF6E3"/>
+                </a:highlight>
+                <a:latin typeface="Consolas" panose="020B0609020204030204" pitchFamily="49" charset="0"/>
+              </a:rPr>
+              <a:t># </a:t>
+            </a:r>
+            <a:r>
+              <a:rPr lang="en-US" sz="800" b="0" i="1" dirty="0" err="1">
+                <a:solidFill>
+                  <a:srgbClr val="93A1A1"/>
+                </a:solidFill>
+                <a:effectLst/>
+                <a:highlight>
+                  <a:srgbClr val="FDF6E3"/>
+                </a:highlight>
+                <a:latin typeface="Consolas" panose="020B0609020204030204" pitchFamily="49" charset="0"/>
+              </a:rPr>
+              <a:t>Maksymalne</a:t>
+            </a:r>
+            <a:r>
+              <a:rPr lang="en-US" sz="800" b="0" i="1" dirty="0">
+                <a:solidFill>
+                  <a:srgbClr val="93A1A1"/>
+                </a:solidFill>
+                <a:effectLst/>
+                <a:highlight>
+                  <a:srgbClr val="FDF6E3"/>
+                </a:highlight>
+                <a:latin typeface="Consolas" panose="020B0609020204030204" pitchFamily="49" charset="0"/>
+              </a:rPr>
+              <a:t> </a:t>
+            </a:r>
+            <a:r>
+              <a:rPr lang="en-US" sz="800" b="0" i="1" dirty="0" err="1">
+                <a:solidFill>
+                  <a:srgbClr val="93A1A1"/>
+                </a:solidFill>
+                <a:effectLst/>
+                <a:highlight>
+                  <a:srgbClr val="FDF6E3"/>
+                </a:highlight>
+                <a:latin typeface="Consolas" panose="020B0609020204030204" pitchFamily="49" charset="0"/>
+              </a:rPr>
+              <a:t>nasłonecznienie</a:t>
+            </a:r>
+            <a:r>
+              <a:rPr lang="en-US" sz="800" b="0" i="1" dirty="0">
+                <a:solidFill>
+                  <a:srgbClr val="93A1A1"/>
+                </a:solidFill>
+                <a:effectLst/>
+                <a:highlight>
+                  <a:srgbClr val="FDF6E3"/>
+                </a:highlight>
+                <a:latin typeface="Consolas" panose="020B0609020204030204" pitchFamily="49" charset="0"/>
+              </a:rPr>
+              <a:t> </a:t>
+            </a:r>
+            <a:r>
+              <a:rPr lang="en-US" sz="800" b="0" i="1" dirty="0" err="1">
+                <a:solidFill>
+                  <a:srgbClr val="93A1A1"/>
+                </a:solidFill>
+                <a:effectLst/>
+                <a:highlight>
+                  <a:srgbClr val="FDF6E3"/>
+                </a:highlight>
+                <a:latin typeface="Consolas" panose="020B0609020204030204" pitchFamily="49" charset="0"/>
+              </a:rPr>
+              <a:t>przy</a:t>
+            </a:r>
+            <a:r>
+              <a:rPr lang="en-US" sz="800" b="0" i="1" dirty="0">
+                <a:solidFill>
+                  <a:srgbClr val="93A1A1"/>
+                </a:solidFill>
+                <a:effectLst/>
+                <a:highlight>
+                  <a:srgbClr val="FDF6E3"/>
+                </a:highlight>
+                <a:latin typeface="Consolas" panose="020B0609020204030204" pitchFamily="49" charset="0"/>
+              </a:rPr>
+              <a:t> </a:t>
+            </a:r>
+            <a:r>
+              <a:rPr lang="en-US" sz="800" b="0" i="1" dirty="0" err="1">
+                <a:solidFill>
+                  <a:srgbClr val="93A1A1"/>
+                </a:solidFill>
+                <a:effectLst/>
+                <a:highlight>
+                  <a:srgbClr val="FDF6E3"/>
+                </a:highlight>
+                <a:latin typeface="Consolas" panose="020B0609020204030204" pitchFamily="49" charset="0"/>
+              </a:rPr>
+              <a:t>idealnie</a:t>
+            </a:r>
+            <a:r>
+              <a:rPr lang="en-US" sz="800" b="0" i="1" dirty="0">
+                <a:solidFill>
+                  <a:srgbClr val="93A1A1"/>
+                </a:solidFill>
+                <a:effectLst/>
+                <a:highlight>
+                  <a:srgbClr val="FDF6E3"/>
+                </a:highlight>
+                <a:latin typeface="Consolas" panose="020B0609020204030204" pitchFamily="49" charset="0"/>
+              </a:rPr>
+              <a:t> </a:t>
+            </a:r>
+            <a:r>
+              <a:rPr lang="en-US" sz="800" b="0" i="1" dirty="0" err="1">
+                <a:solidFill>
+                  <a:srgbClr val="93A1A1"/>
+                </a:solidFill>
+                <a:effectLst/>
+                <a:highlight>
+                  <a:srgbClr val="FDF6E3"/>
+                </a:highlight>
+                <a:latin typeface="Consolas" panose="020B0609020204030204" pitchFamily="49" charset="0"/>
+              </a:rPr>
+              <a:t>czystym</a:t>
+            </a:r>
+            <a:r>
+              <a:rPr lang="en-US" sz="800" b="0" i="1" dirty="0">
+                <a:solidFill>
+                  <a:srgbClr val="93A1A1"/>
+                </a:solidFill>
+                <a:effectLst/>
+                <a:highlight>
+                  <a:srgbClr val="FDF6E3"/>
+                </a:highlight>
+                <a:latin typeface="Consolas" panose="020B0609020204030204" pitchFamily="49" charset="0"/>
+              </a:rPr>
+              <a:t> </a:t>
+            </a:r>
+            <a:r>
+              <a:rPr lang="en-US" sz="800" b="0" i="1" dirty="0" err="1">
+                <a:solidFill>
+                  <a:srgbClr val="93A1A1"/>
+                </a:solidFill>
+                <a:effectLst/>
+                <a:highlight>
+                  <a:srgbClr val="FDF6E3"/>
+                </a:highlight>
+                <a:latin typeface="Consolas" panose="020B0609020204030204" pitchFamily="49" charset="0"/>
+              </a:rPr>
+              <a:t>niebie</a:t>
+            </a:r>
+            <a:endParaRPr lang="en-US" sz="800" b="0" dirty="0">
+              <a:solidFill>
+                <a:srgbClr val="657B83"/>
+              </a:solidFill>
+              <a:effectLst/>
+              <a:highlight>
+                <a:srgbClr val="FDF6E3"/>
+              </a:highlight>
+              <a:latin typeface="Consolas" panose="020B0609020204030204" pitchFamily="49" charset="0"/>
+            </a:endParaRPr>
+          </a:p>
+          <a:p>
+            <a:r>
+              <a:rPr lang="en-US" sz="800" b="0" dirty="0">
+                <a:solidFill>
+                  <a:srgbClr val="657B83"/>
+                </a:solidFill>
+                <a:effectLst/>
+                <a:highlight>
+                  <a:srgbClr val="FDF6E3"/>
+                </a:highlight>
+                <a:latin typeface="Consolas" panose="020B0609020204030204" pitchFamily="49" charset="0"/>
+              </a:rPr>
+              <a:t>    </a:t>
+            </a:r>
+            <a:r>
+              <a:rPr lang="en-US" sz="800" b="0" dirty="0">
+                <a:solidFill>
+                  <a:srgbClr val="859900"/>
+                </a:solidFill>
+                <a:effectLst/>
+                <a:highlight>
+                  <a:srgbClr val="FDF6E3"/>
+                </a:highlight>
+                <a:latin typeface="Consolas" panose="020B0609020204030204" pitchFamily="49" charset="0"/>
+              </a:rPr>
+              <a:t>if</a:t>
+            </a:r>
+            <a:r>
+              <a:rPr lang="en-US" sz="800" b="0" dirty="0">
+                <a:solidFill>
+                  <a:srgbClr val="657B83"/>
+                </a:solidFill>
+                <a:effectLst/>
+                <a:highlight>
+                  <a:srgbClr val="FDF6E3"/>
+                </a:highlight>
+                <a:latin typeface="Consolas" panose="020B0609020204030204" pitchFamily="49" charset="0"/>
+              </a:rPr>
+              <a:t> </a:t>
+            </a:r>
+            <a:r>
+              <a:rPr lang="en-US" sz="800" b="0" dirty="0">
+                <a:solidFill>
+                  <a:srgbClr val="268BD2"/>
+                </a:solidFill>
+                <a:effectLst/>
+                <a:highlight>
+                  <a:srgbClr val="FDF6E3"/>
+                </a:highlight>
+                <a:latin typeface="Consolas" panose="020B0609020204030204" pitchFamily="49" charset="0"/>
+              </a:rPr>
+              <a:t>weather</a:t>
+            </a:r>
+            <a:r>
+              <a:rPr lang="en-US" sz="800" b="0" dirty="0">
+                <a:solidFill>
+                  <a:srgbClr val="657B83"/>
+                </a:solidFill>
+                <a:effectLst/>
+                <a:highlight>
+                  <a:srgbClr val="FDF6E3"/>
+                </a:highlight>
+                <a:latin typeface="Consolas" panose="020B0609020204030204" pitchFamily="49" charset="0"/>
+              </a:rPr>
+              <a:t> </a:t>
+            </a:r>
+            <a:r>
+              <a:rPr lang="en-US" sz="800" b="0" dirty="0">
+                <a:solidFill>
+                  <a:srgbClr val="859900"/>
+                </a:solidFill>
+                <a:effectLst/>
+                <a:highlight>
+                  <a:srgbClr val="FDF6E3"/>
+                </a:highlight>
+                <a:latin typeface="Consolas" panose="020B0609020204030204" pitchFamily="49" charset="0"/>
+              </a:rPr>
+              <a:t>==</a:t>
+            </a:r>
+            <a:r>
+              <a:rPr lang="en-US" sz="800" b="0" dirty="0">
+                <a:solidFill>
+                  <a:srgbClr val="657B83"/>
+                </a:solidFill>
+                <a:effectLst/>
+                <a:highlight>
+                  <a:srgbClr val="FDF6E3"/>
+                </a:highlight>
+                <a:latin typeface="Consolas" panose="020B0609020204030204" pitchFamily="49" charset="0"/>
+              </a:rPr>
+              <a:t> </a:t>
+            </a:r>
+            <a:r>
+              <a:rPr lang="en-US" sz="800" b="0" dirty="0">
+                <a:solidFill>
+                  <a:srgbClr val="2AA198"/>
+                </a:solidFill>
+                <a:effectLst/>
+                <a:highlight>
+                  <a:srgbClr val="FDF6E3"/>
+                </a:highlight>
+                <a:latin typeface="Consolas" panose="020B0609020204030204" pitchFamily="49" charset="0"/>
+              </a:rPr>
+              <a:t>'Clear'</a:t>
+            </a:r>
+            <a:r>
+              <a:rPr lang="en-US" sz="800" b="0" dirty="0">
+                <a:solidFill>
+                  <a:srgbClr val="657B83"/>
+                </a:solidFill>
+                <a:effectLst/>
+                <a:highlight>
+                  <a:srgbClr val="FDF6E3"/>
+                </a:highlight>
+                <a:latin typeface="Consolas" panose="020B0609020204030204" pitchFamily="49" charset="0"/>
+              </a:rPr>
+              <a:t> </a:t>
+            </a:r>
+            <a:r>
+              <a:rPr lang="en-US" sz="800" b="0" dirty="0">
+                <a:solidFill>
+                  <a:srgbClr val="859900"/>
+                </a:solidFill>
+                <a:effectLst/>
+                <a:highlight>
+                  <a:srgbClr val="FDF6E3"/>
+                </a:highlight>
+                <a:latin typeface="Consolas" panose="020B0609020204030204" pitchFamily="49" charset="0"/>
+              </a:rPr>
+              <a:t>and</a:t>
+            </a:r>
+            <a:r>
+              <a:rPr lang="en-US" sz="800" b="0" dirty="0">
+                <a:solidFill>
+                  <a:srgbClr val="657B83"/>
+                </a:solidFill>
+                <a:effectLst/>
+                <a:highlight>
+                  <a:srgbClr val="FDF6E3"/>
+                </a:highlight>
+                <a:latin typeface="Consolas" panose="020B0609020204030204" pitchFamily="49" charset="0"/>
+              </a:rPr>
+              <a:t> </a:t>
+            </a:r>
+            <a:r>
+              <a:rPr lang="en-US" sz="800" b="0" dirty="0">
+                <a:solidFill>
+                  <a:srgbClr val="268BD2"/>
+                </a:solidFill>
+                <a:effectLst/>
+                <a:highlight>
+                  <a:srgbClr val="FDF6E3"/>
+                </a:highlight>
+                <a:latin typeface="Consolas" panose="020B0609020204030204" pitchFamily="49" charset="0"/>
+              </a:rPr>
+              <a:t>clouds</a:t>
+            </a:r>
+            <a:r>
+              <a:rPr lang="en-US" sz="800" b="0" dirty="0">
+                <a:solidFill>
+                  <a:srgbClr val="657B83"/>
+                </a:solidFill>
+                <a:effectLst/>
+                <a:highlight>
+                  <a:srgbClr val="FDF6E3"/>
+                </a:highlight>
+                <a:latin typeface="Consolas" panose="020B0609020204030204" pitchFamily="49" charset="0"/>
+              </a:rPr>
+              <a:t> </a:t>
+            </a:r>
+            <a:r>
+              <a:rPr lang="en-US" sz="800" b="0" dirty="0">
+                <a:solidFill>
+                  <a:srgbClr val="859900"/>
+                </a:solidFill>
+                <a:effectLst/>
+                <a:highlight>
+                  <a:srgbClr val="FDF6E3"/>
+                </a:highlight>
+                <a:latin typeface="Consolas" panose="020B0609020204030204" pitchFamily="49" charset="0"/>
+              </a:rPr>
+              <a:t>==</a:t>
+            </a:r>
+            <a:r>
+              <a:rPr lang="en-US" sz="800" b="0" dirty="0">
+                <a:solidFill>
+                  <a:srgbClr val="657B83"/>
+                </a:solidFill>
+                <a:effectLst/>
+                <a:highlight>
+                  <a:srgbClr val="FDF6E3"/>
+                </a:highlight>
+                <a:latin typeface="Consolas" panose="020B0609020204030204" pitchFamily="49" charset="0"/>
+              </a:rPr>
+              <a:t> </a:t>
+            </a:r>
+            <a:r>
+              <a:rPr lang="en-US" sz="800" b="0" dirty="0">
+                <a:solidFill>
+                  <a:srgbClr val="D33682"/>
+                </a:solidFill>
+                <a:effectLst/>
+                <a:highlight>
+                  <a:srgbClr val="FDF6E3"/>
+                </a:highlight>
+                <a:latin typeface="Consolas" panose="020B0609020204030204" pitchFamily="49" charset="0"/>
+              </a:rPr>
+              <a:t>0</a:t>
+            </a:r>
+            <a:r>
+              <a:rPr lang="en-US" sz="800" b="0" dirty="0">
+                <a:solidFill>
+                  <a:srgbClr val="657B83"/>
+                </a:solidFill>
+                <a:effectLst/>
+                <a:highlight>
+                  <a:srgbClr val="FDF6E3"/>
+                </a:highlight>
+                <a:latin typeface="Consolas" panose="020B0609020204030204" pitchFamily="49" charset="0"/>
+              </a:rPr>
+              <a:t>:</a:t>
+            </a:r>
+          </a:p>
+          <a:p>
+            <a:r>
+              <a:rPr lang="en-US" sz="800" b="0" dirty="0">
+                <a:solidFill>
+                  <a:srgbClr val="657B83"/>
+                </a:solidFill>
+                <a:effectLst/>
+                <a:highlight>
+                  <a:srgbClr val="FDF6E3"/>
+                </a:highlight>
+                <a:latin typeface="Consolas" panose="020B0609020204030204" pitchFamily="49" charset="0"/>
+              </a:rPr>
+              <a:t>        </a:t>
+            </a:r>
+            <a:r>
+              <a:rPr lang="en-US" sz="800" b="0" dirty="0">
+                <a:solidFill>
+                  <a:srgbClr val="859900"/>
+                </a:solidFill>
+                <a:effectLst/>
+                <a:highlight>
+                  <a:srgbClr val="FDF6E3"/>
+                </a:highlight>
+                <a:latin typeface="Consolas" panose="020B0609020204030204" pitchFamily="49" charset="0"/>
+              </a:rPr>
+              <a:t>return</a:t>
+            </a:r>
+            <a:r>
+              <a:rPr lang="en-US" sz="800" b="0" dirty="0">
+                <a:solidFill>
+                  <a:srgbClr val="657B83"/>
+                </a:solidFill>
+                <a:effectLst/>
+                <a:highlight>
+                  <a:srgbClr val="FDF6E3"/>
+                </a:highlight>
+                <a:latin typeface="Consolas" panose="020B0609020204030204" pitchFamily="49" charset="0"/>
+              </a:rPr>
+              <a:t> </a:t>
+            </a:r>
+            <a:r>
+              <a:rPr lang="en-US" sz="800" b="0" dirty="0" err="1">
+                <a:solidFill>
+                  <a:srgbClr val="268BD2"/>
+                </a:solidFill>
+                <a:effectLst/>
+                <a:highlight>
+                  <a:srgbClr val="FDF6E3"/>
+                </a:highlight>
+                <a:latin typeface="Consolas" panose="020B0609020204030204" pitchFamily="49" charset="0"/>
+              </a:rPr>
+              <a:t>typical_irradiance</a:t>
+            </a:r>
+            <a:endParaRPr lang="en-US" sz="800" b="0" dirty="0">
+              <a:solidFill>
+                <a:srgbClr val="657B83"/>
+              </a:solidFill>
+              <a:effectLst/>
+              <a:highlight>
+                <a:srgbClr val="FDF6E3"/>
+              </a:highlight>
+              <a:latin typeface="Consolas" panose="020B0609020204030204" pitchFamily="49" charset="0"/>
+            </a:endParaRPr>
+          </a:p>
+          <a:p>
+            <a:r>
+              <a:rPr lang="en-US" sz="800" b="0" dirty="0">
+                <a:solidFill>
+                  <a:srgbClr val="657B83"/>
+                </a:solidFill>
+                <a:effectLst/>
+                <a:highlight>
+                  <a:srgbClr val="FDF6E3"/>
+                </a:highlight>
+                <a:latin typeface="Consolas" panose="020B0609020204030204" pitchFamily="49" charset="0"/>
+              </a:rPr>
+              <a:t>    </a:t>
+            </a:r>
+            <a:r>
+              <a:rPr lang="en-US" sz="800" b="0" dirty="0" err="1">
+                <a:solidFill>
+                  <a:srgbClr val="859900"/>
+                </a:solidFill>
+                <a:effectLst/>
+                <a:highlight>
+                  <a:srgbClr val="FDF6E3"/>
+                </a:highlight>
+                <a:latin typeface="Consolas" panose="020B0609020204030204" pitchFamily="49" charset="0"/>
+              </a:rPr>
+              <a:t>elif</a:t>
+            </a:r>
+            <a:r>
+              <a:rPr lang="en-US" sz="800" b="0" dirty="0">
+                <a:solidFill>
+                  <a:srgbClr val="657B83"/>
+                </a:solidFill>
+                <a:effectLst/>
+                <a:highlight>
+                  <a:srgbClr val="FDF6E3"/>
+                </a:highlight>
+                <a:latin typeface="Consolas" panose="020B0609020204030204" pitchFamily="49" charset="0"/>
+              </a:rPr>
+              <a:t> </a:t>
+            </a:r>
+            <a:r>
+              <a:rPr lang="en-US" sz="800" b="0" dirty="0">
+                <a:solidFill>
+                  <a:srgbClr val="268BD2"/>
+                </a:solidFill>
+                <a:effectLst/>
+                <a:highlight>
+                  <a:srgbClr val="FDF6E3"/>
+                </a:highlight>
+                <a:latin typeface="Consolas" panose="020B0609020204030204" pitchFamily="49" charset="0"/>
+              </a:rPr>
+              <a:t>weather</a:t>
+            </a:r>
+            <a:r>
+              <a:rPr lang="en-US" sz="800" b="0" dirty="0">
+                <a:solidFill>
+                  <a:srgbClr val="657B83"/>
+                </a:solidFill>
+                <a:effectLst/>
+                <a:highlight>
+                  <a:srgbClr val="FDF6E3"/>
+                </a:highlight>
+                <a:latin typeface="Consolas" panose="020B0609020204030204" pitchFamily="49" charset="0"/>
+              </a:rPr>
+              <a:t> </a:t>
+            </a:r>
+            <a:r>
+              <a:rPr lang="en-US" sz="800" b="0" dirty="0">
+                <a:solidFill>
+                  <a:srgbClr val="859900"/>
+                </a:solidFill>
+                <a:effectLst/>
+                <a:highlight>
+                  <a:srgbClr val="FDF6E3"/>
+                </a:highlight>
+                <a:latin typeface="Consolas" panose="020B0609020204030204" pitchFamily="49" charset="0"/>
+              </a:rPr>
+              <a:t>==</a:t>
+            </a:r>
+            <a:r>
+              <a:rPr lang="en-US" sz="800" b="0" dirty="0">
+                <a:solidFill>
+                  <a:srgbClr val="657B83"/>
+                </a:solidFill>
+                <a:effectLst/>
+                <a:highlight>
+                  <a:srgbClr val="FDF6E3"/>
+                </a:highlight>
+                <a:latin typeface="Consolas" panose="020B0609020204030204" pitchFamily="49" charset="0"/>
+              </a:rPr>
+              <a:t> </a:t>
+            </a:r>
+            <a:r>
+              <a:rPr lang="en-US" sz="800" b="0" dirty="0">
+                <a:solidFill>
+                  <a:srgbClr val="2AA198"/>
+                </a:solidFill>
+                <a:effectLst/>
+                <a:highlight>
+                  <a:srgbClr val="FDF6E3"/>
+                </a:highlight>
+                <a:latin typeface="Consolas" panose="020B0609020204030204" pitchFamily="49" charset="0"/>
+              </a:rPr>
+              <a:t>'Clear'</a:t>
+            </a:r>
+            <a:r>
+              <a:rPr lang="en-US" sz="800" b="0" dirty="0">
+                <a:solidFill>
+                  <a:srgbClr val="657B83"/>
+                </a:solidFill>
+                <a:effectLst/>
+                <a:highlight>
+                  <a:srgbClr val="FDF6E3"/>
+                </a:highlight>
+                <a:latin typeface="Consolas" panose="020B0609020204030204" pitchFamily="49" charset="0"/>
+              </a:rPr>
+              <a:t>:</a:t>
+            </a:r>
+          </a:p>
+          <a:p>
+            <a:r>
+              <a:rPr lang="en-US" sz="800" b="0" dirty="0">
+                <a:solidFill>
+                  <a:srgbClr val="657B83"/>
+                </a:solidFill>
+                <a:effectLst/>
+                <a:highlight>
+                  <a:srgbClr val="FDF6E3"/>
+                </a:highlight>
+                <a:latin typeface="Consolas" panose="020B0609020204030204" pitchFamily="49" charset="0"/>
+              </a:rPr>
+              <a:t>        </a:t>
+            </a:r>
+            <a:r>
+              <a:rPr lang="en-US" sz="800" b="0" dirty="0">
+                <a:solidFill>
+                  <a:srgbClr val="859900"/>
+                </a:solidFill>
+                <a:effectLst/>
+                <a:highlight>
+                  <a:srgbClr val="FDF6E3"/>
+                </a:highlight>
+                <a:latin typeface="Consolas" panose="020B0609020204030204" pitchFamily="49" charset="0"/>
+              </a:rPr>
+              <a:t>if</a:t>
+            </a:r>
+            <a:r>
+              <a:rPr lang="en-US" sz="800" b="0" dirty="0">
+                <a:solidFill>
+                  <a:srgbClr val="657B83"/>
+                </a:solidFill>
+                <a:effectLst/>
+                <a:highlight>
+                  <a:srgbClr val="FDF6E3"/>
+                </a:highlight>
+                <a:latin typeface="Consolas" panose="020B0609020204030204" pitchFamily="49" charset="0"/>
+              </a:rPr>
+              <a:t> </a:t>
+            </a:r>
+            <a:r>
+              <a:rPr lang="en-US" sz="800" b="0" dirty="0">
+                <a:solidFill>
+                  <a:srgbClr val="268BD2"/>
+                </a:solidFill>
+                <a:effectLst/>
+                <a:highlight>
+                  <a:srgbClr val="FDF6E3"/>
+                </a:highlight>
+                <a:latin typeface="Consolas" panose="020B0609020204030204" pitchFamily="49" charset="0"/>
+              </a:rPr>
+              <a:t>clouds</a:t>
+            </a:r>
+            <a:r>
+              <a:rPr lang="en-US" sz="800" b="0" dirty="0">
+                <a:solidFill>
+                  <a:srgbClr val="657B83"/>
+                </a:solidFill>
+                <a:effectLst/>
+                <a:highlight>
+                  <a:srgbClr val="FDF6E3"/>
+                </a:highlight>
+                <a:latin typeface="Consolas" panose="020B0609020204030204" pitchFamily="49" charset="0"/>
+              </a:rPr>
+              <a:t> </a:t>
+            </a:r>
+            <a:r>
+              <a:rPr lang="en-US" sz="800" b="0" dirty="0">
+                <a:solidFill>
+                  <a:srgbClr val="859900"/>
+                </a:solidFill>
+                <a:effectLst/>
+                <a:highlight>
+                  <a:srgbClr val="FDF6E3"/>
+                </a:highlight>
+                <a:latin typeface="Consolas" panose="020B0609020204030204" pitchFamily="49" charset="0"/>
+              </a:rPr>
+              <a:t>&lt;</a:t>
+            </a:r>
+            <a:r>
+              <a:rPr lang="en-US" sz="800" b="0" dirty="0">
+                <a:solidFill>
+                  <a:srgbClr val="657B83"/>
+                </a:solidFill>
+                <a:effectLst/>
+                <a:highlight>
+                  <a:srgbClr val="FDF6E3"/>
+                </a:highlight>
+                <a:latin typeface="Consolas" panose="020B0609020204030204" pitchFamily="49" charset="0"/>
+              </a:rPr>
+              <a:t> </a:t>
+            </a:r>
+            <a:r>
+              <a:rPr lang="en-US" sz="800" b="0" dirty="0">
+                <a:solidFill>
+                  <a:srgbClr val="D33682"/>
+                </a:solidFill>
+                <a:effectLst/>
+                <a:highlight>
+                  <a:srgbClr val="FDF6E3"/>
+                </a:highlight>
+                <a:latin typeface="Consolas" panose="020B0609020204030204" pitchFamily="49" charset="0"/>
+              </a:rPr>
+              <a:t>20</a:t>
+            </a:r>
+            <a:r>
+              <a:rPr lang="en-US" sz="800" b="0" dirty="0">
+                <a:solidFill>
+                  <a:srgbClr val="657B83"/>
+                </a:solidFill>
+                <a:effectLst/>
+                <a:highlight>
+                  <a:srgbClr val="FDF6E3"/>
+                </a:highlight>
+                <a:latin typeface="Consolas" panose="020B0609020204030204" pitchFamily="49" charset="0"/>
+              </a:rPr>
+              <a:t>:</a:t>
+            </a:r>
+          </a:p>
+          <a:p>
+            <a:r>
+              <a:rPr lang="en-US" sz="800" b="0" dirty="0">
+                <a:solidFill>
+                  <a:srgbClr val="657B83"/>
+                </a:solidFill>
+                <a:effectLst/>
+                <a:highlight>
+                  <a:srgbClr val="FDF6E3"/>
+                </a:highlight>
+                <a:latin typeface="Consolas" panose="020B0609020204030204" pitchFamily="49" charset="0"/>
+              </a:rPr>
+              <a:t>            </a:t>
+            </a:r>
+            <a:r>
+              <a:rPr lang="en-US" sz="800" b="0" dirty="0">
+                <a:solidFill>
+                  <a:srgbClr val="859900"/>
+                </a:solidFill>
+                <a:effectLst/>
+                <a:highlight>
+                  <a:srgbClr val="FDF6E3"/>
+                </a:highlight>
+                <a:latin typeface="Consolas" panose="020B0609020204030204" pitchFamily="49" charset="0"/>
+              </a:rPr>
+              <a:t>return</a:t>
+            </a:r>
+            <a:r>
+              <a:rPr lang="en-US" sz="800" b="0" dirty="0">
+                <a:solidFill>
+                  <a:srgbClr val="657B83"/>
+                </a:solidFill>
+                <a:effectLst/>
+                <a:highlight>
+                  <a:srgbClr val="FDF6E3"/>
+                </a:highlight>
+                <a:latin typeface="Consolas" panose="020B0609020204030204" pitchFamily="49" charset="0"/>
+              </a:rPr>
+              <a:t> </a:t>
+            </a:r>
+            <a:r>
+              <a:rPr lang="en-US" sz="800" b="0" dirty="0" err="1">
+                <a:solidFill>
+                  <a:srgbClr val="268BD2"/>
+                </a:solidFill>
+                <a:effectLst/>
+                <a:highlight>
+                  <a:srgbClr val="FDF6E3"/>
+                </a:highlight>
+                <a:latin typeface="Consolas" panose="020B0609020204030204" pitchFamily="49" charset="0"/>
+              </a:rPr>
+              <a:t>typical_irradiance</a:t>
+            </a:r>
+            <a:r>
+              <a:rPr lang="en-US" sz="800" b="0" dirty="0">
+                <a:solidFill>
+                  <a:srgbClr val="657B83"/>
+                </a:solidFill>
+                <a:effectLst/>
+                <a:highlight>
+                  <a:srgbClr val="FDF6E3"/>
+                </a:highlight>
+                <a:latin typeface="Consolas" panose="020B0609020204030204" pitchFamily="49" charset="0"/>
+              </a:rPr>
+              <a:t> </a:t>
+            </a:r>
+            <a:r>
+              <a:rPr lang="en-US" sz="800" b="0" dirty="0">
+                <a:solidFill>
+                  <a:srgbClr val="859900"/>
+                </a:solidFill>
+                <a:effectLst/>
+                <a:highlight>
+                  <a:srgbClr val="FDF6E3"/>
+                </a:highlight>
+                <a:latin typeface="Consolas" panose="020B0609020204030204" pitchFamily="49" charset="0"/>
+              </a:rPr>
+              <a:t>*</a:t>
+            </a:r>
+            <a:r>
+              <a:rPr lang="en-US" sz="800" b="0" dirty="0">
+                <a:solidFill>
+                  <a:srgbClr val="657B83"/>
+                </a:solidFill>
+                <a:effectLst/>
+                <a:highlight>
+                  <a:srgbClr val="FDF6E3"/>
+                </a:highlight>
+                <a:latin typeface="Consolas" panose="020B0609020204030204" pitchFamily="49" charset="0"/>
+              </a:rPr>
+              <a:t> </a:t>
+            </a:r>
+            <a:r>
+              <a:rPr lang="en-US" sz="800" b="0" dirty="0">
+                <a:solidFill>
+                  <a:srgbClr val="D33682"/>
+                </a:solidFill>
+                <a:effectLst/>
+                <a:highlight>
+                  <a:srgbClr val="FDF6E3"/>
+                </a:highlight>
+                <a:latin typeface="Consolas" panose="020B0609020204030204" pitchFamily="49" charset="0"/>
+              </a:rPr>
+              <a:t>0.9</a:t>
+            </a:r>
+            <a:endParaRPr lang="en-US" sz="800" b="0" dirty="0">
+              <a:solidFill>
+                <a:srgbClr val="657B83"/>
+              </a:solidFill>
+              <a:effectLst/>
+              <a:highlight>
+                <a:srgbClr val="FDF6E3"/>
+              </a:highlight>
+              <a:latin typeface="Consolas" panose="020B0609020204030204" pitchFamily="49" charset="0"/>
+            </a:endParaRPr>
+          </a:p>
+          <a:p>
+            <a:r>
+              <a:rPr lang="en-US" sz="800" b="0" dirty="0">
+                <a:solidFill>
+                  <a:srgbClr val="657B83"/>
+                </a:solidFill>
+                <a:effectLst/>
+                <a:highlight>
+                  <a:srgbClr val="FDF6E3"/>
+                </a:highlight>
+                <a:latin typeface="Consolas" panose="020B0609020204030204" pitchFamily="49" charset="0"/>
+              </a:rPr>
+              <a:t>        </a:t>
+            </a:r>
+            <a:r>
+              <a:rPr lang="en-US" sz="800" b="0" dirty="0" err="1">
+                <a:solidFill>
+                  <a:srgbClr val="859900"/>
+                </a:solidFill>
+                <a:effectLst/>
+                <a:highlight>
+                  <a:srgbClr val="FDF6E3"/>
+                </a:highlight>
+                <a:latin typeface="Consolas" panose="020B0609020204030204" pitchFamily="49" charset="0"/>
+              </a:rPr>
+              <a:t>elif</a:t>
+            </a:r>
+            <a:r>
+              <a:rPr lang="en-US" sz="800" b="0" dirty="0">
+                <a:solidFill>
+                  <a:srgbClr val="657B83"/>
+                </a:solidFill>
+                <a:effectLst/>
+                <a:highlight>
+                  <a:srgbClr val="FDF6E3"/>
+                </a:highlight>
+                <a:latin typeface="Consolas" panose="020B0609020204030204" pitchFamily="49" charset="0"/>
+              </a:rPr>
+              <a:t> </a:t>
+            </a:r>
+            <a:r>
+              <a:rPr lang="en-US" sz="800" b="0" dirty="0">
+                <a:solidFill>
+                  <a:srgbClr val="268BD2"/>
+                </a:solidFill>
+                <a:effectLst/>
+                <a:highlight>
+                  <a:srgbClr val="FDF6E3"/>
+                </a:highlight>
+                <a:latin typeface="Consolas" panose="020B0609020204030204" pitchFamily="49" charset="0"/>
+              </a:rPr>
+              <a:t>clouds</a:t>
+            </a:r>
+            <a:r>
+              <a:rPr lang="en-US" sz="800" b="0" dirty="0">
+                <a:solidFill>
+                  <a:srgbClr val="657B83"/>
+                </a:solidFill>
+                <a:effectLst/>
+                <a:highlight>
+                  <a:srgbClr val="FDF6E3"/>
+                </a:highlight>
+                <a:latin typeface="Consolas" panose="020B0609020204030204" pitchFamily="49" charset="0"/>
+              </a:rPr>
+              <a:t> </a:t>
+            </a:r>
+            <a:r>
+              <a:rPr lang="en-US" sz="800" b="0" dirty="0">
+                <a:solidFill>
+                  <a:srgbClr val="859900"/>
+                </a:solidFill>
+                <a:effectLst/>
+                <a:highlight>
+                  <a:srgbClr val="FDF6E3"/>
+                </a:highlight>
+                <a:latin typeface="Consolas" panose="020B0609020204030204" pitchFamily="49" charset="0"/>
+              </a:rPr>
+              <a:t>&lt;</a:t>
+            </a:r>
+            <a:r>
+              <a:rPr lang="en-US" sz="800" b="0" dirty="0">
+                <a:solidFill>
+                  <a:srgbClr val="657B83"/>
+                </a:solidFill>
+                <a:effectLst/>
+                <a:highlight>
+                  <a:srgbClr val="FDF6E3"/>
+                </a:highlight>
+                <a:latin typeface="Consolas" panose="020B0609020204030204" pitchFamily="49" charset="0"/>
+              </a:rPr>
+              <a:t> </a:t>
+            </a:r>
+            <a:r>
+              <a:rPr lang="en-US" sz="800" b="0" dirty="0">
+                <a:solidFill>
+                  <a:srgbClr val="D33682"/>
+                </a:solidFill>
+                <a:effectLst/>
+                <a:highlight>
+                  <a:srgbClr val="FDF6E3"/>
+                </a:highlight>
+                <a:latin typeface="Consolas" panose="020B0609020204030204" pitchFamily="49" charset="0"/>
+              </a:rPr>
+              <a:t>40</a:t>
+            </a:r>
+            <a:r>
+              <a:rPr lang="en-US" sz="800" b="0" dirty="0">
+                <a:solidFill>
+                  <a:srgbClr val="657B83"/>
+                </a:solidFill>
+                <a:effectLst/>
+                <a:highlight>
+                  <a:srgbClr val="FDF6E3"/>
+                </a:highlight>
+                <a:latin typeface="Consolas" panose="020B0609020204030204" pitchFamily="49" charset="0"/>
+              </a:rPr>
+              <a:t>:</a:t>
+            </a:r>
+          </a:p>
+          <a:p>
+            <a:r>
+              <a:rPr lang="en-US" sz="800" b="0" dirty="0">
+                <a:solidFill>
+                  <a:srgbClr val="657B83"/>
+                </a:solidFill>
+                <a:effectLst/>
+                <a:highlight>
+                  <a:srgbClr val="FDF6E3"/>
+                </a:highlight>
+                <a:latin typeface="Consolas" panose="020B0609020204030204" pitchFamily="49" charset="0"/>
+              </a:rPr>
+              <a:t>            </a:t>
+            </a:r>
+            <a:r>
+              <a:rPr lang="en-US" sz="800" b="0" dirty="0">
+                <a:solidFill>
+                  <a:srgbClr val="859900"/>
+                </a:solidFill>
+                <a:effectLst/>
+                <a:highlight>
+                  <a:srgbClr val="FDF6E3"/>
+                </a:highlight>
+                <a:latin typeface="Consolas" panose="020B0609020204030204" pitchFamily="49" charset="0"/>
+              </a:rPr>
+              <a:t>return</a:t>
+            </a:r>
+            <a:r>
+              <a:rPr lang="en-US" sz="800" b="0" dirty="0">
+                <a:solidFill>
+                  <a:srgbClr val="657B83"/>
+                </a:solidFill>
+                <a:effectLst/>
+                <a:highlight>
+                  <a:srgbClr val="FDF6E3"/>
+                </a:highlight>
+                <a:latin typeface="Consolas" panose="020B0609020204030204" pitchFamily="49" charset="0"/>
+              </a:rPr>
+              <a:t> </a:t>
+            </a:r>
+            <a:r>
+              <a:rPr lang="en-US" sz="800" b="0" dirty="0" err="1">
+                <a:solidFill>
+                  <a:srgbClr val="268BD2"/>
+                </a:solidFill>
+                <a:effectLst/>
+                <a:highlight>
+                  <a:srgbClr val="FDF6E3"/>
+                </a:highlight>
+                <a:latin typeface="Consolas" panose="020B0609020204030204" pitchFamily="49" charset="0"/>
+              </a:rPr>
+              <a:t>typical_irradiance</a:t>
+            </a:r>
+            <a:r>
+              <a:rPr lang="en-US" sz="800" b="0" dirty="0">
+                <a:solidFill>
+                  <a:srgbClr val="657B83"/>
+                </a:solidFill>
+                <a:effectLst/>
+                <a:highlight>
+                  <a:srgbClr val="FDF6E3"/>
+                </a:highlight>
+                <a:latin typeface="Consolas" panose="020B0609020204030204" pitchFamily="49" charset="0"/>
+              </a:rPr>
+              <a:t> </a:t>
+            </a:r>
+            <a:r>
+              <a:rPr lang="en-US" sz="800" b="0" dirty="0">
+                <a:solidFill>
+                  <a:srgbClr val="859900"/>
+                </a:solidFill>
+                <a:effectLst/>
+                <a:highlight>
+                  <a:srgbClr val="FDF6E3"/>
+                </a:highlight>
+                <a:latin typeface="Consolas" panose="020B0609020204030204" pitchFamily="49" charset="0"/>
+              </a:rPr>
+              <a:t>*</a:t>
+            </a:r>
+            <a:r>
+              <a:rPr lang="en-US" sz="800" b="0" dirty="0">
+                <a:solidFill>
+                  <a:srgbClr val="657B83"/>
+                </a:solidFill>
+                <a:effectLst/>
+                <a:highlight>
+                  <a:srgbClr val="FDF6E3"/>
+                </a:highlight>
+                <a:latin typeface="Consolas" panose="020B0609020204030204" pitchFamily="49" charset="0"/>
+              </a:rPr>
+              <a:t> </a:t>
+            </a:r>
+            <a:r>
+              <a:rPr lang="en-US" sz="800" b="0" dirty="0">
+                <a:solidFill>
+                  <a:srgbClr val="D33682"/>
+                </a:solidFill>
+                <a:effectLst/>
+                <a:highlight>
+                  <a:srgbClr val="FDF6E3"/>
+                </a:highlight>
+                <a:latin typeface="Consolas" panose="020B0609020204030204" pitchFamily="49" charset="0"/>
+              </a:rPr>
+              <a:t>0.75</a:t>
+            </a:r>
+            <a:endParaRPr lang="en-US" sz="800" b="0" dirty="0">
+              <a:solidFill>
+                <a:srgbClr val="657B83"/>
+              </a:solidFill>
+              <a:effectLst/>
+              <a:highlight>
+                <a:srgbClr val="FDF6E3"/>
+              </a:highlight>
+              <a:latin typeface="Consolas" panose="020B0609020204030204" pitchFamily="49" charset="0"/>
+            </a:endParaRPr>
+          </a:p>
+          <a:p>
+            <a:r>
+              <a:rPr lang="en-US" sz="800" b="0" dirty="0">
+                <a:solidFill>
+                  <a:srgbClr val="657B83"/>
+                </a:solidFill>
+                <a:effectLst/>
+                <a:highlight>
+                  <a:srgbClr val="FDF6E3"/>
+                </a:highlight>
+                <a:latin typeface="Consolas" panose="020B0609020204030204" pitchFamily="49" charset="0"/>
+              </a:rPr>
+              <a:t>        </a:t>
+            </a:r>
+            <a:r>
+              <a:rPr lang="en-US" sz="800" b="0" dirty="0" err="1">
+                <a:solidFill>
+                  <a:srgbClr val="859900"/>
+                </a:solidFill>
+                <a:effectLst/>
+                <a:highlight>
+                  <a:srgbClr val="FDF6E3"/>
+                </a:highlight>
+                <a:latin typeface="Consolas" panose="020B0609020204030204" pitchFamily="49" charset="0"/>
+              </a:rPr>
+              <a:t>elif</a:t>
+            </a:r>
+            <a:r>
+              <a:rPr lang="en-US" sz="800" b="0" dirty="0">
+                <a:solidFill>
+                  <a:srgbClr val="657B83"/>
+                </a:solidFill>
+                <a:effectLst/>
+                <a:highlight>
+                  <a:srgbClr val="FDF6E3"/>
+                </a:highlight>
+                <a:latin typeface="Consolas" panose="020B0609020204030204" pitchFamily="49" charset="0"/>
+              </a:rPr>
+              <a:t> </a:t>
+            </a:r>
+            <a:r>
+              <a:rPr lang="en-US" sz="800" b="0" dirty="0">
+                <a:solidFill>
+                  <a:srgbClr val="268BD2"/>
+                </a:solidFill>
+                <a:effectLst/>
+                <a:highlight>
+                  <a:srgbClr val="FDF6E3"/>
+                </a:highlight>
+                <a:latin typeface="Consolas" panose="020B0609020204030204" pitchFamily="49" charset="0"/>
+              </a:rPr>
+              <a:t>clouds</a:t>
+            </a:r>
+            <a:r>
+              <a:rPr lang="en-US" sz="800" b="0" dirty="0">
+                <a:solidFill>
+                  <a:srgbClr val="657B83"/>
+                </a:solidFill>
+                <a:effectLst/>
+                <a:highlight>
+                  <a:srgbClr val="FDF6E3"/>
+                </a:highlight>
+                <a:latin typeface="Consolas" panose="020B0609020204030204" pitchFamily="49" charset="0"/>
+              </a:rPr>
+              <a:t> </a:t>
+            </a:r>
+            <a:r>
+              <a:rPr lang="en-US" sz="800" b="0" dirty="0">
+                <a:solidFill>
+                  <a:srgbClr val="859900"/>
+                </a:solidFill>
+                <a:effectLst/>
+                <a:highlight>
+                  <a:srgbClr val="FDF6E3"/>
+                </a:highlight>
+                <a:latin typeface="Consolas" panose="020B0609020204030204" pitchFamily="49" charset="0"/>
+              </a:rPr>
+              <a:t>&lt;</a:t>
+            </a:r>
+            <a:r>
+              <a:rPr lang="en-US" sz="800" b="0" dirty="0">
+                <a:solidFill>
+                  <a:srgbClr val="657B83"/>
+                </a:solidFill>
+                <a:effectLst/>
+                <a:highlight>
+                  <a:srgbClr val="FDF6E3"/>
+                </a:highlight>
+                <a:latin typeface="Consolas" panose="020B0609020204030204" pitchFamily="49" charset="0"/>
+              </a:rPr>
+              <a:t> </a:t>
+            </a:r>
+            <a:r>
+              <a:rPr lang="en-US" sz="800" b="0" dirty="0">
+                <a:solidFill>
+                  <a:srgbClr val="D33682"/>
+                </a:solidFill>
+                <a:effectLst/>
+                <a:highlight>
+                  <a:srgbClr val="FDF6E3"/>
+                </a:highlight>
+                <a:latin typeface="Consolas" panose="020B0609020204030204" pitchFamily="49" charset="0"/>
+              </a:rPr>
+              <a:t>60</a:t>
+            </a:r>
+            <a:r>
+              <a:rPr lang="en-US" sz="800" b="0" dirty="0">
+                <a:solidFill>
+                  <a:srgbClr val="657B83"/>
+                </a:solidFill>
+                <a:effectLst/>
+                <a:highlight>
+                  <a:srgbClr val="FDF6E3"/>
+                </a:highlight>
+                <a:latin typeface="Consolas" panose="020B0609020204030204" pitchFamily="49" charset="0"/>
+              </a:rPr>
+              <a:t>:</a:t>
+            </a:r>
+          </a:p>
+          <a:p>
+            <a:r>
+              <a:rPr lang="en-US" sz="800" b="0" dirty="0">
+                <a:solidFill>
+                  <a:srgbClr val="657B83"/>
+                </a:solidFill>
+                <a:effectLst/>
+                <a:highlight>
+                  <a:srgbClr val="FDF6E3"/>
+                </a:highlight>
+                <a:latin typeface="Consolas" panose="020B0609020204030204" pitchFamily="49" charset="0"/>
+              </a:rPr>
+              <a:t>            </a:t>
+            </a:r>
+            <a:r>
+              <a:rPr lang="en-US" sz="800" b="0" dirty="0">
+                <a:solidFill>
+                  <a:srgbClr val="859900"/>
+                </a:solidFill>
+                <a:effectLst/>
+                <a:highlight>
+                  <a:srgbClr val="FDF6E3"/>
+                </a:highlight>
+                <a:latin typeface="Consolas" panose="020B0609020204030204" pitchFamily="49" charset="0"/>
+              </a:rPr>
+              <a:t>return</a:t>
+            </a:r>
+            <a:r>
+              <a:rPr lang="en-US" sz="800" b="0" dirty="0">
+                <a:solidFill>
+                  <a:srgbClr val="657B83"/>
+                </a:solidFill>
+                <a:effectLst/>
+                <a:highlight>
+                  <a:srgbClr val="FDF6E3"/>
+                </a:highlight>
+                <a:latin typeface="Consolas" panose="020B0609020204030204" pitchFamily="49" charset="0"/>
+              </a:rPr>
+              <a:t> </a:t>
+            </a:r>
+            <a:r>
+              <a:rPr lang="en-US" sz="800" b="0" dirty="0" err="1">
+                <a:solidFill>
+                  <a:srgbClr val="268BD2"/>
+                </a:solidFill>
+                <a:effectLst/>
+                <a:highlight>
+                  <a:srgbClr val="FDF6E3"/>
+                </a:highlight>
+                <a:latin typeface="Consolas" panose="020B0609020204030204" pitchFamily="49" charset="0"/>
+              </a:rPr>
+              <a:t>typical_irradiance</a:t>
+            </a:r>
+            <a:r>
+              <a:rPr lang="en-US" sz="800" b="0" dirty="0">
+                <a:solidFill>
+                  <a:srgbClr val="657B83"/>
+                </a:solidFill>
+                <a:effectLst/>
+                <a:highlight>
+                  <a:srgbClr val="FDF6E3"/>
+                </a:highlight>
+                <a:latin typeface="Consolas" panose="020B0609020204030204" pitchFamily="49" charset="0"/>
+              </a:rPr>
+              <a:t> </a:t>
+            </a:r>
+            <a:r>
+              <a:rPr lang="en-US" sz="800" b="0" dirty="0">
+                <a:solidFill>
+                  <a:srgbClr val="859900"/>
+                </a:solidFill>
+                <a:effectLst/>
+                <a:highlight>
+                  <a:srgbClr val="FDF6E3"/>
+                </a:highlight>
+                <a:latin typeface="Consolas" panose="020B0609020204030204" pitchFamily="49" charset="0"/>
+              </a:rPr>
+              <a:t>*</a:t>
+            </a:r>
+            <a:r>
+              <a:rPr lang="en-US" sz="800" b="0" dirty="0">
+                <a:solidFill>
+                  <a:srgbClr val="657B83"/>
+                </a:solidFill>
+                <a:effectLst/>
+                <a:highlight>
+                  <a:srgbClr val="FDF6E3"/>
+                </a:highlight>
+                <a:latin typeface="Consolas" panose="020B0609020204030204" pitchFamily="49" charset="0"/>
+              </a:rPr>
+              <a:t> </a:t>
+            </a:r>
+            <a:r>
+              <a:rPr lang="en-US" sz="800" b="0" dirty="0">
+                <a:solidFill>
+                  <a:srgbClr val="D33682"/>
+                </a:solidFill>
+                <a:effectLst/>
+                <a:highlight>
+                  <a:srgbClr val="FDF6E3"/>
+                </a:highlight>
+                <a:latin typeface="Consolas" panose="020B0609020204030204" pitchFamily="49" charset="0"/>
+              </a:rPr>
+              <a:t>0.6</a:t>
+            </a:r>
+            <a:endParaRPr lang="en-US" sz="800" b="0" dirty="0">
+              <a:solidFill>
+                <a:srgbClr val="657B83"/>
+              </a:solidFill>
+              <a:effectLst/>
+              <a:highlight>
+                <a:srgbClr val="FDF6E3"/>
+              </a:highlight>
+              <a:latin typeface="Consolas" panose="020B0609020204030204" pitchFamily="49" charset="0"/>
+            </a:endParaRPr>
+          </a:p>
+          <a:p>
+            <a:r>
+              <a:rPr lang="en-US" sz="800" b="0" dirty="0">
+                <a:solidFill>
+                  <a:srgbClr val="657B83"/>
+                </a:solidFill>
+                <a:effectLst/>
+                <a:highlight>
+                  <a:srgbClr val="FDF6E3"/>
+                </a:highlight>
+                <a:latin typeface="Consolas" panose="020B0609020204030204" pitchFamily="49" charset="0"/>
+              </a:rPr>
+              <a:t>        </a:t>
+            </a:r>
+            <a:r>
+              <a:rPr lang="en-US" sz="800" b="0" dirty="0">
+                <a:solidFill>
+                  <a:srgbClr val="859900"/>
+                </a:solidFill>
+                <a:effectLst/>
+                <a:highlight>
+                  <a:srgbClr val="FDF6E3"/>
+                </a:highlight>
+                <a:latin typeface="Consolas" panose="020B0609020204030204" pitchFamily="49" charset="0"/>
+              </a:rPr>
+              <a:t>else</a:t>
+            </a:r>
+            <a:r>
+              <a:rPr lang="en-US" sz="800" b="0" dirty="0">
+                <a:solidFill>
+                  <a:srgbClr val="657B83"/>
+                </a:solidFill>
+                <a:effectLst/>
+                <a:highlight>
+                  <a:srgbClr val="FDF6E3"/>
+                </a:highlight>
+                <a:latin typeface="Consolas" panose="020B0609020204030204" pitchFamily="49" charset="0"/>
+              </a:rPr>
+              <a:t>:</a:t>
+            </a:r>
+          </a:p>
+          <a:p>
+            <a:r>
+              <a:rPr lang="en-US" sz="800" b="0" dirty="0">
+                <a:solidFill>
+                  <a:srgbClr val="657B83"/>
+                </a:solidFill>
+                <a:effectLst/>
+                <a:highlight>
+                  <a:srgbClr val="FDF6E3"/>
+                </a:highlight>
+                <a:latin typeface="Consolas" panose="020B0609020204030204" pitchFamily="49" charset="0"/>
+              </a:rPr>
+              <a:t>            </a:t>
+            </a:r>
+            <a:r>
+              <a:rPr lang="en-US" sz="800" b="0" dirty="0">
+                <a:solidFill>
+                  <a:srgbClr val="859900"/>
+                </a:solidFill>
+                <a:effectLst/>
+                <a:highlight>
+                  <a:srgbClr val="FDF6E3"/>
+                </a:highlight>
+                <a:latin typeface="Consolas" panose="020B0609020204030204" pitchFamily="49" charset="0"/>
+              </a:rPr>
+              <a:t>return</a:t>
+            </a:r>
+            <a:r>
+              <a:rPr lang="en-US" sz="800" b="0" dirty="0">
+                <a:solidFill>
+                  <a:srgbClr val="657B83"/>
+                </a:solidFill>
+                <a:effectLst/>
+                <a:highlight>
+                  <a:srgbClr val="FDF6E3"/>
+                </a:highlight>
+                <a:latin typeface="Consolas" panose="020B0609020204030204" pitchFamily="49" charset="0"/>
+              </a:rPr>
+              <a:t> </a:t>
+            </a:r>
+            <a:r>
+              <a:rPr lang="en-US" sz="800" b="0" dirty="0" err="1">
+                <a:solidFill>
+                  <a:srgbClr val="268BD2"/>
+                </a:solidFill>
+                <a:effectLst/>
+                <a:highlight>
+                  <a:srgbClr val="FDF6E3"/>
+                </a:highlight>
+                <a:latin typeface="Consolas" panose="020B0609020204030204" pitchFamily="49" charset="0"/>
+              </a:rPr>
+              <a:t>typical_irradiance</a:t>
+            </a:r>
+            <a:r>
+              <a:rPr lang="en-US" sz="800" b="0" dirty="0">
+                <a:solidFill>
+                  <a:srgbClr val="657B83"/>
+                </a:solidFill>
+                <a:effectLst/>
+                <a:highlight>
+                  <a:srgbClr val="FDF6E3"/>
+                </a:highlight>
+                <a:latin typeface="Consolas" panose="020B0609020204030204" pitchFamily="49" charset="0"/>
+              </a:rPr>
+              <a:t> </a:t>
+            </a:r>
+            <a:r>
+              <a:rPr lang="en-US" sz="800" b="0" dirty="0">
+                <a:solidFill>
+                  <a:srgbClr val="859900"/>
+                </a:solidFill>
+                <a:effectLst/>
+                <a:highlight>
+                  <a:srgbClr val="FDF6E3"/>
+                </a:highlight>
+                <a:latin typeface="Consolas" panose="020B0609020204030204" pitchFamily="49" charset="0"/>
+              </a:rPr>
+              <a:t>*</a:t>
+            </a:r>
+            <a:r>
+              <a:rPr lang="en-US" sz="800" b="0" dirty="0">
+                <a:solidFill>
+                  <a:srgbClr val="657B83"/>
+                </a:solidFill>
+                <a:effectLst/>
+                <a:highlight>
+                  <a:srgbClr val="FDF6E3"/>
+                </a:highlight>
+                <a:latin typeface="Consolas" panose="020B0609020204030204" pitchFamily="49" charset="0"/>
+              </a:rPr>
+              <a:t> </a:t>
+            </a:r>
+            <a:r>
+              <a:rPr lang="en-US" sz="800" b="0" dirty="0">
+                <a:solidFill>
+                  <a:srgbClr val="D33682"/>
+                </a:solidFill>
+                <a:effectLst/>
+                <a:highlight>
+                  <a:srgbClr val="FDF6E3"/>
+                </a:highlight>
+                <a:latin typeface="Consolas" panose="020B0609020204030204" pitchFamily="49" charset="0"/>
+              </a:rPr>
+              <a:t>0.4</a:t>
+            </a:r>
+            <a:endParaRPr lang="en-US" sz="800" b="0" dirty="0">
+              <a:solidFill>
+                <a:srgbClr val="657B83"/>
+              </a:solidFill>
+              <a:effectLst/>
+              <a:highlight>
+                <a:srgbClr val="FDF6E3"/>
+              </a:highlight>
+              <a:latin typeface="Consolas" panose="020B0609020204030204" pitchFamily="49" charset="0"/>
+            </a:endParaRPr>
+          </a:p>
+          <a:p>
+            <a:r>
+              <a:rPr lang="en-US" sz="800" b="0" dirty="0">
+                <a:solidFill>
+                  <a:srgbClr val="657B83"/>
+                </a:solidFill>
+                <a:effectLst/>
+                <a:highlight>
+                  <a:srgbClr val="FDF6E3"/>
+                </a:highlight>
+                <a:latin typeface="Consolas" panose="020B0609020204030204" pitchFamily="49" charset="0"/>
+              </a:rPr>
+              <a:t>    </a:t>
+            </a:r>
+            <a:r>
+              <a:rPr lang="en-US" sz="800" b="0" dirty="0" err="1">
+                <a:solidFill>
+                  <a:srgbClr val="859900"/>
+                </a:solidFill>
+                <a:effectLst/>
+                <a:highlight>
+                  <a:srgbClr val="FDF6E3"/>
+                </a:highlight>
+                <a:latin typeface="Consolas" panose="020B0609020204030204" pitchFamily="49" charset="0"/>
+              </a:rPr>
+              <a:t>elif</a:t>
+            </a:r>
+            <a:r>
+              <a:rPr lang="en-US" sz="800" b="0" dirty="0">
+                <a:solidFill>
+                  <a:srgbClr val="657B83"/>
+                </a:solidFill>
+                <a:effectLst/>
+                <a:highlight>
+                  <a:srgbClr val="FDF6E3"/>
+                </a:highlight>
+                <a:latin typeface="Consolas" panose="020B0609020204030204" pitchFamily="49" charset="0"/>
+              </a:rPr>
+              <a:t> </a:t>
+            </a:r>
+            <a:r>
+              <a:rPr lang="en-US" sz="800" b="0" dirty="0">
+                <a:solidFill>
+                  <a:srgbClr val="268BD2"/>
+                </a:solidFill>
+                <a:effectLst/>
+                <a:highlight>
+                  <a:srgbClr val="FDF6E3"/>
+                </a:highlight>
+                <a:latin typeface="Consolas" panose="020B0609020204030204" pitchFamily="49" charset="0"/>
+              </a:rPr>
+              <a:t>weather</a:t>
+            </a:r>
+            <a:r>
+              <a:rPr lang="en-US" sz="800" b="0" dirty="0">
+                <a:solidFill>
+                  <a:srgbClr val="657B83"/>
+                </a:solidFill>
+                <a:effectLst/>
+                <a:highlight>
+                  <a:srgbClr val="FDF6E3"/>
+                </a:highlight>
+                <a:latin typeface="Consolas" panose="020B0609020204030204" pitchFamily="49" charset="0"/>
+              </a:rPr>
+              <a:t> </a:t>
+            </a:r>
+            <a:r>
+              <a:rPr lang="en-US" sz="800" b="0" dirty="0">
+                <a:solidFill>
+                  <a:srgbClr val="859900"/>
+                </a:solidFill>
+                <a:effectLst/>
+                <a:highlight>
+                  <a:srgbClr val="FDF6E3"/>
+                </a:highlight>
+                <a:latin typeface="Consolas" panose="020B0609020204030204" pitchFamily="49" charset="0"/>
+              </a:rPr>
+              <a:t>==</a:t>
+            </a:r>
+            <a:r>
+              <a:rPr lang="en-US" sz="800" b="0" dirty="0">
+                <a:solidFill>
+                  <a:srgbClr val="657B83"/>
+                </a:solidFill>
+                <a:effectLst/>
+                <a:highlight>
+                  <a:srgbClr val="FDF6E3"/>
+                </a:highlight>
+                <a:latin typeface="Consolas" panose="020B0609020204030204" pitchFamily="49" charset="0"/>
+              </a:rPr>
+              <a:t> </a:t>
+            </a:r>
+            <a:r>
+              <a:rPr lang="en-US" sz="800" b="0" dirty="0">
+                <a:solidFill>
+                  <a:srgbClr val="2AA198"/>
+                </a:solidFill>
+                <a:effectLst/>
+                <a:highlight>
+                  <a:srgbClr val="FDF6E3"/>
+                </a:highlight>
+                <a:latin typeface="Consolas" panose="020B0609020204030204" pitchFamily="49" charset="0"/>
+              </a:rPr>
+              <a:t>'Cloudy'</a:t>
+            </a:r>
+            <a:r>
+              <a:rPr lang="en-US" sz="800" b="0" dirty="0">
+                <a:solidFill>
+                  <a:srgbClr val="657B83"/>
+                </a:solidFill>
+                <a:effectLst/>
+                <a:highlight>
+                  <a:srgbClr val="FDF6E3"/>
+                </a:highlight>
+                <a:latin typeface="Consolas" panose="020B0609020204030204" pitchFamily="49" charset="0"/>
+              </a:rPr>
+              <a:t>:</a:t>
+            </a:r>
+          </a:p>
+          <a:p>
+            <a:r>
+              <a:rPr lang="en-US" sz="800" b="0" dirty="0">
+                <a:solidFill>
+                  <a:srgbClr val="657B83"/>
+                </a:solidFill>
+                <a:effectLst/>
+                <a:highlight>
+                  <a:srgbClr val="FDF6E3"/>
+                </a:highlight>
+                <a:latin typeface="Consolas" panose="020B0609020204030204" pitchFamily="49" charset="0"/>
+              </a:rPr>
+              <a:t>        </a:t>
+            </a:r>
+            <a:r>
+              <a:rPr lang="en-US" sz="800" b="0" dirty="0">
+                <a:solidFill>
+                  <a:srgbClr val="859900"/>
+                </a:solidFill>
+                <a:effectLst/>
+                <a:highlight>
+                  <a:srgbClr val="FDF6E3"/>
+                </a:highlight>
+                <a:latin typeface="Consolas" panose="020B0609020204030204" pitchFamily="49" charset="0"/>
+              </a:rPr>
+              <a:t>if</a:t>
+            </a:r>
+            <a:r>
+              <a:rPr lang="en-US" sz="800" b="0" dirty="0">
+                <a:solidFill>
+                  <a:srgbClr val="657B83"/>
+                </a:solidFill>
+                <a:effectLst/>
+                <a:highlight>
+                  <a:srgbClr val="FDF6E3"/>
+                </a:highlight>
+                <a:latin typeface="Consolas" panose="020B0609020204030204" pitchFamily="49" charset="0"/>
+              </a:rPr>
+              <a:t> </a:t>
+            </a:r>
+            <a:r>
+              <a:rPr lang="en-US" sz="800" b="0" dirty="0">
+                <a:solidFill>
+                  <a:srgbClr val="268BD2"/>
+                </a:solidFill>
+                <a:effectLst/>
+                <a:highlight>
+                  <a:srgbClr val="FDF6E3"/>
+                </a:highlight>
+                <a:latin typeface="Consolas" panose="020B0609020204030204" pitchFamily="49" charset="0"/>
+              </a:rPr>
+              <a:t>clouds</a:t>
+            </a:r>
+            <a:r>
+              <a:rPr lang="en-US" sz="800" b="0" dirty="0">
+                <a:solidFill>
+                  <a:srgbClr val="657B83"/>
+                </a:solidFill>
+                <a:effectLst/>
+                <a:highlight>
+                  <a:srgbClr val="FDF6E3"/>
+                </a:highlight>
+                <a:latin typeface="Consolas" panose="020B0609020204030204" pitchFamily="49" charset="0"/>
+              </a:rPr>
+              <a:t> </a:t>
+            </a:r>
+            <a:r>
+              <a:rPr lang="en-US" sz="800" b="0" dirty="0">
+                <a:solidFill>
+                  <a:srgbClr val="859900"/>
+                </a:solidFill>
+                <a:effectLst/>
+                <a:highlight>
+                  <a:srgbClr val="FDF6E3"/>
+                </a:highlight>
+                <a:latin typeface="Consolas" panose="020B0609020204030204" pitchFamily="49" charset="0"/>
+              </a:rPr>
+              <a:t>&lt;</a:t>
+            </a:r>
+            <a:r>
+              <a:rPr lang="en-US" sz="800" b="0" dirty="0">
+                <a:solidFill>
+                  <a:srgbClr val="657B83"/>
+                </a:solidFill>
+                <a:effectLst/>
+                <a:highlight>
+                  <a:srgbClr val="FDF6E3"/>
+                </a:highlight>
+                <a:latin typeface="Consolas" panose="020B0609020204030204" pitchFamily="49" charset="0"/>
+              </a:rPr>
+              <a:t> </a:t>
+            </a:r>
+            <a:r>
+              <a:rPr lang="en-US" sz="800" b="0" dirty="0">
+                <a:solidFill>
+                  <a:srgbClr val="D33682"/>
+                </a:solidFill>
+                <a:effectLst/>
+                <a:highlight>
+                  <a:srgbClr val="FDF6E3"/>
+                </a:highlight>
+                <a:latin typeface="Consolas" panose="020B0609020204030204" pitchFamily="49" charset="0"/>
+              </a:rPr>
+              <a:t>20</a:t>
+            </a:r>
+            <a:r>
+              <a:rPr lang="en-US" sz="800" b="0" dirty="0">
+                <a:solidFill>
+                  <a:srgbClr val="657B83"/>
+                </a:solidFill>
+                <a:effectLst/>
+                <a:highlight>
+                  <a:srgbClr val="FDF6E3"/>
+                </a:highlight>
+                <a:latin typeface="Consolas" panose="020B0609020204030204" pitchFamily="49" charset="0"/>
+              </a:rPr>
+              <a:t>:</a:t>
+            </a:r>
+          </a:p>
+          <a:p>
+            <a:r>
+              <a:rPr lang="en-US" sz="800" b="0" dirty="0">
+                <a:solidFill>
+                  <a:srgbClr val="657B83"/>
+                </a:solidFill>
+                <a:effectLst/>
+                <a:highlight>
+                  <a:srgbClr val="FDF6E3"/>
+                </a:highlight>
+                <a:latin typeface="Consolas" panose="020B0609020204030204" pitchFamily="49" charset="0"/>
+              </a:rPr>
+              <a:t>            </a:t>
+            </a:r>
+            <a:r>
+              <a:rPr lang="en-US" sz="800" b="0" dirty="0">
+                <a:solidFill>
+                  <a:srgbClr val="859900"/>
+                </a:solidFill>
+                <a:effectLst/>
+                <a:highlight>
+                  <a:srgbClr val="FDF6E3"/>
+                </a:highlight>
+                <a:latin typeface="Consolas" panose="020B0609020204030204" pitchFamily="49" charset="0"/>
+              </a:rPr>
+              <a:t>return</a:t>
+            </a:r>
+            <a:r>
+              <a:rPr lang="en-US" sz="800" b="0" dirty="0">
+                <a:solidFill>
+                  <a:srgbClr val="657B83"/>
+                </a:solidFill>
+                <a:effectLst/>
+                <a:highlight>
+                  <a:srgbClr val="FDF6E3"/>
+                </a:highlight>
+                <a:latin typeface="Consolas" panose="020B0609020204030204" pitchFamily="49" charset="0"/>
+              </a:rPr>
+              <a:t> </a:t>
+            </a:r>
+            <a:r>
+              <a:rPr lang="en-US" sz="800" b="0" dirty="0" err="1">
+                <a:solidFill>
+                  <a:srgbClr val="268BD2"/>
+                </a:solidFill>
+                <a:effectLst/>
+                <a:highlight>
+                  <a:srgbClr val="FDF6E3"/>
+                </a:highlight>
+                <a:latin typeface="Consolas" panose="020B0609020204030204" pitchFamily="49" charset="0"/>
+              </a:rPr>
+              <a:t>typical_irradiance</a:t>
+            </a:r>
+            <a:r>
+              <a:rPr lang="en-US" sz="800" b="0" dirty="0">
+                <a:solidFill>
+                  <a:srgbClr val="657B83"/>
+                </a:solidFill>
+                <a:effectLst/>
+                <a:highlight>
+                  <a:srgbClr val="FDF6E3"/>
+                </a:highlight>
+                <a:latin typeface="Consolas" panose="020B0609020204030204" pitchFamily="49" charset="0"/>
+              </a:rPr>
+              <a:t> </a:t>
+            </a:r>
+            <a:r>
+              <a:rPr lang="en-US" sz="800" b="0" dirty="0">
+                <a:solidFill>
+                  <a:srgbClr val="859900"/>
+                </a:solidFill>
+                <a:effectLst/>
+                <a:highlight>
+                  <a:srgbClr val="FDF6E3"/>
+                </a:highlight>
+                <a:latin typeface="Consolas" panose="020B0609020204030204" pitchFamily="49" charset="0"/>
+              </a:rPr>
+              <a:t>*</a:t>
+            </a:r>
+            <a:r>
+              <a:rPr lang="en-US" sz="800" b="0" dirty="0">
+                <a:solidFill>
+                  <a:srgbClr val="657B83"/>
+                </a:solidFill>
+                <a:effectLst/>
+                <a:highlight>
+                  <a:srgbClr val="FDF6E3"/>
+                </a:highlight>
+                <a:latin typeface="Consolas" panose="020B0609020204030204" pitchFamily="49" charset="0"/>
+              </a:rPr>
+              <a:t> </a:t>
+            </a:r>
+            <a:r>
+              <a:rPr lang="en-US" sz="800" b="0" dirty="0">
+                <a:solidFill>
+                  <a:srgbClr val="D33682"/>
+                </a:solidFill>
+                <a:effectLst/>
+                <a:highlight>
+                  <a:srgbClr val="FDF6E3"/>
+                </a:highlight>
+                <a:latin typeface="Consolas" panose="020B0609020204030204" pitchFamily="49" charset="0"/>
+              </a:rPr>
+              <a:t>0.9</a:t>
+            </a:r>
+            <a:endParaRPr lang="en-US" sz="800" b="0" dirty="0">
+              <a:solidFill>
+                <a:srgbClr val="657B83"/>
+              </a:solidFill>
+              <a:effectLst/>
+              <a:highlight>
+                <a:srgbClr val="FDF6E3"/>
+              </a:highlight>
+              <a:latin typeface="Consolas" panose="020B0609020204030204" pitchFamily="49" charset="0"/>
+            </a:endParaRPr>
+          </a:p>
+          <a:p>
+            <a:r>
+              <a:rPr lang="en-US" sz="800" b="0" dirty="0">
+                <a:solidFill>
+                  <a:srgbClr val="657B83"/>
+                </a:solidFill>
+                <a:effectLst/>
+                <a:highlight>
+                  <a:srgbClr val="FDF6E3"/>
+                </a:highlight>
+                <a:latin typeface="Consolas" panose="020B0609020204030204" pitchFamily="49" charset="0"/>
+              </a:rPr>
+              <a:t>        </a:t>
+            </a:r>
+            <a:r>
+              <a:rPr lang="en-US" sz="800" b="0" dirty="0" err="1">
+                <a:solidFill>
+                  <a:srgbClr val="859900"/>
+                </a:solidFill>
+                <a:effectLst/>
+                <a:highlight>
+                  <a:srgbClr val="FDF6E3"/>
+                </a:highlight>
+                <a:latin typeface="Consolas" panose="020B0609020204030204" pitchFamily="49" charset="0"/>
+              </a:rPr>
+              <a:t>elif</a:t>
+            </a:r>
+            <a:r>
+              <a:rPr lang="en-US" sz="800" b="0" dirty="0">
+                <a:solidFill>
+                  <a:srgbClr val="657B83"/>
+                </a:solidFill>
+                <a:effectLst/>
+                <a:highlight>
+                  <a:srgbClr val="FDF6E3"/>
+                </a:highlight>
+                <a:latin typeface="Consolas" panose="020B0609020204030204" pitchFamily="49" charset="0"/>
+              </a:rPr>
+              <a:t> </a:t>
+            </a:r>
+            <a:r>
+              <a:rPr lang="en-US" sz="800" b="0" dirty="0">
+                <a:solidFill>
+                  <a:srgbClr val="268BD2"/>
+                </a:solidFill>
+                <a:effectLst/>
+                <a:highlight>
+                  <a:srgbClr val="FDF6E3"/>
+                </a:highlight>
+                <a:latin typeface="Consolas" panose="020B0609020204030204" pitchFamily="49" charset="0"/>
+              </a:rPr>
+              <a:t>clouds</a:t>
+            </a:r>
+            <a:r>
+              <a:rPr lang="en-US" sz="800" b="0" dirty="0">
+                <a:solidFill>
+                  <a:srgbClr val="657B83"/>
+                </a:solidFill>
+                <a:effectLst/>
+                <a:highlight>
+                  <a:srgbClr val="FDF6E3"/>
+                </a:highlight>
+                <a:latin typeface="Consolas" panose="020B0609020204030204" pitchFamily="49" charset="0"/>
+              </a:rPr>
+              <a:t> </a:t>
+            </a:r>
+            <a:r>
+              <a:rPr lang="en-US" sz="800" b="0" dirty="0">
+                <a:solidFill>
+                  <a:srgbClr val="859900"/>
+                </a:solidFill>
+                <a:effectLst/>
+                <a:highlight>
+                  <a:srgbClr val="FDF6E3"/>
+                </a:highlight>
+                <a:latin typeface="Consolas" panose="020B0609020204030204" pitchFamily="49" charset="0"/>
+              </a:rPr>
+              <a:t>&lt;</a:t>
+            </a:r>
+            <a:r>
+              <a:rPr lang="en-US" sz="800" b="0" dirty="0">
+                <a:solidFill>
+                  <a:srgbClr val="657B83"/>
+                </a:solidFill>
+                <a:effectLst/>
+                <a:highlight>
+                  <a:srgbClr val="FDF6E3"/>
+                </a:highlight>
+                <a:latin typeface="Consolas" panose="020B0609020204030204" pitchFamily="49" charset="0"/>
+              </a:rPr>
+              <a:t> </a:t>
+            </a:r>
+            <a:r>
+              <a:rPr lang="en-US" sz="800" b="0" dirty="0">
+                <a:solidFill>
+                  <a:srgbClr val="D33682"/>
+                </a:solidFill>
+                <a:effectLst/>
+                <a:highlight>
+                  <a:srgbClr val="FDF6E3"/>
+                </a:highlight>
+                <a:latin typeface="Consolas" panose="020B0609020204030204" pitchFamily="49" charset="0"/>
+              </a:rPr>
+              <a:t>40</a:t>
+            </a:r>
+            <a:r>
+              <a:rPr lang="en-US" sz="800" b="0" dirty="0">
+                <a:solidFill>
+                  <a:srgbClr val="657B83"/>
+                </a:solidFill>
+                <a:effectLst/>
+                <a:highlight>
+                  <a:srgbClr val="FDF6E3"/>
+                </a:highlight>
+                <a:latin typeface="Consolas" panose="020B0609020204030204" pitchFamily="49" charset="0"/>
+              </a:rPr>
+              <a:t>:</a:t>
+            </a:r>
+          </a:p>
+          <a:p>
+            <a:r>
+              <a:rPr lang="en-US" sz="800" b="0" dirty="0">
+                <a:solidFill>
+                  <a:srgbClr val="657B83"/>
+                </a:solidFill>
+                <a:effectLst/>
+                <a:highlight>
+                  <a:srgbClr val="FDF6E3"/>
+                </a:highlight>
+                <a:latin typeface="Consolas" panose="020B0609020204030204" pitchFamily="49" charset="0"/>
+              </a:rPr>
+              <a:t>            </a:t>
+            </a:r>
+            <a:r>
+              <a:rPr lang="en-US" sz="800" b="0" dirty="0">
+                <a:solidFill>
+                  <a:srgbClr val="859900"/>
+                </a:solidFill>
+                <a:effectLst/>
+                <a:highlight>
+                  <a:srgbClr val="FDF6E3"/>
+                </a:highlight>
+                <a:latin typeface="Consolas" panose="020B0609020204030204" pitchFamily="49" charset="0"/>
+              </a:rPr>
+              <a:t>return</a:t>
+            </a:r>
+            <a:r>
+              <a:rPr lang="en-US" sz="800" b="0" dirty="0">
+                <a:solidFill>
+                  <a:srgbClr val="657B83"/>
+                </a:solidFill>
+                <a:effectLst/>
+                <a:highlight>
+                  <a:srgbClr val="FDF6E3"/>
+                </a:highlight>
+                <a:latin typeface="Consolas" panose="020B0609020204030204" pitchFamily="49" charset="0"/>
+              </a:rPr>
+              <a:t> </a:t>
+            </a:r>
+            <a:r>
+              <a:rPr lang="en-US" sz="800" b="0" dirty="0" err="1">
+                <a:solidFill>
+                  <a:srgbClr val="268BD2"/>
+                </a:solidFill>
+                <a:effectLst/>
+                <a:highlight>
+                  <a:srgbClr val="FDF6E3"/>
+                </a:highlight>
+                <a:latin typeface="Consolas" panose="020B0609020204030204" pitchFamily="49" charset="0"/>
+              </a:rPr>
+              <a:t>typical_irradiance</a:t>
+            </a:r>
+            <a:r>
+              <a:rPr lang="en-US" sz="800" b="0" dirty="0">
+                <a:solidFill>
+                  <a:srgbClr val="657B83"/>
+                </a:solidFill>
+                <a:effectLst/>
+                <a:highlight>
+                  <a:srgbClr val="FDF6E3"/>
+                </a:highlight>
+                <a:latin typeface="Consolas" panose="020B0609020204030204" pitchFamily="49" charset="0"/>
+              </a:rPr>
+              <a:t> </a:t>
+            </a:r>
+            <a:r>
+              <a:rPr lang="en-US" sz="800" b="0" dirty="0">
+                <a:solidFill>
+                  <a:srgbClr val="859900"/>
+                </a:solidFill>
+                <a:effectLst/>
+                <a:highlight>
+                  <a:srgbClr val="FDF6E3"/>
+                </a:highlight>
+                <a:latin typeface="Consolas" panose="020B0609020204030204" pitchFamily="49" charset="0"/>
+              </a:rPr>
+              <a:t>*</a:t>
+            </a:r>
+            <a:r>
+              <a:rPr lang="en-US" sz="800" b="0" dirty="0">
+                <a:solidFill>
+                  <a:srgbClr val="657B83"/>
+                </a:solidFill>
+                <a:effectLst/>
+                <a:highlight>
+                  <a:srgbClr val="FDF6E3"/>
+                </a:highlight>
+                <a:latin typeface="Consolas" panose="020B0609020204030204" pitchFamily="49" charset="0"/>
+              </a:rPr>
+              <a:t> </a:t>
+            </a:r>
+            <a:r>
+              <a:rPr lang="en-US" sz="800" b="0" dirty="0">
+                <a:solidFill>
+                  <a:srgbClr val="D33682"/>
+                </a:solidFill>
+                <a:effectLst/>
+                <a:highlight>
+                  <a:srgbClr val="FDF6E3"/>
+                </a:highlight>
+                <a:latin typeface="Consolas" panose="020B0609020204030204" pitchFamily="49" charset="0"/>
+              </a:rPr>
+              <a:t>0.75</a:t>
+            </a:r>
+            <a:endParaRPr lang="en-US" sz="800" b="0" dirty="0">
+              <a:solidFill>
+                <a:srgbClr val="657B83"/>
+              </a:solidFill>
+              <a:effectLst/>
+              <a:highlight>
+                <a:srgbClr val="FDF6E3"/>
+              </a:highlight>
+              <a:latin typeface="Consolas" panose="020B0609020204030204" pitchFamily="49" charset="0"/>
+            </a:endParaRPr>
+          </a:p>
+          <a:p>
+            <a:r>
+              <a:rPr lang="en-US" sz="800" b="0" dirty="0">
+                <a:solidFill>
+                  <a:srgbClr val="657B83"/>
+                </a:solidFill>
+                <a:effectLst/>
+                <a:highlight>
+                  <a:srgbClr val="FDF6E3"/>
+                </a:highlight>
+                <a:latin typeface="Consolas" panose="020B0609020204030204" pitchFamily="49" charset="0"/>
+              </a:rPr>
+              <a:t>        </a:t>
+            </a:r>
+            <a:r>
+              <a:rPr lang="en-US" sz="800" b="0" dirty="0" err="1">
+                <a:solidFill>
+                  <a:srgbClr val="859900"/>
+                </a:solidFill>
+                <a:effectLst/>
+                <a:highlight>
+                  <a:srgbClr val="FDF6E3"/>
+                </a:highlight>
+                <a:latin typeface="Consolas" panose="020B0609020204030204" pitchFamily="49" charset="0"/>
+              </a:rPr>
+              <a:t>elif</a:t>
+            </a:r>
+            <a:r>
+              <a:rPr lang="en-US" sz="800" b="0" dirty="0">
+                <a:solidFill>
+                  <a:srgbClr val="657B83"/>
+                </a:solidFill>
+                <a:effectLst/>
+                <a:highlight>
+                  <a:srgbClr val="FDF6E3"/>
+                </a:highlight>
+                <a:latin typeface="Consolas" panose="020B0609020204030204" pitchFamily="49" charset="0"/>
+              </a:rPr>
+              <a:t> </a:t>
+            </a:r>
+            <a:r>
+              <a:rPr lang="en-US" sz="800" b="0" dirty="0">
+                <a:solidFill>
+                  <a:srgbClr val="268BD2"/>
+                </a:solidFill>
+                <a:effectLst/>
+                <a:highlight>
+                  <a:srgbClr val="FDF6E3"/>
+                </a:highlight>
+                <a:latin typeface="Consolas" panose="020B0609020204030204" pitchFamily="49" charset="0"/>
+              </a:rPr>
+              <a:t>clouds</a:t>
+            </a:r>
+            <a:r>
+              <a:rPr lang="en-US" sz="800" b="0" dirty="0">
+                <a:solidFill>
+                  <a:srgbClr val="657B83"/>
+                </a:solidFill>
+                <a:effectLst/>
+                <a:highlight>
+                  <a:srgbClr val="FDF6E3"/>
+                </a:highlight>
+                <a:latin typeface="Consolas" panose="020B0609020204030204" pitchFamily="49" charset="0"/>
+              </a:rPr>
+              <a:t> </a:t>
+            </a:r>
+            <a:r>
+              <a:rPr lang="en-US" sz="800" b="0" dirty="0">
+                <a:solidFill>
+                  <a:srgbClr val="859900"/>
+                </a:solidFill>
+                <a:effectLst/>
+                <a:highlight>
+                  <a:srgbClr val="FDF6E3"/>
+                </a:highlight>
+                <a:latin typeface="Consolas" panose="020B0609020204030204" pitchFamily="49" charset="0"/>
+              </a:rPr>
+              <a:t>&lt;</a:t>
+            </a:r>
+            <a:r>
+              <a:rPr lang="en-US" sz="800" b="0" dirty="0">
+                <a:solidFill>
+                  <a:srgbClr val="657B83"/>
+                </a:solidFill>
+                <a:effectLst/>
+                <a:highlight>
+                  <a:srgbClr val="FDF6E3"/>
+                </a:highlight>
+                <a:latin typeface="Consolas" panose="020B0609020204030204" pitchFamily="49" charset="0"/>
+              </a:rPr>
+              <a:t> </a:t>
+            </a:r>
+            <a:r>
+              <a:rPr lang="en-US" sz="800" b="0" dirty="0">
+                <a:solidFill>
+                  <a:srgbClr val="D33682"/>
+                </a:solidFill>
+                <a:effectLst/>
+                <a:highlight>
+                  <a:srgbClr val="FDF6E3"/>
+                </a:highlight>
+                <a:latin typeface="Consolas" panose="020B0609020204030204" pitchFamily="49" charset="0"/>
+              </a:rPr>
+              <a:t>60</a:t>
+            </a:r>
+            <a:r>
+              <a:rPr lang="en-US" sz="800" b="0" dirty="0">
+                <a:solidFill>
+                  <a:srgbClr val="657B83"/>
+                </a:solidFill>
+                <a:effectLst/>
+                <a:highlight>
+                  <a:srgbClr val="FDF6E3"/>
+                </a:highlight>
+                <a:latin typeface="Consolas" panose="020B0609020204030204" pitchFamily="49" charset="0"/>
+              </a:rPr>
+              <a:t>:</a:t>
+            </a:r>
+          </a:p>
+          <a:p>
+            <a:r>
+              <a:rPr lang="en-US" sz="800" b="0" dirty="0">
+                <a:solidFill>
+                  <a:srgbClr val="657B83"/>
+                </a:solidFill>
+                <a:effectLst/>
+                <a:highlight>
+                  <a:srgbClr val="FDF6E3"/>
+                </a:highlight>
+                <a:latin typeface="Consolas" panose="020B0609020204030204" pitchFamily="49" charset="0"/>
+              </a:rPr>
+              <a:t>            </a:t>
+            </a:r>
+            <a:r>
+              <a:rPr lang="en-US" sz="800" b="0" dirty="0">
+                <a:solidFill>
+                  <a:srgbClr val="859900"/>
+                </a:solidFill>
+                <a:effectLst/>
+                <a:highlight>
+                  <a:srgbClr val="FDF6E3"/>
+                </a:highlight>
+                <a:latin typeface="Consolas" panose="020B0609020204030204" pitchFamily="49" charset="0"/>
+              </a:rPr>
+              <a:t>return</a:t>
+            </a:r>
+            <a:r>
+              <a:rPr lang="en-US" sz="800" b="0" dirty="0">
+                <a:solidFill>
+                  <a:srgbClr val="657B83"/>
+                </a:solidFill>
+                <a:effectLst/>
+                <a:highlight>
+                  <a:srgbClr val="FDF6E3"/>
+                </a:highlight>
+                <a:latin typeface="Consolas" panose="020B0609020204030204" pitchFamily="49" charset="0"/>
+              </a:rPr>
+              <a:t> </a:t>
+            </a:r>
+            <a:r>
+              <a:rPr lang="en-US" sz="800" b="0" dirty="0" err="1">
+                <a:solidFill>
+                  <a:srgbClr val="268BD2"/>
+                </a:solidFill>
+                <a:effectLst/>
+                <a:highlight>
+                  <a:srgbClr val="FDF6E3"/>
+                </a:highlight>
+                <a:latin typeface="Consolas" panose="020B0609020204030204" pitchFamily="49" charset="0"/>
+              </a:rPr>
+              <a:t>typical_irradiance</a:t>
+            </a:r>
+            <a:r>
+              <a:rPr lang="en-US" sz="800" b="0" dirty="0">
+                <a:solidFill>
+                  <a:srgbClr val="657B83"/>
+                </a:solidFill>
+                <a:effectLst/>
+                <a:highlight>
+                  <a:srgbClr val="FDF6E3"/>
+                </a:highlight>
+                <a:latin typeface="Consolas" panose="020B0609020204030204" pitchFamily="49" charset="0"/>
+              </a:rPr>
+              <a:t> </a:t>
+            </a:r>
+            <a:r>
+              <a:rPr lang="en-US" sz="800" b="0" dirty="0">
+                <a:solidFill>
+                  <a:srgbClr val="859900"/>
+                </a:solidFill>
+                <a:effectLst/>
+                <a:highlight>
+                  <a:srgbClr val="FDF6E3"/>
+                </a:highlight>
+                <a:latin typeface="Consolas" panose="020B0609020204030204" pitchFamily="49" charset="0"/>
+              </a:rPr>
+              <a:t>*</a:t>
+            </a:r>
+            <a:r>
+              <a:rPr lang="en-US" sz="800" b="0" dirty="0">
+                <a:solidFill>
+                  <a:srgbClr val="657B83"/>
+                </a:solidFill>
+                <a:effectLst/>
+                <a:highlight>
+                  <a:srgbClr val="FDF6E3"/>
+                </a:highlight>
+                <a:latin typeface="Consolas" panose="020B0609020204030204" pitchFamily="49" charset="0"/>
+              </a:rPr>
+              <a:t> </a:t>
+            </a:r>
+            <a:r>
+              <a:rPr lang="en-US" sz="800" b="0" dirty="0">
+                <a:solidFill>
+                  <a:srgbClr val="D33682"/>
+                </a:solidFill>
+                <a:effectLst/>
+                <a:highlight>
+                  <a:srgbClr val="FDF6E3"/>
+                </a:highlight>
+                <a:latin typeface="Consolas" panose="020B0609020204030204" pitchFamily="49" charset="0"/>
+              </a:rPr>
+              <a:t>0.6</a:t>
+            </a:r>
+            <a:endParaRPr lang="en-US" sz="800" b="0" dirty="0">
+              <a:solidFill>
+                <a:srgbClr val="657B83"/>
+              </a:solidFill>
+              <a:effectLst/>
+              <a:highlight>
+                <a:srgbClr val="FDF6E3"/>
+              </a:highlight>
+              <a:latin typeface="Consolas" panose="020B0609020204030204" pitchFamily="49" charset="0"/>
+            </a:endParaRPr>
+          </a:p>
+          <a:p>
+            <a:r>
+              <a:rPr lang="en-US" sz="800" b="0" dirty="0">
+                <a:solidFill>
+                  <a:srgbClr val="657B83"/>
+                </a:solidFill>
+                <a:effectLst/>
+                <a:highlight>
+                  <a:srgbClr val="FDF6E3"/>
+                </a:highlight>
+                <a:latin typeface="Consolas" panose="020B0609020204030204" pitchFamily="49" charset="0"/>
+              </a:rPr>
+              <a:t>        </a:t>
+            </a:r>
+            <a:r>
+              <a:rPr lang="en-US" sz="800" b="0" dirty="0">
+                <a:solidFill>
+                  <a:srgbClr val="859900"/>
+                </a:solidFill>
+                <a:effectLst/>
+                <a:highlight>
+                  <a:srgbClr val="FDF6E3"/>
+                </a:highlight>
+                <a:latin typeface="Consolas" panose="020B0609020204030204" pitchFamily="49" charset="0"/>
+              </a:rPr>
+              <a:t>else</a:t>
+            </a:r>
+            <a:r>
+              <a:rPr lang="en-US" sz="800" b="0" dirty="0">
+                <a:solidFill>
+                  <a:srgbClr val="657B83"/>
+                </a:solidFill>
+                <a:effectLst/>
+                <a:highlight>
+                  <a:srgbClr val="FDF6E3"/>
+                </a:highlight>
+                <a:latin typeface="Consolas" panose="020B0609020204030204" pitchFamily="49" charset="0"/>
+              </a:rPr>
+              <a:t>:</a:t>
+            </a:r>
+          </a:p>
+          <a:p>
+            <a:r>
+              <a:rPr lang="en-US" sz="800" b="0" dirty="0">
+                <a:solidFill>
+                  <a:srgbClr val="657B83"/>
+                </a:solidFill>
+                <a:effectLst/>
+                <a:highlight>
+                  <a:srgbClr val="FDF6E3"/>
+                </a:highlight>
+                <a:latin typeface="Consolas" panose="020B0609020204030204" pitchFamily="49" charset="0"/>
+              </a:rPr>
+              <a:t>            </a:t>
+            </a:r>
+            <a:r>
+              <a:rPr lang="en-US" sz="800" b="0" dirty="0">
+                <a:solidFill>
+                  <a:srgbClr val="859900"/>
+                </a:solidFill>
+                <a:effectLst/>
+                <a:highlight>
+                  <a:srgbClr val="FDF6E3"/>
+                </a:highlight>
+                <a:latin typeface="Consolas" panose="020B0609020204030204" pitchFamily="49" charset="0"/>
+              </a:rPr>
+              <a:t>return</a:t>
+            </a:r>
+            <a:r>
+              <a:rPr lang="en-US" sz="800" b="0" dirty="0">
+                <a:solidFill>
+                  <a:srgbClr val="657B83"/>
+                </a:solidFill>
+                <a:effectLst/>
+                <a:highlight>
+                  <a:srgbClr val="FDF6E3"/>
+                </a:highlight>
+                <a:latin typeface="Consolas" panose="020B0609020204030204" pitchFamily="49" charset="0"/>
+              </a:rPr>
+              <a:t> </a:t>
+            </a:r>
+            <a:r>
+              <a:rPr lang="en-US" sz="800" b="0" dirty="0" err="1">
+                <a:solidFill>
+                  <a:srgbClr val="268BD2"/>
+                </a:solidFill>
+                <a:effectLst/>
+                <a:highlight>
+                  <a:srgbClr val="FDF6E3"/>
+                </a:highlight>
+                <a:latin typeface="Consolas" panose="020B0609020204030204" pitchFamily="49" charset="0"/>
+              </a:rPr>
+              <a:t>typical_irradiance</a:t>
+            </a:r>
+            <a:r>
+              <a:rPr lang="en-US" sz="800" b="0" dirty="0">
+                <a:solidFill>
+                  <a:srgbClr val="657B83"/>
+                </a:solidFill>
+                <a:effectLst/>
+                <a:highlight>
+                  <a:srgbClr val="FDF6E3"/>
+                </a:highlight>
+                <a:latin typeface="Consolas" panose="020B0609020204030204" pitchFamily="49" charset="0"/>
+              </a:rPr>
+              <a:t> </a:t>
+            </a:r>
+            <a:r>
+              <a:rPr lang="en-US" sz="800" b="0" dirty="0">
+                <a:solidFill>
+                  <a:srgbClr val="859900"/>
+                </a:solidFill>
+                <a:effectLst/>
+                <a:highlight>
+                  <a:srgbClr val="FDF6E3"/>
+                </a:highlight>
+                <a:latin typeface="Consolas" panose="020B0609020204030204" pitchFamily="49" charset="0"/>
+              </a:rPr>
+              <a:t>*</a:t>
+            </a:r>
+            <a:r>
+              <a:rPr lang="en-US" sz="800" b="0" dirty="0">
+                <a:solidFill>
+                  <a:srgbClr val="657B83"/>
+                </a:solidFill>
+                <a:effectLst/>
+                <a:highlight>
+                  <a:srgbClr val="FDF6E3"/>
+                </a:highlight>
+                <a:latin typeface="Consolas" panose="020B0609020204030204" pitchFamily="49" charset="0"/>
+              </a:rPr>
+              <a:t> </a:t>
+            </a:r>
+            <a:r>
+              <a:rPr lang="en-US" sz="800" b="0" dirty="0">
+                <a:solidFill>
+                  <a:srgbClr val="D33682"/>
+                </a:solidFill>
+                <a:effectLst/>
+                <a:highlight>
+                  <a:srgbClr val="FDF6E3"/>
+                </a:highlight>
+                <a:latin typeface="Consolas" panose="020B0609020204030204" pitchFamily="49" charset="0"/>
+              </a:rPr>
+              <a:t>0.4</a:t>
+            </a:r>
+            <a:endParaRPr lang="en-US" sz="800" b="0" dirty="0">
+              <a:solidFill>
+                <a:srgbClr val="657B83"/>
+              </a:solidFill>
+              <a:effectLst/>
+              <a:highlight>
+                <a:srgbClr val="FDF6E3"/>
+              </a:highlight>
+              <a:latin typeface="Consolas" panose="020B0609020204030204" pitchFamily="49" charset="0"/>
+            </a:endParaRPr>
+          </a:p>
+          <a:p>
+            <a:r>
+              <a:rPr lang="en-US" sz="800" b="0" dirty="0">
+                <a:solidFill>
+                  <a:srgbClr val="657B83"/>
+                </a:solidFill>
+                <a:effectLst/>
+                <a:highlight>
+                  <a:srgbClr val="FDF6E3"/>
+                </a:highlight>
+                <a:latin typeface="Consolas" panose="020B0609020204030204" pitchFamily="49" charset="0"/>
+              </a:rPr>
+              <a:t>    </a:t>
+            </a:r>
+            <a:r>
+              <a:rPr lang="en-US" sz="800" b="0" dirty="0" err="1">
+                <a:solidFill>
+                  <a:srgbClr val="859900"/>
+                </a:solidFill>
+                <a:effectLst/>
+                <a:highlight>
+                  <a:srgbClr val="FDF6E3"/>
+                </a:highlight>
+                <a:latin typeface="Consolas" panose="020B0609020204030204" pitchFamily="49" charset="0"/>
+              </a:rPr>
+              <a:t>elif</a:t>
+            </a:r>
+            <a:r>
+              <a:rPr lang="en-US" sz="800" b="0" dirty="0">
+                <a:solidFill>
+                  <a:srgbClr val="657B83"/>
+                </a:solidFill>
+                <a:effectLst/>
+                <a:highlight>
+                  <a:srgbClr val="FDF6E3"/>
+                </a:highlight>
+                <a:latin typeface="Consolas" panose="020B0609020204030204" pitchFamily="49" charset="0"/>
+              </a:rPr>
+              <a:t> </a:t>
+            </a:r>
+            <a:r>
+              <a:rPr lang="en-US" sz="800" b="0" dirty="0">
+                <a:solidFill>
+                  <a:srgbClr val="268BD2"/>
+                </a:solidFill>
+                <a:effectLst/>
+                <a:highlight>
+                  <a:srgbClr val="FDF6E3"/>
+                </a:highlight>
+                <a:latin typeface="Consolas" panose="020B0609020204030204" pitchFamily="49" charset="0"/>
+              </a:rPr>
+              <a:t>weather</a:t>
+            </a:r>
+            <a:r>
+              <a:rPr lang="en-US" sz="800" b="0" dirty="0">
+                <a:solidFill>
+                  <a:srgbClr val="657B83"/>
+                </a:solidFill>
+                <a:effectLst/>
+                <a:highlight>
+                  <a:srgbClr val="FDF6E3"/>
+                </a:highlight>
+                <a:latin typeface="Consolas" panose="020B0609020204030204" pitchFamily="49" charset="0"/>
+              </a:rPr>
+              <a:t> </a:t>
+            </a:r>
+            <a:r>
+              <a:rPr lang="en-US" sz="800" b="0" dirty="0">
+                <a:solidFill>
+                  <a:srgbClr val="859900"/>
+                </a:solidFill>
+                <a:effectLst/>
+                <a:highlight>
+                  <a:srgbClr val="FDF6E3"/>
+                </a:highlight>
+                <a:latin typeface="Consolas" panose="020B0609020204030204" pitchFamily="49" charset="0"/>
+              </a:rPr>
+              <a:t>in</a:t>
+            </a:r>
+            <a:r>
+              <a:rPr lang="en-US" sz="800" b="0" dirty="0">
+                <a:solidFill>
+                  <a:srgbClr val="657B83"/>
+                </a:solidFill>
+                <a:effectLst/>
+                <a:highlight>
+                  <a:srgbClr val="FDF6E3"/>
+                </a:highlight>
+                <a:latin typeface="Consolas" panose="020B0609020204030204" pitchFamily="49" charset="0"/>
+              </a:rPr>
+              <a:t> [</a:t>
+            </a:r>
+            <a:r>
+              <a:rPr lang="en-US" sz="800" b="0" dirty="0">
+                <a:solidFill>
+                  <a:srgbClr val="2AA198"/>
+                </a:solidFill>
+                <a:effectLst/>
+                <a:highlight>
+                  <a:srgbClr val="FDF6E3"/>
+                </a:highlight>
+                <a:latin typeface="Consolas" panose="020B0609020204030204" pitchFamily="49" charset="0"/>
+              </a:rPr>
+              <a:t>'Rain'</a:t>
+            </a:r>
+            <a:r>
+              <a:rPr lang="en-US" sz="800" b="0" dirty="0">
+                <a:solidFill>
+                  <a:srgbClr val="657B83"/>
+                </a:solidFill>
+                <a:effectLst/>
+                <a:highlight>
+                  <a:srgbClr val="FDF6E3"/>
+                </a:highlight>
+                <a:latin typeface="Consolas" panose="020B0609020204030204" pitchFamily="49" charset="0"/>
+              </a:rPr>
+              <a:t>, </a:t>
+            </a:r>
+            <a:r>
+              <a:rPr lang="en-US" sz="800" b="0" dirty="0">
+                <a:solidFill>
+                  <a:srgbClr val="2AA198"/>
+                </a:solidFill>
+                <a:effectLst/>
+                <a:highlight>
+                  <a:srgbClr val="FDF6E3"/>
+                </a:highlight>
+                <a:latin typeface="Consolas" panose="020B0609020204030204" pitchFamily="49" charset="0"/>
+              </a:rPr>
+              <a:t>'Drizzle'</a:t>
+            </a:r>
+            <a:r>
+              <a:rPr lang="en-US" sz="800" b="0" dirty="0">
+                <a:solidFill>
+                  <a:srgbClr val="657B83"/>
+                </a:solidFill>
+                <a:effectLst/>
+                <a:highlight>
+                  <a:srgbClr val="FDF6E3"/>
+                </a:highlight>
+                <a:latin typeface="Consolas" panose="020B0609020204030204" pitchFamily="49" charset="0"/>
+              </a:rPr>
+              <a:t>, </a:t>
+            </a:r>
+            <a:r>
+              <a:rPr lang="en-US" sz="800" b="0" dirty="0">
+                <a:solidFill>
+                  <a:srgbClr val="2AA198"/>
+                </a:solidFill>
+                <a:effectLst/>
+                <a:highlight>
+                  <a:srgbClr val="FDF6E3"/>
+                </a:highlight>
+                <a:latin typeface="Consolas" panose="020B0609020204030204" pitchFamily="49" charset="0"/>
+              </a:rPr>
+              <a:t>'Snow'</a:t>
+            </a:r>
+            <a:r>
+              <a:rPr lang="en-US" sz="800" b="0" dirty="0">
+                <a:solidFill>
+                  <a:srgbClr val="657B83"/>
+                </a:solidFill>
+                <a:effectLst/>
+                <a:highlight>
+                  <a:srgbClr val="FDF6E3"/>
+                </a:highlight>
+                <a:latin typeface="Consolas" panose="020B0609020204030204" pitchFamily="49" charset="0"/>
+              </a:rPr>
+              <a:t>]:</a:t>
+            </a:r>
+          </a:p>
+          <a:p>
+            <a:r>
+              <a:rPr lang="en-US" sz="800" b="0" dirty="0">
+                <a:solidFill>
+                  <a:srgbClr val="657B83"/>
+                </a:solidFill>
+                <a:effectLst/>
+                <a:highlight>
+                  <a:srgbClr val="FDF6E3"/>
+                </a:highlight>
+                <a:latin typeface="Consolas" panose="020B0609020204030204" pitchFamily="49" charset="0"/>
+              </a:rPr>
+              <a:t>        </a:t>
+            </a:r>
+            <a:r>
+              <a:rPr lang="en-US" sz="800" b="0" dirty="0">
+                <a:solidFill>
+                  <a:srgbClr val="859900"/>
+                </a:solidFill>
+                <a:effectLst/>
+                <a:highlight>
+                  <a:srgbClr val="FDF6E3"/>
+                </a:highlight>
+                <a:latin typeface="Consolas" panose="020B0609020204030204" pitchFamily="49" charset="0"/>
+              </a:rPr>
+              <a:t>return</a:t>
+            </a:r>
+            <a:r>
+              <a:rPr lang="en-US" sz="800" b="0" dirty="0">
+                <a:solidFill>
+                  <a:srgbClr val="657B83"/>
+                </a:solidFill>
+                <a:effectLst/>
+                <a:highlight>
+                  <a:srgbClr val="FDF6E3"/>
+                </a:highlight>
+                <a:latin typeface="Consolas" panose="020B0609020204030204" pitchFamily="49" charset="0"/>
+              </a:rPr>
+              <a:t> </a:t>
+            </a:r>
+            <a:r>
+              <a:rPr lang="en-US" sz="800" b="0" dirty="0" err="1">
+                <a:solidFill>
+                  <a:srgbClr val="268BD2"/>
+                </a:solidFill>
+                <a:effectLst/>
+                <a:highlight>
+                  <a:srgbClr val="FDF6E3"/>
+                </a:highlight>
+                <a:latin typeface="Consolas" panose="020B0609020204030204" pitchFamily="49" charset="0"/>
+              </a:rPr>
+              <a:t>typical_irradiance</a:t>
+            </a:r>
+            <a:r>
+              <a:rPr lang="en-US" sz="800" b="0" dirty="0">
+                <a:solidFill>
+                  <a:srgbClr val="657B83"/>
+                </a:solidFill>
+                <a:effectLst/>
+                <a:highlight>
+                  <a:srgbClr val="FDF6E3"/>
+                </a:highlight>
+                <a:latin typeface="Consolas" panose="020B0609020204030204" pitchFamily="49" charset="0"/>
+              </a:rPr>
+              <a:t> </a:t>
+            </a:r>
+            <a:r>
+              <a:rPr lang="en-US" sz="800" b="0" dirty="0">
+                <a:solidFill>
+                  <a:srgbClr val="859900"/>
+                </a:solidFill>
+                <a:effectLst/>
+                <a:highlight>
+                  <a:srgbClr val="FDF6E3"/>
+                </a:highlight>
+                <a:latin typeface="Consolas" panose="020B0609020204030204" pitchFamily="49" charset="0"/>
+              </a:rPr>
+              <a:t>*</a:t>
+            </a:r>
+            <a:r>
+              <a:rPr lang="en-US" sz="800" b="0" dirty="0">
+                <a:solidFill>
+                  <a:srgbClr val="657B83"/>
+                </a:solidFill>
+                <a:effectLst/>
+                <a:highlight>
+                  <a:srgbClr val="FDF6E3"/>
+                </a:highlight>
+                <a:latin typeface="Consolas" panose="020B0609020204030204" pitchFamily="49" charset="0"/>
+              </a:rPr>
+              <a:t> </a:t>
+            </a:r>
+            <a:r>
+              <a:rPr lang="en-US" sz="800" b="0" dirty="0">
+                <a:solidFill>
+                  <a:srgbClr val="D33682"/>
+                </a:solidFill>
+                <a:effectLst/>
+                <a:highlight>
+                  <a:srgbClr val="FDF6E3"/>
+                </a:highlight>
+                <a:latin typeface="Consolas" panose="020B0609020204030204" pitchFamily="49" charset="0"/>
+              </a:rPr>
+              <a:t>0.3</a:t>
+            </a:r>
+            <a:endParaRPr lang="en-US" sz="800" b="0" dirty="0">
+              <a:solidFill>
+                <a:srgbClr val="657B83"/>
+              </a:solidFill>
+              <a:effectLst/>
+              <a:highlight>
+                <a:srgbClr val="FDF6E3"/>
+              </a:highlight>
+              <a:latin typeface="Consolas" panose="020B0609020204030204" pitchFamily="49" charset="0"/>
+            </a:endParaRPr>
+          </a:p>
+          <a:p>
+            <a:r>
+              <a:rPr lang="en-US" sz="800" b="0" dirty="0">
+                <a:solidFill>
+                  <a:srgbClr val="657B83"/>
+                </a:solidFill>
+                <a:effectLst/>
+                <a:highlight>
+                  <a:srgbClr val="FDF6E3"/>
+                </a:highlight>
+                <a:latin typeface="Consolas" panose="020B0609020204030204" pitchFamily="49" charset="0"/>
+              </a:rPr>
+              <a:t>    </a:t>
+            </a:r>
+            <a:r>
+              <a:rPr lang="en-US" sz="800" b="0" dirty="0" err="1">
+                <a:solidFill>
+                  <a:srgbClr val="859900"/>
+                </a:solidFill>
+                <a:effectLst/>
+                <a:highlight>
+                  <a:srgbClr val="FDF6E3"/>
+                </a:highlight>
+                <a:latin typeface="Consolas" panose="020B0609020204030204" pitchFamily="49" charset="0"/>
+              </a:rPr>
+              <a:t>elif</a:t>
+            </a:r>
+            <a:r>
+              <a:rPr lang="en-US" sz="800" b="0" dirty="0">
+                <a:solidFill>
+                  <a:srgbClr val="657B83"/>
+                </a:solidFill>
+                <a:effectLst/>
+                <a:highlight>
+                  <a:srgbClr val="FDF6E3"/>
+                </a:highlight>
+                <a:latin typeface="Consolas" panose="020B0609020204030204" pitchFamily="49" charset="0"/>
+              </a:rPr>
+              <a:t> </a:t>
+            </a:r>
+            <a:r>
+              <a:rPr lang="en-US" sz="800" b="0" dirty="0">
+                <a:solidFill>
+                  <a:srgbClr val="268BD2"/>
+                </a:solidFill>
+                <a:effectLst/>
+                <a:highlight>
+                  <a:srgbClr val="FDF6E3"/>
+                </a:highlight>
+                <a:latin typeface="Consolas" panose="020B0609020204030204" pitchFamily="49" charset="0"/>
+              </a:rPr>
+              <a:t>weather</a:t>
+            </a:r>
+            <a:r>
+              <a:rPr lang="en-US" sz="800" b="0" dirty="0">
+                <a:solidFill>
+                  <a:srgbClr val="657B83"/>
+                </a:solidFill>
+                <a:effectLst/>
+                <a:highlight>
+                  <a:srgbClr val="FDF6E3"/>
+                </a:highlight>
+                <a:latin typeface="Consolas" panose="020B0609020204030204" pitchFamily="49" charset="0"/>
+              </a:rPr>
+              <a:t> </a:t>
+            </a:r>
+            <a:r>
+              <a:rPr lang="en-US" sz="800" b="0" dirty="0">
+                <a:solidFill>
+                  <a:srgbClr val="859900"/>
+                </a:solidFill>
+                <a:effectLst/>
+                <a:highlight>
+                  <a:srgbClr val="FDF6E3"/>
+                </a:highlight>
+                <a:latin typeface="Consolas" panose="020B0609020204030204" pitchFamily="49" charset="0"/>
+              </a:rPr>
+              <a:t>in</a:t>
+            </a:r>
+            <a:r>
+              <a:rPr lang="en-US" sz="800" b="0" dirty="0">
+                <a:solidFill>
+                  <a:srgbClr val="657B83"/>
+                </a:solidFill>
+                <a:effectLst/>
+                <a:highlight>
+                  <a:srgbClr val="FDF6E3"/>
+                </a:highlight>
+                <a:latin typeface="Consolas" panose="020B0609020204030204" pitchFamily="49" charset="0"/>
+              </a:rPr>
+              <a:t> [</a:t>
+            </a:r>
+            <a:r>
+              <a:rPr lang="en-US" sz="800" b="0" dirty="0">
+                <a:solidFill>
+                  <a:srgbClr val="2AA198"/>
+                </a:solidFill>
+                <a:effectLst/>
+                <a:highlight>
+                  <a:srgbClr val="FDF6E3"/>
+                </a:highlight>
+                <a:latin typeface="Consolas" panose="020B0609020204030204" pitchFamily="49" charset="0"/>
+              </a:rPr>
+              <a:t>'Fog'</a:t>
+            </a:r>
+            <a:r>
+              <a:rPr lang="en-US" sz="800" b="0" dirty="0">
+                <a:solidFill>
+                  <a:srgbClr val="657B83"/>
+                </a:solidFill>
+                <a:effectLst/>
+                <a:highlight>
+                  <a:srgbClr val="FDF6E3"/>
+                </a:highlight>
+                <a:latin typeface="Consolas" panose="020B0609020204030204" pitchFamily="49" charset="0"/>
+              </a:rPr>
+              <a:t>, </a:t>
+            </a:r>
+            <a:r>
+              <a:rPr lang="en-US" sz="800" b="0" dirty="0">
+                <a:solidFill>
+                  <a:srgbClr val="2AA198"/>
+                </a:solidFill>
+                <a:effectLst/>
+                <a:highlight>
+                  <a:srgbClr val="FDF6E3"/>
+                </a:highlight>
+                <a:latin typeface="Consolas" panose="020B0609020204030204" pitchFamily="49" charset="0"/>
+              </a:rPr>
+              <a:t>'Mist'</a:t>
+            </a:r>
+            <a:r>
+              <a:rPr lang="en-US" sz="800" b="0" dirty="0">
+                <a:solidFill>
+                  <a:srgbClr val="657B83"/>
+                </a:solidFill>
+                <a:effectLst/>
+                <a:highlight>
+                  <a:srgbClr val="FDF6E3"/>
+                </a:highlight>
+                <a:latin typeface="Consolas" panose="020B0609020204030204" pitchFamily="49" charset="0"/>
+              </a:rPr>
+              <a:t>]:</a:t>
+            </a:r>
+          </a:p>
+          <a:p>
+            <a:r>
+              <a:rPr lang="en-US" sz="800" b="0" dirty="0">
+                <a:solidFill>
+                  <a:srgbClr val="657B83"/>
+                </a:solidFill>
+                <a:effectLst/>
+                <a:highlight>
+                  <a:srgbClr val="FDF6E3"/>
+                </a:highlight>
+                <a:latin typeface="Consolas" panose="020B0609020204030204" pitchFamily="49" charset="0"/>
+              </a:rPr>
+              <a:t>        </a:t>
+            </a:r>
+            <a:r>
+              <a:rPr lang="en-US" sz="800" b="0" dirty="0">
+                <a:solidFill>
+                  <a:srgbClr val="859900"/>
+                </a:solidFill>
+                <a:effectLst/>
+                <a:highlight>
+                  <a:srgbClr val="FDF6E3"/>
+                </a:highlight>
+                <a:latin typeface="Consolas" panose="020B0609020204030204" pitchFamily="49" charset="0"/>
+              </a:rPr>
+              <a:t>return</a:t>
+            </a:r>
+            <a:r>
+              <a:rPr lang="en-US" sz="800" b="0" dirty="0">
+                <a:solidFill>
+                  <a:srgbClr val="657B83"/>
+                </a:solidFill>
+                <a:effectLst/>
+                <a:highlight>
+                  <a:srgbClr val="FDF6E3"/>
+                </a:highlight>
+                <a:latin typeface="Consolas" panose="020B0609020204030204" pitchFamily="49" charset="0"/>
+              </a:rPr>
+              <a:t> </a:t>
+            </a:r>
+            <a:r>
+              <a:rPr lang="en-US" sz="800" b="0" dirty="0" err="1">
+                <a:solidFill>
+                  <a:srgbClr val="268BD2"/>
+                </a:solidFill>
+                <a:effectLst/>
+                <a:highlight>
+                  <a:srgbClr val="FDF6E3"/>
+                </a:highlight>
+                <a:latin typeface="Consolas" panose="020B0609020204030204" pitchFamily="49" charset="0"/>
+              </a:rPr>
+              <a:t>typical_irradiance</a:t>
+            </a:r>
+            <a:r>
+              <a:rPr lang="en-US" sz="800" b="0" dirty="0">
+                <a:solidFill>
+                  <a:srgbClr val="657B83"/>
+                </a:solidFill>
+                <a:effectLst/>
+                <a:highlight>
+                  <a:srgbClr val="FDF6E3"/>
+                </a:highlight>
+                <a:latin typeface="Consolas" panose="020B0609020204030204" pitchFamily="49" charset="0"/>
+              </a:rPr>
+              <a:t> </a:t>
+            </a:r>
+            <a:r>
+              <a:rPr lang="en-US" sz="800" b="0" dirty="0">
+                <a:solidFill>
+                  <a:srgbClr val="859900"/>
+                </a:solidFill>
+                <a:effectLst/>
+                <a:highlight>
+                  <a:srgbClr val="FDF6E3"/>
+                </a:highlight>
+                <a:latin typeface="Consolas" panose="020B0609020204030204" pitchFamily="49" charset="0"/>
+              </a:rPr>
+              <a:t>*</a:t>
+            </a:r>
+            <a:r>
+              <a:rPr lang="en-US" sz="800" b="0" dirty="0">
+                <a:solidFill>
+                  <a:srgbClr val="657B83"/>
+                </a:solidFill>
+                <a:effectLst/>
+                <a:highlight>
+                  <a:srgbClr val="FDF6E3"/>
+                </a:highlight>
+                <a:latin typeface="Consolas" panose="020B0609020204030204" pitchFamily="49" charset="0"/>
+              </a:rPr>
+              <a:t> </a:t>
+            </a:r>
+            <a:r>
+              <a:rPr lang="en-US" sz="800" b="0" dirty="0">
+                <a:solidFill>
+                  <a:srgbClr val="D33682"/>
+                </a:solidFill>
+                <a:effectLst/>
+                <a:highlight>
+                  <a:srgbClr val="FDF6E3"/>
+                </a:highlight>
+                <a:latin typeface="Consolas" panose="020B0609020204030204" pitchFamily="49" charset="0"/>
+              </a:rPr>
+              <a:t>0.2</a:t>
+            </a:r>
+            <a:endParaRPr lang="en-US" sz="800" b="0" dirty="0">
+              <a:solidFill>
+                <a:srgbClr val="657B83"/>
+              </a:solidFill>
+              <a:effectLst/>
+              <a:highlight>
+                <a:srgbClr val="FDF6E3"/>
+              </a:highlight>
+              <a:latin typeface="Consolas" panose="020B0609020204030204" pitchFamily="49" charset="0"/>
+            </a:endParaRPr>
+          </a:p>
+          <a:p>
+            <a:r>
+              <a:rPr lang="en-US" sz="800" b="0" dirty="0">
+                <a:solidFill>
+                  <a:srgbClr val="657B83"/>
+                </a:solidFill>
+                <a:effectLst/>
+                <a:highlight>
+                  <a:srgbClr val="FDF6E3"/>
+                </a:highlight>
+                <a:latin typeface="Consolas" panose="020B0609020204030204" pitchFamily="49" charset="0"/>
+              </a:rPr>
+              <a:t>    </a:t>
+            </a:r>
+            <a:r>
+              <a:rPr lang="en-US" sz="800" b="0" dirty="0">
+                <a:solidFill>
+                  <a:srgbClr val="859900"/>
+                </a:solidFill>
+                <a:effectLst/>
+                <a:highlight>
+                  <a:srgbClr val="FDF6E3"/>
+                </a:highlight>
+                <a:latin typeface="Consolas" panose="020B0609020204030204" pitchFamily="49" charset="0"/>
+              </a:rPr>
+              <a:t>else</a:t>
+            </a:r>
+            <a:r>
+              <a:rPr lang="en-US" sz="800" b="0" dirty="0">
+                <a:solidFill>
+                  <a:srgbClr val="657B83"/>
+                </a:solidFill>
+                <a:effectLst/>
+                <a:highlight>
+                  <a:srgbClr val="FDF6E3"/>
+                </a:highlight>
+                <a:latin typeface="Consolas" panose="020B0609020204030204" pitchFamily="49" charset="0"/>
+              </a:rPr>
+              <a:t>:</a:t>
+            </a:r>
+          </a:p>
+          <a:p>
+            <a:r>
+              <a:rPr lang="en-US" sz="800" b="0" dirty="0">
+                <a:solidFill>
+                  <a:srgbClr val="657B83"/>
+                </a:solidFill>
+                <a:effectLst/>
+                <a:highlight>
+                  <a:srgbClr val="FDF6E3"/>
+                </a:highlight>
+                <a:latin typeface="Consolas" panose="020B0609020204030204" pitchFamily="49" charset="0"/>
+              </a:rPr>
+              <a:t>        </a:t>
+            </a:r>
+            <a:r>
+              <a:rPr lang="en-US" sz="800" b="0" dirty="0">
+                <a:solidFill>
+                  <a:srgbClr val="859900"/>
+                </a:solidFill>
+                <a:effectLst/>
+                <a:highlight>
+                  <a:srgbClr val="FDF6E3"/>
+                </a:highlight>
+                <a:latin typeface="Consolas" panose="020B0609020204030204" pitchFamily="49" charset="0"/>
+              </a:rPr>
+              <a:t>return</a:t>
+            </a:r>
+            <a:r>
+              <a:rPr lang="en-US" sz="800" b="0" dirty="0">
+                <a:solidFill>
+                  <a:srgbClr val="657B83"/>
+                </a:solidFill>
+                <a:effectLst/>
+                <a:highlight>
+                  <a:srgbClr val="FDF6E3"/>
+                </a:highlight>
+                <a:latin typeface="Consolas" panose="020B0609020204030204" pitchFamily="49" charset="0"/>
+              </a:rPr>
+              <a:t> </a:t>
+            </a:r>
+            <a:r>
+              <a:rPr lang="en-US" sz="800" b="0" dirty="0" err="1">
+                <a:solidFill>
+                  <a:srgbClr val="268BD2"/>
+                </a:solidFill>
+                <a:effectLst/>
+                <a:highlight>
+                  <a:srgbClr val="FDF6E3"/>
+                </a:highlight>
+                <a:latin typeface="Consolas" panose="020B0609020204030204" pitchFamily="49" charset="0"/>
+              </a:rPr>
+              <a:t>typical_irradiance</a:t>
+            </a:r>
+            <a:r>
+              <a:rPr lang="en-US" sz="800" b="0" dirty="0">
+                <a:solidFill>
+                  <a:srgbClr val="657B83"/>
+                </a:solidFill>
+                <a:effectLst/>
+                <a:highlight>
+                  <a:srgbClr val="FDF6E3"/>
+                </a:highlight>
+                <a:latin typeface="Consolas" panose="020B0609020204030204" pitchFamily="49" charset="0"/>
+              </a:rPr>
+              <a:t> </a:t>
+            </a:r>
+            <a:r>
+              <a:rPr lang="en-US" sz="800" b="0" dirty="0">
+                <a:solidFill>
+                  <a:srgbClr val="859900"/>
+                </a:solidFill>
+                <a:effectLst/>
+                <a:highlight>
+                  <a:srgbClr val="FDF6E3"/>
+                </a:highlight>
+                <a:latin typeface="Consolas" panose="020B0609020204030204" pitchFamily="49" charset="0"/>
+              </a:rPr>
+              <a:t>*</a:t>
+            </a:r>
+            <a:r>
+              <a:rPr lang="en-US" sz="800" b="0" dirty="0">
+                <a:solidFill>
+                  <a:srgbClr val="657B83"/>
+                </a:solidFill>
+                <a:effectLst/>
+                <a:highlight>
+                  <a:srgbClr val="FDF6E3"/>
+                </a:highlight>
+                <a:latin typeface="Consolas" panose="020B0609020204030204" pitchFamily="49" charset="0"/>
+              </a:rPr>
+              <a:t> </a:t>
+            </a:r>
+            <a:r>
+              <a:rPr lang="en-US" sz="800" b="0" dirty="0">
+                <a:solidFill>
+                  <a:srgbClr val="D33682"/>
+                </a:solidFill>
+                <a:effectLst/>
+                <a:highlight>
+                  <a:srgbClr val="FDF6E3"/>
+                </a:highlight>
+                <a:latin typeface="Consolas" panose="020B0609020204030204" pitchFamily="49" charset="0"/>
+              </a:rPr>
+              <a:t>0.5</a:t>
+            </a:r>
+            <a:endParaRPr lang="en-US" sz="800" b="0" dirty="0">
+              <a:solidFill>
+                <a:srgbClr val="657B83"/>
+              </a:solidFill>
+              <a:effectLst/>
+              <a:highlight>
+                <a:srgbClr val="FDF6E3"/>
+              </a:highlight>
+              <a:latin typeface="Consolas" panose="020B0609020204030204" pitchFamily="49" charset="0"/>
+            </a:endParaRPr>
+          </a:p>
+        </p:txBody>
+      </p:sp>
+      <p:sp>
+        <p:nvSpPr>
+          <p:cNvPr id="4" name="TextBox 3">
+            <a:extLst>
+              <a:ext uri="{FF2B5EF4-FFF2-40B4-BE49-F238E27FC236}">
+                <a16:creationId xmlns:a16="http://schemas.microsoft.com/office/drawing/2014/main" id="{6E7EF87E-A246-0D2C-1E47-E28C6EF9A215}"/>
+              </a:ext>
+            </a:extLst>
+          </p:cNvPr>
+          <p:cNvSpPr txBox="1"/>
+          <p:nvPr/>
+        </p:nvSpPr>
+        <p:spPr>
+          <a:xfrm>
+            <a:off x="6788747" y="2167308"/>
+            <a:ext cx="4616568" cy="830997"/>
+          </a:xfrm>
+          <a:prstGeom prst="rect">
+            <a:avLst/>
+          </a:prstGeom>
+          <a:noFill/>
+        </p:spPr>
+        <p:txBody>
+          <a:bodyPr wrap="square">
+            <a:spAutoFit/>
+          </a:bodyPr>
+          <a:lstStyle/>
+          <a:p>
+            <a:r>
+              <a:rPr lang="en-US" sz="800" b="0" i="1" dirty="0">
+                <a:solidFill>
+                  <a:srgbClr val="93A1A1"/>
+                </a:solidFill>
+                <a:effectLst/>
+                <a:highlight>
+                  <a:srgbClr val="FDF6E3"/>
+                </a:highlight>
+                <a:latin typeface="Consolas" panose="020B0609020204030204" pitchFamily="49" charset="0"/>
+              </a:rPr>
+              <a:t># </a:t>
+            </a:r>
+            <a:r>
+              <a:rPr lang="en-US" sz="800" b="0" i="1" dirty="0" err="1">
+                <a:solidFill>
+                  <a:srgbClr val="93A1A1"/>
+                </a:solidFill>
+                <a:effectLst/>
+                <a:highlight>
+                  <a:srgbClr val="FDF6E3"/>
+                </a:highlight>
+                <a:latin typeface="Consolas" panose="020B0609020204030204" pitchFamily="49" charset="0"/>
+              </a:rPr>
+              <a:t>Funkcja</a:t>
+            </a:r>
+            <a:r>
+              <a:rPr lang="en-US" sz="800" b="0" i="1" dirty="0">
+                <a:solidFill>
+                  <a:srgbClr val="93A1A1"/>
+                </a:solidFill>
+                <a:effectLst/>
+                <a:highlight>
+                  <a:srgbClr val="FDF6E3"/>
+                </a:highlight>
+                <a:latin typeface="Consolas" panose="020B0609020204030204" pitchFamily="49" charset="0"/>
+              </a:rPr>
+              <a:t> do </a:t>
+            </a:r>
+            <a:r>
+              <a:rPr lang="en-US" sz="800" b="0" i="1" dirty="0" err="1">
+                <a:solidFill>
+                  <a:srgbClr val="93A1A1"/>
+                </a:solidFill>
+                <a:effectLst/>
+                <a:highlight>
+                  <a:srgbClr val="FDF6E3"/>
+                </a:highlight>
+                <a:latin typeface="Consolas" panose="020B0609020204030204" pitchFamily="49" charset="0"/>
+              </a:rPr>
+              <a:t>modyfikacji</a:t>
+            </a:r>
+            <a:r>
+              <a:rPr lang="en-US" sz="800" b="0" i="1" dirty="0">
+                <a:solidFill>
+                  <a:srgbClr val="93A1A1"/>
+                </a:solidFill>
+                <a:effectLst/>
+                <a:highlight>
+                  <a:srgbClr val="FDF6E3"/>
+                </a:highlight>
+                <a:latin typeface="Consolas" panose="020B0609020204030204" pitchFamily="49" charset="0"/>
+              </a:rPr>
+              <a:t> </a:t>
+            </a:r>
+            <a:r>
+              <a:rPr lang="en-US" sz="800" b="0" i="1" dirty="0" err="1">
+                <a:solidFill>
+                  <a:srgbClr val="93A1A1"/>
+                </a:solidFill>
+                <a:effectLst/>
+                <a:highlight>
+                  <a:srgbClr val="FDF6E3"/>
+                </a:highlight>
+                <a:latin typeface="Consolas" panose="020B0609020204030204" pitchFamily="49" charset="0"/>
+              </a:rPr>
+              <a:t>efektywności</a:t>
+            </a:r>
+            <a:r>
+              <a:rPr lang="en-US" sz="800" b="0" i="1" dirty="0">
+                <a:solidFill>
+                  <a:srgbClr val="93A1A1"/>
+                </a:solidFill>
+                <a:effectLst/>
+                <a:highlight>
+                  <a:srgbClr val="FDF6E3"/>
+                </a:highlight>
+                <a:latin typeface="Consolas" panose="020B0609020204030204" pitchFamily="49" charset="0"/>
+              </a:rPr>
+              <a:t> </a:t>
+            </a:r>
+            <a:r>
+              <a:rPr lang="en-US" sz="800" b="0" i="1" dirty="0" err="1">
+                <a:solidFill>
+                  <a:srgbClr val="93A1A1"/>
+                </a:solidFill>
+                <a:effectLst/>
+                <a:highlight>
+                  <a:srgbClr val="FDF6E3"/>
+                </a:highlight>
+                <a:latin typeface="Consolas" panose="020B0609020204030204" pitchFamily="49" charset="0"/>
+              </a:rPr>
+              <a:t>na</a:t>
+            </a:r>
+            <a:r>
+              <a:rPr lang="en-US" sz="800" b="0" i="1" dirty="0">
+                <a:solidFill>
+                  <a:srgbClr val="93A1A1"/>
+                </a:solidFill>
+                <a:effectLst/>
+                <a:highlight>
+                  <a:srgbClr val="FDF6E3"/>
+                </a:highlight>
+                <a:latin typeface="Consolas" panose="020B0609020204030204" pitchFamily="49" charset="0"/>
+              </a:rPr>
+              <a:t> </a:t>
+            </a:r>
+            <a:r>
+              <a:rPr lang="en-US" sz="800" b="0" i="1" dirty="0" err="1">
+                <a:solidFill>
+                  <a:srgbClr val="93A1A1"/>
+                </a:solidFill>
+                <a:effectLst/>
+                <a:highlight>
+                  <a:srgbClr val="FDF6E3"/>
+                </a:highlight>
+                <a:latin typeface="Consolas" panose="020B0609020204030204" pitchFamily="49" charset="0"/>
+              </a:rPr>
+              <a:t>podstawie</a:t>
+            </a:r>
+            <a:r>
+              <a:rPr lang="en-US" sz="800" b="0" i="1" dirty="0">
+                <a:solidFill>
+                  <a:srgbClr val="93A1A1"/>
+                </a:solidFill>
+                <a:effectLst/>
+                <a:highlight>
+                  <a:srgbClr val="FDF6E3"/>
+                </a:highlight>
+                <a:latin typeface="Consolas" panose="020B0609020204030204" pitchFamily="49" charset="0"/>
+              </a:rPr>
+              <a:t> </a:t>
+            </a:r>
+            <a:r>
+              <a:rPr lang="en-US" sz="800" b="0" i="1" dirty="0" err="1">
+                <a:solidFill>
+                  <a:srgbClr val="93A1A1"/>
+                </a:solidFill>
+                <a:effectLst/>
+                <a:highlight>
+                  <a:srgbClr val="FDF6E3"/>
+                </a:highlight>
+                <a:latin typeface="Consolas" panose="020B0609020204030204" pitchFamily="49" charset="0"/>
+              </a:rPr>
+              <a:t>temperatury</a:t>
+            </a:r>
+            <a:endParaRPr lang="en-US" sz="800" b="0" dirty="0">
+              <a:solidFill>
+                <a:srgbClr val="657B83"/>
+              </a:solidFill>
+              <a:effectLst/>
+              <a:highlight>
+                <a:srgbClr val="FDF6E3"/>
+              </a:highlight>
+              <a:latin typeface="Consolas" panose="020B0609020204030204" pitchFamily="49" charset="0"/>
+            </a:endParaRPr>
+          </a:p>
+          <a:p>
+            <a:r>
+              <a:rPr lang="en-US" sz="800" b="1" dirty="0">
+                <a:solidFill>
+                  <a:srgbClr val="586E75"/>
+                </a:solidFill>
+                <a:effectLst/>
+                <a:highlight>
+                  <a:srgbClr val="FDF6E3"/>
+                </a:highlight>
+                <a:latin typeface="Consolas" panose="020B0609020204030204" pitchFamily="49" charset="0"/>
+              </a:rPr>
+              <a:t>def</a:t>
+            </a:r>
+            <a:r>
+              <a:rPr lang="en-US" sz="800" b="0" dirty="0">
+                <a:solidFill>
+                  <a:srgbClr val="657B83"/>
+                </a:solidFill>
+                <a:effectLst/>
+                <a:highlight>
+                  <a:srgbClr val="FDF6E3"/>
+                </a:highlight>
+                <a:latin typeface="Consolas" panose="020B0609020204030204" pitchFamily="49" charset="0"/>
+              </a:rPr>
+              <a:t> </a:t>
+            </a:r>
+            <a:r>
+              <a:rPr lang="en-US" sz="800" b="0" dirty="0" err="1">
+                <a:solidFill>
+                  <a:srgbClr val="268BD2"/>
+                </a:solidFill>
+                <a:effectLst/>
+                <a:highlight>
+                  <a:srgbClr val="FDF6E3"/>
+                </a:highlight>
+                <a:latin typeface="Consolas" panose="020B0609020204030204" pitchFamily="49" charset="0"/>
+              </a:rPr>
+              <a:t>temperature_modifier</a:t>
+            </a:r>
+            <a:r>
+              <a:rPr lang="en-US" sz="800" b="0" dirty="0">
+                <a:solidFill>
+                  <a:srgbClr val="657B83"/>
+                </a:solidFill>
+                <a:effectLst/>
+                <a:highlight>
+                  <a:srgbClr val="FDF6E3"/>
+                </a:highlight>
+                <a:latin typeface="Consolas" panose="020B0609020204030204" pitchFamily="49" charset="0"/>
+              </a:rPr>
+              <a:t>(temp):</a:t>
+            </a:r>
+          </a:p>
+          <a:p>
+            <a:r>
+              <a:rPr lang="en-US" sz="800" b="0" dirty="0">
+                <a:solidFill>
+                  <a:srgbClr val="657B83"/>
+                </a:solidFill>
+                <a:effectLst/>
+                <a:highlight>
+                  <a:srgbClr val="FDF6E3"/>
+                </a:highlight>
+                <a:latin typeface="Consolas" panose="020B0609020204030204" pitchFamily="49" charset="0"/>
+              </a:rPr>
+              <a:t>    </a:t>
+            </a:r>
+            <a:r>
+              <a:rPr lang="en-US" sz="800" b="0" dirty="0">
+                <a:solidFill>
+                  <a:srgbClr val="859900"/>
+                </a:solidFill>
+                <a:effectLst/>
+                <a:highlight>
+                  <a:srgbClr val="FDF6E3"/>
+                </a:highlight>
+                <a:latin typeface="Consolas" panose="020B0609020204030204" pitchFamily="49" charset="0"/>
+              </a:rPr>
+              <a:t>if</a:t>
+            </a:r>
+            <a:r>
+              <a:rPr lang="en-US" sz="800" b="0" dirty="0">
+                <a:solidFill>
+                  <a:srgbClr val="657B83"/>
+                </a:solidFill>
+                <a:effectLst/>
+                <a:highlight>
+                  <a:srgbClr val="FDF6E3"/>
+                </a:highlight>
+                <a:latin typeface="Consolas" panose="020B0609020204030204" pitchFamily="49" charset="0"/>
+              </a:rPr>
+              <a:t> temp </a:t>
+            </a:r>
+            <a:r>
+              <a:rPr lang="en-US" sz="800" b="0" dirty="0">
+                <a:solidFill>
+                  <a:srgbClr val="859900"/>
+                </a:solidFill>
+                <a:effectLst/>
+                <a:highlight>
+                  <a:srgbClr val="FDF6E3"/>
+                </a:highlight>
+                <a:latin typeface="Consolas" panose="020B0609020204030204" pitchFamily="49" charset="0"/>
+              </a:rPr>
+              <a:t>&gt;</a:t>
+            </a:r>
+            <a:r>
+              <a:rPr lang="en-US" sz="800" b="0" dirty="0">
+                <a:solidFill>
+                  <a:srgbClr val="657B83"/>
+                </a:solidFill>
+                <a:effectLst/>
+                <a:highlight>
+                  <a:srgbClr val="FDF6E3"/>
+                </a:highlight>
+                <a:latin typeface="Consolas" panose="020B0609020204030204" pitchFamily="49" charset="0"/>
+              </a:rPr>
+              <a:t> </a:t>
+            </a:r>
+            <a:r>
+              <a:rPr lang="en-US" sz="800" b="0" dirty="0">
+                <a:solidFill>
+                  <a:srgbClr val="D33682"/>
+                </a:solidFill>
+                <a:effectLst/>
+                <a:highlight>
+                  <a:srgbClr val="FDF6E3"/>
+                </a:highlight>
+                <a:latin typeface="Consolas" panose="020B0609020204030204" pitchFamily="49" charset="0"/>
+              </a:rPr>
+              <a:t>25</a:t>
+            </a:r>
+            <a:r>
+              <a:rPr lang="en-US" sz="800" b="0" dirty="0">
+                <a:solidFill>
+                  <a:srgbClr val="657B83"/>
+                </a:solidFill>
+                <a:effectLst/>
+                <a:highlight>
+                  <a:srgbClr val="FDF6E3"/>
+                </a:highlight>
+                <a:latin typeface="Consolas" panose="020B0609020204030204" pitchFamily="49" charset="0"/>
+              </a:rPr>
+              <a:t>:</a:t>
+            </a:r>
+          </a:p>
+          <a:p>
+            <a:r>
+              <a:rPr lang="en-US" sz="800" b="0" dirty="0">
+                <a:solidFill>
+                  <a:srgbClr val="657B83"/>
+                </a:solidFill>
+                <a:effectLst/>
+                <a:highlight>
+                  <a:srgbClr val="FDF6E3"/>
+                </a:highlight>
+                <a:latin typeface="Consolas" panose="020B0609020204030204" pitchFamily="49" charset="0"/>
+              </a:rPr>
+              <a:t>        </a:t>
+            </a:r>
+            <a:r>
+              <a:rPr lang="en-US" sz="800" b="0" dirty="0">
+                <a:solidFill>
+                  <a:srgbClr val="859900"/>
+                </a:solidFill>
+                <a:effectLst/>
+                <a:highlight>
+                  <a:srgbClr val="FDF6E3"/>
+                </a:highlight>
+                <a:latin typeface="Consolas" panose="020B0609020204030204" pitchFamily="49" charset="0"/>
+              </a:rPr>
+              <a:t>return</a:t>
+            </a:r>
+            <a:r>
+              <a:rPr lang="en-US" sz="800" b="0" dirty="0">
+                <a:solidFill>
+                  <a:srgbClr val="657B83"/>
+                </a:solidFill>
+                <a:effectLst/>
+                <a:highlight>
+                  <a:srgbClr val="FDF6E3"/>
+                </a:highlight>
+                <a:latin typeface="Consolas" panose="020B0609020204030204" pitchFamily="49" charset="0"/>
+              </a:rPr>
+              <a:t> </a:t>
+            </a:r>
+            <a:r>
+              <a:rPr lang="en-US" sz="800" b="0" dirty="0">
+                <a:solidFill>
+                  <a:srgbClr val="D33682"/>
+                </a:solidFill>
+                <a:effectLst/>
+                <a:highlight>
+                  <a:srgbClr val="FDF6E3"/>
+                </a:highlight>
+                <a:latin typeface="Consolas" panose="020B0609020204030204" pitchFamily="49" charset="0"/>
+              </a:rPr>
+              <a:t>0.95</a:t>
+            </a:r>
+            <a:r>
+              <a:rPr lang="en-US" sz="800" b="0" dirty="0">
+                <a:solidFill>
+                  <a:srgbClr val="657B83"/>
+                </a:solidFill>
+                <a:effectLst/>
+                <a:highlight>
+                  <a:srgbClr val="FDF6E3"/>
+                </a:highlight>
+                <a:latin typeface="Consolas" panose="020B0609020204030204" pitchFamily="49" charset="0"/>
+              </a:rPr>
+              <a:t>  </a:t>
+            </a:r>
+            <a:r>
+              <a:rPr lang="en-US" sz="800" b="0" i="1" dirty="0">
+                <a:solidFill>
+                  <a:srgbClr val="93A1A1"/>
+                </a:solidFill>
+                <a:effectLst/>
+                <a:highlight>
+                  <a:srgbClr val="FDF6E3"/>
+                </a:highlight>
+                <a:latin typeface="Consolas" panose="020B0609020204030204" pitchFamily="49" charset="0"/>
+              </a:rPr>
+              <a:t># </a:t>
+            </a:r>
+            <a:r>
+              <a:rPr lang="en-US" sz="800" b="0" i="1" dirty="0" err="1">
+                <a:solidFill>
+                  <a:srgbClr val="93A1A1"/>
+                </a:solidFill>
+                <a:effectLst/>
+                <a:highlight>
+                  <a:srgbClr val="FDF6E3"/>
+                </a:highlight>
+                <a:latin typeface="Consolas" panose="020B0609020204030204" pitchFamily="49" charset="0"/>
+              </a:rPr>
+              <a:t>Obniżenie</a:t>
+            </a:r>
+            <a:r>
+              <a:rPr lang="en-US" sz="800" b="0" i="1" dirty="0">
+                <a:solidFill>
+                  <a:srgbClr val="93A1A1"/>
+                </a:solidFill>
+                <a:effectLst/>
+                <a:highlight>
+                  <a:srgbClr val="FDF6E3"/>
+                </a:highlight>
+                <a:latin typeface="Consolas" panose="020B0609020204030204" pitchFamily="49" charset="0"/>
+              </a:rPr>
+              <a:t> </a:t>
+            </a:r>
+            <a:r>
+              <a:rPr lang="en-US" sz="800" b="0" i="1" dirty="0" err="1">
+                <a:solidFill>
+                  <a:srgbClr val="93A1A1"/>
+                </a:solidFill>
+                <a:effectLst/>
+                <a:highlight>
+                  <a:srgbClr val="FDF6E3"/>
+                </a:highlight>
+                <a:latin typeface="Consolas" panose="020B0609020204030204" pitchFamily="49" charset="0"/>
+              </a:rPr>
+              <a:t>efektywności</a:t>
+            </a:r>
+            <a:r>
+              <a:rPr lang="en-US" sz="800" b="0" i="1" dirty="0">
+                <a:solidFill>
+                  <a:srgbClr val="93A1A1"/>
+                </a:solidFill>
+                <a:effectLst/>
+                <a:highlight>
+                  <a:srgbClr val="FDF6E3"/>
+                </a:highlight>
+                <a:latin typeface="Consolas" panose="020B0609020204030204" pitchFamily="49" charset="0"/>
+              </a:rPr>
+              <a:t> </a:t>
+            </a:r>
+            <a:r>
+              <a:rPr lang="en-US" sz="800" b="0" i="1" dirty="0" err="1">
+                <a:solidFill>
+                  <a:srgbClr val="93A1A1"/>
+                </a:solidFill>
+                <a:effectLst/>
+                <a:highlight>
+                  <a:srgbClr val="FDF6E3"/>
+                </a:highlight>
+                <a:latin typeface="Consolas" panose="020B0609020204030204" pitchFamily="49" charset="0"/>
+              </a:rPr>
+              <a:t>przy</a:t>
+            </a:r>
+            <a:r>
+              <a:rPr lang="en-US" sz="800" b="0" i="1" dirty="0">
+                <a:solidFill>
+                  <a:srgbClr val="93A1A1"/>
+                </a:solidFill>
+                <a:effectLst/>
+                <a:highlight>
+                  <a:srgbClr val="FDF6E3"/>
+                </a:highlight>
+                <a:latin typeface="Consolas" panose="020B0609020204030204" pitchFamily="49" charset="0"/>
+              </a:rPr>
+              <a:t> </a:t>
+            </a:r>
+            <a:r>
+              <a:rPr lang="en-US" sz="800" b="0" i="1" dirty="0" err="1">
+                <a:solidFill>
+                  <a:srgbClr val="93A1A1"/>
+                </a:solidFill>
+                <a:effectLst/>
+                <a:highlight>
+                  <a:srgbClr val="FDF6E3"/>
+                </a:highlight>
+                <a:latin typeface="Consolas" panose="020B0609020204030204" pitchFamily="49" charset="0"/>
+              </a:rPr>
+              <a:t>wysokich</a:t>
+            </a:r>
+            <a:r>
+              <a:rPr lang="en-US" sz="800" b="0" i="1" dirty="0">
+                <a:solidFill>
+                  <a:srgbClr val="93A1A1"/>
+                </a:solidFill>
+                <a:effectLst/>
+                <a:highlight>
+                  <a:srgbClr val="FDF6E3"/>
+                </a:highlight>
+                <a:latin typeface="Consolas" panose="020B0609020204030204" pitchFamily="49" charset="0"/>
+              </a:rPr>
+              <a:t> </a:t>
+            </a:r>
+            <a:r>
+              <a:rPr lang="en-US" sz="800" b="0" i="1" dirty="0" err="1">
+                <a:solidFill>
+                  <a:srgbClr val="93A1A1"/>
+                </a:solidFill>
+                <a:effectLst/>
+                <a:highlight>
+                  <a:srgbClr val="FDF6E3"/>
+                </a:highlight>
+                <a:latin typeface="Consolas" panose="020B0609020204030204" pitchFamily="49" charset="0"/>
+              </a:rPr>
+              <a:t>temperaturach</a:t>
+            </a:r>
+            <a:endParaRPr lang="en-US" sz="800" b="0" dirty="0">
+              <a:solidFill>
+                <a:srgbClr val="657B83"/>
+              </a:solidFill>
+              <a:effectLst/>
+              <a:highlight>
+                <a:srgbClr val="FDF6E3"/>
+              </a:highlight>
+              <a:latin typeface="Consolas" panose="020B0609020204030204" pitchFamily="49" charset="0"/>
+            </a:endParaRPr>
+          </a:p>
+          <a:p>
+            <a:r>
+              <a:rPr lang="en-US" sz="800" b="0" dirty="0">
+                <a:solidFill>
+                  <a:srgbClr val="657B83"/>
+                </a:solidFill>
+                <a:effectLst/>
+                <a:highlight>
+                  <a:srgbClr val="FDF6E3"/>
+                </a:highlight>
+                <a:latin typeface="Consolas" panose="020B0609020204030204" pitchFamily="49" charset="0"/>
+              </a:rPr>
+              <a:t>    </a:t>
+            </a:r>
+            <a:r>
+              <a:rPr lang="en-US" sz="800" b="0" dirty="0">
+                <a:solidFill>
+                  <a:srgbClr val="859900"/>
+                </a:solidFill>
+                <a:effectLst/>
+                <a:highlight>
+                  <a:srgbClr val="FDF6E3"/>
+                </a:highlight>
+                <a:latin typeface="Consolas" panose="020B0609020204030204" pitchFamily="49" charset="0"/>
+              </a:rPr>
+              <a:t>else</a:t>
+            </a:r>
+            <a:r>
+              <a:rPr lang="en-US" sz="800" b="0" dirty="0">
+                <a:solidFill>
+                  <a:srgbClr val="657B83"/>
+                </a:solidFill>
+                <a:effectLst/>
+                <a:highlight>
+                  <a:srgbClr val="FDF6E3"/>
+                </a:highlight>
+                <a:latin typeface="Consolas" panose="020B0609020204030204" pitchFamily="49" charset="0"/>
+              </a:rPr>
+              <a:t>:</a:t>
+            </a:r>
+          </a:p>
+          <a:p>
+            <a:r>
+              <a:rPr lang="en-US" sz="800" b="0" dirty="0">
+                <a:solidFill>
+                  <a:srgbClr val="657B83"/>
+                </a:solidFill>
+                <a:effectLst/>
+                <a:highlight>
+                  <a:srgbClr val="FDF6E3"/>
+                </a:highlight>
+                <a:latin typeface="Consolas" panose="020B0609020204030204" pitchFamily="49" charset="0"/>
+              </a:rPr>
+              <a:t>        </a:t>
+            </a:r>
+            <a:r>
+              <a:rPr lang="en-US" sz="800" b="0" dirty="0">
+                <a:solidFill>
+                  <a:srgbClr val="859900"/>
+                </a:solidFill>
+                <a:effectLst/>
+                <a:highlight>
+                  <a:srgbClr val="FDF6E3"/>
+                </a:highlight>
+                <a:latin typeface="Consolas" panose="020B0609020204030204" pitchFamily="49" charset="0"/>
+              </a:rPr>
+              <a:t>return</a:t>
+            </a:r>
+            <a:r>
+              <a:rPr lang="en-US" sz="800" b="0" dirty="0">
+                <a:solidFill>
+                  <a:srgbClr val="657B83"/>
+                </a:solidFill>
+                <a:effectLst/>
+                <a:highlight>
+                  <a:srgbClr val="FDF6E3"/>
+                </a:highlight>
+                <a:latin typeface="Consolas" panose="020B0609020204030204" pitchFamily="49" charset="0"/>
+              </a:rPr>
+              <a:t> </a:t>
+            </a:r>
+            <a:r>
+              <a:rPr lang="en-US" sz="800" b="0" dirty="0">
+                <a:solidFill>
+                  <a:srgbClr val="D33682"/>
+                </a:solidFill>
+                <a:effectLst/>
+                <a:highlight>
+                  <a:srgbClr val="FDF6E3"/>
+                </a:highlight>
+                <a:latin typeface="Consolas" panose="020B0609020204030204" pitchFamily="49" charset="0"/>
+              </a:rPr>
+              <a:t>1.0</a:t>
+            </a:r>
+            <a:r>
+              <a:rPr lang="en-US" sz="800" b="0" dirty="0">
+                <a:solidFill>
+                  <a:srgbClr val="657B83"/>
+                </a:solidFill>
+                <a:effectLst/>
+                <a:highlight>
+                  <a:srgbClr val="FDF6E3"/>
+                </a:highlight>
+                <a:latin typeface="Consolas" panose="020B0609020204030204" pitchFamily="49" charset="0"/>
+              </a:rPr>
+              <a:t>  </a:t>
+            </a:r>
+            <a:r>
+              <a:rPr lang="en-US" sz="800" b="0" i="1" dirty="0">
+                <a:solidFill>
+                  <a:srgbClr val="93A1A1"/>
+                </a:solidFill>
+                <a:effectLst/>
+                <a:highlight>
+                  <a:srgbClr val="FDF6E3"/>
+                </a:highlight>
+                <a:latin typeface="Consolas" panose="020B0609020204030204" pitchFamily="49" charset="0"/>
+              </a:rPr>
+              <a:t># </a:t>
+            </a:r>
+            <a:r>
+              <a:rPr lang="en-US" sz="800" b="0" i="1" dirty="0" err="1">
+                <a:solidFill>
+                  <a:srgbClr val="93A1A1"/>
+                </a:solidFill>
+                <a:effectLst/>
+                <a:highlight>
+                  <a:srgbClr val="FDF6E3"/>
+                </a:highlight>
+                <a:latin typeface="Consolas" panose="020B0609020204030204" pitchFamily="49" charset="0"/>
+              </a:rPr>
+              <a:t>Brak</a:t>
+            </a:r>
+            <a:r>
+              <a:rPr lang="en-US" sz="800" b="0" i="1" dirty="0">
+                <a:solidFill>
+                  <a:srgbClr val="93A1A1"/>
+                </a:solidFill>
+                <a:effectLst/>
+                <a:highlight>
+                  <a:srgbClr val="FDF6E3"/>
+                </a:highlight>
+                <a:latin typeface="Consolas" panose="020B0609020204030204" pitchFamily="49" charset="0"/>
+              </a:rPr>
+              <a:t> </a:t>
+            </a:r>
+            <a:r>
+              <a:rPr lang="en-US" sz="800" b="0" i="1" dirty="0" err="1">
+                <a:solidFill>
+                  <a:srgbClr val="93A1A1"/>
+                </a:solidFill>
+                <a:effectLst/>
+                <a:highlight>
+                  <a:srgbClr val="FDF6E3"/>
+                </a:highlight>
+                <a:latin typeface="Consolas" panose="020B0609020204030204" pitchFamily="49" charset="0"/>
+              </a:rPr>
+              <a:t>zmiany</a:t>
+            </a:r>
+            <a:r>
+              <a:rPr lang="en-US" sz="800" b="0" i="1" dirty="0">
+                <a:solidFill>
+                  <a:srgbClr val="93A1A1"/>
+                </a:solidFill>
+                <a:effectLst/>
+                <a:highlight>
+                  <a:srgbClr val="FDF6E3"/>
+                </a:highlight>
+                <a:latin typeface="Consolas" panose="020B0609020204030204" pitchFamily="49" charset="0"/>
+              </a:rPr>
+              <a:t> </a:t>
+            </a:r>
+            <a:r>
+              <a:rPr lang="en-US" sz="800" b="0" i="1" dirty="0" err="1">
+                <a:solidFill>
+                  <a:srgbClr val="93A1A1"/>
+                </a:solidFill>
+                <a:effectLst/>
+                <a:highlight>
+                  <a:srgbClr val="FDF6E3"/>
+                </a:highlight>
+                <a:latin typeface="Consolas" panose="020B0609020204030204" pitchFamily="49" charset="0"/>
+              </a:rPr>
+              <a:t>efektywności</a:t>
+            </a:r>
+            <a:endParaRPr lang="en-US" sz="800" b="0" dirty="0">
+              <a:solidFill>
+                <a:srgbClr val="657B83"/>
+              </a:solidFill>
+              <a:effectLst/>
+              <a:highlight>
+                <a:srgbClr val="FDF6E3"/>
+              </a:highlight>
+              <a:latin typeface="Consolas" panose="020B0609020204030204" pitchFamily="49" charset="0"/>
+            </a:endParaRPr>
+          </a:p>
+        </p:txBody>
+      </p:sp>
+      <p:sp>
+        <p:nvSpPr>
+          <p:cNvPr id="6" name="TextBox 5">
+            <a:extLst>
+              <a:ext uri="{FF2B5EF4-FFF2-40B4-BE49-F238E27FC236}">
+                <a16:creationId xmlns:a16="http://schemas.microsoft.com/office/drawing/2014/main" id="{1ECDA24E-C1F7-8B4A-D6CC-83E30978ABDB}"/>
+              </a:ext>
+            </a:extLst>
+          </p:cNvPr>
+          <p:cNvSpPr txBox="1"/>
+          <p:nvPr/>
+        </p:nvSpPr>
+        <p:spPr>
+          <a:xfrm>
+            <a:off x="6788747" y="643030"/>
+            <a:ext cx="3931489" cy="954107"/>
+          </a:xfrm>
+          <a:prstGeom prst="rect">
+            <a:avLst/>
+          </a:prstGeom>
+          <a:noFill/>
+        </p:spPr>
+        <p:txBody>
+          <a:bodyPr wrap="square">
+            <a:spAutoFit/>
+          </a:bodyPr>
+          <a:lstStyle/>
+          <a:p>
+            <a:r>
+              <a:rPr lang="en-US" sz="800" b="0" i="1" dirty="0">
+                <a:solidFill>
+                  <a:srgbClr val="93A1A1"/>
+                </a:solidFill>
+                <a:effectLst/>
+                <a:highlight>
+                  <a:srgbClr val="FDF6E3"/>
+                </a:highlight>
+                <a:latin typeface="Consolas" panose="020B0609020204030204" pitchFamily="49" charset="0"/>
+              </a:rPr>
+              <a:t># </a:t>
+            </a:r>
+            <a:r>
+              <a:rPr lang="en-US" sz="800" b="0" i="1" dirty="0" err="1">
+                <a:solidFill>
+                  <a:srgbClr val="93A1A1"/>
+                </a:solidFill>
+                <a:effectLst/>
+                <a:highlight>
+                  <a:srgbClr val="FDF6E3"/>
+                </a:highlight>
+                <a:latin typeface="Consolas" panose="020B0609020204030204" pitchFamily="49" charset="0"/>
+              </a:rPr>
+              <a:t>Funkcja</a:t>
+            </a:r>
+            <a:r>
+              <a:rPr lang="en-US" sz="800" b="0" i="1" dirty="0">
+                <a:solidFill>
+                  <a:srgbClr val="93A1A1"/>
+                </a:solidFill>
+                <a:effectLst/>
+                <a:highlight>
+                  <a:srgbClr val="FDF6E3"/>
+                </a:highlight>
+                <a:latin typeface="Consolas" panose="020B0609020204030204" pitchFamily="49" charset="0"/>
+              </a:rPr>
+              <a:t> do </a:t>
+            </a:r>
+            <a:r>
+              <a:rPr lang="en-US" sz="800" b="0" i="1" dirty="0" err="1">
+                <a:solidFill>
+                  <a:srgbClr val="93A1A1"/>
+                </a:solidFill>
+                <a:effectLst/>
+                <a:highlight>
+                  <a:srgbClr val="FDF6E3"/>
+                </a:highlight>
+                <a:latin typeface="Consolas" panose="020B0609020204030204" pitchFamily="49" charset="0"/>
+              </a:rPr>
+              <a:t>modyfikacji</a:t>
+            </a:r>
+            <a:r>
+              <a:rPr lang="en-US" sz="800" b="0" i="1" dirty="0">
+                <a:solidFill>
+                  <a:srgbClr val="93A1A1"/>
+                </a:solidFill>
+                <a:effectLst/>
+                <a:highlight>
+                  <a:srgbClr val="FDF6E3"/>
+                </a:highlight>
+                <a:latin typeface="Consolas" panose="020B0609020204030204" pitchFamily="49" charset="0"/>
+              </a:rPr>
+              <a:t> </a:t>
+            </a:r>
+            <a:r>
+              <a:rPr lang="en-US" sz="800" b="0" i="1" dirty="0" err="1">
+                <a:solidFill>
+                  <a:srgbClr val="93A1A1"/>
+                </a:solidFill>
+                <a:effectLst/>
+                <a:highlight>
+                  <a:srgbClr val="FDF6E3"/>
+                </a:highlight>
+                <a:latin typeface="Consolas" panose="020B0609020204030204" pitchFamily="49" charset="0"/>
+              </a:rPr>
+              <a:t>efektywności</a:t>
+            </a:r>
+            <a:r>
+              <a:rPr lang="en-US" sz="800" b="0" i="1" dirty="0">
+                <a:solidFill>
+                  <a:srgbClr val="93A1A1"/>
+                </a:solidFill>
+                <a:effectLst/>
+                <a:highlight>
+                  <a:srgbClr val="FDF6E3"/>
+                </a:highlight>
+                <a:latin typeface="Consolas" panose="020B0609020204030204" pitchFamily="49" charset="0"/>
+              </a:rPr>
+              <a:t> </a:t>
+            </a:r>
+            <a:r>
+              <a:rPr lang="en-US" sz="800" b="0" i="1" dirty="0" err="1">
+                <a:solidFill>
+                  <a:srgbClr val="93A1A1"/>
+                </a:solidFill>
+                <a:effectLst/>
+                <a:highlight>
+                  <a:srgbClr val="FDF6E3"/>
+                </a:highlight>
+                <a:latin typeface="Consolas" panose="020B0609020204030204" pitchFamily="49" charset="0"/>
+              </a:rPr>
+              <a:t>na</a:t>
+            </a:r>
+            <a:r>
+              <a:rPr lang="en-US" sz="800" b="0" i="1" dirty="0">
+                <a:solidFill>
+                  <a:srgbClr val="93A1A1"/>
+                </a:solidFill>
+                <a:effectLst/>
+                <a:highlight>
+                  <a:srgbClr val="FDF6E3"/>
+                </a:highlight>
+                <a:latin typeface="Consolas" panose="020B0609020204030204" pitchFamily="49" charset="0"/>
+              </a:rPr>
+              <a:t> </a:t>
+            </a:r>
+            <a:r>
+              <a:rPr lang="en-US" sz="800" b="0" i="1" dirty="0" err="1">
+                <a:solidFill>
+                  <a:srgbClr val="93A1A1"/>
+                </a:solidFill>
+                <a:effectLst/>
+                <a:highlight>
+                  <a:srgbClr val="FDF6E3"/>
+                </a:highlight>
+                <a:latin typeface="Consolas" panose="020B0609020204030204" pitchFamily="49" charset="0"/>
+              </a:rPr>
+              <a:t>podstawie</a:t>
+            </a:r>
+            <a:r>
+              <a:rPr lang="en-US" sz="800" b="0" i="1" dirty="0">
+                <a:solidFill>
+                  <a:srgbClr val="93A1A1"/>
+                </a:solidFill>
+                <a:effectLst/>
+                <a:highlight>
+                  <a:srgbClr val="FDF6E3"/>
+                </a:highlight>
+                <a:latin typeface="Consolas" panose="020B0609020204030204" pitchFamily="49" charset="0"/>
+              </a:rPr>
+              <a:t> </a:t>
+            </a:r>
+            <a:r>
+              <a:rPr lang="en-US" sz="800" b="0" i="1" dirty="0" err="1">
+                <a:solidFill>
+                  <a:srgbClr val="93A1A1"/>
+                </a:solidFill>
+                <a:effectLst/>
+                <a:highlight>
+                  <a:srgbClr val="FDF6E3"/>
+                </a:highlight>
+                <a:latin typeface="Consolas" panose="020B0609020204030204" pitchFamily="49" charset="0"/>
+              </a:rPr>
+              <a:t>wilgotności</a:t>
+            </a:r>
+            <a:endParaRPr lang="en-US" sz="800" b="0" dirty="0">
+              <a:solidFill>
+                <a:srgbClr val="657B83"/>
+              </a:solidFill>
+              <a:effectLst/>
+              <a:highlight>
+                <a:srgbClr val="FDF6E3"/>
+              </a:highlight>
+              <a:latin typeface="Consolas" panose="020B0609020204030204" pitchFamily="49" charset="0"/>
+            </a:endParaRPr>
+          </a:p>
+          <a:p>
+            <a:r>
+              <a:rPr lang="en-US" sz="800" b="1" dirty="0">
+                <a:solidFill>
+                  <a:srgbClr val="586E75"/>
+                </a:solidFill>
+                <a:effectLst/>
+                <a:highlight>
+                  <a:srgbClr val="FDF6E3"/>
+                </a:highlight>
+                <a:latin typeface="Consolas" panose="020B0609020204030204" pitchFamily="49" charset="0"/>
+              </a:rPr>
+              <a:t>def</a:t>
+            </a:r>
+            <a:r>
+              <a:rPr lang="en-US" sz="800" b="0" dirty="0">
+                <a:solidFill>
+                  <a:srgbClr val="657B83"/>
+                </a:solidFill>
+                <a:effectLst/>
+                <a:highlight>
+                  <a:srgbClr val="FDF6E3"/>
+                </a:highlight>
+                <a:latin typeface="Consolas" panose="020B0609020204030204" pitchFamily="49" charset="0"/>
+              </a:rPr>
+              <a:t> </a:t>
+            </a:r>
+            <a:r>
+              <a:rPr lang="en-US" sz="800" b="0" dirty="0" err="1">
+                <a:solidFill>
+                  <a:srgbClr val="268BD2"/>
+                </a:solidFill>
+                <a:effectLst/>
+                <a:highlight>
+                  <a:srgbClr val="FDF6E3"/>
+                </a:highlight>
+                <a:latin typeface="Consolas" panose="020B0609020204030204" pitchFamily="49" charset="0"/>
+              </a:rPr>
+              <a:t>humidity_modifier</a:t>
+            </a:r>
+            <a:r>
+              <a:rPr lang="en-US" sz="800" b="0" dirty="0">
+                <a:solidFill>
+                  <a:srgbClr val="657B83"/>
+                </a:solidFill>
+                <a:effectLst/>
+                <a:highlight>
+                  <a:srgbClr val="FDF6E3"/>
+                </a:highlight>
+                <a:latin typeface="Consolas" panose="020B0609020204030204" pitchFamily="49" charset="0"/>
+              </a:rPr>
+              <a:t>(humidity):</a:t>
+            </a:r>
+          </a:p>
+          <a:p>
+            <a:r>
+              <a:rPr lang="en-US" sz="800" b="0" dirty="0">
+                <a:solidFill>
+                  <a:srgbClr val="657B83"/>
+                </a:solidFill>
+                <a:effectLst/>
+                <a:highlight>
+                  <a:srgbClr val="FDF6E3"/>
+                </a:highlight>
+                <a:latin typeface="Consolas" panose="020B0609020204030204" pitchFamily="49" charset="0"/>
+              </a:rPr>
+              <a:t>    </a:t>
+            </a:r>
+            <a:r>
+              <a:rPr lang="en-US" sz="800" b="0" dirty="0">
+                <a:solidFill>
+                  <a:srgbClr val="859900"/>
+                </a:solidFill>
+                <a:effectLst/>
+                <a:highlight>
+                  <a:srgbClr val="FDF6E3"/>
+                </a:highlight>
+                <a:latin typeface="Consolas" panose="020B0609020204030204" pitchFamily="49" charset="0"/>
+              </a:rPr>
+              <a:t>if</a:t>
+            </a:r>
+            <a:r>
+              <a:rPr lang="en-US" sz="800" b="0" dirty="0">
+                <a:solidFill>
+                  <a:srgbClr val="657B83"/>
+                </a:solidFill>
+                <a:effectLst/>
+                <a:highlight>
+                  <a:srgbClr val="FDF6E3"/>
+                </a:highlight>
+                <a:latin typeface="Consolas" panose="020B0609020204030204" pitchFamily="49" charset="0"/>
+              </a:rPr>
+              <a:t> humidity </a:t>
+            </a:r>
+            <a:r>
+              <a:rPr lang="en-US" sz="800" b="0" dirty="0">
+                <a:solidFill>
+                  <a:srgbClr val="859900"/>
+                </a:solidFill>
+                <a:effectLst/>
+                <a:highlight>
+                  <a:srgbClr val="FDF6E3"/>
+                </a:highlight>
+                <a:latin typeface="Consolas" panose="020B0609020204030204" pitchFamily="49" charset="0"/>
+              </a:rPr>
+              <a:t>&lt;</a:t>
+            </a:r>
+            <a:r>
+              <a:rPr lang="en-US" sz="800" b="0" dirty="0">
+                <a:solidFill>
+                  <a:srgbClr val="657B83"/>
+                </a:solidFill>
+                <a:effectLst/>
+                <a:highlight>
+                  <a:srgbClr val="FDF6E3"/>
+                </a:highlight>
+                <a:latin typeface="Consolas" panose="020B0609020204030204" pitchFamily="49" charset="0"/>
+              </a:rPr>
+              <a:t> </a:t>
+            </a:r>
+            <a:r>
+              <a:rPr lang="en-US" sz="800" b="0" dirty="0">
+                <a:solidFill>
+                  <a:srgbClr val="D33682"/>
+                </a:solidFill>
+                <a:effectLst/>
+                <a:highlight>
+                  <a:srgbClr val="FDF6E3"/>
+                </a:highlight>
+                <a:latin typeface="Consolas" panose="020B0609020204030204" pitchFamily="49" charset="0"/>
+              </a:rPr>
+              <a:t>30</a:t>
+            </a:r>
+            <a:r>
+              <a:rPr lang="en-US" sz="800" b="0" dirty="0">
+                <a:solidFill>
+                  <a:srgbClr val="657B83"/>
+                </a:solidFill>
+                <a:effectLst/>
+                <a:highlight>
+                  <a:srgbClr val="FDF6E3"/>
+                </a:highlight>
+                <a:latin typeface="Consolas" panose="020B0609020204030204" pitchFamily="49" charset="0"/>
+              </a:rPr>
+              <a:t> </a:t>
+            </a:r>
+            <a:r>
+              <a:rPr lang="en-US" sz="800" b="0" dirty="0">
+                <a:solidFill>
+                  <a:srgbClr val="859900"/>
+                </a:solidFill>
+                <a:effectLst/>
+                <a:highlight>
+                  <a:srgbClr val="FDF6E3"/>
+                </a:highlight>
+                <a:latin typeface="Consolas" panose="020B0609020204030204" pitchFamily="49" charset="0"/>
+              </a:rPr>
+              <a:t>or</a:t>
+            </a:r>
+            <a:r>
+              <a:rPr lang="en-US" sz="800" b="0" dirty="0">
+                <a:solidFill>
+                  <a:srgbClr val="657B83"/>
+                </a:solidFill>
+                <a:effectLst/>
+                <a:highlight>
+                  <a:srgbClr val="FDF6E3"/>
+                </a:highlight>
+                <a:latin typeface="Consolas" panose="020B0609020204030204" pitchFamily="49" charset="0"/>
+              </a:rPr>
+              <a:t> humidity </a:t>
+            </a:r>
+            <a:r>
+              <a:rPr lang="en-US" sz="800" b="0" dirty="0">
+                <a:solidFill>
+                  <a:srgbClr val="859900"/>
+                </a:solidFill>
+                <a:effectLst/>
+                <a:highlight>
+                  <a:srgbClr val="FDF6E3"/>
+                </a:highlight>
+                <a:latin typeface="Consolas" panose="020B0609020204030204" pitchFamily="49" charset="0"/>
+              </a:rPr>
+              <a:t>&gt;</a:t>
+            </a:r>
+            <a:r>
+              <a:rPr lang="en-US" sz="800" b="0" dirty="0">
+                <a:solidFill>
+                  <a:srgbClr val="657B83"/>
+                </a:solidFill>
+                <a:effectLst/>
+                <a:highlight>
+                  <a:srgbClr val="FDF6E3"/>
+                </a:highlight>
+                <a:latin typeface="Consolas" panose="020B0609020204030204" pitchFamily="49" charset="0"/>
+              </a:rPr>
+              <a:t> </a:t>
+            </a:r>
+            <a:r>
+              <a:rPr lang="en-US" sz="800" b="0" dirty="0">
+                <a:solidFill>
+                  <a:srgbClr val="D33682"/>
+                </a:solidFill>
+                <a:effectLst/>
+                <a:highlight>
+                  <a:srgbClr val="FDF6E3"/>
+                </a:highlight>
+                <a:latin typeface="Consolas" panose="020B0609020204030204" pitchFamily="49" charset="0"/>
+              </a:rPr>
+              <a:t>80</a:t>
+            </a:r>
+            <a:r>
+              <a:rPr lang="en-US" sz="800" b="0" dirty="0">
+                <a:solidFill>
+                  <a:srgbClr val="657B83"/>
+                </a:solidFill>
+                <a:effectLst/>
+                <a:highlight>
+                  <a:srgbClr val="FDF6E3"/>
+                </a:highlight>
+                <a:latin typeface="Consolas" panose="020B0609020204030204" pitchFamily="49" charset="0"/>
+              </a:rPr>
+              <a:t>:</a:t>
+            </a:r>
+          </a:p>
+          <a:p>
+            <a:r>
+              <a:rPr lang="en-US" sz="800" b="0" dirty="0">
+                <a:solidFill>
+                  <a:srgbClr val="657B83"/>
+                </a:solidFill>
+                <a:effectLst/>
+                <a:highlight>
+                  <a:srgbClr val="FDF6E3"/>
+                </a:highlight>
+                <a:latin typeface="Consolas" panose="020B0609020204030204" pitchFamily="49" charset="0"/>
+              </a:rPr>
+              <a:t>        </a:t>
+            </a:r>
+            <a:r>
+              <a:rPr lang="en-US" sz="800" b="0" dirty="0">
+                <a:solidFill>
+                  <a:srgbClr val="859900"/>
+                </a:solidFill>
+                <a:effectLst/>
+                <a:highlight>
+                  <a:srgbClr val="FDF6E3"/>
+                </a:highlight>
+                <a:latin typeface="Consolas" panose="020B0609020204030204" pitchFamily="49" charset="0"/>
+              </a:rPr>
+              <a:t>return</a:t>
+            </a:r>
+            <a:r>
+              <a:rPr lang="en-US" sz="800" b="0" dirty="0">
+                <a:solidFill>
+                  <a:srgbClr val="657B83"/>
+                </a:solidFill>
+                <a:effectLst/>
+                <a:highlight>
+                  <a:srgbClr val="FDF6E3"/>
+                </a:highlight>
+                <a:latin typeface="Consolas" panose="020B0609020204030204" pitchFamily="49" charset="0"/>
+              </a:rPr>
+              <a:t> </a:t>
+            </a:r>
+            <a:r>
+              <a:rPr lang="en-US" sz="800" b="0" dirty="0">
+                <a:solidFill>
+                  <a:srgbClr val="D33682"/>
+                </a:solidFill>
+                <a:effectLst/>
+                <a:highlight>
+                  <a:srgbClr val="FDF6E3"/>
+                </a:highlight>
+                <a:latin typeface="Consolas" panose="020B0609020204030204" pitchFamily="49" charset="0"/>
+              </a:rPr>
+              <a:t>0.95</a:t>
+            </a:r>
+            <a:r>
+              <a:rPr lang="en-US" sz="800" b="0" dirty="0">
+                <a:solidFill>
+                  <a:srgbClr val="657B83"/>
+                </a:solidFill>
+                <a:effectLst/>
+                <a:highlight>
+                  <a:srgbClr val="FDF6E3"/>
+                </a:highlight>
+                <a:latin typeface="Consolas" panose="020B0609020204030204" pitchFamily="49" charset="0"/>
+              </a:rPr>
+              <a:t>  </a:t>
+            </a:r>
+            <a:r>
+              <a:rPr lang="en-US" sz="800" b="0" i="1" dirty="0">
+                <a:solidFill>
+                  <a:srgbClr val="93A1A1"/>
+                </a:solidFill>
+                <a:effectLst/>
+                <a:highlight>
+                  <a:srgbClr val="FDF6E3"/>
+                </a:highlight>
+                <a:latin typeface="Consolas" panose="020B0609020204030204" pitchFamily="49" charset="0"/>
+              </a:rPr>
+              <a:t># </a:t>
+            </a:r>
+            <a:r>
+              <a:rPr lang="en-US" sz="800" b="0" i="1" dirty="0" err="1">
+                <a:solidFill>
+                  <a:srgbClr val="93A1A1"/>
+                </a:solidFill>
+                <a:effectLst/>
+                <a:highlight>
+                  <a:srgbClr val="FDF6E3"/>
+                </a:highlight>
+                <a:latin typeface="Consolas" panose="020B0609020204030204" pitchFamily="49" charset="0"/>
+              </a:rPr>
+              <a:t>Obniżenie</a:t>
+            </a:r>
+            <a:r>
+              <a:rPr lang="en-US" sz="800" b="0" i="1" dirty="0">
+                <a:solidFill>
+                  <a:srgbClr val="93A1A1"/>
+                </a:solidFill>
+                <a:effectLst/>
+                <a:highlight>
+                  <a:srgbClr val="FDF6E3"/>
+                </a:highlight>
+                <a:latin typeface="Consolas" panose="020B0609020204030204" pitchFamily="49" charset="0"/>
+              </a:rPr>
+              <a:t> </a:t>
+            </a:r>
+            <a:r>
+              <a:rPr lang="en-US" sz="800" b="0" i="1" dirty="0" err="1">
+                <a:solidFill>
+                  <a:srgbClr val="93A1A1"/>
+                </a:solidFill>
+                <a:effectLst/>
+                <a:highlight>
+                  <a:srgbClr val="FDF6E3"/>
+                </a:highlight>
+                <a:latin typeface="Consolas" panose="020B0609020204030204" pitchFamily="49" charset="0"/>
+              </a:rPr>
+              <a:t>efektywności</a:t>
+            </a:r>
+            <a:r>
+              <a:rPr lang="en-US" sz="800" b="0" i="1" dirty="0">
+                <a:solidFill>
+                  <a:srgbClr val="93A1A1"/>
+                </a:solidFill>
+                <a:effectLst/>
+                <a:highlight>
+                  <a:srgbClr val="FDF6E3"/>
+                </a:highlight>
+                <a:latin typeface="Consolas" panose="020B0609020204030204" pitchFamily="49" charset="0"/>
+              </a:rPr>
+              <a:t> </a:t>
+            </a:r>
+            <a:r>
+              <a:rPr lang="en-US" sz="800" b="0" i="1" dirty="0" err="1">
+                <a:solidFill>
+                  <a:srgbClr val="93A1A1"/>
+                </a:solidFill>
+                <a:effectLst/>
+                <a:highlight>
+                  <a:srgbClr val="FDF6E3"/>
+                </a:highlight>
+                <a:latin typeface="Consolas" panose="020B0609020204030204" pitchFamily="49" charset="0"/>
+              </a:rPr>
+              <a:t>przy</a:t>
+            </a:r>
+            <a:r>
+              <a:rPr lang="en-US" sz="800" b="0" i="1" dirty="0">
+                <a:solidFill>
+                  <a:srgbClr val="93A1A1"/>
+                </a:solidFill>
+                <a:effectLst/>
+                <a:highlight>
+                  <a:srgbClr val="FDF6E3"/>
+                </a:highlight>
+                <a:latin typeface="Consolas" panose="020B0609020204030204" pitchFamily="49" charset="0"/>
+              </a:rPr>
+              <a:t> </a:t>
+            </a:r>
+            <a:r>
+              <a:rPr lang="en-US" sz="800" b="0" i="1" dirty="0" err="1">
+                <a:solidFill>
+                  <a:srgbClr val="93A1A1"/>
+                </a:solidFill>
+                <a:effectLst/>
+                <a:highlight>
+                  <a:srgbClr val="FDF6E3"/>
+                </a:highlight>
+                <a:latin typeface="Consolas" panose="020B0609020204030204" pitchFamily="49" charset="0"/>
+              </a:rPr>
+              <a:t>skrajnych</a:t>
+            </a:r>
+            <a:r>
+              <a:rPr lang="en-US" sz="800" b="0" i="1" dirty="0">
+                <a:solidFill>
+                  <a:srgbClr val="93A1A1"/>
+                </a:solidFill>
+                <a:effectLst/>
+                <a:highlight>
+                  <a:srgbClr val="FDF6E3"/>
+                </a:highlight>
+                <a:latin typeface="Consolas" panose="020B0609020204030204" pitchFamily="49" charset="0"/>
+              </a:rPr>
+              <a:t> </a:t>
+            </a:r>
+            <a:r>
+              <a:rPr lang="en-US" sz="800" b="0" i="1" dirty="0" err="1">
+                <a:solidFill>
+                  <a:srgbClr val="93A1A1"/>
+                </a:solidFill>
+                <a:effectLst/>
+                <a:highlight>
+                  <a:srgbClr val="FDF6E3"/>
+                </a:highlight>
+                <a:latin typeface="Consolas" panose="020B0609020204030204" pitchFamily="49" charset="0"/>
+              </a:rPr>
+              <a:t>wartościach</a:t>
+            </a:r>
+            <a:r>
+              <a:rPr lang="en-US" sz="800" b="0" i="1" dirty="0">
+                <a:solidFill>
+                  <a:srgbClr val="93A1A1"/>
+                </a:solidFill>
+                <a:effectLst/>
+                <a:highlight>
+                  <a:srgbClr val="FDF6E3"/>
+                </a:highlight>
+                <a:latin typeface="Consolas" panose="020B0609020204030204" pitchFamily="49" charset="0"/>
+              </a:rPr>
+              <a:t> </a:t>
+            </a:r>
+            <a:r>
+              <a:rPr lang="en-US" sz="800" b="0" i="1" dirty="0" err="1">
+                <a:solidFill>
+                  <a:srgbClr val="93A1A1"/>
+                </a:solidFill>
+                <a:effectLst/>
+                <a:highlight>
+                  <a:srgbClr val="FDF6E3"/>
+                </a:highlight>
+                <a:latin typeface="Consolas" panose="020B0609020204030204" pitchFamily="49" charset="0"/>
+              </a:rPr>
+              <a:t>wilgotności</a:t>
+            </a:r>
+            <a:endParaRPr lang="en-US" sz="800" b="0" dirty="0">
+              <a:solidFill>
+                <a:srgbClr val="657B83"/>
+              </a:solidFill>
+              <a:effectLst/>
+              <a:highlight>
+                <a:srgbClr val="FDF6E3"/>
+              </a:highlight>
+              <a:latin typeface="Consolas" panose="020B0609020204030204" pitchFamily="49" charset="0"/>
+            </a:endParaRPr>
+          </a:p>
+          <a:p>
+            <a:r>
+              <a:rPr lang="en-US" sz="800" b="0" dirty="0">
+                <a:solidFill>
+                  <a:srgbClr val="657B83"/>
+                </a:solidFill>
+                <a:effectLst/>
+                <a:highlight>
+                  <a:srgbClr val="FDF6E3"/>
+                </a:highlight>
+                <a:latin typeface="Consolas" panose="020B0609020204030204" pitchFamily="49" charset="0"/>
+              </a:rPr>
+              <a:t>    </a:t>
+            </a:r>
+            <a:r>
+              <a:rPr lang="en-US" sz="800" b="0" dirty="0">
+                <a:solidFill>
+                  <a:srgbClr val="859900"/>
+                </a:solidFill>
+                <a:effectLst/>
+                <a:highlight>
+                  <a:srgbClr val="FDF6E3"/>
+                </a:highlight>
+                <a:latin typeface="Consolas" panose="020B0609020204030204" pitchFamily="49" charset="0"/>
+              </a:rPr>
+              <a:t>else</a:t>
+            </a:r>
+            <a:r>
+              <a:rPr lang="en-US" sz="800" b="0" dirty="0">
+                <a:solidFill>
+                  <a:srgbClr val="657B83"/>
+                </a:solidFill>
+                <a:effectLst/>
+                <a:highlight>
+                  <a:srgbClr val="FDF6E3"/>
+                </a:highlight>
+                <a:latin typeface="Consolas" panose="020B0609020204030204" pitchFamily="49" charset="0"/>
+              </a:rPr>
+              <a:t>:</a:t>
+            </a:r>
+          </a:p>
+          <a:p>
+            <a:r>
+              <a:rPr lang="en-US" sz="800" b="0" dirty="0">
+                <a:solidFill>
+                  <a:srgbClr val="657B83"/>
+                </a:solidFill>
+                <a:effectLst/>
+                <a:highlight>
+                  <a:srgbClr val="FDF6E3"/>
+                </a:highlight>
+                <a:latin typeface="Consolas" panose="020B0609020204030204" pitchFamily="49" charset="0"/>
+              </a:rPr>
+              <a:t>        </a:t>
+            </a:r>
+            <a:r>
+              <a:rPr lang="en-US" sz="800" b="0" dirty="0">
+                <a:solidFill>
+                  <a:srgbClr val="859900"/>
+                </a:solidFill>
+                <a:effectLst/>
+                <a:highlight>
+                  <a:srgbClr val="FDF6E3"/>
+                </a:highlight>
+                <a:latin typeface="Consolas" panose="020B0609020204030204" pitchFamily="49" charset="0"/>
+              </a:rPr>
+              <a:t>return</a:t>
+            </a:r>
+            <a:r>
+              <a:rPr lang="en-US" sz="800" b="0" dirty="0">
+                <a:solidFill>
+                  <a:srgbClr val="657B83"/>
+                </a:solidFill>
+                <a:effectLst/>
+                <a:highlight>
+                  <a:srgbClr val="FDF6E3"/>
+                </a:highlight>
+                <a:latin typeface="Consolas" panose="020B0609020204030204" pitchFamily="49" charset="0"/>
+              </a:rPr>
+              <a:t> </a:t>
+            </a:r>
+            <a:r>
+              <a:rPr lang="en-US" sz="800" b="0" dirty="0">
+                <a:solidFill>
+                  <a:srgbClr val="D33682"/>
+                </a:solidFill>
+                <a:effectLst/>
+                <a:highlight>
+                  <a:srgbClr val="FDF6E3"/>
+                </a:highlight>
+                <a:latin typeface="Consolas" panose="020B0609020204030204" pitchFamily="49" charset="0"/>
+              </a:rPr>
+              <a:t>1.0</a:t>
+            </a:r>
+            <a:r>
+              <a:rPr lang="en-US" sz="800" b="0" dirty="0">
+                <a:solidFill>
+                  <a:srgbClr val="657B83"/>
+                </a:solidFill>
+                <a:effectLst/>
+                <a:highlight>
+                  <a:srgbClr val="FDF6E3"/>
+                </a:highlight>
+                <a:latin typeface="Consolas" panose="020B0609020204030204" pitchFamily="49" charset="0"/>
+              </a:rPr>
+              <a:t>  </a:t>
+            </a:r>
+            <a:r>
+              <a:rPr lang="en-US" sz="800" b="0" i="1" dirty="0">
+                <a:solidFill>
+                  <a:srgbClr val="93A1A1"/>
+                </a:solidFill>
+                <a:effectLst/>
+                <a:highlight>
+                  <a:srgbClr val="FDF6E3"/>
+                </a:highlight>
+                <a:latin typeface="Consolas" panose="020B0609020204030204" pitchFamily="49" charset="0"/>
+              </a:rPr>
+              <a:t># </a:t>
+            </a:r>
+            <a:r>
+              <a:rPr lang="en-US" sz="800" b="0" i="1" dirty="0" err="1">
+                <a:solidFill>
+                  <a:srgbClr val="93A1A1"/>
+                </a:solidFill>
+                <a:effectLst/>
+                <a:highlight>
+                  <a:srgbClr val="FDF6E3"/>
+                </a:highlight>
+                <a:latin typeface="Consolas" panose="020B0609020204030204" pitchFamily="49" charset="0"/>
+              </a:rPr>
+              <a:t>Brak</a:t>
+            </a:r>
+            <a:r>
+              <a:rPr lang="en-US" sz="800" b="0" i="1" dirty="0">
+                <a:solidFill>
+                  <a:srgbClr val="93A1A1"/>
+                </a:solidFill>
+                <a:effectLst/>
+                <a:highlight>
+                  <a:srgbClr val="FDF6E3"/>
+                </a:highlight>
+                <a:latin typeface="Consolas" panose="020B0609020204030204" pitchFamily="49" charset="0"/>
+              </a:rPr>
+              <a:t> </a:t>
+            </a:r>
+            <a:r>
+              <a:rPr lang="en-US" sz="800" b="0" i="1" dirty="0" err="1">
+                <a:solidFill>
+                  <a:srgbClr val="93A1A1"/>
+                </a:solidFill>
+                <a:effectLst/>
+                <a:highlight>
+                  <a:srgbClr val="FDF6E3"/>
+                </a:highlight>
+                <a:latin typeface="Consolas" panose="020B0609020204030204" pitchFamily="49" charset="0"/>
+              </a:rPr>
+              <a:t>zmiany</a:t>
+            </a:r>
+            <a:r>
+              <a:rPr lang="en-US" sz="800" b="0" i="1" dirty="0">
+                <a:solidFill>
+                  <a:srgbClr val="93A1A1"/>
+                </a:solidFill>
+                <a:effectLst/>
+                <a:highlight>
+                  <a:srgbClr val="FDF6E3"/>
+                </a:highlight>
+                <a:latin typeface="Consolas" panose="020B0609020204030204" pitchFamily="49" charset="0"/>
+              </a:rPr>
+              <a:t> </a:t>
+            </a:r>
+            <a:r>
+              <a:rPr lang="en-US" sz="800" b="0" i="1" dirty="0" err="1">
+                <a:solidFill>
+                  <a:srgbClr val="93A1A1"/>
+                </a:solidFill>
+                <a:effectLst/>
+                <a:highlight>
+                  <a:srgbClr val="FDF6E3"/>
+                </a:highlight>
+                <a:latin typeface="Consolas" panose="020B0609020204030204" pitchFamily="49" charset="0"/>
+              </a:rPr>
+              <a:t>efektywności</a:t>
+            </a:r>
+            <a:endParaRPr lang="en-US" sz="800" b="0" dirty="0">
+              <a:solidFill>
+                <a:srgbClr val="657B83"/>
+              </a:solidFill>
+              <a:effectLst/>
+              <a:highlight>
+                <a:srgbClr val="FDF6E3"/>
+              </a:highlight>
+              <a:latin typeface="Consolas" panose="020B0609020204030204" pitchFamily="49" charset="0"/>
+            </a:endParaRPr>
+          </a:p>
+        </p:txBody>
+      </p:sp>
+      <p:sp>
+        <p:nvSpPr>
+          <p:cNvPr id="11" name="TextBox 10">
+            <a:extLst>
+              <a:ext uri="{FF2B5EF4-FFF2-40B4-BE49-F238E27FC236}">
+                <a16:creationId xmlns:a16="http://schemas.microsoft.com/office/drawing/2014/main" id="{0C14B899-3BBF-6A78-CBC8-4A9A4D53851F}"/>
+              </a:ext>
+            </a:extLst>
+          </p:cNvPr>
+          <p:cNvSpPr txBox="1"/>
+          <p:nvPr/>
+        </p:nvSpPr>
+        <p:spPr>
+          <a:xfrm>
+            <a:off x="6771252" y="3302196"/>
+            <a:ext cx="4634063" cy="1569660"/>
+          </a:xfrm>
+          <a:prstGeom prst="rect">
+            <a:avLst/>
+          </a:prstGeom>
+          <a:noFill/>
+        </p:spPr>
+        <p:txBody>
+          <a:bodyPr wrap="square">
+            <a:spAutoFit/>
+          </a:bodyPr>
+          <a:lstStyle/>
+          <a:p>
+            <a:r>
+              <a:rPr lang="en-US" sz="800" b="0" i="1" dirty="0">
+                <a:solidFill>
+                  <a:srgbClr val="93A1A1"/>
+                </a:solidFill>
+                <a:effectLst/>
+                <a:highlight>
+                  <a:srgbClr val="FDF6E3"/>
+                </a:highlight>
+                <a:latin typeface="Consolas" panose="020B0609020204030204" pitchFamily="49" charset="0"/>
+              </a:rPr>
+              <a:t># </a:t>
+            </a:r>
+            <a:r>
+              <a:rPr lang="en-US" sz="800" b="0" i="1" dirty="0" err="1">
+                <a:solidFill>
+                  <a:srgbClr val="93A1A1"/>
+                </a:solidFill>
+                <a:effectLst/>
+                <a:highlight>
+                  <a:srgbClr val="FDF6E3"/>
+                </a:highlight>
+                <a:latin typeface="Consolas" panose="020B0609020204030204" pitchFamily="49" charset="0"/>
+              </a:rPr>
+              <a:t>Stałe</a:t>
+            </a:r>
+            <a:endParaRPr lang="en-US" sz="800" b="0" dirty="0">
+              <a:solidFill>
+                <a:srgbClr val="657B83"/>
+              </a:solidFill>
+              <a:effectLst/>
+              <a:highlight>
+                <a:srgbClr val="FDF6E3"/>
+              </a:highlight>
+              <a:latin typeface="Consolas" panose="020B0609020204030204" pitchFamily="49" charset="0"/>
+            </a:endParaRPr>
+          </a:p>
+          <a:p>
+            <a:r>
+              <a:rPr lang="en-US" sz="800" b="0" dirty="0" err="1">
+                <a:solidFill>
+                  <a:srgbClr val="268BD2"/>
+                </a:solidFill>
+                <a:effectLst/>
+                <a:highlight>
+                  <a:srgbClr val="FDF6E3"/>
+                </a:highlight>
+                <a:latin typeface="Consolas" panose="020B0609020204030204" pitchFamily="49" charset="0"/>
+              </a:rPr>
+              <a:t>installed_power_kWp</a:t>
+            </a:r>
+            <a:r>
+              <a:rPr lang="en-US" sz="800" b="0" dirty="0">
+                <a:solidFill>
+                  <a:srgbClr val="657B83"/>
+                </a:solidFill>
+                <a:effectLst/>
+                <a:highlight>
+                  <a:srgbClr val="FDF6E3"/>
+                </a:highlight>
+                <a:latin typeface="Consolas" panose="020B0609020204030204" pitchFamily="49" charset="0"/>
+              </a:rPr>
+              <a:t> </a:t>
+            </a:r>
+            <a:r>
+              <a:rPr lang="en-US" sz="800" b="0" dirty="0">
+                <a:solidFill>
+                  <a:srgbClr val="859900"/>
+                </a:solidFill>
+                <a:effectLst/>
+                <a:highlight>
+                  <a:srgbClr val="FDF6E3"/>
+                </a:highlight>
+                <a:latin typeface="Consolas" panose="020B0609020204030204" pitchFamily="49" charset="0"/>
+              </a:rPr>
+              <a:t>=</a:t>
+            </a:r>
+            <a:r>
+              <a:rPr lang="en-US" sz="800" b="0" dirty="0">
+                <a:solidFill>
+                  <a:srgbClr val="657B83"/>
+                </a:solidFill>
+                <a:effectLst/>
+                <a:highlight>
+                  <a:srgbClr val="FDF6E3"/>
+                </a:highlight>
+                <a:latin typeface="Consolas" panose="020B0609020204030204" pitchFamily="49" charset="0"/>
+              </a:rPr>
+              <a:t> </a:t>
+            </a:r>
+            <a:r>
+              <a:rPr lang="en-US" sz="800" b="0" dirty="0">
+                <a:solidFill>
+                  <a:srgbClr val="D33682"/>
+                </a:solidFill>
+                <a:effectLst/>
+                <a:highlight>
+                  <a:srgbClr val="FDF6E3"/>
+                </a:highlight>
+                <a:latin typeface="Consolas" panose="020B0609020204030204" pitchFamily="49" charset="0"/>
+              </a:rPr>
+              <a:t>5</a:t>
+            </a:r>
+            <a:r>
+              <a:rPr lang="en-US" sz="800" b="0" dirty="0">
+                <a:solidFill>
+                  <a:srgbClr val="657B83"/>
+                </a:solidFill>
+                <a:effectLst/>
+                <a:highlight>
+                  <a:srgbClr val="FDF6E3"/>
+                </a:highlight>
+                <a:latin typeface="Consolas" panose="020B0609020204030204" pitchFamily="49" charset="0"/>
+              </a:rPr>
+              <a:t>  </a:t>
+            </a:r>
+            <a:r>
+              <a:rPr lang="en-US" sz="800" b="0" i="1" dirty="0">
+                <a:solidFill>
+                  <a:srgbClr val="93A1A1"/>
+                </a:solidFill>
+                <a:effectLst/>
+                <a:highlight>
+                  <a:srgbClr val="FDF6E3"/>
+                </a:highlight>
+                <a:latin typeface="Consolas" panose="020B0609020204030204" pitchFamily="49" charset="0"/>
+              </a:rPr>
+              <a:t># </a:t>
+            </a:r>
+            <a:r>
+              <a:rPr lang="en-US" sz="800" b="0" i="1" dirty="0" err="1">
+                <a:solidFill>
+                  <a:srgbClr val="93A1A1"/>
+                </a:solidFill>
+                <a:effectLst/>
+                <a:highlight>
+                  <a:srgbClr val="FDF6E3"/>
+                </a:highlight>
+                <a:latin typeface="Consolas" panose="020B0609020204030204" pitchFamily="49" charset="0"/>
+              </a:rPr>
+              <a:t>Moc</a:t>
+            </a:r>
+            <a:r>
+              <a:rPr lang="en-US" sz="800" b="0" i="1" dirty="0">
+                <a:solidFill>
+                  <a:srgbClr val="93A1A1"/>
+                </a:solidFill>
+                <a:effectLst/>
+                <a:highlight>
+                  <a:srgbClr val="FDF6E3"/>
+                </a:highlight>
+                <a:latin typeface="Consolas" panose="020B0609020204030204" pitchFamily="49" charset="0"/>
+              </a:rPr>
+              <a:t> </a:t>
+            </a:r>
+            <a:r>
+              <a:rPr lang="en-US" sz="800" b="0" i="1" dirty="0" err="1">
+                <a:solidFill>
+                  <a:srgbClr val="93A1A1"/>
+                </a:solidFill>
+                <a:effectLst/>
+                <a:highlight>
+                  <a:srgbClr val="FDF6E3"/>
+                </a:highlight>
+                <a:latin typeface="Consolas" panose="020B0609020204030204" pitchFamily="49" charset="0"/>
+              </a:rPr>
+              <a:t>zainstalowana</a:t>
+            </a:r>
+            <a:r>
+              <a:rPr lang="en-US" sz="800" b="0" i="1" dirty="0">
+                <a:solidFill>
+                  <a:srgbClr val="93A1A1"/>
+                </a:solidFill>
+                <a:effectLst/>
+                <a:highlight>
+                  <a:srgbClr val="FDF6E3"/>
+                </a:highlight>
+                <a:latin typeface="Consolas" panose="020B0609020204030204" pitchFamily="49" charset="0"/>
+              </a:rPr>
+              <a:t> w </a:t>
+            </a:r>
+            <a:r>
+              <a:rPr lang="en-US" sz="800" b="0" i="1" dirty="0" err="1">
+                <a:solidFill>
+                  <a:srgbClr val="93A1A1"/>
+                </a:solidFill>
+                <a:effectLst/>
+                <a:highlight>
+                  <a:srgbClr val="FDF6E3"/>
+                </a:highlight>
+                <a:latin typeface="Consolas" panose="020B0609020204030204" pitchFamily="49" charset="0"/>
+              </a:rPr>
+              <a:t>kWp</a:t>
+            </a:r>
+            <a:endParaRPr lang="en-US" sz="800" b="0" dirty="0">
+              <a:solidFill>
+                <a:srgbClr val="657B83"/>
+              </a:solidFill>
+              <a:effectLst/>
+              <a:highlight>
+                <a:srgbClr val="FDF6E3"/>
+              </a:highlight>
+              <a:latin typeface="Consolas" panose="020B0609020204030204" pitchFamily="49" charset="0"/>
+            </a:endParaRPr>
+          </a:p>
+          <a:p>
+            <a:r>
+              <a:rPr lang="en-US" sz="800" b="0" dirty="0" err="1">
+                <a:solidFill>
+                  <a:srgbClr val="268BD2"/>
+                </a:solidFill>
+                <a:effectLst/>
+                <a:highlight>
+                  <a:srgbClr val="FDF6E3"/>
+                </a:highlight>
+                <a:latin typeface="Consolas" panose="020B0609020204030204" pitchFamily="49" charset="0"/>
+              </a:rPr>
+              <a:t>performance_ratio</a:t>
+            </a:r>
+            <a:r>
+              <a:rPr lang="en-US" sz="800" b="0" dirty="0">
+                <a:solidFill>
+                  <a:srgbClr val="657B83"/>
+                </a:solidFill>
+                <a:effectLst/>
+                <a:highlight>
+                  <a:srgbClr val="FDF6E3"/>
+                </a:highlight>
+                <a:latin typeface="Consolas" panose="020B0609020204030204" pitchFamily="49" charset="0"/>
+              </a:rPr>
+              <a:t> </a:t>
+            </a:r>
+            <a:r>
+              <a:rPr lang="en-US" sz="800" b="0" dirty="0">
+                <a:solidFill>
+                  <a:srgbClr val="859900"/>
+                </a:solidFill>
+                <a:effectLst/>
+                <a:highlight>
+                  <a:srgbClr val="FDF6E3"/>
+                </a:highlight>
+                <a:latin typeface="Consolas" panose="020B0609020204030204" pitchFamily="49" charset="0"/>
+              </a:rPr>
+              <a:t>=</a:t>
+            </a:r>
+            <a:r>
+              <a:rPr lang="en-US" sz="800" b="0" dirty="0">
+                <a:solidFill>
+                  <a:srgbClr val="657B83"/>
+                </a:solidFill>
+                <a:effectLst/>
+                <a:highlight>
+                  <a:srgbClr val="FDF6E3"/>
+                </a:highlight>
+                <a:latin typeface="Consolas" panose="020B0609020204030204" pitchFamily="49" charset="0"/>
+              </a:rPr>
+              <a:t> </a:t>
+            </a:r>
+            <a:r>
+              <a:rPr lang="en-US" sz="800" b="0" dirty="0">
+                <a:solidFill>
+                  <a:srgbClr val="D33682"/>
+                </a:solidFill>
+                <a:effectLst/>
+                <a:highlight>
+                  <a:srgbClr val="FDF6E3"/>
+                </a:highlight>
+                <a:latin typeface="Consolas" panose="020B0609020204030204" pitchFamily="49" charset="0"/>
+              </a:rPr>
+              <a:t>0.80</a:t>
+            </a:r>
+            <a:r>
+              <a:rPr lang="en-US" sz="800" b="0" dirty="0">
+                <a:solidFill>
+                  <a:srgbClr val="657B83"/>
+                </a:solidFill>
+                <a:effectLst/>
+                <a:highlight>
+                  <a:srgbClr val="FDF6E3"/>
+                </a:highlight>
+                <a:latin typeface="Consolas" panose="020B0609020204030204" pitchFamily="49" charset="0"/>
+              </a:rPr>
+              <a:t>  </a:t>
+            </a:r>
+            <a:r>
+              <a:rPr lang="en-US" sz="800" b="0" i="1" dirty="0">
+                <a:solidFill>
+                  <a:srgbClr val="93A1A1"/>
+                </a:solidFill>
+                <a:effectLst/>
+                <a:highlight>
+                  <a:srgbClr val="FDF6E3"/>
+                </a:highlight>
+                <a:latin typeface="Consolas" panose="020B0609020204030204" pitchFamily="49" charset="0"/>
+              </a:rPr>
+              <a:t># </a:t>
+            </a:r>
+            <a:r>
+              <a:rPr lang="en-US" sz="800" b="0" i="1" dirty="0" err="1">
+                <a:solidFill>
+                  <a:srgbClr val="93A1A1"/>
+                </a:solidFill>
+                <a:effectLst/>
+                <a:highlight>
+                  <a:srgbClr val="FDF6E3"/>
+                </a:highlight>
+                <a:latin typeface="Consolas" panose="020B0609020204030204" pitchFamily="49" charset="0"/>
+              </a:rPr>
+              <a:t>Współczynnik</a:t>
+            </a:r>
+            <a:r>
+              <a:rPr lang="en-US" sz="800" b="0" i="1" dirty="0">
+                <a:solidFill>
+                  <a:srgbClr val="93A1A1"/>
+                </a:solidFill>
+                <a:effectLst/>
+                <a:highlight>
+                  <a:srgbClr val="FDF6E3"/>
+                </a:highlight>
+                <a:latin typeface="Consolas" panose="020B0609020204030204" pitchFamily="49" charset="0"/>
+              </a:rPr>
+              <a:t> </a:t>
+            </a:r>
+            <a:r>
+              <a:rPr lang="en-US" sz="800" b="0" i="1" dirty="0" err="1">
+                <a:solidFill>
+                  <a:srgbClr val="93A1A1"/>
+                </a:solidFill>
+                <a:effectLst/>
+                <a:highlight>
+                  <a:srgbClr val="FDF6E3"/>
+                </a:highlight>
+                <a:latin typeface="Consolas" panose="020B0609020204030204" pitchFamily="49" charset="0"/>
+              </a:rPr>
+              <a:t>wydajności</a:t>
+            </a:r>
+            <a:r>
+              <a:rPr lang="en-US" sz="800" b="0" i="1" dirty="0">
+                <a:solidFill>
+                  <a:srgbClr val="93A1A1"/>
+                </a:solidFill>
+                <a:effectLst/>
+                <a:highlight>
+                  <a:srgbClr val="FDF6E3"/>
+                </a:highlight>
+                <a:latin typeface="Consolas" panose="020B0609020204030204" pitchFamily="49" charset="0"/>
+              </a:rPr>
+              <a:t> (PR)</a:t>
+            </a:r>
+            <a:endParaRPr lang="en-US" sz="800" b="0" dirty="0">
+              <a:solidFill>
+                <a:srgbClr val="657B83"/>
+              </a:solidFill>
+              <a:effectLst/>
+              <a:highlight>
+                <a:srgbClr val="FDF6E3"/>
+              </a:highlight>
+              <a:latin typeface="Consolas" panose="020B0609020204030204" pitchFamily="49" charset="0"/>
+            </a:endParaRPr>
+          </a:p>
+          <a:p>
+            <a:br>
+              <a:rPr lang="en-US" sz="800" b="0" dirty="0">
+                <a:solidFill>
+                  <a:srgbClr val="657B83"/>
+                </a:solidFill>
+                <a:effectLst/>
+                <a:highlight>
+                  <a:srgbClr val="FDF6E3"/>
+                </a:highlight>
+                <a:latin typeface="Consolas" panose="020B0609020204030204" pitchFamily="49" charset="0"/>
+              </a:rPr>
+            </a:br>
+            <a:r>
+              <a:rPr lang="en-US" sz="800" b="0" i="1" dirty="0">
+                <a:solidFill>
+                  <a:srgbClr val="93A1A1"/>
+                </a:solidFill>
+                <a:effectLst/>
+                <a:highlight>
+                  <a:srgbClr val="FDF6E3"/>
+                </a:highlight>
+                <a:latin typeface="Consolas" panose="020B0609020204030204" pitchFamily="49" charset="0"/>
+              </a:rPr>
+              <a:t># </a:t>
+            </a:r>
+            <a:r>
+              <a:rPr lang="en-US" sz="800" b="0" i="1" dirty="0" err="1">
+                <a:solidFill>
+                  <a:srgbClr val="93A1A1"/>
+                </a:solidFill>
+                <a:effectLst/>
+                <a:highlight>
+                  <a:srgbClr val="FDF6E3"/>
+                </a:highlight>
+                <a:latin typeface="Consolas" panose="020B0609020204030204" pitchFamily="49" charset="0"/>
+              </a:rPr>
+              <a:t>Obliczanie</a:t>
+            </a:r>
+            <a:r>
+              <a:rPr lang="en-US" sz="800" b="0" i="1" dirty="0">
+                <a:solidFill>
+                  <a:srgbClr val="93A1A1"/>
+                </a:solidFill>
+                <a:effectLst/>
+                <a:highlight>
+                  <a:srgbClr val="FDF6E3"/>
+                </a:highlight>
+                <a:latin typeface="Consolas" panose="020B0609020204030204" pitchFamily="49" charset="0"/>
+              </a:rPr>
+              <a:t> </a:t>
+            </a:r>
+            <a:r>
+              <a:rPr lang="en-US" sz="800" b="0" i="1" dirty="0" err="1">
+                <a:solidFill>
+                  <a:srgbClr val="93A1A1"/>
+                </a:solidFill>
+                <a:effectLst/>
+                <a:highlight>
+                  <a:srgbClr val="FDF6E3"/>
+                </a:highlight>
+                <a:latin typeface="Consolas" panose="020B0609020204030204" pitchFamily="49" charset="0"/>
+              </a:rPr>
+              <a:t>dziennej</a:t>
+            </a:r>
+            <a:r>
+              <a:rPr lang="en-US" sz="800" b="0" i="1" dirty="0">
+                <a:solidFill>
+                  <a:srgbClr val="93A1A1"/>
+                </a:solidFill>
+                <a:effectLst/>
+                <a:highlight>
+                  <a:srgbClr val="FDF6E3"/>
+                </a:highlight>
+                <a:latin typeface="Consolas" panose="020B0609020204030204" pitchFamily="49" charset="0"/>
+              </a:rPr>
+              <a:t> </a:t>
+            </a:r>
+            <a:r>
+              <a:rPr lang="en-US" sz="800" b="0" i="1" dirty="0" err="1">
+                <a:solidFill>
+                  <a:srgbClr val="93A1A1"/>
+                </a:solidFill>
+                <a:effectLst/>
+                <a:highlight>
+                  <a:srgbClr val="FDF6E3"/>
+                </a:highlight>
+                <a:latin typeface="Consolas" panose="020B0609020204030204" pitchFamily="49" charset="0"/>
+              </a:rPr>
+              <a:t>produkcji</a:t>
+            </a:r>
+            <a:r>
+              <a:rPr lang="en-US" sz="800" b="0" i="1" dirty="0">
+                <a:solidFill>
+                  <a:srgbClr val="93A1A1"/>
+                </a:solidFill>
+                <a:effectLst/>
+                <a:highlight>
+                  <a:srgbClr val="FDF6E3"/>
+                </a:highlight>
+                <a:latin typeface="Consolas" panose="020B0609020204030204" pitchFamily="49" charset="0"/>
+              </a:rPr>
+              <a:t> </a:t>
+            </a:r>
+            <a:r>
+              <a:rPr lang="en-US" sz="800" b="0" i="1" dirty="0" err="1">
+                <a:solidFill>
+                  <a:srgbClr val="93A1A1"/>
+                </a:solidFill>
+                <a:effectLst/>
+                <a:highlight>
+                  <a:srgbClr val="FDF6E3"/>
+                </a:highlight>
+                <a:latin typeface="Consolas" panose="020B0609020204030204" pitchFamily="49" charset="0"/>
+              </a:rPr>
+              <a:t>energii</a:t>
+            </a:r>
+            <a:endParaRPr lang="en-US" sz="800" b="0" dirty="0">
+              <a:solidFill>
+                <a:srgbClr val="657B83"/>
+              </a:solidFill>
+              <a:effectLst/>
+              <a:highlight>
+                <a:srgbClr val="FDF6E3"/>
+              </a:highlight>
+              <a:latin typeface="Consolas" panose="020B0609020204030204" pitchFamily="49" charset="0"/>
+            </a:endParaRPr>
+          </a:p>
+          <a:p>
+            <a:r>
+              <a:rPr lang="en-US" sz="800" b="0" dirty="0" err="1">
+                <a:solidFill>
+                  <a:srgbClr val="268BD2"/>
+                </a:solidFill>
+                <a:effectLst/>
+                <a:highlight>
+                  <a:srgbClr val="FDF6E3"/>
+                </a:highlight>
+                <a:latin typeface="Consolas" panose="020B0609020204030204" pitchFamily="49" charset="0"/>
+              </a:rPr>
+              <a:t>df_weather_db</a:t>
+            </a:r>
+            <a:r>
+              <a:rPr lang="en-US" sz="800" b="0" dirty="0">
+                <a:solidFill>
+                  <a:srgbClr val="657B83"/>
+                </a:solidFill>
+                <a:effectLst/>
+                <a:highlight>
+                  <a:srgbClr val="FDF6E3"/>
+                </a:highlight>
+                <a:latin typeface="Consolas" panose="020B0609020204030204" pitchFamily="49" charset="0"/>
+              </a:rPr>
+              <a:t>[</a:t>
+            </a:r>
+            <a:r>
+              <a:rPr lang="en-US" sz="800" b="0" dirty="0">
+                <a:solidFill>
+                  <a:srgbClr val="2AA198"/>
+                </a:solidFill>
+                <a:effectLst/>
+                <a:highlight>
+                  <a:srgbClr val="FDF6E3"/>
+                </a:highlight>
+                <a:latin typeface="Consolas" panose="020B0609020204030204" pitchFamily="49" charset="0"/>
+              </a:rPr>
+              <a:t>'</a:t>
+            </a:r>
+            <a:r>
+              <a:rPr lang="en-US" sz="800" b="0" dirty="0" err="1">
+                <a:solidFill>
+                  <a:srgbClr val="2AA198"/>
+                </a:solidFill>
+                <a:effectLst/>
+                <a:highlight>
+                  <a:srgbClr val="FDF6E3"/>
+                </a:highlight>
+                <a:latin typeface="Consolas" panose="020B0609020204030204" pitchFamily="49" charset="0"/>
+              </a:rPr>
+              <a:t>daily_energy_production_kWh</a:t>
+            </a:r>
+            <a:r>
+              <a:rPr lang="en-US" sz="800" b="0" dirty="0">
+                <a:solidFill>
+                  <a:srgbClr val="2AA198"/>
+                </a:solidFill>
+                <a:effectLst/>
+                <a:highlight>
+                  <a:srgbClr val="FDF6E3"/>
+                </a:highlight>
+                <a:latin typeface="Consolas" panose="020B0609020204030204" pitchFamily="49" charset="0"/>
+              </a:rPr>
+              <a:t>'</a:t>
+            </a:r>
+            <a:r>
+              <a:rPr lang="en-US" sz="800" b="0" dirty="0">
+                <a:solidFill>
+                  <a:srgbClr val="657B83"/>
+                </a:solidFill>
+                <a:effectLst/>
+                <a:highlight>
+                  <a:srgbClr val="FDF6E3"/>
+                </a:highlight>
+                <a:latin typeface="Consolas" panose="020B0609020204030204" pitchFamily="49" charset="0"/>
+              </a:rPr>
+              <a:t>] </a:t>
+            </a:r>
+            <a:r>
+              <a:rPr lang="en-US" sz="800" b="0" dirty="0">
+                <a:solidFill>
+                  <a:srgbClr val="859900"/>
+                </a:solidFill>
+                <a:effectLst/>
+                <a:highlight>
+                  <a:srgbClr val="FDF6E3"/>
+                </a:highlight>
+                <a:latin typeface="Consolas" panose="020B0609020204030204" pitchFamily="49" charset="0"/>
+              </a:rPr>
+              <a:t>=</a:t>
+            </a:r>
+            <a:r>
+              <a:rPr lang="en-US" sz="800" b="0" dirty="0">
+                <a:solidFill>
+                  <a:srgbClr val="657B83"/>
+                </a:solidFill>
+                <a:effectLst/>
+                <a:highlight>
+                  <a:srgbClr val="FDF6E3"/>
+                </a:highlight>
+                <a:latin typeface="Consolas" panose="020B0609020204030204" pitchFamily="49" charset="0"/>
+              </a:rPr>
+              <a:t> (</a:t>
+            </a:r>
+          </a:p>
+          <a:p>
+            <a:r>
+              <a:rPr lang="en-US" sz="800" b="0" dirty="0">
+                <a:solidFill>
+                  <a:srgbClr val="657B83"/>
+                </a:solidFill>
+                <a:effectLst/>
+                <a:highlight>
+                  <a:srgbClr val="FDF6E3"/>
+                </a:highlight>
+                <a:latin typeface="Consolas" panose="020B0609020204030204" pitchFamily="49" charset="0"/>
+              </a:rPr>
+              <a:t>    </a:t>
+            </a:r>
+            <a:r>
+              <a:rPr lang="en-US" sz="800" b="0" dirty="0" err="1">
+                <a:solidFill>
+                  <a:srgbClr val="268BD2"/>
+                </a:solidFill>
+                <a:effectLst/>
+                <a:highlight>
+                  <a:srgbClr val="FDF6E3"/>
+                </a:highlight>
+                <a:latin typeface="Consolas" panose="020B0609020204030204" pitchFamily="49" charset="0"/>
+              </a:rPr>
+              <a:t>installed_power_kWp</a:t>
+            </a:r>
+            <a:r>
+              <a:rPr lang="en-US" sz="800" b="0" dirty="0">
+                <a:solidFill>
+                  <a:srgbClr val="657B83"/>
+                </a:solidFill>
+                <a:effectLst/>
+                <a:highlight>
+                  <a:srgbClr val="FDF6E3"/>
+                </a:highlight>
+                <a:latin typeface="Consolas" panose="020B0609020204030204" pitchFamily="49" charset="0"/>
+              </a:rPr>
+              <a:t> </a:t>
+            </a:r>
+            <a:r>
+              <a:rPr lang="en-US" sz="800" b="0" dirty="0">
+                <a:solidFill>
+                  <a:srgbClr val="859900"/>
+                </a:solidFill>
+                <a:effectLst/>
+                <a:highlight>
+                  <a:srgbClr val="FDF6E3"/>
+                </a:highlight>
+                <a:latin typeface="Consolas" panose="020B0609020204030204" pitchFamily="49" charset="0"/>
+              </a:rPr>
+              <a:t>*</a:t>
+            </a:r>
+            <a:r>
+              <a:rPr lang="en-US" sz="800" b="0" dirty="0">
+                <a:solidFill>
+                  <a:srgbClr val="657B83"/>
+                </a:solidFill>
+                <a:effectLst/>
+                <a:highlight>
+                  <a:srgbClr val="FDF6E3"/>
+                </a:highlight>
+                <a:latin typeface="Consolas" panose="020B0609020204030204" pitchFamily="49" charset="0"/>
+              </a:rPr>
+              <a:t> </a:t>
+            </a:r>
+          </a:p>
+          <a:p>
+            <a:r>
+              <a:rPr lang="en-US" sz="800" b="0" dirty="0">
+                <a:solidFill>
+                  <a:srgbClr val="657B83"/>
+                </a:solidFill>
+                <a:effectLst/>
+                <a:highlight>
+                  <a:srgbClr val="FDF6E3"/>
+                </a:highlight>
+                <a:latin typeface="Consolas" panose="020B0609020204030204" pitchFamily="49" charset="0"/>
+              </a:rPr>
+              <a:t>    </a:t>
+            </a:r>
+            <a:r>
+              <a:rPr lang="en-US" sz="800" b="0" dirty="0" err="1">
+                <a:solidFill>
+                  <a:srgbClr val="268BD2"/>
+                </a:solidFill>
+                <a:effectLst/>
+                <a:highlight>
+                  <a:srgbClr val="FDF6E3"/>
+                </a:highlight>
+                <a:latin typeface="Consolas" panose="020B0609020204030204" pitchFamily="49" charset="0"/>
+              </a:rPr>
+              <a:t>df_weather_db</a:t>
+            </a:r>
+            <a:r>
+              <a:rPr lang="en-US" sz="800" b="0" dirty="0">
+                <a:solidFill>
+                  <a:srgbClr val="657B83"/>
+                </a:solidFill>
+                <a:effectLst/>
+                <a:highlight>
+                  <a:srgbClr val="FDF6E3"/>
+                </a:highlight>
+                <a:latin typeface="Consolas" panose="020B0609020204030204" pitchFamily="49" charset="0"/>
+              </a:rPr>
+              <a:t>[</a:t>
+            </a:r>
+            <a:r>
+              <a:rPr lang="en-US" sz="800" b="0" dirty="0">
+                <a:solidFill>
+                  <a:srgbClr val="2AA198"/>
+                </a:solidFill>
+                <a:effectLst/>
+                <a:highlight>
+                  <a:srgbClr val="FDF6E3"/>
+                </a:highlight>
+                <a:latin typeface="Consolas" panose="020B0609020204030204" pitchFamily="49" charset="0"/>
+              </a:rPr>
+              <a:t>'</a:t>
+            </a:r>
+            <a:r>
+              <a:rPr lang="en-US" sz="800" b="0" dirty="0" err="1">
+                <a:solidFill>
+                  <a:srgbClr val="2AA198"/>
+                </a:solidFill>
+                <a:effectLst/>
+                <a:highlight>
+                  <a:srgbClr val="FDF6E3"/>
+                </a:highlight>
+                <a:latin typeface="Consolas" panose="020B0609020204030204" pitchFamily="49" charset="0"/>
+              </a:rPr>
+              <a:t>estimated_irradiance</a:t>
+            </a:r>
+            <a:r>
+              <a:rPr lang="en-US" sz="800" b="0" dirty="0">
+                <a:solidFill>
+                  <a:srgbClr val="2AA198"/>
+                </a:solidFill>
+                <a:effectLst/>
+                <a:highlight>
+                  <a:srgbClr val="FDF6E3"/>
+                </a:highlight>
+                <a:latin typeface="Consolas" panose="020B0609020204030204" pitchFamily="49" charset="0"/>
+              </a:rPr>
+              <a:t>'</a:t>
+            </a:r>
+            <a:r>
+              <a:rPr lang="en-US" sz="800" b="0" dirty="0">
+                <a:solidFill>
+                  <a:srgbClr val="657B83"/>
+                </a:solidFill>
+                <a:effectLst/>
+                <a:highlight>
+                  <a:srgbClr val="FDF6E3"/>
+                </a:highlight>
+                <a:latin typeface="Consolas" panose="020B0609020204030204" pitchFamily="49" charset="0"/>
+              </a:rPr>
+              <a:t>] </a:t>
+            </a:r>
+            <a:r>
+              <a:rPr lang="en-US" sz="800" b="0" dirty="0">
+                <a:solidFill>
+                  <a:srgbClr val="268BD2"/>
+                </a:solidFill>
+                <a:effectLst/>
+                <a:highlight>
+                  <a:srgbClr val="FDF6E3"/>
+                </a:highlight>
+                <a:latin typeface="Consolas" panose="020B0609020204030204" pitchFamily="49" charset="0"/>
+              </a:rPr>
+              <a:t>*</a:t>
+            </a:r>
+            <a:r>
+              <a:rPr lang="en-US" sz="800" b="0" dirty="0">
+                <a:solidFill>
+                  <a:srgbClr val="657B83"/>
+                </a:solidFill>
+                <a:effectLst/>
+                <a:highlight>
+                  <a:srgbClr val="FDF6E3"/>
+                </a:highlight>
+                <a:latin typeface="Consolas" panose="020B0609020204030204" pitchFamily="49" charset="0"/>
+              </a:rPr>
+              <a:t>  </a:t>
+            </a:r>
+            <a:r>
+              <a:rPr lang="en-US" sz="800" b="0" i="1" dirty="0">
+                <a:solidFill>
+                  <a:srgbClr val="93A1A1"/>
+                </a:solidFill>
+                <a:effectLst/>
+                <a:highlight>
+                  <a:srgbClr val="FDF6E3"/>
+                </a:highlight>
+                <a:latin typeface="Consolas" panose="020B0609020204030204" pitchFamily="49" charset="0"/>
+              </a:rPr>
+              <a:t># </a:t>
+            </a:r>
+            <a:r>
+              <a:rPr lang="en-US" sz="800" b="0" i="1" dirty="0" err="1">
+                <a:solidFill>
+                  <a:srgbClr val="93A1A1"/>
+                </a:solidFill>
+                <a:effectLst/>
+                <a:highlight>
+                  <a:srgbClr val="FDF6E3"/>
+                </a:highlight>
+                <a:latin typeface="Consolas" panose="020B0609020204030204" pitchFamily="49" charset="0"/>
+              </a:rPr>
+              <a:t>już</a:t>
+            </a:r>
+            <a:r>
+              <a:rPr lang="en-US" sz="800" b="0" i="1" dirty="0">
+                <a:solidFill>
+                  <a:srgbClr val="93A1A1"/>
+                </a:solidFill>
+                <a:effectLst/>
+                <a:highlight>
+                  <a:srgbClr val="FDF6E3"/>
+                </a:highlight>
+                <a:latin typeface="Consolas" panose="020B0609020204030204" pitchFamily="49" charset="0"/>
+              </a:rPr>
+              <a:t> w kWh/m²/</a:t>
+            </a:r>
+            <a:r>
+              <a:rPr lang="en-US" sz="800" b="0" i="1" dirty="0" err="1">
+                <a:solidFill>
+                  <a:srgbClr val="93A1A1"/>
+                </a:solidFill>
+                <a:effectLst/>
+                <a:highlight>
+                  <a:srgbClr val="FDF6E3"/>
+                </a:highlight>
+                <a:latin typeface="Consolas" panose="020B0609020204030204" pitchFamily="49" charset="0"/>
+              </a:rPr>
+              <a:t>dzień</a:t>
+            </a:r>
+            <a:endParaRPr lang="en-US" sz="800" b="0" dirty="0">
+              <a:solidFill>
+                <a:srgbClr val="657B83"/>
+              </a:solidFill>
+              <a:effectLst/>
+              <a:highlight>
+                <a:srgbClr val="FDF6E3"/>
+              </a:highlight>
+              <a:latin typeface="Consolas" panose="020B0609020204030204" pitchFamily="49" charset="0"/>
+            </a:endParaRPr>
+          </a:p>
+          <a:p>
+            <a:r>
+              <a:rPr lang="en-US" sz="800" b="0" dirty="0">
+                <a:solidFill>
+                  <a:srgbClr val="657B83"/>
+                </a:solidFill>
+                <a:effectLst/>
+                <a:highlight>
+                  <a:srgbClr val="FDF6E3"/>
+                </a:highlight>
+                <a:latin typeface="Consolas" panose="020B0609020204030204" pitchFamily="49" charset="0"/>
+              </a:rPr>
+              <a:t>    </a:t>
+            </a:r>
+            <a:r>
+              <a:rPr lang="en-US" sz="800" b="0" dirty="0" err="1">
+                <a:solidFill>
+                  <a:srgbClr val="268BD2"/>
+                </a:solidFill>
+                <a:effectLst/>
+                <a:highlight>
+                  <a:srgbClr val="FDF6E3"/>
+                </a:highlight>
+                <a:latin typeface="Consolas" panose="020B0609020204030204" pitchFamily="49" charset="0"/>
+              </a:rPr>
+              <a:t>performance_ratio</a:t>
+            </a:r>
+            <a:r>
+              <a:rPr lang="en-US" sz="800" b="0" dirty="0">
+                <a:solidFill>
+                  <a:srgbClr val="657B83"/>
+                </a:solidFill>
+                <a:effectLst/>
+                <a:highlight>
+                  <a:srgbClr val="FDF6E3"/>
+                </a:highlight>
+                <a:latin typeface="Consolas" panose="020B0609020204030204" pitchFamily="49" charset="0"/>
+              </a:rPr>
+              <a:t> </a:t>
+            </a:r>
+            <a:r>
+              <a:rPr lang="en-US" sz="800" b="0" dirty="0">
+                <a:solidFill>
+                  <a:srgbClr val="268BD2"/>
+                </a:solidFill>
+                <a:effectLst/>
+                <a:highlight>
+                  <a:srgbClr val="FDF6E3"/>
+                </a:highlight>
+                <a:latin typeface="Consolas" panose="020B0609020204030204" pitchFamily="49" charset="0"/>
+              </a:rPr>
+              <a:t>*</a:t>
+            </a:r>
+            <a:r>
+              <a:rPr lang="en-US" sz="800" b="0" dirty="0">
+                <a:solidFill>
+                  <a:srgbClr val="657B83"/>
+                </a:solidFill>
+                <a:effectLst/>
+                <a:highlight>
+                  <a:srgbClr val="FDF6E3"/>
+                </a:highlight>
+                <a:latin typeface="Consolas" panose="020B0609020204030204" pitchFamily="49" charset="0"/>
+              </a:rPr>
+              <a:t> </a:t>
+            </a:r>
+          </a:p>
+          <a:p>
+            <a:r>
+              <a:rPr lang="en-US" sz="800" b="0" dirty="0">
+                <a:solidFill>
+                  <a:srgbClr val="657B83"/>
+                </a:solidFill>
+                <a:effectLst/>
+                <a:highlight>
+                  <a:srgbClr val="FDF6E3"/>
+                </a:highlight>
+                <a:latin typeface="Consolas" panose="020B0609020204030204" pitchFamily="49" charset="0"/>
+              </a:rPr>
+              <a:t>    </a:t>
+            </a:r>
+            <a:r>
+              <a:rPr lang="en-US" sz="800" b="0" dirty="0" err="1">
+                <a:solidFill>
+                  <a:srgbClr val="268BD2"/>
+                </a:solidFill>
+                <a:effectLst/>
+                <a:highlight>
+                  <a:srgbClr val="FDF6E3"/>
+                </a:highlight>
+                <a:latin typeface="Consolas" panose="020B0609020204030204" pitchFamily="49" charset="0"/>
+              </a:rPr>
+              <a:t>df_weather_db</a:t>
+            </a:r>
+            <a:r>
+              <a:rPr lang="en-US" sz="800" b="0" dirty="0">
+                <a:solidFill>
+                  <a:srgbClr val="657B83"/>
+                </a:solidFill>
+                <a:effectLst/>
+                <a:highlight>
+                  <a:srgbClr val="FDF6E3"/>
+                </a:highlight>
+                <a:latin typeface="Consolas" panose="020B0609020204030204" pitchFamily="49" charset="0"/>
+              </a:rPr>
+              <a:t>[</a:t>
+            </a:r>
+            <a:r>
+              <a:rPr lang="en-US" sz="800" b="0" dirty="0">
+                <a:solidFill>
+                  <a:srgbClr val="2AA198"/>
+                </a:solidFill>
+                <a:effectLst/>
+                <a:highlight>
+                  <a:srgbClr val="FDF6E3"/>
+                </a:highlight>
+                <a:latin typeface="Consolas" panose="020B0609020204030204" pitchFamily="49" charset="0"/>
+              </a:rPr>
+              <a:t>'</a:t>
+            </a:r>
+            <a:r>
+              <a:rPr lang="en-US" sz="800" b="0" dirty="0" err="1">
+                <a:solidFill>
+                  <a:srgbClr val="2AA198"/>
+                </a:solidFill>
+                <a:effectLst/>
+                <a:highlight>
+                  <a:srgbClr val="FDF6E3"/>
+                </a:highlight>
+                <a:latin typeface="Consolas" panose="020B0609020204030204" pitchFamily="49" charset="0"/>
+              </a:rPr>
+              <a:t>temp_modifier</a:t>
+            </a:r>
+            <a:r>
+              <a:rPr lang="en-US" sz="800" b="0" dirty="0">
+                <a:solidFill>
+                  <a:srgbClr val="2AA198"/>
+                </a:solidFill>
+                <a:effectLst/>
+                <a:highlight>
+                  <a:srgbClr val="FDF6E3"/>
+                </a:highlight>
+                <a:latin typeface="Consolas" panose="020B0609020204030204" pitchFamily="49" charset="0"/>
+              </a:rPr>
+              <a:t>'</a:t>
+            </a:r>
+            <a:r>
+              <a:rPr lang="en-US" sz="800" b="0" dirty="0">
+                <a:solidFill>
+                  <a:srgbClr val="657B83"/>
+                </a:solidFill>
+                <a:effectLst/>
+                <a:highlight>
+                  <a:srgbClr val="FDF6E3"/>
+                </a:highlight>
+                <a:latin typeface="Consolas" panose="020B0609020204030204" pitchFamily="49" charset="0"/>
+              </a:rPr>
+              <a:t>] </a:t>
+            </a:r>
+            <a:r>
+              <a:rPr lang="en-US" sz="800" b="0" dirty="0">
+                <a:solidFill>
+                  <a:srgbClr val="268BD2"/>
+                </a:solidFill>
+                <a:effectLst/>
+                <a:highlight>
+                  <a:srgbClr val="FDF6E3"/>
+                </a:highlight>
+                <a:latin typeface="Consolas" panose="020B0609020204030204" pitchFamily="49" charset="0"/>
+              </a:rPr>
+              <a:t>*</a:t>
+            </a:r>
+            <a:r>
+              <a:rPr lang="en-US" sz="800" b="0" dirty="0">
+                <a:solidFill>
+                  <a:srgbClr val="657B83"/>
+                </a:solidFill>
+                <a:effectLst/>
+                <a:highlight>
+                  <a:srgbClr val="FDF6E3"/>
+                </a:highlight>
+                <a:latin typeface="Consolas" panose="020B0609020204030204" pitchFamily="49" charset="0"/>
+              </a:rPr>
+              <a:t> </a:t>
+            </a:r>
+          </a:p>
+          <a:p>
+            <a:r>
+              <a:rPr lang="en-US" sz="800" b="0" dirty="0">
+                <a:solidFill>
+                  <a:srgbClr val="657B83"/>
+                </a:solidFill>
+                <a:effectLst/>
+                <a:highlight>
+                  <a:srgbClr val="FDF6E3"/>
+                </a:highlight>
+                <a:latin typeface="Consolas" panose="020B0609020204030204" pitchFamily="49" charset="0"/>
+              </a:rPr>
+              <a:t>    </a:t>
+            </a:r>
+            <a:r>
+              <a:rPr lang="en-US" sz="800" b="0" dirty="0" err="1">
+                <a:solidFill>
+                  <a:srgbClr val="268BD2"/>
+                </a:solidFill>
+                <a:effectLst/>
+                <a:highlight>
+                  <a:srgbClr val="FDF6E3"/>
+                </a:highlight>
+                <a:latin typeface="Consolas" panose="020B0609020204030204" pitchFamily="49" charset="0"/>
+              </a:rPr>
+              <a:t>df_weather_db</a:t>
+            </a:r>
+            <a:r>
+              <a:rPr lang="en-US" sz="800" b="0" dirty="0">
+                <a:solidFill>
+                  <a:srgbClr val="657B83"/>
+                </a:solidFill>
+                <a:effectLst/>
+                <a:highlight>
+                  <a:srgbClr val="FDF6E3"/>
+                </a:highlight>
+                <a:latin typeface="Consolas" panose="020B0609020204030204" pitchFamily="49" charset="0"/>
+              </a:rPr>
+              <a:t>[</a:t>
+            </a:r>
+            <a:r>
+              <a:rPr lang="en-US" sz="800" b="0" dirty="0">
+                <a:solidFill>
+                  <a:srgbClr val="2AA198"/>
+                </a:solidFill>
+                <a:effectLst/>
+                <a:highlight>
+                  <a:srgbClr val="FDF6E3"/>
+                </a:highlight>
+                <a:latin typeface="Consolas" panose="020B0609020204030204" pitchFamily="49" charset="0"/>
+              </a:rPr>
+              <a:t>'</a:t>
+            </a:r>
+            <a:r>
+              <a:rPr lang="en-US" sz="800" b="0" dirty="0" err="1">
+                <a:solidFill>
+                  <a:srgbClr val="2AA198"/>
+                </a:solidFill>
+                <a:effectLst/>
+                <a:highlight>
+                  <a:srgbClr val="FDF6E3"/>
+                </a:highlight>
+                <a:latin typeface="Consolas" panose="020B0609020204030204" pitchFamily="49" charset="0"/>
+              </a:rPr>
+              <a:t>humidity_modifier</a:t>
+            </a:r>
+            <a:r>
+              <a:rPr lang="en-US" sz="800" b="0" dirty="0">
+                <a:solidFill>
+                  <a:srgbClr val="2AA198"/>
+                </a:solidFill>
+                <a:effectLst/>
+                <a:highlight>
+                  <a:srgbClr val="FDF6E3"/>
+                </a:highlight>
+                <a:latin typeface="Consolas" panose="020B0609020204030204" pitchFamily="49" charset="0"/>
+              </a:rPr>
+              <a:t>'</a:t>
+            </a:r>
+            <a:r>
+              <a:rPr lang="en-US" sz="800" b="0" dirty="0">
+                <a:solidFill>
+                  <a:srgbClr val="657B83"/>
+                </a:solidFill>
+                <a:effectLst/>
+                <a:highlight>
+                  <a:srgbClr val="FDF6E3"/>
+                </a:highlight>
+                <a:latin typeface="Consolas" panose="020B0609020204030204" pitchFamily="49" charset="0"/>
+              </a:rPr>
+              <a:t>]</a:t>
+            </a:r>
+          </a:p>
+          <a:p>
+            <a:r>
+              <a:rPr lang="en-US" sz="800" b="0" dirty="0">
+                <a:solidFill>
+                  <a:srgbClr val="657B83"/>
+                </a:solidFill>
+                <a:effectLst/>
+                <a:highlight>
+                  <a:srgbClr val="FDF6E3"/>
+                </a:highlight>
+                <a:latin typeface="Consolas" panose="020B0609020204030204" pitchFamily="49" charset="0"/>
+              </a:rPr>
+              <a:t>)</a:t>
+            </a:r>
+          </a:p>
+        </p:txBody>
+      </p:sp>
+      <p:pic>
+        <p:nvPicPr>
+          <p:cNvPr id="13" name="Picture 12">
+            <a:extLst>
+              <a:ext uri="{FF2B5EF4-FFF2-40B4-BE49-F238E27FC236}">
+                <a16:creationId xmlns:a16="http://schemas.microsoft.com/office/drawing/2014/main" id="{D04423CF-D89D-DCA4-9EB9-C9D7CFD92AB6}"/>
+              </a:ext>
+            </a:extLst>
+          </p:cNvPr>
+          <p:cNvPicPr>
+            <a:picLocks noChangeAspect="1"/>
+          </p:cNvPicPr>
+          <p:nvPr/>
+        </p:nvPicPr>
+        <p:blipFill>
+          <a:blip r:embed="rId4"/>
+          <a:stretch>
+            <a:fillRect/>
+          </a:stretch>
+        </p:blipFill>
+        <p:spPr>
+          <a:xfrm>
+            <a:off x="3595534" y="5032581"/>
+            <a:ext cx="7809781" cy="828046"/>
+          </a:xfrm>
+          <a:prstGeom prst="rect">
+            <a:avLst/>
+          </a:prstGeom>
+        </p:spPr>
+      </p:pic>
+    </p:spTree>
+    <p:extLst>
+      <p:ext uri="{BB962C8B-B14F-4D97-AF65-F5344CB8AC3E}">
+        <p14:creationId xmlns:p14="http://schemas.microsoft.com/office/powerpoint/2010/main" val="3848074509"/>
+      </p:ext>
+    </p:extLst>
+  </p:cSld>
+  <p:clrMapOvr>
+    <a:masterClrMapping/>
+  </p:clrMapOvr>
+</p:sld>
+</file>
+
+<file path=ppt/slides/slide12.xml><?xml version="1.0" encoding="utf-8"?>
+<p:sld xmlns:a="http://schemas.openxmlformats.org/drawingml/2006/main" xmlns:r="http://schemas.openxmlformats.org/officeDocument/2006/relationships" xmlns:p="http://schemas.openxmlformats.org/presentationml/2006/main">
+  <p:cSld>
+    <p:spTree>
+      <p:nvGrpSpPr>
+        <p:cNvPr id="1" name="Shape 201"/>
+        <p:cNvGrpSpPr/>
+        <p:nvPr/>
+      </p:nvGrpSpPr>
+      <p:grpSpPr>
+        <a:xfrm>
+          <a:off x="0" y="0"/>
+          <a:ext cx="0" cy="0"/>
+          <a:chOff x="0" y="0"/>
+          <a:chExt cx="0" cy="0"/>
+        </a:xfrm>
+      </p:grpSpPr>
+      <p:sp>
+        <p:nvSpPr>
+          <p:cNvPr id="203" name="Google Shape;203;p21"/>
+          <p:cNvSpPr txBox="1">
+            <a:spLocks noGrp="1"/>
+          </p:cNvSpPr>
+          <p:nvPr>
+            <p:ph type="sldNum" idx="12"/>
+          </p:nvPr>
+        </p:nvSpPr>
+        <p:spPr>
+          <a:xfrm>
+            <a:off x="10938505" y="6356351"/>
+            <a:ext cx="634392" cy="167647"/>
+          </a:xfrm>
+          <a:prstGeom prst="rect">
+            <a:avLst/>
+          </a:prstGeom>
+        </p:spPr>
+        <p:txBody>
+          <a:bodyPr spcFirstLastPara="1" wrap="square" lIns="0" tIns="0" rIns="0" bIns="0" anchor="t" anchorCtr="0">
+            <a:noAutofit/>
+          </a:bodyPr>
+          <a:lstStyle/>
+          <a:p>
+            <a:pPr defTabSz="829544"/>
+            <a:fld id="{00000000-1234-1234-1234-123412341234}" type="slidenum">
+              <a:rPr lang="pl-PL" kern="0">
+                <a:solidFill>
+                  <a:srgbClr val="002C58"/>
+                </a:solidFill>
+                <a:latin typeface="Helvetica" pitchFamily="2" charset="0"/>
+              </a:rPr>
+              <a:pPr defTabSz="829544"/>
+              <a:t>12</a:t>
+            </a:fld>
+            <a:endParaRPr kern="0" dirty="0">
+              <a:solidFill>
+                <a:srgbClr val="002C58"/>
+              </a:solidFill>
+              <a:latin typeface="Helvetica" pitchFamily="2" charset="0"/>
+            </a:endParaRPr>
+          </a:p>
+        </p:txBody>
+      </p:sp>
+      <p:sp>
+        <p:nvSpPr>
+          <p:cNvPr id="7" name="Tytuł 1">
+            <a:extLst>
+              <a:ext uri="{FF2B5EF4-FFF2-40B4-BE49-F238E27FC236}">
+                <a16:creationId xmlns:a16="http://schemas.microsoft.com/office/drawing/2014/main" id="{57C8B726-50E0-47F7-BBBC-54F1227BD140}"/>
+              </a:ext>
+            </a:extLst>
+          </p:cNvPr>
+          <p:cNvSpPr>
+            <a:spLocks noGrp="1"/>
+          </p:cNvSpPr>
+          <p:nvPr>
+            <p:ph type="title"/>
+          </p:nvPr>
+        </p:nvSpPr>
+        <p:spPr>
+          <a:xfrm>
+            <a:off x="645885" y="38348"/>
+            <a:ext cx="10459821" cy="447317"/>
+          </a:xfrm>
+        </p:spPr>
+        <p:txBody>
+          <a:bodyPr/>
+          <a:lstStyle/>
+          <a:p>
+            <a:r>
+              <a:rPr lang="pl-PL" sz="2900" dirty="0">
+                <a:solidFill>
+                  <a:srgbClr val="002C58"/>
+                </a:solidFill>
+                <a:latin typeface="Helvetica" pitchFamily="2" charset="0"/>
+                <a:ea typeface="+mn-ea"/>
+                <a:cs typeface="+mn-cs"/>
+              </a:rPr>
+              <a:t>6. Notebooks - 0</a:t>
+            </a:r>
+            <a:r>
+              <a:rPr lang="de-DE" sz="2900" dirty="0">
+                <a:solidFill>
+                  <a:srgbClr val="002C58"/>
+                </a:solidFill>
+                <a:latin typeface="Helvetica" pitchFamily="2" charset="0"/>
+                <a:ea typeface="+mn-ea"/>
+                <a:cs typeface="+mn-cs"/>
+              </a:rPr>
+              <a:t>4</a:t>
+            </a:r>
+            <a:endParaRPr lang="pl-PL" sz="2900" dirty="0">
+              <a:latin typeface="Helvetica" pitchFamily="2" charset="0"/>
+            </a:endParaRPr>
+          </a:p>
+        </p:txBody>
+      </p:sp>
+      <p:pic>
+        <p:nvPicPr>
+          <p:cNvPr id="10" name="Obraz 9">
+            <a:extLst>
+              <a:ext uri="{FF2B5EF4-FFF2-40B4-BE49-F238E27FC236}">
+                <a16:creationId xmlns:a16="http://schemas.microsoft.com/office/drawing/2014/main" id="{B3BE01A9-6CED-56B2-A9A8-C48A12685924}"/>
+              </a:ext>
+            </a:extLst>
+          </p:cNvPr>
+          <p:cNvPicPr>
+            <a:picLocks noChangeAspect="1"/>
+          </p:cNvPicPr>
+          <p:nvPr/>
+        </p:nvPicPr>
+        <p:blipFill>
+          <a:blip r:embed="rId3">
+            <a:extLst>
+              <a:ext uri="{28A0092B-C50C-407E-A947-70E740481C1C}">
+                <a14:useLocalDpi xmlns:a14="http://schemas.microsoft.com/office/drawing/2010/main" val="0"/>
+              </a:ext>
+            </a:extLst>
+          </a:blip>
+          <a:stretch>
+            <a:fillRect/>
+          </a:stretch>
+        </p:blipFill>
+        <p:spPr>
+          <a:xfrm>
+            <a:off x="464822" y="6242482"/>
+            <a:ext cx="4445000" cy="596900"/>
+          </a:xfrm>
+          <a:prstGeom prst="rect">
+            <a:avLst/>
+          </a:prstGeom>
+        </p:spPr>
+      </p:pic>
+      <p:sp>
+        <p:nvSpPr>
+          <p:cNvPr id="8" name="pole tekstowe 4">
+            <a:extLst>
+              <a:ext uri="{FF2B5EF4-FFF2-40B4-BE49-F238E27FC236}">
+                <a16:creationId xmlns:a16="http://schemas.microsoft.com/office/drawing/2014/main" id="{6769148D-16BA-DDF5-1159-3B9EAE4E4E0E}"/>
+              </a:ext>
+            </a:extLst>
+          </p:cNvPr>
+          <p:cNvSpPr txBox="1"/>
+          <p:nvPr/>
+        </p:nvSpPr>
+        <p:spPr>
+          <a:xfrm>
+            <a:off x="571615" y="878149"/>
+            <a:ext cx="11001282" cy="4339650"/>
+          </a:xfrm>
+          <a:prstGeom prst="rect">
+            <a:avLst/>
+          </a:prstGeom>
+          <a:noFill/>
+        </p:spPr>
+        <p:txBody>
+          <a:bodyPr wrap="square" rtlCol="0">
+            <a:spAutoFit/>
+          </a:bodyPr>
+          <a:lstStyle/>
+          <a:p>
+            <a:r>
+              <a:rPr lang="pl-PL" sz="1200" dirty="0">
+                <a:latin typeface="Helvetica" pitchFamily="2" charset="0"/>
+              </a:rPr>
+              <a:t>W tym notebooku przedstawiono proces tworzenia interaktywnego dashboardu za pomocą biblioteki Dash oraz Plotly. Dashboard ten umożliwia wizualizację danych pogodowych i energetycznych dla różnych miast w Europie. Celem projektu jest analiza produkcji energii oraz warunków pogodowych w różnych lokalizacjach, a także przedstawienie szacowanego zapotrzebowania na energię dla domów o różnych rozmiarach, ogrzewanych za pomocą pomp ciepła.</a:t>
+            </a:r>
+            <a:endParaRPr lang="de-DE" sz="1200" dirty="0">
+              <a:latin typeface="Helvetica" pitchFamily="2" charset="0"/>
+            </a:endParaRPr>
+          </a:p>
+          <a:p>
+            <a:endParaRPr lang="de-DE" sz="1200" b="1" dirty="0">
+              <a:latin typeface="Helvetica" pitchFamily="2" charset="0"/>
+            </a:endParaRPr>
+          </a:p>
+          <a:p>
+            <a:r>
+              <a:rPr lang="pl-PL" sz="1200" b="1" dirty="0">
+                <a:latin typeface="Helvetica" pitchFamily="2" charset="0"/>
+              </a:rPr>
+              <a:t>Opis kroków</a:t>
+            </a:r>
+          </a:p>
+          <a:p>
+            <a:endParaRPr lang="pl-PL" sz="1200" b="1" dirty="0">
+              <a:latin typeface="Helvetica" pitchFamily="2" charset="0"/>
+            </a:endParaRPr>
+          </a:p>
+          <a:p>
+            <a:pPr marL="228600" indent="-228600">
+              <a:buFont typeface="+mj-lt"/>
+              <a:buAutoNum type="arabicPeriod"/>
+            </a:pPr>
+            <a:r>
+              <a:rPr lang="pl-PL" sz="1200" dirty="0">
+                <a:latin typeface="Helvetica" pitchFamily="2" charset="0"/>
+              </a:rPr>
+              <a:t>Importowanie bibliotek: Zaimportowane zostały niezbędne biblioteki, takie jak pandas do manipulacji danymi, dash do tworzenia interaktywnych aplikacji internetowych oraz plotly do tworzenia wykresów i wizualizacji.</a:t>
+            </a:r>
+          </a:p>
+          <a:p>
+            <a:pPr marL="228600" indent="-228600">
+              <a:buFont typeface="+mj-lt"/>
+              <a:buAutoNum type="arabicPeriod"/>
+            </a:pPr>
+            <a:endParaRPr lang="pl-PL" sz="1200" dirty="0">
+              <a:latin typeface="Helvetica" pitchFamily="2" charset="0"/>
+            </a:endParaRPr>
+          </a:p>
+          <a:p>
+            <a:pPr marL="228600" indent="-228600">
+              <a:buFont typeface="+mj-lt"/>
+              <a:buAutoNum type="arabicPeriod"/>
+            </a:pPr>
+            <a:r>
+              <a:rPr lang="pl-PL" sz="1200" dirty="0">
+                <a:latin typeface="Helvetica" pitchFamily="2" charset="0"/>
+              </a:rPr>
+              <a:t>Załadowanie danych: Dane dotyczące warunków pogodowych i produkcji energii zostały załadowane z pliku CSV. </a:t>
+            </a:r>
+          </a:p>
+          <a:p>
+            <a:pPr marL="228600" indent="-228600">
+              <a:buFont typeface="+mj-lt"/>
+              <a:buAutoNum type="arabicPeriod"/>
+            </a:pPr>
+            <a:endParaRPr lang="pl-PL" sz="1200" dirty="0">
+              <a:latin typeface="Helvetica" pitchFamily="2" charset="0"/>
+            </a:endParaRPr>
+          </a:p>
+          <a:p>
+            <a:pPr marL="228600" indent="-228600">
+              <a:buFont typeface="+mj-lt"/>
+              <a:buAutoNum type="arabicPeriod"/>
+            </a:pPr>
+            <a:r>
+              <a:rPr lang="pl-PL" sz="1200" dirty="0">
+                <a:latin typeface="Helvetica" pitchFamily="2" charset="0"/>
+              </a:rPr>
+              <a:t>Dane dla stolic Europy: Stworzono dodatkowy zbiór danych zawierający informacje o lokalizacjach stolic europejskich, które będą wykorzystywane do wizualizacji na mapie.</a:t>
+            </a:r>
+          </a:p>
+          <a:p>
+            <a:pPr marL="228600" indent="-228600">
+              <a:buFont typeface="+mj-lt"/>
+              <a:buAutoNum type="arabicPeriod"/>
+            </a:pPr>
+            <a:endParaRPr lang="pl-PL" sz="1200" dirty="0">
+              <a:latin typeface="Helvetica" pitchFamily="2" charset="0"/>
+            </a:endParaRPr>
+          </a:p>
+          <a:p>
+            <a:pPr marL="228600" indent="-228600">
+              <a:buFont typeface="+mj-lt"/>
+              <a:buAutoNum type="arabicPeriod"/>
+            </a:pPr>
+            <a:r>
+              <a:rPr lang="pl-PL" sz="1200" dirty="0">
+                <a:latin typeface="Helvetica" pitchFamily="2" charset="0"/>
+              </a:rPr>
+              <a:t>Inicjalizacja aplikacji Dash: Aplikacja Dash została zainicjowana, a jej layout został zdefiniowany. Layout zawiera elementy wejściowe (pole tekstowe do wprowadzania nazwy miasta, przycisk do wysyłania zapytania, suwak do wyboru zakresu lat) oraz elementy wyjściowe (wykresy i mapa).</a:t>
+            </a:r>
+          </a:p>
+          <a:p>
+            <a:pPr marL="228600" indent="-228600">
+              <a:buFont typeface="+mj-lt"/>
+              <a:buAutoNum type="arabicPeriod"/>
+            </a:pPr>
+            <a:endParaRPr lang="pl-PL" sz="1200" dirty="0">
+              <a:latin typeface="Helvetica" pitchFamily="2" charset="0"/>
+            </a:endParaRPr>
+          </a:p>
+          <a:p>
+            <a:pPr marL="228600" indent="-228600">
+              <a:buFont typeface="+mj-lt"/>
+              <a:buAutoNum type="arabicPeriod"/>
+            </a:pPr>
+            <a:r>
+              <a:rPr lang="pl-PL" sz="1200" dirty="0">
+                <a:latin typeface="Helvetica" pitchFamily="2" charset="0"/>
+              </a:rPr>
+              <a:t>Definiowanie callbacków: Callbacki w Dashu umożliwiają dynamiczną aktualizację wykresów i mapy w odpowiedzi na interakcje użytkownika. W tym przypadku, callback obsługuje wprowadzanie nazwy miasta, kliknięcie przycisku oraz wybór zakresu lat.</a:t>
+            </a:r>
+          </a:p>
+          <a:p>
+            <a:pPr marL="228600" indent="-228600">
+              <a:buFont typeface="+mj-lt"/>
+              <a:buAutoNum type="arabicPeriod"/>
+            </a:pPr>
+            <a:endParaRPr lang="pl-PL" sz="1200" dirty="0">
+              <a:latin typeface="Helvetica" pitchFamily="2" charset="0"/>
+            </a:endParaRPr>
+          </a:p>
+          <a:p>
+            <a:pPr marL="228600" indent="-228600">
+              <a:buFont typeface="+mj-lt"/>
+              <a:buAutoNum type="arabicPeriod"/>
+            </a:pPr>
+            <a:r>
+              <a:rPr lang="pl-PL" sz="1200" dirty="0">
+                <a:latin typeface="Helvetica" pitchFamily="2" charset="0"/>
+              </a:rPr>
+              <a:t>Logika aplikacji: W funkcji callback zaimplementowano logikę filtrowania danych na podstawie wejść użytkownika, a następnie tworzenie i aktualizowanie wykresów oraz mapy. Dodatkowo, zawiera ona obliczenia szacowanego rocznego zapotrzebowania na energię dla domów o różnych rozmiarach i typach gospodarstw domowych.</a:t>
+            </a:r>
+            <a:endParaRPr lang="pl-PL" dirty="0"/>
+          </a:p>
+        </p:txBody>
+      </p:sp>
+    </p:spTree>
+    <p:extLst>
+      <p:ext uri="{BB962C8B-B14F-4D97-AF65-F5344CB8AC3E}">
+        <p14:creationId xmlns:p14="http://schemas.microsoft.com/office/powerpoint/2010/main" val="289683703"/>
+      </p:ext>
+    </p:extLst>
+  </p:cSld>
+  <p:clrMapOvr>
+    <a:masterClrMapping/>
+  </p:clrMapOvr>
+</p:sld>
+</file>
+
+<file path=ppt/slides/slide13.xml><?xml version="1.0" encoding="utf-8"?>
+<p:sld xmlns:a="http://schemas.openxmlformats.org/drawingml/2006/main" xmlns:r="http://schemas.openxmlformats.org/officeDocument/2006/relationships" xmlns:p="http://schemas.openxmlformats.org/presentationml/2006/main">
+  <p:cSld>
+    <p:spTree>
+      <p:nvGrpSpPr>
+        <p:cNvPr id="1" name="Shape 201"/>
+        <p:cNvGrpSpPr/>
+        <p:nvPr/>
+      </p:nvGrpSpPr>
+      <p:grpSpPr>
+        <a:xfrm>
+          <a:off x="0" y="0"/>
+          <a:ext cx="0" cy="0"/>
+          <a:chOff x="0" y="0"/>
+          <a:chExt cx="0" cy="0"/>
+        </a:xfrm>
+      </p:grpSpPr>
+      <p:sp>
+        <p:nvSpPr>
+          <p:cNvPr id="203" name="Google Shape;203;p21"/>
+          <p:cNvSpPr txBox="1">
+            <a:spLocks noGrp="1"/>
+          </p:cNvSpPr>
+          <p:nvPr>
+            <p:ph type="sldNum" idx="12"/>
+          </p:nvPr>
+        </p:nvSpPr>
+        <p:spPr>
+          <a:xfrm>
+            <a:off x="10938505" y="6356351"/>
+            <a:ext cx="634392" cy="167647"/>
+          </a:xfrm>
+          <a:prstGeom prst="rect">
+            <a:avLst/>
+          </a:prstGeom>
+        </p:spPr>
+        <p:txBody>
+          <a:bodyPr spcFirstLastPara="1" wrap="square" lIns="0" tIns="0" rIns="0" bIns="0" anchor="t" anchorCtr="0">
+            <a:noAutofit/>
+          </a:bodyPr>
+          <a:lstStyle/>
+          <a:p>
+            <a:pPr defTabSz="829544"/>
+            <a:fld id="{00000000-1234-1234-1234-123412341234}" type="slidenum">
+              <a:rPr lang="pl-PL" kern="0">
+                <a:solidFill>
+                  <a:srgbClr val="002C58"/>
+                </a:solidFill>
+                <a:latin typeface="Helvetica" pitchFamily="2" charset="0"/>
+              </a:rPr>
+              <a:pPr defTabSz="829544"/>
+              <a:t>13</a:t>
+            </a:fld>
+            <a:endParaRPr kern="0" dirty="0">
+              <a:solidFill>
+                <a:srgbClr val="002C58"/>
+              </a:solidFill>
+              <a:latin typeface="Helvetica" pitchFamily="2" charset="0"/>
+            </a:endParaRPr>
+          </a:p>
+        </p:txBody>
+      </p:sp>
+      <p:sp>
+        <p:nvSpPr>
+          <p:cNvPr id="7" name="Tytuł 1">
+            <a:extLst>
+              <a:ext uri="{FF2B5EF4-FFF2-40B4-BE49-F238E27FC236}">
+                <a16:creationId xmlns:a16="http://schemas.microsoft.com/office/drawing/2014/main" id="{57C8B726-50E0-47F7-BBBC-54F1227BD140}"/>
+              </a:ext>
+            </a:extLst>
+          </p:cNvPr>
+          <p:cNvSpPr>
+            <a:spLocks noGrp="1"/>
+          </p:cNvSpPr>
+          <p:nvPr>
+            <p:ph type="title"/>
+          </p:nvPr>
+        </p:nvSpPr>
+        <p:spPr>
+          <a:xfrm>
+            <a:off x="645885" y="38348"/>
+            <a:ext cx="10459821" cy="447317"/>
+          </a:xfrm>
+        </p:spPr>
+        <p:txBody>
+          <a:bodyPr/>
+          <a:lstStyle/>
+          <a:p>
+            <a:r>
+              <a:rPr lang="pl-PL" sz="2900" dirty="0">
+                <a:solidFill>
+                  <a:srgbClr val="002C58"/>
+                </a:solidFill>
+                <a:latin typeface="Helvetica" pitchFamily="2" charset="0"/>
+                <a:ea typeface="+mn-ea"/>
+                <a:cs typeface="+mn-cs"/>
+              </a:rPr>
+              <a:t>6. Notebooks - 0</a:t>
+            </a:r>
+            <a:r>
+              <a:rPr lang="de-DE" sz="2900" dirty="0">
+                <a:solidFill>
+                  <a:srgbClr val="002C58"/>
+                </a:solidFill>
+                <a:latin typeface="Helvetica" pitchFamily="2" charset="0"/>
+                <a:ea typeface="+mn-ea"/>
+                <a:cs typeface="+mn-cs"/>
+              </a:rPr>
+              <a:t>4</a:t>
+            </a:r>
+            <a:endParaRPr lang="pl-PL" sz="2900" dirty="0">
+              <a:latin typeface="Helvetica" pitchFamily="2" charset="0"/>
+            </a:endParaRPr>
+          </a:p>
+        </p:txBody>
+      </p:sp>
+      <p:pic>
+        <p:nvPicPr>
+          <p:cNvPr id="10" name="Obraz 9">
+            <a:extLst>
+              <a:ext uri="{FF2B5EF4-FFF2-40B4-BE49-F238E27FC236}">
+                <a16:creationId xmlns:a16="http://schemas.microsoft.com/office/drawing/2014/main" id="{B3BE01A9-6CED-56B2-A9A8-C48A12685924}"/>
+              </a:ext>
+            </a:extLst>
+          </p:cNvPr>
+          <p:cNvPicPr>
+            <a:picLocks noChangeAspect="1"/>
+          </p:cNvPicPr>
+          <p:nvPr/>
+        </p:nvPicPr>
+        <p:blipFill>
+          <a:blip r:embed="rId3">
+            <a:extLst>
+              <a:ext uri="{28A0092B-C50C-407E-A947-70E740481C1C}">
+                <a14:useLocalDpi xmlns:a14="http://schemas.microsoft.com/office/drawing/2010/main" val="0"/>
+              </a:ext>
+            </a:extLst>
+          </a:blip>
+          <a:stretch>
+            <a:fillRect/>
+          </a:stretch>
+        </p:blipFill>
+        <p:spPr>
+          <a:xfrm>
+            <a:off x="464822" y="6242482"/>
+            <a:ext cx="4445000" cy="596900"/>
+          </a:xfrm>
+          <a:prstGeom prst="rect">
+            <a:avLst/>
+          </a:prstGeom>
+        </p:spPr>
+      </p:pic>
+      <p:sp>
+        <p:nvSpPr>
+          <p:cNvPr id="8" name="pole tekstowe 4">
+            <a:extLst>
+              <a:ext uri="{FF2B5EF4-FFF2-40B4-BE49-F238E27FC236}">
+                <a16:creationId xmlns:a16="http://schemas.microsoft.com/office/drawing/2014/main" id="{6769148D-16BA-DDF5-1159-3B9EAE4E4E0E}"/>
+              </a:ext>
+            </a:extLst>
+          </p:cNvPr>
+          <p:cNvSpPr txBox="1"/>
+          <p:nvPr/>
+        </p:nvSpPr>
+        <p:spPr>
+          <a:xfrm>
+            <a:off x="571615" y="878149"/>
+            <a:ext cx="11001282" cy="461665"/>
+          </a:xfrm>
+          <a:prstGeom prst="rect">
+            <a:avLst/>
+          </a:prstGeom>
+          <a:noFill/>
+        </p:spPr>
+        <p:txBody>
+          <a:bodyPr wrap="square" rtlCol="0">
+            <a:spAutoFit/>
+          </a:bodyPr>
+          <a:lstStyle/>
+          <a:p>
+            <a:r>
+              <a:rPr lang="de-DE" sz="1200" b="1" dirty="0" err="1">
+                <a:latin typeface="Helvetica" pitchFamily="2" charset="0"/>
+              </a:rPr>
+              <a:t>Stworzony</a:t>
+            </a:r>
+            <a:r>
+              <a:rPr lang="de-DE" sz="1200" b="1" dirty="0">
+                <a:latin typeface="Helvetica" pitchFamily="2" charset="0"/>
+              </a:rPr>
+              <a:t> Dashboard:</a:t>
+            </a:r>
+            <a:endParaRPr lang="pl-PL" sz="1200" b="1" dirty="0">
+              <a:latin typeface="Helvetica" pitchFamily="2" charset="0"/>
+            </a:endParaRPr>
+          </a:p>
+          <a:p>
+            <a:endParaRPr lang="pl-PL" sz="1200" b="1" dirty="0">
+              <a:latin typeface="Helvetica" pitchFamily="2" charset="0"/>
+            </a:endParaRPr>
+          </a:p>
+        </p:txBody>
+      </p:sp>
+    </p:spTree>
+    <p:extLst>
+      <p:ext uri="{BB962C8B-B14F-4D97-AF65-F5344CB8AC3E}">
+        <p14:creationId xmlns:p14="http://schemas.microsoft.com/office/powerpoint/2010/main" val="3625523323"/>
+      </p:ext>
+    </p:extLst>
+  </p:cSld>
+  <p:clrMapOvr>
+    <a:masterClrMapping/>
+  </p:clrMapOvr>
+</p:sld>
+</file>
+
 <file path=ppt/slides/slide2.xml><?xml version="1.0" encoding="utf-8"?>
 <p:sld xmlns:a="http://schemas.openxmlformats.org/drawingml/2006/main" xmlns:r="http://schemas.openxmlformats.org/officeDocument/2006/relationships" xmlns:p="http://schemas.openxmlformats.org/presentationml/2006/main">
   <p:cSld>
@@ -29882,7 +39450,7 @@
         <p:spPr>
           <a:xfrm>
             <a:off x="571615" y="878149"/>
-            <a:ext cx="11001282" cy="4062651"/>
+            <a:ext cx="11001282" cy="4431983"/>
           </a:xfrm>
           <a:prstGeom prst="rect">
             <a:avLst/>
@@ -29946,7 +39514,55 @@
               <a:rPr lang="pl-PL" sz="1200" dirty="0">
                 <a:latin typeface="Helvetica" pitchFamily="2" charset="0"/>
               </a:rPr>
-              <a:t>Dane pogodowe pochodzą z serwisu OpenWeather i obejmują okres od 01.01.1971 do 31.12.2023 dla trzech lokalizacji: Bożańska (Polska), Wałcz Drugi (Polska) oraz Baden-Baden (Niemcy).</a:t>
+              <a:t>Dane pogodowe pochodzą z serwisu OpenWeather i obejmują okres od 01.01.1971 do 31.12.2023 dla trzech lokalizacji: </a:t>
+            </a:r>
+            <a:r>
+              <a:rPr lang="de-DE" sz="1200" dirty="0">
+                <a:latin typeface="Helvetica" pitchFamily="2" charset="0"/>
+              </a:rPr>
+              <a:t> </a:t>
+            </a:r>
+          </a:p>
+          <a:p>
+            <a:pPr marL="1200150" lvl="2" indent="-285750">
+              <a:buFont typeface="Arial" panose="020B0604020202020204" pitchFamily="34" charset="0"/>
+              <a:buChar char="•"/>
+            </a:pPr>
+            <a:r>
+              <a:rPr lang="pl-PL" sz="1200" dirty="0">
+                <a:latin typeface="Helvetica" pitchFamily="2" charset="0"/>
+              </a:rPr>
+              <a:t>Bożańska (Polska), </a:t>
+            </a:r>
+            <a:endParaRPr lang="de-DE" sz="1200" dirty="0">
+              <a:latin typeface="Helvetica" pitchFamily="2" charset="0"/>
+            </a:endParaRPr>
+          </a:p>
+          <a:p>
+            <a:pPr marL="1200150" lvl="2" indent="-285750">
+              <a:buFont typeface="Arial" panose="020B0604020202020204" pitchFamily="34" charset="0"/>
+              <a:buChar char="•"/>
+            </a:pPr>
+            <a:r>
+              <a:rPr lang="pl-PL" sz="1200" dirty="0">
+                <a:latin typeface="Helvetica" pitchFamily="2" charset="0"/>
+              </a:rPr>
+              <a:t>Wałcz Drugi (Polska)</a:t>
+            </a:r>
+            <a:endParaRPr lang="de-DE" sz="1200" dirty="0">
+              <a:latin typeface="Helvetica" pitchFamily="2" charset="0"/>
+            </a:endParaRPr>
+          </a:p>
+          <a:p>
+            <a:pPr marL="1200150" lvl="2" indent="-285750">
+              <a:buFont typeface="Arial" panose="020B0604020202020204" pitchFamily="34" charset="0"/>
+              <a:buChar char="•"/>
+            </a:pPr>
+            <a:r>
+              <a:rPr lang="pl-PL" sz="1200" dirty="0">
+                <a:latin typeface="Helvetica" pitchFamily="2" charset="0"/>
+              </a:rPr>
+              <a:t>Baden-Baden (Niemcy).</a:t>
             </a:r>
             <a:endParaRPr lang="de-DE" sz="1200" dirty="0">
               <a:latin typeface="Helvetica" pitchFamily="2" charset="0"/>
@@ -39580,6 +49196,26 @@
 </file>
 
 <file path=customXml/item1.xml><?xml version="1.0" encoding="utf-8"?>
+<?mso-contentType ?>
+<FormTemplates xmlns="http://schemas.microsoft.com/sharepoint/v3/contenttype/forms">
+  <Display>DocumentLibraryForm</Display>
+  <Edit>DocumentLibraryForm</Edit>
+  <New>DocumentLibraryForm</New>
+</FormTemplates>
+</file>
+
+<file path=customXml/item2.xml><?xml version="1.0" encoding="utf-8"?>
+<p:properties xmlns:p="http://schemas.microsoft.com/office/2006/metadata/properties" xmlns:xsi="http://www.w3.org/2001/XMLSchema-instance" xmlns:pc="http://schemas.microsoft.com/office/infopath/2007/PartnerControls">
+  <documentManagement>
+    <TaxCatchAll xmlns="f1dfd687-ce92-41e8-800b-11e03cd3205f" xsi:nil="true"/>
+    <lcf76f155ced4ddcb4097134ff3c332f xmlns="cc32ea10-24d7-4ab8-908a-92053f695cd3">
+      <Terms xmlns="http://schemas.microsoft.com/office/infopath/2007/PartnerControls"/>
+    </lcf76f155ced4ddcb4097134ff3c332f>
+  </documentManagement>
+</p:properties>
+</file>
+
+<file path=customXml/item3.xml><?xml version="1.0" encoding="utf-8"?>
 <ct:contentTypeSchema xmlns:ct="http://schemas.microsoft.com/office/2006/metadata/contentType" xmlns:ma="http://schemas.microsoft.com/office/2006/metadata/properties/metaAttributes" ct:_="" ma:_="" ma:contentTypeName="Dokument" ma:contentTypeID="0x010100C4838B074BD1B64DBED77476FBBDC7EA" ma:contentTypeVersion="17" ma:contentTypeDescription="Utwórz nowy dokument." ma:contentTypeScope="" ma:versionID="cbf6b59ea7392e6dbe586db489f913d4">
   <xsd:schema xmlns:xsd="http://www.w3.org/2001/XMLSchema" xmlns:xs="http://www.w3.org/2001/XMLSchema" xmlns:p="http://schemas.microsoft.com/office/2006/metadata/properties" xmlns:ns2="cc32ea10-24d7-4ab8-908a-92053f695cd3" xmlns:ns3="f1dfd687-ce92-41e8-800b-11e03cd3205f" targetNamespace="http://schemas.microsoft.com/office/2006/metadata/properties" ma:root="true" ma:fieldsID="e5692fda7e188aff76fcb9dc144534c7" ns2:_="" ns3:_="">
     <xsd:import namespace="cc32ea10-24d7-4ab8-908a-92053f695cd3"/>
@@ -39828,41 +49464,10 @@
 </ct:contentTypeSchema>
 </file>
 
-<file path=customXml/item2.xml><?xml version="1.0" encoding="utf-8"?>
-<p:properties xmlns:p="http://schemas.microsoft.com/office/2006/metadata/properties" xmlns:xsi="http://www.w3.org/2001/XMLSchema-instance" xmlns:pc="http://schemas.microsoft.com/office/infopath/2007/PartnerControls">
-  <documentManagement>
-    <TaxCatchAll xmlns="f1dfd687-ce92-41e8-800b-11e03cd3205f" xsi:nil="true"/>
-    <lcf76f155ced4ddcb4097134ff3c332f xmlns="cc32ea10-24d7-4ab8-908a-92053f695cd3">
-      <Terms xmlns="http://schemas.microsoft.com/office/infopath/2007/PartnerControls"/>
-    </lcf76f155ced4ddcb4097134ff3c332f>
-  </documentManagement>
-</p:properties>
-</file>
-
-<file path=customXml/item3.xml><?xml version="1.0" encoding="utf-8"?>
-<?mso-contentType ?>
-<FormTemplates xmlns="http://schemas.microsoft.com/sharepoint/v3/contenttype/forms">
-  <Display>DocumentLibraryForm</Display>
-  <Edit>DocumentLibraryForm</Edit>
-  <New>DocumentLibraryForm</New>
-</FormTemplates>
-</file>
-
 <file path=customXml/itemProps1.xml><?xml version="1.0" encoding="utf-8"?>
-<ds:datastoreItem xmlns:ds="http://schemas.openxmlformats.org/officeDocument/2006/customXml" ds:itemID="{546D4109-F318-4341-81BE-A5CA2C3F0C29}">
+<ds:datastoreItem xmlns:ds="http://schemas.openxmlformats.org/officeDocument/2006/customXml" ds:itemID="{E3C0B90A-C52C-44A3-8B28-1EFDD964602C}">
   <ds:schemaRefs>
-    <ds:schemaRef ds:uri="http://schemas.microsoft.com/office/2006/metadata/contentType"/>
-    <ds:schemaRef ds:uri="http://schemas.microsoft.com/office/2006/metadata/properties/metaAttributes"/>
-    <ds:schemaRef ds:uri="http://www.w3.org/2001/XMLSchema"/>
-    <ds:schemaRef ds:uri="http://schemas.microsoft.com/office/2006/metadata/properties"/>
-    <ds:schemaRef ds:uri="cc32ea10-24d7-4ab8-908a-92053f695cd3"/>
-    <ds:schemaRef ds:uri="f1dfd687-ce92-41e8-800b-11e03cd3205f"/>
-    <ds:schemaRef ds:uri="http://schemas.microsoft.com/office/2006/documentManagement/types"/>
-    <ds:schemaRef ds:uri="http://schemas.microsoft.com/office/infopath/2007/PartnerControls"/>
-    <ds:schemaRef ds:uri="http://schemas.openxmlformats.org/package/2006/metadata/core-properties"/>
-    <ds:schemaRef ds:uri="http://purl.org/dc/elements/1.1/"/>
-    <ds:schemaRef ds:uri="http://purl.org/dc/terms/"/>
-    <ds:schemaRef ds:uri="http://schemas.microsoft.com/internal/obd"/>
+    <ds:schemaRef ds:uri="http://schemas.microsoft.com/sharepoint/v3/contenttype/forms"/>
   </ds:schemaRefs>
 </ds:datastoreItem>
 </file>
@@ -39888,9 +49493,20 @@
 </file>
 
 <file path=customXml/itemProps3.xml><?xml version="1.0" encoding="utf-8"?>
-<ds:datastoreItem xmlns:ds="http://schemas.openxmlformats.org/officeDocument/2006/customXml" ds:itemID="{E3C0B90A-C52C-44A3-8B28-1EFDD964602C}">
+<ds:datastoreItem xmlns:ds="http://schemas.openxmlformats.org/officeDocument/2006/customXml" ds:itemID="{546D4109-F318-4341-81BE-A5CA2C3F0C29}">
   <ds:schemaRefs>
-    <ds:schemaRef ds:uri="http://schemas.microsoft.com/sharepoint/v3/contenttype/forms"/>
+    <ds:schemaRef ds:uri="http://schemas.microsoft.com/office/2006/metadata/contentType"/>
+    <ds:schemaRef ds:uri="http://schemas.microsoft.com/office/2006/metadata/properties/metaAttributes"/>
+    <ds:schemaRef ds:uri="http://www.w3.org/2001/XMLSchema"/>
+    <ds:schemaRef ds:uri="http://schemas.microsoft.com/office/2006/metadata/properties"/>
+    <ds:schemaRef ds:uri="cc32ea10-24d7-4ab8-908a-92053f695cd3"/>
+    <ds:schemaRef ds:uri="f1dfd687-ce92-41e8-800b-11e03cd3205f"/>
+    <ds:schemaRef ds:uri="http://schemas.microsoft.com/office/2006/documentManagement/types"/>
+    <ds:schemaRef ds:uri="http://schemas.microsoft.com/office/infopath/2007/PartnerControls"/>
+    <ds:schemaRef ds:uri="http://schemas.openxmlformats.org/package/2006/metadata/core-properties"/>
+    <ds:schemaRef ds:uri="http://purl.org/dc/elements/1.1/"/>
+    <ds:schemaRef ds:uri="http://purl.org/dc/terms/"/>
+    <ds:schemaRef ds:uri="http://schemas.microsoft.com/internal/obd"/>
   </ds:schemaRefs>
 </ds:datastoreItem>
 </file>
--- a/6. Docs/Bartosz_Reszka_Piwowarski_Prezentacja.pptx
+++ b/6. Docs/Bartosz_Reszka_Piwowarski_Prezentacja.pptx
@@ -36138,6 +36138,66 @@
           </a:p>
         </p:txBody>
       </p:sp>
+      <p:pic>
+        <p:nvPicPr>
+          <p:cNvPr id="3" name="Picture 2">
+            <a:extLst>
+              <a:ext uri="{FF2B5EF4-FFF2-40B4-BE49-F238E27FC236}">
+                <a16:creationId xmlns:a16="http://schemas.microsoft.com/office/drawing/2014/main" id="{BF1DED22-C3CA-0E57-3904-CA44D96FFE01}"/>
+              </a:ext>
+            </a:extLst>
+          </p:cNvPr>
+          <p:cNvPicPr>
+            <a:picLocks noChangeAspect="1"/>
+          </p:cNvPicPr>
+          <p:nvPr/>
+        </p:nvPicPr>
+        <p:blipFill>
+          <a:blip r:embed="rId4"/>
+          <a:stretch>
+            <a:fillRect/>
+          </a:stretch>
+        </p:blipFill>
+        <p:spPr>
+          <a:xfrm>
+            <a:off x="645885" y="1167809"/>
+            <a:ext cx="5151923" cy="2370700"/>
+          </a:xfrm>
+          <a:prstGeom prst="rect">
+            <a:avLst/>
+          </a:prstGeom>
+        </p:spPr>
+      </p:pic>
+      <p:pic>
+        <p:nvPicPr>
+          <p:cNvPr id="5" name="Picture 4">
+            <a:extLst>
+              <a:ext uri="{FF2B5EF4-FFF2-40B4-BE49-F238E27FC236}">
+                <a16:creationId xmlns:a16="http://schemas.microsoft.com/office/drawing/2014/main" id="{9DA734C7-4074-F69E-19A2-154F9FAD2D67}"/>
+              </a:ext>
+            </a:extLst>
+          </p:cNvPr>
+          <p:cNvPicPr>
+            <a:picLocks noChangeAspect="1"/>
+          </p:cNvPicPr>
+          <p:nvPr/>
+        </p:nvPicPr>
+        <p:blipFill>
+          <a:blip r:embed="rId5"/>
+          <a:stretch>
+            <a:fillRect/>
+          </a:stretch>
+        </p:blipFill>
+        <p:spPr>
+          <a:xfrm>
+            <a:off x="5797808" y="3361027"/>
+            <a:ext cx="6231147" cy="2881455"/>
+          </a:xfrm>
+          <a:prstGeom prst="rect">
+            <a:avLst/>
+          </a:prstGeom>
+        </p:spPr>
+      </p:pic>
     </p:spTree>
     <p:extLst>
       <p:ext uri="{BB962C8B-B14F-4D97-AF65-F5344CB8AC3E}">
@@ -49196,26 +49256,6 @@
 </file>
 
 <file path=customXml/item1.xml><?xml version="1.0" encoding="utf-8"?>
-<?mso-contentType ?>
-<FormTemplates xmlns="http://schemas.microsoft.com/sharepoint/v3/contenttype/forms">
-  <Display>DocumentLibraryForm</Display>
-  <Edit>DocumentLibraryForm</Edit>
-  <New>DocumentLibraryForm</New>
-</FormTemplates>
-</file>
-
-<file path=customXml/item2.xml><?xml version="1.0" encoding="utf-8"?>
-<p:properties xmlns:p="http://schemas.microsoft.com/office/2006/metadata/properties" xmlns:xsi="http://www.w3.org/2001/XMLSchema-instance" xmlns:pc="http://schemas.microsoft.com/office/infopath/2007/PartnerControls">
-  <documentManagement>
-    <TaxCatchAll xmlns="f1dfd687-ce92-41e8-800b-11e03cd3205f" xsi:nil="true"/>
-    <lcf76f155ced4ddcb4097134ff3c332f xmlns="cc32ea10-24d7-4ab8-908a-92053f695cd3">
-      <Terms xmlns="http://schemas.microsoft.com/office/infopath/2007/PartnerControls"/>
-    </lcf76f155ced4ddcb4097134ff3c332f>
-  </documentManagement>
-</p:properties>
-</file>
-
-<file path=customXml/item3.xml><?xml version="1.0" encoding="utf-8"?>
 <ct:contentTypeSchema xmlns:ct="http://schemas.microsoft.com/office/2006/metadata/contentType" xmlns:ma="http://schemas.microsoft.com/office/2006/metadata/properties/metaAttributes" ct:_="" ma:_="" ma:contentTypeName="Dokument" ma:contentTypeID="0x010100C4838B074BD1B64DBED77476FBBDC7EA" ma:contentTypeVersion="17" ma:contentTypeDescription="Utwórz nowy dokument." ma:contentTypeScope="" ma:versionID="cbf6b59ea7392e6dbe586db489f913d4">
   <xsd:schema xmlns:xsd="http://www.w3.org/2001/XMLSchema" xmlns:xs="http://www.w3.org/2001/XMLSchema" xmlns:p="http://schemas.microsoft.com/office/2006/metadata/properties" xmlns:ns2="cc32ea10-24d7-4ab8-908a-92053f695cd3" xmlns:ns3="f1dfd687-ce92-41e8-800b-11e03cd3205f" targetNamespace="http://schemas.microsoft.com/office/2006/metadata/properties" ma:root="true" ma:fieldsID="e5692fda7e188aff76fcb9dc144534c7" ns2:_="" ns3:_="">
     <xsd:import namespace="cc32ea10-24d7-4ab8-908a-92053f695cd3"/>
@@ -49464,10 +49504,41 @@
 </ct:contentTypeSchema>
 </file>
 
+<file path=customXml/item2.xml><?xml version="1.0" encoding="utf-8"?>
+<p:properties xmlns:p="http://schemas.microsoft.com/office/2006/metadata/properties" xmlns:xsi="http://www.w3.org/2001/XMLSchema-instance" xmlns:pc="http://schemas.microsoft.com/office/infopath/2007/PartnerControls">
+  <documentManagement>
+    <TaxCatchAll xmlns="f1dfd687-ce92-41e8-800b-11e03cd3205f" xsi:nil="true"/>
+    <lcf76f155ced4ddcb4097134ff3c332f xmlns="cc32ea10-24d7-4ab8-908a-92053f695cd3">
+      <Terms xmlns="http://schemas.microsoft.com/office/infopath/2007/PartnerControls"/>
+    </lcf76f155ced4ddcb4097134ff3c332f>
+  </documentManagement>
+</p:properties>
+</file>
+
+<file path=customXml/item3.xml><?xml version="1.0" encoding="utf-8"?>
+<?mso-contentType ?>
+<FormTemplates xmlns="http://schemas.microsoft.com/sharepoint/v3/contenttype/forms">
+  <Display>DocumentLibraryForm</Display>
+  <Edit>DocumentLibraryForm</Edit>
+  <New>DocumentLibraryForm</New>
+</FormTemplates>
+</file>
+
 <file path=customXml/itemProps1.xml><?xml version="1.0" encoding="utf-8"?>
-<ds:datastoreItem xmlns:ds="http://schemas.openxmlformats.org/officeDocument/2006/customXml" ds:itemID="{E3C0B90A-C52C-44A3-8B28-1EFDD964602C}">
+<ds:datastoreItem xmlns:ds="http://schemas.openxmlformats.org/officeDocument/2006/customXml" ds:itemID="{546D4109-F318-4341-81BE-A5CA2C3F0C29}">
   <ds:schemaRefs>
-    <ds:schemaRef ds:uri="http://schemas.microsoft.com/sharepoint/v3/contenttype/forms"/>
+    <ds:schemaRef ds:uri="http://schemas.microsoft.com/office/2006/metadata/contentType"/>
+    <ds:schemaRef ds:uri="http://schemas.microsoft.com/office/2006/metadata/properties/metaAttributes"/>
+    <ds:schemaRef ds:uri="http://www.w3.org/2001/XMLSchema"/>
+    <ds:schemaRef ds:uri="http://schemas.microsoft.com/office/2006/metadata/properties"/>
+    <ds:schemaRef ds:uri="cc32ea10-24d7-4ab8-908a-92053f695cd3"/>
+    <ds:schemaRef ds:uri="f1dfd687-ce92-41e8-800b-11e03cd3205f"/>
+    <ds:schemaRef ds:uri="http://schemas.microsoft.com/office/2006/documentManagement/types"/>
+    <ds:schemaRef ds:uri="http://schemas.microsoft.com/office/infopath/2007/PartnerControls"/>
+    <ds:schemaRef ds:uri="http://schemas.openxmlformats.org/package/2006/metadata/core-properties"/>
+    <ds:schemaRef ds:uri="http://purl.org/dc/elements/1.1/"/>
+    <ds:schemaRef ds:uri="http://purl.org/dc/terms/"/>
+    <ds:schemaRef ds:uri="http://schemas.microsoft.com/internal/obd"/>
   </ds:schemaRefs>
 </ds:datastoreItem>
 </file>
@@ -49493,20 +49564,9 @@
 </file>
 
 <file path=customXml/itemProps3.xml><?xml version="1.0" encoding="utf-8"?>
-<ds:datastoreItem xmlns:ds="http://schemas.openxmlformats.org/officeDocument/2006/customXml" ds:itemID="{546D4109-F318-4341-81BE-A5CA2C3F0C29}">
+<ds:datastoreItem xmlns:ds="http://schemas.openxmlformats.org/officeDocument/2006/customXml" ds:itemID="{E3C0B90A-C52C-44A3-8B28-1EFDD964602C}">
   <ds:schemaRefs>
-    <ds:schemaRef ds:uri="http://schemas.microsoft.com/office/2006/metadata/contentType"/>
-    <ds:schemaRef ds:uri="http://schemas.microsoft.com/office/2006/metadata/properties/metaAttributes"/>
-    <ds:schemaRef ds:uri="http://www.w3.org/2001/XMLSchema"/>
-    <ds:schemaRef ds:uri="http://schemas.microsoft.com/office/2006/metadata/properties"/>
-    <ds:schemaRef ds:uri="cc32ea10-24d7-4ab8-908a-92053f695cd3"/>
-    <ds:schemaRef ds:uri="f1dfd687-ce92-41e8-800b-11e03cd3205f"/>
-    <ds:schemaRef ds:uri="http://schemas.microsoft.com/office/2006/documentManagement/types"/>
-    <ds:schemaRef ds:uri="http://schemas.microsoft.com/office/infopath/2007/PartnerControls"/>
-    <ds:schemaRef ds:uri="http://schemas.openxmlformats.org/package/2006/metadata/core-properties"/>
-    <ds:schemaRef ds:uri="http://purl.org/dc/elements/1.1/"/>
-    <ds:schemaRef ds:uri="http://purl.org/dc/terms/"/>
-    <ds:schemaRef ds:uri="http://schemas.microsoft.com/internal/obd"/>
+    <ds:schemaRef ds:uri="http://schemas.microsoft.com/sharepoint/v3/contenttype/forms"/>
   </ds:schemaRefs>
 </ds:datastoreItem>
 </file>
--- a/6. Docs/Bartosz_Reszka_Piwowarski_Prezentacja.pptx
+++ b/6. Docs/Bartosz_Reszka_Piwowarski_Prezentacja.pptx
@@ -328,7 +328,7 @@
           <a:p>
             <a:fld id="{2593D5D9-7C3B-40F9-9AB8-DDFAEE6819C1}" type="datetimeFigureOut">
               <a:rPr lang="pl-PL" smtClean="0"/>
-              <a:t>30.05.2024</a:t>
+              <a:t>03.06.2024</a:t>
             </a:fld>
             <a:endParaRPr lang="pl-PL"/>
           </a:p>
@@ -486,7 +486,7 @@
           <a:p>
             <a:fld id="{928FF68F-06B8-46C0-BF33-1B7AE6637A56}" type="slidenum">
               <a:rPr lang="pl-PL" smtClean="0"/>
-              <a:t>‹#›</a:t>
+              <a:t>‹Nr.›</a:t>
             </a:fld>
             <a:endParaRPr lang="pl-PL"/>
           </a:p>
@@ -3984,7 +3984,7 @@
             <a:fld id="{00000000-1234-1234-1234-123412341234}" type="slidenum">
               <a:rPr lang="pl-PL" smtClean="0"/>
               <a:pPr/>
-              <a:t>‹#›</a:t>
+              <a:t>‹Nr.›</a:t>
             </a:fld>
             <a:endParaRPr lang="pl-PL"/>
           </a:p>
@@ -5150,7 +5150,7 @@
             <a:fld id="{00000000-1234-1234-1234-123412341234}" type="slidenum">
               <a:rPr lang="pl-PL" smtClean="0"/>
               <a:pPr/>
-              <a:t>‹#›</a:t>
+              <a:t>‹Nr.›</a:t>
             </a:fld>
             <a:endParaRPr lang="pl-PL"/>
           </a:p>
@@ -6805,7 +6805,7 @@
             <a:fld id="{00000000-1234-1234-1234-123412341234}" type="slidenum">
               <a:rPr lang="pl-PL" smtClean="0"/>
               <a:pPr/>
-              <a:t>‹#›</a:t>
+              <a:t>‹Nr.›</a:t>
             </a:fld>
             <a:endParaRPr lang="pl-PL"/>
           </a:p>
@@ -7691,7 +7691,7 @@
             <a:fld id="{00000000-1234-1234-1234-123412341234}" type="slidenum">
               <a:rPr lang="pl-PL" smtClean="0"/>
               <a:pPr/>
-              <a:t>‹#›</a:t>
+              <a:t>‹Nr.›</a:t>
             </a:fld>
             <a:endParaRPr lang="pl-PL"/>
           </a:p>
@@ -8507,7 +8507,7 @@
             <a:fld id="{00000000-1234-1234-1234-123412341234}" type="slidenum">
               <a:rPr lang="pl-PL" smtClean="0"/>
               <a:pPr/>
-              <a:t>‹#›</a:t>
+              <a:t>‹Nr.›</a:t>
             </a:fld>
             <a:endParaRPr lang="pl-PL"/>
           </a:p>
@@ -9617,7 +9617,7 @@
             <a:fld id="{00000000-1234-1234-1234-123412341234}" type="slidenum">
               <a:rPr lang="pl-PL" smtClean="0"/>
               <a:pPr/>
-              <a:t>‹#›</a:t>
+              <a:t>‹Nr.›</a:t>
             </a:fld>
             <a:endParaRPr lang="pl-PL"/>
           </a:p>
@@ -11051,7 +11051,7 @@
             <a:fld id="{00000000-1234-1234-1234-123412341234}" type="slidenum">
               <a:rPr lang="pl-PL" smtClean="0"/>
               <a:pPr/>
-              <a:t>‹#›</a:t>
+              <a:t>‹Nr.›</a:t>
             </a:fld>
             <a:endParaRPr lang="pl-PL"/>
           </a:p>
@@ -12337,7 +12337,7 @@
             <a:fld id="{00000000-1234-1234-1234-123412341234}" type="slidenum">
               <a:rPr lang="pl-PL" smtClean="0"/>
               <a:pPr/>
-              <a:t>‹#›</a:t>
+              <a:t>‹Nr.›</a:t>
             </a:fld>
             <a:endParaRPr lang="pl-PL"/>
           </a:p>
@@ -14133,7 +14133,7 @@
             <a:fld id="{00000000-1234-1234-1234-123412341234}" type="slidenum">
               <a:rPr lang="pl-PL" smtClean="0"/>
               <a:pPr/>
-              <a:t>‹#›</a:t>
+              <a:t>‹Nr.›</a:t>
             </a:fld>
             <a:endParaRPr lang="pl-PL"/>
           </a:p>
@@ -16223,7 +16223,7 @@
             <a:fld id="{00000000-1234-1234-1234-123412341234}" type="slidenum">
               <a:rPr lang="pl-PL" smtClean="0"/>
               <a:pPr/>
-              <a:t>‹#›</a:t>
+              <a:t>‹Nr.›</a:t>
             </a:fld>
             <a:endParaRPr lang="pl-PL"/>
           </a:p>
@@ -18071,7 +18071,7 @@
             <a:fld id="{00000000-1234-1234-1234-123412341234}" type="slidenum">
               <a:rPr lang="pl-PL" smtClean="0"/>
               <a:pPr/>
-              <a:t>‹#›</a:t>
+              <a:t>‹Nr.›</a:t>
             </a:fld>
             <a:endParaRPr lang="pl-PL"/>
           </a:p>
@@ -19625,7 +19625,7 @@
             <a:fld id="{00000000-1234-1234-1234-123412341234}" type="slidenum">
               <a:rPr lang="pl-PL" smtClean="0"/>
               <a:pPr/>
-              <a:t>‹#›</a:t>
+              <a:t>‹Nr.›</a:t>
             </a:fld>
             <a:endParaRPr lang="pl-PL"/>
           </a:p>
@@ -21179,7 +21179,7 @@
             <a:fld id="{00000000-1234-1234-1234-123412341234}" type="slidenum">
               <a:rPr lang="pl-PL" smtClean="0"/>
               <a:pPr/>
-              <a:t>‹#›</a:t>
+              <a:t>‹Nr.›</a:t>
             </a:fld>
             <a:endParaRPr lang="pl-PL"/>
           </a:p>
@@ -22922,7 +22922,7 @@
             <a:fld id="{00000000-1234-1234-1234-123412341234}" type="slidenum">
               <a:rPr lang="pl-PL" smtClean="0"/>
               <a:pPr/>
-              <a:t>‹#›</a:t>
+              <a:t>‹Nr.›</a:t>
             </a:fld>
             <a:endParaRPr lang="pl-PL"/>
           </a:p>
@@ -24062,7 +24062,7 @@
             <a:fld id="{00000000-1234-1234-1234-123412341234}" type="slidenum">
               <a:rPr lang="pl-PL" smtClean="0"/>
               <a:pPr/>
-              <a:t>‹#›</a:t>
+              <a:t>‹Nr.›</a:t>
             </a:fld>
             <a:endParaRPr lang="pl-PL"/>
           </a:p>
@@ -25788,7 +25788,7 @@
             <a:fld id="{00000000-1234-1234-1234-123412341234}" type="slidenum">
               <a:rPr lang="pl-PL" smtClean="0"/>
               <a:pPr/>
-              <a:t>‹#›</a:t>
+              <a:t>‹Nr.›</a:t>
             </a:fld>
             <a:endParaRPr lang="pl-PL"/>
           </a:p>
@@ -36190,7 +36190,7 @@
         </p:blipFill>
         <p:spPr>
           <a:xfrm>
-            <a:off x="5797808" y="3361027"/>
+            <a:off x="5569779" y="3098396"/>
             <a:ext cx="6231147" cy="2881455"/>
           </a:xfrm>
           <a:prstGeom prst="rect">
@@ -49256,6 +49256,26 @@
 </file>
 
 <file path=customXml/item1.xml><?xml version="1.0" encoding="utf-8"?>
+<?mso-contentType ?>
+<FormTemplates xmlns="http://schemas.microsoft.com/sharepoint/v3/contenttype/forms">
+  <Display>DocumentLibraryForm</Display>
+  <Edit>DocumentLibraryForm</Edit>
+  <New>DocumentLibraryForm</New>
+</FormTemplates>
+</file>
+
+<file path=customXml/item2.xml><?xml version="1.0" encoding="utf-8"?>
+<p:properties xmlns:p="http://schemas.microsoft.com/office/2006/metadata/properties" xmlns:xsi="http://www.w3.org/2001/XMLSchema-instance" xmlns:pc="http://schemas.microsoft.com/office/infopath/2007/PartnerControls">
+  <documentManagement>
+    <TaxCatchAll xmlns="f1dfd687-ce92-41e8-800b-11e03cd3205f" xsi:nil="true"/>
+    <lcf76f155ced4ddcb4097134ff3c332f xmlns="cc32ea10-24d7-4ab8-908a-92053f695cd3">
+      <Terms xmlns="http://schemas.microsoft.com/office/infopath/2007/PartnerControls"/>
+    </lcf76f155ced4ddcb4097134ff3c332f>
+  </documentManagement>
+</p:properties>
+</file>
+
+<file path=customXml/item3.xml><?xml version="1.0" encoding="utf-8"?>
 <ct:contentTypeSchema xmlns:ct="http://schemas.microsoft.com/office/2006/metadata/contentType" xmlns:ma="http://schemas.microsoft.com/office/2006/metadata/properties/metaAttributes" ct:_="" ma:_="" ma:contentTypeName="Dokument" ma:contentTypeID="0x010100C4838B074BD1B64DBED77476FBBDC7EA" ma:contentTypeVersion="17" ma:contentTypeDescription="Utwórz nowy dokument." ma:contentTypeScope="" ma:versionID="cbf6b59ea7392e6dbe586db489f913d4">
   <xsd:schema xmlns:xsd="http://www.w3.org/2001/XMLSchema" xmlns:xs="http://www.w3.org/2001/XMLSchema" xmlns:p="http://schemas.microsoft.com/office/2006/metadata/properties" xmlns:ns2="cc32ea10-24d7-4ab8-908a-92053f695cd3" xmlns:ns3="f1dfd687-ce92-41e8-800b-11e03cd3205f" targetNamespace="http://schemas.microsoft.com/office/2006/metadata/properties" ma:root="true" ma:fieldsID="e5692fda7e188aff76fcb9dc144534c7" ns2:_="" ns3:_="">
     <xsd:import namespace="cc32ea10-24d7-4ab8-908a-92053f695cd3"/>
@@ -49504,41 +49524,10 @@
 </ct:contentTypeSchema>
 </file>
 
-<file path=customXml/item2.xml><?xml version="1.0" encoding="utf-8"?>
-<p:properties xmlns:p="http://schemas.microsoft.com/office/2006/metadata/properties" xmlns:xsi="http://www.w3.org/2001/XMLSchema-instance" xmlns:pc="http://schemas.microsoft.com/office/infopath/2007/PartnerControls">
-  <documentManagement>
-    <TaxCatchAll xmlns="f1dfd687-ce92-41e8-800b-11e03cd3205f" xsi:nil="true"/>
-    <lcf76f155ced4ddcb4097134ff3c332f xmlns="cc32ea10-24d7-4ab8-908a-92053f695cd3">
-      <Terms xmlns="http://schemas.microsoft.com/office/infopath/2007/PartnerControls"/>
-    </lcf76f155ced4ddcb4097134ff3c332f>
-  </documentManagement>
-</p:properties>
-</file>
-
-<file path=customXml/item3.xml><?xml version="1.0" encoding="utf-8"?>
-<?mso-contentType ?>
-<FormTemplates xmlns="http://schemas.microsoft.com/sharepoint/v3/contenttype/forms">
-  <Display>DocumentLibraryForm</Display>
-  <Edit>DocumentLibraryForm</Edit>
-  <New>DocumentLibraryForm</New>
-</FormTemplates>
-</file>
-
 <file path=customXml/itemProps1.xml><?xml version="1.0" encoding="utf-8"?>
-<ds:datastoreItem xmlns:ds="http://schemas.openxmlformats.org/officeDocument/2006/customXml" ds:itemID="{546D4109-F318-4341-81BE-A5CA2C3F0C29}">
+<ds:datastoreItem xmlns:ds="http://schemas.openxmlformats.org/officeDocument/2006/customXml" ds:itemID="{E3C0B90A-C52C-44A3-8B28-1EFDD964602C}">
   <ds:schemaRefs>
-    <ds:schemaRef ds:uri="http://schemas.microsoft.com/office/2006/metadata/contentType"/>
-    <ds:schemaRef ds:uri="http://schemas.microsoft.com/office/2006/metadata/properties/metaAttributes"/>
-    <ds:schemaRef ds:uri="http://www.w3.org/2001/XMLSchema"/>
-    <ds:schemaRef ds:uri="http://schemas.microsoft.com/office/2006/metadata/properties"/>
-    <ds:schemaRef ds:uri="cc32ea10-24d7-4ab8-908a-92053f695cd3"/>
-    <ds:schemaRef ds:uri="f1dfd687-ce92-41e8-800b-11e03cd3205f"/>
-    <ds:schemaRef ds:uri="http://schemas.microsoft.com/office/2006/documentManagement/types"/>
-    <ds:schemaRef ds:uri="http://schemas.microsoft.com/office/infopath/2007/PartnerControls"/>
-    <ds:schemaRef ds:uri="http://schemas.openxmlformats.org/package/2006/metadata/core-properties"/>
-    <ds:schemaRef ds:uri="http://purl.org/dc/elements/1.1/"/>
-    <ds:schemaRef ds:uri="http://purl.org/dc/terms/"/>
-    <ds:schemaRef ds:uri="http://schemas.microsoft.com/internal/obd"/>
+    <ds:schemaRef ds:uri="http://schemas.microsoft.com/sharepoint/v3/contenttype/forms"/>
   </ds:schemaRefs>
 </ds:datastoreItem>
 </file>
@@ -49564,9 +49553,20 @@
 </file>
 
 <file path=customXml/itemProps3.xml><?xml version="1.0" encoding="utf-8"?>
-<ds:datastoreItem xmlns:ds="http://schemas.openxmlformats.org/officeDocument/2006/customXml" ds:itemID="{E3C0B90A-C52C-44A3-8B28-1EFDD964602C}">
+<ds:datastoreItem xmlns:ds="http://schemas.openxmlformats.org/officeDocument/2006/customXml" ds:itemID="{546D4109-F318-4341-81BE-A5CA2C3F0C29}">
   <ds:schemaRefs>
-    <ds:schemaRef ds:uri="http://schemas.microsoft.com/sharepoint/v3/contenttype/forms"/>
+    <ds:schemaRef ds:uri="http://schemas.microsoft.com/office/2006/metadata/contentType"/>
+    <ds:schemaRef ds:uri="http://schemas.microsoft.com/office/2006/metadata/properties/metaAttributes"/>
+    <ds:schemaRef ds:uri="http://www.w3.org/2001/XMLSchema"/>
+    <ds:schemaRef ds:uri="http://schemas.microsoft.com/office/2006/metadata/properties"/>
+    <ds:schemaRef ds:uri="cc32ea10-24d7-4ab8-908a-92053f695cd3"/>
+    <ds:schemaRef ds:uri="f1dfd687-ce92-41e8-800b-11e03cd3205f"/>
+    <ds:schemaRef ds:uri="http://schemas.microsoft.com/office/2006/documentManagement/types"/>
+    <ds:schemaRef ds:uri="http://schemas.microsoft.com/office/infopath/2007/PartnerControls"/>
+    <ds:schemaRef ds:uri="http://schemas.openxmlformats.org/package/2006/metadata/core-properties"/>
+    <ds:schemaRef ds:uri="http://purl.org/dc/elements/1.1/"/>
+    <ds:schemaRef ds:uri="http://purl.org/dc/terms/"/>
+    <ds:schemaRef ds:uri="http://schemas.microsoft.com/internal/obd"/>
   </ds:schemaRefs>
 </ds:datastoreItem>
 </file>
--- a/6. Docs/Bartosz_Reszka_Piwowarski_Prezentacja.pptx
+++ b/6. Docs/Bartosz_Reszka_Piwowarski_Prezentacja.pptx
@@ -5,7 +5,7 @@
     <p:sldMasterId id="2147483660" r:id="rId4"/>
   </p:sldMasterIdLst>
   <p:notesMasterIdLst>
-    <p:notesMasterId r:id="rId18"/>
+    <p:notesMasterId r:id="rId21"/>
   </p:notesMasterIdLst>
   <p:sldIdLst>
     <p:sldId id="256" r:id="rId5"/>
@@ -21,6 +21,9 @@
     <p:sldId id="4443" r:id="rId15"/>
     <p:sldId id="4445" r:id="rId16"/>
     <p:sldId id="4446" r:id="rId17"/>
+    <p:sldId id="4447" r:id="rId18"/>
+    <p:sldId id="4448" r:id="rId19"/>
+    <p:sldId id="4449" r:id="rId20"/>
   </p:sldIdLst>
   <p:sldSz cx="12192000" cy="6858000"/>
   <p:notesSz cx="6858000" cy="9144000"/>
@@ -1089,6 +1092,387 @@
     <p:extLst>
       <p:ext uri="{BB962C8B-B14F-4D97-AF65-F5344CB8AC3E}">
         <p14:creationId xmlns:p14="http://schemas.microsoft.com/office/powerpoint/2010/main" val="1093991501"/>
+      </p:ext>
+    </p:extLst>
+  </p:cSld>
+  <p:clrMapOvr>
+    <a:masterClrMapping/>
+  </p:clrMapOvr>
+</p:notes>
+</file>
+
+<file path=ppt/notesSlides/notesSlide13.xml><?xml version="1.0" encoding="utf-8"?>
+<p:notes xmlns:a="http://schemas.openxmlformats.org/drawingml/2006/main" xmlns:r="http://schemas.openxmlformats.org/officeDocument/2006/relationships" xmlns:p="http://schemas.openxmlformats.org/presentationml/2006/main" showMasterSp="0" showMasterPhAnim="0">
+  <p:cSld>
+    <p:spTree>
+      <p:nvGrpSpPr>
+        <p:cNvPr id="1" name="Shape 198"/>
+        <p:cNvGrpSpPr/>
+        <p:nvPr/>
+      </p:nvGrpSpPr>
+      <p:grpSpPr>
+        <a:xfrm>
+          <a:off x="0" y="0"/>
+          <a:ext cx="0" cy="0"/>
+          <a:chOff x="0" y="0"/>
+          <a:chExt cx="0" cy="0"/>
+        </a:xfrm>
+      </p:grpSpPr>
+      <p:sp>
+        <p:nvSpPr>
+          <p:cNvPr id="199" name="Google Shape;199;gafb9c603b2_0_26:notes"/>
+          <p:cNvSpPr txBox="1">
+            <a:spLocks noGrp="1"/>
+          </p:cNvSpPr>
+          <p:nvPr>
+            <p:ph type="body" idx="1"/>
+          </p:nvPr>
+        </p:nvSpPr>
+        <p:spPr>
+          <a:xfrm>
+            <a:off x="685800" y="4400550"/>
+            <a:ext cx="5486400" cy="3600600"/>
+          </a:xfrm>
+          <a:prstGeom prst="rect">
+            <a:avLst/>
+          </a:prstGeom>
+          <a:noFill/>
+          <a:ln>
+            <a:noFill/>
+          </a:ln>
+        </p:spPr>
+        <p:txBody>
+          <a:bodyPr spcFirstLastPara="1" wrap="square" lIns="91425" tIns="45700" rIns="91425" bIns="45700" anchor="t" anchorCtr="0">
+            <a:noAutofit/>
+          </a:bodyPr>
+          <a:lstStyle/>
+          <a:p>
+            <a:pPr marL="0" lvl="0" indent="0" algn="l" rtl="0">
+              <a:lnSpc>
+                <a:spcPct val="100000"/>
+              </a:lnSpc>
+              <a:spcBef>
+                <a:spcPts val="0"/>
+              </a:spcBef>
+              <a:spcAft>
+                <a:spcPts val="0"/>
+              </a:spcAft>
+              <a:buSzPts val="1400"/>
+              <a:buNone/>
+            </a:pPr>
+            <a:endParaRPr/>
+          </a:p>
+        </p:txBody>
+      </p:sp>
+      <p:sp>
+        <p:nvSpPr>
+          <p:cNvPr id="200" name="Google Shape;200;gafb9c603b2_0_26:notes"/>
+          <p:cNvSpPr>
+            <a:spLocks noGrp="1" noRot="1" noChangeAspect="1"/>
+          </p:cNvSpPr>
+          <p:nvPr>
+            <p:ph type="sldImg" idx="2"/>
+          </p:nvPr>
+        </p:nvSpPr>
+        <p:spPr>
+          <a:xfrm>
+            <a:off x="685800" y="1143000"/>
+            <a:ext cx="5486400" cy="3086100"/>
+          </a:xfrm>
+          <a:custGeom>
+            <a:avLst/>
+            <a:gdLst/>
+            <a:ahLst/>
+            <a:cxnLst/>
+            <a:rect l="l" t="t" r="r" b="b"/>
+            <a:pathLst>
+              <a:path w="120000" h="120000" extrusionOk="0">
+                <a:moveTo>
+                  <a:pt x="0" y="0"/>
+                </a:moveTo>
+                <a:lnTo>
+                  <a:pt x="120000" y="0"/>
+                </a:lnTo>
+                <a:lnTo>
+                  <a:pt x="120000" y="120000"/>
+                </a:lnTo>
+                <a:lnTo>
+                  <a:pt x="0" y="120000"/>
+                </a:lnTo>
+                <a:close/>
+              </a:path>
+            </a:pathLst>
+          </a:custGeom>
+          <a:noFill/>
+          <a:ln w="12700" cap="flat" cmpd="sng">
+            <a:solidFill>
+              <a:srgbClr val="000000"/>
+            </a:solidFill>
+            <a:prstDash val="solid"/>
+            <a:round/>
+            <a:headEnd type="none" w="sm" len="sm"/>
+            <a:tailEnd type="none" w="sm" len="sm"/>
+          </a:ln>
+        </p:spPr>
+      </p:sp>
+    </p:spTree>
+    <p:extLst>
+      <p:ext uri="{BB962C8B-B14F-4D97-AF65-F5344CB8AC3E}">
+        <p14:creationId xmlns:p14="http://schemas.microsoft.com/office/powerpoint/2010/main" val="776139908"/>
+      </p:ext>
+    </p:extLst>
+  </p:cSld>
+  <p:clrMapOvr>
+    <a:masterClrMapping/>
+  </p:clrMapOvr>
+</p:notes>
+</file>
+
+<file path=ppt/notesSlides/notesSlide14.xml><?xml version="1.0" encoding="utf-8"?>
+<p:notes xmlns:a="http://schemas.openxmlformats.org/drawingml/2006/main" xmlns:r="http://schemas.openxmlformats.org/officeDocument/2006/relationships" xmlns:p="http://schemas.openxmlformats.org/presentationml/2006/main" showMasterSp="0" showMasterPhAnim="0">
+  <p:cSld>
+    <p:spTree>
+      <p:nvGrpSpPr>
+        <p:cNvPr id="1" name="Shape 198"/>
+        <p:cNvGrpSpPr/>
+        <p:nvPr/>
+      </p:nvGrpSpPr>
+      <p:grpSpPr>
+        <a:xfrm>
+          <a:off x="0" y="0"/>
+          <a:ext cx="0" cy="0"/>
+          <a:chOff x="0" y="0"/>
+          <a:chExt cx="0" cy="0"/>
+        </a:xfrm>
+      </p:grpSpPr>
+      <p:sp>
+        <p:nvSpPr>
+          <p:cNvPr id="199" name="Google Shape;199;gafb9c603b2_0_26:notes"/>
+          <p:cNvSpPr txBox="1">
+            <a:spLocks noGrp="1"/>
+          </p:cNvSpPr>
+          <p:nvPr>
+            <p:ph type="body" idx="1"/>
+          </p:nvPr>
+        </p:nvSpPr>
+        <p:spPr>
+          <a:xfrm>
+            <a:off x="685800" y="4400550"/>
+            <a:ext cx="5486400" cy="3600600"/>
+          </a:xfrm>
+          <a:prstGeom prst="rect">
+            <a:avLst/>
+          </a:prstGeom>
+          <a:noFill/>
+          <a:ln>
+            <a:noFill/>
+          </a:ln>
+        </p:spPr>
+        <p:txBody>
+          <a:bodyPr spcFirstLastPara="1" wrap="square" lIns="91425" tIns="45700" rIns="91425" bIns="45700" anchor="t" anchorCtr="0">
+            <a:noAutofit/>
+          </a:bodyPr>
+          <a:lstStyle/>
+          <a:p>
+            <a:pPr marL="0" lvl="0" indent="0" algn="l" rtl="0">
+              <a:lnSpc>
+                <a:spcPct val="100000"/>
+              </a:lnSpc>
+              <a:spcBef>
+                <a:spcPts val="0"/>
+              </a:spcBef>
+              <a:spcAft>
+                <a:spcPts val="0"/>
+              </a:spcAft>
+              <a:buSzPts val="1400"/>
+              <a:buNone/>
+            </a:pPr>
+            <a:endParaRPr/>
+          </a:p>
+        </p:txBody>
+      </p:sp>
+      <p:sp>
+        <p:nvSpPr>
+          <p:cNvPr id="200" name="Google Shape;200;gafb9c603b2_0_26:notes"/>
+          <p:cNvSpPr>
+            <a:spLocks noGrp="1" noRot="1" noChangeAspect="1"/>
+          </p:cNvSpPr>
+          <p:nvPr>
+            <p:ph type="sldImg" idx="2"/>
+          </p:nvPr>
+        </p:nvSpPr>
+        <p:spPr>
+          <a:xfrm>
+            <a:off x="685800" y="1143000"/>
+            <a:ext cx="5486400" cy="3086100"/>
+          </a:xfrm>
+          <a:custGeom>
+            <a:avLst/>
+            <a:gdLst/>
+            <a:ahLst/>
+            <a:cxnLst/>
+            <a:rect l="l" t="t" r="r" b="b"/>
+            <a:pathLst>
+              <a:path w="120000" h="120000" extrusionOk="0">
+                <a:moveTo>
+                  <a:pt x="0" y="0"/>
+                </a:moveTo>
+                <a:lnTo>
+                  <a:pt x="120000" y="0"/>
+                </a:lnTo>
+                <a:lnTo>
+                  <a:pt x="120000" y="120000"/>
+                </a:lnTo>
+                <a:lnTo>
+                  <a:pt x="0" y="120000"/>
+                </a:lnTo>
+                <a:close/>
+              </a:path>
+            </a:pathLst>
+          </a:custGeom>
+          <a:noFill/>
+          <a:ln w="12700" cap="flat" cmpd="sng">
+            <a:solidFill>
+              <a:srgbClr val="000000"/>
+            </a:solidFill>
+            <a:prstDash val="solid"/>
+            <a:round/>
+            <a:headEnd type="none" w="sm" len="sm"/>
+            <a:tailEnd type="none" w="sm" len="sm"/>
+          </a:ln>
+        </p:spPr>
+      </p:sp>
+    </p:spTree>
+    <p:extLst>
+      <p:ext uri="{BB962C8B-B14F-4D97-AF65-F5344CB8AC3E}">
+        <p14:creationId xmlns:p14="http://schemas.microsoft.com/office/powerpoint/2010/main" val="2707601492"/>
+      </p:ext>
+    </p:extLst>
+  </p:cSld>
+  <p:clrMapOvr>
+    <a:masterClrMapping/>
+  </p:clrMapOvr>
+</p:notes>
+</file>
+
+<file path=ppt/notesSlides/notesSlide15.xml><?xml version="1.0" encoding="utf-8"?>
+<p:notes xmlns:a="http://schemas.openxmlformats.org/drawingml/2006/main" xmlns:r="http://schemas.openxmlformats.org/officeDocument/2006/relationships" xmlns:p="http://schemas.openxmlformats.org/presentationml/2006/main" showMasterSp="0" showMasterPhAnim="0">
+  <p:cSld>
+    <p:spTree>
+      <p:nvGrpSpPr>
+        <p:cNvPr id="1" name="Shape 198"/>
+        <p:cNvGrpSpPr/>
+        <p:nvPr/>
+      </p:nvGrpSpPr>
+      <p:grpSpPr>
+        <a:xfrm>
+          <a:off x="0" y="0"/>
+          <a:ext cx="0" cy="0"/>
+          <a:chOff x="0" y="0"/>
+          <a:chExt cx="0" cy="0"/>
+        </a:xfrm>
+      </p:grpSpPr>
+      <p:sp>
+        <p:nvSpPr>
+          <p:cNvPr id="199" name="Google Shape;199;gafb9c603b2_0_26:notes"/>
+          <p:cNvSpPr txBox="1">
+            <a:spLocks noGrp="1"/>
+          </p:cNvSpPr>
+          <p:nvPr>
+            <p:ph type="body" idx="1"/>
+          </p:nvPr>
+        </p:nvSpPr>
+        <p:spPr>
+          <a:xfrm>
+            <a:off x="685800" y="4400550"/>
+            <a:ext cx="5486400" cy="3600600"/>
+          </a:xfrm>
+          <a:prstGeom prst="rect">
+            <a:avLst/>
+          </a:prstGeom>
+          <a:noFill/>
+          <a:ln>
+            <a:noFill/>
+          </a:ln>
+        </p:spPr>
+        <p:txBody>
+          <a:bodyPr spcFirstLastPara="1" wrap="square" lIns="91425" tIns="45700" rIns="91425" bIns="45700" anchor="t" anchorCtr="0">
+            <a:noAutofit/>
+          </a:bodyPr>
+          <a:lstStyle/>
+          <a:p>
+            <a:pPr marL="0" lvl="0" indent="0" algn="l" rtl="0">
+              <a:lnSpc>
+                <a:spcPct val="100000"/>
+              </a:lnSpc>
+              <a:spcBef>
+                <a:spcPts val="0"/>
+              </a:spcBef>
+              <a:spcAft>
+                <a:spcPts val="0"/>
+              </a:spcAft>
+              <a:buSzPts val="1400"/>
+              <a:buNone/>
+            </a:pPr>
+            <a:endParaRPr/>
+          </a:p>
+        </p:txBody>
+      </p:sp>
+      <p:sp>
+        <p:nvSpPr>
+          <p:cNvPr id="200" name="Google Shape;200;gafb9c603b2_0_26:notes"/>
+          <p:cNvSpPr>
+            <a:spLocks noGrp="1" noRot="1" noChangeAspect="1"/>
+          </p:cNvSpPr>
+          <p:nvPr>
+            <p:ph type="sldImg" idx="2"/>
+          </p:nvPr>
+        </p:nvSpPr>
+        <p:spPr>
+          <a:xfrm>
+            <a:off x="685800" y="1143000"/>
+            <a:ext cx="5486400" cy="3086100"/>
+          </a:xfrm>
+          <a:custGeom>
+            <a:avLst/>
+            <a:gdLst/>
+            <a:ahLst/>
+            <a:cxnLst/>
+            <a:rect l="l" t="t" r="r" b="b"/>
+            <a:pathLst>
+              <a:path w="120000" h="120000" extrusionOk="0">
+                <a:moveTo>
+                  <a:pt x="0" y="0"/>
+                </a:moveTo>
+                <a:lnTo>
+                  <a:pt x="120000" y="0"/>
+                </a:lnTo>
+                <a:lnTo>
+                  <a:pt x="120000" y="120000"/>
+                </a:lnTo>
+                <a:lnTo>
+                  <a:pt x="0" y="120000"/>
+                </a:lnTo>
+                <a:close/>
+              </a:path>
+            </a:pathLst>
+          </a:custGeom>
+          <a:noFill/>
+          <a:ln w="12700" cap="flat" cmpd="sng">
+            <a:solidFill>
+              <a:srgbClr val="000000"/>
+            </a:solidFill>
+            <a:prstDash val="solid"/>
+            <a:round/>
+            <a:headEnd type="none" w="sm" len="sm"/>
+            <a:tailEnd type="none" w="sm" len="sm"/>
+          </a:ln>
+        </p:spPr>
+      </p:sp>
+    </p:spTree>
+    <p:extLst>
+      <p:ext uri="{BB962C8B-B14F-4D97-AF65-F5344CB8AC3E}">
+        <p14:creationId xmlns:p14="http://schemas.microsoft.com/office/powerpoint/2010/main" val="3829155582"/>
       </p:ext>
     </p:extLst>
   </p:cSld>
@@ -27184,7 +27568,7 @@
           <a:lstStyle/>
           <a:p>
             <a:r>
-              <a:rPr lang="pl-PL" sz="2900" dirty="0">
+              <a:rPr lang="de-DE" sz="2900" dirty="0">
                 <a:solidFill>
                   <a:srgbClr val="002C58"/>
                 </a:solidFill>
@@ -27192,7 +27576,18 @@
                 <a:ea typeface="+mn-ea"/>
                 <a:cs typeface="+mn-cs"/>
               </a:rPr>
-              <a:t>6. Notebooks - 0</a:t>
+              <a:t>8</a:t>
+            </a:r>
+            <a:r>
+              <a:rPr lang="pl-PL" sz="2900" dirty="0">
+                <a:solidFill>
+                  <a:srgbClr val="002C58"/>
+                </a:solidFill>
+                <a:latin typeface="Helvetica" pitchFamily="2" charset="0"/>
+                <a:ea typeface="+mn-ea"/>
+                <a:cs typeface="+mn-cs"/>
+              </a:rPr>
+              <a:t>. Notebooks - 0</a:t>
             </a:r>
             <a:r>
               <a:rPr lang="de-DE" sz="2900" dirty="0">
@@ -27567,7 +27962,7 @@
           <a:lstStyle/>
           <a:p>
             <a:r>
-              <a:rPr lang="pl-PL" sz="2900" dirty="0">
+              <a:rPr lang="de-DE" sz="2900" dirty="0">
                 <a:solidFill>
                   <a:srgbClr val="002C58"/>
                 </a:solidFill>
@@ -27575,7 +27970,18 @@
                 <a:ea typeface="+mn-ea"/>
                 <a:cs typeface="+mn-cs"/>
               </a:rPr>
-              <a:t>6. Notebooks - 0</a:t>
+              <a:t>9</a:t>
+            </a:r>
+            <a:r>
+              <a:rPr lang="pl-PL" sz="2900" dirty="0">
+                <a:solidFill>
+                  <a:srgbClr val="002C58"/>
+                </a:solidFill>
+                <a:latin typeface="Helvetica" pitchFamily="2" charset="0"/>
+                <a:ea typeface="+mn-ea"/>
+                <a:cs typeface="+mn-cs"/>
+              </a:rPr>
+              <a:t>. Notebooks - 0</a:t>
             </a:r>
             <a:r>
               <a:rPr lang="de-DE" sz="2900" dirty="0">
@@ -35683,7 +36089,7 @@
           <a:lstStyle/>
           <a:p>
             <a:r>
-              <a:rPr lang="pl-PL" sz="2900" dirty="0">
+              <a:rPr lang="de-DE" sz="2900" dirty="0">
                 <a:solidFill>
                   <a:srgbClr val="002C58"/>
                 </a:solidFill>
@@ -35691,7 +36097,18 @@
                 <a:ea typeface="+mn-ea"/>
                 <a:cs typeface="+mn-cs"/>
               </a:rPr>
-              <a:t>6. Notebooks - 0</a:t>
+              <a:t>10</a:t>
+            </a:r>
+            <a:r>
+              <a:rPr lang="pl-PL" sz="2900" dirty="0">
+                <a:solidFill>
+                  <a:srgbClr val="002C58"/>
+                </a:solidFill>
+                <a:latin typeface="Helvetica" pitchFamily="2" charset="0"/>
+                <a:ea typeface="+mn-ea"/>
+                <a:cs typeface="+mn-cs"/>
+              </a:rPr>
+              <a:t>. Notebooks - 0</a:t>
             </a:r>
             <a:r>
               <a:rPr lang="de-DE" sz="2900" dirty="0">
@@ -36024,7 +36441,7 @@
           <a:lstStyle/>
           <a:p>
             <a:r>
-              <a:rPr lang="pl-PL" sz="2900" dirty="0">
+              <a:rPr lang="de-DE" sz="2900" dirty="0">
                 <a:solidFill>
                   <a:srgbClr val="002C58"/>
                 </a:solidFill>
@@ -36032,7 +36449,18 @@
                 <a:ea typeface="+mn-ea"/>
                 <a:cs typeface="+mn-cs"/>
               </a:rPr>
-              <a:t>6. Notebooks - 0</a:t>
+              <a:t>11</a:t>
+            </a:r>
+            <a:r>
+              <a:rPr lang="pl-PL" sz="2900" dirty="0">
+                <a:solidFill>
+                  <a:srgbClr val="002C58"/>
+                </a:solidFill>
+                <a:latin typeface="Helvetica" pitchFamily="2" charset="0"/>
+                <a:ea typeface="+mn-ea"/>
+                <a:cs typeface="+mn-cs"/>
+              </a:rPr>
+              <a:t>. Notebooks - 0</a:t>
             </a:r>
             <a:r>
               <a:rPr lang="de-DE" sz="2900" dirty="0">
@@ -36125,7 +36553,31 @@
               <a:rPr lang="de-DE" sz="1200" b="1" dirty="0">
                 <a:latin typeface="Helvetica" pitchFamily="2" charset="0"/>
               </a:rPr>
-              <a:t> Dashboard:</a:t>
+              <a:t> Dashboard z </a:t>
+            </a:r>
+            <a:r>
+              <a:rPr lang="de-DE" sz="1200" b="1" dirty="0" err="1">
+                <a:latin typeface="Helvetica" pitchFamily="2" charset="0"/>
+              </a:rPr>
+              <a:t>danymi</a:t>
+            </a:r>
+            <a:r>
+              <a:rPr lang="de-DE" sz="1200" b="1" dirty="0">
+                <a:latin typeface="Helvetica" pitchFamily="2" charset="0"/>
+              </a:rPr>
+              <a:t> </a:t>
+            </a:r>
+            <a:r>
+              <a:rPr lang="de-DE" sz="1200" b="1" dirty="0" err="1">
+                <a:latin typeface="Helvetica" pitchFamily="2" charset="0"/>
+              </a:rPr>
+              <a:t>historycznymi</a:t>
+            </a:r>
+            <a:r>
+              <a:rPr lang="de-DE" sz="1200" b="1" dirty="0">
+                <a:latin typeface="Helvetica" pitchFamily="2" charset="0"/>
+              </a:rPr>
+              <a:t>:</a:t>
             </a:r>
             <a:endParaRPr lang="pl-PL" sz="1200" b="1" dirty="0">
               <a:latin typeface="Helvetica" pitchFamily="2" charset="0"/>
@@ -36202,6 +36654,1194 @@
     <p:extLst>
       <p:ext uri="{BB962C8B-B14F-4D97-AF65-F5344CB8AC3E}">
         <p14:creationId xmlns:p14="http://schemas.microsoft.com/office/powerpoint/2010/main" val="3625523323"/>
+      </p:ext>
+    </p:extLst>
+  </p:cSld>
+  <p:clrMapOvr>
+    <a:masterClrMapping/>
+  </p:clrMapOvr>
+</p:sld>
+</file>
+
+<file path=ppt/slides/slide14.xml><?xml version="1.0" encoding="utf-8"?>
+<p:sld xmlns:a="http://schemas.openxmlformats.org/drawingml/2006/main" xmlns:r="http://schemas.openxmlformats.org/officeDocument/2006/relationships" xmlns:p="http://schemas.openxmlformats.org/presentationml/2006/main">
+  <p:cSld>
+    <p:spTree>
+      <p:nvGrpSpPr>
+        <p:cNvPr id="1" name="Shape 201"/>
+        <p:cNvGrpSpPr/>
+        <p:nvPr/>
+      </p:nvGrpSpPr>
+      <p:grpSpPr>
+        <a:xfrm>
+          <a:off x="0" y="0"/>
+          <a:ext cx="0" cy="0"/>
+          <a:chOff x="0" y="0"/>
+          <a:chExt cx="0" cy="0"/>
+        </a:xfrm>
+      </p:grpSpPr>
+      <p:sp>
+        <p:nvSpPr>
+          <p:cNvPr id="203" name="Google Shape;203;p21"/>
+          <p:cNvSpPr txBox="1">
+            <a:spLocks noGrp="1"/>
+          </p:cNvSpPr>
+          <p:nvPr>
+            <p:ph type="sldNum" idx="12"/>
+          </p:nvPr>
+        </p:nvSpPr>
+        <p:spPr>
+          <a:xfrm>
+            <a:off x="10938505" y="6356351"/>
+            <a:ext cx="634392" cy="167647"/>
+          </a:xfrm>
+          <a:prstGeom prst="rect">
+            <a:avLst/>
+          </a:prstGeom>
+        </p:spPr>
+        <p:txBody>
+          <a:bodyPr spcFirstLastPara="1" wrap="square" lIns="0" tIns="0" rIns="0" bIns="0" anchor="t" anchorCtr="0">
+            <a:noAutofit/>
+          </a:bodyPr>
+          <a:lstStyle/>
+          <a:p>
+            <a:pPr defTabSz="829544"/>
+            <a:fld id="{00000000-1234-1234-1234-123412341234}" type="slidenum">
+              <a:rPr lang="pl-PL" kern="0">
+                <a:solidFill>
+                  <a:srgbClr val="002C58"/>
+                </a:solidFill>
+                <a:latin typeface="Helvetica" pitchFamily="2" charset="0"/>
+              </a:rPr>
+              <a:pPr defTabSz="829544"/>
+              <a:t>14</a:t>
+            </a:fld>
+            <a:endParaRPr kern="0" dirty="0">
+              <a:solidFill>
+                <a:srgbClr val="002C58"/>
+              </a:solidFill>
+              <a:latin typeface="Helvetica" pitchFamily="2" charset="0"/>
+            </a:endParaRPr>
+          </a:p>
+        </p:txBody>
+      </p:sp>
+      <p:sp>
+        <p:nvSpPr>
+          <p:cNvPr id="7" name="Tytuł 1">
+            <a:extLst>
+              <a:ext uri="{FF2B5EF4-FFF2-40B4-BE49-F238E27FC236}">
+                <a16:creationId xmlns:a16="http://schemas.microsoft.com/office/drawing/2014/main" id="{57C8B726-50E0-47F7-BBBC-54F1227BD140}"/>
+              </a:ext>
+            </a:extLst>
+          </p:cNvPr>
+          <p:cNvSpPr>
+            <a:spLocks noGrp="1"/>
+          </p:cNvSpPr>
+          <p:nvPr>
+            <p:ph type="title"/>
+          </p:nvPr>
+        </p:nvSpPr>
+        <p:spPr>
+          <a:xfrm>
+            <a:off x="645885" y="38348"/>
+            <a:ext cx="10459821" cy="447317"/>
+          </a:xfrm>
+        </p:spPr>
+        <p:txBody>
+          <a:bodyPr/>
+          <a:lstStyle/>
+          <a:p>
+            <a:r>
+              <a:rPr lang="de-DE" sz="2900" dirty="0">
+                <a:solidFill>
+                  <a:srgbClr val="002C58"/>
+                </a:solidFill>
+                <a:latin typeface="Helvetica" pitchFamily="2" charset="0"/>
+                <a:ea typeface="+mn-ea"/>
+                <a:cs typeface="+mn-cs"/>
+              </a:rPr>
+              <a:t>12</a:t>
+            </a:r>
+            <a:r>
+              <a:rPr lang="pl-PL" sz="2900" dirty="0">
+                <a:solidFill>
+                  <a:srgbClr val="002C58"/>
+                </a:solidFill>
+                <a:latin typeface="Helvetica" pitchFamily="2" charset="0"/>
+                <a:ea typeface="+mn-ea"/>
+                <a:cs typeface="+mn-cs"/>
+              </a:rPr>
+              <a:t>. Notebooks - 0</a:t>
+            </a:r>
+            <a:r>
+              <a:rPr lang="de-DE" sz="2900" dirty="0">
+                <a:solidFill>
+                  <a:srgbClr val="002C58"/>
+                </a:solidFill>
+                <a:latin typeface="Helvetica" pitchFamily="2" charset="0"/>
+                <a:ea typeface="+mn-ea"/>
+                <a:cs typeface="+mn-cs"/>
+              </a:rPr>
+              <a:t>5</a:t>
+            </a:r>
+            <a:endParaRPr lang="pl-PL" sz="2900" dirty="0">
+              <a:latin typeface="Helvetica" pitchFamily="2" charset="0"/>
+            </a:endParaRPr>
+          </a:p>
+        </p:txBody>
+      </p:sp>
+      <p:pic>
+        <p:nvPicPr>
+          <p:cNvPr id="10" name="Obraz 9">
+            <a:extLst>
+              <a:ext uri="{FF2B5EF4-FFF2-40B4-BE49-F238E27FC236}">
+                <a16:creationId xmlns:a16="http://schemas.microsoft.com/office/drawing/2014/main" id="{B3BE01A9-6CED-56B2-A9A8-C48A12685924}"/>
+              </a:ext>
+            </a:extLst>
+          </p:cNvPr>
+          <p:cNvPicPr>
+            <a:picLocks noChangeAspect="1"/>
+          </p:cNvPicPr>
+          <p:nvPr/>
+        </p:nvPicPr>
+        <p:blipFill>
+          <a:blip r:embed="rId3">
+            <a:extLst>
+              <a:ext uri="{28A0092B-C50C-407E-A947-70E740481C1C}">
+                <a14:useLocalDpi xmlns:a14="http://schemas.microsoft.com/office/drawing/2010/main" val="0"/>
+              </a:ext>
+            </a:extLst>
+          </a:blip>
+          <a:stretch>
+            <a:fillRect/>
+          </a:stretch>
+        </p:blipFill>
+        <p:spPr>
+          <a:xfrm>
+            <a:off x="464822" y="6242482"/>
+            <a:ext cx="4445000" cy="596900"/>
+          </a:xfrm>
+          <a:prstGeom prst="rect">
+            <a:avLst/>
+          </a:prstGeom>
+        </p:spPr>
+      </p:pic>
+      <p:sp>
+        <p:nvSpPr>
+          <p:cNvPr id="8" name="pole tekstowe 4">
+            <a:extLst>
+              <a:ext uri="{FF2B5EF4-FFF2-40B4-BE49-F238E27FC236}">
+                <a16:creationId xmlns:a16="http://schemas.microsoft.com/office/drawing/2014/main" id="{6769148D-16BA-DDF5-1159-3B9EAE4E4E0E}"/>
+              </a:ext>
+            </a:extLst>
+          </p:cNvPr>
+          <p:cNvSpPr txBox="1"/>
+          <p:nvPr/>
+        </p:nvSpPr>
+        <p:spPr>
+          <a:xfrm>
+            <a:off x="571615" y="878149"/>
+            <a:ext cx="5524385" cy="4154984"/>
+          </a:xfrm>
+          <a:prstGeom prst="rect">
+            <a:avLst/>
+          </a:prstGeom>
+          <a:noFill/>
+        </p:spPr>
+        <p:txBody>
+          <a:bodyPr wrap="square" rtlCol="0">
+            <a:spAutoFit/>
+          </a:bodyPr>
+          <a:lstStyle/>
+          <a:p>
+            <a:r>
+              <a:rPr lang="pl-PL" sz="1200" b="1" dirty="0">
+                <a:latin typeface="Helvetica" pitchFamily="2" charset="0"/>
+              </a:rPr>
+              <a:t>Przewidywanie Produkcji Energii Słonecznej: Analiza i Modelowanie</a:t>
+            </a:r>
+          </a:p>
+          <a:p>
+            <a:endParaRPr lang="pl-PL" sz="1200" dirty="0">
+              <a:latin typeface="Helvetica" pitchFamily="2" charset="0"/>
+            </a:endParaRPr>
+          </a:p>
+          <a:p>
+            <a:r>
+              <a:rPr lang="pl-PL" sz="1200" dirty="0">
+                <a:latin typeface="Helvetica" pitchFamily="2" charset="0"/>
+              </a:rPr>
+              <a:t>Ten notebook dokumentuje proces przygotowania danych, analizy i modelowania w celu przewidywania produkcji energii słonecznej na przyszłe lata. Kroki wykonane w tym notebooku obejmują:</a:t>
+            </a:r>
+          </a:p>
+          <a:p>
+            <a:endParaRPr lang="pl-PL" sz="1200" dirty="0">
+              <a:latin typeface="Helvetica" pitchFamily="2" charset="0"/>
+            </a:endParaRPr>
+          </a:p>
+          <a:p>
+            <a:pPr marL="228600" indent="-228600">
+              <a:buFont typeface="+mj-lt"/>
+              <a:buAutoNum type="arabicPeriod"/>
+            </a:pPr>
+            <a:r>
+              <a:rPr lang="pl-PL" sz="1200" dirty="0">
+                <a:latin typeface="Helvetica" pitchFamily="2" charset="0"/>
+              </a:rPr>
+              <a:t>Wczytanie i wstępna analiza danych: Załadowanie danych z pliku CSV, sprawdzenie typów danych, brakujących wartości oraz podstawowych statystyk.</a:t>
+            </a:r>
+            <a:endParaRPr lang="de-DE" sz="1200" dirty="0">
+              <a:latin typeface="Helvetica" pitchFamily="2" charset="0"/>
+            </a:endParaRPr>
+          </a:p>
+          <a:p>
+            <a:pPr marL="228600" indent="-228600">
+              <a:buFont typeface="+mj-lt"/>
+              <a:buAutoNum type="arabicPeriod"/>
+            </a:pPr>
+            <a:endParaRPr lang="pl-PL" sz="1200" dirty="0">
+              <a:latin typeface="Helvetica" pitchFamily="2" charset="0"/>
+            </a:endParaRPr>
+          </a:p>
+          <a:p>
+            <a:pPr marL="228600" indent="-228600">
+              <a:buFont typeface="+mj-lt"/>
+              <a:buAutoNum type="arabicPeriod"/>
+            </a:pPr>
+            <a:r>
+              <a:rPr lang="pl-PL" sz="1200" dirty="0">
+                <a:latin typeface="Helvetica" pitchFamily="2" charset="0"/>
+              </a:rPr>
+              <a:t>Analiza korelacji cech: Przeprowadzenie analizy korelacji, aby zidentyfikować zmienne najbardziej związane z produkcją energii, co pomoże w wyborze cech do modelowania.</a:t>
+            </a:r>
+            <a:endParaRPr lang="de-DE" sz="1200" dirty="0">
+              <a:latin typeface="Helvetica" pitchFamily="2" charset="0"/>
+            </a:endParaRPr>
+          </a:p>
+          <a:p>
+            <a:pPr marL="228600" indent="-228600">
+              <a:buFont typeface="+mj-lt"/>
+              <a:buAutoNum type="arabicPeriod"/>
+            </a:pPr>
+            <a:endParaRPr lang="pl-PL" sz="1200" dirty="0">
+              <a:latin typeface="Helvetica" pitchFamily="2" charset="0"/>
+            </a:endParaRPr>
+          </a:p>
+          <a:p>
+            <a:pPr marL="228600" indent="-228600">
+              <a:buFont typeface="+mj-lt"/>
+              <a:buAutoNum type="arabicPeriod"/>
+            </a:pPr>
+            <a:r>
+              <a:rPr lang="pl-PL" sz="1200" dirty="0">
+                <a:latin typeface="Helvetica" pitchFamily="2" charset="0"/>
+              </a:rPr>
+              <a:t>Wybór modeli i cech: Na podstawie analizy korelacji wybór odpowiednich cech i przygotowanie danych do modelowania.</a:t>
+            </a:r>
+            <a:endParaRPr lang="de-DE" sz="1200" dirty="0">
+              <a:latin typeface="Helvetica" pitchFamily="2" charset="0"/>
+            </a:endParaRPr>
+          </a:p>
+          <a:p>
+            <a:pPr marL="685800" lvl="1" indent="-228600">
+              <a:buFont typeface="Arial" panose="020B0604020202020204" pitchFamily="34" charset="0"/>
+              <a:buChar char="•"/>
+            </a:pPr>
+            <a:r>
+              <a:rPr lang="de-DE" sz="1200" dirty="0">
+                <a:latin typeface="Helvetica" pitchFamily="2" charset="0"/>
+              </a:rPr>
+              <a:t>Modele </a:t>
+            </a:r>
+            <a:r>
+              <a:rPr lang="de-DE" sz="1200" dirty="0" err="1">
+                <a:latin typeface="Helvetica" pitchFamily="2" charset="0"/>
+              </a:rPr>
+              <a:t>wykorzystane</a:t>
+            </a:r>
+            <a:r>
+              <a:rPr lang="de-DE" sz="1200" dirty="0">
+                <a:latin typeface="Helvetica" pitchFamily="2" charset="0"/>
+              </a:rPr>
+              <a:t> na </a:t>
+            </a:r>
+            <a:r>
+              <a:rPr lang="de-DE" sz="1200" dirty="0" err="1">
+                <a:latin typeface="Helvetica" pitchFamily="2" charset="0"/>
+              </a:rPr>
+              <a:t>potrzeby</a:t>
+            </a:r>
+            <a:r>
+              <a:rPr lang="de-DE" sz="1200" dirty="0">
+                <a:latin typeface="Helvetica" pitchFamily="2" charset="0"/>
+              </a:rPr>
+              <a:t> </a:t>
+            </a:r>
+            <a:r>
+              <a:rPr lang="de-DE" sz="1200" dirty="0" err="1">
+                <a:latin typeface="Helvetica" pitchFamily="2" charset="0"/>
+              </a:rPr>
+              <a:t>tego</a:t>
+            </a:r>
+            <a:r>
+              <a:rPr lang="de-DE" sz="1200" dirty="0">
+                <a:latin typeface="Helvetica" pitchFamily="2" charset="0"/>
+              </a:rPr>
+              <a:t> </a:t>
+            </a:r>
+            <a:r>
+              <a:rPr lang="de-DE" sz="1200" dirty="0" err="1">
+                <a:latin typeface="Helvetica" pitchFamily="2" charset="0"/>
+              </a:rPr>
+              <a:t>proejktu</a:t>
+            </a:r>
+            <a:r>
+              <a:rPr lang="de-DE" sz="1200" dirty="0">
+                <a:latin typeface="Helvetica" pitchFamily="2" charset="0"/>
+              </a:rPr>
+              <a:t>:</a:t>
+            </a:r>
+          </a:p>
+          <a:p>
+            <a:pPr marL="1085850" lvl="2" indent="-171450">
+              <a:buFont typeface="Courier New" panose="02070309020205020404" pitchFamily="49" charset="0"/>
+              <a:buChar char="o"/>
+            </a:pPr>
+            <a:r>
+              <a:rPr lang="pl-PL" sz="1200" dirty="0">
+                <a:latin typeface="Helvetica" pitchFamily="2" charset="0"/>
+              </a:rPr>
+              <a:t>Regresja liniowa</a:t>
+            </a:r>
+            <a:endParaRPr lang="de-DE" sz="1200" dirty="0">
+              <a:latin typeface="Helvetica" pitchFamily="2" charset="0"/>
+            </a:endParaRPr>
+          </a:p>
+          <a:p>
+            <a:pPr marL="1085850" lvl="2" indent="-171450">
+              <a:buFont typeface="Courier New" panose="02070309020205020404" pitchFamily="49" charset="0"/>
+              <a:buChar char="o"/>
+            </a:pPr>
+            <a:r>
+              <a:rPr lang="pl-PL" sz="1200" dirty="0">
+                <a:latin typeface="Helvetica" pitchFamily="2" charset="0"/>
+              </a:rPr>
+              <a:t>Drzewo decyzyjne</a:t>
+            </a:r>
+            <a:endParaRPr lang="de-DE" sz="1200" dirty="0">
+              <a:latin typeface="Helvetica" pitchFamily="2" charset="0"/>
+            </a:endParaRPr>
+          </a:p>
+          <a:p>
+            <a:pPr marL="1085850" lvl="2" indent="-171450">
+              <a:buFont typeface="Courier New" panose="02070309020205020404" pitchFamily="49" charset="0"/>
+              <a:buChar char="o"/>
+            </a:pPr>
+            <a:r>
+              <a:rPr lang="pl-PL" sz="1200" dirty="0">
+                <a:latin typeface="Helvetica" pitchFamily="2" charset="0"/>
+              </a:rPr>
+              <a:t>Random Forest</a:t>
+            </a:r>
+          </a:p>
+          <a:p>
+            <a:pPr marL="1085850" lvl="2" indent="-171450">
+              <a:buFont typeface="Courier New" panose="02070309020205020404" pitchFamily="49" charset="0"/>
+              <a:buChar char="o"/>
+            </a:pPr>
+            <a:r>
+              <a:rPr lang="pl-PL" sz="1200" dirty="0">
+                <a:latin typeface="Helvetica" pitchFamily="2" charset="0"/>
+              </a:rPr>
+              <a:t>XGBoost</a:t>
+            </a:r>
+            <a:endParaRPr lang="de-DE" sz="1200" dirty="0">
+              <a:latin typeface="Helvetica" pitchFamily="2" charset="0"/>
+            </a:endParaRPr>
+          </a:p>
+          <a:p>
+            <a:pPr marL="228600" indent="-228600">
+              <a:buFont typeface="+mj-lt"/>
+              <a:buAutoNum type="arabicPeriod"/>
+            </a:pPr>
+            <a:endParaRPr lang="pl-PL" sz="1200" dirty="0">
+              <a:latin typeface="Helvetica" pitchFamily="2" charset="0"/>
+            </a:endParaRPr>
+          </a:p>
+        </p:txBody>
+      </p:sp>
+      <p:pic>
+        <p:nvPicPr>
+          <p:cNvPr id="4" name="Grafik 3">
+            <a:extLst>
+              <a:ext uri="{FF2B5EF4-FFF2-40B4-BE49-F238E27FC236}">
+                <a16:creationId xmlns:a16="http://schemas.microsoft.com/office/drawing/2014/main" id="{04044995-9C8D-96CE-9C66-7C197969C487}"/>
+              </a:ext>
+            </a:extLst>
+          </p:cNvPr>
+          <p:cNvPicPr>
+            <a:picLocks noChangeAspect="1"/>
+          </p:cNvPicPr>
+          <p:nvPr/>
+        </p:nvPicPr>
+        <p:blipFill>
+          <a:blip r:embed="rId4"/>
+          <a:stretch>
+            <a:fillRect/>
+          </a:stretch>
+        </p:blipFill>
+        <p:spPr>
+          <a:xfrm>
+            <a:off x="6862438" y="1548067"/>
+            <a:ext cx="3505985" cy="1763791"/>
+          </a:xfrm>
+          <a:prstGeom prst="rect">
+            <a:avLst/>
+          </a:prstGeom>
+        </p:spPr>
+      </p:pic>
+      <p:sp>
+        <p:nvSpPr>
+          <p:cNvPr id="5" name="pole tekstowe 4">
+            <a:extLst>
+              <a:ext uri="{FF2B5EF4-FFF2-40B4-BE49-F238E27FC236}">
+                <a16:creationId xmlns:a16="http://schemas.microsoft.com/office/drawing/2014/main" id="{BC11564D-6923-82E9-25D7-C8E5351A3800}"/>
+              </a:ext>
+            </a:extLst>
+          </p:cNvPr>
+          <p:cNvSpPr txBox="1"/>
+          <p:nvPr/>
+        </p:nvSpPr>
+        <p:spPr>
+          <a:xfrm>
+            <a:off x="6096000" y="878149"/>
+            <a:ext cx="5524385" cy="4339650"/>
+          </a:xfrm>
+          <a:prstGeom prst="rect">
+            <a:avLst/>
+          </a:prstGeom>
+          <a:noFill/>
+        </p:spPr>
+        <p:txBody>
+          <a:bodyPr wrap="square" rtlCol="0">
+            <a:spAutoFit/>
+          </a:bodyPr>
+          <a:lstStyle/>
+          <a:p>
+            <a:pPr marL="228600" indent="-228600">
+              <a:buFont typeface="+mj-lt"/>
+              <a:buAutoNum type="arabicPeriod" startAt="4"/>
+            </a:pPr>
+            <a:r>
+              <a:rPr lang="pl-PL" sz="1200" dirty="0">
+                <a:latin typeface="Helvetica" pitchFamily="2" charset="0"/>
+              </a:rPr>
+              <a:t>Porównanie modeli na ustawieniach domyślnych: Trenowanie różnych modeli regresyjnych z ustawieniami domyślnymi oraz porównanie ich wyników za pomocą metryk oceny.</a:t>
+            </a:r>
+            <a:endParaRPr lang="de-DE" sz="1200" dirty="0">
+              <a:latin typeface="Helvetica" pitchFamily="2" charset="0"/>
+            </a:endParaRPr>
+          </a:p>
+          <a:p>
+            <a:pPr marL="685800" lvl="1" indent="-228600">
+              <a:buFont typeface="+mj-lt"/>
+              <a:buAutoNum type="arabicPeriod" startAt="4"/>
+            </a:pPr>
+            <a:endParaRPr lang="de-DE" sz="1200" dirty="0">
+              <a:latin typeface="Helvetica" pitchFamily="2" charset="0"/>
+            </a:endParaRPr>
+          </a:p>
+          <a:p>
+            <a:pPr marL="228600" indent="-228600">
+              <a:buFont typeface="+mj-lt"/>
+              <a:buAutoNum type="arabicPeriod" startAt="4"/>
+            </a:pPr>
+            <a:endParaRPr lang="de-DE" sz="1200" dirty="0">
+              <a:latin typeface="Helvetica" pitchFamily="2" charset="0"/>
+            </a:endParaRPr>
+          </a:p>
+          <a:p>
+            <a:pPr marL="228600" indent="-228600">
+              <a:buFont typeface="+mj-lt"/>
+              <a:buAutoNum type="arabicPeriod" startAt="4"/>
+            </a:pPr>
+            <a:endParaRPr lang="de-DE" sz="1200" dirty="0">
+              <a:latin typeface="Helvetica" pitchFamily="2" charset="0"/>
+            </a:endParaRPr>
+          </a:p>
+          <a:p>
+            <a:pPr marL="228600" indent="-228600">
+              <a:buFont typeface="+mj-lt"/>
+              <a:buAutoNum type="arabicPeriod" startAt="4"/>
+            </a:pPr>
+            <a:endParaRPr lang="de-DE" sz="1200" dirty="0">
+              <a:latin typeface="Helvetica" pitchFamily="2" charset="0"/>
+            </a:endParaRPr>
+          </a:p>
+          <a:p>
+            <a:pPr marL="228600" indent="-228600">
+              <a:buFont typeface="+mj-lt"/>
+              <a:buAutoNum type="arabicPeriod" startAt="4"/>
+            </a:pPr>
+            <a:endParaRPr lang="de-DE" sz="1200" dirty="0">
+              <a:latin typeface="Helvetica" pitchFamily="2" charset="0"/>
+            </a:endParaRPr>
+          </a:p>
+          <a:p>
+            <a:pPr marL="228600" indent="-228600">
+              <a:buFont typeface="+mj-lt"/>
+              <a:buAutoNum type="arabicPeriod" startAt="4"/>
+            </a:pPr>
+            <a:endParaRPr lang="de-DE" sz="1200" dirty="0">
+              <a:latin typeface="Helvetica" pitchFamily="2" charset="0"/>
+            </a:endParaRPr>
+          </a:p>
+          <a:p>
+            <a:pPr marL="228600" indent="-228600">
+              <a:buFont typeface="+mj-lt"/>
+              <a:buAutoNum type="arabicPeriod" startAt="4"/>
+            </a:pPr>
+            <a:endParaRPr lang="de-DE" sz="1200" dirty="0">
+              <a:latin typeface="Helvetica" pitchFamily="2" charset="0"/>
+            </a:endParaRPr>
+          </a:p>
+          <a:p>
+            <a:pPr marL="228600" indent="-228600">
+              <a:buFont typeface="+mj-lt"/>
+              <a:buAutoNum type="arabicPeriod" startAt="4"/>
+            </a:pPr>
+            <a:endParaRPr lang="de-DE" sz="1200" dirty="0">
+              <a:latin typeface="Helvetica" pitchFamily="2" charset="0"/>
+            </a:endParaRPr>
+          </a:p>
+          <a:p>
+            <a:pPr marL="228600" indent="-228600">
+              <a:buFont typeface="+mj-lt"/>
+              <a:buAutoNum type="arabicPeriod" startAt="4"/>
+            </a:pPr>
+            <a:endParaRPr lang="de-DE" sz="1200" dirty="0">
+              <a:latin typeface="Helvetica" pitchFamily="2" charset="0"/>
+            </a:endParaRPr>
+          </a:p>
+          <a:p>
+            <a:pPr marL="228600" indent="-228600">
+              <a:buFont typeface="+mj-lt"/>
+              <a:buAutoNum type="arabicPeriod" startAt="4"/>
+            </a:pPr>
+            <a:endParaRPr lang="de-DE" sz="1200" dirty="0">
+              <a:latin typeface="Helvetica" pitchFamily="2" charset="0"/>
+            </a:endParaRPr>
+          </a:p>
+          <a:p>
+            <a:pPr marL="228600" indent="-228600">
+              <a:buFont typeface="+mj-lt"/>
+              <a:buAutoNum type="arabicPeriod" startAt="4"/>
+            </a:pPr>
+            <a:endParaRPr lang="pl-PL" sz="1200" dirty="0">
+              <a:latin typeface="Helvetica" pitchFamily="2" charset="0"/>
+            </a:endParaRPr>
+          </a:p>
+          <a:p>
+            <a:pPr marL="228600" indent="-228600">
+              <a:buFont typeface="+mj-lt"/>
+              <a:buAutoNum type="arabicPeriod" startAt="4"/>
+            </a:pPr>
+            <a:r>
+              <a:rPr lang="pl-PL" sz="1200" dirty="0">
+                <a:latin typeface="Helvetica" pitchFamily="2" charset="0"/>
+              </a:rPr>
+              <a:t>Optymalizacja hiperparametrów: Przetestowanie różnych ustawień hiperparametrów dla wybranych modeli w celu poprawy ich wydajności.</a:t>
+            </a:r>
+            <a:endParaRPr lang="de-DE" sz="1200" dirty="0">
+              <a:latin typeface="Helvetica" pitchFamily="2" charset="0"/>
+            </a:endParaRPr>
+          </a:p>
+          <a:p>
+            <a:pPr marL="228600" indent="-228600">
+              <a:buFont typeface="+mj-lt"/>
+              <a:buAutoNum type="arabicPeriod" startAt="4"/>
+            </a:pPr>
+            <a:endParaRPr lang="pl-PL" sz="1200" dirty="0">
+              <a:latin typeface="Helvetica" pitchFamily="2" charset="0"/>
+            </a:endParaRPr>
+          </a:p>
+          <a:p>
+            <a:pPr marL="228600" indent="-228600">
+              <a:buFont typeface="+mj-lt"/>
+              <a:buAutoNum type="arabicPeriod" startAt="4"/>
+            </a:pPr>
+            <a:r>
+              <a:rPr lang="pl-PL" sz="1200" dirty="0">
+                <a:latin typeface="Helvetica" pitchFamily="2" charset="0"/>
+              </a:rPr>
+              <a:t>Ekstrapolacja w przyszłość: Użycie najlepszego modelu do przewidywania produkcji energii na lata 2024-2035 oraz zapisanie wyników do pliku CSV.</a:t>
+            </a:r>
+            <a:endParaRPr lang="de-DE" sz="1200" dirty="0">
+              <a:latin typeface="Helvetica" pitchFamily="2" charset="0"/>
+            </a:endParaRPr>
+          </a:p>
+          <a:p>
+            <a:pPr marL="228600" indent="-228600">
+              <a:buFont typeface="+mj-lt"/>
+              <a:buAutoNum type="arabicPeriod" startAt="4"/>
+            </a:pPr>
+            <a:endParaRPr lang="pl-PL" sz="1200" dirty="0">
+              <a:latin typeface="Helvetica" pitchFamily="2" charset="0"/>
+            </a:endParaRPr>
+          </a:p>
+          <a:p>
+            <a:pPr marL="228600" indent="-228600">
+              <a:buFont typeface="+mj-lt"/>
+              <a:buAutoNum type="arabicPeriod" startAt="4"/>
+            </a:pPr>
+            <a:r>
+              <a:rPr lang="pl-PL" sz="1200" dirty="0">
+                <a:latin typeface="Helvetica" pitchFamily="2" charset="0"/>
+              </a:rPr>
+              <a:t>Notatnik kończy się etapem, w którym wygenerowane dane są używane do przewidywania przyszłej produkcji energii, a wyniki są zapisywane, co umożliwia dalszą analizę i planowanie.</a:t>
+            </a:r>
+            <a:endParaRPr lang="pl-PL" dirty="0"/>
+          </a:p>
+        </p:txBody>
+      </p:sp>
+    </p:spTree>
+    <p:extLst>
+      <p:ext uri="{BB962C8B-B14F-4D97-AF65-F5344CB8AC3E}">
+        <p14:creationId xmlns:p14="http://schemas.microsoft.com/office/powerpoint/2010/main" val="633520112"/>
+      </p:ext>
+    </p:extLst>
+  </p:cSld>
+  <p:clrMapOvr>
+    <a:masterClrMapping/>
+  </p:clrMapOvr>
+</p:sld>
+</file>
+
+<file path=ppt/slides/slide15.xml><?xml version="1.0" encoding="utf-8"?>
+<p:sld xmlns:a="http://schemas.openxmlformats.org/drawingml/2006/main" xmlns:r="http://schemas.openxmlformats.org/officeDocument/2006/relationships" xmlns:p="http://schemas.openxmlformats.org/presentationml/2006/main">
+  <p:cSld>
+    <p:spTree>
+      <p:nvGrpSpPr>
+        <p:cNvPr id="1" name="Shape 201"/>
+        <p:cNvGrpSpPr/>
+        <p:nvPr/>
+      </p:nvGrpSpPr>
+      <p:grpSpPr>
+        <a:xfrm>
+          <a:off x="0" y="0"/>
+          <a:ext cx="0" cy="0"/>
+          <a:chOff x="0" y="0"/>
+          <a:chExt cx="0" cy="0"/>
+        </a:xfrm>
+      </p:grpSpPr>
+      <p:sp>
+        <p:nvSpPr>
+          <p:cNvPr id="203" name="Google Shape;203;p21"/>
+          <p:cNvSpPr txBox="1">
+            <a:spLocks noGrp="1"/>
+          </p:cNvSpPr>
+          <p:nvPr>
+            <p:ph type="sldNum" idx="12"/>
+          </p:nvPr>
+        </p:nvSpPr>
+        <p:spPr>
+          <a:xfrm>
+            <a:off x="10938505" y="6356351"/>
+            <a:ext cx="634392" cy="167647"/>
+          </a:xfrm>
+          <a:prstGeom prst="rect">
+            <a:avLst/>
+          </a:prstGeom>
+        </p:spPr>
+        <p:txBody>
+          <a:bodyPr spcFirstLastPara="1" wrap="square" lIns="0" tIns="0" rIns="0" bIns="0" anchor="t" anchorCtr="0">
+            <a:noAutofit/>
+          </a:bodyPr>
+          <a:lstStyle/>
+          <a:p>
+            <a:pPr defTabSz="829544"/>
+            <a:fld id="{00000000-1234-1234-1234-123412341234}" type="slidenum">
+              <a:rPr lang="pl-PL" kern="0">
+                <a:solidFill>
+                  <a:srgbClr val="002C58"/>
+                </a:solidFill>
+                <a:latin typeface="Helvetica" pitchFamily="2" charset="0"/>
+              </a:rPr>
+              <a:pPr defTabSz="829544"/>
+              <a:t>15</a:t>
+            </a:fld>
+            <a:endParaRPr kern="0" dirty="0">
+              <a:solidFill>
+                <a:srgbClr val="002C58"/>
+              </a:solidFill>
+              <a:latin typeface="Helvetica" pitchFamily="2" charset="0"/>
+            </a:endParaRPr>
+          </a:p>
+        </p:txBody>
+      </p:sp>
+      <p:sp>
+        <p:nvSpPr>
+          <p:cNvPr id="7" name="Tytuł 1">
+            <a:extLst>
+              <a:ext uri="{FF2B5EF4-FFF2-40B4-BE49-F238E27FC236}">
+                <a16:creationId xmlns:a16="http://schemas.microsoft.com/office/drawing/2014/main" id="{57C8B726-50E0-47F7-BBBC-54F1227BD140}"/>
+              </a:ext>
+            </a:extLst>
+          </p:cNvPr>
+          <p:cNvSpPr>
+            <a:spLocks noGrp="1"/>
+          </p:cNvSpPr>
+          <p:nvPr>
+            <p:ph type="title"/>
+          </p:nvPr>
+        </p:nvSpPr>
+        <p:spPr>
+          <a:xfrm>
+            <a:off x="645885" y="38348"/>
+            <a:ext cx="10459821" cy="447317"/>
+          </a:xfrm>
+        </p:spPr>
+        <p:txBody>
+          <a:bodyPr/>
+          <a:lstStyle/>
+          <a:p>
+            <a:r>
+              <a:rPr lang="de-DE" sz="2900" dirty="0">
+                <a:solidFill>
+                  <a:srgbClr val="002C58"/>
+                </a:solidFill>
+                <a:latin typeface="Helvetica" pitchFamily="2" charset="0"/>
+                <a:ea typeface="+mn-ea"/>
+                <a:cs typeface="+mn-cs"/>
+              </a:rPr>
+              <a:t>13</a:t>
+            </a:r>
+            <a:r>
+              <a:rPr lang="pl-PL" sz="2900" dirty="0">
+                <a:solidFill>
+                  <a:srgbClr val="002C58"/>
+                </a:solidFill>
+                <a:latin typeface="Helvetica" pitchFamily="2" charset="0"/>
+                <a:ea typeface="+mn-ea"/>
+                <a:cs typeface="+mn-cs"/>
+              </a:rPr>
+              <a:t>. Notebooks - 0</a:t>
+            </a:r>
+            <a:r>
+              <a:rPr lang="de-DE" sz="2900" dirty="0">
+                <a:solidFill>
+                  <a:srgbClr val="002C58"/>
+                </a:solidFill>
+                <a:latin typeface="Helvetica" pitchFamily="2" charset="0"/>
+                <a:ea typeface="+mn-ea"/>
+                <a:cs typeface="+mn-cs"/>
+              </a:rPr>
+              <a:t>6</a:t>
+            </a:r>
+            <a:endParaRPr lang="pl-PL" sz="2900" dirty="0">
+              <a:latin typeface="Helvetica" pitchFamily="2" charset="0"/>
+            </a:endParaRPr>
+          </a:p>
+        </p:txBody>
+      </p:sp>
+      <p:pic>
+        <p:nvPicPr>
+          <p:cNvPr id="10" name="Obraz 9">
+            <a:extLst>
+              <a:ext uri="{FF2B5EF4-FFF2-40B4-BE49-F238E27FC236}">
+                <a16:creationId xmlns:a16="http://schemas.microsoft.com/office/drawing/2014/main" id="{B3BE01A9-6CED-56B2-A9A8-C48A12685924}"/>
+              </a:ext>
+            </a:extLst>
+          </p:cNvPr>
+          <p:cNvPicPr>
+            <a:picLocks noChangeAspect="1"/>
+          </p:cNvPicPr>
+          <p:nvPr/>
+        </p:nvPicPr>
+        <p:blipFill>
+          <a:blip r:embed="rId3">
+            <a:extLst>
+              <a:ext uri="{28A0092B-C50C-407E-A947-70E740481C1C}">
+                <a14:useLocalDpi xmlns:a14="http://schemas.microsoft.com/office/drawing/2010/main" val="0"/>
+              </a:ext>
+            </a:extLst>
+          </a:blip>
+          <a:stretch>
+            <a:fillRect/>
+          </a:stretch>
+        </p:blipFill>
+        <p:spPr>
+          <a:xfrm>
+            <a:off x="464822" y="6242482"/>
+            <a:ext cx="4445000" cy="596900"/>
+          </a:xfrm>
+          <a:prstGeom prst="rect">
+            <a:avLst/>
+          </a:prstGeom>
+        </p:spPr>
+      </p:pic>
+      <p:sp>
+        <p:nvSpPr>
+          <p:cNvPr id="8" name="pole tekstowe 4">
+            <a:extLst>
+              <a:ext uri="{FF2B5EF4-FFF2-40B4-BE49-F238E27FC236}">
+                <a16:creationId xmlns:a16="http://schemas.microsoft.com/office/drawing/2014/main" id="{6769148D-16BA-DDF5-1159-3B9EAE4E4E0E}"/>
+              </a:ext>
+            </a:extLst>
+          </p:cNvPr>
+          <p:cNvSpPr txBox="1"/>
+          <p:nvPr/>
+        </p:nvSpPr>
+        <p:spPr>
+          <a:xfrm>
+            <a:off x="571615" y="878149"/>
+            <a:ext cx="11001282" cy="276999"/>
+          </a:xfrm>
+          <a:prstGeom prst="rect">
+            <a:avLst/>
+          </a:prstGeom>
+          <a:noFill/>
+        </p:spPr>
+        <p:txBody>
+          <a:bodyPr wrap="square" rtlCol="0">
+            <a:spAutoFit/>
+          </a:bodyPr>
+          <a:lstStyle/>
+          <a:p>
+            <a:r>
+              <a:rPr lang="pl-PL" sz="1200" b="1" dirty="0">
+                <a:latin typeface="Helvetica" pitchFamily="2" charset="0"/>
+              </a:rPr>
+              <a:t>Stworzony dashboard z danymi historycznymi oraz przewidywaniami na przyszłe lat</a:t>
+            </a:r>
+            <a:r>
+              <a:rPr lang="de-DE" sz="1200" b="1" dirty="0">
+                <a:latin typeface="Helvetica" pitchFamily="2" charset="0"/>
+              </a:rPr>
+              <a:t>a:</a:t>
+            </a:r>
+            <a:endParaRPr lang="pl-PL" sz="1200" b="1" dirty="0">
+              <a:latin typeface="Helvetica" pitchFamily="2" charset="0"/>
+            </a:endParaRPr>
+          </a:p>
+        </p:txBody>
+      </p:sp>
+      <p:pic>
+        <p:nvPicPr>
+          <p:cNvPr id="4" name="Grafik 3">
+            <a:extLst>
+              <a:ext uri="{FF2B5EF4-FFF2-40B4-BE49-F238E27FC236}">
+                <a16:creationId xmlns:a16="http://schemas.microsoft.com/office/drawing/2014/main" id="{92F49B1C-E707-BA20-7F0D-8C0156A10350}"/>
+              </a:ext>
+            </a:extLst>
+          </p:cNvPr>
+          <p:cNvPicPr>
+            <a:picLocks noChangeAspect="1"/>
+          </p:cNvPicPr>
+          <p:nvPr/>
+        </p:nvPicPr>
+        <p:blipFill>
+          <a:blip r:embed="rId4"/>
+          <a:stretch>
+            <a:fillRect/>
+          </a:stretch>
+        </p:blipFill>
+        <p:spPr>
+          <a:xfrm>
+            <a:off x="619103" y="1234007"/>
+            <a:ext cx="5468400" cy="2688009"/>
+          </a:xfrm>
+          <a:prstGeom prst="rect">
+            <a:avLst/>
+          </a:prstGeom>
+        </p:spPr>
+      </p:pic>
+      <p:pic>
+        <p:nvPicPr>
+          <p:cNvPr id="9" name="Grafik 8">
+            <a:extLst>
+              <a:ext uri="{FF2B5EF4-FFF2-40B4-BE49-F238E27FC236}">
+                <a16:creationId xmlns:a16="http://schemas.microsoft.com/office/drawing/2014/main" id="{CCE55DA9-483B-2C20-A170-25DF97AB66DA}"/>
+              </a:ext>
+            </a:extLst>
+          </p:cNvPr>
+          <p:cNvPicPr>
+            <a:picLocks noChangeAspect="1"/>
+          </p:cNvPicPr>
+          <p:nvPr/>
+        </p:nvPicPr>
+        <p:blipFill>
+          <a:blip r:embed="rId5"/>
+          <a:stretch>
+            <a:fillRect/>
+          </a:stretch>
+        </p:blipFill>
+        <p:spPr>
+          <a:xfrm>
+            <a:off x="6582332" y="2476068"/>
+            <a:ext cx="4665416" cy="2060361"/>
+          </a:xfrm>
+          <a:prstGeom prst="rect">
+            <a:avLst/>
+          </a:prstGeom>
+        </p:spPr>
+      </p:pic>
+      <p:pic>
+        <p:nvPicPr>
+          <p:cNvPr id="12" name="Grafik 11">
+            <a:extLst>
+              <a:ext uri="{FF2B5EF4-FFF2-40B4-BE49-F238E27FC236}">
+                <a16:creationId xmlns:a16="http://schemas.microsoft.com/office/drawing/2014/main" id="{E3B0EB9E-AE26-4034-2959-BAC07A4B68C3}"/>
+              </a:ext>
+            </a:extLst>
+          </p:cNvPr>
+          <p:cNvPicPr>
+            <a:picLocks noChangeAspect="1"/>
+          </p:cNvPicPr>
+          <p:nvPr/>
+        </p:nvPicPr>
+        <p:blipFill>
+          <a:blip r:embed="rId6"/>
+          <a:stretch>
+            <a:fillRect/>
+          </a:stretch>
+        </p:blipFill>
+        <p:spPr>
+          <a:xfrm>
+            <a:off x="6582333" y="4651750"/>
+            <a:ext cx="4852106" cy="1181451"/>
+          </a:xfrm>
+          <a:prstGeom prst="rect">
+            <a:avLst/>
+          </a:prstGeom>
+        </p:spPr>
+      </p:pic>
+    </p:spTree>
+    <p:extLst>
+      <p:ext uri="{BB962C8B-B14F-4D97-AF65-F5344CB8AC3E}">
+        <p14:creationId xmlns:p14="http://schemas.microsoft.com/office/powerpoint/2010/main" val="929503179"/>
+      </p:ext>
+    </p:extLst>
+  </p:cSld>
+  <p:clrMapOvr>
+    <a:masterClrMapping/>
+  </p:clrMapOvr>
+</p:sld>
+</file>
+
+<file path=ppt/slides/slide16.xml><?xml version="1.0" encoding="utf-8"?>
+<p:sld xmlns:a="http://schemas.openxmlformats.org/drawingml/2006/main" xmlns:r="http://schemas.openxmlformats.org/officeDocument/2006/relationships" xmlns:p="http://schemas.openxmlformats.org/presentationml/2006/main">
+  <p:cSld>
+    <p:spTree>
+      <p:nvGrpSpPr>
+        <p:cNvPr id="1" name="Shape 201"/>
+        <p:cNvGrpSpPr/>
+        <p:nvPr/>
+      </p:nvGrpSpPr>
+      <p:grpSpPr>
+        <a:xfrm>
+          <a:off x="0" y="0"/>
+          <a:ext cx="0" cy="0"/>
+          <a:chOff x="0" y="0"/>
+          <a:chExt cx="0" cy="0"/>
+        </a:xfrm>
+      </p:grpSpPr>
+      <p:sp>
+        <p:nvSpPr>
+          <p:cNvPr id="203" name="Google Shape;203;p21"/>
+          <p:cNvSpPr txBox="1">
+            <a:spLocks noGrp="1"/>
+          </p:cNvSpPr>
+          <p:nvPr>
+            <p:ph type="sldNum" idx="12"/>
+          </p:nvPr>
+        </p:nvSpPr>
+        <p:spPr>
+          <a:xfrm>
+            <a:off x="10938505" y="6356351"/>
+            <a:ext cx="634392" cy="167647"/>
+          </a:xfrm>
+          <a:prstGeom prst="rect">
+            <a:avLst/>
+          </a:prstGeom>
+        </p:spPr>
+        <p:txBody>
+          <a:bodyPr spcFirstLastPara="1" wrap="square" lIns="0" tIns="0" rIns="0" bIns="0" anchor="t" anchorCtr="0">
+            <a:noAutofit/>
+          </a:bodyPr>
+          <a:lstStyle/>
+          <a:p>
+            <a:pPr defTabSz="829544"/>
+            <a:fld id="{00000000-1234-1234-1234-123412341234}" type="slidenum">
+              <a:rPr lang="pl-PL" kern="0">
+                <a:solidFill>
+                  <a:srgbClr val="002C58"/>
+                </a:solidFill>
+                <a:latin typeface="Helvetica" pitchFamily="2" charset="0"/>
+              </a:rPr>
+              <a:pPr defTabSz="829544"/>
+              <a:t>16</a:t>
+            </a:fld>
+            <a:endParaRPr kern="0" dirty="0">
+              <a:solidFill>
+                <a:srgbClr val="002C58"/>
+              </a:solidFill>
+              <a:latin typeface="Helvetica" pitchFamily="2" charset="0"/>
+            </a:endParaRPr>
+          </a:p>
+        </p:txBody>
+      </p:sp>
+      <p:sp>
+        <p:nvSpPr>
+          <p:cNvPr id="7" name="Tytuł 1">
+            <a:extLst>
+              <a:ext uri="{FF2B5EF4-FFF2-40B4-BE49-F238E27FC236}">
+                <a16:creationId xmlns:a16="http://schemas.microsoft.com/office/drawing/2014/main" id="{57C8B726-50E0-47F7-BBBC-54F1227BD140}"/>
+              </a:ext>
+            </a:extLst>
+          </p:cNvPr>
+          <p:cNvSpPr>
+            <a:spLocks noGrp="1"/>
+          </p:cNvSpPr>
+          <p:nvPr>
+            <p:ph type="title"/>
+          </p:nvPr>
+        </p:nvSpPr>
+        <p:spPr>
+          <a:xfrm>
+            <a:off x="645885" y="38348"/>
+            <a:ext cx="10459821" cy="447317"/>
+          </a:xfrm>
+        </p:spPr>
+        <p:txBody>
+          <a:bodyPr/>
+          <a:lstStyle/>
+          <a:p>
+            <a:r>
+              <a:rPr lang="de-DE" sz="2900" dirty="0">
+                <a:solidFill>
+                  <a:srgbClr val="002C58"/>
+                </a:solidFill>
+                <a:latin typeface="Helvetica" pitchFamily="2" charset="0"/>
+                <a:ea typeface="+mn-ea"/>
+                <a:cs typeface="+mn-cs"/>
+              </a:rPr>
+              <a:t>14</a:t>
+            </a:r>
+            <a:r>
+              <a:rPr lang="pl-PL" sz="2900" dirty="0">
+                <a:solidFill>
+                  <a:srgbClr val="002C58"/>
+                </a:solidFill>
+                <a:latin typeface="Helvetica" pitchFamily="2" charset="0"/>
+                <a:ea typeface="+mn-ea"/>
+                <a:cs typeface="+mn-cs"/>
+              </a:rPr>
+              <a:t>. </a:t>
+            </a:r>
+            <a:r>
+              <a:rPr lang="de-DE" sz="2900" dirty="0" err="1">
+                <a:solidFill>
+                  <a:srgbClr val="002C58"/>
+                </a:solidFill>
+                <a:latin typeface="Helvetica" pitchFamily="2" charset="0"/>
+                <a:ea typeface="+mn-ea"/>
+                <a:cs typeface="+mn-cs"/>
+              </a:rPr>
+              <a:t>Koniec</a:t>
+            </a:r>
+            <a:endParaRPr lang="pl-PL" sz="2900" dirty="0">
+              <a:latin typeface="Helvetica" pitchFamily="2" charset="0"/>
+            </a:endParaRPr>
+          </a:p>
+        </p:txBody>
+      </p:sp>
+      <p:pic>
+        <p:nvPicPr>
+          <p:cNvPr id="10" name="Obraz 9">
+            <a:extLst>
+              <a:ext uri="{FF2B5EF4-FFF2-40B4-BE49-F238E27FC236}">
+                <a16:creationId xmlns:a16="http://schemas.microsoft.com/office/drawing/2014/main" id="{B3BE01A9-6CED-56B2-A9A8-C48A12685924}"/>
+              </a:ext>
+            </a:extLst>
+          </p:cNvPr>
+          <p:cNvPicPr>
+            <a:picLocks noChangeAspect="1"/>
+          </p:cNvPicPr>
+          <p:nvPr/>
+        </p:nvPicPr>
+        <p:blipFill>
+          <a:blip r:embed="rId3">
+            <a:extLst>
+              <a:ext uri="{28A0092B-C50C-407E-A947-70E740481C1C}">
+                <a14:useLocalDpi xmlns:a14="http://schemas.microsoft.com/office/drawing/2010/main" val="0"/>
+              </a:ext>
+            </a:extLst>
+          </a:blip>
+          <a:stretch>
+            <a:fillRect/>
+          </a:stretch>
+        </p:blipFill>
+        <p:spPr>
+          <a:xfrm>
+            <a:off x="464822" y="6242482"/>
+            <a:ext cx="4445000" cy="596900"/>
+          </a:xfrm>
+          <a:prstGeom prst="rect">
+            <a:avLst/>
+          </a:prstGeom>
+        </p:spPr>
+      </p:pic>
+      <p:sp>
+        <p:nvSpPr>
+          <p:cNvPr id="8" name="pole tekstowe 4">
+            <a:extLst>
+              <a:ext uri="{FF2B5EF4-FFF2-40B4-BE49-F238E27FC236}">
+                <a16:creationId xmlns:a16="http://schemas.microsoft.com/office/drawing/2014/main" id="{6769148D-16BA-DDF5-1159-3B9EAE4E4E0E}"/>
+              </a:ext>
+            </a:extLst>
+          </p:cNvPr>
+          <p:cNvSpPr txBox="1"/>
+          <p:nvPr/>
+        </p:nvSpPr>
+        <p:spPr>
+          <a:xfrm>
+            <a:off x="464822" y="3133241"/>
+            <a:ext cx="11001282" cy="707886"/>
+          </a:xfrm>
+          <a:prstGeom prst="rect">
+            <a:avLst/>
+          </a:prstGeom>
+          <a:noFill/>
+        </p:spPr>
+        <p:txBody>
+          <a:bodyPr wrap="square" rtlCol="0">
+            <a:spAutoFit/>
+          </a:bodyPr>
+          <a:lstStyle/>
+          <a:p>
+            <a:pPr algn="ctr"/>
+            <a:r>
+              <a:rPr lang="de-DE" sz="2800" b="1" dirty="0">
+                <a:latin typeface="Helvetica" pitchFamily="2" charset="0"/>
+              </a:rPr>
+              <a:t>KONIEC</a:t>
+            </a:r>
+            <a:endParaRPr lang="pl-PL" sz="1200" b="1" dirty="0">
+              <a:latin typeface="Helvetica" pitchFamily="2" charset="0"/>
+            </a:endParaRPr>
+          </a:p>
+          <a:p>
+            <a:endParaRPr lang="pl-PL" sz="1200" b="1" dirty="0">
+              <a:latin typeface="Helvetica" pitchFamily="2" charset="0"/>
+            </a:endParaRPr>
+          </a:p>
+        </p:txBody>
+      </p:sp>
+    </p:spTree>
+    <p:extLst>
+      <p:ext uri="{BB962C8B-B14F-4D97-AF65-F5344CB8AC3E}">
+        <p14:creationId xmlns:p14="http://schemas.microsoft.com/office/powerpoint/2010/main" val="916367809"/>
       </p:ext>
     </p:extLst>
   </p:cSld>
@@ -45418,7 +47058,7 @@
           <a:lstStyle/>
           <a:p>
             <a:r>
-              <a:rPr lang="pl-PL" sz="2900" dirty="0">
+              <a:rPr lang="de-DE" sz="2900" dirty="0">
                 <a:solidFill>
                   <a:srgbClr val="002C58"/>
                 </a:solidFill>
@@ -45426,7 +47066,18 @@
                 <a:ea typeface="+mn-ea"/>
                 <a:cs typeface="+mn-cs"/>
               </a:rPr>
-              <a:t>6. Notebooks - 0</a:t>
+              <a:t>7</a:t>
+            </a:r>
+            <a:r>
+              <a:rPr lang="pl-PL" sz="2900" dirty="0">
+                <a:solidFill>
+                  <a:srgbClr val="002C58"/>
+                </a:solidFill>
+                <a:latin typeface="Helvetica" pitchFamily="2" charset="0"/>
+                <a:ea typeface="+mn-ea"/>
+                <a:cs typeface="+mn-cs"/>
+              </a:rPr>
+              <a:t>. Notebooks - 0</a:t>
             </a:r>
             <a:r>
               <a:rPr lang="de-DE" sz="2900" dirty="0">
@@ -49256,26 +50907,6 @@
 </file>
 
 <file path=customXml/item1.xml><?xml version="1.0" encoding="utf-8"?>
-<?mso-contentType ?>
-<FormTemplates xmlns="http://schemas.microsoft.com/sharepoint/v3/contenttype/forms">
-  <Display>DocumentLibraryForm</Display>
-  <Edit>DocumentLibraryForm</Edit>
-  <New>DocumentLibraryForm</New>
-</FormTemplates>
-</file>
-
-<file path=customXml/item2.xml><?xml version="1.0" encoding="utf-8"?>
-<p:properties xmlns:p="http://schemas.microsoft.com/office/2006/metadata/properties" xmlns:xsi="http://www.w3.org/2001/XMLSchema-instance" xmlns:pc="http://schemas.microsoft.com/office/infopath/2007/PartnerControls">
-  <documentManagement>
-    <TaxCatchAll xmlns="f1dfd687-ce92-41e8-800b-11e03cd3205f" xsi:nil="true"/>
-    <lcf76f155ced4ddcb4097134ff3c332f xmlns="cc32ea10-24d7-4ab8-908a-92053f695cd3">
-      <Terms xmlns="http://schemas.microsoft.com/office/infopath/2007/PartnerControls"/>
-    </lcf76f155ced4ddcb4097134ff3c332f>
-  </documentManagement>
-</p:properties>
-</file>
-
-<file path=customXml/item3.xml><?xml version="1.0" encoding="utf-8"?>
 <ct:contentTypeSchema xmlns:ct="http://schemas.microsoft.com/office/2006/metadata/contentType" xmlns:ma="http://schemas.microsoft.com/office/2006/metadata/properties/metaAttributes" ct:_="" ma:_="" ma:contentTypeName="Dokument" ma:contentTypeID="0x010100C4838B074BD1B64DBED77476FBBDC7EA" ma:contentTypeVersion="17" ma:contentTypeDescription="Utwórz nowy dokument." ma:contentTypeScope="" ma:versionID="cbf6b59ea7392e6dbe586db489f913d4">
   <xsd:schema xmlns:xsd="http://www.w3.org/2001/XMLSchema" xmlns:xs="http://www.w3.org/2001/XMLSchema" xmlns:p="http://schemas.microsoft.com/office/2006/metadata/properties" xmlns:ns2="cc32ea10-24d7-4ab8-908a-92053f695cd3" xmlns:ns3="f1dfd687-ce92-41e8-800b-11e03cd3205f" targetNamespace="http://schemas.microsoft.com/office/2006/metadata/properties" ma:root="true" ma:fieldsID="e5692fda7e188aff76fcb9dc144534c7" ns2:_="" ns3:_="">
     <xsd:import namespace="cc32ea10-24d7-4ab8-908a-92053f695cd3"/>
@@ -49524,10 +51155,41 @@
 </ct:contentTypeSchema>
 </file>
 
+<file path=customXml/item2.xml><?xml version="1.0" encoding="utf-8"?>
+<p:properties xmlns:p="http://schemas.microsoft.com/office/2006/metadata/properties" xmlns:xsi="http://www.w3.org/2001/XMLSchema-instance" xmlns:pc="http://schemas.microsoft.com/office/infopath/2007/PartnerControls">
+  <documentManagement>
+    <TaxCatchAll xmlns="f1dfd687-ce92-41e8-800b-11e03cd3205f" xsi:nil="true"/>
+    <lcf76f155ced4ddcb4097134ff3c332f xmlns="cc32ea10-24d7-4ab8-908a-92053f695cd3">
+      <Terms xmlns="http://schemas.microsoft.com/office/infopath/2007/PartnerControls"/>
+    </lcf76f155ced4ddcb4097134ff3c332f>
+  </documentManagement>
+</p:properties>
+</file>
+
+<file path=customXml/item3.xml><?xml version="1.0" encoding="utf-8"?>
+<?mso-contentType ?>
+<FormTemplates xmlns="http://schemas.microsoft.com/sharepoint/v3/contenttype/forms">
+  <Display>DocumentLibraryForm</Display>
+  <Edit>DocumentLibraryForm</Edit>
+  <New>DocumentLibraryForm</New>
+</FormTemplates>
+</file>
+
 <file path=customXml/itemProps1.xml><?xml version="1.0" encoding="utf-8"?>
-<ds:datastoreItem xmlns:ds="http://schemas.openxmlformats.org/officeDocument/2006/customXml" ds:itemID="{E3C0B90A-C52C-44A3-8B28-1EFDD964602C}">
+<ds:datastoreItem xmlns:ds="http://schemas.openxmlformats.org/officeDocument/2006/customXml" ds:itemID="{546D4109-F318-4341-81BE-A5CA2C3F0C29}">
   <ds:schemaRefs>
-    <ds:schemaRef ds:uri="http://schemas.microsoft.com/sharepoint/v3/contenttype/forms"/>
+    <ds:schemaRef ds:uri="http://schemas.microsoft.com/office/2006/metadata/contentType"/>
+    <ds:schemaRef ds:uri="http://schemas.microsoft.com/office/2006/metadata/properties/metaAttributes"/>
+    <ds:schemaRef ds:uri="http://www.w3.org/2001/XMLSchema"/>
+    <ds:schemaRef ds:uri="http://schemas.microsoft.com/office/2006/metadata/properties"/>
+    <ds:schemaRef ds:uri="cc32ea10-24d7-4ab8-908a-92053f695cd3"/>
+    <ds:schemaRef ds:uri="f1dfd687-ce92-41e8-800b-11e03cd3205f"/>
+    <ds:schemaRef ds:uri="http://schemas.microsoft.com/office/2006/documentManagement/types"/>
+    <ds:schemaRef ds:uri="http://schemas.microsoft.com/office/infopath/2007/PartnerControls"/>
+    <ds:schemaRef ds:uri="http://schemas.openxmlformats.org/package/2006/metadata/core-properties"/>
+    <ds:schemaRef ds:uri="http://purl.org/dc/elements/1.1/"/>
+    <ds:schemaRef ds:uri="http://purl.org/dc/terms/"/>
+    <ds:schemaRef ds:uri="http://schemas.microsoft.com/internal/obd"/>
   </ds:schemaRefs>
 </ds:datastoreItem>
 </file>
@@ -49553,20 +51215,9 @@
 </file>
 
 <file path=customXml/itemProps3.xml><?xml version="1.0" encoding="utf-8"?>
-<ds:datastoreItem xmlns:ds="http://schemas.openxmlformats.org/officeDocument/2006/customXml" ds:itemID="{546D4109-F318-4341-81BE-A5CA2C3F0C29}">
+<ds:datastoreItem xmlns:ds="http://schemas.openxmlformats.org/officeDocument/2006/customXml" ds:itemID="{E3C0B90A-C52C-44A3-8B28-1EFDD964602C}">
   <ds:schemaRefs>
-    <ds:schemaRef ds:uri="http://schemas.microsoft.com/office/2006/metadata/contentType"/>
-    <ds:schemaRef ds:uri="http://schemas.microsoft.com/office/2006/metadata/properties/metaAttributes"/>
-    <ds:schemaRef ds:uri="http://www.w3.org/2001/XMLSchema"/>
-    <ds:schemaRef ds:uri="http://schemas.microsoft.com/office/2006/metadata/properties"/>
-    <ds:schemaRef ds:uri="cc32ea10-24d7-4ab8-908a-92053f695cd3"/>
-    <ds:schemaRef ds:uri="f1dfd687-ce92-41e8-800b-11e03cd3205f"/>
-    <ds:schemaRef ds:uri="http://schemas.microsoft.com/office/2006/documentManagement/types"/>
-    <ds:schemaRef ds:uri="http://schemas.microsoft.com/office/infopath/2007/PartnerControls"/>
-    <ds:schemaRef ds:uri="http://schemas.openxmlformats.org/package/2006/metadata/core-properties"/>
-    <ds:schemaRef ds:uri="http://purl.org/dc/elements/1.1/"/>
-    <ds:schemaRef ds:uri="http://purl.org/dc/terms/"/>
-    <ds:schemaRef ds:uri="http://schemas.microsoft.com/internal/obd"/>
+    <ds:schemaRef ds:uri="http://schemas.microsoft.com/sharepoint/v3/contenttype/forms"/>
   </ds:schemaRefs>
 </ds:datastoreItem>
 </file>
--- a/6. Docs/Bartosz_Reszka_Piwowarski_Prezentacja.pptx
+++ b/6. Docs/Bartosz_Reszka_Piwowarski_Prezentacja.pptx
@@ -331,7 +331,7 @@
           <a:p>
             <a:fld id="{2593D5D9-7C3B-40F9-9AB8-DDFAEE6819C1}" type="datetimeFigureOut">
               <a:rPr lang="pl-PL" smtClean="0"/>
-              <a:t>03.06.2024</a:t>
+              <a:t>04.06.2024</a:t>
             </a:fld>
             <a:endParaRPr lang="pl-PL"/>
           </a:p>
@@ -40960,6 +40960,180 @@
               <a:t>out.csv: Plik wyjściowy (wynikowy) z danymi.</a:t>
             </a:r>
             <a:endParaRPr lang="de-DE" sz="1200" dirty="0"/>
+          </a:p>
+        </p:txBody>
+      </p:sp>
+      <p:sp>
+        <p:nvSpPr>
+          <p:cNvPr id="3" name="Textfeld 2">
+            <a:extLst>
+              <a:ext uri="{FF2B5EF4-FFF2-40B4-BE49-F238E27FC236}">
+                <a16:creationId xmlns:a16="http://schemas.microsoft.com/office/drawing/2014/main" id="{46C1FE66-0D9C-6D95-88B7-128D26416E54}"/>
+              </a:ext>
+            </a:extLst>
+          </p:cNvPr>
+          <p:cNvSpPr txBox="1"/>
+          <p:nvPr/>
+        </p:nvSpPr>
+        <p:spPr>
+          <a:xfrm>
+            <a:off x="6095999" y="3475168"/>
+            <a:ext cx="5524387" cy="2646878"/>
+          </a:xfrm>
+          <a:prstGeom prst="rect">
+            <a:avLst/>
+          </a:prstGeom>
+          <a:noFill/>
+        </p:spPr>
+        <p:txBody>
+          <a:bodyPr wrap="square">
+            <a:spAutoFit/>
+          </a:bodyPr>
+          <a:lstStyle/>
+          <a:p>
+            <a:r>
+              <a:rPr lang="pl-PL" sz="1200" b="1" dirty="0">
+                <a:solidFill>
+                  <a:srgbClr val="0D0D0D"/>
+                </a:solidFill>
+                <a:highlight>
+                  <a:srgbClr val="FFFFFF"/>
+                </a:highlight>
+                <a:latin typeface="+mj-lt"/>
+              </a:rPr>
+              <a:t>Najważniejszye biblioteki uzyte w projekcie:</a:t>
+            </a:r>
+            <a:endParaRPr lang="de-DE" sz="1200" b="1" dirty="0">
+              <a:solidFill>
+                <a:srgbClr val="0D0D0D"/>
+              </a:solidFill>
+              <a:highlight>
+                <a:srgbClr val="FFFFFF"/>
+              </a:highlight>
+              <a:latin typeface="+mj-lt"/>
+            </a:endParaRPr>
+          </a:p>
+          <a:p>
+            <a:endParaRPr lang="pl-PL" sz="1000" b="1" dirty="0">
+              <a:solidFill>
+                <a:srgbClr val="0D0D0D"/>
+              </a:solidFill>
+              <a:highlight>
+                <a:srgbClr val="FFFFFF"/>
+              </a:highlight>
+              <a:latin typeface="+mj-lt"/>
+            </a:endParaRPr>
+          </a:p>
+          <a:p>
+            <a:pPr marL="171450" indent="-171450" algn="just">
+              <a:buFont typeface="Arial" panose="020B0604020202020204" pitchFamily="34" charset="0"/>
+              <a:buChar char="•"/>
+            </a:pPr>
+            <a:r>
+              <a:rPr lang="pl-PL" sz="1200" b="1" dirty="0"/>
+              <a:t>pandas</a:t>
+            </a:r>
+            <a:r>
+              <a:rPr lang="pl-PL" sz="1200" dirty="0"/>
+              <a:t>:</a:t>
+            </a:r>
+            <a:r>
+              <a:rPr lang="de-DE" sz="1200" dirty="0"/>
+              <a:t> </a:t>
+            </a:r>
+            <a:r>
+              <a:rPr lang="pl-PL" sz="1200" dirty="0"/>
+              <a:t>Biblioteka do analizy danych, umożliwiająca manipulację i analizę dużych zbiorów danych poprzez struktury danych takie jak DataFrame.</a:t>
+            </a:r>
+          </a:p>
+          <a:p>
+            <a:pPr marL="171450" indent="-171450" algn="just">
+              <a:buFont typeface="Arial" panose="020B0604020202020204" pitchFamily="34" charset="0"/>
+              <a:buChar char="•"/>
+            </a:pPr>
+            <a:r>
+              <a:rPr lang="pl-PL" sz="1200" dirty="0"/>
+              <a:t> </a:t>
+            </a:r>
+            <a:r>
+              <a:rPr lang="pl-PL" sz="1200" b="1" dirty="0"/>
+              <a:t>numpy:</a:t>
+            </a:r>
+            <a:r>
+              <a:rPr lang="de-DE" sz="1200" b="1" dirty="0"/>
+              <a:t> </a:t>
+            </a:r>
+            <a:r>
+              <a:rPr lang="pl-PL" sz="1200" dirty="0"/>
+              <a:t>Podstawowa biblioteka dla obliczeń numerycznych w Pythonie, oferująca wsparcie dla wielowymiarowych tablic oraz różnorodnych funkcji matematycznych.</a:t>
+            </a:r>
+          </a:p>
+          <a:p>
+            <a:pPr marL="171450" indent="-171450" algn="just">
+              <a:buFont typeface="Arial" panose="020B0604020202020204" pitchFamily="34" charset="0"/>
+              <a:buChar char="•"/>
+            </a:pPr>
+            <a:r>
+              <a:rPr lang="pl-PL" sz="1200" b="1" dirty="0"/>
+              <a:t>scikit-learn: </a:t>
+            </a:r>
+            <a:r>
+              <a:rPr lang="pl-PL" sz="1200" dirty="0"/>
+              <a:t>Biblioteka do uczenia maszynowego, zawierająca narzędzia do modelowania danych, w tym klasyfikacji, regresji i klasteryzacji.</a:t>
+            </a:r>
+          </a:p>
+          <a:p>
+            <a:pPr marL="171450" indent="-171450" algn="just">
+              <a:buFont typeface="Arial" panose="020B0604020202020204" pitchFamily="34" charset="0"/>
+              <a:buChar char="•"/>
+            </a:pPr>
+            <a:r>
+              <a:rPr lang="pl-PL" sz="1200" b="1" dirty="0"/>
+              <a:t>matplotlib</a:t>
+            </a:r>
+            <a:r>
+              <a:rPr lang="de-DE" sz="1200" b="1" dirty="0"/>
+              <a:t>/</a:t>
+            </a:r>
+            <a:r>
+              <a:rPr lang="pl-PL" sz="1200" b="1" dirty="0"/>
+              <a:t> seaborn:</a:t>
+            </a:r>
+            <a:r>
+              <a:rPr lang="de-DE" sz="1200" dirty="0"/>
+              <a:t> </a:t>
+            </a:r>
+            <a:r>
+              <a:rPr lang="pl-PL" sz="1200" dirty="0"/>
+              <a:t>Biblioteka do tworzenia wykresów i wizualizacji danych, pozwalająca na generowanie szerokiej gamy statycznych, animowanych i interaktywnych wizualizacji.</a:t>
+            </a:r>
+          </a:p>
+          <a:p>
+            <a:pPr marL="171450" indent="-171450" algn="just">
+              <a:buFont typeface="Arial" panose="020B0604020202020204" pitchFamily="34" charset="0"/>
+              <a:buChar char="•"/>
+            </a:pPr>
+            <a:r>
+              <a:rPr lang="pl-PL" sz="1200" b="1" dirty="0"/>
+              <a:t>dash:</a:t>
+            </a:r>
+            <a:r>
+              <a:rPr lang="de-DE" sz="1200" dirty="0"/>
+              <a:t> </a:t>
+            </a:r>
+            <a:r>
+              <a:rPr lang="pl-PL" sz="1200" dirty="0"/>
+              <a:t>Framework oparty na Flask i Plotly, specjalnie zaprojektowany do tworzenia interaktywnych aplikacji webowych i dashboardów.</a:t>
+            </a:r>
+            <a:endParaRPr lang="de-DE" sz="1200" dirty="0">
+              <a:solidFill>
+                <a:srgbClr val="0D0D0D"/>
+              </a:solidFill>
+              <a:highlight>
+                <a:srgbClr val="FFFFFF"/>
+              </a:highlight>
+              <a:latin typeface="+mj-lt"/>
+            </a:endParaRPr>
           </a:p>
         </p:txBody>
       </p:sp>
@@ -51156,6 +51330,15 @@
 </file>
 
 <file path=customXml/item2.xml><?xml version="1.0" encoding="utf-8"?>
+<?mso-contentType ?>
+<FormTemplates xmlns="http://schemas.microsoft.com/sharepoint/v3/contenttype/forms">
+  <Display>DocumentLibraryForm</Display>
+  <Edit>DocumentLibraryForm</Edit>
+  <New>DocumentLibraryForm</New>
+</FormTemplates>
+</file>
+
+<file path=customXml/item3.xml><?xml version="1.0" encoding="utf-8"?>
 <p:properties xmlns:p="http://schemas.microsoft.com/office/2006/metadata/properties" xmlns:xsi="http://www.w3.org/2001/XMLSchema-instance" xmlns:pc="http://schemas.microsoft.com/office/infopath/2007/PartnerControls">
   <documentManagement>
     <TaxCatchAll xmlns="f1dfd687-ce92-41e8-800b-11e03cd3205f" xsi:nil="true"/>
@@ -51164,15 +51347,6 @@
     </lcf76f155ced4ddcb4097134ff3c332f>
   </documentManagement>
 </p:properties>
-</file>
-
-<file path=customXml/item3.xml><?xml version="1.0" encoding="utf-8"?>
-<?mso-contentType ?>
-<FormTemplates xmlns="http://schemas.microsoft.com/sharepoint/v3/contenttype/forms">
-  <Display>DocumentLibraryForm</Display>
-  <Edit>DocumentLibraryForm</Edit>
-  <New>DocumentLibraryForm</New>
-</FormTemplates>
 </file>
 
 <file path=customXml/itemProps1.xml><?xml version="1.0" encoding="utf-8"?>
@@ -51195,6 +51369,14 @@
 </file>
 
 <file path=customXml/itemProps2.xml><?xml version="1.0" encoding="utf-8"?>
+<ds:datastoreItem xmlns:ds="http://schemas.openxmlformats.org/officeDocument/2006/customXml" ds:itemID="{E3C0B90A-C52C-44A3-8B28-1EFDD964602C}">
+  <ds:schemaRefs>
+    <ds:schemaRef ds:uri="http://schemas.microsoft.com/sharepoint/v3/contenttype/forms"/>
+  </ds:schemaRefs>
+</ds:datastoreItem>
+</file>
+
+<file path=customXml/itemProps3.xml><?xml version="1.0" encoding="utf-8"?>
 <ds:datastoreItem xmlns:ds="http://schemas.openxmlformats.org/officeDocument/2006/customXml" ds:itemID="{1947D6F3-2A49-4F89-9265-CD52A17ECC67}">
   <ds:schemaRefs>
     <ds:schemaRef ds:uri="http://purl.org/dc/dcmitype/"/>
@@ -51212,12 +51394,4 @@
     <ds:schemaRef ds:uri="cc32ea10-24d7-4ab8-908a-92053f695cd3"/>
   </ds:schemaRefs>
 </ds:datastoreItem>
-</file>
-
-<file path=customXml/itemProps3.xml><?xml version="1.0" encoding="utf-8"?>
-<ds:datastoreItem xmlns:ds="http://schemas.openxmlformats.org/officeDocument/2006/customXml" ds:itemID="{E3C0B90A-C52C-44A3-8B28-1EFDD964602C}">
-  <ds:schemaRefs>
-    <ds:schemaRef ds:uri="http://schemas.microsoft.com/sharepoint/v3/contenttype/forms"/>
-  </ds:schemaRefs>
-</ds:datastoreItem>
 </file>
--- a/6. Docs/Bartosz_Reszka_Piwowarski_Prezentacja.pptx
+++ b/6. Docs/Bartosz_Reszka_Piwowarski_Prezentacja.pptx
@@ -331,7 +331,7 @@
           <a:p>
             <a:fld id="{2593D5D9-7C3B-40F9-9AB8-DDFAEE6819C1}" type="datetimeFigureOut">
               <a:rPr lang="pl-PL" smtClean="0"/>
-              <a:t>04.06.2024</a:t>
+              <a:t>06.06.2024</a:t>
             </a:fld>
             <a:endParaRPr lang="pl-PL"/>
           </a:p>
@@ -489,7 +489,7 @@
           <a:p>
             <a:fld id="{928FF68F-06B8-46C0-BF33-1B7AE6637A56}" type="slidenum">
               <a:rPr lang="pl-PL" smtClean="0"/>
-              <a:t>‹Nr.›</a:t>
+              <a:t>‹#›</a:t>
             </a:fld>
             <a:endParaRPr lang="pl-PL"/>
           </a:p>
@@ -4368,7 +4368,7 @@
             <a:fld id="{00000000-1234-1234-1234-123412341234}" type="slidenum">
               <a:rPr lang="pl-PL" smtClean="0"/>
               <a:pPr/>
-              <a:t>‹Nr.›</a:t>
+              <a:t>‹#›</a:t>
             </a:fld>
             <a:endParaRPr lang="pl-PL"/>
           </a:p>
@@ -5534,7 +5534,7 @@
             <a:fld id="{00000000-1234-1234-1234-123412341234}" type="slidenum">
               <a:rPr lang="pl-PL" smtClean="0"/>
               <a:pPr/>
-              <a:t>‹Nr.›</a:t>
+              <a:t>‹#›</a:t>
             </a:fld>
             <a:endParaRPr lang="pl-PL"/>
           </a:p>
@@ -7189,7 +7189,7 @@
             <a:fld id="{00000000-1234-1234-1234-123412341234}" type="slidenum">
               <a:rPr lang="pl-PL" smtClean="0"/>
               <a:pPr/>
-              <a:t>‹Nr.›</a:t>
+              <a:t>‹#›</a:t>
             </a:fld>
             <a:endParaRPr lang="pl-PL"/>
           </a:p>
@@ -8075,7 +8075,7 @@
             <a:fld id="{00000000-1234-1234-1234-123412341234}" type="slidenum">
               <a:rPr lang="pl-PL" smtClean="0"/>
               <a:pPr/>
-              <a:t>‹Nr.›</a:t>
+              <a:t>‹#›</a:t>
             </a:fld>
             <a:endParaRPr lang="pl-PL"/>
           </a:p>
@@ -8891,7 +8891,7 @@
             <a:fld id="{00000000-1234-1234-1234-123412341234}" type="slidenum">
               <a:rPr lang="pl-PL" smtClean="0"/>
               <a:pPr/>
-              <a:t>‹Nr.›</a:t>
+              <a:t>‹#›</a:t>
             </a:fld>
             <a:endParaRPr lang="pl-PL"/>
           </a:p>
@@ -10001,7 +10001,7 @@
             <a:fld id="{00000000-1234-1234-1234-123412341234}" type="slidenum">
               <a:rPr lang="pl-PL" smtClean="0"/>
               <a:pPr/>
-              <a:t>‹Nr.›</a:t>
+              <a:t>‹#›</a:t>
             </a:fld>
             <a:endParaRPr lang="pl-PL"/>
           </a:p>
@@ -11435,7 +11435,7 @@
             <a:fld id="{00000000-1234-1234-1234-123412341234}" type="slidenum">
               <a:rPr lang="pl-PL" smtClean="0"/>
               <a:pPr/>
-              <a:t>‹Nr.›</a:t>
+              <a:t>‹#›</a:t>
             </a:fld>
             <a:endParaRPr lang="pl-PL"/>
           </a:p>
@@ -12721,7 +12721,7 @@
             <a:fld id="{00000000-1234-1234-1234-123412341234}" type="slidenum">
               <a:rPr lang="pl-PL" smtClean="0"/>
               <a:pPr/>
-              <a:t>‹Nr.›</a:t>
+              <a:t>‹#›</a:t>
             </a:fld>
             <a:endParaRPr lang="pl-PL"/>
           </a:p>
@@ -14517,7 +14517,7 @@
             <a:fld id="{00000000-1234-1234-1234-123412341234}" type="slidenum">
               <a:rPr lang="pl-PL" smtClean="0"/>
               <a:pPr/>
-              <a:t>‹Nr.›</a:t>
+              <a:t>‹#›</a:t>
             </a:fld>
             <a:endParaRPr lang="pl-PL"/>
           </a:p>
@@ -16607,7 +16607,7 @@
             <a:fld id="{00000000-1234-1234-1234-123412341234}" type="slidenum">
               <a:rPr lang="pl-PL" smtClean="0"/>
               <a:pPr/>
-              <a:t>‹Nr.›</a:t>
+              <a:t>‹#›</a:t>
             </a:fld>
             <a:endParaRPr lang="pl-PL"/>
           </a:p>
@@ -18455,7 +18455,7 @@
             <a:fld id="{00000000-1234-1234-1234-123412341234}" type="slidenum">
               <a:rPr lang="pl-PL" smtClean="0"/>
               <a:pPr/>
-              <a:t>‹Nr.›</a:t>
+              <a:t>‹#›</a:t>
             </a:fld>
             <a:endParaRPr lang="pl-PL"/>
           </a:p>
@@ -20009,7 +20009,7 @@
             <a:fld id="{00000000-1234-1234-1234-123412341234}" type="slidenum">
               <a:rPr lang="pl-PL" smtClean="0"/>
               <a:pPr/>
-              <a:t>‹Nr.›</a:t>
+              <a:t>‹#›</a:t>
             </a:fld>
             <a:endParaRPr lang="pl-PL"/>
           </a:p>
@@ -21563,7 +21563,7 @@
             <a:fld id="{00000000-1234-1234-1234-123412341234}" type="slidenum">
               <a:rPr lang="pl-PL" smtClean="0"/>
               <a:pPr/>
-              <a:t>‹Nr.›</a:t>
+              <a:t>‹#›</a:t>
             </a:fld>
             <a:endParaRPr lang="pl-PL"/>
           </a:p>
@@ -23306,7 +23306,7 @@
             <a:fld id="{00000000-1234-1234-1234-123412341234}" type="slidenum">
               <a:rPr lang="pl-PL" smtClean="0"/>
               <a:pPr/>
-              <a:t>‹Nr.›</a:t>
+              <a:t>‹#›</a:t>
             </a:fld>
             <a:endParaRPr lang="pl-PL"/>
           </a:p>
@@ -24446,7 +24446,7 @@
             <a:fld id="{00000000-1234-1234-1234-123412341234}" type="slidenum">
               <a:rPr lang="pl-PL" smtClean="0"/>
               <a:pPr/>
-              <a:t>‹Nr.›</a:t>
+              <a:t>‹#›</a:t>
             </a:fld>
             <a:endParaRPr lang="pl-PL"/>
           </a:p>
@@ -26172,7 +26172,7 @@
             <a:fld id="{00000000-1234-1234-1234-123412341234}" type="slidenum">
               <a:rPr lang="pl-PL" smtClean="0"/>
               <a:pPr/>
-              <a:t>‹Nr.›</a:t>
+              <a:t>‹#›</a:t>
             </a:fld>
             <a:endParaRPr lang="pl-PL"/>
           </a:p>
@@ -27008,7 +27008,19 @@
               <a:rPr lang="pl-PL" sz="2000" dirty="0">
                 <a:latin typeface="Helvetica" pitchFamily="2" charset="0"/>
               </a:rPr>
-              <a:t>Analiza opłacalności instalacji fotowoltaicznych w wybranych regioniach na podstawie danych historycznych z serwisu OpenWeatherMap oraz z predykcja na lata 2024 - 2035.</a:t>
+              <a:t>Analiza opłacalności instalacji fotowoltaicznych w wybranych regioniach na podstawie danych historycznych z serwisu </a:t>
+            </a:r>
+            <a:r>
+              <a:rPr lang="pl-PL" sz="2000">
+                <a:latin typeface="Helvetica" pitchFamily="2" charset="0"/>
+              </a:rPr>
+              <a:t>OpenWeatherMap z </a:t>
+            </a:r>
+            <a:r>
+              <a:rPr lang="pl-PL" sz="2000" dirty="0">
+                <a:latin typeface="Helvetica" pitchFamily="2" charset="0"/>
+              </a:rPr>
+              <a:t>predykcja na lata 2024 - 2035.</a:t>
             </a:r>
             <a:endParaRPr lang="pl-PL" sz="2000" b="0" dirty="0">
               <a:latin typeface="Helvetica" pitchFamily="2" charset="0"/>
@@ -37898,36 +37910,6 @@
           </a:p>
         </p:txBody>
       </p:sp>
-      <p:pic>
-        <p:nvPicPr>
-          <p:cNvPr id="7" name="Obraz 6">
-            <a:extLst>
-              <a:ext uri="{FF2B5EF4-FFF2-40B4-BE49-F238E27FC236}">
-                <a16:creationId xmlns:a16="http://schemas.microsoft.com/office/drawing/2014/main" id="{3F43360E-517E-C224-5E33-422F568DEBFB}"/>
-              </a:ext>
-            </a:extLst>
-          </p:cNvPr>
-          <p:cNvPicPr>
-            <a:picLocks noChangeAspect="1"/>
-          </p:cNvPicPr>
-          <p:nvPr/>
-        </p:nvPicPr>
-        <p:blipFill>
-          <a:blip r:embed="rId2"/>
-          <a:stretch>
-            <a:fillRect/>
-          </a:stretch>
-        </p:blipFill>
-        <p:spPr>
-          <a:xfrm>
-            <a:off x="4260914" y="1359167"/>
-            <a:ext cx="4038461" cy="4789465"/>
-          </a:xfrm>
-          <a:prstGeom prst="rect">
-            <a:avLst/>
-          </a:prstGeom>
-        </p:spPr>
-      </p:pic>
       <p:sp>
         <p:nvSpPr>
           <p:cNvPr id="8" name="pole tekstowe 7">
@@ -37959,7 +37941,7 @@
             <a:pPr algn="ctr"/>
             <a:r>
               <a:rPr lang="pl-PL" dirty="0"/>
-              <a:t>Każdy słuchacz wypełnia oświadczenie, które należy wstawić w prezentacji</a:t>
+              <a:t>Oświadczenie autora pracy_Bartosz_RP_06.06.2024</a:t>
             </a:r>
           </a:p>
         </p:txBody>
@@ -37979,7 +37961,7 @@
           <p:nvPr/>
         </p:nvPicPr>
         <p:blipFill>
-          <a:blip r:embed="rId3">
+          <a:blip r:embed="rId2">
             <a:extLst>
               <a:ext uri="{28A0092B-C50C-407E-A947-70E740481C1C}">
                 <a14:useLocalDpi xmlns:a14="http://schemas.microsoft.com/office/drawing/2010/main" val="0"/>
@@ -37994,6 +37976,36 @@
           <a:xfrm>
             <a:off x="593760" y="6225427"/>
             <a:ext cx="4445000" cy="596900"/>
+          </a:xfrm>
+          <a:prstGeom prst="rect">
+            <a:avLst/>
+          </a:prstGeom>
+        </p:spPr>
+      </p:pic>
+      <p:pic>
+        <p:nvPicPr>
+          <p:cNvPr id="5" name="Picture 4">
+            <a:extLst>
+              <a:ext uri="{FF2B5EF4-FFF2-40B4-BE49-F238E27FC236}">
+                <a16:creationId xmlns:a16="http://schemas.microsoft.com/office/drawing/2014/main" id="{EABF6E6B-642E-CEFC-F73B-BD2A64C8D29A}"/>
+              </a:ext>
+            </a:extLst>
+          </p:cNvPr>
+          <p:cNvPicPr>
+            <a:picLocks noChangeAspect="1"/>
+          </p:cNvPicPr>
+          <p:nvPr/>
+        </p:nvPicPr>
+        <p:blipFill>
+          <a:blip r:embed="rId3"/>
+          <a:stretch>
+            <a:fillRect/>
+          </a:stretch>
+        </p:blipFill>
+        <p:spPr>
+          <a:xfrm>
+            <a:off x="4368851" y="1192897"/>
+            <a:ext cx="3526569" cy="4897122"/>
           </a:xfrm>
           <a:prstGeom prst="rect">
             <a:avLst/>

--- a/6. Docs/Bartosz_Reszka_Piwowarski_Prezentacja.pptx
+++ b/6. Docs/Bartosz_Reszka_Piwowarski_Prezentacja.pptx
@@ -331,7 +331,7 @@
           <a:p>
             <a:fld id="{2593D5D9-7C3B-40F9-9AB8-DDFAEE6819C1}" type="datetimeFigureOut">
               <a:rPr lang="pl-PL" smtClean="0"/>
-              <a:t>06.06.2024</a:t>
+              <a:t>22.06.2024</a:t>
             </a:fld>
             <a:endParaRPr lang="pl-PL"/>
           </a:p>
@@ -27008,19 +27008,27 @@
               <a:rPr lang="pl-PL" sz="2000" dirty="0">
                 <a:latin typeface="Helvetica" pitchFamily="2" charset="0"/>
               </a:rPr>
-              <a:t>Analiza opłacalności instalacji fotowoltaicznych w wybranych regioniach na podstawie danych historycznych z serwisu </a:t>
-            </a:r>
-            <a:r>
-              <a:rPr lang="pl-PL" sz="2000">
-                <a:latin typeface="Helvetica" pitchFamily="2" charset="0"/>
-              </a:rPr>
-              <a:t>OpenWeatherMap z </a:t>
+              <a:t>Analiza opłacalności instalacji fotowoltaicznych w wybranych regioniach na podstawie danych historycznych z serwisu OpenWeatherMap z predykcj</a:t>
+            </a:r>
+            <a:r>
+              <a:rPr lang="pl-PL" sz="2000" i="0" dirty="0">
+                <a:solidFill>
+                  <a:srgbClr val="0D0D0D"/>
+                </a:solidFill>
+                <a:effectLst/>
+                <a:highlight>
+                  <a:srgbClr val="FFFFFF"/>
+                </a:highlight>
+                <a:latin typeface="Helvetica" panose="020B0604020202020204" pitchFamily="34" charset="0"/>
+                <a:cs typeface="Helvetica" panose="020B0604020202020204" pitchFamily="34" charset="0"/>
+              </a:rPr>
+              <a:t>ą</a:t>
             </a:r>
             <a:r>
               <a:rPr lang="pl-PL" sz="2000" dirty="0">
                 <a:latin typeface="Helvetica" pitchFamily="2" charset="0"/>
               </a:rPr>
-              <a:t>predykcja na lata 2024 - 2035.</a:t>
+              <a:t> na lata 2024 - 2035.</a:t>
             </a:r>
             <a:endParaRPr lang="pl-PL" sz="2000" b="0" dirty="0">
               <a:latin typeface="Helvetica" pitchFamily="2" charset="0"/>
@@ -27781,21 +27789,6 @@
               <a:buFont typeface="+mj-lt"/>
               <a:buAutoNum type="arabicPeriod"/>
             </a:pPr>
-            <a:endParaRPr lang="pl-PL" sz="1200" dirty="0">
-              <a:latin typeface="Helvetica" pitchFamily="2" charset="0"/>
-            </a:endParaRPr>
-          </a:p>
-          <a:p>
-            <a:pPr marL="228600" indent="-228600">
-              <a:buFont typeface="+mj-lt"/>
-              <a:buAutoNum type="arabicPeriod"/>
-            </a:pPr>
-            <a:r>
-              <a:rPr lang="pl-PL" sz="1200" dirty="0">
-                <a:latin typeface="Helvetica" pitchFamily="2" charset="0"/>
-              </a:rPr>
-              <a:t>Modelowanie: Budowa modeli predykcyjnych i ocena ich skuteczności.</a:t>
-            </a:r>
             <a:endParaRPr lang="de-DE" sz="1200" dirty="0">
               <a:latin typeface="Helvetica" pitchFamily="2" charset="0"/>
             </a:endParaRPr>
@@ -27805,7 +27798,13 @@
               <a:buFont typeface="+mj-lt"/>
               <a:buAutoNum type="arabicPeriod"/>
             </a:pPr>
-            <a:endParaRPr lang="pl-PL" sz="1200" dirty="0">
+            <a:r>
+              <a:rPr lang="pl-PL" sz="1200" dirty="0">
+                <a:latin typeface="Helvetica" pitchFamily="2" charset="0"/>
+              </a:rPr>
+              <a:t>Wnioski: Podsumowanie wyników analizy oraz rekomendacje na przyszłość.</a:t>
+            </a:r>
+            <a:endParaRPr lang="de-DE" sz="1200" dirty="0">
               <a:latin typeface="Helvetica" pitchFamily="2" charset="0"/>
             </a:endParaRPr>
           </a:p>
@@ -27814,13 +27813,12 @@
               <a:buFont typeface="+mj-lt"/>
               <a:buAutoNum type="arabicPeriod"/>
             </a:pPr>
-            <a:r>
-              <a:rPr lang="pl-PL" sz="1200" dirty="0">
-                <a:latin typeface="Helvetica" pitchFamily="2" charset="0"/>
-              </a:rPr>
-              <a:t>Wnioski: Podsumowanie wyników analizy oraz rekomendacje na przyszłość.</a:t>
-            </a:r>
             <a:endParaRPr lang="de-DE" sz="1200" dirty="0">
+              <a:latin typeface="Helvetica" pitchFamily="2" charset="0"/>
+            </a:endParaRPr>
+          </a:p>
+          <a:p>
+            <a:endParaRPr lang="pl-PL" sz="1200" dirty="0">
               <a:latin typeface="Helvetica" pitchFamily="2" charset="0"/>
             </a:endParaRPr>
           </a:p>
@@ -51342,15 +51340,6 @@
 </file>
 
 <file path=customXml/item2.xml><?xml version="1.0" encoding="utf-8"?>
-<?mso-contentType ?>
-<FormTemplates xmlns="http://schemas.microsoft.com/sharepoint/v3/contenttype/forms">
-  <Display>DocumentLibraryForm</Display>
-  <Edit>DocumentLibraryForm</Edit>
-  <New>DocumentLibraryForm</New>
-</FormTemplates>
-</file>
-
-<file path=customXml/item3.xml><?xml version="1.0" encoding="utf-8"?>
 <p:properties xmlns:p="http://schemas.microsoft.com/office/2006/metadata/properties" xmlns:xsi="http://www.w3.org/2001/XMLSchema-instance" xmlns:pc="http://schemas.microsoft.com/office/infopath/2007/PartnerControls">
   <documentManagement>
     <TaxCatchAll xmlns="f1dfd687-ce92-41e8-800b-11e03cd3205f" xsi:nil="true"/>
@@ -51359,6 +51348,15 @@
     </lcf76f155ced4ddcb4097134ff3c332f>
   </documentManagement>
 </p:properties>
+</file>
+
+<file path=customXml/item3.xml><?xml version="1.0" encoding="utf-8"?>
+<?mso-contentType ?>
+<FormTemplates xmlns="http://schemas.microsoft.com/sharepoint/v3/contenttype/forms">
+  <Display>DocumentLibraryForm</Display>
+  <Edit>DocumentLibraryForm</Edit>
+  <New>DocumentLibraryForm</New>
+</FormTemplates>
 </file>
 
 <file path=customXml/itemProps1.xml><?xml version="1.0" encoding="utf-8"?>
@@ -51381,14 +51379,6 @@
 </file>
 
 <file path=customXml/itemProps2.xml><?xml version="1.0" encoding="utf-8"?>
-<ds:datastoreItem xmlns:ds="http://schemas.openxmlformats.org/officeDocument/2006/customXml" ds:itemID="{E3C0B90A-C52C-44A3-8B28-1EFDD964602C}">
-  <ds:schemaRefs>
-    <ds:schemaRef ds:uri="http://schemas.microsoft.com/sharepoint/v3/contenttype/forms"/>
-  </ds:schemaRefs>
-</ds:datastoreItem>
-</file>
-
-<file path=customXml/itemProps3.xml><?xml version="1.0" encoding="utf-8"?>
 <ds:datastoreItem xmlns:ds="http://schemas.openxmlformats.org/officeDocument/2006/customXml" ds:itemID="{1947D6F3-2A49-4F89-9265-CD52A17ECC67}">
   <ds:schemaRefs>
     <ds:schemaRef ds:uri="http://purl.org/dc/dcmitype/"/>
@@ -51406,4 +51396,12 @@
     <ds:schemaRef ds:uri="cc32ea10-24d7-4ab8-908a-92053f695cd3"/>
   </ds:schemaRefs>
 </ds:datastoreItem>
+</file>
+
+<file path=customXml/itemProps3.xml><?xml version="1.0" encoding="utf-8"?>
+<ds:datastoreItem xmlns:ds="http://schemas.openxmlformats.org/officeDocument/2006/customXml" ds:itemID="{E3C0B90A-C52C-44A3-8B28-1EFDD964602C}">
+  <ds:schemaRefs>
+    <ds:schemaRef ds:uri="http://schemas.microsoft.com/sharepoint/v3/contenttype/forms"/>
+  </ds:schemaRefs>
+</ds:datastoreItem>
 </file>